--- a/docs/Presentation - Left luggage detection.pptx
+++ b/docs/Presentation - Left luggage detection.pptx
@@ -5,14 +5,18 @@
     <p:sldMasterId id="2147483648" r:id="rId1"/>
   </p:sldMasterIdLst>
   <p:notesMasterIdLst>
-    <p:notesMasterId r:id="rId4"/>
+    <p:notesMasterId r:id="rId8"/>
   </p:notesMasterIdLst>
   <p:handoutMasterIdLst>
-    <p:handoutMasterId r:id="rId5"/>
+    <p:handoutMasterId r:id="rId9"/>
   </p:handoutMasterIdLst>
   <p:sldIdLst>
     <p:sldId id="320" r:id="rId2"/>
-    <p:sldId id="374" r:id="rId3"/>
+    <p:sldId id="375" r:id="rId3"/>
+    <p:sldId id="376" r:id="rId4"/>
+    <p:sldId id="377" r:id="rId5"/>
+    <p:sldId id="378" r:id="rId6"/>
+    <p:sldId id="374" r:id="rId7"/>
   </p:sldIdLst>
   <p:sldSz cx="9144000" cy="6858000" type="screen4x3"/>
   <p:notesSz cx="6858000" cy="9144000"/>
@@ -3215,21 +3219,7 @@
                 <a:latin typeface="Tahoma" pitchFamily="34" charset="0"/>
                 <a:cs typeface="Tahoma" pitchFamily="34" charset="0"/>
               </a:rPr>
-              <a:t> </a:t>
-            </a:r>
-            <a:r>
-              <a:rPr lang="it-IT" altLang="it-IT" sz="1100" dirty="0" smtClean="0">
-                <a:latin typeface="Tahoma" pitchFamily="34" charset="0"/>
-                <a:cs typeface="Tahoma" pitchFamily="34" charset="0"/>
-              </a:rPr>
-              <a:t>– </a:t>
-            </a:r>
-            <a:r>
-              <a:rPr lang="it-IT" altLang="it-IT" sz="1100" dirty="0" smtClean="0">
-                <a:latin typeface="Tahoma" pitchFamily="34" charset="0"/>
-                <a:cs typeface="Tahoma" pitchFamily="34" charset="0"/>
-              </a:rPr>
-              <a:t>March </a:t>
+              <a:t> – March </a:t>
             </a:r>
             <a:r>
               <a:rPr lang="it-IT" altLang="it-IT" sz="1100" dirty="0" err="1" smtClean="0">
@@ -4760,6 +4750,913 @@
 </file>
 
 <file path=ppt/slides/slide2.xml><?xml version="1.0" encoding="utf-8"?>
+<p:sld xmlns:a="http://schemas.openxmlformats.org/drawingml/2006/main" xmlns:r="http://schemas.openxmlformats.org/officeDocument/2006/relationships" xmlns:p="http://schemas.openxmlformats.org/presentationml/2006/main">
+  <p:cSld>
+    <p:spTree>
+      <p:nvGrpSpPr>
+        <p:cNvPr id="1" name=""/>
+        <p:cNvGrpSpPr/>
+        <p:nvPr/>
+      </p:nvGrpSpPr>
+      <p:grpSpPr>
+        <a:xfrm>
+          <a:off x="0" y="0"/>
+          <a:ext cx="0" cy="0"/>
+          <a:chOff x="0" y="0"/>
+          <a:chExt cx="0" cy="0"/>
+        </a:xfrm>
+      </p:grpSpPr>
+      <p:sp>
+        <p:nvSpPr>
+          <p:cNvPr id="6" name="Titolo 5"/>
+          <p:cNvSpPr>
+            <a:spLocks noGrp="1"/>
+          </p:cNvSpPr>
+          <p:nvPr>
+            <p:ph type="title"/>
+          </p:nvPr>
+        </p:nvSpPr>
+        <p:spPr/>
+        <p:txBody>
+          <a:bodyPr/>
+          <a:lstStyle/>
+          <a:p>
+            <a:r>
+              <a:rPr lang="it-IT" dirty="0" smtClean="0"/>
+              <a:t>Left </a:t>
+            </a:r>
+            <a:r>
+              <a:rPr lang="it-IT" dirty="0" err="1" smtClean="0"/>
+              <a:t>luggage</a:t>
+            </a:r>
+            <a:r>
+              <a:rPr lang="it-IT" dirty="0" smtClean="0"/>
+              <a:t> </a:t>
+            </a:r>
+            <a:r>
+              <a:rPr lang="it-IT" dirty="0" err="1" smtClean="0"/>
+              <a:t>detection</a:t>
+            </a:r>
+            <a:endParaRPr lang="it-IT" dirty="0"/>
+          </a:p>
+        </p:txBody>
+      </p:sp>
+      <p:sp>
+        <p:nvSpPr>
+          <p:cNvPr id="7" name="Segnaposto contenuto 6"/>
+          <p:cNvSpPr>
+            <a:spLocks noGrp="1"/>
+          </p:cNvSpPr>
+          <p:nvPr>
+            <p:ph idx="1"/>
+          </p:nvPr>
+        </p:nvSpPr>
+        <p:spPr/>
+        <p:txBody>
+          <a:bodyPr/>
+          <a:lstStyle/>
+          <a:p>
+            <a:r>
+              <a:rPr lang="it-IT" dirty="0" err="1" smtClean="0"/>
+              <a:t>Detection</a:t>
+            </a:r>
+            <a:r>
+              <a:rPr lang="it-IT" dirty="0" smtClean="0"/>
+              <a:t> of </a:t>
+            </a:r>
+            <a:r>
+              <a:rPr lang="it-IT" dirty="0" err="1" smtClean="0"/>
+              <a:t>abandoned</a:t>
+            </a:r>
+            <a:r>
+              <a:rPr lang="it-IT" dirty="0" smtClean="0"/>
+              <a:t> </a:t>
+            </a:r>
+            <a:r>
+              <a:rPr lang="it-IT" dirty="0" err="1" smtClean="0"/>
+              <a:t>items</a:t>
+            </a:r>
+            <a:r>
+              <a:rPr lang="it-IT" dirty="0" smtClean="0"/>
+              <a:t> in public </a:t>
+            </a:r>
+            <a:r>
+              <a:rPr lang="it-IT" dirty="0" err="1" smtClean="0"/>
+              <a:t>places</a:t>
+            </a:r>
+            <a:r>
+              <a:rPr lang="it-IT" dirty="0" smtClean="0"/>
+              <a:t>:</a:t>
+            </a:r>
+          </a:p>
+          <a:p>
+            <a:pPr lvl="1"/>
+            <a:r>
+              <a:rPr lang="it-IT" dirty="0" err="1" smtClean="0"/>
+              <a:t>Airports</a:t>
+            </a:r>
+            <a:endParaRPr lang="it-IT" dirty="0" smtClean="0"/>
+          </a:p>
+          <a:p>
+            <a:pPr lvl="1"/>
+            <a:r>
+              <a:rPr lang="it-IT" dirty="0" smtClean="0"/>
+              <a:t>Train station</a:t>
+            </a:r>
+          </a:p>
+          <a:p>
+            <a:r>
+              <a:rPr lang="it-IT" dirty="0" err="1" smtClean="0"/>
+              <a:t>Issues</a:t>
+            </a:r>
+            <a:r>
+              <a:rPr lang="it-IT" dirty="0" smtClean="0"/>
+              <a:t>:</a:t>
+            </a:r>
+          </a:p>
+          <a:p>
+            <a:pPr lvl="1"/>
+            <a:r>
+              <a:rPr lang="it-IT" dirty="0" err="1" smtClean="0"/>
+              <a:t>Shadows</a:t>
+            </a:r>
+            <a:endParaRPr lang="it-IT" dirty="0" smtClean="0"/>
+          </a:p>
+          <a:p>
+            <a:pPr lvl="1"/>
+            <a:r>
+              <a:rPr lang="it-IT" dirty="0" err="1" smtClean="0"/>
+              <a:t>Occlusions</a:t>
+            </a:r>
+            <a:endParaRPr lang="it-IT" dirty="0" smtClean="0"/>
+          </a:p>
+          <a:p>
+            <a:pPr lvl="1"/>
+            <a:r>
+              <a:rPr lang="it-IT" dirty="0" err="1" smtClean="0"/>
+              <a:t>Illumination</a:t>
+            </a:r>
+            <a:r>
+              <a:rPr lang="it-IT" dirty="0" smtClean="0"/>
+              <a:t> </a:t>
+            </a:r>
+            <a:r>
+              <a:rPr lang="it-IT" dirty="0" err="1" smtClean="0"/>
+              <a:t>changes</a:t>
+            </a:r>
+            <a:endParaRPr lang="it-IT" dirty="0" smtClean="0"/>
+          </a:p>
+          <a:p>
+            <a:pPr lvl="1"/>
+            <a:r>
+              <a:rPr lang="it-IT" dirty="0" err="1" smtClean="0"/>
+              <a:t>Clutter</a:t>
+            </a:r>
+            <a:endParaRPr lang="it-IT" dirty="0"/>
+          </a:p>
+        </p:txBody>
+      </p:sp>
+      <p:sp>
+        <p:nvSpPr>
+          <p:cNvPr id="8" name="Segnaposto contenuto 7"/>
+          <p:cNvSpPr>
+            <a:spLocks noGrp="1"/>
+          </p:cNvSpPr>
+          <p:nvPr>
+            <p:ph sz="quarter" idx="11"/>
+          </p:nvPr>
+        </p:nvSpPr>
+        <p:spPr/>
+        <p:txBody>
+          <a:bodyPr/>
+          <a:lstStyle/>
+          <a:p>
+            <a:r>
+              <a:rPr lang="it-IT" dirty="0" err="1" smtClean="0"/>
+              <a:t>Introduction</a:t>
+            </a:r>
+            <a:endParaRPr lang="it-IT" dirty="0"/>
+          </a:p>
+        </p:txBody>
+      </p:sp>
+      <p:pic>
+        <p:nvPicPr>
+          <p:cNvPr id="9" name="Immagine 8"/>
+          <p:cNvPicPr>
+            <a:picLocks noChangeAspect="1"/>
+          </p:cNvPicPr>
+          <p:nvPr/>
+        </p:nvPicPr>
+        <p:blipFill>
+          <a:blip r:embed="rId2">
+            <a:extLst>
+              <a:ext uri="{28A0092B-C50C-407E-A947-70E740481C1C}">
+                <a14:useLocalDpi xmlns:a14="http://schemas.microsoft.com/office/drawing/2010/main" val="0"/>
+              </a:ext>
+            </a:extLst>
+          </a:blip>
+          <a:stretch>
+            <a:fillRect/>
+          </a:stretch>
+        </p:blipFill>
+        <p:spPr>
+          <a:xfrm>
+            <a:off x="5967796" y="3612769"/>
+            <a:ext cx="2492636" cy="1900926"/>
+          </a:xfrm>
+          <a:prstGeom prst="rect">
+            <a:avLst/>
+          </a:prstGeom>
+          <a:ln>
+            <a:noFill/>
+          </a:ln>
+          <a:effectLst>
+            <a:outerShdw blurRad="292100" dist="139700" dir="2700000" algn="tl" rotWithShape="0">
+              <a:srgbClr val="333333">
+                <a:alpha val="65000"/>
+              </a:srgbClr>
+            </a:outerShdw>
+          </a:effectLst>
+        </p:spPr>
+      </p:pic>
+      <p:pic>
+        <p:nvPicPr>
+          <p:cNvPr id="10" name="Immagine 9"/>
+          <p:cNvPicPr>
+            <a:picLocks noChangeAspect="1"/>
+          </p:cNvPicPr>
+          <p:nvPr/>
+        </p:nvPicPr>
+        <p:blipFill>
+          <a:blip r:embed="rId3" cstate="print">
+            <a:extLst>
+              <a:ext uri="{28A0092B-C50C-407E-A947-70E740481C1C}">
+                <a14:useLocalDpi xmlns:a14="http://schemas.microsoft.com/office/drawing/2010/main" val="0"/>
+              </a:ext>
+            </a:extLst>
+          </a:blip>
+          <a:stretch>
+            <a:fillRect/>
+          </a:stretch>
+        </p:blipFill>
+        <p:spPr>
+          <a:xfrm>
+            <a:off x="4815668" y="2708920"/>
+            <a:ext cx="2160000" cy="1620000"/>
+          </a:xfrm>
+          <a:prstGeom prst="rect">
+            <a:avLst/>
+          </a:prstGeom>
+          <a:ln>
+            <a:noFill/>
+          </a:ln>
+          <a:effectLst>
+            <a:outerShdw blurRad="292100" dist="139700" dir="2700000" algn="tl" rotWithShape="0">
+              <a:srgbClr val="333333">
+                <a:alpha val="65000"/>
+              </a:srgbClr>
+            </a:outerShdw>
+          </a:effectLst>
+        </p:spPr>
+      </p:pic>
+    </p:spTree>
+    <p:extLst>
+      <p:ext uri="{BB962C8B-B14F-4D97-AF65-F5344CB8AC3E}">
+        <p14:creationId xmlns:p14="http://schemas.microsoft.com/office/powerpoint/2010/main" val="2949656052"/>
+      </p:ext>
+    </p:extLst>
+  </p:cSld>
+  <p:clrMapOvr>
+    <a:masterClrMapping/>
+  </p:clrMapOvr>
+  <p:timing>
+    <p:tnLst>
+      <p:par>
+        <p:cTn id="1" dur="indefinite" restart="never" nodeType="tmRoot"/>
+      </p:par>
+    </p:tnLst>
+  </p:timing>
+</p:sld>
+</file>
+
+<file path=ppt/slides/slide3.xml><?xml version="1.0" encoding="utf-8"?>
+<p:sld xmlns:a="http://schemas.openxmlformats.org/drawingml/2006/main" xmlns:r="http://schemas.openxmlformats.org/officeDocument/2006/relationships" xmlns:p="http://schemas.openxmlformats.org/presentationml/2006/main">
+  <p:cSld>
+    <p:spTree>
+      <p:nvGrpSpPr>
+        <p:cNvPr id="1" name=""/>
+        <p:cNvGrpSpPr/>
+        <p:nvPr/>
+      </p:nvGrpSpPr>
+      <p:grpSpPr>
+        <a:xfrm>
+          <a:off x="0" y="0"/>
+          <a:ext cx="0" cy="0"/>
+          <a:chOff x="0" y="0"/>
+          <a:chExt cx="0" cy="0"/>
+        </a:xfrm>
+      </p:grpSpPr>
+      <p:sp>
+        <p:nvSpPr>
+          <p:cNvPr id="2" name="Titolo 1"/>
+          <p:cNvSpPr>
+            <a:spLocks noGrp="1"/>
+          </p:cNvSpPr>
+          <p:nvPr>
+            <p:ph type="title"/>
+          </p:nvPr>
+        </p:nvSpPr>
+        <p:spPr/>
+        <p:txBody>
+          <a:bodyPr/>
+          <a:lstStyle/>
+          <a:p>
+            <a:r>
+              <a:rPr lang="it-IT" dirty="0" err="1" smtClean="0"/>
+              <a:t>Kinect</a:t>
+            </a:r>
+            <a:endParaRPr lang="it-IT" dirty="0"/>
+          </a:p>
+        </p:txBody>
+      </p:sp>
+      <mc:AlternateContent xmlns:mc="http://schemas.openxmlformats.org/markup-compatibility/2006">
+        <mc:Choice xmlns:a14="http://schemas.microsoft.com/office/drawing/2010/main" Requires="a14">
+          <p:sp>
+            <p:nvSpPr>
+              <p:cNvPr id="3" name="Segnaposto contenuto 2"/>
+              <p:cNvSpPr>
+                <a:spLocks noGrp="1"/>
+              </p:cNvSpPr>
+              <p:nvPr>
+                <p:ph idx="1"/>
+              </p:nvPr>
+            </p:nvSpPr>
+            <p:spPr/>
+            <p:txBody>
+              <a:bodyPr>
+                <a:normAutofit/>
+              </a:bodyPr>
+              <a:lstStyle/>
+              <a:p>
+                <a:r>
+                  <a:rPr lang="it-IT" dirty="0" smtClean="0"/>
+                  <a:t>Video </a:t>
+                </a:r>
+                <a:r>
+                  <a:rPr lang="it-IT" dirty="0" err="1" smtClean="0"/>
+                  <a:t>capture</a:t>
+                </a:r>
+                <a:r>
+                  <a:rPr lang="it-IT" dirty="0" smtClean="0"/>
+                  <a:t> with </a:t>
+                </a:r>
+                <a:r>
+                  <a:rPr lang="it-IT" dirty="0" err="1" smtClean="0"/>
+                  <a:t>Kinect</a:t>
+                </a:r>
+                <a:r>
+                  <a:rPr lang="it-IT" dirty="0" smtClean="0"/>
+                  <a:t> </a:t>
+                </a:r>
+                <a:r>
+                  <a:rPr lang="it-IT" dirty="0" err="1" smtClean="0"/>
+                  <a:t>device</a:t>
+                </a:r>
+                <a:endParaRPr lang="it-IT" dirty="0" smtClean="0"/>
+              </a:p>
+              <a:p>
+                <a:pPr lvl="1"/>
+                <a:r>
+                  <a:rPr lang="it-IT" dirty="0" smtClean="0"/>
+                  <a:t>RGB camera:</a:t>
+                </a:r>
+              </a:p>
+              <a:p>
+                <a:pPr lvl="2"/>
+                <a:r>
+                  <a:rPr lang="it-IT" dirty="0"/>
+                  <a:t>resolution </a:t>
+                </a:r>
+                <a14:m>
+                  <m:oMath xmlns:m="http://schemas.openxmlformats.org/officeDocument/2006/math">
+                    <m:r>
+                      <a:rPr lang="it-IT" i="1">
+                        <a:latin typeface="Cambria Math"/>
+                      </a:rPr>
+                      <m:t>640</m:t>
+                    </m:r>
+                    <m:r>
+                      <a:rPr lang="it-IT" i="1">
+                        <a:latin typeface="Cambria Math"/>
+                        <a:ea typeface="Cambria Math"/>
+                      </a:rPr>
+                      <m:t>×480</m:t>
+                    </m:r>
+                  </m:oMath>
+                </a14:m>
+                <a:endParaRPr lang="it-IT" dirty="0" smtClean="0">
+                  <a:ea typeface="Cambria Math"/>
+                </a:endParaRPr>
+              </a:p>
+              <a:p>
+                <a:pPr lvl="2"/>
+                <a14:m>
+                  <m:oMath xmlns:m="http://schemas.openxmlformats.org/officeDocument/2006/math">
+                    <m:r>
+                      <a:rPr lang="it-IT" b="0" i="1" smtClean="0">
+                        <a:latin typeface="Cambria Math"/>
+                      </a:rPr>
+                      <m:t>8</m:t>
+                    </m:r>
+                  </m:oMath>
+                </a14:m>
+                <a:r>
+                  <a:rPr lang="it-IT" dirty="0" smtClean="0"/>
+                  <a:t> bit </a:t>
+                </a:r>
+                <a:r>
+                  <a:rPr lang="it-IT" dirty="0" err="1" smtClean="0"/>
+                  <a:t>quantization</a:t>
+                </a:r>
+                <a:endParaRPr lang="it-IT" dirty="0" smtClean="0"/>
+              </a:p>
+              <a:p>
+                <a:pPr lvl="1"/>
+                <a:r>
+                  <a:rPr lang="it-IT" dirty="0" smtClean="0"/>
+                  <a:t>Depth </a:t>
+                </a:r>
+                <a:r>
+                  <a:rPr lang="it-IT" dirty="0" err="1" smtClean="0"/>
+                  <a:t>sensor</a:t>
+                </a:r>
+                <a:r>
+                  <a:rPr lang="it-IT" dirty="0" smtClean="0"/>
+                  <a:t>:</a:t>
+                </a:r>
+              </a:p>
+              <a:p>
+                <a:pPr lvl="2"/>
+                <a:r>
+                  <a:rPr lang="it-IT" dirty="0"/>
+                  <a:t>resolution </a:t>
+                </a:r>
+                <a14:m>
+                  <m:oMath xmlns:m="http://schemas.openxmlformats.org/officeDocument/2006/math">
+                    <m:r>
+                      <a:rPr lang="it-IT" i="1">
+                        <a:latin typeface="Cambria Math"/>
+                      </a:rPr>
+                      <m:t>640</m:t>
+                    </m:r>
+                    <m:r>
+                      <a:rPr lang="it-IT" i="1">
+                        <a:latin typeface="Cambria Math"/>
+                        <a:ea typeface="Cambria Math"/>
+                      </a:rPr>
+                      <m:t>×480</m:t>
+                    </m:r>
+                  </m:oMath>
+                </a14:m>
+                <a:endParaRPr lang="it-IT" dirty="0">
+                  <a:ea typeface="Cambria Math"/>
+                </a:endParaRPr>
+              </a:p>
+              <a:p>
+                <a:pPr lvl="2"/>
+                <a14:m>
+                  <m:oMath xmlns:m="http://schemas.openxmlformats.org/officeDocument/2006/math">
+                    <m:r>
+                      <a:rPr lang="it-IT" b="0" i="1" smtClean="0">
+                        <a:latin typeface="Cambria Math"/>
+                      </a:rPr>
+                      <m:t>11</m:t>
+                    </m:r>
+                  </m:oMath>
+                </a14:m>
+                <a:r>
+                  <a:rPr lang="it-IT" dirty="0"/>
+                  <a:t> bit </a:t>
+                </a:r>
+                <a:r>
+                  <a:rPr lang="it-IT" dirty="0" err="1" smtClean="0"/>
+                  <a:t>quantization</a:t>
+                </a:r>
+                <a:endParaRPr lang="it-IT" dirty="0" smtClean="0"/>
+              </a:p>
+              <a:p>
+                <a:pPr lvl="1"/>
+                <a:r>
+                  <a:rPr lang="it-IT" dirty="0" smtClean="0"/>
+                  <a:t>USB 2.0 </a:t>
+                </a:r>
+                <a:r>
+                  <a:rPr lang="it-IT" dirty="0" err="1" smtClean="0"/>
+                  <a:t>interface</a:t>
+                </a:r>
+                <a:endParaRPr lang="it-IT" dirty="0" smtClean="0"/>
+              </a:p>
+            </p:txBody>
+          </p:sp>
+        </mc:Choice>
+        <mc:Fallback>
+          <p:sp>
+            <p:nvSpPr>
+              <p:cNvPr id="3" name="Segnaposto contenuto 2"/>
+              <p:cNvSpPr>
+                <a:spLocks noGrp="1" noRot="1" noChangeAspect="1" noMove="1" noResize="1" noEditPoints="1" noAdjustHandles="1" noChangeArrowheads="1" noChangeShapeType="1" noTextEdit="1"/>
+              </p:cNvSpPr>
+              <p:nvPr>
+                <p:ph idx="1"/>
+              </p:nvPr>
+            </p:nvSpPr>
+            <p:spPr>
+              <a:blipFill rotWithShape="1">
+                <a:blip r:embed="rId2"/>
+                <a:stretch>
+                  <a:fillRect l="-323" t="-412"/>
+                </a:stretch>
+              </a:blipFill>
+            </p:spPr>
+            <p:txBody>
+              <a:bodyPr/>
+              <a:lstStyle/>
+              <a:p>
+                <a:r>
+                  <a:rPr lang="it-IT">
+                    <a:noFill/>
+                  </a:rPr>
+                  <a:t> </a:t>
+                </a:r>
+              </a:p>
+            </p:txBody>
+          </p:sp>
+        </mc:Fallback>
+      </mc:AlternateContent>
+      <p:sp>
+        <p:nvSpPr>
+          <p:cNvPr id="4" name="Segnaposto contenuto 3"/>
+          <p:cNvSpPr>
+            <a:spLocks noGrp="1"/>
+          </p:cNvSpPr>
+          <p:nvPr>
+            <p:ph sz="quarter" idx="11"/>
+          </p:nvPr>
+        </p:nvSpPr>
+        <p:spPr/>
+        <p:txBody>
+          <a:bodyPr/>
+          <a:lstStyle/>
+          <a:p>
+            <a:r>
+              <a:rPr lang="it-IT" dirty="0" err="1" smtClean="0"/>
+              <a:t>Introduction</a:t>
+            </a:r>
+            <a:endParaRPr lang="it-IT" dirty="0"/>
+          </a:p>
+        </p:txBody>
+      </p:sp>
+      <p:pic>
+        <p:nvPicPr>
+          <p:cNvPr id="5" name="Immagine 4"/>
+          <p:cNvPicPr>
+            <a:picLocks noChangeAspect="1"/>
+          </p:cNvPicPr>
+          <p:nvPr/>
+        </p:nvPicPr>
+        <p:blipFill>
+          <a:blip r:embed="rId3" cstate="print">
+            <a:extLst>
+              <a:ext uri="{28A0092B-C50C-407E-A947-70E740481C1C}">
+                <a14:useLocalDpi xmlns:a14="http://schemas.microsoft.com/office/drawing/2010/main" val="0"/>
+              </a:ext>
+            </a:extLst>
+          </a:blip>
+          <a:stretch>
+            <a:fillRect/>
+          </a:stretch>
+        </p:blipFill>
+        <p:spPr>
+          <a:xfrm>
+            <a:off x="5230615" y="2276872"/>
+            <a:ext cx="3150000" cy="2520000"/>
+          </a:xfrm>
+          <a:prstGeom prst="rect">
+            <a:avLst/>
+          </a:prstGeom>
+        </p:spPr>
+      </p:pic>
+    </p:spTree>
+    <p:extLst>
+      <p:ext uri="{BB962C8B-B14F-4D97-AF65-F5344CB8AC3E}">
+        <p14:creationId xmlns:p14="http://schemas.microsoft.com/office/powerpoint/2010/main" val="2725993318"/>
+      </p:ext>
+    </p:extLst>
+  </p:cSld>
+  <p:clrMapOvr>
+    <a:masterClrMapping/>
+  </p:clrMapOvr>
+  <p:timing>
+    <p:tnLst>
+      <p:par>
+        <p:cTn id="1" dur="indefinite" restart="never" nodeType="tmRoot"/>
+      </p:par>
+    </p:tnLst>
+  </p:timing>
+</p:sld>
+</file>
+
+<file path=ppt/slides/slide4.xml><?xml version="1.0" encoding="utf-8"?>
+<p:sld xmlns:a="http://schemas.openxmlformats.org/drawingml/2006/main" xmlns:r="http://schemas.openxmlformats.org/officeDocument/2006/relationships" xmlns:p="http://schemas.openxmlformats.org/presentationml/2006/main">
+  <p:cSld>
+    <p:spTree>
+      <p:nvGrpSpPr>
+        <p:cNvPr id="1" name=""/>
+        <p:cNvGrpSpPr/>
+        <p:nvPr/>
+      </p:nvGrpSpPr>
+      <p:grpSpPr>
+        <a:xfrm>
+          <a:off x="0" y="0"/>
+          <a:ext cx="0" cy="0"/>
+          <a:chOff x="0" y="0"/>
+          <a:chExt cx="0" cy="0"/>
+        </a:xfrm>
+      </p:grpSpPr>
+      <p:sp>
+        <p:nvSpPr>
+          <p:cNvPr id="2" name="Titolo 1"/>
+          <p:cNvSpPr>
+            <a:spLocks noGrp="1"/>
+          </p:cNvSpPr>
+          <p:nvPr>
+            <p:ph type="title"/>
+          </p:nvPr>
+        </p:nvSpPr>
+        <p:spPr/>
+        <p:txBody>
+          <a:bodyPr/>
+          <a:lstStyle/>
+          <a:p>
+            <a:r>
+              <a:rPr lang="it-IT" dirty="0" smtClean="0"/>
+              <a:t>Pipeline</a:t>
+            </a:r>
+            <a:endParaRPr lang="it-IT" dirty="0"/>
+          </a:p>
+        </p:txBody>
+      </p:sp>
+      <p:sp>
+        <p:nvSpPr>
+          <p:cNvPr id="3" name="Segnaposto contenuto 2"/>
+          <p:cNvSpPr>
+            <a:spLocks noGrp="1"/>
+          </p:cNvSpPr>
+          <p:nvPr>
+            <p:ph idx="1"/>
+          </p:nvPr>
+        </p:nvSpPr>
+        <p:spPr/>
+        <p:txBody>
+          <a:bodyPr/>
+          <a:lstStyle/>
+          <a:p>
+            <a:r>
+              <a:rPr lang="it-IT" dirty="0" smtClean="0"/>
+              <a:t>RGB and </a:t>
+            </a:r>
+            <a:r>
+              <a:rPr lang="it-IT" dirty="0" err="1" smtClean="0"/>
+              <a:t>depth</a:t>
+            </a:r>
+            <a:r>
+              <a:rPr lang="it-IT" dirty="0" smtClean="0"/>
+              <a:t> video are </a:t>
+            </a:r>
+            <a:r>
+              <a:rPr lang="it-IT" dirty="0" err="1" smtClean="0"/>
+              <a:t>analyzed</a:t>
+            </a:r>
+            <a:r>
+              <a:rPr lang="it-IT" dirty="0" smtClean="0"/>
+              <a:t> </a:t>
+            </a:r>
+            <a:r>
+              <a:rPr lang="it-IT" dirty="0" err="1" smtClean="0"/>
+              <a:t>independently</a:t>
+            </a:r>
+            <a:endParaRPr lang="it-IT" dirty="0" smtClean="0"/>
+          </a:p>
+          <a:p>
+            <a:pPr lvl="1"/>
+            <a:endParaRPr lang="it-IT" dirty="0"/>
+          </a:p>
+        </p:txBody>
+      </p:sp>
+      <p:sp>
+        <p:nvSpPr>
+          <p:cNvPr id="4" name="Segnaposto contenuto 3"/>
+          <p:cNvSpPr>
+            <a:spLocks noGrp="1"/>
+          </p:cNvSpPr>
+          <p:nvPr>
+            <p:ph sz="quarter" idx="11"/>
+          </p:nvPr>
+        </p:nvSpPr>
+        <p:spPr/>
+        <p:txBody>
+          <a:bodyPr/>
+          <a:lstStyle/>
+          <a:p>
+            <a:r>
+              <a:rPr lang="it-IT" dirty="0" err="1" smtClean="0"/>
+              <a:t>Approach</a:t>
+            </a:r>
+            <a:endParaRPr lang="it-IT" dirty="0"/>
+          </a:p>
+        </p:txBody>
+      </p:sp>
+    </p:spTree>
+    <p:extLst>
+      <p:ext uri="{BB962C8B-B14F-4D97-AF65-F5344CB8AC3E}">
+        <p14:creationId xmlns:p14="http://schemas.microsoft.com/office/powerpoint/2010/main" val="3067572025"/>
+      </p:ext>
+    </p:extLst>
+  </p:cSld>
+  <p:clrMapOvr>
+    <a:masterClrMapping/>
+  </p:clrMapOvr>
+  <p:timing>
+    <p:tnLst>
+      <p:par>
+        <p:cTn id="1" dur="indefinite" restart="never" nodeType="tmRoot"/>
+      </p:par>
+    </p:tnLst>
+  </p:timing>
+</p:sld>
+</file>
+
+<file path=ppt/slides/slide5.xml><?xml version="1.0" encoding="utf-8"?>
+<p:sld xmlns:a="http://schemas.openxmlformats.org/drawingml/2006/main" xmlns:r="http://schemas.openxmlformats.org/officeDocument/2006/relationships" xmlns:p="http://schemas.openxmlformats.org/presentationml/2006/main">
+  <p:cSld>
+    <p:spTree>
+      <p:nvGrpSpPr>
+        <p:cNvPr id="1" name=""/>
+        <p:cNvGrpSpPr/>
+        <p:nvPr/>
+      </p:nvGrpSpPr>
+      <p:grpSpPr>
+        <a:xfrm>
+          <a:off x="0" y="0"/>
+          <a:ext cx="0" cy="0"/>
+          <a:chOff x="0" y="0"/>
+          <a:chExt cx="0" cy="0"/>
+        </a:xfrm>
+      </p:grpSpPr>
+      <p:sp>
+        <p:nvSpPr>
+          <p:cNvPr id="2" name="Titolo 1"/>
+          <p:cNvSpPr>
+            <a:spLocks noGrp="1"/>
+          </p:cNvSpPr>
+          <p:nvPr>
+            <p:ph type="title"/>
+          </p:nvPr>
+        </p:nvSpPr>
+        <p:spPr/>
+        <p:txBody>
+          <a:bodyPr/>
+          <a:lstStyle/>
+          <a:p>
+            <a:r>
+              <a:rPr lang="it-IT" dirty="0" smtClean="0"/>
+              <a:t>Technologies</a:t>
+            </a:r>
+            <a:endParaRPr lang="it-IT" dirty="0"/>
+          </a:p>
+        </p:txBody>
+      </p:sp>
+      <p:sp>
+        <p:nvSpPr>
+          <p:cNvPr id="3" name="Segnaposto contenuto 2"/>
+          <p:cNvSpPr>
+            <a:spLocks noGrp="1"/>
+          </p:cNvSpPr>
+          <p:nvPr>
+            <p:ph idx="1"/>
+          </p:nvPr>
+        </p:nvSpPr>
+        <p:spPr/>
+        <p:txBody>
+          <a:bodyPr/>
+          <a:lstStyle/>
+          <a:p>
+            <a:r>
+              <a:rPr lang="it-IT" dirty="0" err="1"/>
+              <a:t>OpenKinect</a:t>
+            </a:r>
+            <a:endParaRPr lang="it-IT" dirty="0"/>
+          </a:p>
+          <a:p>
+            <a:pPr lvl="1"/>
+            <a:r>
+              <a:rPr lang="it-IT" dirty="0"/>
+              <a:t>Open source </a:t>
+            </a:r>
+            <a:r>
+              <a:rPr lang="it-IT" dirty="0" err="1"/>
+              <a:t>library</a:t>
+            </a:r>
+            <a:endParaRPr lang="it-IT" dirty="0"/>
+          </a:p>
+          <a:p>
+            <a:pPr lvl="1"/>
+            <a:r>
+              <a:rPr lang="it-IT" dirty="0" err="1"/>
+              <a:t>Multiplatform</a:t>
+            </a:r>
+            <a:endParaRPr lang="it-IT" dirty="0"/>
+          </a:p>
+          <a:p>
+            <a:pPr lvl="1"/>
+            <a:endParaRPr lang="it-IT" dirty="0"/>
+          </a:p>
+        </p:txBody>
+      </p:sp>
+      <p:sp>
+        <p:nvSpPr>
+          <p:cNvPr id="4" name="Segnaposto contenuto 3"/>
+          <p:cNvSpPr>
+            <a:spLocks noGrp="1"/>
+          </p:cNvSpPr>
+          <p:nvPr>
+            <p:ph sz="quarter" idx="11"/>
+          </p:nvPr>
+        </p:nvSpPr>
+        <p:spPr/>
+        <p:txBody>
+          <a:bodyPr/>
+          <a:lstStyle/>
+          <a:p>
+            <a:r>
+              <a:rPr lang="it-IT" dirty="0" smtClean="0"/>
+              <a:t>Development</a:t>
+            </a:r>
+            <a:endParaRPr lang="it-IT" dirty="0"/>
+          </a:p>
+        </p:txBody>
+      </p:sp>
+      <p:pic>
+        <p:nvPicPr>
+          <p:cNvPr id="5" name="Immagine 4"/>
+          <p:cNvPicPr>
+            <a:picLocks noChangeAspect="1"/>
+          </p:cNvPicPr>
+          <p:nvPr/>
+        </p:nvPicPr>
+        <p:blipFill>
+          <a:blip r:embed="rId2">
+            <a:extLst>
+              <a:ext uri="{28A0092B-C50C-407E-A947-70E740481C1C}">
+                <a14:useLocalDpi xmlns:a14="http://schemas.microsoft.com/office/drawing/2010/main" val="0"/>
+              </a:ext>
+            </a:extLst>
+          </a:blip>
+          <a:stretch>
+            <a:fillRect/>
+          </a:stretch>
+        </p:blipFill>
+        <p:spPr>
+          <a:xfrm>
+            <a:off x="5349917" y="5170136"/>
+            <a:ext cx="2911396" cy="468000"/>
+          </a:xfrm>
+          <a:prstGeom prst="rect">
+            <a:avLst/>
+          </a:prstGeom>
+        </p:spPr>
+      </p:pic>
+    </p:spTree>
+    <p:extLst>
+      <p:ext uri="{BB962C8B-B14F-4D97-AF65-F5344CB8AC3E}">
+        <p14:creationId xmlns:p14="http://schemas.microsoft.com/office/powerpoint/2010/main" val="3409093805"/>
+      </p:ext>
+    </p:extLst>
+  </p:cSld>
+  <p:clrMapOvr>
+    <a:masterClrMapping/>
+  </p:clrMapOvr>
+  <p:timing>
+    <p:tnLst>
+      <p:par>
+        <p:cTn id="1" dur="indefinite" restart="never" nodeType="tmRoot"/>
+      </p:par>
+    </p:tnLst>
+  </p:timing>
+</p:sld>
+</file>
+
+<file path=ppt/slides/slide6.xml><?xml version="1.0" encoding="utf-8"?>
 <p:sld xmlns:a="http://schemas.openxmlformats.org/drawingml/2006/main" xmlns:r="http://schemas.openxmlformats.org/officeDocument/2006/relationships" xmlns:p="http://schemas.openxmlformats.org/presentationml/2006/main">
   <p:cSld>
     <p:spTree>

--- a/docs/Presentation - Left luggage detection.pptx
+++ b/docs/Presentation - Left luggage detection.pptx
@@ -262,7 +262,7 @@
               <a:pPr>
                 <a:defRPr/>
               </a:pPr>
-              <a:t>02/03/2014</a:t>
+              <a:t>03/03/2014</a:t>
             </a:fld>
             <a:endParaRPr lang="it-IT" altLang="it-IT"/>
           </a:p>
@@ -5079,8 +5079,8 @@
           </a:p>
         </p:txBody>
       </p:sp>
-      <mc:AlternateContent xmlns:mc="http://schemas.openxmlformats.org/markup-compatibility/2006">
-        <mc:Choice xmlns:a14="http://schemas.microsoft.com/office/drawing/2010/main" Requires="a14">
+      <mc:AlternateContent xmlns:mc="http://schemas.openxmlformats.org/markup-compatibility/2006" xmlns:a14="http://schemas.microsoft.com/office/drawing/2010/main">
+        <mc:Choice Requires="a14">
           <p:sp>
             <p:nvSpPr>
               <p:cNvPr id="3" name="Segnaposto contenuto 2"/>
@@ -5259,7 +5259,7 @@
             </p:txBody>
           </p:sp>
         </mc:Choice>
-        <mc:Fallback>
+        <mc:Fallback xmlns="">
           <p:sp>
             <p:nvSpPr>
               <p:cNvPr id="3" name="Segnaposto contenuto 2"/>
@@ -5476,6 +5476,156 @@
           </a:p>
         </p:txBody>
       </p:sp>
+      <p:pic>
+        <p:nvPicPr>
+          <p:cNvPr id="10" name="Immagine 9"/>
+          <p:cNvPicPr>
+            <a:picLocks noChangeAspect="1"/>
+          </p:cNvPicPr>
+          <p:nvPr/>
+        </p:nvPicPr>
+        <p:blipFill>
+          <a:blip r:embed="rId2" cstate="print">
+            <a:extLst>
+              <a:ext uri="{28A0092B-C50C-407E-A947-70E740481C1C}">
+                <a14:useLocalDpi xmlns:a14="http://schemas.microsoft.com/office/drawing/2010/main" val="0"/>
+              </a:ext>
+            </a:extLst>
+          </a:blip>
+          <a:stretch>
+            <a:fillRect/>
+          </a:stretch>
+        </p:blipFill>
+        <p:spPr>
+          <a:xfrm>
+            <a:off x="3630954" y="4581128"/>
+            <a:ext cx="2021166" cy="1440000"/>
+          </a:xfrm>
+          <a:prstGeom prst="rect">
+            <a:avLst/>
+          </a:prstGeom>
+        </p:spPr>
+      </p:pic>
+      <p:pic>
+        <p:nvPicPr>
+          <p:cNvPr id="11" name="Immagine 10"/>
+          <p:cNvPicPr>
+            <a:picLocks noChangeAspect="1"/>
+          </p:cNvPicPr>
+          <p:nvPr/>
+        </p:nvPicPr>
+        <p:blipFill>
+          <a:blip r:embed="rId3" cstate="print">
+            <a:extLst>
+              <a:ext uri="{28A0092B-C50C-407E-A947-70E740481C1C}">
+                <a14:useLocalDpi xmlns:a14="http://schemas.microsoft.com/office/drawing/2010/main" val="0"/>
+              </a:ext>
+            </a:extLst>
+          </a:blip>
+          <a:stretch>
+            <a:fillRect/>
+          </a:stretch>
+        </p:blipFill>
+        <p:spPr>
+          <a:xfrm>
+            <a:off x="6288202" y="3782321"/>
+            <a:ext cx="2028214" cy="1440000"/>
+          </a:xfrm>
+          <a:prstGeom prst="rect">
+            <a:avLst/>
+          </a:prstGeom>
+        </p:spPr>
+      </p:pic>
+      <p:pic>
+        <p:nvPicPr>
+          <p:cNvPr id="12" name="Immagine 11"/>
+          <p:cNvPicPr>
+            <a:picLocks noChangeAspect="1"/>
+          </p:cNvPicPr>
+          <p:nvPr/>
+        </p:nvPicPr>
+        <p:blipFill>
+          <a:blip r:embed="rId4" cstate="print">
+            <a:extLst>
+              <a:ext uri="{28A0092B-C50C-407E-A947-70E740481C1C}">
+                <a14:useLocalDpi xmlns:a14="http://schemas.microsoft.com/office/drawing/2010/main" val="0"/>
+              </a:ext>
+            </a:extLst>
+          </a:blip>
+          <a:stretch>
+            <a:fillRect/>
+          </a:stretch>
+        </p:blipFill>
+        <p:spPr>
+          <a:xfrm>
+            <a:off x="3623906" y="2933685"/>
+            <a:ext cx="2028214" cy="1440000"/>
+          </a:xfrm>
+          <a:prstGeom prst="rect">
+            <a:avLst/>
+          </a:prstGeom>
+        </p:spPr>
+      </p:pic>
+      <p:pic>
+        <p:nvPicPr>
+          <p:cNvPr id="13" name="Immagine 12"/>
+          <p:cNvPicPr>
+            <a:picLocks noChangeAspect="1"/>
+          </p:cNvPicPr>
+          <p:nvPr/>
+        </p:nvPicPr>
+        <p:blipFill>
+          <a:blip r:embed="rId5" cstate="print">
+            <a:extLst>
+              <a:ext uri="{28A0092B-C50C-407E-A947-70E740481C1C}">
+                <a14:useLocalDpi xmlns:a14="http://schemas.microsoft.com/office/drawing/2010/main" val="0"/>
+              </a:ext>
+            </a:extLst>
+          </a:blip>
+          <a:stretch>
+            <a:fillRect/>
+          </a:stretch>
+        </p:blipFill>
+        <p:spPr>
+          <a:xfrm>
+            <a:off x="899592" y="2930101"/>
+            <a:ext cx="2035200" cy="1440000"/>
+          </a:xfrm>
+          <a:prstGeom prst="rect">
+            <a:avLst/>
+          </a:prstGeom>
+        </p:spPr>
+      </p:pic>
+      <p:pic>
+        <p:nvPicPr>
+          <p:cNvPr id="14" name="Immagine 13"/>
+          <p:cNvPicPr>
+            <a:picLocks noChangeAspect="1"/>
+          </p:cNvPicPr>
+          <p:nvPr/>
+        </p:nvPicPr>
+        <p:blipFill>
+          <a:blip r:embed="rId6" cstate="print">
+            <a:extLst>
+              <a:ext uri="{28A0092B-C50C-407E-A947-70E740481C1C}">
+                <a14:useLocalDpi xmlns:a14="http://schemas.microsoft.com/office/drawing/2010/main" val="0"/>
+              </a:ext>
+            </a:extLst>
+          </a:blip>
+          <a:stretch>
+            <a:fillRect/>
+          </a:stretch>
+        </p:blipFill>
+        <p:spPr>
+          <a:xfrm>
+            <a:off x="899592" y="4581128"/>
+            <a:ext cx="2040901" cy="1440000"/>
+          </a:xfrm>
+          <a:prstGeom prst="rect">
+            <a:avLst/>
+          </a:prstGeom>
+        </p:spPr>
+      </p:pic>
     </p:spTree>
     <p:extLst>
       <p:ext uri="{BB962C8B-B14F-4D97-AF65-F5344CB8AC3E}">

--- a/docs/Presentation - Left luggage detection.pptx
+++ b/docs/Presentation - Left luggage detection.pptx
@@ -13,8 +13,8 @@
   <p:sldIdLst>
     <p:sldId id="320" r:id="rId2"/>
     <p:sldId id="375" r:id="rId3"/>
-    <p:sldId id="376" r:id="rId4"/>
-    <p:sldId id="377" r:id="rId5"/>
+    <p:sldId id="377" r:id="rId4"/>
+    <p:sldId id="376" r:id="rId5"/>
     <p:sldId id="378" r:id="rId6"/>
     <p:sldId id="374" r:id="rId7"/>
   </p:sldIdLst>
@@ -5058,6 +5058,444 @@
       </p:grpSpPr>
       <p:sp>
         <p:nvSpPr>
+          <p:cNvPr id="15" name="Rettangolo 14"/>
+          <p:cNvSpPr/>
+          <p:nvPr/>
+        </p:nvSpPr>
+        <p:spPr bwMode="auto">
+          <a:xfrm>
+            <a:off x="3468013" y="2924944"/>
+            <a:ext cx="2340000" cy="3384376"/>
+          </a:xfrm>
+          <a:prstGeom prst="rect">
+            <a:avLst/>
+          </a:prstGeom>
+          <a:solidFill>
+            <a:schemeClr val="bg2">
+              <a:lumMod val="40000"/>
+              <a:lumOff val="60000"/>
+            </a:schemeClr>
+          </a:solidFill>
+          <a:ln w="9525" cap="flat" cmpd="sng" algn="ctr">
+            <a:noFill/>
+            <a:prstDash val="solid"/>
+            <a:round/>
+            <a:headEnd type="none" w="med" len="med"/>
+            <a:tailEnd type="none" w="med" len="med"/>
+          </a:ln>
+          <a:effectLst/>
+          <a:scene3d>
+            <a:camera prst="orthographicFront">
+              <a:rot lat="0" lon="0" rev="0"/>
+            </a:camera>
+            <a:lightRig rig="contrasting" dir="t">
+              <a:rot lat="0" lon="0" rev="7800000"/>
+            </a:lightRig>
+          </a:scene3d>
+          <a:sp3d>
+            <a:bevelT w="139700" h="139700"/>
+          </a:sp3d>
+        </p:spPr>
+        <p:txBody>
+          <a:bodyPr vert="horz" wrap="square" lIns="91440" tIns="45720" rIns="91440" bIns="45720" numCol="1" rtlCol="0" anchor="t" anchorCtr="0" compatLnSpc="1">
+            <a:prstTxWarp prst="textNoShape">
+              <a:avLst/>
+            </a:prstTxWarp>
+          </a:bodyPr>
+          <a:lstStyle/>
+          <a:p>
+            <a:pPr marL="0" marR="0" indent="0" algn="l" defTabSz="449263" rtl="0" eaLnBrk="1" fontAlgn="base" latinLnBrk="0" hangingPunct="1">
+              <a:lnSpc>
+                <a:spcPct val="100000"/>
+              </a:lnSpc>
+              <a:spcBef>
+                <a:spcPct val="0"/>
+              </a:spcBef>
+              <a:spcAft>
+                <a:spcPct val="0"/>
+              </a:spcAft>
+              <a:buClr>
+                <a:srgbClr val="000000"/>
+              </a:buClr>
+              <a:buSzPct val="100000"/>
+              <a:buFont typeface="Times New Roman" pitchFamily="16" charset="0"/>
+              <a:buNone/>
+              <a:tabLst/>
+            </a:pPr>
+            <a:endParaRPr kumimoji="0" lang="it-IT" sz="1800" b="0" i="0" u="none" strike="noStrike" cap="none" normalizeH="0" baseline="0" smtClean="0">
+              <a:ln>
+                <a:noFill/>
+              </a:ln>
+              <a:solidFill>
+                <a:schemeClr val="bg1"/>
+              </a:solidFill>
+              <a:effectLst/>
+              <a:latin typeface="Arial" charset="0"/>
+            </a:endParaRPr>
+          </a:p>
+        </p:txBody>
+      </p:sp>
+      <p:sp>
+        <p:nvSpPr>
+          <p:cNvPr id="5" name="Rettangolo 4"/>
+          <p:cNvSpPr/>
+          <p:nvPr/>
+        </p:nvSpPr>
+        <p:spPr bwMode="auto">
+          <a:xfrm>
+            <a:off x="755576" y="2924944"/>
+            <a:ext cx="2340000" cy="3384376"/>
+          </a:xfrm>
+          <a:prstGeom prst="rect">
+            <a:avLst/>
+          </a:prstGeom>
+          <a:solidFill>
+            <a:schemeClr val="bg2">
+              <a:lumMod val="40000"/>
+              <a:lumOff val="60000"/>
+            </a:schemeClr>
+          </a:solidFill>
+          <a:ln w="9525" cap="flat" cmpd="sng" algn="ctr">
+            <a:noFill/>
+            <a:prstDash val="solid"/>
+            <a:round/>
+            <a:headEnd type="none" w="med" len="med"/>
+            <a:tailEnd type="none" w="med" len="med"/>
+          </a:ln>
+          <a:effectLst/>
+          <a:scene3d>
+            <a:camera prst="orthographicFront">
+              <a:rot lat="0" lon="0" rev="0"/>
+            </a:camera>
+            <a:lightRig rig="contrasting" dir="t">
+              <a:rot lat="0" lon="0" rev="7800000"/>
+            </a:lightRig>
+          </a:scene3d>
+          <a:sp3d>
+            <a:bevelT w="139700" h="139700"/>
+          </a:sp3d>
+        </p:spPr>
+        <p:txBody>
+          <a:bodyPr vert="horz" wrap="square" lIns="91440" tIns="45720" rIns="91440" bIns="45720" numCol="1" rtlCol="0" anchor="t" anchorCtr="0" compatLnSpc="1">
+            <a:prstTxWarp prst="textNoShape">
+              <a:avLst/>
+            </a:prstTxWarp>
+          </a:bodyPr>
+          <a:lstStyle/>
+          <a:p>
+            <a:pPr marL="0" marR="0" indent="0" algn="l" defTabSz="449263" rtl="0" eaLnBrk="1" fontAlgn="base" latinLnBrk="0" hangingPunct="1">
+              <a:lnSpc>
+                <a:spcPct val="100000"/>
+              </a:lnSpc>
+              <a:spcBef>
+                <a:spcPct val="0"/>
+              </a:spcBef>
+              <a:spcAft>
+                <a:spcPct val="0"/>
+              </a:spcAft>
+              <a:buClr>
+                <a:srgbClr val="000000"/>
+              </a:buClr>
+              <a:buSzPct val="100000"/>
+              <a:buFont typeface="Times New Roman" pitchFamily="16" charset="0"/>
+              <a:buNone/>
+              <a:tabLst/>
+            </a:pPr>
+            <a:endParaRPr kumimoji="0" lang="it-IT" sz="1800" b="0" i="0" u="none" strike="noStrike" cap="none" normalizeH="0" baseline="0" smtClean="0">
+              <a:ln>
+                <a:noFill/>
+              </a:ln>
+              <a:solidFill>
+                <a:schemeClr val="bg1"/>
+              </a:solidFill>
+              <a:effectLst/>
+              <a:latin typeface="Arial" charset="0"/>
+            </a:endParaRPr>
+          </a:p>
+        </p:txBody>
+      </p:sp>
+      <p:sp>
+        <p:nvSpPr>
+          <p:cNvPr id="2" name="Titolo 1"/>
+          <p:cNvSpPr>
+            <a:spLocks noGrp="1"/>
+          </p:cNvSpPr>
+          <p:nvPr>
+            <p:ph type="title"/>
+          </p:nvPr>
+        </p:nvSpPr>
+        <p:spPr/>
+        <p:txBody>
+          <a:bodyPr/>
+          <a:lstStyle/>
+          <a:p>
+            <a:r>
+              <a:rPr lang="it-IT" dirty="0" smtClean="0"/>
+              <a:t>Pipeline</a:t>
+            </a:r>
+            <a:endParaRPr lang="it-IT" dirty="0"/>
+          </a:p>
+        </p:txBody>
+      </p:sp>
+      <p:sp>
+        <p:nvSpPr>
+          <p:cNvPr id="3" name="Segnaposto contenuto 2"/>
+          <p:cNvSpPr>
+            <a:spLocks noGrp="1"/>
+          </p:cNvSpPr>
+          <p:nvPr>
+            <p:ph idx="1"/>
+          </p:nvPr>
+        </p:nvSpPr>
+        <p:spPr/>
+        <p:txBody>
+          <a:bodyPr/>
+          <a:lstStyle/>
+          <a:p>
+            <a:r>
+              <a:rPr lang="it-IT" dirty="0" smtClean="0"/>
+              <a:t>RGB and </a:t>
+            </a:r>
+            <a:r>
+              <a:rPr lang="it-IT" dirty="0" err="1" smtClean="0"/>
+              <a:t>depth</a:t>
+            </a:r>
+            <a:r>
+              <a:rPr lang="it-IT" dirty="0" smtClean="0"/>
+              <a:t> video are </a:t>
+            </a:r>
+            <a:r>
+              <a:rPr lang="it-IT" dirty="0" err="1" smtClean="0"/>
+              <a:t>analyzed</a:t>
+            </a:r>
+            <a:r>
+              <a:rPr lang="it-IT" dirty="0" smtClean="0"/>
+              <a:t> </a:t>
+            </a:r>
+            <a:r>
+              <a:rPr lang="it-IT" dirty="0" err="1" smtClean="0"/>
+              <a:t>independently</a:t>
+            </a:r>
+            <a:endParaRPr lang="it-IT" dirty="0" smtClean="0"/>
+          </a:p>
+          <a:p>
+            <a:pPr lvl="1"/>
+            <a:endParaRPr lang="it-IT" dirty="0"/>
+          </a:p>
+        </p:txBody>
+      </p:sp>
+      <p:sp>
+        <p:nvSpPr>
+          <p:cNvPr id="4" name="Segnaposto contenuto 3"/>
+          <p:cNvSpPr>
+            <a:spLocks noGrp="1"/>
+          </p:cNvSpPr>
+          <p:nvPr>
+            <p:ph sz="quarter" idx="11"/>
+          </p:nvPr>
+        </p:nvSpPr>
+        <p:spPr/>
+        <p:txBody>
+          <a:bodyPr/>
+          <a:lstStyle/>
+          <a:p>
+            <a:r>
+              <a:rPr lang="it-IT" dirty="0" err="1" smtClean="0"/>
+              <a:t>Approach</a:t>
+            </a:r>
+            <a:endParaRPr lang="it-IT" dirty="0"/>
+          </a:p>
+        </p:txBody>
+      </p:sp>
+      <p:pic>
+        <p:nvPicPr>
+          <p:cNvPr id="10" name="Immagine 9"/>
+          <p:cNvPicPr>
+            <a:picLocks noChangeAspect="1"/>
+          </p:cNvPicPr>
+          <p:nvPr/>
+        </p:nvPicPr>
+        <p:blipFill>
+          <a:blip r:embed="rId2" cstate="print">
+            <a:extLst>
+              <a:ext uri="{28A0092B-C50C-407E-A947-70E740481C1C}">
+                <a14:useLocalDpi xmlns:a14="http://schemas.microsoft.com/office/drawing/2010/main" val="0"/>
+              </a:ext>
+            </a:extLst>
+          </a:blip>
+          <a:stretch>
+            <a:fillRect/>
+          </a:stretch>
+        </p:blipFill>
+        <p:spPr>
+          <a:xfrm>
+            <a:off x="3630954" y="4725144"/>
+            <a:ext cx="2021166" cy="1440000"/>
+          </a:xfrm>
+          <a:prstGeom prst="rect">
+            <a:avLst/>
+          </a:prstGeom>
+        </p:spPr>
+      </p:pic>
+      <p:pic>
+        <p:nvPicPr>
+          <p:cNvPr id="11" name="Immagine 10"/>
+          <p:cNvPicPr>
+            <a:picLocks noChangeAspect="1"/>
+          </p:cNvPicPr>
+          <p:nvPr/>
+        </p:nvPicPr>
+        <p:blipFill>
+          <a:blip r:embed="rId3" cstate="print">
+            <a:extLst>
+              <a:ext uri="{28A0092B-C50C-407E-A947-70E740481C1C}">
+                <a14:useLocalDpi xmlns:a14="http://schemas.microsoft.com/office/drawing/2010/main" val="0"/>
+              </a:ext>
+            </a:extLst>
+          </a:blip>
+          <a:stretch>
+            <a:fillRect/>
+          </a:stretch>
+        </p:blipFill>
+        <p:spPr>
+          <a:xfrm>
+            <a:off x="6288202" y="3926337"/>
+            <a:ext cx="2028214" cy="1440000"/>
+          </a:xfrm>
+          <a:prstGeom prst="rect">
+            <a:avLst/>
+          </a:prstGeom>
+        </p:spPr>
+      </p:pic>
+      <p:pic>
+        <p:nvPicPr>
+          <p:cNvPr id="12" name="Immagine 11"/>
+          <p:cNvPicPr>
+            <a:picLocks noChangeAspect="1"/>
+          </p:cNvPicPr>
+          <p:nvPr/>
+        </p:nvPicPr>
+        <p:blipFill>
+          <a:blip r:embed="rId4" cstate="print">
+            <a:extLst>
+              <a:ext uri="{28A0092B-C50C-407E-A947-70E740481C1C}">
+                <a14:useLocalDpi xmlns:a14="http://schemas.microsoft.com/office/drawing/2010/main" val="0"/>
+              </a:ext>
+            </a:extLst>
+          </a:blip>
+          <a:stretch>
+            <a:fillRect/>
+          </a:stretch>
+        </p:blipFill>
+        <p:spPr>
+          <a:xfrm>
+            <a:off x="3623906" y="3077701"/>
+            <a:ext cx="2028214" cy="1440000"/>
+          </a:xfrm>
+          <a:prstGeom prst="rect">
+            <a:avLst/>
+          </a:prstGeom>
+        </p:spPr>
+      </p:pic>
+      <p:pic>
+        <p:nvPicPr>
+          <p:cNvPr id="13" name="Immagine 12"/>
+          <p:cNvPicPr>
+            <a:picLocks noChangeAspect="1"/>
+          </p:cNvPicPr>
+          <p:nvPr/>
+        </p:nvPicPr>
+        <p:blipFill>
+          <a:blip r:embed="rId5" cstate="print">
+            <a:extLst>
+              <a:ext uri="{28A0092B-C50C-407E-A947-70E740481C1C}">
+                <a14:useLocalDpi xmlns:a14="http://schemas.microsoft.com/office/drawing/2010/main" val="0"/>
+              </a:ext>
+            </a:extLst>
+          </a:blip>
+          <a:stretch>
+            <a:fillRect/>
+          </a:stretch>
+        </p:blipFill>
+        <p:spPr>
+          <a:xfrm>
+            <a:off x="899592" y="3074117"/>
+            <a:ext cx="2035200" cy="1440000"/>
+          </a:xfrm>
+          <a:prstGeom prst="rect">
+            <a:avLst/>
+          </a:prstGeom>
+        </p:spPr>
+      </p:pic>
+      <p:pic>
+        <p:nvPicPr>
+          <p:cNvPr id="14" name="Immagine 13"/>
+          <p:cNvPicPr>
+            <a:picLocks noChangeAspect="1"/>
+          </p:cNvPicPr>
+          <p:nvPr/>
+        </p:nvPicPr>
+        <p:blipFill>
+          <a:blip r:embed="rId6" cstate="print">
+            <a:extLst>
+              <a:ext uri="{28A0092B-C50C-407E-A947-70E740481C1C}">
+                <a14:useLocalDpi xmlns:a14="http://schemas.microsoft.com/office/drawing/2010/main" val="0"/>
+              </a:ext>
+            </a:extLst>
+          </a:blip>
+          <a:stretch>
+            <a:fillRect/>
+          </a:stretch>
+        </p:blipFill>
+        <p:spPr>
+          <a:xfrm>
+            <a:off x="899592" y="4725144"/>
+            <a:ext cx="2040901" cy="1440000"/>
+          </a:xfrm>
+          <a:prstGeom prst="rect">
+            <a:avLst/>
+          </a:prstGeom>
+        </p:spPr>
+      </p:pic>
+    </p:spTree>
+    <p:extLst>
+      <p:ext uri="{BB962C8B-B14F-4D97-AF65-F5344CB8AC3E}">
+        <p14:creationId xmlns:p14="http://schemas.microsoft.com/office/powerpoint/2010/main" val="3067572025"/>
+      </p:ext>
+    </p:extLst>
+  </p:cSld>
+  <p:clrMapOvr>
+    <a:masterClrMapping/>
+  </p:clrMapOvr>
+  <p:timing>
+    <p:tnLst>
+      <p:par>
+        <p:cTn id="1" dur="indefinite" restart="never" nodeType="tmRoot"/>
+      </p:par>
+    </p:tnLst>
+  </p:timing>
+</p:sld>
+</file>
+
+<file path=ppt/slides/slide4.xml><?xml version="1.0" encoding="utf-8"?>
+<p:sld xmlns:a="http://schemas.openxmlformats.org/drawingml/2006/main" xmlns:r="http://schemas.openxmlformats.org/officeDocument/2006/relationships" xmlns:p="http://schemas.openxmlformats.org/presentationml/2006/main">
+  <p:cSld>
+    <p:spTree>
+      <p:nvGrpSpPr>
+        <p:cNvPr id="1" name=""/>
+        <p:cNvGrpSpPr/>
+        <p:nvPr/>
+      </p:nvGrpSpPr>
+      <p:grpSpPr>
+        <a:xfrm>
+          <a:off x="0" y="0"/>
+          <a:ext cx="0" cy="0"/>
+          <a:chOff x="0" y="0"/>
+          <a:chExt cx="0" cy="0"/>
+        </a:xfrm>
+      </p:grpSpPr>
+      <p:sp>
+        <p:nvSpPr>
           <p:cNvPr id="2" name="Titolo 1"/>
           <p:cNvSpPr>
             <a:spLocks noGrp="1"/>
@@ -5350,286 +5788,6 @@
     <p:extLst>
       <p:ext uri="{BB962C8B-B14F-4D97-AF65-F5344CB8AC3E}">
         <p14:creationId xmlns:p14="http://schemas.microsoft.com/office/powerpoint/2010/main" val="2725993318"/>
-      </p:ext>
-    </p:extLst>
-  </p:cSld>
-  <p:clrMapOvr>
-    <a:masterClrMapping/>
-  </p:clrMapOvr>
-  <p:timing>
-    <p:tnLst>
-      <p:par>
-        <p:cTn id="1" dur="indefinite" restart="never" nodeType="tmRoot"/>
-      </p:par>
-    </p:tnLst>
-  </p:timing>
-</p:sld>
-</file>
-
-<file path=ppt/slides/slide4.xml><?xml version="1.0" encoding="utf-8"?>
-<p:sld xmlns:a="http://schemas.openxmlformats.org/drawingml/2006/main" xmlns:r="http://schemas.openxmlformats.org/officeDocument/2006/relationships" xmlns:p="http://schemas.openxmlformats.org/presentationml/2006/main">
-  <p:cSld>
-    <p:spTree>
-      <p:nvGrpSpPr>
-        <p:cNvPr id="1" name=""/>
-        <p:cNvGrpSpPr/>
-        <p:nvPr/>
-      </p:nvGrpSpPr>
-      <p:grpSpPr>
-        <a:xfrm>
-          <a:off x="0" y="0"/>
-          <a:ext cx="0" cy="0"/>
-          <a:chOff x="0" y="0"/>
-          <a:chExt cx="0" cy="0"/>
-        </a:xfrm>
-      </p:grpSpPr>
-      <p:sp>
-        <p:nvSpPr>
-          <p:cNvPr id="2" name="Titolo 1"/>
-          <p:cNvSpPr>
-            <a:spLocks noGrp="1"/>
-          </p:cNvSpPr>
-          <p:nvPr>
-            <p:ph type="title"/>
-          </p:nvPr>
-        </p:nvSpPr>
-        <p:spPr/>
-        <p:txBody>
-          <a:bodyPr/>
-          <a:lstStyle/>
-          <a:p>
-            <a:r>
-              <a:rPr lang="it-IT" dirty="0" smtClean="0"/>
-              <a:t>Pipeline</a:t>
-            </a:r>
-            <a:endParaRPr lang="it-IT" dirty="0"/>
-          </a:p>
-        </p:txBody>
-      </p:sp>
-      <p:sp>
-        <p:nvSpPr>
-          <p:cNvPr id="3" name="Segnaposto contenuto 2"/>
-          <p:cNvSpPr>
-            <a:spLocks noGrp="1"/>
-          </p:cNvSpPr>
-          <p:nvPr>
-            <p:ph idx="1"/>
-          </p:nvPr>
-        </p:nvSpPr>
-        <p:spPr/>
-        <p:txBody>
-          <a:bodyPr/>
-          <a:lstStyle/>
-          <a:p>
-            <a:r>
-              <a:rPr lang="it-IT" dirty="0" smtClean="0"/>
-              <a:t>RGB and </a:t>
-            </a:r>
-            <a:r>
-              <a:rPr lang="it-IT" dirty="0" err="1" smtClean="0"/>
-              <a:t>depth</a:t>
-            </a:r>
-            <a:r>
-              <a:rPr lang="it-IT" dirty="0" smtClean="0"/>
-              <a:t> video are </a:t>
-            </a:r>
-            <a:r>
-              <a:rPr lang="it-IT" dirty="0" err="1" smtClean="0"/>
-              <a:t>analyzed</a:t>
-            </a:r>
-            <a:r>
-              <a:rPr lang="it-IT" dirty="0" smtClean="0"/>
-              <a:t> </a:t>
-            </a:r>
-            <a:r>
-              <a:rPr lang="it-IT" dirty="0" err="1" smtClean="0"/>
-              <a:t>independently</a:t>
-            </a:r>
-            <a:endParaRPr lang="it-IT" dirty="0" smtClean="0"/>
-          </a:p>
-          <a:p>
-            <a:pPr lvl="1"/>
-            <a:endParaRPr lang="it-IT" dirty="0"/>
-          </a:p>
-        </p:txBody>
-      </p:sp>
-      <p:sp>
-        <p:nvSpPr>
-          <p:cNvPr id="4" name="Segnaposto contenuto 3"/>
-          <p:cNvSpPr>
-            <a:spLocks noGrp="1"/>
-          </p:cNvSpPr>
-          <p:nvPr>
-            <p:ph sz="quarter" idx="11"/>
-          </p:nvPr>
-        </p:nvSpPr>
-        <p:spPr/>
-        <p:txBody>
-          <a:bodyPr/>
-          <a:lstStyle/>
-          <a:p>
-            <a:r>
-              <a:rPr lang="it-IT" dirty="0" err="1" smtClean="0"/>
-              <a:t>Approach</a:t>
-            </a:r>
-            <a:endParaRPr lang="it-IT" dirty="0"/>
-          </a:p>
-        </p:txBody>
-      </p:sp>
-      <p:pic>
-        <p:nvPicPr>
-          <p:cNvPr id="10" name="Immagine 9"/>
-          <p:cNvPicPr>
-            <a:picLocks noChangeAspect="1"/>
-          </p:cNvPicPr>
-          <p:nvPr/>
-        </p:nvPicPr>
-        <p:blipFill>
-          <a:blip r:embed="rId2" cstate="print">
-            <a:extLst>
-              <a:ext uri="{28A0092B-C50C-407E-A947-70E740481C1C}">
-                <a14:useLocalDpi xmlns:a14="http://schemas.microsoft.com/office/drawing/2010/main" val="0"/>
-              </a:ext>
-            </a:extLst>
-          </a:blip>
-          <a:stretch>
-            <a:fillRect/>
-          </a:stretch>
-        </p:blipFill>
-        <p:spPr>
-          <a:xfrm>
-            <a:off x="3630954" y="4581128"/>
-            <a:ext cx="2021166" cy="1440000"/>
-          </a:xfrm>
-          <a:prstGeom prst="rect">
-            <a:avLst/>
-          </a:prstGeom>
-        </p:spPr>
-      </p:pic>
-      <p:pic>
-        <p:nvPicPr>
-          <p:cNvPr id="11" name="Immagine 10"/>
-          <p:cNvPicPr>
-            <a:picLocks noChangeAspect="1"/>
-          </p:cNvPicPr>
-          <p:nvPr/>
-        </p:nvPicPr>
-        <p:blipFill>
-          <a:blip r:embed="rId3" cstate="print">
-            <a:extLst>
-              <a:ext uri="{28A0092B-C50C-407E-A947-70E740481C1C}">
-                <a14:useLocalDpi xmlns:a14="http://schemas.microsoft.com/office/drawing/2010/main" val="0"/>
-              </a:ext>
-            </a:extLst>
-          </a:blip>
-          <a:stretch>
-            <a:fillRect/>
-          </a:stretch>
-        </p:blipFill>
-        <p:spPr>
-          <a:xfrm>
-            <a:off x="6288202" y="3782321"/>
-            <a:ext cx="2028214" cy="1440000"/>
-          </a:xfrm>
-          <a:prstGeom prst="rect">
-            <a:avLst/>
-          </a:prstGeom>
-        </p:spPr>
-      </p:pic>
-      <p:pic>
-        <p:nvPicPr>
-          <p:cNvPr id="12" name="Immagine 11"/>
-          <p:cNvPicPr>
-            <a:picLocks noChangeAspect="1"/>
-          </p:cNvPicPr>
-          <p:nvPr/>
-        </p:nvPicPr>
-        <p:blipFill>
-          <a:blip r:embed="rId4" cstate="print">
-            <a:extLst>
-              <a:ext uri="{28A0092B-C50C-407E-A947-70E740481C1C}">
-                <a14:useLocalDpi xmlns:a14="http://schemas.microsoft.com/office/drawing/2010/main" val="0"/>
-              </a:ext>
-            </a:extLst>
-          </a:blip>
-          <a:stretch>
-            <a:fillRect/>
-          </a:stretch>
-        </p:blipFill>
-        <p:spPr>
-          <a:xfrm>
-            <a:off x="3623906" y="2933685"/>
-            <a:ext cx="2028214" cy="1440000"/>
-          </a:xfrm>
-          <a:prstGeom prst="rect">
-            <a:avLst/>
-          </a:prstGeom>
-        </p:spPr>
-      </p:pic>
-      <p:pic>
-        <p:nvPicPr>
-          <p:cNvPr id="13" name="Immagine 12"/>
-          <p:cNvPicPr>
-            <a:picLocks noChangeAspect="1"/>
-          </p:cNvPicPr>
-          <p:nvPr/>
-        </p:nvPicPr>
-        <p:blipFill>
-          <a:blip r:embed="rId5" cstate="print">
-            <a:extLst>
-              <a:ext uri="{28A0092B-C50C-407E-A947-70E740481C1C}">
-                <a14:useLocalDpi xmlns:a14="http://schemas.microsoft.com/office/drawing/2010/main" val="0"/>
-              </a:ext>
-            </a:extLst>
-          </a:blip>
-          <a:stretch>
-            <a:fillRect/>
-          </a:stretch>
-        </p:blipFill>
-        <p:spPr>
-          <a:xfrm>
-            <a:off x="899592" y="2930101"/>
-            <a:ext cx="2035200" cy="1440000"/>
-          </a:xfrm>
-          <a:prstGeom prst="rect">
-            <a:avLst/>
-          </a:prstGeom>
-        </p:spPr>
-      </p:pic>
-      <p:pic>
-        <p:nvPicPr>
-          <p:cNvPr id="14" name="Immagine 13"/>
-          <p:cNvPicPr>
-            <a:picLocks noChangeAspect="1"/>
-          </p:cNvPicPr>
-          <p:nvPr/>
-        </p:nvPicPr>
-        <p:blipFill>
-          <a:blip r:embed="rId6" cstate="print">
-            <a:extLst>
-              <a:ext uri="{28A0092B-C50C-407E-A947-70E740481C1C}">
-                <a14:useLocalDpi xmlns:a14="http://schemas.microsoft.com/office/drawing/2010/main" val="0"/>
-              </a:ext>
-            </a:extLst>
-          </a:blip>
-          <a:stretch>
-            <a:fillRect/>
-          </a:stretch>
-        </p:blipFill>
-        <p:spPr>
-          <a:xfrm>
-            <a:off x="899592" y="4581128"/>
-            <a:ext cx="2040901" cy="1440000"/>
-          </a:xfrm>
-          <a:prstGeom prst="rect">
-            <a:avLst/>
-          </a:prstGeom>
-        </p:spPr>
-      </p:pic>
-    </p:spTree>
-    <p:extLst>
-      <p:ext uri="{BB962C8B-B14F-4D97-AF65-F5344CB8AC3E}">
-        <p14:creationId xmlns:p14="http://schemas.microsoft.com/office/powerpoint/2010/main" val="3067572025"/>
       </p:ext>
     </p:extLst>
   </p:cSld>

--- a/docs/Presentation - Left luggage detection.pptx
+++ b/docs/Presentation - Left luggage detection.pptx
@@ -5,18 +5,25 @@
     <p:sldMasterId id="2147483648" r:id="rId1"/>
   </p:sldMasterIdLst>
   <p:notesMasterIdLst>
-    <p:notesMasterId r:id="rId8"/>
+    <p:notesMasterId r:id="rId15"/>
   </p:notesMasterIdLst>
   <p:handoutMasterIdLst>
-    <p:handoutMasterId r:id="rId9"/>
+    <p:handoutMasterId r:id="rId16"/>
   </p:handoutMasterIdLst>
   <p:sldIdLst>
     <p:sldId id="320" r:id="rId2"/>
-    <p:sldId id="375" r:id="rId3"/>
-    <p:sldId id="377" r:id="rId4"/>
-    <p:sldId id="376" r:id="rId5"/>
-    <p:sldId id="378" r:id="rId6"/>
-    <p:sldId id="374" r:id="rId7"/>
+    <p:sldId id="382" r:id="rId3"/>
+    <p:sldId id="375" r:id="rId4"/>
+    <p:sldId id="377" r:id="rId5"/>
+    <p:sldId id="379" r:id="rId6"/>
+    <p:sldId id="381" r:id="rId7"/>
+    <p:sldId id="386" r:id="rId8"/>
+    <p:sldId id="380" r:id="rId9"/>
+    <p:sldId id="384" r:id="rId10"/>
+    <p:sldId id="376" r:id="rId11"/>
+    <p:sldId id="385" r:id="rId12"/>
+    <p:sldId id="374" r:id="rId13"/>
+    <p:sldId id="383" r:id="rId14"/>
   </p:sldIdLst>
   <p:sldSz cx="9144000" cy="6858000" type="screen4x3"/>
   <p:notesSz cx="6858000" cy="9144000"/>
@@ -262,7 +269,7 @@
               <a:pPr>
                 <a:defRPr/>
               </a:pPr>
-              <a:t>03/03/2014</a:t>
+              <a:t>08/03/2014</a:t>
             </a:fld>
             <a:endParaRPr lang="it-IT" altLang="it-IT"/>
           </a:p>
@@ -4749,7 +4756,2202 @@
 </p:sld>
 </file>
 
+<file path=ppt/slides/slide10.xml><?xml version="1.0" encoding="utf-8"?>
+<p:sld xmlns:a="http://schemas.openxmlformats.org/drawingml/2006/main" xmlns:r="http://schemas.openxmlformats.org/officeDocument/2006/relationships" xmlns:p="http://schemas.openxmlformats.org/presentationml/2006/main">
+  <p:cSld>
+    <p:spTree>
+      <p:nvGrpSpPr>
+        <p:cNvPr id="1" name=""/>
+        <p:cNvGrpSpPr/>
+        <p:nvPr/>
+      </p:nvGrpSpPr>
+      <p:grpSpPr>
+        <a:xfrm>
+          <a:off x="0" y="0"/>
+          <a:ext cx="0" cy="0"/>
+          <a:chOff x="0" y="0"/>
+          <a:chExt cx="0" cy="0"/>
+        </a:xfrm>
+      </p:grpSpPr>
+      <p:pic>
+        <p:nvPicPr>
+          <p:cNvPr id="5" name="Immagine 4"/>
+          <p:cNvPicPr>
+            <a:picLocks noChangeAspect="1"/>
+          </p:cNvPicPr>
+          <p:nvPr/>
+        </p:nvPicPr>
+        <p:blipFill>
+          <a:blip r:embed="rId2" cstate="print">
+            <a:extLst>
+              <a:ext uri="{28A0092B-C50C-407E-A947-70E740481C1C}">
+                <a14:useLocalDpi xmlns:a14="http://schemas.microsoft.com/office/drawing/2010/main" val="0"/>
+              </a:ext>
+            </a:extLst>
+          </a:blip>
+          <a:stretch>
+            <a:fillRect/>
+          </a:stretch>
+        </p:blipFill>
+        <p:spPr>
+          <a:xfrm>
+            <a:off x="5230615" y="1413056"/>
+            <a:ext cx="3150000" cy="2520000"/>
+          </a:xfrm>
+          <a:prstGeom prst="rect">
+            <a:avLst/>
+          </a:prstGeom>
+        </p:spPr>
+      </p:pic>
+      <p:sp>
+        <p:nvSpPr>
+          <p:cNvPr id="2" name="Titolo 1"/>
+          <p:cNvSpPr>
+            <a:spLocks noGrp="1"/>
+          </p:cNvSpPr>
+          <p:nvPr>
+            <p:ph type="title"/>
+          </p:nvPr>
+        </p:nvSpPr>
+        <p:spPr/>
+        <p:txBody>
+          <a:bodyPr/>
+          <a:lstStyle/>
+          <a:p>
+            <a:r>
+              <a:rPr lang="it-IT" dirty="0"/>
+              <a:t>Technologies</a:t>
+            </a:r>
+            <a:endParaRPr lang="it-IT" dirty="0"/>
+          </a:p>
+        </p:txBody>
+      </p:sp>
+      <mc:AlternateContent xmlns:mc="http://schemas.openxmlformats.org/markup-compatibility/2006">
+        <mc:Choice xmlns:a14="http://schemas.microsoft.com/office/drawing/2010/main" Requires="a14">
+          <p:sp>
+            <p:nvSpPr>
+              <p:cNvPr id="3" name="Segnaposto contenuto 2"/>
+              <p:cNvSpPr>
+                <a:spLocks noGrp="1"/>
+              </p:cNvSpPr>
+              <p:nvPr>
+                <p:ph idx="1"/>
+              </p:nvPr>
+            </p:nvSpPr>
+            <p:spPr/>
+            <p:txBody>
+              <a:bodyPr>
+                <a:normAutofit fontScale="70000" lnSpcReduction="20000"/>
+              </a:bodyPr>
+              <a:lstStyle/>
+              <a:p>
+                <a:r>
+                  <a:rPr lang="it-IT" dirty="0" smtClean="0"/>
+                  <a:t>Video </a:t>
+                </a:r>
+                <a:r>
+                  <a:rPr lang="it-IT" dirty="0" err="1" smtClean="0"/>
+                  <a:t>capture</a:t>
+                </a:r>
+                <a:r>
+                  <a:rPr lang="it-IT" dirty="0" smtClean="0"/>
+                  <a:t> with </a:t>
+                </a:r>
+                <a:r>
+                  <a:rPr lang="it-IT" dirty="0" err="1" smtClean="0"/>
+                  <a:t>Kinect</a:t>
+                </a:r>
+                <a:r>
+                  <a:rPr lang="it-IT" dirty="0" smtClean="0"/>
+                  <a:t> </a:t>
+                </a:r>
+                <a:r>
+                  <a:rPr lang="it-IT" dirty="0" err="1" smtClean="0"/>
+                  <a:t>device</a:t>
+                </a:r>
+                <a:endParaRPr lang="it-IT" dirty="0" smtClean="0"/>
+              </a:p>
+              <a:p>
+                <a:pPr lvl="1"/>
+                <a:r>
+                  <a:rPr lang="it-IT" dirty="0" smtClean="0"/>
+                  <a:t>RGB camera:</a:t>
+                </a:r>
+              </a:p>
+              <a:p>
+                <a:pPr lvl="2"/>
+                <a:r>
+                  <a:rPr lang="it-IT" dirty="0"/>
+                  <a:t>resolution </a:t>
+                </a:r>
+                <a14:m>
+                  <m:oMath xmlns:m="http://schemas.openxmlformats.org/officeDocument/2006/math">
+                    <m:r>
+                      <a:rPr lang="it-IT" i="1">
+                        <a:latin typeface="Cambria Math"/>
+                      </a:rPr>
+                      <m:t>640</m:t>
+                    </m:r>
+                    <m:r>
+                      <a:rPr lang="it-IT" i="1">
+                        <a:latin typeface="Cambria Math"/>
+                        <a:ea typeface="Cambria Math"/>
+                      </a:rPr>
+                      <m:t>×480</m:t>
+                    </m:r>
+                  </m:oMath>
+                </a14:m>
+                <a:endParaRPr lang="it-IT" dirty="0" smtClean="0">
+                  <a:ea typeface="Cambria Math"/>
+                </a:endParaRPr>
+              </a:p>
+              <a:p>
+                <a:pPr lvl="2"/>
+                <a14:m>
+                  <m:oMath xmlns:m="http://schemas.openxmlformats.org/officeDocument/2006/math">
+                    <m:r>
+                      <a:rPr lang="it-IT" b="0" i="1" smtClean="0">
+                        <a:latin typeface="Cambria Math"/>
+                      </a:rPr>
+                      <m:t>8</m:t>
+                    </m:r>
+                  </m:oMath>
+                </a14:m>
+                <a:r>
+                  <a:rPr lang="it-IT" dirty="0" smtClean="0"/>
+                  <a:t> bit </a:t>
+                </a:r>
+                <a:r>
+                  <a:rPr lang="it-IT" dirty="0" err="1" smtClean="0"/>
+                  <a:t>quantization</a:t>
+                </a:r>
+                <a:endParaRPr lang="it-IT" dirty="0" smtClean="0"/>
+              </a:p>
+              <a:p>
+                <a:pPr lvl="1"/>
+                <a:r>
+                  <a:rPr lang="it-IT" dirty="0" smtClean="0"/>
+                  <a:t>Depth </a:t>
+                </a:r>
+                <a:r>
+                  <a:rPr lang="it-IT" dirty="0" err="1" smtClean="0"/>
+                  <a:t>sensor</a:t>
+                </a:r>
+                <a:r>
+                  <a:rPr lang="it-IT" dirty="0" smtClean="0"/>
+                  <a:t>:</a:t>
+                </a:r>
+              </a:p>
+              <a:p>
+                <a:pPr lvl="2"/>
+                <a:r>
+                  <a:rPr lang="it-IT" dirty="0"/>
+                  <a:t>resolution </a:t>
+                </a:r>
+                <a14:m>
+                  <m:oMath xmlns:m="http://schemas.openxmlformats.org/officeDocument/2006/math">
+                    <m:r>
+                      <a:rPr lang="it-IT" i="1">
+                        <a:latin typeface="Cambria Math"/>
+                      </a:rPr>
+                      <m:t>640</m:t>
+                    </m:r>
+                    <m:r>
+                      <a:rPr lang="it-IT" i="1">
+                        <a:latin typeface="Cambria Math"/>
+                        <a:ea typeface="Cambria Math"/>
+                      </a:rPr>
+                      <m:t>×480</m:t>
+                    </m:r>
+                  </m:oMath>
+                </a14:m>
+                <a:endParaRPr lang="it-IT" dirty="0">
+                  <a:ea typeface="Cambria Math"/>
+                </a:endParaRPr>
+              </a:p>
+              <a:p>
+                <a:pPr lvl="2"/>
+                <a14:m>
+                  <m:oMath xmlns:m="http://schemas.openxmlformats.org/officeDocument/2006/math">
+                    <m:r>
+                      <a:rPr lang="it-IT" b="0" i="1" smtClean="0">
+                        <a:latin typeface="Cambria Math"/>
+                      </a:rPr>
+                      <m:t>11</m:t>
+                    </m:r>
+                  </m:oMath>
+                </a14:m>
+                <a:r>
+                  <a:rPr lang="it-IT" dirty="0"/>
+                  <a:t> bit </a:t>
+                </a:r>
+                <a:r>
+                  <a:rPr lang="it-IT" dirty="0" err="1" smtClean="0"/>
+                  <a:t>quantization</a:t>
+                </a:r>
+                <a:endParaRPr lang="it-IT" dirty="0" smtClean="0"/>
+              </a:p>
+              <a:p>
+                <a:pPr lvl="1"/>
+                <a:r>
+                  <a:rPr lang="it-IT" dirty="0" smtClean="0"/>
+                  <a:t>USB 2.0 </a:t>
+                </a:r>
+                <a:r>
+                  <a:rPr lang="it-IT" dirty="0" err="1" smtClean="0"/>
+                  <a:t>interface</a:t>
+                </a:r>
+                <a:endParaRPr lang="it-IT" dirty="0" smtClean="0"/>
+              </a:p>
+              <a:p>
+                <a:r>
+                  <a:rPr lang="it-IT" dirty="0" err="1"/>
+                  <a:t>OpenKinect</a:t>
+                </a:r>
+                <a:endParaRPr lang="it-IT" dirty="0"/>
+              </a:p>
+              <a:p>
+                <a:pPr lvl="1"/>
+                <a:r>
+                  <a:rPr lang="it-IT" dirty="0"/>
+                  <a:t>Open source </a:t>
+                </a:r>
+                <a:r>
+                  <a:rPr lang="it-IT" dirty="0" err="1"/>
+                  <a:t>library</a:t>
+                </a:r>
+                <a:endParaRPr lang="it-IT" dirty="0"/>
+              </a:p>
+              <a:p>
+                <a:pPr lvl="1"/>
+                <a:r>
+                  <a:rPr lang="it-IT" dirty="0" err="1"/>
+                  <a:t>Multiplatform</a:t>
+                </a:r>
+                <a:endParaRPr lang="it-IT" dirty="0"/>
+              </a:p>
+              <a:p>
+                <a:r>
+                  <a:rPr lang="it-IT" dirty="0" err="1" smtClean="0"/>
+                  <a:t>OpenCV</a:t>
+                </a:r>
+                <a:endParaRPr lang="it-IT" dirty="0" smtClean="0"/>
+              </a:p>
+            </p:txBody>
+          </p:sp>
+        </mc:Choice>
+        <mc:Fallback>
+          <p:sp>
+            <p:nvSpPr>
+              <p:cNvPr id="3" name="Segnaposto contenuto 2"/>
+              <p:cNvSpPr>
+                <a:spLocks noGrp="1" noRot="1" noChangeAspect="1" noMove="1" noResize="1" noEditPoints="1" noAdjustHandles="1" noChangeArrowheads="1" noChangeShapeType="1" noTextEdit="1"/>
+              </p:cNvSpPr>
+              <p:nvPr>
+                <p:ph idx="1"/>
+              </p:nvPr>
+            </p:nvSpPr>
+            <p:spPr>
+              <a:blipFill rotWithShape="1">
+                <a:blip r:embed="rId3"/>
+                <a:stretch>
+                  <a:fillRect t="-687"/>
+                </a:stretch>
+              </a:blipFill>
+            </p:spPr>
+            <p:txBody>
+              <a:bodyPr/>
+              <a:lstStyle/>
+              <a:p>
+                <a:r>
+                  <a:rPr lang="it-IT">
+                    <a:noFill/>
+                  </a:rPr>
+                  <a:t> </a:t>
+                </a:r>
+              </a:p>
+            </p:txBody>
+          </p:sp>
+        </mc:Fallback>
+      </mc:AlternateContent>
+      <p:sp>
+        <p:nvSpPr>
+          <p:cNvPr id="4" name="Segnaposto contenuto 3"/>
+          <p:cNvSpPr>
+            <a:spLocks noGrp="1"/>
+          </p:cNvSpPr>
+          <p:nvPr>
+            <p:ph sz="quarter" idx="11"/>
+          </p:nvPr>
+        </p:nvSpPr>
+        <p:spPr/>
+        <p:txBody>
+          <a:bodyPr/>
+          <a:lstStyle/>
+          <a:p>
+            <a:r>
+              <a:rPr lang="it-IT" dirty="0" smtClean="0"/>
+              <a:t>Technologies</a:t>
+            </a:r>
+            <a:endParaRPr lang="it-IT" dirty="0"/>
+          </a:p>
+        </p:txBody>
+      </p:sp>
+      <p:pic>
+        <p:nvPicPr>
+          <p:cNvPr id="6" name="Immagine 5"/>
+          <p:cNvPicPr>
+            <a:picLocks noChangeAspect="1"/>
+          </p:cNvPicPr>
+          <p:nvPr/>
+        </p:nvPicPr>
+        <p:blipFill>
+          <a:blip r:embed="rId4">
+            <a:extLst>
+              <a:ext uri="{28A0092B-C50C-407E-A947-70E740481C1C}">
+                <a14:useLocalDpi xmlns:a14="http://schemas.microsoft.com/office/drawing/2010/main" val="0"/>
+              </a:ext>
+            </a:extLst>
+          </a:blip>
+          <a:stretch>
+            <a:fillRect/>
+          </a:stretch>
+        </p:blipFill>
+        <p:spPr>
+          <a:xfrm>
+            <a:off x="5349916" y="3789040"/>
+            <a:ext cx="2911396" cy="468000"/>
+          </a:xfrm>
+          <a:prstGeom prst="rect">
+            <a:avLst/>
+          </a:prstGeom>
+        </p:spPr>
+      </p:pic>
+      <p:pic>
+        <p:nvPicPr>
+          <p:cNvPr id="7" name="Immagine 6"/>
+          <p:cNvPicPr>
+            <a:picLocks noChangeAspect="1"/>
+          </p:cNvPicPr>
+          <p:nvPr/>
+        </p:nvPicPr>
+        <p:blipFill>
+          <a:blip r:embed="rId5" cstate="print">
+            <a:extLst>
+              <a:ext uri="{28A0092B-C50C-407E-A947-70E740481C1C}">
+                <a14:useLocalDpi xmlns:a14="http://schemas.microsoft.com/office/drawing/2010/main" val="0"/>
+              </a:ext>
+            </a:extLst>
+          </a:blip>
+          <a:stretch>
+            <a:fillRect/>
+          </a:stretch>
+        </p:blipFill>
+        <p:spPr>
+          <a:xfrm>
+            <a:off x="4067944" y="4869160"/>
+            <a:ext cx="2877699" cy="972000"/>
+          </a:xfrm>
+          <a:prstGeom prst="rect">
+            <a:avLst/>
+          </a:prstGeom>
+        </p:spPr>
+      </p:pic>
+      <p:pic>
+        <p:nvPicPr>
+          <p:cNvPr id="8" name="Immagine 7"/>
+          <p:cNvPicPr>
+            <a:picLocks noChangeAspect="1"/>
+          </p:cNvPicPr>
+          <p:nvPr/>
+        </p:nvPicPr>
+        <p:blipFill>
+          <a:blip r:embed="rId6" cstate="print">
+            <a:extLst>
+              <a:ext uri="{28A0092B-C50C-407E-A947-70E740481C1C}">
+                <a14:useLocalDpi xmlns:a14="http://schemas.microsoft.com/office/drawing/2010/main" val="0"/>
+              </a:ext>
+            </a:extLst>
+          </a:blip>
+          <a:stretch>
+            <a:fillRect/>
+          </a:stretch>
+        </p:blipFill>
+        <p:spPr>
+          <a:xfrm>
+            <a:off x="7059289" y="4725144"/>
+            <a:ext cx="1169147" cy="1440000"/>
+          </a:xfrm>
+          <a:prstGeom prst="rect">
+            <a:avLst/>
+          </a:prstGeom>
+        </p:spPr>
+      </p:pic>
+    </p:spTree>
+    <p:extLst>
+      <p:ext uri="{BB962C8B-B14F-4D97-AF65-F5344CB8AC3E}">
+        <p14:creationId xmlns:p14="http://schemas.microsoft.com/office/powerpoint/2010/main" val="2725993318"/>
+      </p:ext>
+    </p:extLst>
+  </p:cSld>
+  <p:clrMapOvr>
+    <a:masterClrMapping/>
+  </p:clrMapOvr>
+  <p:timing>
+    <p:tnLst>
+      <p:par>
+        <p:cTn id="1" dur="indefinite" restart="never" nodeType="tmRoot"/>
+      </p:par>
+    </p:tnLst>
+  </p:timing>
+</p:sld>
+</file>
+
+<file path=ppt/slides/slide11.xml><?xml version="1.0" encoding="utf-8"?>
+<p:sld xmlns:a="http://schemas.openxmlformats.org/drawingml/2006/main" xmlns:r="http://schemas.openxmlformats.org/officeDocument/2006/relationships" xmlns:p="http://schemas.openxmlformats.org/presentationml/2006/main">
+  <p:cSld>
+    <p:spTree>
+      <p:nvGrpSpPr>
+        <p:cNvPr id="1" name=""/>
+        <p:cNvGrpSpPr/>
+        <p:nvPr/>
+      </p:nvGrpSpPr>
+      <p:grpSpPr>
+        <a:xfrm>
+          <a:off x="0" y="0"/>
+          <a:ext cx="0" cy="0"/>
+          <a:chOff x="0" y="0"/>
+          <a:chExt cx="0" cy="0"/>
+        </a:xfrm>
+      </p:grpSpPr>
+      <p:sp>
+        <p:nvSpPr>
+          <p:cNvPr id="2" name="Titolo 1"/>
+          <p:cNvSpPr>
+            <a:spLocks noGrp="1"/>
+          </p:cNvSpPr>
+          <p:nvPr>
+            <p:ph type="title"/>
+          </p:nvPr>
+        </p:nvSpPr>
+        <p:spPr/>
+        <p:txBody>
+          <a:bodyPr/>
+          <a:lstStyle/>
+          <a:p>
+            <a:r>
+              <a:rPr lang="it-IT" dirty="0" err="1" smtClean="0"/>
+              <a:t>Intensity</a:t>
+            </a:r>
+            <a:r>
+              <a:rPr lang="it-IT" dirty="0" smtClean="0"/>
+              <a:t> processing</a:t>
+            </a:r>
+            <a:endParaRPr lang="it-IT" dirty="0"/>
+          </a:p>
+        </p:txBody>
+      </p:sp>
+      <mc:AlternateContent xmlns:mc="http://schemas.openxmlformats.org/markup-compatibility/2006">
+        <mc:Choice xmlns:a14="http://schemas.microsoft.com/office/drawing/2010/main" Requires="a14">
+          <p:sp>
+            <p:nvSpPr>
+              <p:cNvPr id="3" name="Segnaposto contenuto 2"/>
+              <p:cNvSpPr>
+                <a:spLocks noGrp="1"/>
+              </p:cNvSpPr>
+              <p:nvPr>
+                <p:ph idx="1"/>
+              </p:nvPr>
+            </p:nvSpPr>
+            <p:spPr/>
+            <p:txBody>
+              <a:bodyPr>
+                <a:normAutofit fontScale="85000" lnSpcReduction="20000"/>
+              </a:bodyPr>
+              <a:lstStyle/>
+              <a:p>
+                <a:r>
+                  <a:rPr lang="it-IT" dirty="0" smtClean="0"/>
+                  <a:t>We </a:t>
+                </a:r>
+                <a:r>
+                  <a:rPr lang="it-IT" dirty="0" err="1" smtClean="0"/>
+                  <a:t>implement</a:t>
+                </a:r>
+                <a:r>
+                  <a:rPr lang="it-IT" dirty="0" smtClean="0"/>
+                  <a:t> an </a:t>
+                </a:r>
+                <a:r>
+                  <a:rPr lang="it-IT" dirty="0" err="1" smtClean="0"/>
+                  <a:t>intensity</a:t>
+                </a:r>
+                <a:r>
+                  <a:rPr lang="it-IT" dirty="0" smtClean="0"/>
+                  <a:t> processing </a:t>
+                </a:r>
+                <a:r>
+                  <a:rPr lang="it-IT" dirty="0" err="1" smtClean="0"/>
+                  <a:t>module</a:t>
+                </a:r>
+                <a:r>
+                  <a:rPr lang="it-IT" dirty="0" smtClean="0"/>
+                  <a:t>.</a:t>
+                </a:r>
+              </a:p>
+              <a:p>
+                <a:r>
+                  <a:rPr lang="en-US" dirty="0" smtClean="0"/>
+                  <a:t>The </a:t>
+                </a:r>
+                <a:r>
+                  <a:rPr lang="en-US" dirty="0"/>
+                  <a:t>RGB </a:t>
+                </a:r>
+                <a:r>
+                  <a:rPr lang="en-US" dirty="0" smtClean="0"/>
+                  <a:t>processing </a:t>
+                </a:r>
+                <a:r>
+                  <a:rPr lang="en-US" dirty="0"/>
+                  <a:t>routine can be summed as </a:t>
+                </a:r>
+                <a:r>
+                  <a:rPr lang="en-US" dirty="0" smtClean="0"/>
+                  <a:t>following:</a:t>
+                </a:r>
+              </a:p>
+              <a:p>
+                <a:pPr marL="432000" lvl="1" indent="0">
+                  <a:spcBef>
+                    <a:spcPts val="0"/>
+                  </a:spcBef>
+                  <a:buNone/>
+                </a:pPr>
+                <a:endParaRPr lang="it-IT" sz="1000" dirty="0" smtClean="0">
+                  <a:solidFill>
+                    <a:srgbClr val="008000"/>
+                  </a:solidFill>
+                  <a:latin typeface="Courier New"/>
+                </a:endParaRPr>
+              </a:p>
+              <a:p>
+                <a:pPr marL="684000" lvl="2" indent="0">
+                  <a:spcBef>
+                    <a:spcPts val="0"/>
+                  </a:spcBef>
+                  <a:buNone/>
+                </a:pPr>
+                <a:r>
+                  <a:rPr lang="it-IT" sz="1000" dirty="0" smtClean="0">
+                    <a:solidFill>
+                      <a:srgbClr val="008000"/>
+                    </a:solidFill>
+                    <a:latin typeface="Courier New"/>
+                  </a:rPr>
+                  <a:t># </a:t>
+                </a:r>
+                <a:r>
+                  <a:rPr lang="it-IT" sz="1000" dirty="0" err="1">
+                    <a:solidFill>
+                      <a:srgbClr val="008000"/>
+                    </a:solidFill>
+                    <a:latin typeface="Courier New"/>
+                  </a:rPr>
+                  <a:t>get</a:t>
+                </a:r>
+                <a:r>
+                  <a:rPr lang="it-IT" sz="1000" dirty="0">
+                    <a:solidFill>
+                      <a:srgbClr val="008000"/>
+                    </a:solidFill>
+                    <a:latin typeface="Courier New"/>
+                  </a:rPr>
+                  <a:t> </a:t>
+                </a:r>
+                <a:r>
+                  <a:rPr lang="it-IT" sz="1000" dirty="0" err="1">
+                    <a:solidFill>
+                      <a:srgbClr val="008000"/>
+                    </a:solidFill>
+                    <a:latin typeface="Courier New"/>
+                  </a:rPr>
+                  <a:t>rgb</a:t>
+                </a:r>
+                <a:r>
+                  <a:rPr lang="it-IT" sz="1000" dirty="0">
+                    <a:solidFill>
+                      <a:srgbClr val="008000"/>
+                    </a:solidFill>
+                    <a:latin typeface="Courier New"/>
+                  </a:rPr>
+                  <a:t> </a:t>
+                </a:r>
+                <a:r>
+                  <a:rPr lang="it-IT" sz="1000" dirty="0" err="1">
+                    <a:solidFill>
+                      <a:srgbClr val="008000"/>
+                    </a:solidFill>
+                    <a:latin typeface="Courier New"/>
+                  </a:rPr>
+                  <a:t>dual</a:t>
+                </a:r>
+                <a:r>
+                  <a:rPr lang="it-IT" sz="1000" dirty="0">
+                    <a:solidFill>
+                      <a:srgbClr val="008000"/>
+                    </a:solidFill>
+                    <a:latin typeface="Courier New"/>
+                  </a:rPr>
+                  <a:t> </a:t>
+                </a:r>
+                <a:r>
+                  <a:rPr lang="it-IT" sz="1000" dirty="0" err="1" smtClean="0">
+                    <a:solidFill>
+                      <a:srgbClr val="008000"/>
+                    </a:solidFill>
+                    <a:latin typeface="Courier New"/>
+                  </a:rPr>
+                  <a:t>foreground</a:t>
+                </a:r>
+                <a:r>
+                  <a:rPr lang="it-IT" sz="1000" dirty="0" smtClean="0">
+                    <a:solidFill>
+                      <a:srgbClr val="008000"/>
+                    </a:solidFill>
+                    <a:latin typeface="Courier New"/>
+                  </a:rPr>
+                  <a:t> (long </a:t>
+                </a:r>
+                <a:r>
+                  <a:rPr lang="it-IT" sz="1000" dirty="0">
+                    <a:solidFill>
+                      <a:srgbClr val="008000"/>
+                    </a:solidFill>
+                    <a:latin typeface="Courier New"/>
+                  </a:rPr>
+                  <a:t>and short </a:t>
+                </a:r>
+                <a:r>
+                  <a:rPr lang="it-IT" sz="1000" dirty="0" err="1" smtClean="0">
+                    <a:solidFill>
+                      <a:srgbClr val="008000"/>
+                    </a:solidFill>
+                    <a:latin typeface="Courier New"/>
+                  </a:rPr>
+                  <a:t>term</a:t>
+                </a:r>
+                <a:r>
+                  <a:rPr lang="it-IT" sz="1000" dirty="0" smtClean="0">
+                    <a:solidFill>
+                      <a:srgbClr val="008000"/>
+                    </a:solidFill>
+                    <a:latin typeface="Courier New"/>
+                  </a:rPr>
+                  <a:t>)</a:t>
+                </a:r>
+                <a:endParaRPr lang="it-IT" sz="1000" dirty="0">
+                  <a:latin typeface="Courier New"/>
+                </a:endParaRPr>
+              </a:p>
+              <a:p>
+                <a:pPr marL="684000" lvl="2" indent="0">
+                  <a:spcBef>
+                    <a:spcPts val="0"/>
+                  </a:spcBef>
+                  <a:buNone/>
+                </a:pPr>
+                <a:r>
+                  <a:rPr lang="it-IT" sz="1000" dirty="0" err="1" smtClean="0">
+                    <a:latin typeface="Courier New"/>
+                  </a:rPr>
+                  <a:t>rgb</a:t>
+                </a:r>
+                <a:r>
+                  <a:rPr lang="it-IT" sz="1000" b="1" dirty="0" err="1" smtClean="0">
+                    <a:solidFill>
+                      <a:srgbClr val="000080"/>
+                    </a:solidFill>
+                    <a:latin typeface="Courier New"/>
+                  </a:rPr>
+                  <a:t>.</a:t>
+                </a:r>
+                <a:r>
+                  <a:rPr lang="it-IT" sz="1000" dirty="0" err="1" smtClean="0">
+                    <a:latin typeface="Courier New"/>
+                  </a:rPr>
+                  <a:t>compute_foreground_masks</a:t>
+                </a:r>
+                <a:r>
+                  <a:rPr lang="it-IT" sz="1000" b="1" dirty="0" smtClean="0">
+                    <a:solidFill>
+                      <a:srgbClr val="000080"/>
+                    </a:solidFill>
+                    <a:latin typeface="Courier New"/>
+                  </a:rPr>
+                  <a:t>(</a:t>
+                </a:r>
+                <a:r>
+                  <a:rPr lang="it-IT" sz="1000" dirty="0" err="1" smtClean="0">
+                    <a:latin typeface="Courier New"/>
+                  </a:rPr>
+                  <a:t>rgb</a:t>
+                </a:r>
+                <a:r>
+                  <a:rPr lang="it-IT" sz="1000" b="1" dirty="0" err="1" smtClean="0">
+                    <a:solidFill>
+                      <a:srgbClr val="000080"/>
+                    </a:solidFill>
+                    <a:latin typeface="Courier New"/>
+                  </a:rPr>
+                  <a:t>.</a:t>
+                </a:r>
+                <a:r>
+                  <a:rPr lang="it-IT" sz="1000" dirty="0" err="1" smtClean="0">
+                    <a:latin typeface="Courier New"/>
+                  </a:rPr>
+                  <a:t>current_frame</a:t>
+                </a:r>
+                <a:r>
+                  <a:rPr lang="it-IT" sz="1000" b="1" dirty="0" smtClean="0">
+                    <a:solidFill>
+                      <a:srgbClr val="000080"/>
+                    </a:solidFill>
+                    <a:latin typeface="Courier New"/>
+                  </a:rPr>
+                  <a:t>)</a:t>
+                </a:r>
+              </a:p>
+              <a:p>
+                <a:pPr marL="684000" lvl="2" indent="0">
+                  <a:spcBef>
+                    <a:spcPts val="0"/>
+                  </a:spcBef>
+                  <a:buNone/>
+                </a:pPr>
+                <a:endParaRPr lang="it-IT" sz="1000" dirty="0">
+                  <a:latin typeface="Courier New"/>
+                </a:endParaRPr>
+              </a:p>
+              <a:p>
+                <a:pPr marL="684000" lvl="2" indent="0">
+                  <a:spcBef>
+                    <a:spcPts val="0"/>
+                  </a:spcBef>
+                  <a:buNone/>
+                </a:pPr>
+                <a:r>
+                  <a:rPr lang="it-IT" sz="1000" dirty="0">
+                    <a:solidFill>
+                      <a:srgbClr val="008000"/>
+                    </a:solidFill>
+                    <a:latin typeface="Courier New"/>
+                  </a:rPr>
+                  <a:t># update </a:t>
+                </a:r>
+                <a:r>
+                  <a:rPr lang="it-IT" sz="1000" dirty="0" err="1">
+                    <a:solidFill>
+                      <a:srgbClr val="008000"/>
+                    </a:solidFill>
+                    <a:latin typeface="Courier New"/>
+                  </a:rPr>
+                  <a:t>rgb</a:t>
+                </a:r>
+                <a:r>
+                  <a:rPr lang="it-IT" sz="1000" dirty="0">
+                    <a:solidFill>
+                      <a:srgbClr val="008000"/>
+                    </a:solidFill>
+                    <a:latin typeface="Courier New"/>
+                  </a:rPr>
+                  <a:t> </a:t>
+                </a:r>
+                <a:r>
+                  <a:rPr lang="it-IT" sz="1000" dirty="0" err="1">
+                    <a:solidFill>
+                      <a:srgbClr val="008000"/>
+                    </a:solidFill>
+                    <a:latin typeface="Courier New"/>
+                  </a:rPr>
+                  <a:t>aggregator</a:t>
+                </a:r>
+                <a:endParaRPr lang="it-IT" sz="1000" dirty="0">
+                  <a:solidFill>
+                    <a:srgbClr val="008000"/>
+                  </a:solidFill>
+                  <a:latin typeface="Courier New"/>
+                </a:endParaRPr>
+              </a:p>
+              <a:p>
+                <a:pPr marL="684000" lvl="2" indent="0">
+                  <a:spcBef>
+                    <a:spcPts val="0"/>
+                  </a:spcBef>
+                  <a:buNone/>
+                </a:pPr>
+                <a:r>
+                  <a:rPr lang="it-IT" sz="1000" dirty="0" err="1">
+                    <a:latin typeface="Courier New"/>
+                  </a:rPr>
+                  <a:t>rgb</a:t>
+                </a:r>
+                <a:r>
+                  <a:rPr lang="it-IT" sz="1000" b="1" dirty="0" err="1">
+                    <a:solidFill>
+                      <a:srgbClr val="000080"/>
+                    </a:solidFill>
+                    <a:latin typeface="Courier New"/>
+                  </a:rPr>
+                  <a:t>.</a:t>
+                </a:r>
+                <a:r>
+                  <a:rPr lang="it-IT" sz="1000" dirty="0" err="1">
+                    <a:latin typeface="Courier New"/>
+                  </a:rPr>
+                  <a:t>update_detection_aggregator</a:t>
+                </a:r>
+                <a:r>
+                  <a:rPr lang="it-IT" sz="1000" b="1" dirty="0" smtClean="0">
+                    <a:solidFill>
+                      <a:srgbClr val="000080"/>
+                    </a:solidFill>
+                    <a:latin typeface="Courier New"/>
+                  </a:rPr>
+                  <a:t>()</a:t>
+                </a:r>
+              </a:p>
+              <a:p>
+                <a:pPr marL="684000" lvl="2" indent="0">
+                  <a:spcBef>
+                    <a:spcPts val="0"/>
+                  </a:spcBef>
+                  <a:buNone/>
+                </a:pPr>
+                <a:endParaRPr lang="it-IT" sz="1000" b="1" dirty="0">
+                  <a:solidFill>
+                    <a:srgbClr val="000080"/>
+                  </a:solidFill>
+                  <a:latin typeface="Courier New"/>
+                </a:endParaRPr>
+              </a:p>
+              <a:p>
+                <a:pPr marL="684000" lvl="2" indent="0">
+                  <a:spcBef>
+                    <a:spcPts val="0"/>
+                  </a:spcBef>
+                  <a:buNone/>
+                </a:pPr>
+                <a:r>
+                  <a:rPr lang="it-IT" sz="1000" dirty="0">
+                    <a:solidFill>
+                      <a:srgbClr val="008000"/>
+                    </a:solidFill>
+                    <a:latin typeface="Courier New"/>
+                  </a:rPr>
+                  <a:t># </a:t>
+                </a:r>
+                <a:r>
+                  <a:rPr lang="it-IT" sz="1000" dirty="0" err="1">
+                    <a:solidFill>
+                      <a:srgbClr val="008000"/>
+                    </a:solidFill>
+                    <a:latin typeface="Courier New"/>
+                  </a:rPr>
+                  <a:t>extract</a:t>
+                </a:r>
+                <a:r>
+                  <a:rPr lang="it-IT" sz="1000" dirty="0">
+                    <a:solidFill>
+                      <a:srgbClr val="008000"/>
+                    </a:solidFill>
+                    <a:latin typeface="Courier New"/>
+                  </a:rPr>
+                  <a:t> </a:t>
+                </a:r>
+                <a:r>
+                  <a:rPr lang="it-IT" sz="1000" dirty="0" err="1">
+                    <a:solidFill>
+                      <a:srgbClr val="008000"/>
+                    </a:solidFill>
+                    <a:latin typeface="Courier New"/>
+                  </a:rPr>
+                  <a:t>bounding</a:t>
+                </a:r>
+                <a:r>
+                  <a:rPr lang="it-IT" sz="1000" dirty="0">
+                    <a:solidFill>
+                      <a:srgbClr val="008000"/>
+                    </a:solidFill>
+                    <a:latin typeface="Courier New"/>
+                  </a:rPr>
+                  <a:t> box </a:t>
+                </a:r>
+                <a:r>
+                  <a:rPr lang="it-IT" sz="1000" dirty="0" err="1">
+                    <a:solidFill>
+                      <a:srgbClr val="008000"/>
+                    </a:solidFill>
+                    <a:latin typeface="Courier New"/>
+                  </a:rPr>
+                  <a:t>proposals</a:t>
+                </a:r>
+                <a:endParaRPr lang="it-IT" sz="1000" dirty="0">
+                  <a:latin typeface="Courier New"/>
+                </a:endParaRPr>
+              </a:p>
+              <a:p>
+                <a:pPr marL="684000" lvl="2" indent="0">
+                  <a:spcBef>
+                    <a:spcPts val="0"/>
+                  </a:spcBef>
+                  <a:buNone/>
+                </a:pPr>
+                <a:r>
+                  <a:rPr lang="it-IT" sz="1000" dirty="0" err="1">
+                    <a:latin typeface="Courier New"/>
+                  </a:rPr>
+                  <a:t>rgb_proposal_bbox</a:t>
+                </a:r>
+                <a:r>
+                  <a:rPr lang="it-IT" sz="1000" dirty="0">
+                    <a:latin typeface="Courier New"/>
+                  </a:rPr>
+                  <a:t> </a:t>
+                </a:r>
+                <a:r>
+                  <a:rPr lang="it-IT" sz="1000" b="1" dirty="0">
+                    <a:solidFill>
+                      <a:srgbClr val="000080"/>
+                    </a:solidFill>
+                    <a:latin typeface="Courier New"/>
+                  </a:rPr>
+                  <a:t>=</a:t>
+                </a:r>
+                <a:r>
+                  <a:rPr lang="it-IT" sz="1000" dirty="0">
+                    <a:latin typeface="Courier New"/>
+                  </a:rPr>
+                  <a:t> </a:t>
+                </a:r>
+                <a:r>
+                  <a:rPr lang="it-IT" sz="1000" dirty="0" err="1">
+                    <a:latin typeface="Courier New"/>
+                  </a:rPr>
+                  <a:t>rgb</a:t>
+                </a:r>
+                <a:r>
+                  <a:rPr lang="it-IT" sz="1000" b="1" dirty="0" err="1">
+                    <a:solidFill>
+                      <a:srgbClr val="000080"/>
+                    </a:solidFill>
+                    <a:latin typeface="Courier New"/>
+                  </a:rPr>
+                  <a:t>.</a:t>
+                </a:r>
+                <a:r>
+                  <a:rPr lang="it-IT" sz="1000" dirty="0" err="1">
+                    <a:latin typeface="Courier New"/>
+                  </a:rPr>
+                  <a:t>extract_proposal_bbox</a:t>
+                </a:r>
+                <a:r>
+                  <a:rPr lang="it-IT" sz="1000" b="1" dirty="0" smtClean="0">
+                    <a:solidFill>
+                      <a:srgbClr val="000080"/>
+                    </a:solidFill>
+                    <a:latin typeface="Courier New"/>
+                  </a:rPr>
+                  <a:t>()</a:t>
+                </a:r>
+                <a:endParaRPr lang="en-US" sz="1000" dirty="0" smtClean="0"/>
+              </a:p>
+              <a:p>
+                <a:r>
+                  <a:rPr lang="en-US" dirty="0" smtClean="0"/>
+                  <a:t>A bounding box contains a set of connected pixel which aggregator value is </a:t>
+                </a:r>
+                <a14:m>
+                  <m:oMath xmlns:m="http://schemas.openxmlformats.org/officeDocument/2006/math">
+                    <m:sSub>
+                      <m:sSubPr>
+                        <m:ctrlPr>
+                          <a:rPr lang="it-IT" sz="2800" i="1">
+                            <a:latin typeface="Cambria Math"/>
+                          </a:rPr>
+                        </m:ctrlPr>
+                      </m:sSubPr>
+                      <m:e>
+                        <m:r>
+                          <a:rPr lang="it-IT" sz="2800" i="1">
+                            <a:latin typeface="Cambria Math"/>
+                          </a:rPr>
+                          <m:t>𝑚𝑎𝑥</m:t>
+                        </m:r>
+                      </m:e>
+                      <m:sub>
+                        <m:r>
+                          <a:rPr lang="it-IT" sz="2800" i="1">
+                            <a:latin typeface="Cambria Math"/>
+                          </a:rPr>
+                          <m:t>𝑒</m:t>
+                        </m:r>
+                      </m:sub>
+                    </m:sSub>
+                    <m:r>
+                      <a:rPr lang="it-IT" sz="2800" b="0" i="1" smtClean="0">
+                        <a:latin typeface="Cambria Math"/>
+                      </a:rPr>
+                      <m:t>.</m:t>
+                    </m:r>
+                  </m:oMath>
+                </a14:m>
+                <a:endParaRPr lang="en-US" dirty="0" smtClean="0"/>
+              </a:p>
+              <a:p>
+                <a:r>
+                  <a:rPr lang="en-US" dirty="0" smtClean="0"/>
+                  <a:t>The bounding boxes with area less than 50 pixel are filtered:</a:t>
+                </a:r>
+              </a:p>
+              <a:p>
+                <a:pPr lvl="1"/>
+                <a:r>
+                  <a:rPr lang="en-US" smtClean="0"/>
+                  <a:t>So small </a:t>
+                </a:r>
+                <a:r>
+                  <a:rPr lang="en-US" dirty="0" smtClean="0"/>
+                  <a:t>objects are discarded.</a:t>
+                </a:r>
+              </a:p>
+              <a:p>
+                <a:pPr lvl="1"/>
+                <a:endParaRPr lang="en-US" dirty="0" smtClean="0"/>
+              </a:p>
+            </p:txBody>
+          </p:sp>
+        </mc:Choice>
+        <mc:Fallback>
+          <p:sp>
+            <p:nvSpPr>
+              <p:cNvPr id="3" name="Segnaposto contenuto 2"/>
+              <p:cNvSpPr>
+                <a:spLocks noGrp="1" noRot="1" noChangeAspect="1" noMove="1" noResize="1" noEditPoints="1" noAdjustHandles="1" noChangeArrowheads="1" noChangeShapeType="1" noTextEdit="1"/>
+              </p:cNvSpPr>
+              <p:nvPr>
+                <p:ph idx="1"/>
+              </p:nvPr>
+            </p:nvSpPr>
+            <p:spPr>
+              <a:blipFill rotWithShape="1">
+                <a:blip r:embed="rId2"/>
+                <a:stretch>
+                  <a:fillRect l="-81" t="-687" b="-824"/>
+                </a:stretch>
+              </a:blipFill>
+            </p:spPr>
+            <p:txBody>
+              <a:bodyPr/>
+              <a:lstStyle/>
+              <a:p>
+                <a:r>
+                  <a:rPr lang="it-IT">
+                    <a:noFill/>
+                  </a:rPr>
+                  <a:t> </a:t>
+                </a:r>
+              </a:p>
+            </p:txBody>
+          </p:sp>
+        </mc:Fallback>
+      </mc:AlternateContent>
+      <p:sp>
+        <p:nvSpPr>
+          <p:cNvPr id="4" name="Segnaposto contenuto 3"/>
+          <p:cNvSpPr>
+            <a:spLocks noGrp="1"/>
+          </p:cNvSpPr>
+          <p:nvPr>
+            <p:ph sz="quarter" idx="11"/>
+          </p:nvPr>
+        </p:nvSpPr>
+        <p:spPr/>
+        <p:txBody>
+          <a:bodyPr/>
+          <a:lstStyle/>
+          <a:p>
+            <a:r>
+              <a:rPr lang="it-IT" dirty="0"/>
+              <a:t>Development</a:t>
+            </a:r>
+          </a:p>
+          <a:p>
+            <a:endParaRPr lang="it-IT" dirty="0"/>
+          </a:p>
+        </p:txBody>
+      </p:sp>
+    </p:spTree>
+    <p:extLst>
+      <p:ext uri="{BB962C8B-B14F-4D97-AF65-F5344CB8AC3E}">
+        <p14:creationId xmlns:p14="http://schemas.microsoft.com/office/powerpoint/2010/main" val="708963304"/>
+      </p:ext>
+    </p:extLst>
+  </p:cSld>
+  <p:clrMapOvr>
+    <a:masterClrMapping/>
+  </p:clrMapOvr>
+  <p:timing>
+    <p:tnLst>
+      <p:par>
+        <p:cTn id="1" dur="indefinite" restart="never" nodeType="tmRoot"/>
+      </p:par>
+    </p:tnLst>
+  </p:timing>
+</p:sld>
+</file>
+
+<file path=ppt/slides/slide12.xml><?xml version="1.0" encoding="utf-8"?>
+<p:sld xmlns:a="http://schemas.openxmlformats.org/drawingml/2006/main" xmlns:r="http://schemas.openxmlformats.org/officeDocument/2006/relationships" xmlns:p="http://schemas.openxmlformats.org/presentationml/2006/main">
+  <p:cSld>
+    <p:spTree>
+      <p:nvGrpSpPr>
+        <p:cNvPr id="1" name=""/>
+        <p:cNvGrpSpPr/>
+        <p:nvPr/>
+      </p:nvGrpSpPr>
+      <p:grpSpPr>
+        <a:xfrm>
+          <a:off x="0" y="0"/>
+          <a:ext cx="0" cy="0"/>
+          <a:chOff x="0" y="0"/>
+          <a:chExt cx="0" cy="0"/>
+        </a:xfrm>
+      </p:grpSpPr>
+      <p:sp>
+        <p:nvSpPr>
+          <p:cNvPr id="6" name="CasellaDiTesto 9"/>
+          <p:cNvSpPr txBox="1">
+            <a:spLocks noChangeArrowheads="1"/>
+          </p:cNvSpPr>
+          <p:nvPr/>
+        </p:nvSpPr>
+        <p:spPr bwMode="auto">
+          <a:xfrm>
+            <a:off x="436563" y="3166046"/>
+            <a:ext cx="4140200" cy="1487090"/>
+          </a:xfrm>
+          <a:prstGeom prst="rect">
+            <a:avLst/>
+          </a:prstGeom>
+          <a:noFill/>
+          <a:ln>
+            <a:noFill/>
+          </a:ln>
+          <a:extLst>
+            <a:ext uri="{909E8E84-426E-40DD-AFC4-6F175D3DCCD1}">
+              <a14:hiddenFill xmlns:a14="http://schemas.microsoft.com/office/drawing/2010/main">
+                <a:solidFill>
+                  <a:srgbClr val="FFFFFF"/>
+                </a:solidFill>
+              </a14:hiddenFill>
+            </a:ext>
+            <a:ext uri="{91240B29-F687-4F45-9708-019B960494DF}">
+              <a14:hiddenLine xmlns:a14="http://schemas.microsoft.com/office/drawing/2010/main" w="9525">
+                <a:solidFill>
+                  <a:srgbClr val="000000"/>
+                </a:solidFill>
+                <a:miter lim="800000"/>
+                <a:headEnd/>
+                <a:tailEnd/>
+              </a14:hiddenLine>
+            </a:ext>
+          </a:extLst>
+        </p:spPr>
+        <p:txBody>
+          <a:bodyPr/>
+          <a:lstStyle/>
+          <a:p>
+            <a:pPr algn="ctr">
+              <a:buClr>
+                <a:srgbClr val="000000"/>
+              </a:buClr>
+              <a:buSzPct val="100000"/>
+              <a:buFont typeface="Times New Roman" pitchFamily="18" charset="0"/>
+              <a:buNone/>
+            </a:pPr>
+            <a:r>
+              <a:rPr lang="it-IT" altLang="it-IT" sz="3200" dirty="0" smtClean="0">
+                <a:solidFill>
+                  <a:schemeClr val="tx1"/>
+                </a:solidFill>
+                <a:latin typeface="Tahoma" pitchFamily="34" charset="0"/>
+                <a:cs typeface="Tahoma" pitchFamily="34" charset="0"/>
+              </a:rPr>
+              <a:t>Left </a:t>
+            </a:r>
+            <a:r>
+              <a:rPr lang="it-IT" altLang="it-IT" sz="3200" dirty="0" err="1" smtClean="0">
+                <a:solidFill>
+                  <a:schemeClr val="tx1"/>
+                </a:solidFill>
+                <a:latin typeface="Tahoma" pitchFamily="34" charset="0"/>
+                <a:cs typeface="Tahoma" pitchFamily="34" charset="0"/>
+              </a:rPr>
+              <a:t>luggage</a:t>
+            </a:r>
+            <a:r>
+              <a:rPr lang="it-IT" altLang="it-IT" sz="3200" dirty="0" smtClean="0">
+                <a:solidFill>
+                  <a:schemeClr val="tx1"/>
+                </a:solidFill>
+                <a:latin typeface="Tahoma" pitchFamily="34" charset="0"/>
+                <a:cs typeface="Tahoma" pitchFamily="34" charset="0"/>
+              </a:rPr>
+              <a:t> </a:t>
+            </a:r>
+            <a:r>
+              <a:rPr lang="it-IT" altLang="it-IT" sz="3200" dirty="0" err="1" smtClean="0">
+                <a:solidFill>
+                  <a:schemeClr val="tx1"/>
+                </a:solidFill>
+                <a:latin typeface="Tahoma" pitchFamily="34" charset="0"/>
+                <a:cs typeface="Tahoma" pitchFamily="34" charset="0"/>
+              </a:rPr>
+              <a:t>detection</a:t>
+            </a:r>
+            <a:endParaRPr lang="it-IT" altLang="it-IT" sz="3200" dirty="0">
+              <a:solidFill>
+                <a:schemeClr val="tx1"/>
+              </a:solidFill>
+              <a:latin typeface="Tahoma" pitchFamily="34" charset="0"/>
+              <a:cs typeface="Tahoma" pitchFamily="34" charset="0"/>
+            </a:endParaRPr>
+          </a:p>
+          <a:p>
+            <a:pPr algn="ctr">
+              <a:buClr>
+                <a:srgbClr val="000000"/>
+              </a:buClr>
+              <a:buSzPct val="100000"/>
+              <a:buFont typeface="Times New Roman" pitchFamily="18" charset="0"/>
+              <a:buNone/>
+            </a:pPr>
+            <a:r>
+              <a:rPr lang="it-IT" altLang="it-IT" sz="3200" dirty="0" smtClean="0">
+                <a:solidFill>
+                  <a:schemeClr val="tx1"/>
+                </a:solidFill>
+                <a:latin typeface="Tahoma" pitchFamily="34" charset="0"/>
+                <a:cs typeface="Tahoma" pitchFamily="34" charset="0"/>
+              </a:rPr>
+              <a:t>March </a:t>
+            </a:r>
+            <a:r>
+              <a:rPr lang="it-IT" altLang="it-IT" sz="3200" dirty="0" err="1" smtClean="0">
+                <a:solidFill>
+                  <a:schemeClr val="tx1"/>
+                </a:solidFill>
+                <a:latin typeface="Tahoma" pitchFamily="34" charset="0"/>
+                <a:cs typeface="Tahoma" pitchFamily="34" charset="0"/>
+              </a:rPr>
+              <a:t>xxth</a:t>
+            </a:r>
+            <a:r>
+              <a:rPr lang="it-IT" altLang="it-IT" sz="3200" dirty="0">
+                <a:solidFill>
+                  <a:schemeClr val="tx1"/>
+                </a:solidFill>
+                <a:latin typeface="Tahoma" pitchFamily="34" charset="0"/>
+                <a:cs typeface="Tahoma" pitchFamily="34" charset="0"/>
+              </a:rPr>
+              <a:t>, </a:t>
+            </a:r>
+            <a:r>
+              <a:rPr lang="it-IT" altLang="it-IT" sz="3200" dirty="0" smtClean="0">
+                <a:solidFill>
+                  <a:schemeClr val="tx1"/>
+                </a:solidFill>
+                <a:latin typeface="Tahoma" pitchFamily="34" charset="0"/>
+                <a:cs typeface="Tahoma" pitchFamily="34" charset="0"/>
+              </a:rPr>
+              <a:t>2014</a:t>
+            </a:r>
+          </a:p>
+          <a:p>
+            <a:pPr algn="ctr">
+              <a:spcBef>
+                <a:spcPts val="1200"/>
+              </a:spcBef>
+              <a:buClr>
+                <a:srgbClr val="000000"/>
+              </a:buClr>
+              <a:buSzPct val="100000"/>
+            </a:pPr>
+            <a:r>
+              <a:rPr lang="it-IT" altLang="it-IT" sz="1600" dirty="0" smtClean="0">
+                <a:solidFill>
+                  <a:schemeClr val="tx1"/>
+                </a:solidFill>
+                <a:latin typeface="Tahoma" pitchFamily="34" charset="0"/>
+                <a:cs typeface="Tahoma" pitchFamily="34" charset="0"/>
+              </a:rPr>
+              <a:t>Course </a:t>
+            </a:r>
+            <a:r>
+              <a:rPr lang="it-IT" altLang="it-IT" sz="1600" dirty="0">
+                <a:solidFill>
+                  <a:schemeClr val="tx1"/>
+                </a:solidFill>
+                <a:latin typeface="Tahoma" pitchFamily="34" charset="0"/>
+                <a:cs typeface="Tahoma" pitchFamily="34" charset="0"/>
+              </a:rPr>
+              <a:t>of Multimedia Databases – </a:t>
+            </a:r>
+            <a:r>
+              <a:rPr lang="it-IT" altLang="it-IT" sz="1600" dirty="0" err="1">
+                <a:solidFill>
+                  <a:schemeClr val="tx1"/>
+                </a:solidFill>
+                <a:latin typeface="Tahoma" pitchFamily="34" charset="0"/>
+                <a:cs typeface="Tahoma" pitchFamily="34" charset="0"/>
+              </a:rPr>
+              <a:t>a.a</a:t>
+            </a:r>
+            <a:r>
+              <a:rPr lang="it-IT" altLang="it-IT" sz="1600" dirty="0">
+                <a:solidFill>
+                  <a:schemeClr val="tx1"/>
+                </a:solidFill>
+                <a:latin typeface="Tahoma" pitchFamily="34" charset="0"/>
+                <a:cs typeface="Tahoma" pitchFamily="34" charset="0"/>
+              </a:rPr>
+              <a:t>. 2013-14</a:t>
+            </a:r>
+          </a:p>
+          <a:p>
+            <a:pPr algn="ctr">
+              <a:buClr>
+                <a:srgbClr val="000000"/>
+              </a:buClr>
+              <a:buSzPct val="100000"/>
+              <a:buFont typeface="Times New Roman" pitchFamily="18" charset="0"/>
+              <a:buNone/>
+            </a:pPr>
+            <a:endParaRPr lang="it-IT" altLang="it-IT" sz="3200" dirty="0" smtClean="0">
+              <a:solidFill>
+                <a:schemeClr val="tx1"/>
+              </a:solidFill>
+              <a:latin typeface="Tahoma" pitchFamily="34" charset="0"/>
+              <a:cs typeface="Tahoma" pitchFamily="34" charset="0"/>
+            </a:endParaRPr>
+          </a:p>
+          <a:p>
+            <a:pPr algn="ctr">
+              <a:buClr>
+                <a:srgbClr val="000000"/>
+              </a:buClr>
+              <a:buSzPct val="100000"/>
+              <a:buFont typeface="Times New Roman" pitchFamily="18" charset="0"/>
+              <a:buNone/>
+            </a:pPr>
+            <a:endParaRPr lang="it-IT" altLang="it-IT" dirty="0">
+              <a:solidFill>
+                <a:schemeClr val="tx1"/>
+              </a:solidFill>
+              <a:latin typeface="Tahoma" pitchFamily="34" charset="0"/>
+              <a:cs typeface="Tahoma" pitchFamily="34" charset="0"/>
+            </a:endParaRPr>
+          </a:p>
+        </p:txBody>
+      </p:sp>
+      <p:sp>
+        <p:nvSpPr>
+          <p:cNvPr id="2" name="Titolo 1"/>
+          <p:cNvSpPr>
+            <a:spLocks noGrp="1"/>
+          </p:cNvSpPr>
+          <p:nvPr>
+            <p:ph type="title"/>
+          </p:nvPr>
+        </p:nvSpPr>
+        <p:spPr/>
+        <p:txBody>
+          <a:bodyPr/>
+          <a:lstStyle/>
+          <a:p>
+            <a:r>
+              <a:rPr lang="it-IT" dirty="0" err="1" smtClean="0"/>
+              <a:t>Thanks</a:t>
+            </a:r>
+            <a:endParaRPr lang="it-IT" dirty="0"/>
+          </a:p>
+        </p:txBody>
+      </p:sp>
+      <p:sp>
+        <p:nvSpPr>
+          <p:cNvPr id="4" name="Segnaposto contenuto 3"/>
+          <p:cNvSpPr>
+            <a:spLocks noGrp="1"/>
+          </p:cNvSpPr>
+          <p:nvPr>
+            <p:ph sz="quarter" idx="11"/>
+          </p:nvPr>
+        </p:nvSpPr>
+        <p:spPr/>
+        <p:txBody>
+          <a:bodyPr/>
+          <a:lstStyle/>
+          <a:p>
+            <a:r>
+              <a:rPr lang="it-IT" dirty="0" err="1" smtClean="0"/>
+              <a:t>Thanks</a:t>
+            </a:r>
+            <a:endParaRPr lang="it-IT" dirty="0"/>
+          </a:p>
+        </p:txBody>
+      </p:sp>
+      <p:sp>
+        <p:nvSpPr>
+          <p:cNvPr id="7" name="CasellaDiTesto 10"/>
+          <p:cNvSpPr txBox="1">
+            <a:spLocks noChangeArrowheads="1"/>
+          </p:cNvSpPr>
+          <p:nvPr/>
+        </p:nvSpPr>
+        <p:spPr bwMode="auto">
+          <a:xfrm>
+            <a:off x="2466975" y="5661248"/>
+            <a:ext cx="4265613" cy="496996"/>
+          </a:xfrm>
+          <a:prstGeom prst="rect">
+            <a:avLst/>
+          </a:prstGeom>
+          <a:noFill/>
+          <a:ln>
+            <a:noFill/>
+          </a:ln>
+          <a:extLst>
+            <a:ext uri="{909E8E84-426E-40DD-AFC4-6F175D3DCCD1}">
+              <a14:hiddenFill xmlns:a14="http://schemas.microsoft.com/office/drawing/2010/main">
+                <a:solidFill>
+                  <a:srgbClr val="FFFFFF"/>
+                </a:solidFill>
+              </a14:hiddenFill>
+            </a:ext>
+            <a:ext uri="{91240B29-F687-4F45-9708-019B960494DF}">
+              <a14:hiddenLine xmlns:a14="http://schemas.microsoft.com/office/drawing/2010/main" w="9525">
+                <a:solidFill>
+                  <a:srgbClr val="000000"/>
+                </a:solidFill>
+                <a:miter lim="800000"/>
+                <a:headEnd/>
+                <a:tailEnd/>
+              </a14:hiddenLine>
+            </a:ext>
+          </a:extLst>
+        </p:spPr>
+        <p:txBody>
+          <a:bodyPr>
+            <a:spAutoFit/>
+          </a:bodyPr>
+          <a:lstStyle/>
+          <a:p>
+            <a:pPr algn="ctr">
+              <a:lnSpc>
+                <a:spcPct val="150000"/>
+              </a:lnSpc>
+              <a:buClr>
+                <a:srgbClr val="000000"/>
+              </a:buClr>
+              <a:buSzPct val="100000"/>
+              <a:buFont typeface="Times New Roman" pitchFamily="18" charset="0"/>
+              <a:buNone/>
+            </a:pPr>
+            <a:r>
+              <a:rPr lang="it-IT" altLang="it-IT" sz="2000" i="1" dirty="0" smtClean="0">
+                <a:solidFill>
+                  <a:schemeClr val="tx1"/>
+                </a:solidFill>
+              </a:rPr>
+              <a:t>Andrea Rizzo,</a:t>
+            </a:r>
+            <a:r>
+              <a:rPr lang="it-IT" altLang="it-IT" sz="2000" i="1" baseline="0" dirty="0" smtClean="0">
+                <a:solidFill>
+                  <a:schemeClr val="tx1"/>
+                </a:solidFill>
+              </a:rPr>
+              <a:t> Matteo Bruni</a:t>
+            </a:r>
+            <a:endParaRPr lang="it-IT" altLang="it-IT" sz="2000" i="1" dirty="0">
+              <a:solidFill>
+                <a:schemeClr val="tx1"/>
+              </a:solidFill>
+            </a:endParaRPr>
+          </a:p>
+        </p:txBody>
+      </p:sp>
+      <p:pic>
+        <p:nvPicPr>
+          <p:cNvPr id="8" name="Immagine 9"/>
+          <p:cNvPicPr>
+            <a:picLocks noChangeAspect="1"/>
+          </p:cNvPicPr>
+          <p:nvPr/>
+        </p:nvPicPr>
+        <p:blipFill>
+          <a:blip r:embed="rId2">
+            <a:extLst>
+              <a:ext uri="{28A0092B-C50C-407E-A947-70E740481C1C}">
+                <a14:useLocalDpi xmlns:a14="http://schemas.microsoft.com/office/drawing/2010/main" val="0"/>
+              </a:ext>
+            </a:extLst>
+          </a:blip>
+          <a:stretch>
+            <a:fillRect/>
+          </a:stretch>
+        </p:blipFill>
+        <p:spPr bwMode="auto">
+          <a:xfrm>
+            <a:off x="2484438" y="951878"/>
+            <a:ext cx="4175125" cy="1714156"/>
+          </a:xfrm>
+          <a:prstGeom prst="rect">
+            <a:avLst/>
+          </a:prstGeom>
+          <a:noFill/>
+          <a:ln>
+            <a:noFill/>
+          </a:ln>
+          <a:extLst>
+            <a:ext uri="{909E8E84-426E-40DD-AFC4-6F175D3DCCD1}">
+              <a14:hiddenFill xmlns:a14="http://schemas.microsoft.com/office/drawing/2010/main">
+                <a:solidFill>
+                  <a:srgbClr val="FFFFFF"/>
+                </a:solidFill>
+              </a14:hiddenFill>
+            </a:ext>
+            <a:ext uri="{91240B29-F687-4F45-9708-019B960494DF}">
+              <a14:hiddenLine xmlns:a14="http://schemas.microsoft.com/office/drawing/2010/main" w="9525">
+                <a:solidFill>
+                  <a:srgbClr val="000000"/>
+                </a:solidFill>
+                <a:miter lim="800000"/>
+                <a:headEnd/>
+                <a:tailEnd/>
+              </a14:hiddenLine>
+            </a:ext>
+          </a:extLst>
+        </p:spPr>
+      </p:pic>
+      <p:pic>
+        <p:nvPicPr>
+          <p:cNvPr id="5" name="Segnaposto contenuto 4"/>
+          <p:cNvPicPr>
+            <a:picLocks noGrp="1" noChangeAspect="1"/>
+          </p:cNvPicPr>
+          <p:nvPr>
+            <p:ph idx="1"/>
+          </p:nvPr>
+        </p:nvPicPr>
+        <p:blipFill>
+          <a:blip r:embed="rId3">
+            <a:extLst>
+              <a:ext uri="{28A0092B-C50C-407E-A947-70E740481C1C}">
+                <a14:useLocalDpi xmlns:a14="http://schemas.microsoft.com/office/drawing/2010/main" val="0"/>
+              </a:ext>
+            </a:extLst>
+          </a:blip>
+          <a:stretch>
+            <a:fillRect/>
+          </a:stretch>
+        </p:blipFill>
+        <p:spPr>
+          <a:xfrm>
+            <a:off x="5652120" y="3321176"/>
+            <a:ext cx="1733125" cy="1692000"/>
+          </a:xfrm>
+        </p:spPr>
+      </p:pic>
+    </p:spTree>
+    <p:extLst>
+      <p:ext uri="{BB962C8B-B14F-4D97-AF65-F5344CB8AC3E}">
+        <p14:creationId xmlns:p14="http://schemas.microsoft.com/office/powerpoint/2010/main" val="2694862612"/>
+      </p:ext>
+    </p:extLst>
+  </p:cSld>
+  <p:clrMapOvr>
+    <a:masterClrMapping/>
+  </p:clrMapOvr>
+  <p:timing>
+    <p:tnLst>
+      <p:par>
+        <p:cTn id="1" dur="indefinite" restart="never" nodeType="tmRoot"/>
+      </p:par>
+    </p:tnLst>
+  </p:timing>
+</p:sld>
+</file>
+
+<file path=ppt/slides/slide13.xml><?xml version="1.0" encoding="utf-8"?>
+<p:sld xmlns:a="http://schemas.openxmlformats.org/drawingml/2006/main" xmlns:r="http://schemas.openxmlformats.org/officeDocument/2006/relationships" xmlns:p="http://schemas.openxmlformats.org/presentationml/2006/main">
+  <p:cSld>
+    <p:spTree>
+      <p:nvGrpSpPr>
+        <p:cNvPr id="1" name=""/>
+        <p:cNvGrpSpPr/>
+        <p:nvPr/>
+      </p:nvGrpSpPr>
+      <p:grpSpPr>
+        <a:xfrm>
+          <a:off x="0" y="0"/>
+          <a:ext cx="0" cy="0"/>
+          <a:chOff x="0" y="0"/>
+          <a:chExt cx="0" cy="0"/>
+        </a:xfrm>
+      </p:grpSpPr>
+      <p:sp>
+        <p:nvSpPr>
+          <p:cNvPr id="2" name="Titolo 1"/>
+          <p:cNvSpPr>
+            <a:spLocks noGrp="1"/>
+          </p:cNvSpPr>
+          <p:nvPr>
+            <p:ph type="title"/>
+          </p:nvPr>
+        </p:nvSpPr>
+        <p:spPr/>
+        <p:txBody>
+          <a:bodyPr/>
+          <a:lstStyle/>
+          <a:p>
+            <a:r>
+              <a:rPr lang="it-IT" dirty="0" err="1" smtClean="0"/>
+              <a:t>References</a:t>
+            </a:r>
+            <a:endParaRPr lang="it-IT" dirty="0"/>
+          </a:p>
+        </p:txBody>
+      </p:sp>
+      <p:sp>
+        <p:nvSpPr>
+          <p:cNvPr id="3" name="Segnaposto contenuto 2"/>
+          <p:cNvSpPr>
+            <a:spLocks noGrp="1"/>
+          </p:cNvSpPr>
+          <p:nvPr>
+            <p:ph idx="1"/>
+          </p:nvPr>
+        </p:nvSpPr>
+        <p:spPr/>
+        <p:txBody>
+          <a:bodyPr/>
+          <a:lstStyle/>
+          <a:p>
+            <a:r>
+              <a:rPr lang="it-IT" sz="2800" dirty="0">
+                <a:solidFill>
+                  <a:schemeClr val="tx1"/>
+                </a:solidFill>
+              </a:rPr>
+              <a:t>[1] Z. Zivkovic and F. </a:t>
+            </a:r>
+            <a:r>
+              <a:rPr lang="it-IT" sz="2800" dirty="0" err="1">
+                <a:solidFill>
+                  <a:schemeClr val="tx1"/>
+                </a:solidFill>
+              </a:rPr>
+              <a:t>Heijden</a:t>
+            </a:r>
+            <a:r>
+              <a:rPr lang="it-IT" sz="2800" dirty="0">
+                <a:solidFill>
+                  <a:schemeClr val="tx1"/>
+                </a:solidFill>
+              </a:rPr>
+              <a:t>, </a:t>
+            </a:r>
+            <a:r>
+              <a:rPr lang="it-IT" sz="2800" dirty="0" err="1">
+                <a:solidFill>
+                  <a:schemeClr val="tx1"/>
+                </a:solidFill>
+              </a:rPr>
+              <a:t>Efficient</a:t>
+            </a:r>
+            <a:r>
+              <a:rPr lang="it-IT" sz="2800" dirty="0">
+                <a:solidFill>
+                  <a:schemeClr val="tx1"/>
+                </a:solidFill>
+              </a:rPr>
+              <a:t> </a:t>
+            </a:r>
+            <a:r>
+              <a:rPr lang="it-IT" sz="2800" dirty="0" err="1">
+                <a:solidFill>
+                  <a:schemeClr val="tx1"/>
+                </a:solidFill>
+              </a:rPr>
+              <a:t>adaptive</a:t>
+            </a:r>
+            <a:r>
+              <a:rPr lang="it-IT" sz="2800" dirty="0">
+                <a:solidFill>
+                  <a:schemeClr val="tx1"/>
+                </a:solidFill>
+              </a:rPr>
+              <a:t> </a:t>
+            </a:r>
+            <a:r>
+              <a:rPr lang="it-IT" sz="2800" dirty="0" err="1">
+                <a:solidFill>
+                  <a:schemeClr val="tx1"/>
+                </a:solidFill>
+              </a:rPr>
+              <a:t>density</a:t>
+            </a:r>
+            <a:r>
+              <a:rPr lang="it-IT" sz="2800" dirty="0">
+                <a:solidFill>
+                  <a:schemeClr val="tx1"/>
+                </a:solidFill>
+              </a:rPr>
+              <a:t> </a:t>
+            </a:r>
+            <a:r>
+              <a:rPr lang="it-IT" sz="2800" dirty="0" err="1">
+                <a:solidFill>
+                  <a:schemeClr val="tx1"/>
+                </a:solidFill>
+              </a:rPr>
+              <a:t>estimation</a:t>
+            </a:r>
+            <a:r>
+              <a:rPr lang="it-IT" sz="2800" dirty="0">
+                <a:solidFill>
+                  <a:schemeClr val="tx1"/>
+                </a:solidFill>
+              </a:rPr>
+              <a:t> per image pixel for the task of background </a:t>
+            </a:r>
+            <a:r>
+              <a:rPr lang="it-IT" sz="2800" dirty="0" err="1">
+                <a:solidFill>
+                  <a:schemeClr val="tx1"/>
+                </a:solidFill>
+              </a:rPr>
+              <a:t>subtraction</a:t>
+            </a:r>
+            <a:endParaRPr lang="it-IT" sz="2800" dirty="0">
+              <a:solidFill>
+                <a:schemeClr val="tx1"/>
+              </a:solidFill>
+            </a:endParaRPr>
+          </a:p>
+          <a:p>
+            <a:r>
+              <a:rPr lang="it-IT" sz="2800" dirty="0">
+                <a:solidFill>
+                  <a:schemeClr val="tx1"/>
+                </a:solidFill>
+              </a:rPr>
+              <a:t>[2] F. </a:t>
+            </a:r>
+            <a:r>
+              <a:rPr lang="it-IT" sz="2800" dirty="0" err="1">
+                <a:solidFill>
+                  <a:schemeClr val="tx1"/>
+                </a:solidFill>
+              </a:rPr>
+              <a:t>Porikli</a:t>
+            </a:r>
+            <a:r>
+              <a:rPr lang="it-IT" sz="2800" dirty="0">
+                <a:solidFill>
+                  <a:schemeClr val="tx1"/>
+                </a:solidFill>
+              </a:rPr>
+              <a:t>, Y. </a:t>
+            </a:r>
+            <a:r>
+              <a:rPr lang="it-IT" sz="2800" dirty="0" err="1">
+                <a:solidFill>
+                  <a:schemeClr val="tx1"/>
+                </a:solidFill>
+              </a:rPr>
+              <a:t>Ivanov</a:t>
+            </a:r>
+            <a:r>
+              <a:rPr lang="it-IT" sz="2800" dirty="0">
+                <a:solidFill>
+                  <a:schemeClr val="tx1"/>
+                </a:solidFill>
+              </a:rPr>
+              <a:t> and T. </a:t>
+            </a:r>
+            <a:r>
+              <a:rPr lang="it-IT" sz="2800" dirty="0" err="1">
+                <a:solidFill>
+                  <a:schemeClr val="tx1"/>
+                </a:solidFill>
+              </a:rPr>
+              <a:t>Haga</a:t>
+            </a:r>
+            <a:r>
+              <a:rPr lang="it-IT" sz="2800" dirty="0">
+                <a:solidFill>
+                  <a:schemeClr val="tx1"/>
+                </a:solidFill>
+              </a:rPr>
+              <a:t>, </a:t>
+            </a:r>
+            <a:r>
+              <a:rPr lang="it-IT" sz="2800" dirty="0" err="1">
+                <a:solidFill>
+                  <a:schemeClr val="tx1"/>
+                </a:solidFill>
+              </a:rPr>
+              <a:t>Robust</a:t>
+            </a:r>
+            <a:r>
+              <a:rPr lang="it-IT" sz="2800" dirty="0">
+                <a:solidFill>
+                  <a:schemeClr val="tx1"/>
+                </a:solidFill>
+              </a:rPr>
+              <a:t> </a:t>
+            </a:r>
+            <a:r>
+              <a:rPr lang="it-IT" sz="2800" dirty="0" err="1">
+                <a:solidFill>
+                  <a:schemeClr val="tx1"/>
+                </a:solidFill>
+              </a:rPr>
+              <a:t>abandoned</a:t>
+            </a:r>
+            <a:r>
+              <a:rPr lang="it-IT" sz="2800" dirty="0">
+                <a:solidFill>
+                  <a:schemeClr val="tx1"/>
+                </a:solidFill>
+              </a:rPr>
+              <a:t> </a:t>
+            </a:r>
+            <a:r>
+              <a:rPr lang="it-IT" sz="2800" dirty="0" err="1">
+                <a:solidFill>
+                  <a:schemeClr val="tx1"/>
+                </a:solidFill>
+              </a:rPr>
+              <a:t>object</a:t>
+            </a:r>
+            <a:r>
+              <a:rPr lang="it-IT" sz="2800" dirty="0">
+                <a:solidFill>
+                  <a:schemeClr val="tx1"/>
+                </a:solidFill>
+              </a:rPr>
+              <a:t> </a:t>
+            </a:r>
+            <a:r>
+              <a:rPr lang="it-IT" sz="2800" dirty="0" err="1">
+                <a:solidFill>
+                  <a:schemeClr val="tx1"/>
+                </a:solidFill>
+              </a:rPr>
+              <a:t>detection</a:t>
+            </a:r>
+            <a:r>
+              <a:rPr lang="it-IT" sz="2800" dirty="0">
+                <a:solidFill>
+                  <a:schemeClr val="tx1"/>
+                </a:solidFill>
+              </a:rPr>
+              <a:t> </a:t>
+            </a:r>
+            <a:r>
+              <a:rPr lang="it-IT" sz="2800" dirty="0" err="1">
+                <a:solidFill>
+                  <a:schemeClr val="tx1"/>
+                </a:solidFill>
+              </a:rPr>
+              <a:t>using</a:t>
+            </a:r>
+            <a:r>
+              <a:rPr lang="it-IT" sz="2800" dirty="0">
+                <a:solidFill>
+                  <a:schemeClr val="tx1"/>
+                </a:solidFill>
+              </a:rPr>
+              <a:t> </a:t>
+            </a:r>
+            <a:r>
+              <a:rPr lang="it-IT" sz="2800" dirty="0" err="1">
+                <a:solidFill>
+                  <a:schemeClr val="tx1"/>
+                </a:solidFill>
+              </a:rPr>
+              <a:t>dual</a:t>
+            </a:r>
+            <a:r>
+              <a:rPr lang="it-IT" sz="2800" dirty="0">
+                <a:solidFill>
+                  <a:schemeClr val="tx1"/>
+                </a:solidFill>
+              </a:rPr>
+              <a:t> </a:t>
+            </a:r>
+            <a:r>
+              <a:rPr lang="it-IT" sz="2800" dirty="0" err="1">
+                <a:solidFill>
+                  <a:schemeClr val="tx1"/>
+                </a:solidFill>
+              </a:rPr>
+              <a:t>foregrounds</a:t>
+            </a:r>
+            <a:endParaRPr lang="it-IT" sz="2800" dirty="0">
+              <a:solidFill>
+                <a:schemeClr val="tx1"/>
+              </a:solidFill>
+            </a:endParaRPr>
+          </a:p>
+          <a:p>
+            <a:endParaRPr lang="it-IT" dirty="0"/>
+          </a:p>
+        </p:txBody>
+      </p:sp>
+      <p:sp>
+        <p:nvSpPr>
+          <p:cNvPr id="4" name="Segnaposto contenuto 3"/>
+          <p:cNvSpPr>
+            <a:spLocks noGrp="1"/>
+          </p:cNvSpPr>
+          <p:nvPr>
+            <p:ph sz="quarter" idx="11"/>
+          </p:nvPr>
+        </p:nvSpPr>
+        <p:spPr/>
+        <p:txBody>
+          <a:bodyPr/>
+          <a:lstStyle/>
+          <a:p>
+            <a:r>
+              <a:rPr lang="it-IT" dirty="0" err="1" smtClean="0"/>
+              <a:t>References</a:t>
+            </a:r>
+            <a:endParaRPr lang="it-IT" dirty="0"/>
+          </a:p>
+        </p:txBody>
+      </p:sp>
+    </p:spTree>
+    <p:extLst>
+      <p:ext uri="{BB962C8B-B14F-4D97-AF65-F5344CB8AC3E}">
+        <p14:creationId xmlns:p14="http://schemas.microsoft.com/office/powerpoint/2010/main" val="7393228"/>
+      </p:ext>
+    </p:extLst>
+  </p:cSld>
+  <p:clrMapOvr>
+    <a:masterClrMapping/>
+  </p:clrMapOvr>
+  <p:timing>
+    <p:tnLst>
+      <p:par>
+        <p:cTn id="1" dur="indefinite" restart="never" nodeType="tmRoot"/>
+      </p:par>
+    </p:tnLst>
+  </p:timing>
+</p:sld>
+</file>
+
 <file path=ppt/slides/slide2.xml><?xml version="1.0" encoding="utf-8"?>
+<p:sld xmlns:a="http://schemas.openxmlformats.org/drawingml/2006/main" xmlns:r="http://schemas.openxmlformats.org/officeDocument/2006/relationships" xmlns:p="http://schemas.openxmlformats.org/presentationml/2006/main">
+  <p:cSld>
+    <p:spTree>
+      <p:nvGrpSpPr>
+        <p:cNvPr id="1" name=""/>
+        <p:cNvGrpSpPr/>
+        <p:nvPr/>
+      </p:nvGrpSpPr>
+      <p:grpSpPr>
+        <a:xfrm>
+          <a:off x="0" y="0"/>
+          <a:ext cx="0" cy="0"/>
+          <a:chOff x="0" y="0"/>
+          <a:chExt cx="0" cy="0"/>
+        </a:xfrm>
+      </p:grpSpPr>
+      <p:sp>
+        <p:nvSpPr>
+          <p:cNvPr id="6" name="Titolo 5"/>
+          <p:cNvSpPr>
+            <a:spLocks noGrp="1"/>
+          </p:cNvSpPr>
+          <p:nvPr>
+            <p:ph type="title"/>
+          </p:nvPr>
+        </p:nvSpPr>
+        <p:spPr/>
+        <p:txBody>
+          <a:bodyPr/>
+          <a:lstStyle/>
+          <a:p>
+            <a:r>
+              <a:rPr lang="it-IT" dirty="0" err="1" smtClean="0"/>
+              <a:t>Contents</a:t>
+            </a:r>
+            <a:endParaRPr lang="it-IT" dirty="0"/>
+          </a:p>
+        </p:txBody>
+      </p:sp>
+      <p:sp>
+        <p:nvSpPr>
+          <p:cNvPr id="7" name="Segnaposto contenuto 6"/>
+          <p:cNvSpPr>
+            <a:spLocks noGrp="1"/>
+          </p:cNvSpPr>
+          <p:nvPr>
+            <p:ph sz="quarter" idx="11"/>
+          </p:nvPr>
+        </p:nvSpPr>
+        <p:spPr/>
+        <p:txBody>
+          <a:bodyPr/>
+          <a:lstStyle/>
+          <a:p>
+            <a:r>
+              <a:rPr lang="it-IT" dirty="0" err="1" smtClean="0"/>
+              <a:t>Contents</a:t>
+            </a:r>
+            <a:endParaRPr lang="it-IT" dirty="0"/>
+          </a:p>
+        </p:txBody>
+      </p:sp>
+      <p:sp>
+        <p:nvSpPr>
+          <p:cNvPr id="8" name="Segnaposto contenuto 7"/>
+          <p:cNvSpPr>
+            <a:spLocks noGrp="1"/>
+          </p:cNvSpPr>
+          <p:nvPr>
+            <p:ph idx="12"/>
+          </p:nvPr>
+        </p:nvSpPr>
+        <p:spPr/>
+        <p:txBody>
+          <a:bodyPr/>
+          <a:lstStyle/>
+          <a:p>
+            <a:r>
+              <a:rPr lang="it-IT" dirty="0" err="1" smtClean="0"/>
+              <a:t>Introduction</a:t>
+            </a:r>
+            <a:endParaRPr lang="it-IT" dirty="0" smtClean="0"/>
+          </a:p>
+          <a:p>
+            <a:r>
+              <a:rPr lang="it-IT" dirty="0" err="1" smtClean="0"/>
+              <a:t>Approach</a:t>
+            </a:r>
+            <a:endParaRPr lang="it-IT" dirty="0" smtClean="0"/>
+          </a:p>
+          <a:p>
+            <a:pPr lvl="1"/>
+            <a:r>
+              <a:rPr lang="it-IT" dirty="0" err="1" smtClean="0"/>
+              <a:t>Intensity</a:t>
+            </a:r>
+            <a:r>
+              <a:rPr lang="it-IT" dirty="0" smtClean="0"/>
+              <a:t> processing</a:t>
+            </a:r>
+          </a:p>
+          <a:p>
+            <a:pPr lvl="1"/>
+            <a:r>
+              <a:rPr lang="it-IT" dirty="0" smtClean="0"/>
+              <a:t>Depth </a:t>
+            </a:r>
+            <a:r>
+              <a:rPr lang="it-IT" dirty="0" smtClean="0"/>
+              <a:t>processing</a:t>
+            </a:r>
+          </a:p>
+          <a:p>
+            <a:pPr lvl="1"/>
+            <a:r>
+              <a:rPr lang="it-IT" dirty="0" smtClean="0"/>
+              <a:t>Combination of </a:t>
+            </a:r>
+            <a:r>
+              <a:rPr lang="it-IT" dirty="0" err="1" smtClean="0"/>
+              <a:t>proposals</a:t>
+            </a:r>
+            <a:endParaRPr lang="it-IT" dirty="0" smtClean="0"/>
+          </a:p>
+          <a:p>
+            <a:r>
+              <a:rPr lang="it-IT" dirty="0" smtClean="0"/>
+              <a:t>Technologies</a:t>
+            </a:r>
+          </a:p>
+          <a:p>
+            <a:r>
+              <a:rPr lang="it-IT" dirty="0"/>
+              <a:t>Development</a:t>
+            </a:r>
+            <a:endParaRPr lang="it-IT" dirty="0" smtClean="0"/>
+          </a:p>
+          <a:p>
+            <a:endParaRPr lang="it-IT" dirty="0" smtClean="0"/>
+          </a:p>
+          <a:p>
+            <a:endParaRPr lang="it-IT" dirty="0"/>
+          </a:p>
+        </p:txBody>
+      </p:sp>
+      <p:sp>
+        <p:nvSpPr>
+          <p:cNvPr id="9" name="Segnaposto contenuto 8"/>
+          <p:cNvSpPr>
+            <a:spLocks noGrp="1"/>
+          </p:cNvSpPr>
+          <p:nvPr>
+            <p:ph idx="13"/>
+          </p:nvPr>
+        </p:nvSpPr>
+        <p:spPr/>
+        <p:txBody>
+          <a:bodyPr/>
+          <a:lstStyle/>
+          <a:p>
+            <a:endParaRPr lang="it-IT"/>
+          </a:p>
+        </p:txBody>
+      </p:sp>
+    </p:spTree>
+    <p:extLst>
+      <p:ext uri="{BB962C8B-B14F-4D97-AF65-F5344CB8AC3E}">
+        <p14:creationId xmlns:p14="http://schemas.microsoft.com/office/powerpoint/2010/main" val="72609743"/>
+      </p:ext>
+    </p:extLst>
+  </p:cSld>
+  <p:clrMapOvr>
+    <a:masterClrMapping/>
+  </p:clrMapOvr>
+  <p:timing>
+    <p:tnLst>
+      <p:par>
+        <p:cTn id="1" dur="indefinite" restart="never" nodeType="tmRoot"/>
+      </p:par>
+    </p:tnLst>
+  </p:timing>
+</p:sld>
+</file>
+
+<file path=ppt/slides/slide3.xml><?xml version="1.0" encoding="utf-8"?>
 <p:sld xmlns:a="http://schemas.openxmlformats.org/drawingml/2006/main" xmlns:r="http://schemas.openxmlformats.org/officeDocument/2006/relationships" xmlns:p="http://schemas.openxmlformats.org/presentationml/2006/main">
   <p:cSld>
     <p:spTree>
@@ -5039,444 +7241,6 @@
 </p:sld>
 </file>
 
-<file path=ppt/slides/slide3.xml><?xml version="1.0" encoding="utf-8"?>
-<p:sld xmlns:a="http://schemas.openxmlformats.org/drawingml/2006/main" xmlns:r="http://schemas.openxmlformats.org/officeDocument/2006/relationships" xmlns:p="http://schemas.openxmlformats.org/presentationml/2006/main">
-  <p:cSld>
-    <p:spTree>
-      <p:nvGrpSpPr>
-        <p:cNvPr id="1" name=""/>
-        <p:cNvGrpSpPr/>
-        <p:nvPr/>
-      </p:nvGrpSpPr>
-      <p:grpSpPr>
-        <a:xfrm>
-          <a:off x="0" y="0"/>
-          <a:ext cx="0" cy="0"/>
-          <a:chOff x="0" y="0"/>
-          <a:chExt cx="0" cy="0"/>
-        </a:xfrm>
-      </p:grpSpPr>
-      <p:sp>
-        <p:nvSpPr>
-          <p:cNvPr id="15" name="Rettangolo 14"/>
-          <p:cNvSpPr/>
-          <p:nvPr/>
-        </p:nvSpPr>
-        <p:spPr bwMode="auto">
-          <a:xfrm>
-            <a:off x="3468013" y="2924944"/>
-            <a:ext cx="2340000" cy="3384376"/>
-          </a:xfrm>
-          <a:prstGeom prst="rect">
-            <a:avLst/>
-          </a:prstGeom>
-          <a:solidFill>
-            <a:schemeClr val="bg2">
-              <a:lumMod val="40000"/>
-              <a:lumOff val="60000"/>
-            </a:schemeClr>
-          </a:solidFill>
-          <a:ln w="9525" cap="flat" cmpd="sng" algn="ctr">
-            <a:noFill/>
-            <a:prstDash val="solid"/>
-            <a:round/>
-            <a:headEnd type="none" w="med" len="med"/>
-            <a:tailEnd type="none" w="med" len="med"/>
-          </a:ln>
-          <a:effectLst/>
-          <a:scene3d>
-            <a:camera prst="orthographicFront">
-              <a:rot lat="0" lon="0" rev="0"/>
-            </a:camera>
-            <a:lightRig rig="contrasting" dir="t">
-              <a:rot lat="0" lon="0" rev="7800000"/>
-            </a:lightRig>
-          </a:scene3d>
-          <a:sp3d>
-            <a:bevelT w="139700" h="139700"/>
-          </a:sp3d>
-        </p:spPr>
-        <p:txBody>
-          <a:bodyPr vert="horz" wrap="square" lIns="91440" tIns="45720" rIns="91440" bIns="45720" numCol="1" rtlCol="0" anchor="t" anchorCtr="0" compatLnSpc="1">
-            <a:prstTxWarp prst="textNoShape">
-              <a:avLst/>
-            </a:prstTxWarp>
-          </a:bodyPr>
-          <a:lstStyle/>
-          <a:p>
-            <a:pPr marL="0" marR="0" indent="0" algn="l" defTabSz="449263" rtl="0" eaLnBrk="1" fontAlgn="base" latinLnBrk="0" hangingPunct="1">
-              <a:lnSpc>
-                <a:spcPct val="100000"/>
-              </a:lnSpc>
-              <a:spcBef>
-                <a:spcPct val="0"/>
-              </a:spcBef>
-              <a:spcAft>
-                <a:spcPct val="0"/>
-              </a:spcAft>
-              <a:buClr>
-                <a:srgbClr val="000000"/>
-              </a:buClr>
-              <a:buSzPct val="100000"/>
-              <a:buFont typeface="Times New Roman" pitchFamily="16" charset="0"/>
-              <a:buNone/>
-              <a:tabLst/>
-            </a:pPr>
-            <a:endParaRPr kumimoji="0" lang="it-IT" sz="1800" b="0" i="0" u="none" strike="noStrike" cap="none" normalizeH="0" baseline="0" smtClean="0">
-              <a:ln>
-                <a:noFill/>
-              </a:ln>
-              <a:solidFill>
-                <a:schemeClr val="bg1"/>
-              </a:solidFill>
-              <a:effectLst/>
-              <a:latin typeface="Arial" charset="0"/>
-            </a:endParaRPr>
-          </a:p>
-        </p:txBody>
-      </p:sp>
-      <p:sp>
-        <p:nvSpPr>
-          <p:cNvPr id="5" name="Rettangolo 4"/>
-          <p:cNvSpPr/>
-          <p:nvPr/>
-        </p:nvSpPr>
-        <p:spPr bwMode="auto">
-          <a:xfrm>
-            <a:off x="755576" y="2924944"/>
-            <a:ext cx="2340000" cy="3384376"/>
-          </a:xfrm>
-          <a:prstGeom prst="rect">
-            <a:avLst/>
-          </a:prstGeom>
-          <a:solidFill>
-            <a:schemeClr val="bg2">
-              <a:lumMod val="40000"/>
-              <a:lumOff val="60000"/>
-            </a:schemeClr>
-          </a:solidFill>
-          <a:ln w="9525" cap="flat" cmpd="sng" algn="ctr">
-            <a:noFill/>
-            <a:prstDash val="solid"/>
-            <a:round/>
-            <a:headEnd type="none" w="med" len="med"/>
-            <a:tailEnd type="none" w="med" len="med"/>
-          </a:ln>
-          <a:effectLst/>
-          <a:scene3d>
-            <a:camera prst="orthographicFront">
-              <a:rot lat="0" lon="0" rev="0"/>
-            </a:camera>
-            <a:lightRig rig="contrasting" dir="t">
-              <a:rot lat="0" lon="0" rev="7800000"/>
-            </a:lightRig>
-          </a:scene3d>
-          <a:sp3d>
-            <a:bevelT w="139700" h="139700"/>
-          </a:sp3d>
-        </p:spPr>
-        <p:txBody>
-          <a:bodyPr vert="horz" wrap="square" lIns="91440" tIns="45720" rIns="91440" bIns="45720" numCol="1" rtlCol="0" anchor="t" anchorCtr="0" compatLnSpc="1">
-            <a:prstTxWarp prst="textNoShape">
-              <a:avLst/>
-            </a:prstTxWarp>
-          </a:bodyPr>
-          <a:lstStyle/>
-          <a:p>
-            <a:pPr marL="0" marR="0" indent="0" algn="l" defTabSz="449263" rtl="0" eaLnBrk="1" fontAlgn="base" latinLnBrk="0" hangingPunct="1">
-              <a:lnSpc>
-                <a:spcPct val="100000"/>
-              </a:lnSpc>
-              <a:spcBef>
-                <a:spcPct val="0"/>
-              </a:spcBef>
-              <a:spcAft>
-                <a:spcPct val="0"/>
-              </a:spcAft>
-              <a:buClr>
-                <a:srgbClr val="000000"/>
-              </a:buClr>
-              <a:buSzPct val="100000"/>
-              <a:buFont typeface="Times New Roman" pitchFamily="16" charset="0"/>
-              <a:buNone/>
-              <a:tabLst/>
-            </a:pPr>
-            <a:endParaRPr kumimoji="0" lang="it-IT" sz="1800" b="0" i="0" u="none" strike="noStrike" cap="none" normalizeH="0" baseline="0" smtClean="0">
-              <a:ln>
-                <a:noFill/>
-              </a:ln>
-              <a:solidFill>
-                <a:schemeClr val="bg1"/>
-              </a:solidFill>
-              <a:effectLst/>
-              <a:latin typeface="Arial" charset="0"/>
-            </a:endParaRPr>
-          </a:p>
-        </p:txBody>
-      </p:sp>
-      <p:sp>
-        <p:nvSpPr>
-          <p:cNvPr id="2" name="Titolo 1"/>
-          <p:cNvSpPr>
-            <a:spLocks noGrp="1"/>
-          </p:cNvSpPr>
-          <p:nvPr>
-            <p:ph type="title"/>
-          </p:nvPr>
-        </p:nvSpPr>
-        <p:spPr/>
-        <p:txBody>
-          <a:bodyPr/>
-          <a:lstStyle/>
-          <a:p>
-            <a:r>
-              <a:rPr lang="it-IT" dirty="0" smtClean="0"/>
-              <a:t>Pipeline</a:t>
-            </a:r>
-            <a:endParaRPr lang="it-IT" dirty="0"/>
-          </a:p>
-        </p:txBody>
-      </p:sp>
-      <p:sp>
-        <p:nvSpPr>
-          <p:cNvPr id="3" name="Segnaposto contenuto 2"/>
-          <p:cNvSpPr>
-            <a:spLocks noGrp="1"/>
-          </p:cNvSpPr>
-          <p:nvPr>
-            <p:ph idx="1"/>
-          </p:nvPr>
-        </p:nvSpPr>
-        <p:spPr/>
-        <p:txBody>
-          <a:bodyPr/>
-          <a:lstStyle/>
-          <a:p>
-            <a:r>
-              <a:rPr lang="it-IT" dirty="0" smtClean="0"/>
-              <a:t>RGB and </a:t>
-            </a:r>
-            <a:r>
-              <a:rPr lang="it-IT" dirty="0" err="1" smtClean="0"/>
-              <a:t>depth</a:t>
-            </a:r>
-            <a:r>
-              <a:rPr lang="it-IT" dirty="0" smtClean="0"/>
-              <a:t> video are </a:t>
-            </a:r>
-            <a:r>
-              <a:rPr lang="it-IT" dirty="0" err="1" smtClean="0"/>
-              <a:t>analyzed</a:t>
-            </a:r>
-            <a:r>
-              <a:rPr lang="it-IT" dirty="0" smtClean="0"/>
-              <a:t> </a:t>
-            </a:r>
-            <a:r>
-              <a:rPr lang="it-IT" dirty="0" err="1" smtClean="0"/>
-              <a:t>independently</a:t>
-            </a:r>
-            <a:endParaRPr lang="it-IT" dirty="0" smtClean="0"/>
-          </a:p>
-          <a:p>
-            <a:pPr lvl="1"/>
-            <a:endParaRPr lang="it-IT" dirty="0"/>
-          </a:p>
-        </p:txBody>
-      </p:sp>
-      <p:sp>
-        <p:nvSpPr>
-          <p:cNvPr id="4" name="Segnaposto contenuto 3"/>
-          <p:cNvSpPr>
-            <a:spLocks noGrp="1"/>
-          </p:cNvSpPr>
-          <p:nvPr>
-            <p:ph sz="quarter" idx="11"/>
-          </p:nvPr>
-        </p:nvSpPr>
-        <p:spPr/>
-        <p:txBody>
-          <a:bodyPr/>
-          <a:lstStyle/>
-          <a:p>
-            <a:r>
-              <a:rPr lang="it-IT" dirty="0" err="1" smtClean="0"/>
-              <a:t>Approach</a:t>
-            </a:r>
-            <a:endParaRPr lang="it-IT" dirty="0"/>
-          </a:p>
-        </p:txBody>
-      </p:sp>
-      <p:pic>
-        <p:nvPicPr>
-          <p:cNvPr id="10" name="Immagine 9"/>
-          <p:cNvPicPr>
-            <a:picLocks noChangeAspect="1"/>
-          </p:cNvPicPr>
-          <p:nvPr/>
-        </p:nvPicPr>
-        <p:blipFill>
-          <a:blip r:embed="rId2" cstate="print">
-            <a:extLst>
-              <a:ext uri="{28A0092B-C50C-407E-A947-70E740481C1C}">
-                <a14:useLocalDpi xmlns:a14="http://schemas.microsoft.com/office/drawing/2010/main" val="0"/>
-              </a:ext>
-            </a:extLst>
-          </a:blip>
-          <a:stretch>
-            <a:fillRect/>
-          </a:stretch>
-        </p:blipFill>
-        <p:spPr>
-          <a:xfrm>
-            <a:off x="3630954" y="4725144"/>
-            <a:ext cx="2021166" cy="1440000"/>
-          </a:xfrm>
-          <a:prstGeom prst="rect">
-            <a:avLst/>
-          </a:prstGeom>
-        </p:spPr>
-      </p:pic>
-      <p:pic>
-        <p:nvPicPr>
-          <p:cNvPr id="11" name="Immagine 10"/>
-          <p:cNvPicPr>
-            <a:picLocks noChangeAspect="1"/>
-          </p:cNvPicPr>
-          <p:nvPr/>
-        </p:nvPicPr>
-        <p:blipFill>
-          <a:blip r:embed="rId3" cstate="print">
-            <a:extLst>
-              <a:ext uri="{28A0092B-C50C-407E-A947-70E740481C1C}">
-                <a14:useLocalDpi xmlns:a14="http://schemas.microsoft.com/office/drawing/2010/main" val="0"/>
-              </a:ext>
-            </a:extLst>
-          </a:blip>
-          <a:stretch>
-            <a:fillRect/>
-          </a:stretch>
-        </p:blipFill>
-        <p:spPr>
-          <a:xfrm>
-            <a:off x="6288202" y="3926337"/>
-            <a:ext cx="2028214" cy="1440000"/>
-          </a:xfrm>
-          <a:prstGeom prst="rect">
-            <a:avLst/>
-          </a:prstGeom>
-        </p:spPr>
-      </p:pic>
-      <p:pic>
-        <p:nvPicPr>
-          <p:cNvPr id="12" name="Immagine 11"/>
-          <p:cNvPicPr>
-            <a:picLocks noChangeAspect="1"/>
-          </p:cNvPicPr>
-          <p:nvPr/>
-        </p:nvPicPr>
-        <p:blipFill>
-          <a:blip r:embed="rId4" cstate="print">
-            <a:extLst>
-              <a:ext uri="{28A0092B-C50C-407E-A947-70E740481C1C}">
-                <a14:useLocalDpi xmlns:a14="http://schemas.microsoft.com/office/drawing/2010/main" val="0"/>
-              </a:ext>
-            </a:extLst>
-          </a:blip>
-          <a:stretch>
-            <a:fillRect/>
-          </a:stretch>
-        </p:blipFill>
-        <p:spPr>
-          <a:xfrm>
-            <a:off x="3623906" y="3077701"/>
-            <a:ext cx="2028214" cy="1440000"/>
-          </a:xfrm>
-          <a:prstGeom prst="rect">
-            <a:avLst/>
-          </a:prstGeom>
-        </p:spPr>
-      </p:pic>
-      <p:pic>
-        <p:nvPicPr>
-          <p:cNvPr id="13" name="Immagine 12"/>
-          <p:cNvPicPr>
-            <a:picLocks noChangeAspect="1"/>
-          </p:cNvPicPr>
-          <p:nvPr/>
-        </p:nvPicPr>
-        <p:blipFill>
-          <a:blip r:embed="rId5" cstate="print">
-            <a:extLst>
-              <a:ext uri="{28A0092B-C50C-407E-A947-70E740481C1C}">
-                <a14:useLocalDpi xmlns:a14="http://schemas.microsoft.com/office/drawing/2010/main" val="0"/>
-              </a:ext>
-            </a:extLst>
-          </a:blip>
-          <a:stretch>
-            <a:fillRect/>
-          </a:stretch>
-        </p:blipFill>
-        <p:spPr>
-          <a:xfrm>
-            <a:off x="899592" y="3074117"/>
-            <a:ext cx="2035200" cy="1440000"/>
-          </a:xfrm>
-          <a:prstGeom prst="rect">
-            <a:avLst/>
-          </a:prstGeom>
-        </p:spPr>
-      </p:pic>
-      <p:pic>
-        <p:nvPicPr>
-          <p:cNvPr id="14" name="Immagine 13"/>
-          <p:cNvPicPr>
-            <a:picLocks noChangeAspect="1"/>
-          </p:cNvPicPr>
-          <p:nvPr/>
-        </p:nvPicPr>
-        <p:blipFill>
-          <a:blip r:embed="rId6" cstate="print">
-            <a:extLst>
-              <a:ext uri="{28A0092B-C50C-407E-A947-70E740481C1C}">
-                <a14:useLocalDpi xmlns:a14="http://schemas.microsoft.com/office/drawing/2010/main" val="0"/>
-              </a:ext>
-            </a:extLst>
-          </a:blip>
-          <a:stretch>
-            <a:fillRect/>
-          </a:stretch>
-        </p:blipFill>
-        <p:spPr>
-          <a:xfrm>
-            <a:off x="899592" y="4725144"/>
-            <a:ext cx="2040901" cy="1440000"/>
-          </a:xfrm>
-          <a:prstGeom prst="rect">
-            <a:avLst/>
-          </a:prstGeom>
-        </p:spPr>
-      </p:pic>
-    </p:spTree>
-    <p:extLst>
-      <p:ext uri="{BB962C8B-B14F-4D97-AF65-F5344CB8AC3E}">
-        <p14:creationId xmlns:p14="http://schemas.microsoft.com/office/powerpoint/2010/main" val="3067572025"/>
-      </p:ext>
-    </p:extLst>
-  </p:cSld>
-  <p:clrMapOvr>
-    <a:masterClrMapping/>
-  </p:clrMapOvr>
-  <p:timing>
-    <p:tnLst>
-      <p:par>
-        <p:cTn id="1" dur="indefinite" restart="never" nodeType="tmRoot"/>
-      </p:par>
-    </p:tnLst>
-  </p:timing>
-</p:sld>
-</file>
-
 <file path=ppt/slides/slide4.xml><?xml version="1.0" encoding="utf-8"?>
 <p:sld xmlns:a="http://schemas.openxmlformats.org/drawingml/2006/main" xmlns:r="http://schemas.openxmlformats.org/officeDocument/2006/relationships" xmlns:p="http://schemas.openxmlformats.org/presentationml/2006/main">
   <p:cSld>
@@ -5510,227 +7274,145 @@
           <a:lstStyle/>
           <a:p>
             <a:r>
-              <a:rPr lang="it-IT" dirty="0" err="1" smtClean="0"/>
-              <a:t>Kinect</a:t>
+              <a:rPr lang="it-IT" dirty="0" smtClean="0"/>
+              <a:t>Pipeline</a:t>
             </a:r>
             <a:endParaRPr lang="it-IT" dirty="0"/>
           </a:p>
         </p:txBody>
       </p:sp>
-      <mc:AlternateContent xmlns:mc="http://schemas.openxmlformats.org/markup-compatibility/2006" xmlns:a14="http://schemas.microsoft.com/office/drawing/2010/main">
-        <mc:Choice Requires="a14">
-          <p:sp>
-            <p:nvSpPr>
-              <p:cNvPr id="3" name="Segnaposto contenuto 2"/>
-              <p:cNvSpPr>
-                <a:spLocks noGrp="1"/>
-              </p:cNvSpPr>
-              <p:nvPr>
-                <p:ph idx="1"/>
-              </p:nvPr>
-            </p:nvSpPr>
-            <p:spPr/>
-            <p:txBody>
-              <a:bodyPr>
-                <a:normAutofit/>
-              </a:bodyPr>
-              <a:lstStyle/>
-              <a:p>
-                <a:r>
-                  <a:rPr lang="it-IT" dirty="0" smtClean="0"/>
-                  <a:t>Video </a:t>
-                </a:r>
-                <a:r>
-                  <a:rPr lang="it-IT" dirty="0" err="1" smtClean="0"/>
-                  <a:t>capture</a:t>
-                </a:r>
-                <a:r>
-                  <a:rPr lang="it-IT" dirty="0" smtClean="0"/>
-                  <a:t> with </a:t>
-                </a:r>
-                <a:r>
-                  <a:rPr lang="it-IT" dirty="0" err="1" smtClean="0"/>
-                  <a:t>Kinect</a:t>
-                </a:r>
-                <a:r>
-                  <a:rPr lang="it-IT" dirty="0" smtClean="0"/>
-                  <a:t> </a:t>
-                </a:r>
-                <a:r>
-                  <a:rPr lang="it-IT" dirty="0" err="1" smtClean="0"/>
-                  <a:t>device</a:t>
-                </a:r>
-                <a:endParaRPr lang="it-IT" dirty="0" smtClean="0"/>
-              </a:p>
-              <a:p>
-                <a:pPr lvl="1"/>
-                <a:r>
-                  <a:rPr lang="it-IT" dirty="0" smtClean="0"/>
-                  <a:t>RGB camera:</a:t>
-                </a:r>
-              </a:p>
-              <a:p>
-                <a:pPr lvl="2"/>
-                <a:r>
-                  <a:rPr lang="it-IT" dirty="0"/>
-                  <a:t>resolution </a:t>
-                </a:r>
-                <a14:m>
-                  <m:oMath xmlns:m="http://schemas.openxmlformats.org/officeDocument/2006/math">
-                    <m:r>
-                      <a:rPr lang="it-IT" i="1">
-                        <a:latin typeface="Cambria Math"/>
-                      </a:rPr>
-                      <m:t>640</m:t>
-                    </m:r>
-                    <m:r>
-                      <a:rPr lang="it-IT" i="1">
-                        <a:latin typeface="Cambria Math"/>
-                        <a:ea typeface="Cambria Math"/>
-                      </a:rPr>
-                      <m:t>×480</m:t>
-                    </m:r>
-                  </m:oMath>
-                </a14:m>
-                <a:endParaRPr lang="it-IT" dirty="0" smtClean="0">
-                  <a:ea typeface="Cambria Math"/>
-                </a:endParaRPr>
-              </a:p>
-              <a:p>
-                <a:pPr lvl="2"/>
-                <a14:m>
-                  <m:oMath xmlns:m="http://schemas.openxmlformats.org/officeDocument/2006/math">
-                    <m:r>
-                      <a:rPr lang="it-IT" b="0" i="1" smtClean="0">
-                        <a:latin typeface="Cambria Math"/>
-                      </a:rPr>
-                      <m:t>8</m:t>
-                    </m:r>
-                  </m:oMath>
-                </a14:m>
-                <a:r>
-                  <a:rPr lang="it-IT" dirty="0" smtClean="0"/>
-                  <a:t> bit </a:t>
-                </a:r>
-                <a:r>
-                  <a:rPr lang="it-IT" dirty="0" err="1" smtClean="0"/>
-                  <a:t>quantization</a:t>
-                </a:r>
-                <a:endParaRPr lang="it-IT" dirty="0" smtClean="0"/>
-              </a:p>
-              <a:p>
-                <a:pPr lvl="1"/>
-                <a:r>
-                  <a:rPr lang="it-IT" dirty="0" smtClean="0"/>
-                  <a:t>Depth </a:t>
-                </a:r>
-                <a:r>
-                  <a:rPr lang="it-IT" dirty="0" err="1" smtClean="0"/>
-                  <a:t>sensor</a:t>
-                </a:r>
-                <a:r>
-                  <a:rPr lang="it-IT" dirty="0" smtClean="0"/>
-                  <a:t>:</a:t>
-                </a:r>
-              </a:p>
-              <a:p>
-                <a:pPr lvl="2"/>
-                <a:r>
-                  <a:rPr lang="it-IT" dirty="0"/>
-                  <a:t>resolution </a:t>
-                </a:r>
-                <a14:m>
-                  <m:oMath xmlns:m="http://schemas.openxmlformats.org/officeDocument/2006/math">
-                    <m:r>
-                      <a:rPr lang="it-IT" i="1">
-                        <a:latin typeface="Cambria Math"/>
-                      </a:rPr>
-                      <m:t>640</m:t>
-                    </m:r>
-                    <m:r>
-                      <a:rPr lang="it-IT" i="1">
-                        <a:latin typeface="Cambria Math"/>
-                        <a:ea typeface="Cambria Math"/>
-                      </a:rPr>
-                      <m:t>×480</m:t>
-                    </m:r>
-                  </m:oMath>
-                </a14:m>
-                <a:endParaRPr lang="it-IT" dirty="0">
-                  <a:ea typeface="Cambria Math"/>
-                </a:endParaRPr>
-              </a:p>
-              <a:p>
-                <a:pPr lvl="2"/>
-                <a14:m>
-                  <m:oMath xmlns:m="http://schemas.openxmlformats.org/officeDocument/2006/math">
-                    <m:r>
-                      <a:rPr lang="it-IT" b="0" i="1" smtClean="0">
-                        <a:latin typeface="Cambria Math"/>
-                      </a:rPr>
-                      <m:t>11</m:t>
-                    </m:r>
-                  </m:oMath>
-                </a14:m>
-                <a:r>
-                  <a:rPr lang="it-IT" dirty="0"/>
-                  <a:t> bit </a:t>
-                </a:r>
-                <a:r>
-                  <a:rPr lang="it-IT" dirty="0" err="1" smtClean="0"/>
-                  <a:t>quantization</a:t>
-                </a:r>
-                <a:endParaRPr lang="it-IT" dirty="0" smtClean="0"/>
-              </a:p>
-              <a:p>
-                <a:pPr lvl="1"/>
-                <a:r>
-                  <a:rPr lang="it-IT" dirty="0" smtClean="0"/>
-                  <a:t>USB 2.0 </a:t>
-                </a:r>
-                <a:r>
-                  <a:rPr lang="it-IT" dirty="0" err="1" smtClean="0"/>
-                  <a:t>interface</a:t>
-                </a:r>
-                <a:endParaRPr lang="it-IT" dirty="0" smtClean="0"/>
-              </a:p>
-            </p:txBody>
-          </p:sp>
-        </mc:Choice>
-        <mc:Fallback xmlns="">
-          <p:sp>
-            <p:nvSpPr>
-              <p:cNvPr id="3" name="Segnaposto contenuto 2"/>
-              <p:cNvSpPr>
-                <a:spLocks noGrp="1" noRot="1" noChangeAspect="1" noMove="1" noResize="1" noEditPoints="1" noAdjustHandles="1" noChangeArrowheads="1" noChangeShapeType="1" noTextEdit="1"/>
-              </p:cNvSpPr>
-              <p:nvPr>
-                <p:ph idx="1"/>
-              </p:nvPr>
-            </p:nvSpPr>
-            <p:spPr>
-              <a:blipFill rotWithShape="1">
-                <a:blip r:embed="rId2"/>
-                <a:stretch>
-                  <a:fillRect l="-323" t="-412"/>
-                </a:stretch>
-              </a:blipFill>
-            </p:spPr>
-            <p:txBody>
-              <a:bodyPr/>
-              <a:lstStyle/>
-              <a:p>
-                <a:r>
-                  <a:rPr lang="it-IT">
-                    <a:noFill/>
-                  </a:rPr>
-                  <a:t> </a:t>
-                </a:r>
-              </a:p>
-            </p:txBody>
-          </p:sp>
-        </mc:Fallback>
-      </mc:AlternateContent>
+      <p:sp>
+        <p:nvSpPr>
+          <p:cNvPr id="3" name="Segnaposto contenuto 2"/>
+          <p:cNvSpPr>
+            <a:spLocks noGrp="1"/>
+          </p:cNvSpPr>
+          <p:nvPr>
+            <p:ph idx="1"/>
+          </p:nvPr>
+        </p:nvSpPr>
+        <p:spPr>
+          <a:xfrm>
+            <a:off x="793154" y="1580753"/>
+            <a:ext cx="7560000" cy="4440535"/>
+          </a:xfrm>
+        </p:spPr>
+        <p:txBody>
+          <a:bodyPr/>
+          <a:lstStyle/>
+          <a:p>
+            <a:pPr algn="just"/>
+            <a:r>
+              <a:rPr lang="it-IT" sz="1500" dirty="0" err="1" smtClean="0"/>
+              <a:t>It</a:t>
+            </a:r>
+            <a:r>
+              <a:rPr lang="it-IT" sz="1500" dirty="0" smtClean="0"/>
+              <a:t> </a:t>
+            </a:r>
+            <a:r>
+              <a:rPr lang="it-IT" sz="1500" dirty="0" err="1" smtClean="0"/>
+              <a:t>is</a:t>
+            </a:r>
+            <a:r>
+              <a:rPr lang="it-IT" sz="1500" dirty="0" smtClean="0"/>
+              <a:t> </a:t>
+            </a:r>
+            <a:r>
+              <a:rPr lang="it-IT" sz="1500" dirty="0" err="1" smtClean="0"/>
+              <a:t>based</a:t>
+            </a:r>
+            <a:r>
+              <a:rPr lang="it-IT" sz="1500" dirty="0" smtClean="0"/>
+              <a:t> on </a:t>
+            </a:r>
+            <a:r>
+              <a:rPr lang="it-IT" sz="1500" b="1" i="1" dirty="0" err="1" smtClean="0"/>
+              <a:t>Reliable</a:t>
+            </a:r>
+            <a:r>
+              <a:rPr lang="it-IT" sz="1500" b="1" i="1" dirty="0" smtClean="0"/>
+              <a:t> Left </a:t>
+            </a:r>
+            <a:r>
+              <a:rPr lang="it-IT" sz="1500" b="1" i="1" dirty="0" err="1" smtClean="0"/>
+              <a:t>Luggage</a:t>
+            </a:r>
+            <a:r>
+              <a:rPr lang="it-IT" sz="1500" b="1" i="1" dirty="0" smtClean="0"/>
+              <a:t> </a:t>
+            </a:r>
+            <a:r>
+              <a:rPr lang="it-IT" sz="1500" b="1" i="1" dirty="0" err="1" smtClean="0"/>
+              <a:t>Detection</a:t>
+            </a:r>
+            <a:r>
+              <a:rPr lang="it-IT" sz="1500" b="1" i="1" dirty="0" smtClean="0"/>
+              <a:t> Using Stereo Depth and </a:t>
+            </a:r>
+            <a:r>
+              <a:rPr lang="it-IT" sz="1500" b="1" i="1" dirty="0" err="1" smtClean="0"/>
+              <a:t>Intensity</a:t>
+            </a:r>
+            <a:r>
+              <a:rPr lang="it-IT" sz="1500" b="1" i="1" dirty="0" smtClean="0"/>
+              <a:t> </a:t>
+            </a:r>
+            <a:r>
+              <a:rPr lang="it-IT" sz="1500" b="1" i="1" dirty="0" err="1" smtClean="0"/>
+              <a:t>Cues</a:t>
+            </a:r>
+            <a:r>
+              <a:rPr lang="it-IT" sz="1500" dirty="0" smtClean="0"/>
+              <a:t> – C. </a:t>
+            </a:r>
+            <a:r>
+              <a:rPr lang="it-IT" sz="1500" dirty="0" err="1" smtClean="0"/>
+              <a:t>Beleznai</a:t>
+            </a:r>
+            <a:r>
+              <a:rPr lang="it-IT" sz="1500" dirty="0" smtClean="0"/>
+              <a:t>, P. </a:t>
+            </a:r>
+            <a:r>
+              <a:rPr lang="it-IT" sz="1500" dirty="0" err="1" smtClean="0"/>
+              <a:t>Gemeiner</a:t>
+            </a:r>
+            <a:r>
+              <a:rPr lang="it-IT" sz="1500" dirty="0" smtClean="0"/>
+              <a:t> and C. </a:t>
+            </a:r>
+            <a:r>
+              <a:rPr lang="it-IT" sz="1500" dirty="0" err="1" smtClean="0"/>
+              <a:t>Zinner</a:t>
+            </a:r>
+            <a:r>
+              <a:rPr lang="it-IT" sz="1500" dirty="0" smtClean="0"/>
+              <a:t> of </a:t>
+            </a:r>
+            <a:r>
+              <a:rPr lang="it-IT" sz="1500" dirty="0" err="1" smtClean="0"/>
+              <a:t>Austrian</a:t>
+            </a:r>
+            <a:r>
+              <a:rPr lang="it-IT" sz="1500" dirty="0" smtClean="0"/>
+              <a:t> </a:t>
+            </a:r>
+            <a:r>
+              <a:rPr lang="it-IT" sz="1500" dirty="0" err="1" smtClean="0"/>
+              <a:t>Institute</a:t>
+            </a:r>
+            <a:r>
+              <a:rPr lang="it-IT" sz="1500" dirty="0" smtClean="0"/>
+              <a:t> of Technology</a:t>
+            </a:r>
+          </a:p>
+          <a:p>
+            <a:pPr lvl="1"/>
+            <a:endParaRPr lang="it-IT" dirty="0"/>
+          </a:p>
+        </p:txBody>
+      </p:sp>
       <p:sp>
         <p:nvSpPr>
           <p:cNvPr id="4" name="Segnaposto contenuto 3"/>
@@ -5748,46 +7430,982 @@
           <a:p>
             <a:r>
               <a:rPr lang="it-IT" dirty="0" err="1" smtClean="0"/>
-              <a:t>Introduction</a:t>
+              <a:t>Approach</a:t>
             </a:r>
             <a:endParaRPr lang="it-IT" dirty="0"/>
           </a:p>
         </p:txBody>
       </p:sp>
-      <p:pic>
-        <p:nvPicPr>
-          <p:cNvPr id="5" name="Immagine 4"/>
-          <p:cNvPicPr>
-            <a:picLocks noChangeAspect="1"/>
-          </p:cNvPicPr>
+      <p:grpSp>
+        <p:nvGrpSpPr>
+          <p:cNvPr id="23" name="Gruppo 22"/>
+          <p:cNvGrpSpPr/>
           <p:nvPr/>
-        </p:nvPicPr>
-        <p:blipFill>
-          <a:blip r:embed="rId3" cstate="print">
+        </p:nvGrpSpPr>
+        <p:grpSpPr>
+          <a:xfrm>
+            <a:off x="3491880" y="2470970"/>
+            <a:ext cx="2268000" cy="3982366"/>
+            <a:chOff x="3491880" y="2463276"/>
+            <a:chExt cx="2268000" cy="3982366"/>
+          </a:xfrm>
+        </p:grpSpPr>
+        <p:grpSp>
+          <p:nvGrpSpPr>
+            <p:cNvPr id="21" name="Gruppo 20"/>
+            <p:cNvGrpSpPr/>
+            <p:nvPr/>
+          </p:nvGrpSpPr>
+          <p:grpSpPr>
+            <a:xfrm>
+              <a:off x="3491880" y="2463276"/>
+              <a:ext cx="2268000" cy="3689577"/>
+              <a:chOff x="3491880" y="2463276"/>
+              <a:chExt cx="2268000" cy="3689577"/>
+            </a:xfrm>
+          </p:grpSpPr>
+          <p:grpSp>
+            <p:nvGrpSpPr>
+              <p:cNvPr id="19" name="Gruppo 18"/>
+              <p:cNvGrpSpPr/>
+              <p:nvPr/>
+            </p:nvGrpSpPr>
+            <p:grpSpPr>
+              <a:xfrm>
+                <a:off x="3491880" y="2780928"/>
+                <a:ext cx="2268000" cy="3371925"/>
+                <a:chOff x="3491880" y="2780928"/>
+                <a:chExt cx="2268000" cy="3371925"/>
+              </a:xfrm>
+            </p:grpSpPr>
+            <p:sp>
+              <p:nvSpPr>
+                <p:cNvPr id="16" name="Rettangolo 15"/>
+                <p:cNvSpPr/>
+                <p:nvPr/>
+              </p:nvSpPr>
+              <p:spPr bwMode="auto">
+                <a:xfrm>
+                  <a:off x="3491880" y="4532853"/>
+                  <a:ext cx="2268000" cy="1620000"/>
+                </a:xfrm>
+                <a:prstGeom prst="rect">
+                  <a:avLst/>
+                </a:prstGeom>
+                <a:solidFill>
+                  <a:srgbClr val="DA4430"/>
+                </a:solidFill>
+                <a:ln w="9525" cap="flat" cmpd="sng" algn="ctr">
+                  <a:solidFill>
+                    <a:srgbClr val="DA4430"/>
+                  </a:solidFill>
+                  <a:prstDash val="solid"/>
+                  <a:round/>
+                  <a:headEnd type="none" w="med" len="med"/>
+                  <a:tailEnd type="none" w="med" len="med"/>
+                </a:ln>
+                <a:effectLst/>
+              </p:spPr>
+              <p:txBody>
+                <a:bodyPr vert="horz" wrap="square" lIns="91440" tIns="45720" rIns="91440" bIns="45720" numCol="1" rtlCol="0" anchor="t" anchorCtr="0" compatLnSpc="1">
+                  <a:prstTxWarp prst="textNoShape">
+                    <a:avLst/>
+                  </a:prstTxWarp>
+                </a:bodyPr>
+                <a:lstStyle/>
+                <a:p>
+                  <a:pPr marL="0" marR="0" indent="0" algn="l" defTabSz="449263" rtl="0" eaLnBrk="1" fontAlgn="base" latinLnBrk="0" hangingPunct="1">
+                    <a:lnSpc>
+                      <a:spcPct val="100000"/>
+                    </a:lnSpc>
+                    <a:spcBef>
+                      <a:spcPct val="0"/>
+                    </a:spcBef>
+                    <a:spcAft>
+                      <a:spcPct val="0"/>
+                    </a:spcAft>
+                    <a:buClr>
+                      <a:srgbClr val="000000"/>
+                    </a:buClr>
+                    <a:buSzPct val="100000"/>
+                    <a:buFont typeface="Times New Roman" pitchFamily="16" charset="0"/>
+                    <a:buNone/>
+                    <a:tabLst/>
+                  </a:pPr>
+                  <a:endParaRPr kumimoji="0" lang="it-IT" sz="1800" b="0" i="0" u="none" strike="noStrike" cap="none" normalizeH="0" baseline="0" smtClean="0">
+                    <a:ln>
+                      <a:noFill/>
+                    </a:ln>
+                    <a:solidFill>
+                      <a:schemeClr val="bg1"/>
+                    </a:solidFill>
+                    <a:effectLst/>
+                    <a:latin typeface="Arial" charset="0"/>
+                  </a:endParaRPr>
+                </a:p>
+              </p:txBody>
+            </p:sp>
+            <p:sp>
+              <p:nvSpPr>
+                <p:cNvPr id="6" name="Rettangolo 5"/>
+                <p:cNvSpPr/>
+                <p:nvPr/>
+              </p:nvSpPr>
+              <p:spPr bwMode="auto">
+                <a:xfrm>
+                  <a:off x="3491880" y="2780928"/>
+                  <a:ext cx="2268000" cy="1620000"/>
+                </a:xfrm>
+                <a:prstGeom prst="rect">
+                  <a:avLst/>
+                </a:prstGeom>
+                <a:solidFill>
+                  <a:srgbClr val="176DED"/>
+                </a:solidFill>
+                <a:ln w="9525" cap="flat" cmpd="sng" algn="ctr">
+                  <a:solidFill>
+                    <a:srgbClr val="176DED"/>
+                  </a:solidFill>
+                  <a:prstDash val="solid"/>
+                  <a:round/>
+                  <a:headEnd type="none" w="med" len="med"/>
+                  <a:tailEnd type="none" w="med" len="med"/>
+                </a:ln>
+                <a:effectLst/>
+              </p:spPr>
+              <p:txBody>
+                <a:bodyPr vert="horz" wrap="square" lIns="91440" tIns="45720" rIns="91440" bIns="45720" numCol="1" rtlCol="0" anchor="t" anchorCtr="0" compatLnSpc="1">
+                  <a:prstTxWarp prst="textNoShape">
+                    <a:avLst/>
+                  </a:prstTxWarp>
+                </a:bodyPr>
+                <a:lstStyle/>
+                <a:p>
+                  <a:pPr marL="0" marR="0" indent="0" algn="l" defTabSz="449263" rtl="0" eaLnBrk="1" fontAlgn="base" latinLnBrk="0" hangingPunct="1">
+                    <a:lnSpc>
+                      <a:spcPct val="100000"/>
+                    </a:lnSpc>
+                    <a:spcBef>
+                      <a:spcPct val="0"/>
+                    </a:spcBef>
+                    <a:spcAft>
+                      <a:spcPct val="0"/>
+                    </a:spcAft>
+                    <a:buClr>
+                      <a:srgbClr val="000000"/>
+                    </a:buClr>
+                    <a:buSzPct val="100000"/>
+                    <a:buFont typeface="Times New Roman" pitchFamily="16" charset="0"/>
+                    <a:buNone/>
+                    <a:tabLst/>
+                  </a:pPr>
+                  <a:endParaRPr kumimoji="0" lang="it-IT" sz="1800" b="0" i="0" u="none" strike="noStrike" cap="none" normalizeH="0" baseline="0" smtClean="0">
+                    <a:ln>
+                      <a:noFill/>
+                    </a:ln>
+                    <a:solidFill>
+                      <a:schemeClr val="bg1"/>
+                    </a:solidFill>
+                    <a:effectLst/>
+                    <a:latin typeface="Arial" charset="0"/>
+                  </a:endParaRPr>
+                </a:p>
+              </p:txBody>
+            </p:sp>
+            <p:pic>
+              <p:nvPicPr>
+                <p:cNvPr id="10" name="Immagine 9"/>
+                <p:cNvPicPr>
+                  <a:picLocks noChangeAspect="1"/>
+                </p:cNvPicPr>
+                <p:nvPr/>
+              </p:nvPicPr>
+              <p:blipFill>
+                <a:blip r:embed="rId2" cstate="print">
+                  <a:extLst>
+                    <a:ext uri="{28A0092B-C50C-407E-A947-70E740481C1C}">
+                      <a14:useLocalDpi xmlns:a14="http://schemas.microsoft.com/office/drawing/2010/main" val="0"/>
+                    </a:ext>
+                  </a:extLst>
+                </a:blip>
+                <a:stretch>
+                  <a:fillRect/>
+                </a:stretch>
+              </p:blipFill>
+              <p:spPr>
+                <a:xfrm>
+                  <a:off x="3615297" y="4635300"/>
+                  <a:ext cx="2021166" cy="1440000"/>
+                </a:xfrm>
+                <a:prstGeom prst="rect">
+                  <a:avLst/>
+                </a:prstGeom>
+              </p:spPr>
+            </p:pic>
+            <p:pic>
+              <p:nvPicPr>
+                <p:cNvPr id="12" name="Immagine 11"/>
+                <p:cNvPicPr>
+                  <a:picLocks noChangeAspect="1"/>
+                </p:cNvPicPr>
+                <p:nvPr/>
+              </p:nvPicPr>
+              <p:blipFill>
+                <a:blip r:embed="rId3" cstate="print">
+                  <a:extLst>
+                    <a:ext uri="{28A0092B-C50C-407E-A947-70E740481C1C}">
+                      <a14:useLocalDpi xmlns:a14="http://schemas.microsoft.com/office/drawing/2010/main" val="0"/>
+                    </a:ext>
+                  </a:extLst>
+                </a:blip>
+                <a:stretch>
+                  <a:fillRect/>
+                </a:stretch>
+              </p:blipFill>
+              <p:spPr>
+                <a:xfrm>
+                  <a:off x="3623906" y="2888928"/>
+                  <a:ext cx="2028214" cy="1440000"/>
+                </a:xfrm>
+                <a:prstGeom prst="rect">
+                  <a:avLst/>
+                </a:prstGeom>
+              </p:spPr>
+            </p:pic>
+          </p:grpSp>
+          <p:sp>
+            <p:nvSpPr>
+              <p:cNvPr id="7" name="CasellaDiTesto 6"/>
+              <p:cNvSpPr txBox="1"/>
+              <p:nvPr/>
+            </p:nvSpPr>
+            <p:spPr bwMode="auto">
+              <a:xfrm>
+                <a:off x="3491880" y="2463276"/>
+                <a:ext cx="2268000" cy="309958"/>
+              </a:xfrm>
+              <a:prstGeom prst="rect">
+                <a:avLst/>
+              </a:prstGeom>
+              <a:noFill/>
+              <a:ln>
+                <a:noFill/>
+              </a:ln>
+              <a:extLst>
+                <a:ext uri="{909E8E84-426E-40DD-AFC4-6F175D3DCCD1}">
+                  <a14:hiddenFill xmlns:a14="http://schemas.microsoft.com/office/drawing/2010/main">
+                    <a:solidFill>
+                      <a:srgbClr val="FFFFFF"/>
+                    </a:solidFill>
+                  </a14:hiddenFill>
+                </a:ext>
+                <a:ext uri="{91240B29-F687-4F45-9708-019B960494DF}">
+                  <a14:hiddenLine xmlns:a14="http://schemas.microsoft.com/office/drawing/2010/main" w="9525">
+                    <a:solidFill>
+                      <a:srgbClr val="000000"/>
+                    </a:solidFill>
+                    <a:round/>
+                    <a:headEnd/>
+                    <a:tailEnd/>
+                  </a14:hiddenLine>
+                </a:ext>
+              </a:extLst>
+            </p:spPr>
+            <p:txBody>
+              <a:bodyPr vert="horz" wrap="square" lIns="90000" tIns="46800" rIns="90000" bIns="46800" numCol="1" rtlCol="0" anchor="ctr" anchorCtr="0" compatLnSpc="1">
+                <a:prstTxWarp prst="textNoShape">
+                  <a:avLst/>
+                </a:prstTxWarp>
+                <a:spAutoFit/>
+              </a:bodyPr>
+              <a:lstStyle/>
+              <a:p>
+                <a:pPr algn="ctr"/>
+                <a:r>
+                  <a:rPr lang="it-IT" sz="1400" b="1" cap="small" dirty="0" err="1" smtClean="0">
+                    <a:solidFill>
+                      <a:srgbClr val="595959"/>
+                    </a:solidFill>
+                  </a:rPr>
+                  <a:t>Intensity</a:t>
+                </a:r>
+                <a:r>
+                  <a:rPr lang="it-IT" sz="1400" b="1" cap="small" dirty="0" smtClean="0">
+                    <a:solidFill>
+                      <a:srgbClr val="595959"/>
+                    </a:solidFill>
+                  </a:rPr>
+                  <a:t> processing</a:t>
+                </a:r>
+              </a:p>
+            </p:txBody>
+          </p:sp>
+        </p:grpSp>
+        <p:sp>
+          <p:nvSpPr>
+            <p:cNvPr id="18" name="CasellaDiTesto 17"/>
+            <p:cNvSpPr txBox="1"/>
+            <p:nvPr/>
+          </p:nvSpPr>
+          <p:spPr bwMode="auto">
+            <a:xfrm>
+              <a:off x="3491880" y="6135684"/>
+              <a:ext cx="2268000" cy="309958"/>
+            </a:xfrm>
+            <a:prstGeom prst="rect">
+              <a:avLst/>
+            </a:prstGeom>
+            <a:noFill/>
+            <a:ln>
+              <a:noFill/>
+            </a:ln>
             <a:extLst>
-              <a:ext uri="{28A0092B-C50C-407E-A947-70E740481C1C}">
-                <a14:useLocalDpi xmlns:a14="http://schemas.microsoft.com/office/drawing/2010/main" val="0"/>
+              <a:ext uri="{909E8E84-426E-40DD-AFC4-6F175D3DCCD1}">
+                <a14:hiddenFill xmlns:a14="http://schemas.microsoft.com/office/drawing/2010/main">
+                  <a:solidFill>
+                    <a:srgbClr val="FFFFFF"/>
+                  </a:solidFill>
+                </a14:hiddenFill>
+              </a:ext>
+              <a:ext uri="{91240B29-F687-4F45-9708-019B960494DF}">
+                <a14:hiddenLine xmlns:a14="http://schemas.microsoft.com/office/drawing/2010/main" w="9525">
+                  <a:solidFill>
+                    <a:srgbClr val="000000"/>
+                  </a:solidFill>
+                  <a:round/>
+                  <a:headEnd/>
+                  <a:tailEnd/>
+                </a14:hiddenLine>
               </a:ext>
             </a:extLst>
-          </a:blip>
-          <a:stretch>
-            <a:fillRect/>
-          </a:stretch>
-        </p:blipFill>
-        <p:spPr>
+          </p:spPr>
+          <p:txBody>
+            <a:bodyPr vert="horz" wrap="square" lIns="90000" tIns="46800" rIns="90000" bIns="46800" numCol="1" rtlCol="0" anchor="ctr" anchorCtr="0" compatLnSpc="1">
+              <a:prstTxWarp prst="textNoShape">
+                <a:avLst/>
+              </a:prstTxWarp>
+              <a:spAutoFit/>
+            </a:bodyPr>
+            <a:lstStyle/>
+            <a:p>
+              <a:pPr algn="ctr"/>
+              <a:r>
+                <a:rPr lang="it-IT" sz="1400" b="1" cap="small" dirty="0" smtClean="0">
+                  <a:solidFill>
+                    <a:srgbClr val="595959"/>
+                  </a:solidFill>
+                </a:rPr>
+                <a:t>Depth processing</a:t>
+              </a:r>
+            </a:p>
+          </p:txBody>
+        </p:sp>
+      </p:grpSp>
+      <p:grpSp>
+        <p:nvGrpSpPr>
+          <p:cNvPr id="32" name="Gruppo 31"/>
+          <p:cNvGrpSpPr/>
+          <p:nvPr/>
+        </p:nvGrpSpPr>
+        <p:grpSpPr>
           <a:xfrm>
-            <a:off x="5230615" y="2276872"/>
-            <a:ext cx="3150000" cy="2520000"/>
+            <a:off x="5636463" y="3543396"/>
+            <a:ext cx="531846" cy="1800200"/>
+            <a:chOff x="5636463" y="3356992"/>
+            <a:chExt cx="531846" cy="1800200"/>
           </a:xfrm>
-          <a:prstGeom prst="rect">
-            <a:avLst/>
-          </a:prstGeom>
-        </p:spPr>
-      </p:pic>
+        </p:grpSpPr>
+        <p:cxnSp>
+          <p:nvCxnSpPr>
+            <p:cNvPr id="22" name="Connettore 4 21"/>
+            <p:cNvCxnSpPr/>
+            <p:nvPr/>
+          </p:nvCxnSpPr>
+          <p:spPr bwMode="auto">
+            <a:xfrm flipV="1">
+              <a:off x="5636463" y="4275008"/>
+              <a:ext cx="531846" cy="882184"/>
+            </a:xfrm>
+            <a:prstGeom prst="bentConnector3">
+              <a:avLst/>
+            </a:prstGeom>
+            <a:solidFill>
+              <a:srgbClr val="00B8FF"/>
+            </a:solidFill>
+            <a:ln w="22225" cap="flat" cmpd="sng" algn="ctr">
+              <a:solidFill>
+                <a:schemeClr val="tx1">
+                  <a:lumMod val="85000"/>
+                  <a:lumOff val="15000"/>
+                </a:schemeClr>
+              </a:solidFill>
+              <a:prstDash val="solid"/>
+              <a:round/>
+              <a:headEnd type="none" w="med" len="med"/>
+              <a:tailEnd type="arrow"/>
+            </a:ln>
+            <a:effectLst/>
+          </p:spPr>
+        </p:cxnSp>
+        <p:cxnSp>
+          <p:nvCxnSpPr>
+            <p:cNvPr id="26" name="Connettore 4 25"/>
+            <p:cNvCxnSpPr/>
+            <p:nvPr/>
+          </p:nvCxnSpPr>
+          <p:spPr bwMode="auto">
+            <a:xfrm>
+              <a:off x="5652120" y="3356992"/>
+              <a:ext cx="250266" cy="923925"/>
+            </a:xfrm>
+            <a:prstGeom prst="bentConnector2">
+              <a:avLst/>
+            </a:prstGeom>
+            <a:solidFill>
+              <a:srgbClr val="00B8FF"/>
+            </a:solidFill>
+            <a:ln w="22225" cap="flat" cmpd="sng" algn="ctr">
+              <a:solidFill>
+                <a:schemeClr val="tx1">
+                  <a:lumMod val="85000"/>
+                  <a:lumOff val="15000"/>
+                </a:schemeClr>
+              </a:solidFill>
+              <a:prstDash val="solid"/>
+              <a:round/>
+              <a:headEnd type="none" w="med" len="med"/>
+              <a:tailEnd type="none" w="med" len="med"/>
+            </a:ln>
+            <a:effectLst/>
+          </p:spPr>
+        </p:cxnSp>
+      </p:grpSp>
+      <p:grpSp>
+        <p:nvGrpSpPr>
+          <p:cNvPr id="25" name="Gruppo 24"/>
+          <p:cNvGrpSpPr/>
+          <p:nvPr/>
+        </p:nvGrpSpPr>
+        <p:grpSpPr>
+          <a:xfrm>
+            <a:off x="6042168" y="3372380"/>
+            <a:ext cx="2520279" cy="1918430"/>
+            <a:chOff x="6042168" y="3364686"/>
+            <a:chExt cx="2520279" cy="1918430"/>
+          </a:xfrm>
+        </p:grpSpPr>
+        <p:sp>
+          <p:nvSpPr>
+            <p:cNvPr id="17" name="Rettangolo 16"/>
+            <p:cNvSpPr/>
+            <p:nvPr/>
+          </p:nvSpPr>
+          <p:spPr bwMode="auto">
+            <a:xfrm>
+              <a:off x="6168309" y="3663116"/>
+              <a:ext cx="2268000" cy="1620000"/>
+            </a:xfrm>
+            <a:prstGeom prst="rect">
+              <a:avLst/>
+            </a:prstGeom>
+            <a:solidFill>
+              <a:srgbClr val="00A05A"/>
+            </a:solidFill>
+            <a:ln w="9525" cap="flat" cmpd="sng" algn="ctr">
+              <a:solidFill>
+                <a:srgbClr val="00A05A"/>
+              </a:solidFill>
+              <a:prstDash val="solid"/>
+              <a:round/>
+              <a:headEnd type="none" w="med" len="med"/>
+              <a:tailEnd type="none" w="med" len="med"/>
+            </a:ln>
+            <a:effectLst/>
+          </p:spPr>
+          <p:txBody>
+            <a:bodyPr vert="horz" wrap="square" lIns="91440" tIns="45720" rIns="91440" bIns="45720" numCol="1" rtlCol="0" anchor="t" anchorCtr="0" compatLnSpc="1">
+              <a:prstTxWarp prst="textNoShape">
+                <a:avLst/>
+              </a:prstTxWarp>
+            </a:bodyPr>
+            <a:lstStyle/>
+            <a:p>
+              <a:pPr marL="0" marR="0" indent="0" algn="l" defTabSz="449263" rtl="0" eaLnBrk="1" fontAlgn="base" latinLnBrk="0" hangingPunct="1">
+                <a:lnSpc>
+                  <a:spcPct val="100000"/>
+                </a:lnSpc>
+                <a:spcBef>
+                  <a:spcPct val="0"/>
+                </a:spcBef>
+                <a:spcAft>
+                  <a:spcPct val="0"/>
+                </a:spcAft>
+                <a:buClr>
+                  <a:srgbClr val="000000"/>
+                </a:buClr>
+                <a:buSzPct val="100000"/>
+                <a:buFont typeface="Times New Roman" pitchFamily="16" charset="0"/>
+                <a:buNone/>
+                <a:tabLst/>
+              </a:pPr>
+              <a:endParaRPr kumimoji="0" lang="it-IT" sz="1800" b="0" i="0" u="none" strike="noStrike" cap="none" normalizeH="0" baseline="0" smtClean="0">
+                <a:ln>
+                  <a:noFill/>
+                </a:ln>
+                <a:solidFill>
+                  <a:schemeClr val="bg1"/>
+                </a:solidFill>
+                <a:effectLst/>
+                <a:latin typeface="Arial" charset="0"/>
+              </a:endParaRPr>
+            </a:p>
+          </p:txBody>
+        </p:sp>
+        <p:pic>
+          <p:nvPicPr>
+            <p:cNvPr id="11" name="Immagine 10"/>
+            <p:cNvPicPr>
+              <a:picLocks noChangeAspect="1"/>
+            </p:cNvPicPr>
+            <p:nvPr/>
+          </p:nvPicPr>
+          <p:blipFill>
+            <a:blip r:embed="rId4" cstate="print">
+              <a:extLst>
+                <a:ext uri="{28A0092B-C50C-407E-A947-70E740481C1C}">
+                  <a14:useLocalDpi xmlns:a14="http://schemas.microsoft.com/office/drawing/2010/main" val="0"/>
+                </a:ext>
+              </a:extLst>
+            </a:blip>
+            <a:stretch>
+              <a:fillRect/>
+            </a:stretch>
+          </p:blipFill>
+          <p:spPr>
+            <a:xfrm>
+              <a:off x="6288202" y="3753116"/>
+              <a:ext cx="2028214" cy="1440000"/>
+            </a:xfrm>
+            <a:prstGeom prst="rect">
+              <a:avLst/>
+            </a:prstGeom>
+          </p:spPr>
+        </p:pic>
+        <p:sp>
+          <p:nvSpPr>
+            <p:cNvPr id="28" name="CasellaDiTesto 27"/>
+            <p:cNvSpPr txBox="1"/>
+            <p:nvPr/>
+          </p:nvSpPr>
+          <p:spPr bwMode="auto">
+            <a:xfrm>
+              <a:off x="6042168" y="3364686"/>
+              <a:ext cx="2520279" cy="309958"/>
+            </a:xfrm>
+            <a:prstGeom prst="rect">
+              <a:avLst/>
+            </a:prstGeom>
+            <a:noFill/>
+            <a:ln>
+              <a:noFill/>
+            </a:ln>
+            <a:extLst>
+              <a:ext uri="{909E8E84-426E-40DD-AFC4-6F175D3DCCD1}">
+                <a14:hiddenFill xmlns:a14="http://schemas.microsoft.com/office/drawing/2010/main">
+                  <a:solidFill>
+                    <a:srgbClr val="FFFFFF"/>
+                  </a:solidFill>
+                </a14:hiddenFill>
+              </a:ext>
+              <a:ext uri="{91240B29-F687-4F45-9708-019B960494DF}">
+                <a14:hiddenLine xmlns:a14="http://schemas.microsoft.com/office/drawing/2010/main" w="9525">
+                  <a:solidFill>
+                    <a:srgbClr val="000000"/>
+                  </a:solidFill>
+                  <a:round/>
+                  <a:headEnd/>
+                  <a:tailEnd/>
+                </a14:hiddenLine>
+              </a:ext>
+            </a:extLst>
+          </p:spPr>
+          <p:txBody>
+            <a:bodyPr vert="horz" wrap="square" lIns="90000" tIns="46800" rIns="90000" bIns="46800" numCol="1" rtlCol="0" anchor="ctr" anchorCtr="0" compatLnSpc="1">
+              <a:prstTxWarp prst="textNoShape">
+                <a:avLst/>
+              </a:prstTxWarp>
+              <a:spAutoFit/>
+            </a:bodyPr>
+            <a:lstStyle/>
+            <a:p>
+              <a:pPr algn="ctr"/>
+              <a:r>
+                <a:rPr lang="it-IT" sz="1400" b="1" cap="small" dirty="0" smtClean="0">
+                  <a:solidFill>
+                    <a:srgbClr val="595959"/>
+                  </a:solidFill>
+                </a:rPr>
+                <a:t>Left </a:t>
+              </a:r>
+              <a:r>
+                <a:rPr lang="it-IT" sz="1400" b="1" cap="small" dirty="0" err="1" smtClean="0">
+                  <a:solidFill>
+                    <a:srgbClr val="595959"/>
+                  </a:solidFill>
+                </a:rPr>
+                <a:t>luggage</a:t>
+              </a:r>
+              <a:r>
+                <a:rPr lang="it-IT" sz="1400" b="1" cap="small" dirty="0" smtClean="0">
+                  <a:solidFill>
+                    <a:srgbClr val="595959"/>
+                  </a:solidFill>
+                </a:rPr>
+                <a:t> </a:t>
+              </a:r>
+              <a:r>
+                <a:rPr lang="it-IT" sz="1400" b="1" cap="small" dirty="0" err="1" smtClean="0">
+                  <a:solidFill>
+                    <a:srgbClr val="595959"/>
+                  </a:solidFill>
+                </a:rPr>
+                <a:t>proposals</a:t>
+              </a:r>
+              <a:endParaRPr lang="it-IT" sz="1400" b="1" cap="small" dirty="0" smtClean="0">
+                <a:solidFill>
+                  <a:srgbClr val="595959"/>
+                </a:solidFill>
+              </a:endParaRPr>
+            </a:p>
+          </p:txBody>
+        </p:sp>
+      </p:grpSp>
+      <p:grpSp>
+        <p:nvGrpSpPr>
+          <p:cNvPr id="15" name="Gruppo 14"/>
+          <p:cNvGrpSpPr/>
+          <p:nvPr/>
+        </p:nvGrpSpPr>
+        <p:grpSpPr>
+          <a:xfrm>
+            <a:off x="746484" y="2470970"/>
+            <a:ext cx="2340000" cy="3702028"/>
+            <a:chOff x="746484" y="2463276"/>
+            <a:chExt cx="2340000" cy="3702028"/>
+          </a:xfrm>
+        </p:grpSpPr>
+        <p:grpSp>
+          <p:nvGrpSpPr>
+            <p:cNvPr id="8" name="Gruppo 7"/>
+            <p:cNvGrpSpPr/>
+            <p:nvPr/>
+          </p:nvGrpSpPr>
+          <p:grpSpPr>
+            <a:xfrm>
+              <a:off x="746484" y="2780928"/>
+              <a:ext cx="2340000" cy="3384376"/>
+              <a:chOff x="746484" y="2780928"/>
+              <a:chExt cx="2340000" cy="3384376"/>
+            </a:xfrm>
+          </p:grpSpPr>
+          <p:sp>
+            <p:nvSpPr>
+              <p:cNvPr id="5" name="Rettangolo 4"/>
+              <p:cNvSpPr/>
+              <p:nvPr/>
+            </p:nvSpPr>
+            <p:spPr bwMode="auto">
+              <a:xfrm>
+                <a:off x="746484" y="2780928"/>
+                <a:ext cx="2340000" cy="3384376"/>
+              </a:xfrm>
+              <a:prstGeom prst="rect">
+                <a:avLst/>
+              </a:prstGeom>
+              <a:solidFill>
+                <a:schemeClr val="bg2">
+                  <a:lumMod val="40000"/>
+                  <a:lumOff val="60000"/>
+                </a:schemeClr>
+              </a:solidFill>
+              <a:ln w="9525" cap="flat" cmpd="sng" algn="ctr">
+                <a:noFill/>
+                <a:prstDash val="solid"/>
+                <a:round/>
+                <a:headEnd type="none" w="med" len="med"/>
+                <a:tailEnd type="none" w="med" len="med"/>
+              </a:ln>
+              <a:effectLst/>
+              <a:scene3d>
+                <a:camera prst="orthographicFront">
+                  <a:rot lat="0" lon="0" rev="0"/>
+                </a:camera>
+                <a:lightRig rig="contrasting" dir="t">
+                  <a:rot lat="0" lon="0" rev="7800000"/>
+                </a:lightRig>
+              </a:scene3d>
+              <a:sp3d>
+                <a:bevelT w="139700" h="139700"/>
+              </a:sp3d>
+            </p:spPr>
+            <p:txBody>
+              <a:bodyPr vert="horz" wrap="square" lIns="91440" tIns="45720" rIns="91440" bIns="45720" numCol="1" rtlCol="0" anchor="t" anchorCtr="0" compatLnSpc="1">
+                <a:prstTxWarp prst="textNoShape">
+                  <a:avLst/>
+                </a:prstTxWarp>
+              </a:bodyPr>
+              <a:lstStyle/>
+              <a:p>
+                <a:pPr marL="0" marR="0" indent="0" algn="l" defTabSz="449263" rtl="0" eaLnBrk="1" fontAlgn="base" latinLnBrk="0" hangingPunct="1">
+                  <a:lnSpc>
+                    <a:spcPct val="100000"/>
+                  </a:lnSpc>
+                  <a:spcBef>
+                    <a:spcPct val="0"/>
+                  </a:spcBef>
+                  <a:spcAft>
+                    <a:spcPct val="0"/>
+                  </a:spcAft>
+                  <a:buClr>
+                    <a:srgbClr val="000000"/>
+                  </a:buClr>
+                  <a:buSzPct val="100000"/>
+                  <a:buFont typeface="Times New Roman" pitchFamily="16" charset="0"/>
+                  <a:buNone/>
+                  <a:tabLst/>
+                </a:pPr>
+                <a:endParaRPr kumimoji="0" lang="it-IT" sz="1800" b="0" i="0" u="none" strike="noStrike" cap="none" normalizeH="0" baseline="0" smtClean="0">
+                  <a:ln>
+                    <a:noFill/>
+                  </a:ln>
+                  <a:solidFill>
+                    <a:schemeClr val="bg1"/>
+                  </a:solidFill>
+                  <a:effectLst/>
+                  <a:latin typeface="Arial" charset="0"/>
+                </a:endParaRPr>
+              </a:p>
+            </p:txBody>
+          </p:sp>
+          <p:pic>
+            <p:nvPicPr>
+              <p:cNvPr id="13" name="Immagine 12"/>
+              <p:cNvPicPr>
+                <a:picLocks noChangeAspect="1"/>
+              </p:cNvPicPr>
+              <p:nvPr/>
+            </p:nvPicPr>
+            <p:blipFill>
+              <a:blip r:embed="rId5" cstate="print">
+                <a:extLst>
+                  <a:ext uri="{28A0092B-C50C-407E-A947-70E740481C1C}">
+                    <a14:useLocalDpi xmlns:a14="http://schemas.microsoft.com/office/drawing/2010/main" val="0"/>
+                  </a:ext>
+                </a:extLst>
+              </a:blip>
+              <a:stretch>
+                <a:fillRect/>
+              </a:stretch>
+            </p:blipFill>
+            <p:spPr>
+              <a:xfrm>
+                <a:off x="899592" y="2888928"/>
+                <a:ext cx="2035200" cy="1440000"/>
+              </a:xfrm>
+              <a:prstGeom prst="rect">
+                <a:avLst/>
+              </a:prstGeom>
+            </p:spPr>
+          </p:pic>
+          <p:pic>
+            <p:nvPicPr>
+              <p:cNvPr id="14" name="Immagine 13"/>
+              <p:cNvPicPr>
+                <a:picLocks noChangeAspect="1"/>
+              </p:cNvPicPr>
+              <p:nvPr/>
+            </p:nvPicPr>
+            <p:blipFill>
+              <a:blip r:embed="rId6" cstate="print">
+                <a:extLst>
+                  <a:ext uri="{28A0092B-C50C-407E-A947-70E740481C1C}">
+                    <a14:useLocalDpi xmlns:a14="http://schemas.microsoft.com/office/drawing/2010/main" val="0"/>
+                  </a:ext>
+                </a:extLst>
+              </a:blip>
+              <a:stretch>
+                <a:fillRect/>
+              </a:stretch>
+            </p:blipFill>
+            <p:spPr>
+              <a:xfrm>
+                <a:off x="899592" y="4635460"/>
+                <a:ext cx="2040901" cy="1440000"/>
+              </a:xfrm>
+              <a:prstGeom prst="rect">
+                <a:avLst/>
+              </a:prstGeom>
+            </p:spPr>
+          </p:pic>
+        </p:grpSp>
+        <p:sp>
+          <p:nvSpPr>
+            <p:cNvPr id="30" name="CasellaDiTesto 29"/>
+            <p:cNvSpPr txBox="1"/>
+            <p:nvPr/>
+          </p:nvSpPr>
+          <p:spPr bwMode="auto">
+            <a:xfrm>
+              <a:off x="786042" y="2463276"/>
+              <a:ext cx="2268000" cy="309958"/>
+            </a:xfrm>
+            <a:prstGeom prst="rect">
+              <a:avLst/>
+            </a:prstGeom>
+            <a:noFill/>
+            <a:ln>
+              <a:noFill/>
+            </a:ln>
+            <a:extLst>
+              <a:ext uri="{909E8E84-426E-40DD-AFC4-6F175D3DCCD1}">
+                <a14:hiddenFill xmlns:a14="http://schemas.microsoft.com/office/drawing/2010/main">
+                  <a:solidFill>
+                    <a:srgbClr val="FFFFFF"/>
+                  </a:solidFill>
+                </a14:hiddenFill>
+              </a:ext>
+              <a:ext uri="{91240B29-F687-4F45-9708-019B960494DF}">
+                <a14:hiddenLine xmlns:a14="http://schemas.microsoft.com/office/drawing/2010/main" w="9525">
+                  <a:solidFill>
+                    <a:srgbClr val="000000"/>
+                  </a:solidFill>
+                  <a:round/>
+                  <a:headEnd/>
+                  <a:tailEnd/>
+                </a14:hiddenLine>
+              </a:ext>
+            </a:extLst>
+          </p:spPr>
+          <p:txBody>
+            <a:bodyPr vert="horz" wrap="square" lIns="90000" tIns="46800" rIns="90000" bIns="46800" numCol="1" rtlCol="0" anchor="ctr" anchorCtr="0" compatLnSpc="1">
+              <a:prstTxWarp prst="textNoShape">
+                <a:avLst/>
+              </a:prstTxWarp>
+              <a:spAutoFit/>
+            </a:bodyPr>
+            <a:lstStyle/>
+            <a:p>
+              <a:pPr algn="ctr"/>
+              <a:r>
+                <a:rPr lang="it-IT" sz="1400" b="1" cap="small" dirty="0" smtClean="0">
+                  <a:solidFill>
+                    <a:srgbClr val="595959"/>
+                  </a:solidFill>
+                </a:rPr>
+                <a:t>Video </a:t>
+              </a:r>
+              <a:r>
+                <a:rPr lang="it-IT" sz="1400" b="1" cap="small" dirty="0" err="1" smtClean="0">
+                  <a:solidFill>
+                    <a:srgbClr val="595959"/>
+                  </a:solidFill>
+                </a:rPr>
+                <a:t>stream</a:t>
+              </a:r>
+              <a:endParaRPr lang="it-IT" sz="1400" b="1" cap="small" dirty="0" smtClean="0">
+                <a:solidFill>
+                  <a:srgbClr val="595959"/>
+                </a:solidFill>
+              </a:endParaRPr>
+            </a:p>
+          </p:txBody>
+        </p:sp>
+      </p:grpSp>
+      <p:grpSp>
+        <p:nvGrpSpPr>
+          <p:cNvPr id="24" name="Gruppo 23"/>
+          <p:cNvGrpSpPr/>
+          <p:nvPr/>
+        </p:nvGrpSpPr>
+        <p:grpSpPr>
+          <a:xfrm>
+            <a:off x="2934792" y="3624316"/>
+            <a:ext cx="722570" cy="1739493"/>
+            <a:chOff x="2934792" y="3616622"/>
+            <a:chExt cx="722570" cy="1739493"/>
+          </a:xfrm>
+        </p:grpSpPr>
+        <p:cxnSp>
+          <p:nvCxnSpPr>
+            <p:cNvPr id="9" name="Connettore 2 8"/>
+            <p:cNvCxnSpPr>
+              <a:endCxn id="12" idx="1"/>
+            </p:cNvCxnSpPr>
+            <p:nvPr/>
+          </p:nvCxnSpPr>
+          <p:spPr bwMode="auto">
+            <a:xfrm>
+              <a:off x="2934792" y="3616622"/>
+              <a:ext cx="689114" cy="0"/>
+            </a:xfrm>
+            <a:prstGeom prst="straightConnector1">
+              <a:avLst/>
+            </a:prstGeom>
+            <a:solidFill>
+              <a:srgbClr val="00B8FF"/>
+            </a:solidFill>
+            <a:ln w="22225" cap="flat" cmpd="sng" algn="ctr">
+              <a:solidFill>
+                <a:schemeClr val="tx1">
+                  <a:lumMod val="85000"/>
+                  <a:lumOff val="15000"/>
+                </a:schemeClr>
+              </a:solidFill>
+              <a:prstDash val="solid"/>
+              <a:round/>
+              <a:headEnd type="none" w="med" len="med"/>
+              <a:tailEnd type="arrow"/>
+            </a:ln>
+            <a:effectLst/>
+          </p:spPr>
+        </p:cxnSp>
+        <p:cxnSp>
+          <p:nvCxnSpPr>
+            <p:cNvPr id="20" name="Connettore 2 19"/>
+            <p:cNvCxnSpPr/>
+            <p:nvPr/>
+          </p:nvCxnSpPr>
+          <p:spPr bwMode="auto">
+            <a:xfrm>
+              <a:off x="2968248" y="5356115"/>
+              <a:ext cx="689114" cy="0"/>
+            </a:xfrm>
+            <a:prstGeom prst="straightConnector1">
+              <a:avLst/>
+            </a:prstGeom>
+            <a:solidFill>
+              <a:srgbClr val="00B8FF"/>
+            </a:solidFill>
+            <a:ln w="22225" cap="flat" cmpd="sng" algn="ctr">
+              <a:solidFill>
+                <a:schemeClr val="tx1">
+                  <a:lumMod val="85000"/>
+                  <a:lumOff val="15000"/>
+                </a:schemeClr>
+              </a:solidFill>
+              <a:prstDash val="solid"/>
+              <a:round/>
+              <a:headEnd type="none" w="med" len="med"/>
+              <a:tailEnd type="arrow"/>
+            </a:ln>
+            <a:effectLst/>
+          </p:spPr>
+        </p:cxnSp>
+      </p:grpSp>
     </p:spTree>
     <p:extLst>
       <p:ext uri="{BB962C8B-B14F-4D97-AF65-F5344CB8AC3E}">
-        <p14:creationId xmlns:p14="http://schemas.microsoft.com/office/powerpoint/2010/main" val="2725993318"/>
+        <p14:creationId xmlns:p14="http://schemas.microsoft.com/office/powerpoint/2010/main" val="3067572025"/>
       </p:ext>
     </p:extLst>
   </p:cSld>
@@ -5797,7 +8415,206 @@
   <p:timing>
     <p:tnLst>
       <p:par>
-        <p:cTn id="1" dur="indefinite" restart="never" nodeType="tmRoot"/>
+        <p:cTn id="1" dur="indefinite" restart="never" nodeType="tmRoot">
+          <p:childTnLst>
+            <p:seq concurrent="1" nextAc="seek">
+              <p:cTn id="2" dur="indefinite" nodeType="mainSeq">
+                <p:childTnLst>
+                  <p:par>
+                    <p:cTn id="3" fill="hold">
+                      <p:stCondLst>
+                        <p:cond delay="indefinite"/>
+                      </p:stCondLst>
+                      <p:childTnLst>
+                        <p:par>
+                          <p:cTn id="4" fill="hold">
+                            <p:stCondLst>
+                              <p:cond delay="0"/>
+                            </p:stCondLst>
+                            <p:childTnLst>
+                              <p:par>
+                                <p:cTn id="5" presetID="10" presetClass="entr" presetSubtype="0" fill="hold" nodeType="clickEffect">
+                                  <p:stCondLst>
+                                    <p:cond delay="0"/>
+                                  </p:stCondLst>
+                                  <p:childTnLst>
+                                    <p:set>
+                                      <p:cBhvr>
+                                        <p:cTn id="6" dur="1" fill="hold">
+                                          <p:stCondLst>
+                                            <p:cond delay="0"/>
+                                          </p:stCondLst>
+                                        </p:cTn>
+                                        <p:tgtEl>
+                                          <p:spTgt spid="23"/>
+                                        </p:tgtEl>
+                                        <p:attrNameLst>
+                                          <p:attrName>style.visibility</p:attrName>
+                                        </p:attrNameLst>
+                                      </p:cBhvr>
+                                      <p:to>
+                                        <p:strVal val="visible"/>
+                                      </p:to>
+                                    </p:set>
+                                    <p:animEffect transition="in" filter="fade">
+                                      <p:cBhvr>
+                                        <p:cTn id="7" dur="500"/>
+                                        <p:tgtEl>
+                                          <p:spTgt spid="23"/>
+                                        </p:tgtEl>
+                                      </p:cBhvr>
+                                    </p:animEffect>
+                                  </p:childTnLst>
+                                </p:cTn>
+                              </p:par>
+                              <p:par>
+                                <p:cTn id="8" presetID="16" presetClass="entr" presetSubtype="21" fill="hold" nodeType="withEffect">
+                                  <p:stCondLst>
+                                    <p:cond delay="0"/>
+                                  </p:stCondLst>
+                                  <p:childTnLst>
+                                    <p:set>
+                                      <p:cBhvr>
+                                        <p:cTn id="9" dur="1" fill="hold">
+                                          <p:stCondLst>
+                                            <p:cond delay="0"/>
+                                          </p:stCondLst>
+                                        </p:cTn>
+                                        <p:tgtEl>
+                                          <p:spTgt spid="24"/>
+                                        </p:tgtEl>
+                                        <p:attrNameLst>
+                                          <p:attrName>style.visibility</p:attrName>
+                                        </p:attrNameLst>
+                                      </p:cBhvr>
+                                      <p:to>
+                                        <p:strVal val="visible"/>
+                                      </p:to>
+                                    </p:set>
+                                    <p:animEffect transition="in" filter="barn(inVertical)">
+                                      <p:cBhvr>
+                                        <p:cTn id="10" dur="500"/>
+                                        <p:tgtEl>
+                                          <p:spTgt spid="24"/>
+                                        </p:tgtEl>
+                                      </p:cBhvr>
+                                    </p:animEffect>
+                                  </p:childTnLst>
+                                </p:cTn>
+                              </p:par>
+                            </p:childTnLst>
+                          </p:cTn>
+                        </p:par>
+                      </p:childTnLst>
+                    </p:cTn>
+                  </p:par>
+                  <p:par>
+                    <p:cTn id="11" fill="hold">
+                      <p:stCondLst>
+                        <p:cond delay="indefinite"/>
+                      </p:stCondLst>
+                      <p:childTnLst>
+                        <p:par>
+                          <p:cTn id="12" fill="hold">
+                            <p:stCondLst>
+                              <p:cond delay="0"/>
+                            </p:stCondLst>
+                            <p:childTnLst>
+                              <p:par>
+                                <p:cTn id="13" presetID="10" presetClass="entr" presetSubtype="0" fill="hold" nodeType="clickEffect">
+                                  <p:stCondLst>
+                                    <p:cond delay="0"/>
+                                  </p:stCondLst>
+                                  <p:childTnLst>
+                                    <p:set>
+                                      <p:cBhvr>
+                                        <p:cTn id="14" dur="1" fill="hold">
+                                          <p:stCondLst>
+                                            <p:cond delay="0"/>
+                                          </p:stCondLst>
+                                        </p:cTn>
+                                        <p:tgtEl>
+                                          <p:spTgt spid="25"/>
+                                        </p:tgtEl>
+                                        <p:attrNameLst>
+                                          <p:attrName>style.visibility</p:attrName>
+                                        </p:attrNameLst>
+                                      </p:cBhvr>
+                                      <p:to>
+                                        <p:strVal val="visible"/>
+                                      </p:to>
+                                    </p:set>
+                                    <p:animEffect transition="in" filter="fade">
+                                      <p:cBhvr>
+                                        <p:cTn id="15" dur="500"/>
+                                        <p:tgtEl>
+                                          <p:spTgt spid="25"/>
+                                        </p:tgtEl>
+                                      </p:cBhvr>
+                                    </p:animEffect>
+                                  </p:childTnLst>
+                                </p:cTn>
+                              </p:par>
+                              <p:par>
+                                <p:cTn id="16" presetID="16" presetClass="entr" presetSubtype="21" fill="hold" nodeType="withEffect">
+                                  <p:stCondLst>
+                                    <p:cond delay="0"/>
+                                  </p:stCondLst>
+                                  <p:childTnLst>
+                                    <p:set>
+                                      <p:cBhvr>
+                                        <p:cTn id="17" dur="1" fill="hold">
+                                          <p:stCondLst>
+                                            <p:cond delay="0"/>
+                                          </p:stCondLst>
+                                        </p:cTn>
+                                        <p:tgtEl>
+                                          <p:spTgt spid="32"/>
+                                        </p:tgtEl>
+                                        <p:attrNameLst>
+                                          <p:attrName>style.visibility</p:attrName>
+                                        </p:attrNameLst>
+                                      </p:cBhvr>
+                                      <p:to>
+                                        <p:strVal val="visible"/>
+                                      </p:to>
+                                    </p:set>
+                                    <p:animEffect transition="in" filter="barn(inVertical)">
+                                      <p:cBhvr>
+                                        <p:cTn id="18" dur="500"/>
+                                        <p:tgtEl>
+                                          <p:spTgt spid="32"/>
+                                        </p:tgtEl>
+                                      </p:cBhvr>
+                                    </p:animEffect>
+                                  </p:childTnLst>
+                                </p:cTn>
+                              </p:par>
+                            </p:childTnLst>
+                          </p:cTn>
+                        </p:par>
+                      </p:childTnLst>
+                    </p:cTn>
+                  </p:par>
+                </p:childTnLst>
+              </p:cTn>
+              <p:prevCondLst>
+                <p:cond evt="onPrev" delay="0">
+                  <p:tgtEl>
+                    <p:sldTgt/>
+                  </p:tgtEl>
+                </p:cond>
+              </p:prevCondLst>
+              <p:nextCondLst>
+                <p:cond evt="onNext" delay="0">
+                  <p:tgtEl>
+                    <p:sldTgt/>
+                  </p:tgtEl>
+                </p:cond>
+              </p:nextCondLst>
+            </p:seq>
+          </p:childTnLst>
+        </p:cTn>
       </p:par>
     </p:tnLst>
   </p:timing>
@@ -5837,60 +8654,576 @@
           <a:lstStyle/>
           <a:p>
             <a:r>
+              <a:rPr lang="it-IT" dirty="0" err="1" smtClean="0"/>
+              <a:t>Intensity</a:t>
+            </a:r>
+            <a:r>
               <a:rPr lang="it-IT" dirty="0" smtClean="0"/>
-              <a:t>Technologies</a:t>
+              <a:t> background </a:t>
+            </a:r>
+            <a:r>
+              <a:rPr lang="it-IT" dirty="0" err="1" smtClean="0"/>
+              <a:t>modelling</a:t>
             </a:r>
             <a:endParaRPr lang="it-IT" dirty="0"/>
           </a:p>
         </p:txBody>
       </p:sp>
-      <p:sp>
-        <p:nvSpPr>
-          <p:cNvPr id="3" name="Segnaposto contenuto 2"/>
-          <p:cNvSpPr>
-            <a:spLocks noGrp="1"/>
-          </p:cNvSpPr>
-          <p:nvPr>
-            <p:ph idx="1"/>
-          </p:nvPr>
-        </p:nvSpPr>
-        <p:spPr/>
-        <p:txBody>
-          <a:bodyPr/>
-          <a:lstStyle/>
-          <a:p>
-            <a:r>
-              <a:rPr lang="it-IT" dirty="0" err="1"/>
-              <a:t>OpenKinect</a:t>
-            </a:r>
-            <a:endParaRPr lang="it-IT" dirty="0"/>
-          </a:p>
-          <a:p>
-            <a:pPr lvl="1"/>
-            <a:r>
-              <a:rPr lang="it-IT" dirty="0"/>
-              <a:t>Open source </a:t>
-            </a:r>
-            <a:r>
-              <a:rPr lang="it-IT" dirty="0" err="1"/>
-              <a:t>library</a:t>
-            </a:r>
-            <a:endParaRPr lang="it-IT" dirty="0"/>
-          </a:p>
-          <a:p>
-            <a:pPr lvl="1"/>
-            <a:r>
-              <a:rPr lang="it-IT" dirty="0" err="1"/>
-              <a:t>Multiplatform</a:t>
-            </a:r>
-            <a:endParaRPr lang="it-IT" dirty="0"/>
-          </a:p>
-          <a:p>
-            <a:pPr lvl="1"/>
-            <a:endParaRPr lang="it-IT" dirty="0"/>
-          </a:p>
-        </p:txBody>
-      </p:sp>
+      <mc:AlternateContent xmlns:mc="http://schemas.openxmlformats.org/markup-compatibility/2006">
+        <mc:Choice xmlns:a14="http://schemas.microsoft.com/office/drawing/2010/main" Requires="a14">
+          <p:sp>
+            <p:nvSpPr>
+              <p:cNvPr id="3" name="Segnaposto contenuto 2"/>
+              <p:cNvSpPr>
+                <a:spLocks noGrp="1"/>
+              </p:cNvSpPr>
+              <p:nvPr>
+                <p:ph idx="1"/>
+              </p:nvPr>
+            </p:nvSpPr>
+            <p:spPr/>
+            <p:txBody>
+              <a:bodyPr>
+                <a:normAutofit fontScale="85000" lnSpcReduction="20000"/>
+              </a:bodyPr>
+              <a:lstStyle/>
+              <a:p>
+                <a:r>
+                  <a:rPr lang="it-IT" dirty="0" smtClean="0"/>
+                  <a:t>The background model </a:t>
+                </a:r>
+                <a:r>
+                  <a:rPr lang="it-IT" dirty="0" err="1" smtClean="0"/>
+                  <a:t>is</a:t>
+                </a:r>
+                <a:r>
+                  <a:rPr lang="it-IT" dirty="0" smtClean="0"/>
+                  <a:t> </a:t>
+                </a:r>
+                <a:r>
+                  <a:rPr lang="it-IT" dirty="0" err="1" smtClean="0"/>
+                  <a:t>computed</a:t>
+                </a:r>
+                <a:r>
+                  <a:rPr lang="it-IT" dirty="0" smtClean="0"/>
+                  <a:t> by </a:t>
+                </a:r>
+                <a:r>
+                  <a:rPr lang="it-IT" dirty="0" err="1" smtClean="0"/>
+                  <a:t>using</a:t>
+                </a:r>
+                <a:r>
+                  <a:rPr lang="it-IT" dirty="0" smtClean="0"/>
+                  <a:t> the </a:t>
+                </a:r>
+                <a:r>
+                  <a:rPr lang="it-IT" b="1" dirty="0" smtClean="0"/>
+                  <a:t>Zivkovic </a:t>
+                </a:r>
+                <a:r>
+                  <a:rPr lang="it-IT" b="1" dirty="0" err="1" smtClean="0"/>
+                  <a:t>method</a:t>
+                </a:r>
+                <a:r>
+                  <a:rPr lang="it-IT" b="1" dirty="0" smtClean="0"/>
+                  <a:t> </a:t>
+                </a:r>
+                <a:r>
+                  <a:rPr lang="it-IT" dirty="0" smtClean="0"/>
+                  <a:t>[1]:</a:t>
+                </a:r>
+              </a:p>
+              <a:p>
+                <a:pPr lvl="1"/>
+                <a:r>
+                  <a:rPr lang="it-IT" dirty="0" err="1" smtClean="0"/>
+                  <a:t>Gaussian</a:t>
+                </a:r>
+                <a:r>
+                  <a:rPr lang="it-IT" dirty="0" smtClean="0"/>
+                  <a:t> </a:t>
+                </a:r>
+                <a:r>
+                  <a:rPr lang="it-IT" dirty="0" err="1" smtClean="0"/>
+                  <a:t>Mixture</a:t>
+                </a:r>
+                <a:r>
+                  <a:rPr lang="it-IT" dirty="0" smtClean="0"/>
+                  <a:t> Model (GMM)</a:t>
+                </a:r>
+              </a:p>
+              <a:p>
+                <a:pPr lvl="1"/>
+                <a:r>
+                  <a:rPr lang="it-IT" dirty="0" smtClean="0"/>
+                  <a:t>Select </a:t>
+                </a:r>
+                <a:r>
+                  <a:rPr lang="it-IT" dirty="0" err="1" smtClean="0"/>
+                  <a:t>dynamically</a:t>
+                </a:r>
+                <a:r>
+                  <a:rPr lang="it-IT" dirty="0" smtClean="0"/>
+                  <a:t> the </a:t>
+                </a:r>
+                <a:r>
+                  <a:rPr lang="it-IT" dirty="0" err="1" smtClean="0"/>
+                  <a:t>number</a:t>
+                </a:r>
+                <a:r>
+                  <a:rPr lang="it-IT" dirty="0" smtClean="0"/>
+                  <a:t> of </a:t>
+                </a:r>
+                <a:r>
+                  <a:rPr lang="it-IT" dirty="0" err="1" smtClean="0"/>
+                  <a:t>components</a:t>
+                </a:r>
+                <a:endParaRPr lang="it-IT" dirty="0" smtClean="0"/>
+              </a:p>
+              <a:p>
+                <a:r>
+                  <a:rPr lang="it-IT" dirty="0" smtClean="0"/>
+                  <a:t>The </a:t>
+                </a:r>
+                <a:r>
+                  <a:rPr lang="it-IT" dirty="0" err="1" smtClean="0"/>
+                  <a:t>left</a:t>
+                </a:r>
+                <a:r>
+                  <a:rPr lang="it-IT" dirty="0" smtClean="0"/>
+                  <a:t> </a:t>
+                </a:r>
+                <a:r>
+                  <a:rPr lang="it-IT" dirty="0" err="1" smtClean="0"/>
+                  <a:t>luggage</a:t>
+                </a:r>
+                <a:r>
+                  <a:rPr lang="it-IT" dirty="0" smtClean="0"/>
+                  <a:t> are </a:t>
+                </a:r>
+                <a:r>
+                  <a:rPr lang="it-IT" dirty="0" err="1" smtClean="0"/>
+                  <a:t>detected</a:t>
+                </a:r>
+                <a:r>
+                  <a:rPr lang="it-IT" dirty="0" smtClean="0"/>
+                  <a:t> </a:t>
+                </a:r>
+                <a:r>
+                  <a:rPr lang="it-IT" dirty="0" smtClean="0"/>
+                  <a:t>over time with </a:t>
+                </a:r>
+                <a:r>
+                  <a:rPr lang="it-IT" dirty="0" smtClean="0"/>
+                  <a:t>the </a:t>
+                </a:r>
+                <a:r>
+                  <a:rPr lang="it-IT" b="1" dirty="0" err="1" smtClean="0"/>
+                  <a:t>dual</a:t>
+                </a:r>
+                <a:r>
+                  <a:rPr lang="it-IT" b="1" dirty="0" smtClean="0"/>
+                  <a:t> </a:t>
+                </a:r>
+                <a:r>
+                  <a:rPr lang="it-IT" b="1" dirty="0" err="1" smtClean="0"/>
+                  <a:t>foregrounds</a:t>
+                </a:r>
+                <a:r>
+                  <a:rPr lang="it-IT" dirty="0" smtClean="0"/>
+                  <a:t> </a:t>
+                </a:r>
+                <a:r>
+                  <a:rPr lang="it-IT" b="1" dirty="0" smtClean="0"/>
+                  <a:t>model</a:t>
+                </a:r>
+                <a:r>
+                  <a:rPr lang="it-IT" dirty="0" smtClean="0"/>
+                  <a:t> [2]:</a:t>
+                </a:r>
+                <a:endParaRPr lang="it-IT" dirty="0"/>
+              </a:p>
+              <a:p>
+                <a:pPr lvl="1"/>
+                <a:r>
+                  <a:rPr lang="it-IT" dirty="0" err="1" smtClean="0"/>
+                  <a:t>Two</a:t>
+                </a:r>
+                <a:r>
+                  <a:rPr lang="it-IT" dirty="0" smtClean="0"/>
+                  <a:t> background </a:t>
+                </a:r>
+                <a:r>
+                  <a:rPr lang="it-IT" dirty="0" err="1" smtClean="0"/>
+                  <a:t>models</a:t>
+                </a:r>
+                <a:r>
+                  <a:rPr lang="it-IT" dirty="0" smtClean="0"/>
+                  <a:t> are </a:t>
+                </a:r>
+                <a:r>
+                  <a:rPr lang="it-IT" dirty="0" err="1" smtClean="0"/>
+                  <a:t>computed</a:t>
+                </a:r>
+                <a:endParaRPr lang="it-IT" dirty="0" smtClean="0"/>
+              </a:p>
+              <a:p>
+                <a:pPr lvl="2"/>
+                <a14:m>
+                  <m:oMath xmlns:m="http://schemas.openxmlformats.org/officeDocument/2006/math">
+                    <m:sSub>
+                      <m:sSubPr>
+                        <m:ctrlPr>
+                          <a:rPr lang="it-IT" i="1" smtClean="0">
+                            <a:latin typeface="Cambria Math"/>
+                          </a:rPr>
+                        </m:ctrlPr>
+                      </m:sSubPr>
+                      <m:e>
+                        <m:r>
+                          <a:rPr lang="it-IT" b="0" i="1" smtClean="0">
+                            <a:latin typeface="Cambria Math"/>
+                          </a:rPr>
+                          <m:t>𝐵</m:t>
+                        </m:r>
+                      </m:e>
+                      <m:sub>
+                        <m:r>
+                          <a:rPr lang="it-IT" b="0" i="1" smtClean="0">
+                            <a:latin typeface="Cambria Math"/>
+                          </a:rPr>
+                          <m:t>𝐿</m:t>
+                        </m:r>
+                      </m:sub>
+                    </m:sSub>
+                  </m:oMath>
+                </a14:m>
+                <a:r>
+                  <a:rPr lang="it-IT" dirty="0" smtClean="0"/>
+                  <a:t>: long-</a:t>
+                </a:r>
+                <a:r>
+                  <a:rPr lang="it-IT" dirty="0" err="1" smtClean="0"/>
+                  <a:t>term</a:t>
+                </a:r>
+                <a:r>
+                  <a:rPr lang="it-IT" dirty="0" smtClean="0"/>
+                  <a:t> background → </a:t>
+                </a:r>
+                <a14:m>
+                  <m:oMath xmlns:m="http://schemas.openxmlformats.org/officeDocument/2006/math">
+                    <m:sSub>
+                      <m:sSubPr>
+                        <m:ctrlPr>
+                          <a:rPr lang="it-IT" i="1">
+                            <a:latin typeface="Cambria Math"/>
+                          </a:rPr>
+                        </m:ctrlPr>
+                      </m:sSubPr>
+                      <m:e>
+                        <m:r>
+                          <a:rPr lang="it-IT" b="0" i="1" smtClean="0">
+                            <a:latin typeface="Cambria Math"/>
+                          </a:rPr>
+                          <m:t>𝐹</m:t>
+                        </m:r>
+                      </m:e>
+                      <m:sub>
+                        <m:r>
+                          <a:rPr lang="it-IT" i="1">
+                            <a:latin typeface="Cambria Math"/>
+                          </a:rPr>
+                          <m:t>𝐿</m:t>
+                        </m:r>
+                      </m:sub>
+                    </m:sSub>
+                  </m:oMath>
+                </a14:m>
+                <a:endParaRPr lang="it-IT" i="1" dirty="0" smtClean="0">
+                  <a:latin typeface="Cambria Math"/>
+                </a:endParaRPr>
+              </a:p>
+              <a:p>
+                <a:pPr lvl="2"/>
+                <a14:m>
+                  <m:oMath xmlns:m="http://schemas.openxmlformats.org/officeDocument/2006/math">
+                    <m:sSub>
+                      <m:sSubPr>
+                        <m:ctrlPr>
+                          <a:rPr lang="it-IT" i="1" smtClean="0">
+                            <a:latin typeface="Cambria Math"/>
+                          </a:rPr>
+                        </m:ctrlPr>
+                      </m:sSubPr>
+                      <m:e>
+                        <m:r>
+                          <a:rPr lang="it-IT" b="0" i="1" smtClean="0">
+                            <a:latin typeface="Cambria Math"/>
+                          </a:rPr>
+                          <m:t>𝐵</m:t>
+                        </m:r>
+                      </m:e>
+                      <m:sub>
+                        <m:r>
+                          <a:rPr lang="it-IT" b="0" i="1" smtClean="0">
+                            <a:latin typeface="Cambria Math"/>
+                          </a:rPr>
+                          <m:t>𝑠</m:t>
+                        </m:r>
+                      </m:sub>
+                    </m:sSub>
+                  </m:oMath>
+                </a14:m>
+                <a:r>
+                  <a:rPr lang="it-IT" dirty="0" smtClean="0"/>
+                  <a:t>: short-</a:t>
+                </a:r>
+                <a:r>
+                  <a:rPr lang="it-IT" dirty="0" err="1" smtClean="0"/>
+                  <a:t>term</a:t>
+                </a:r>
+                <a:r>
+                  <a:rPr lang="it-IT" dirty="0" smtClean="0"/>
+                  <a:t> </a:t>
+                </a:r>
+                <a:r>
+                  <a:rPr lang="it-IT" dirty="0"/>
+                  <a:t>background → </a:t>
+                </a:r>
+                <a14:m>
+                  <m:oMath xmlns:m="http://schemas.openxmlformats.org/officeDocument/2006/math">
+                    <m:sSub>
+                      <m:sSubPr>
+                        <m:ctrlPr>
+                          <a:rPr lang="it-IT" i="1">
+                            <a:latin typeface="Cambria Math"/>
+                          </a:rPr>
+                        </m:ctrlPr>
+                      </m:sSubPr>
+                      <m:e>
+                        <m:r>
+                          <a:rPr lang="it-IT" i="1">
+                            <a:latin typeface="Cambria Math"/>
+                          </a:rPr>
+                          <m:t>𝐹</m:t>
+                        </m:r>
+                      </m:e>
+                      <m:sub>
+                        <m:r>
+                          <a:rPr lang="it-IT" b="0" i="1" smtClean="0">
+                            <a:latin typeface="Cambria Math"/>
+                          </a:rPr>
+                          <m:t>𝑠</m:t>
+                        </m:r>
+                      </m:sub>
+                    </m:sSub>
+                  </m:oMath>
+                </a14:m>
+                <a:endParaRPr lang="it-IT" dirty="0" smtClean="0"/>
+              </a:p>
+              <a:p>
+                <a:pPr lvl="2"/>
+                <a14:m>
+                  <m:oMath xmlns:m="http://schemas.openxmlformats.org/officeDocument/2006/math">
+                    <m:sSub>
+                      <m:sSubPr>
+                        <m:ctrlPr>
+                          <a:rPr lang="it-IT" i="1" smtClean="0">
+                            <a:latin typeface="Cambria Math"/>
+                          </a:rPr>
+                        </m:ctrlPr>
+                      </m:sSubPr>
+                      <m:e>
+                        <m:r>
+                          <a:rPr lang="it-IT" i="1" smtClean="0">
+                            <a:latin typeface="Cambria Math"/>
+                            <a:ea typeface="Cambria Math"/>
+                          </a:rPr>
+                          <m:t>𝛼</m:t>
+                        </m:r>
+                      </m:e>
+                      <m:sub>
+                        <m:r>
+                          <a:rPr lang="it-IT" b="0" i="1" smtClean="0">
+                            <a:latin typeface="Cambria Math"/>
+                          </a:rPr>
+                          <m:t>𝐿</m:t>
+                        </m:r>
+                      </m:sub>
+                    </m:sSub>
+                    <m:r>
+                      <a:rPr lang="it-IT" i="1" smtClean="0">
+                        <a:latin typeface="Cambria Math"/>
+                        <a:ea typeface="Cambria Math"/>
+                      </a:rPr>
+                      <m:t>&lt;</m:t>
+                    </m:r>
+                    <m:sSub>
+                      <m:sSubPr>
+                        <m:ctrlPr>
+                          <a:rPr lang="it-IT" i="1" smtClean="0">
+                            <a:latin typeface="Cambria Math"/>
+                            <a:ea typeface="Cambria Math"/>
+                          </a:rPr>
+                        </m:ctrlPr>
+                      </m:sSubPr>
+                      <m:e>
+                        <m:r>
+                          <a:rPr lang="it-IT" i="1" smtClean="0">
+                            <a:latin typeface="Cambria Math"/>
+                            <a:ea typeface="Cambria Math"/>
+                          </a:rPr>
+                          <m:t>𝛼</m:t>
+                        </m:r>
+                      </m:e>
+                      <m:sub>
+                        <m:r>
+                          <a:rPr lang="it-IT" b="0" i="1" smtClean="0">
+                            <a:latin typeface="Cambria Math"/>
+                            <a:ea typeface="Cambria Math"/>
+                          </a:rPr>
+                          <m:t>𝑆</m:t>
+                        </m:r>
+                      </m:sub>
+                    </m:sSub>
+                  </m:oMath>
+                </a14:m>
+                <a:endParaRPr lang="it-IT" dirty="0" smtClean="0"/>
+              </a:p>
+              <a:p>
+                <a:pPr lvl="3"/>
+                <a:r>
+                  <a:rPr lang="it-IT" dirty="0" smtClean="0"/>
+                  <a:t>e.g.: </a:t>
+                </a:r>
+                <a14:m>
+                  <m:oMath xmlns:m="http://schemas.openxmlformats.org/officeDocument/2006/math">
+                    <m:sSub>
+                      <m:sSubPr>
+                        <m:ctrlPr>
+                          <a:rPr lang="it-IT" i="1">
+                            <a:latin typeface="Cambria Math"/>
+                          </a:rPr>
+                        </m:ctrlPr>
+                      </m:sSubPr>
+                      <m:e>
+                        <m:r>
+                          <a:rPr lang="it-IT" i="1">
+                            <a:latin typeface="Cambria Math"/>
+                            <a:ea typeface="Cambria Math"/>
+                          </a:rPr>
+                          <m:t>𝛼</m:t>
+                        </m:r>
+                      </m:e>
+                      <m:sub>
+                        <m:r>
+                          <a:rPr lang="it-IT" i="1">
+                            <a:latin typeface="Cambria Math"/>
+                          </a:rPr>
+                          <m:t>𝐿</m:t>
+                        </m:r>
+                      </m:sub>
+                    </m:sSub>
+                    <m:r>
+                      <a:rPr lang="it-IT" b="0" i="1" smtClean="0">
+                        <a:latin typeface="Cambria Math"/>
+                      </a:rPr>
+                      <m:t>=0.001</m:t>
+                    </m:r>
+                  </m:oMath>
+                </a14:m>
+                <a:r>
+                  <a:rPr lang="it-IT" dirty="0" smtClean="0"/>
+                  <a:t> and </a:t>
+                </a:r>
+                <a14:m>
+                  <m:oMath xmlns:m="http://schemas.openxmlformats.org/officeDocument/2006/math">
+                    <m:sSub>
+                      <m:sSubPr>
+                        <m:ctrlPr>
+                          <a:rPr lang="it-IT" i="1">
+                            <a:latin typeface="Cambria Math"/>
+                          </a:rPr>
+                        </m:ctrlPr>
+                      </m:sSubPr>
+                      <m:e>
+                        <m:r>
+                          <a:rPr lang="it-IT" i="1">
+                            <a:latin typeface="Cambria Math"/>
+                            <a:ea typeface="Cambria Math"/>
+                          </a:rPr>
+                          <m:t>𝛼</m:t>
+                        </m:r>
+                      </m:e>
+                      <m:sub>
+                        <m:r>
+                          <a:rPr lang="it-IT" b="0" i="1" smtClean="0">
+                            <a:latin typeface="Cambria Math"/>
+                          </a:rPr>
+                          <m:t>𝑆</m:t>
+                        </m:r>
+                      </m:sub>
+                    </m:sSub>
+                    <m:r>
+                      <a:rPr lang="it-IT" i="1">
+                        <a:latin typeface="Cambria Math"/>
+                      </a:rPr>
+                      <m:t>=0.0</m:t>
+                    </m:r>
+                    <m:r>
+                      <a:rPr lang="it-IT" b="0" i="1" smtClean="0">
+                        <a:latin typeface="Cambria Math"/>
+                      </a:rPr>
+                      <m:t>1</m:t>
+                    </m:r>
+                  </m:oMath>
+                </a14:m>
+                <a:r>
+                  <a:rPr lang="it-IT" dirty="0"/>
+                  <a:t> </a:t>
+                </a:r>
+              </a:p>
+              <a:p>
+                <a:pPr lvl="3"/>
+                <a:endParaRPr lang="it-IT" dirty="0"/>
+              </a:p>
+            </p:txBody>
+          </p:sp>
+        </mc:Choice>
+        <mc:Fallback>
+          <p:sp>
+            <p:nvSpPr>
+              <p:cNvPr id="3" name="Segnaposto contenuto 2"/>
+              <p:cNvSpPr>
+                <a:spLocks noGrp="1" noRot="1" noChangeAspect="1" noMove="1" noResize="1" noEditPoints="1" noAdjustHandles="1" noChangeArrowheads="1" noChangeShapeType="1" noTextEdit="1"/>
+              </p:cNvSpPr>
+              <p:nvPr>
+                <p:ph idx="1"/>
+              </p:nvPr>
+            </p:nvSpPr>
+            <p:spPr>
+              <a:blipFill rotWithShape="1">
+                <a:blip r:embed="rId2"/>
+                <a:stretch>
+                  <a:fillRect l="-81" t="-687"/>
+                </a:stretch>
+              </a:blipFill>
+            </p:spPr>
+            <p:txBody>
+              <a:bodyPr/>
+              <a:lstStyle/>
+              <a:p>
+                <a:r>
+                  <a:rPr lang="it-IT">
+                    <a:noFill/>
+                  </a:rPr>
+                  <a:t> </a:t>
+                </a:r>
+              </a:p>
+            </p:txBody>
+          </p:sp>
+        </mc:Fallback>
+      </mc:AlternateContent>
       <p:sp>
         <p:nvSpPr>
           <p:cNvPr id="4" name="Segnaposto contenuto 3"/>
@@ -5907,47 +9240,21 @@
           <a:lstStyle/>
           <a:p>
             <a:r>
+              <a:rPr lang="it-IT" dirty="0" err="1" smtClean="0"/>
+              <a:t>Intensity</a:t>
+            </a:r>
+            <a:r>
               <a:rPr lang="it-IT" dirty="0" smtClean="0"/>
-              <a:t>Development</a:t>
+              <a:t> processing</a:t>
             </a:r>
             <a:endParaRPr lang="it-IT" dirty="0"/>
           </a:p>
         </p:txBody>
       </p:sp>
-      <p:pic>
-        <p:nvPicPr>
-          <p:cNvPr id="5" name="Immagine 4"/>
-          <p:cNvPicPr>
-            <a:picLocks noChangeAspect="1"/>
-          </p:cNvPicPr>
-          <p:nvPr/>
-        </p:nvPicPr>
-        <p:blipFill>
-          <a:blip r:embed="rId2">
-            <a:extLst>
-              <a:ext uri="{28A0092B-C50C-407E-A947-70E740481C1C}">
-                <a14:useLocalDpi xmlns:a14="http://schemas.microsoft.com/office/drawing/2010/main" val="0"/>
-              </a:ext>
-            </a:extLst>
-          </a:blip>
-          <a:stretch>
-            <a:fillRect/>
-          </a:stretch>
-        </p:blipFill>
-        <p:spPr>
-          <a:xfrm>
-            <a:off x="5349917" y="5170136"/>
-            <a:ext cx="2911396" cy="468000"/>
-          </a:xfrm>
-          <a:prstGeom prst="rect">
-            <a:avLst/>
-          </a:prstGeom>
-        </p:spPr>
-      </p:pic>
     </p:spTree>
     <p:extLst>
       <p:ext uri="{BB962C8B-B14F-4D97-AF65-F5344CB8AC3E}">
-        <p14:creationId xmlns:p14="http://schemas.microsoft.com/office/powerpoint/2010/main" val="3409093805"/>
+        <p14:creationId xmlns:p14="http://schemas.microsoft.com/office/powerpoint/2010/main" val="3278874586"/>
       </p:ext>
     </p:extLst>
   </p:cSld>
@@ -5997,42 +9304,447 @@
           <a:lstStyle/>
           <a:p>
             <a:r>
+              <a:rPr lang="it-IT" dirty="0" smtClean="0"/>
+              <a:t>Dual </a:t>
+            </a:r>
+            <a:r>
               <a:rPr lang="it-IT" dirty="0" err="1" smtClean="0"/>
-              <a:t>Thanks</a:t>
+              <a:t>foreground</a:t>
             </a:r>
             <a:endParaRPr lang="it-IT" dirty="0"/>
           </a:p>
         </p:txBody>
       </p:sp>
-      <p:pic>
-        <p:nvPicPr>
-          <p:cNvPr id="5" name="Segnaposto contenuto 4"/>
-          <p:cNvPicPr>
-            <a:picLocks noGrp="1" noChangeAspect="1"/>
-          </p:cNvPicPr>
-          <p:nvPr>
-            <p:ph idx="1"/>
-          </p:nvPr>
-        </p:nvPicPr>
-        <p:blipFill>
-          <a:blip r:embed="rId2">
-            <a:extLst>
-              <a:ext uri="{28A0092B-C50C-407E-A947-70E740481C1C}">
-                <a14:useLocalDpi xmlns:a14="http://schemas.microsoft.com/office/drawing/2010/main" val="0"/>
-              </a:ext>
-            </a:extLst>
-          </a:blip>
-          <a:stretch>
-            <a:fillRect/>
-          </a:stretch>
-        </p:blipFill>
-        <p:spPr>
-          <a:xfrm>
-            <a:off x="3674502" y="3043374"/>
-            <a:ext cx="1798171" cy="1755503"/>
-          </a:xfrm>
-        </p:spPr>
-      </p:pic>
+      <mc:AlternateContent xmlns:mc="http://schemas.openxmlformats.org/markup-compatibility/2006">
+        <mc:Choice xmlns:a14="http://schemas.microsoft.com/office/drawing/2010/main" Requires="a14">
+          <p:sp>
+            <p:nvSpPr>
+              <p:cNvPr id="3" name="Segnaposto contenuto 2"/>
+              <p:cNvSpPr>
+                <a:spLocks noGrp="1"/>
+              </p:cNvSpPr>
+              <p:nvPr>
+                <p:ph idx="1"/>
+              </p:nvPr>
+            </p:nvSpPr>
+            <p:spPr>
+              <a:xfrm>
+                <a:off x="793154" y="1700808"/>
+                <a:ext cx="7560000" cy="4536504"/>
+              </a:xfrm>
+            </p:spPr>
+            <p:txBody>
+              <a:bodyPr>
+                <a:normAutofit fontScale="77500" lnSpcReduction="20000"/>
+              </a:bodyPr>
+              <a:lstStyle/>
+              <a:p>
+                <a:r>
+                  <a:rPr lang="it-IT" sz="2500" dirty="0" smtClean="0"/>
+                  <a:t>Using </a:t>
+                </a:r>
+                <a14:m>
+                  <m:oMath xmlns:m="http://schemas.openxmlformats.org/officeDocument/2006/math">
+                    <m:sSub>
+                      <m:sSubPr>
+                        <m:ctrlPr>
+                          <a:rPr lang="it-IT" sz="2500" i="1">
+                            <a:latin typeface="Cambria Math"/>
+                          </a:rPr>
+                        </m:ctrlPr>
+                      </m:sSubPr>
+                      <m:e>
+                        <m:r>
+                          <a:rPr lang="it-IT" sz="2500" i="1">
+                            <a:latin typeface="Cambria Math"/>
+                          </a:rPr>
+                          <m:t>𝐹</m:t>
+                        </m:r>
+                      </m:e>
+                      <m:sub>
+                        <m:r>
+                          <a:rPr lang="it-IT" sz="2500" i="1">
+                            <a:latin typeface="Cambria Math"/>
+                          </a:rPr>
+                          <m:t>𝐿</m:t>
+                        </m:r>
+                      </m:sub>
+                    </m:sSub>
+                  </m:oMath>
+                </a14:m>
+                <a:r>
+                  <a:rPr lang="it-IT" sz="2500" dirty="0" smtClean="0"/>
+                  <a:t> and </a:t>
+                </a:r>
+                <a14:m>
+                  <m:oMath xmlns:m="http://schemas.openxmlformats.org/officeDocument/2006/math">
+                    <m:sSub>
+                      <m:sSubPr>
+                        <m:ctrlPr>
+                          <a:rPr lang="it-IT" sz="2500" i="1">
+                            <a:latin typeface="Cambria Math"/>
+                          </a:rPr>
+                        </m:ctrlPr>
+                      </m:sSubPr>
+                      <m:e>
+                        <m:r>
+                          <a:rPr lang="it-IT" sz="2500" i="1">
+                            <a:latin typeface="Cambria Math"/>
+                          </a:rPr>
+                          <m:t>𝐹</m:t>
+                        </m:r>
+                      </m:e>
+                      <m:sub>
+                        <m:r>
+                          <a:rPr lang="it-IT" sz="2500" b="0" i="1" smtClean="0">
+                            <a:latin typeface="Cambria Math"/>
+                          </a:rPr>
+                          <m:t>𝑠</m:t>
+                        </m:r>
+                      </m:sub>
+                    </m:sSub>
+                  </m:oMath>
+                </a14:m>
+                <a:r>
+                  <a:rPr lang="it-IT" sz="2500" dirty="0" smtClean="0"/>
+                  <a:t> </a:t>
+                </a:r>
+                <a:r>
+                  <a:rPr lang="it-IT" sz="2500" dirty="0" err="1" smtClean="0"/>
+                  <a:t>we</a:t>
+                </a:r>
+                <a:r>
+                  <a:rPr lang="it-IT" sz="2500" dirty="0" smtClean="0"/>
+                  <a:t> </a:t>
+                </a:r>
+                <a:r>
+                  <a:rPr lang="it-IT" sz="2500" dirty="0" err="1" smtClean="0"/>
+                  <a:t>have</a:t>
+                </a:r>
+                <a:r>
+                  <a:rPr lang="it-IT" sz="2500" dirty="0" smtClean="0"/>
+                  <a:t> </a:t>
+                </a:r>
+                <a:r>
+                  <a:rPr lang="it-IT" sz="2500" dirty="0" err="1" smtClean="0"/>
+                  <a:t>four</a:t>
+                </a:r>
+                <a:r>
+                  <a:rPr lang="it-IT" sz="2500" dirty="0" smtClean="0"/>
+                  <a:t> </a:t>
+                </a:r>
+                <a:r>
+                  <a:rPr lang="it-IT" sz="2500" dirty="0" err="1" smtClean="0"/>
+                  <a:t>cases</a:t>
+                </a:r>
+                <a:r>
+                  <a:rPr lang="it-IT" sz="2500" dirty="0" smtClean="0"/>
+                  <a:t> for </a:t>
+                </a:r>
+                <a:r>
+                  <a:rPr lang="it-IT" sz="2500" dirty="0" err="1" smtClean="0"/>
+                  <a:t>each</a:t>
+                </a:r>
+                <a:r>
+                  <a:rPr lang="it-IT" sz="2500" dirty="0" smtClean="0"/>
+                  <a:t> pixel:</a:t>
+                </a:r>
+              </a:p>
+              <a:p>
+                <a:endParaRPr lang="it-IT" sz="2500" dirty="0" smtClean="0"/>
+              </a:p>
+              <a:p>
+                <a:endParaRPr lang="it-IT" sz="2500" dirty="0" smtClean="0"/>
+              </a:p>
+              <a:p>
+                <a:endParaRPr lang="it-IT" sz="2500" dirty="0" smtClean="0"/>
+              </a:p>
+              <a:p>
+                <a:endParaRPr lang="it-IT" sz="2500" dirty="0"/>
+              </a:p>
+              <a:p>
+                <a:endParaRPr lang="it-IT" sz="2500" dirty="0" smtClean="0"/>
+              </a:p>
+              <a:p>
+                <a:endParaRPr lang="it-IT" sz="2500" dirty="0" smtClean="0"/>
+              </a:p>
+              <a:p>
+                <a:endParaRPr lang="it-IT" sz="2500" dirty="0"/>
+              </a:p>
+              <a:p>
+                <a:r>
+                  <a:rPr lang="it-IT" sz="2500" dirty="0" err="1" smtClean="0"/>
+                  <a:t>We</a:t>
+                </a:r>
+                <a:r>
+                  <a:rPr lang="it-IT" sz="2500" dirty="0" smtClean="0"/>
+                  <a:t> aggregate the </a:t>
+                </a:r>
+                <a:r>
+                  <a:rPr lang="it-IT" sz="2500" dirty="0" err="1" smtClean="0"/>
+                  <a:t>detection</a:t>
+                </a:r>
+                <a:r>
+                  <a:rPr lang="it-IT" sz="2500" dirty="0" smtClean="0"/>
+                  <a:t> </a:t>
+                </a:r>
+                <a:r>
+                  <a:rPr lang="it-IT" sz="2500" dirty="0" err="1" smtClean="0"/>
+                  <a:t>into</a:t>
+                </a:r>
+                <a:r>
+                  <a:rPr lang="it-IT" sz="2500" dirty="0" smtClean="0"/>
+                  <a:t> an image </a:t>
+                </a:r>
+                <a14:m>
+                  <m:oMath xmlns:m="http://schemas.openxmlformats.org/officeDocument/2006/math">
+                    <m:r>
+                      <a:rPr lang="it-IT" sz="2500" b="0" i="1" smtClean="0">
+                        <a:latin typeface="Cambria Math"/>
+                      </a:rPr>
+                      <m:t>𝐸</m:t>
+                    </m:r>
+                    <m:r>
+                      <a:rPr lang="it-IT" sz="2500" b="0" i="1" smtClean="0">
+                        <a:latin typeface="Cambria Math"/>
+                      </a:rPr>
+                      <m:t>(</m:t>
+                    </m:r>
+                    <m:r>
+                      <a:rPr lang="it-IT" sz="2500" b="0" i="1" smtClean="0">
+                        <a:latin typeface="Cambria Math"/>
+                      </a:rPr>
+                      <m:t>𝑥</m:t>
+                    </m:r>
+                    <m:r>
+                      <a:rPr lang="it-IT" sz="2500" b="0" i="1" smtClean="0">
+                        <a:latin typeface="Cambria Math"/>
+                      </a:rPr>
+                      <m:t>,</m:t>
+                    </m:r>
+                    <m:r>
+                      <a:rPr lang="it-IT" sz="2500" b="0" i="1" smtClean="0">
+                        <a:latin typeface="Cambria Math"/>
+                      </a:rPr>
+                      <m:t>𝑦</m:t>
+                    </m:r>
+                    <m:r>
+                      <a:rPr lang="it-IT" sz="2500" b="0" i="1" smtClean="0">
+                        <a:latin typeface="Cambria Math"/>
+                      </a:rPr>
+                      <m:t>)</m:t>
+                    </m:r>
+                  </m:oMath>
+                </a14:m>
+                <a:endParaRPr lang="it-IT" sz="2500" dirty="0" smtClean="0"/>
+              </a:p>
+              <a:p>
+                <a:pPr lvl="1"/>
+                <a:r>
+                  <a:rPr lang="it-IT" sz="2500" dirty="0" err="1" smtClean="0"/>
+                  <a:t>It</a:t>
+                </a:r>
+                <a:r>
+                  <a:rPr lang="it-IT" sz="2500" dirty="0" smtClean="0"/>
+                  <a:t> </a:t>
+                </a:r>
+                <a:r>
+                  <a:rPr lang="it-IT" sz="2500" dirty="0" err="1" smtClean="0"/>
+                  <a:t>aims</a:t>
+                </a:r>
+                <a:r>
+                  <a:rPr lang="it-IT" sz="2500" dirty="0" smtClean="0"/>
+                  <a:t> to </a:t>
+                </a:r>
+                <a:r>
+                  <a:rPr lang="it-IT" sz="2500" dirty="0" err="1" smtClean="0"/>
+                  <a:t>remove</a:t>
+                </a:r>
+                <a:r>
+                  <a:rPr lang="it-IT" sz="2500" dirty="0" smtClean="0"/>
+                  <a:t> </a:t>
+                </a:r>
+                <a:r>
+                  <a:rPr lang="it-IT" sz="2500" dirty="0" err="1" smtClean="0"/>
+                  <a:t>noise</a:t>
+                </a:r>
+                <a:r>
+                  <a:rPr lang="it-IT" sz="2500" dirty="0" smtClean="0"/>
+                  <a:t> in the </a:t>
+                </a:r>
+                <a:r>
+                  <a:rPr lang="it-IT" sz="2500" dirty="0" err="1" smtClean="0"/>
+                  <a:t>detection</a:t>
+                </a:r>
+                <a:r>
+                  <a:rPr lang="it-IT" sz="2500" dirty="0" smtClean="0"/>
+                  <a:t>;</a:t>
+                </a:r>
+                <a:endParaRPr lang="it-IT" sz="2500" dirty="0" smtClean="0"/>
+              </a:p>
+              <a:p>
+                <a:pPr lvl="1"/>
+                <a:r>
+                  <a:rPr lang="it-IT" sz="2500" dirty="0" err="1" smtClean="0"/>
+                  <a:t>If</a:t>
+                </a:r>
+                <a:r>
+                  <a:rPr lang="it-IT" sz="2500" dirty="0" smtClean="0"/>
+                  <a:t> </a:t>
+                </a:r>
+                <a14:m>
+                  <m:oMath xmlns:m="http://schemas.openxmlformats.org/officeDocument/2006/math">
+                    <m:r>
+                      <a:rPr lang="it-IT" sz="2500" i="1">
+                        <a:latin typeface="Cambria Math"/>
+                      </a:rPr>
+                      <m:t>𝐸</m:t>
+                    </m:r>
+                    <m:d>
+                      <m:dPr>
+                        <m:ctrlPr>
+                          <a:rPr lang="it-IT" sz="2500" i="1">
+                            <a:latin typeface="Cambria Math"/>
+                          </a:rPr>
+                        </m:ctrlPr>
+                      </m:dPr>
+                      <m:e>
+                        <m:r>
+                          <a:rPr lang="it-IT" sz="2500" i="1">
+                            <a:latin typeface="Cambria Math"/>
+                          </a:rPr>
+                          <m:t>𝑥</m:t>
+                        </m:r>
+                        <m:r>
+                          <a:rPr lang="it-IT" sz="2500" i="1">
+                            <a:latin typeface="Cambria Math"/>
+                          </a:rPr>
+                          <m:t>,</m:t>
+                        </m:r>
+                        <m:r>
+                          <a:rPr lang="it-IT" sz="2500" i="1">
+                            <a:latin typeface="Cambria Math"/>
+                          </a:rPr>
+                          <m:t>𝑦</m:t>
+                        </m:r>
+                      </m:e>
+                    </m:d>
+                    <m:r>
+                      <a:rPr lang="it-IT" sz="2500" b="0" i="1" smtClean="0">
+                        <a:latin typeface="Cambria Math"/>
+                        <a:ea typeface="Cambria Math"/>
+                      </a:rPr>
+                      <m:t>≥</m:t>
+                    </m:r>
+                    <m:sSub>
+                      <m:sSubPr>
+                        <m:ctrlPr>
+                          <a:rPr lang="it-IT" sz="2500" b="0" i="1" smtClean="0">
+                            <a:latin typeface="Cambria Math"/>
+                          </a:rPr>
+                        </m:ctrlPr>
+                      </m:sSubPr>
+                      <m:e>
+                        <m:r>
+                          <a:rPr lang="it-IT" sz="2500" b="0" i="1" smtClean="0">
+                            <a:latin typeface="Cambria Math"/>
+                          </a:rPr>
+                          <m:t>𝑚𝑎𝑥</m:t>
+                        </m:r>
+                      </m:e>
+                      <m:sub>
+                        <m:r>
+                          <a:rPr lang="it-IT" sz="2500" b="0" i="1" smtClean="0">
+                            <a:latin typeface="Cambria Math"/>
+                          </a:rPr>
+                          <m:t>𝑒</m:t>
+                        </m:r>
+                      </m:sub>
+                    </m:sSub>
+                  </m:oMath>
+                </a14:m>
+                <a:r>
+                  <a:rPr lang="it-IT" sz="2500" dirty="0" smtClean="0"/>
+                  <a:t>, the pixel </a:t>
+                </a:r>
+                <a:r>
+                  <a:rPr lang="it-IT" sz="2500" dirty="0" err="1" smtClean="0"/>
+                  <a:t>is</a:t>
+                </a:r>
+                <a:r>
+                  <a:rPr lang="it-IT" sz="2500" dirty="0" smtClean="0"/>
+                  <a:t> </a:t>
+                </a:r>
+                <a:r>
+                  <a:rPr lang="it-IT" sz="2500" dirty="0" err="1" smtClean="0"/>
+                  <a:t>marked</a:t>
+                </a:r>
+                <a:r>
+                  <a:rPr lang="it-IT" sz="2500" dirty="0" smtClean="0"/>
+                  <a:t> </a:t>
+                </a:r>
+                <a:r>
+                  <a:rPr lang="it-IT" sz="2500" dirty="0" err="1" smtClean="0"/>
+                  <a:t>as</a:t>
+                </a:r>
+                <a:r>
+                  <a:rPr lang="it-IT" sz="2500" dirty="0" smtClean="0"/>
+                  <a:t> </a:t>
+                </a:r>
+                <a:r>
+                  <a:rPr lang="it-IT" sz="2500" dirty="0" err="1" smtClean="0"/>
+                  <a:t>abandoned</a:t>
+                </a:r>
+                <a:r>
+                  <a:rPr lang="it-IT" sz="2500" dirty="0" smtClean="0"/>
+                  <a:t> item</a:t>
+                </a:r>
+                <a:r>
+                  <a:rPr lang="it-IT" sz="2500" dirty="0" smtClean="0"/>
+                  <a:t>.</a:t>
+                </a:r>
+              </a:p>
+            </p:txBody>
+          </p:sp>
+        </mc:Choice>
+        <mc:Fallback>
+          <p:sp>
+            <p:nvSpPr>
+              <p:cNvPr id="3" name="Segnaposto contenuto 2"/>
+              <p:cNvSpPr>
+                <a:spLocks noGrp="1" noRot="1" noChangeAspect="1" noMove="1" noResize="1" noEditPoints="1" noAdjustHandles="1" noChangeArrowheads="1" noChangeShapeType="1" noTextEdit="1"/>
+              </p:cNvSpPr>
+              <p:nvPr>
+                <p:ph idx="1"/>
+              </p:nvPr>
+            </p:nvSpPr>
+            <p:spPr>
+              <a:xfrm>
+                <a:off x="793154" y="1700808"/>
+                <a:ext cx="7560000" cy="4536504"/>
+              </a:xfrm>
+              <a:blipFill rotWithShape="1">
+                <a:blip r:embed="rId2"/>
+                <a:stretch>
+                  <a:fillRect t="-806"/>
+                </a:stretch>
+              </a:blipFill>
+            </p:spPr>
+            <p:txBody>
+              <a:bodyPr/>
+              <a:lstStyle/>
+              <a:p>
+                <a:r>
+                  <a:rPr lang="it-IT">
+                    <a:noFill/>
+                  </a:rPr>
+                  <a:t> </a:t>
+                </a:r>
+              </a:p>
+            </p:txBody>
+          </p:sp>
+        </mc:Fallback>
+      </mc:AlternateContent>
       <p:sp>
         <p:nvSpPr>
           <p:cNvPr id="4" name="Segnaposto contenuto 3"/>
@@ -6049,8 +9761,3695 @@
           <a:lstStyle/>
           <a:p>
             <a:r>
+              <a:rPr lang="it-IT" dirty="0" err="1"/>
+              <a:t>Intensity</a:t>
+            </a:r>
+            <a:r>
+              <a:rPr lang="it-IT" dirty="0"/>
+              <a:t> processing</a:t>
+            </a:r>
+          </a:p>
+          <a:p>
+            <a:endParaRPr lang="it-IT" dirty="0"/>
+          </a:p>
+        </p:txBody>
+      </p:sp>
+      <mc:AlternateContent xmlns:mc="http://schemas.openxmlformats.org/markup-compatibility/2006">
+        <mc:Choice xmlns:a14="http://schemas.microsoft.com/office/drawing/2010/main" Requires="a14">
+          <p:graphicFrame>
+            <p:nvGraphicFramePr>
+              <p:cNvPr id="6" name="Tabella 5"/>
+              <p:cNvGraphicFramePr>
+                <a:graphicFrameLocks noGrp="1"/>
+              </p:cNvGraphicFramePr>
+              <p:nvPr>
+                <p:extLst>
+                  <p:ext uri="{D42A27DB-BD31-4B8C-83A1-F6EECF244321}">
+                    <p14:modId xmlns:p14="http://schemas.microsoft.com/office/powerpoint/2010/main" val="147801347"/>
+                  </p:ext>
+                </p:extLst>
+              </p:nvPr>
+            </p:nvGraphicFramePr>
+            <p:xfrm>
+              <a:off x="1979712" y="2469334"/>
+              <a:ext cx="5472608" cy="1751754"/>
+            </p:xfrm>
+            <a:graphic>
+              <a:graphicData uri="http://schemas.openxmlformats.org/drawingml/2006/table">
+                <a:tbl>
+                  <a:tblPr firstRow="1" bandRow="1">
+                    <a:tableStyleId>{D27102A9-8310-4765-A935-A1911B00CA55}</a:tableStyleId>
+                  </a:tblPr>
+                  <a:tblGrid>
+                    <a:gridCol w="1008112"/>
+                    <a:gridCol w="936104"/>
+                    <a:gridCol w="3528392"/>
+                  </a:tblGrid>
+                  <a:tr h="342199">
+                    <a:tc>
+                      <a:txBody>
+                        <a:bodyPr/>
+                        <a:lstStyle/>
+                        <a:p>
+                          <a:pPr algn="ctr"/>
+                          <a14:m>
+                            <m:oMathPara xmlns:m="http://schemas.openxmlformats.org/officeDocument/2006/math">
+                              <m:oMathParaPr>
+                                <m:jc m:val="centerGroup"/>
+                              </m:oMathParaPr>
+                              <m:oMath xmlns:m="http://schemas.openxmlformats.org/officeDocument/2006/math">
+                                <m:sSub>
+                                  <m:sSubPr>
+                                    <m:ctrlPr>
+                                      <a:rPr lang="it-IT" b="0" i="1" smtClean="0">
+                                        <a:latin typeface="Cambria Math"/>
+                                      </a:rPr>
+                                    </m:ctrlPr>
+                                  </m:sSubPr>
+                                  <m:e>
+                                    <m:r>
+                                      <a:rPr lang="it-IT" b="0" i="1">
+                                        <a:latin typeface="Cambria Math"/>
+                                      </a:rPr>
+                                      <m:t>𝐹</m:t>
+                                    </m:r>
+                                  </m:e>
+                                  <m:sub>
+                                    <m:r>
+                                      <a:rPr lang="it-IT" b="0" i="1">
+                                        <a:latin typeface="Cambria Math"/>
+                                      </a:rPr>
+                                      <m:t>𝐿</m:t>
+                                    </m:r>
+                                  </m:sub>
+                                </m:sSub>
+                                <m:r>
+                                  <a:rPr lang="it-IT" b="0" i="1" smtClean="0">
+                                    <a:latin typeface="Cambria Math"/>
+                                  </a:rPr>
+                                  <m:t>(</m:t>
+                                </m:r>
+                                <m:r>
+                                  <a:rPr lang="it-IT" b="0" i="1" smtClean="0">
+                                    <a:latin typeface="Cambria Math"/>
+                                  </a:rPr>
+                                  <m:t>𝑥</m:t>
+                                </m:r>
+                                <m:r>
+                                  <a:rPr lang="it-IT" b="0" i="1" smtClean="0">
+                                    <a:latin typeface="Cambria Math"/>
+                                  </a:rPr>
+                                  <m:t>,</m:t>
+                                </m:r>
+                                <m:r>
+                                  <a:rPr lang="it-IT" b="0" i="1" smtClean="0">
+                                    <a:latin typeface="Cambria Math"/>
+                                  </a:rPr>
+                                  <m:t>𝑦</m:t>
+                                </m:r>
+                                <m:r>
+                                  <a:rPr lang="it-IT" b="0" i="1" smtClean="0">
+                                    <a:latin typeface="Cambria Math"/>
+                                  </a:rPr>
+                                  <m:t>)</m:t>
+                                </m:r>
+                              </m:oMath>
+                            </m:oMathPara>
+                          </a14:m>
+                          <a:endParaRPr lang="it-IT" b="0" dirty="0"/>
+                        </a:p>
+                      </a:txBody>
+                      <a:tcPr/>
+                    </a:tc>
+                    <a:tc>
+                      <a:txBody>
+                        <a:bodyPr/>
+                        <a:lstStyle/>
+                        <a:p>
+                          <a:pPr algn="ctr"/>
+                          <a14:m>
+                            <m:oMathPara xmlns:m="http://schemas.openxmlformats.org/officeDocument/2006/math">
+                              <m:oMathParaPr>
+                                <m:jc m:val="centerGroup"/>
+                              </m:oMathParaPr>
+                              <m:oMath xmlns:m="http://schemas.openxmlformats.org/officeDocument/2006/math">
+                                <m:sSub>
+                                  <m:sSubPr>
+                                    <m:ctrlPr>
+                                      <a:rPr lang="it-IT" b="0" i="1" smtClean="0">
+                                        <a:latin typeface="Cambria Math"/>
+                                      </a:rPr>
+                                    </m:ctrlPr>
+                                  </m:sSubPr>
+                                  <m:e>
+                                    <m:r>
+                                      <a:rPr lang="it-IT" b="0" i="1">
+                                        <a:latin typeface="Cambria Math"/>
+                                      </a:rPr>
+                                      <m:t>𝐹</m:t>
+                                    </m:r>
+                                  </m:e>
+                                  <m:sub>
+                                    <m:r>
+                                      <a:rPr lang="it-IT" b="0" i="1" smtClean="0">
+                                        <a:latin typeface="Cambria Math"/>
+                                      </a:rPr>
+                                      <m:t>𝑆</m:t>
+                                    </m:r>
+                                  </m:sub>
+                                </m:sSub>
+                                <m:r>
+                                  <a:rPr lang="it-IT" b="0" i="1" smtClean="0">
+                                    <a:latin typeface="Cambria Math"/>
+                                  </a:rPr>
+                                  <m:t>(</m:t>
+                                </m:r>
+                                <m:r>
+                                  <a:rPr lang="it-IT" b="0" i="1" smtClean="0">
+                                    <a:latin typeface="Cambria Math"/>
+                                  </a:rPr>
+                                  <m:t>𝑥</m:t>
+                                </m:r>
+                                <m:r>
+                                  <a:rPr lang="it-IT" b="0" i="1" smtClean="0">
+                                    <a:latin typeface="Cambria Math"/>
+                                  </a:rPr>
+                                  <m:t>,</m:t>
+                                </m:r>
+                                <m:r>
+                                  <a:rPr lang="it-IT" b="0" i="1" smtClean="0">
+                                    <a:latin typeface="Cambria Math"/>
+                                  </a:rPr>
+                                  <m:t>𝑦</m:t>
+                                </m:r>
+                                <m:r>
+                                  <a:rPr lang="it-IT" b="0" i="1" smtClean="0">
+                                    <a:latin typeface="Cambria Math"/>
+                                  </a:rPr>
+                                  <m:t>)</m:t>
+                                </m:r>
+                              </m:oMath>
+                            </m:oMathPara>
+                          </a14:m>
+                          <a:endParaRPr lang="it-IT" b="0" i="1" dirty="0"/>
+                        </a:p>
+                      </a:txBody>
+                      <a:tcPr/>
+                    </a:tc>
+                    <a:tc>
+                      <a:txBody>
+                        <a:bodyPr/>
+                        <a:lstStyle/>
+                        <a:p>
+                          <a:endParaRPr lang="it-IT" dirty="0"/>
+                        </a:p>
+                      </a:txBody>
+                      <a:tcPr/>
+                    </a:tc>
+                  </a:tr>
+                  <a:tr h="350238">
+                    <a:tc>
+                      <a:txBody>
+                        <a:bodyPr/>
+                        <a:lstStyle/>
+                        <a:p>
+                          <a:pPr algn="ctr"/>
+                          <a14:m>
+                            <m:oMathPara xmlns:m="http://schemas.openxmlformats.org/officeDocument/2006/math">
+                              <m:oMathParaPr>
+                                <m:jc m:val="centerGroup"/>
+                              </m:oMathParaPr>
+                              <m:oMath xmlns:m="http://schemas.openxmlformats.org/officeDocument/2006/math">
+                                <m:r>
+                                  <a:rPr lang="it-IT" sz="1600" smtClean="0">
+                                    <a:latin typeface="Cambria Math"/>
+                                  </a:rPr>
+                                  <m:t>0</m:t>
+                                </m:r>
+                              </m:oMath>
+                            </m:oMathPara>
+                          </a14:m>
+                          <a:endParaRPr lang="it-IT" sz="1600" dirty="0"/>
+                        </a:p>
+                      </a:txBody>
+                      <a:tcPr/>
+                    </a:tc>
+                    <a:tc>
+                      <a:txBody>
+                        <a:bodyPr/>
+                        <a:lstStyle/>
+                        <a:p>
+                          <a:pPr algn="ctr"/>
+                          <a14:m>
+                            <m:oMathPara xmlns:m="http://schemas.openxmlformats.org/officeDocument/2006/math">
+                              <m:oMathParaPr>
+                                <m:jc m:val="centerGroup"/>
+                              </m:oMathParaPr>
+                              <m:oMath xmlns:m="http://schemas.openxmlformats.org/officeDocument/2006/math">
+                                <m:r>
+                                  <a:rPr lang="it-IT" sz="1600" smtClean="0">
+                                    <a:latin typeface="Cambria Math"/>
+                                  </a:rPr>
+                                  <m:t>0</m:t>
+                                </m:r>
+                              </m:oMath>
+                            </m:oMathPara>
+                          </a14:m>
+                          <a:endParaRPr lang="it-IT" sz="1600" dirty="0"/>
+                        </a:p>
+                      </a:txBody>
+                      <a:tcPr/>
+                    </a:tc>
+                    <a:tc>
+                      <a:txBody>
+                        <a:bodyPr/>
+                        <a:lstStyle/>
+                        <a:p>
+                          <a:r>
+                            <a:rPr lang="it-IT" sz="1600" dirty="0" smtClean="0"/>
+                            <a:t>Background</a:t>
+                          </a:r>
+                          <a:endParaRPr lang="it-IT" sz="1600" dirty="0"/>
+                        </a:p>
+                      </a:txBody>
+                      <a:tcPr/>
+                    </a:tc>
+                  </a:tr>
+                  <a:tr h="350238">
+                    <a:tc>
+                      <a:txBody>
+                        <a:bodyPr/>
+                        <a:lstStyle/>
+                        <a:p>
+                          <a:pPr algn="ctr"/>
+                          <a14:m>
+                            <m:oMathPara xmlns:m="http://schemas.openxmlformats.org/officeDocument/2006/math">
+                              <m:oMathParaPr>
+                                <m:jc m:val="centerGroup"/>
+                              </m:oMathParaPr>
+                              <m:oMath xmlns:m="http://schemas.openxmlformats.org/officeDocument/2006/math">
+                                <m:r>
+                                  <a:rPr lang="it-IT" sz="1600" smtClean="0">
+                                    <a:latin typeface="Cambria Math"/>
+                                  </a:rPr>
+                                  <m:t>0</m:t>
+                                </m:r>
+                              </m:oMath>
+                            </m:oMathPara>
+                          </a14:m>
+                          <a:endParaRPr lang="it-IT" sz="1600" dirty="0"/>
+                        </a:p>
+                      </a:txBody>
+                      <a:tcPr/>
+                    </a:tc>
+                    <a:tc>
+                      <a:txBody>
+                        <a:bodyPr/>
+                        <a:lstStyle/>
+                        <a:p>
+                          <a:pPr algn="ctr"/>
+                          <a14:m>
+                            <m:oMathPara xmlns:m="http://schemas.openxmlformats.org/officeDocument/2006/math">
+                              <m:oMathParaPr>
+                                <m:jc m:val="centerGroup"/>
+                              </m:oMathParaPr>
+                              <m:oMath xmlns:m="http://schemas.openxmlformats.org/officeDocument/2006/math">
+                                <m:r>
+                                  <a:rPr lang="it-IT" sz="1600" smtClean="0">
+                                    <a:latin typeface="Cambria Math"/>
+                                  </a:rPr>
+                                  <m:t>1</m:t>
+                                </m:r>
+                              </m:oMath>
+                            </m:oMathPara>
+                          </a14:m>
+                          <a:endParaRPr lang="it-IT" sz="1600" dirty="0"/>
+                        </a:p>
+                      </a:txBody>
+                      <a:tcPr/>
+                    </a:tc>
+                    <a:tc>
+                      <a:txBody>
+                        <a:bodyPr/>
+                        <a:lstStyle/>
+                        <a:p>
+                          <a:r>
+                            <a:rPr lang="it-IT" sz="1600" dirty="0" smtClean="0"/>
+                            <a:t>Background pixel </a:t>
+                          </a:r>
+                          <a:r>
+                            <a:rPr lang="it-IT" sz="1600" dirty="0" err="1" smtClean="0"/>
+                            <a:t>that</a:t>
+                          </a:r>
+                          <a:r>
+                            <a:rPr lang="it-IT" sz="1600" dirty="0" smtClean="0"/>
+                            <a:t> </a:t>
+                          </a:r>
+                          <a:r>
+                            <a:rPr lang="it-IT" sz="1600" dirty="0" err="1" smtClean="0"/>
+                            <a:t>was</a:t>
+                          </a:r>
+                          <a:r>
+                            <a:rPr lang="it-IT" sz="1600" dirty="0" smtClean="0"/>
+                            <a:t> </a:t>
+                          </a:r>
+                          <a:r>
+                            <a:rPr lang="it-IT" sz="1600" dirty="0" err="1" smtClean="0"/>
+                            <a:t>occluded</a:t>
+                          </a:r>
+                          <a:endParaRPr lang="it-IT" sz="1600" dirty="0"/>
+                        </a:p>
+                      </a:txBody>
+                      <a:tcPr/>
+                    </a:tc>
+                  </a:tr>
+                  <a:tr h="350238">
+                    <a:tc>
+                      <a:txBody>
+                        <a:bodyPr/>
+                        <a:lstStyle/>
+                        <a:p>
+                          <a:pPr algn="ctr"/>
+                          <a14:m>
+                            <m:oMathPara xmlns:m="http://schemas.openxmlformats.org/officeDocument/2006/math">
+                              <m:oMathParaPr>
+                                <m:jc m:val="centerGroup"/>
+                              </m:oMathParaPr>
+                              <m:oMath xmlns:m="http://schemas.openxmlformats.org/officeDocument/2006/math">
+                                <m:r>
+                                  <a:rPr lang="it-IT" sz="1600" smtClean="0">
+                                    <a:latin typeface="Cambria Math"/>
+                                  </a:rPr>
+                                  <m:t>1</m:t>
+                                </m:r>
+                              </m:oMath>
+                            </m:oMathPara>
+                          </a14:m>
+                          <a:endParaRPr lang="it-IT" sz="1600" dirty="0"/>
+                        </a:p>
+                      </a:txBody>
+                      <a:tcPr/>
+                    </a:tc>
+                    <a:tc>
+                      <a:txBody>
+                        <a:bodyPr/>
+                        <a:lstStyle/>
+                        <a:p>
+                          <a:pPr algn="ctr"/>
+                          <a14:m>
+                            <m:oMathPara xmlns:m="http://schemas.openxmlformats.org/officeDocument/2006/math">
+                              <m:oMathParaPr>
+                                <m:jc m:val="centerGroup"/>
+                              </m:oMathParaPr>
+                              <m:oMath xmlns:m="http://schemas.openxmlformats.org/officeDocument/2006/math">
+                                <m:r>
+                                  <a:rPr lang="it-IT" sz="1600" smtClean="0">
+                                    <a:latin typeface="Cambria Math"/>
+                                  </a:rPr>
+                                  <m:t>0</m:t>
+                                </m:r>
+                              </m:oMath>
+                            </m:oMathPara>
+                          </a14:m>
+                          <a:endParaRPr lang="it-IT" sz="1600" dirty="0"/>
+                        </a:p>
+                      </a:txBody>
+                      <a:tcPr/>
+                    </a:tc>
+                    <a:tc>
+                      <a:txBody>
+                        <a:bodyPr/>
+                        <a:lstStyle/>
+                        <a:p>
+                          <a:r>
+                            <a:rPr lang="it-IT" sz="1600" b="1" dirty="0" err="1" smtClean="0"/>
+                            <a:t>Static</a:t>
+                          </a:r>
+                          <a:r>
+                            <a:rPr lang="it-IT" sz="1600" b="1" dirty="0" smtClean="0"/>
+                            <a:t> </a:t>
+                          </a:r>
+                          <a:r>
+                            <a:rPr lang="it-IT" sz="1600" b="1" dirty="0" err="1" smtClean="0"/>
+                            <a:t>object</a:t>
+                          </a:r>
+                          <a:endParaRPr lang="it-IT" sz="1600" b="1" dirty="0"/>
+                        </a:p>
+                      </a:txBody>
+                      <a:tcPr/>
+                    </a:tc>
+                  </a:tr>
+                  <a:tr h="196302">
+                    <a:tc>
+                      <a:txBody>
+                        <a:bodyPr/>
+                        <a:lstStyle/>
+                        <a:p>
+                          <a:pPr algn="ctr"/>
+                          <a14:m>
+                            <m:oMathPara xmlns:m="http://schemas.openxmlformats.org/officeDocument/2006/math">
+                              <m:oMathParaPr>
+                                <m:jc m:val="centerGroup"/>
+                              </m:oMathParaPr>
+                              <m:oMath xmlns:m="http://schemas.openxmlformats.org/officeDocument/2006/math">
+                                <m:r>
+                                  <a:rPr lang="it-IT" sz="1600" smtClean="0">
+                                    <a:latin typeface="Cambria Math"/>
+                                  </a:rPr>
+                                  <m:t>1</m:t>
+                                </m:r>
+                              </m:oMath>
+                            </m:oMathPara>
+                          </a14:m>
+                          <a:endParaRPr lang="it-IT" sz="1600" dirty="0"/>
+                        </a:p>
+                      </a:txBody>
+                      <a:tcPr/>
+                    </a:tc>
+                    <a:tc>
+                      <a:txBody>
+                        <a:bodyPr/>
+                        <a:lstStyle/>
+                        <a:p>
+                          <a:pPr algn="ctr"/>
+                          <a14:m>
+                            <m:oMathPara xmlns:m="http://schemas.openxmlformats.org/officeDocument/2006/math">
+                              <m:oMathParaPr>
+                                <m:jc m:val="centerGroup"/>
+                              </m:oMathParaPr>
+                              <m:oMath xmlns:m="http://schemas.openxmlformats.org/officeDocument/2006/math">
+                                <m:r>
+                                  <a:rPr lang="it-IT" sz="1600" smtClean="0">
+                                    <a:latin typeface="Cambria Math"/>
+                                  </a:rPr>
+                                  <m:t>1</m:t>
+                                </m:r>
+                              </m:oMath>
+                            </m:oMathPara>
+                          </a14:m>
+                          <a:endParaRPr lang="it-IT" sz="1600" dirty="0"/>
+                        </a:p>
+                      </a:txBody>
+                      <a:tcPr/>
+                    </a:tc>
+                    <a:tc>
+                      <a:txBody>
+                        <a:bodyPr/>
+                        <a:lstStyle/>
+                        <a:p>
+                          <a:r>
+                            <a:rPr lang="it-IT" sz="1600" dirty="0" err="1" smtClean="0"/>
+                            <a:t>Foreground</a:t>
+                          </a:r>
+                          <a:endParaRPr lang="it-IT" sz="1600" dirty="0"/>
+                        </a:p>
+                      </a:txBody>
+                      <a:tcPr/>
+                    </a:tc>
+                  </a:tr>
+                </a:tbl>
+              </a:graphicData>
+            </a:graphic>
+          </p:graphicFrame>
+        </mc:Choice>
+        <mc:Fallback>
+          <p:graphicFrame>
+            <p:nvGraphicFramePr>
+              <p:cNvPr id="6" name="Tabella 5"/>
+              <p:cNvGraphicFramePr>
+                <a:graphicFrameLocks noGrp="1"/>
+              </p:cNvGraphicFramePr>
+              <p:nvPr>
+                <p:extLst>
+                  <p:ext uri="{D42A27DB-BD31-4B8C-83A1-F6EECF244321}">
+                    <p14:modId xmlns:p14="http://schemas.microsoft.com/office/powerpoint/2010/main" val="147801347"/>
+                  </p:ext>
+                </p:extLst>
+              </p:nvPr>
+            </p:nvGraphicFramePr>
+            <p:xfrm>
+              <a:off x="1979712" y="2469334"/>
+              <a:ext cx="5472608" cy="1751754"/>
+            </p:xfrm>
+            <a:graphic>
+              <a:graphicData uri="http://schemas.openxmlformats.org/drawingml/2006/table">
+                <a:tbl>
+                  <a:tblPr firstRow="1" bandRow="1">
+                    <a:tableStyleId>{D27102A9-8310-4765-A935-A1911B00CA55}</a:tableStyleId>
+                  </a:tblPr>
+                  <a:tblGrid>
+                    <a:gridCol w="1008112"/>
+                    <a:gridCol w="936104"/>
+                    <a:gridCol w="3528392"/>
+                  </a:tblGrid>
+                  <a:tr h="365760">
+                    <a:tc>
+                      <a:txBody>
+                        <a:bodyPr/>
+                        <a:lstStyle/>
+                        <a:p>
+                          <a:endParaRPr lang="it-IT"/>
+                        </a:p>
+                      </a:txBody>
+                      <a:tcPr>
+                        <a:blipFill rotWithShape="1">
+                          <a:blip r:embed="rId3"/>
+                          <a:stretch>
+                            <a:fillRect l="-606" r="-444242" b="-400000"/>
+                          </a:stretch>
+                        </a:blipFill>
+                      </a:tcPr>
+                    </a:tc>
+                    <a:tc>
+                      <a:txBody>
+                        <a:bodyPr/>
+                        <a:lstStyle/>
+                        <a:p>
+                          <a:endParaRPr lang="it-IT"/>
+                        </a:p>
+                      </a:txBody>
+                      <a:tcPr>
+                        <a:blipFill rotWithShape="1">
+                          <a:blip r:embed="rId3"/>
+                          <a:stretch>
+                            <a:fillRect l="-107792" r="-375974" b="-400000"/>
+                          </a:stretch>
+                        </a:blipFill>
+                      </a:tcPr>
+                    </a:tc>
+                    <a:tc>
+                      <a:txBody>
+                        <a:bodyPr/>
+                        <a:lstStyle/>
+                        <a:p>
+                          <a:endParaRPr lang="it-IT" dirty="0"/>
+                        </a:p>
+                      </a:txBody>
+                      <a:tcPr/>
+                    </a:tc>
+                  </a:tr>
+                  <a:tr h="350238">
+                    <a:tc>
+                      <a:txBody>
+                        <a:bodyPr/>
+                        <a:lstStyle/>
+                        <a:p>
+                          <a:endParaRPr lang="it-IT"/>
+                        </a:p>
+                      </a:txBody>
+                      <a:tcPr>
+                        <a:blipFill rotWithShape="1">
+                          <a:blip r:embed="rId3"/>
+                          <a:stretch>
+                            <a:fillRect l="-606" t="-105263" r="-444242" b="-321053"/>
+                          </a:stretch>
+                        </a:blipFill>
+                      </a:tcPr>
+                    </a:tc>
+                    <a:tc>
+                      <a:txBody>
+                        <a:bodyPr/>
+                        <a:lstStyle/>
+                        <a:p>
+                          <a:endParaRPr lang="it-IT"/>
+                        </a:p>
+                      </a:txBody>
+                      <a:tcPr>
+                        <a:blipFill rotWithShape="1">
+                          <a:blip r:embed="rId3"/>
+                          <a:stretch>
+                            <a:fillRect l="-107792" t="-105263" r="-375974" b="-321053"/>
+                          </a:stretch>
+                        </a:blipFill>
+                      </a:tcPr>
+                    </a:tc>
+                    <a:tc>
+                      <a:txBody>
+                        <a:bodyPr/>
+                        <a:lstStyle/>
+                        <a:p>
+                          <a:r>
+                            <a:rPr lang="it-IT" sz="1600" dirty="0" smtClean="0"/>
+                            <a:t>Background</a:t>
+                          </a:r>
+                          <a:endParaRPr lang="it-IT" sz="1600" dirty="0"/>
+                        </a:p>
+                      </a:txBody>
+                      <a:tcPr/>
+                    </a:tc>
+                  </a:tr>
+                  <a:tr h="350238">
+                    <a:tc>
+                      <a:txBody>
+                        <a:bodyPr/>
+                        <a:lstStyle/>
+                        <a:p>
+                          <a:endParaRPr lang="it-IT"/>
+                        </a:p>
+                      </a:txBody>
+                      <a:tcPr>
+                        <a:blipFill rotWithShape="1">
+                          <a:blip r:embed="rId3"/>
+                          <a:stretch>
+                            <a:fillRect l="-606" t="-201724" r="-444242" b="-215517"/>
+                          </a:stretch>
+                        </a:blipFill>
+                      </a:tcPr>
+                    </a:tc>
+                    <a:tc>
+                      <a:txBody>
+                        <a:bodyPr/>
+                        <a:lstStyle/>
+                        <a:p>
+                          <a:endParaRPr lang="it-IT"/>
+                        </a:p>
+                      </a:txBody>
+                      <a:tcPr>
+                        <a:blipFill rotWithShape="1">
+                          <a:blip r:embed="rId3"/>
+                          <a:stretch>
+                            <a:fillRect l="-107792" t="-201724" r="-375974" b="-215517"/>
+                          </a:stretch>
+                        </a:blipFill>
+                      </a:tcPr>
+                    </a:tc>
+                    <a:tc>
+                      <a:txBody>
+                        <a:bodyPr/>
+                        <a:lstStyle/>
+                        <a:p>
+                          <a:r>
+                            <a:rPr lang="it-IT" sz="1600" dirty="0" smtClean="0"/>
+                            <a:t>Background pixel </a:t>
+                          </a:r>
+                          <a:r>
+                            <a:rPr lang="it-IT" sz="1600" dirty="0" err="1" smtClean="0"/>
+                            <a:t>that</a:t>
+                          </a:r>
+                          <a:r>
+                            <a:rPr lang="it-IT" sz="1600" dirty="0" smtClean="0"/>
+                            <a:t> </a:t>
+                          </a:r>
+                          <a:r>
+                            <a:rPr lang="it-IT" sz="1600" dirty="0" err="1" smtClean="0"/>
+                            <a:t>was</a:t>
+                          </a:r>
+                          <a:r>
+                            <a:rPr lang="it-IT" sz="1600" dirty="0" smtClean="0"/>
+                            <a:t> </a:t>
+                          </a:r>
+                          <a:r>
+                            <a:rPr lang="it-IT" sz="1600" dirty="0" err="1" smtClean="0"/>
+                            <a:t>occluded</a:t>
+                          </a:r>
+                          <a:endParaRPr lang="it-IT" sz="1600" dirty="0"/>
+                        </a:p>
+                      </a:txBody>
+                      <a:tcPr/>
+                    </a:tc>
+                  </a:tr>
+                  <a:tr h="350238">
+                    <a:tc>
+                      <a:txBody>
+                        <a:bodyPr/>
+                        <a:lstStyle/>
+                        <a:p>
+                          <a:endParaRPr lang="it-IT"/>
+                        </a:p>
+                      </a:txBody>
+                      <a:tcPr>
+                        <a:blipFill rotWithShape="1">
+                          <a:blip r:embed="rId3"/>
+                          <a:stretch>
+                            <a:fillRect l="-606" t="-307018" r="-444242" b="-119298"/>
+                          </a:stretch>
+                        </a:blipFill>
+                      </a:tcPr>
+                    </a:tc>
+                    <a:tc>
+                      <a:txBody>
+                        <a:bodyPr/>
+                        <a:lstStyle/>
+                        <a:p>
+                          <a:endParaRPr lang="it-IT"/>
+                        </a:p>
+                      </a:txBody>
+                      <a:tcPr>
+                        <a:blipFill rotWithShape="1">
+                          <a:blip r:embed="rId3"/>
+                          <a:stretch>
+                            <a:fillRect l="-107792" t="-307018" r="-375974" b="-119298"/>
+                          </a:stretch>
+                        </a:blipFill>
+                      </a:tcPr>
+                    </a:tc>
+                    <a:tc>
+                      <a:txBody>
+                        <a:bodyPr/>
+                        <a:lstStyle/>
+                        <a:p>
+                          <a:r>
+                            <a:rPr lang="it-IT" sz="1600" b="1" dirty="0" err="1" smtClean="0"/>
+                            <a:t>Static</a:t>
+                          </a:r>
+                          <a:r>
+                            <a:rPr lang="it-IT" sz="1600" b="1" dirty="0" smtClean="0"/>
+                            <a:t> </a:t>
+                          </a:r>
+                          <a:r>
+                            <a:rPr lang="it-IT" sz="1600" b="1" dirty="0" err="1" smtClean="0"/>
+                            <a:t>object</a:t>
+                          </a:r>
+                          <a:endParaRPr lang="it-IT" sz="1600" b="1" dirty="0"/>
+                        </a:p>
+                      </a:txBody>
+                      <a:tcPr/>
+                    </a:tc>
+                  </a:tr>
+                  <a:tr h="335280">
+                    <a:tc>
+                      <a:txBody>
+                        <a:bodyPr/>
+                        <a:lstStyle/>
+                        <a:p>
+                          <a:endParaRPr lang="it-IT"/>
+                        </a:p>
+                      </a:txBody>
+                      <a:tcPr>
+                        <a:blipFill rotWithShape="1">
+                          <a:blip r:embed="rId3"/>
+                          <a:stretch>
+                            <a:fillRect l="-606" t="-421818" r="-444242" b="-23636"/>
+                          </a:stretch>
+                        </a:blipFill>
+                      </a:tcPr>
+                    </a:tc>
+                    <a:tc>
+                      <a:txBody>
+                        <a:bodyPr/>
+                        <a:lstStyle/>
+                        <a:p>
+                          <a:endParaRPr lang="it-IT"/>
+                        </a:p>
+                      </a:txBody>
+                      <a:tcPr>
+                        <a:blipFill rotWithShape="1">
+                          <a:blip r:embed="rId3"/>
+                          <a:stretch>
+                            <a:fillRect l="-107792" t="-421818" r="-375974" b="-23636"/>
+                          </a:stretch>
+                        </a:blipFill>
+                      </a:tcPr>
+                    </a:tc>
+                    <a:tc>
+                      <a:txBody>
+                        <a:bodyPr/>
+                        <a:lstStyle/>
+                        <a:p>
+                          <a:r>
+                            <a:rPr lang="it-IT" sz="1600" dirty="0" err="1" smtClean="0"/>
+                            <a:t>Foreground</a:t>
+                          </a:r>
+                          <a:endParaRPr lang="it-IT" sz="1600" dirty="0"/>
+                        </a:p>
+                      </a:txBody>
+                      <a:tcPr/>
+                    </a:tc>
+                  </a:tr>
+                </a:tbl>
+              </a:graphicData>
+            </a:graphic>
+          </p:graphicFrame>
+        </mc:Fallback>
+      </mc:AlternateContent>
+    </p:spTree>
+    <p:extLst>
+      <p:ext uri="{BB962C8B-B14F-4D97-AF65-F5344CB8AC3E}">
+        <p14:creationId xmlns:p14="http://schemas.microsoft.com/office/powerpoint/2010/main" val="3962545062"/>
+      </p:ext>
+    </p:extLst>
+  </p:cSld>
+  <p:clrMapOvr>
+    <a:masterClrMapping/>
+  </p:clrMapOvr>
+  <p:timing>
+    <p:tnLst>
+      <p:par>
+        <p:cTn id="1" dur="indefinite" restart="never" nodeType="tmRoot"/>
+      </p:par>
+    </p:tnLst>
+  </p:timing>
+</p:sld>
+</file>
+
+<file path=ppt/slides/slide7.xml><?xml version="1.0" encoding="utf-8"?>
+<p:sld xmlns:a="http://schemas.openxmlformats.org/drawingml/2006/main" xmlns:r="http://schemas.openxmlformats.org/officeDocument/2006/relationships" xmlns:p="http://schemas.openxmlformats.org/presentationml/2006/main">
+  <p:cSld>
+    <p:spTree>
+      <p:nvGrpSpPr>
+        <p:cNvPr id="1" name=""/>
+        <p:cNvGrpSpPr/>
+        <p:nvPr/>
+      </p:nvGrpSpPr>
+      <p:grpSpPr>
+        <a:xfrm>
+          <a:off x="0" y="0"/>
+          <a:ext cx="0" cy="0"/>
+          <a:chOff x="0" y="0"/>
+          <a:chExt cx="0" cy="0"/>
+        </a:xfrm>
+      </p:grpSpPr>
+      <p:sp>
+        <p:nvSpPr>
+          <p:cNvPr id="2" name="Titolo 1"/>
+          <p:cNvSpPr>
+            <a:spLocks noGrp="1"/>
+          </p:cNvSpPr>
+          <p:nvPr>
+            <p:ph type="title"/>
+          </p:nvPr>
+        </p:nvSpPr>
+        <p:spPr/>
+        <p:txBody>
+          <a:bodyPr/>
+          <a:lstStyle/>
+          <a:p>
+            <a:r>
               <a:rPr lang="it-IT" dirty="0" err="1" smtClean="0"/>
-              <a:t>Thanks</a:t>
+              <a:t>Aggregator</a:t>
+            </a:r>
+            <a:r>
+              <a:rPr lang="it-IT" dirty="0" smtClean="0"/>
+              <a:t> </a:t>
+            </a:r>
+            <a:r>
+              <a:rPr lang="it-IT" dirty="0"/>
+              <a:t>update </a:t>
+            </a:r>
+            <a:r>
+              <a:rPr lang="it-IT" dirty="0" err="1"/>
+              <a:t>rule</a:t>
+            </a:r>
+            <a:endParaRPr lang="it-IT" dirty="0"/>
+          </a:p>
+        </p:txBody>
+      </p:sp>
+      <p:sp>
+        <p:nvSpPr>
+          <p:cNvPr id="3" name="Segnaposto contenuto 2"/>
+          <p:cNvSpPr>
+            <a:spLocks noGrp="1"/>
+          </p:cNvSpPr>
+          <p:nvPr>
+            <p:ph idx="1"/>
+          </p:nvPr>
+        </p:nvSpPr>
+        <p:spPr/>
+        <p:txBody>
+          <a:bodyPr/>
+          <a:lstStyle/>
+          <a:p>
+            <a:r>
+              <a:rPr lang="it-IT" sz="2800" dirty="0"/>
+              <a:t>The </a:t>
+            </a:r>
+            <a:r>
+              <a:rPr lang="it-IT" sz="2800" dirty="0" err="1"/>
+              <a:t>aggregator</a:t>
+            </a:r>
+            <a:r>
+              <a:rPr lang="it-IT" sz="2800" dirty="0"/>
+              <a:t> update </a:t>
+            </a:r>
+            <a:r>
+              <a:rPr lang="it-IT" sz="2800" dirty="0" err="1"/>
+              <a:t>rule</a:t>
+            </a:r>
+            <a:r>
+              <a:rPr lang="it-IT" sz="2800" dirty="0"/>
+              <a:t> </a:t>
+            </a:r>
+            <a:r>
+              <a:rPr lang="it-IT" sz="2800" dirty="0" err="1"/>
+              <a:t>is</a:t>
+            </a:r>
+            <a:r>
+              <a:rPr lang="it-IT" sz="2800" dirty="0"/>
+              <a:t> the </a:t>
+            </a:r>
+            <a:r>
+              <a:rPr lang="it-IT" sz="2800" dirty="0" err="1"/>
+              <a:t>following</a:t>
+            </a:r>
+            <a:r>
+              <a:rPr lang="it-IT" sz="2800" dirty="0" smtClean="0"/>
+              <a:t>:</a:t>
+            </a:r>
+          </a:p>
+          <a:p>
+            <a:endParaRPr lang="it-IT" sz="2800" dirty="0"/>
+          </a:p>
+          <a:p>
+            <a:endParaRPr lang="it-IT" sz="2800" dirty="0" smtClean="0"/>
+          </a:p>
+          <a:p>
+            <a:endParaRPr lang="it-IT" sz="2800" dirty="0"/>
+          </a:p>
+          <a:p>
+            <a:endParaRPr lang="it-IT" sz="2800" dirty="0" smtClean="0"/>
+          </a:p>
+          <a:p>
+            <a:r>
+              <a:rPr lang="it-IT" sz="2800" dirty="0"/>
+              <a:t>A set of </a:t>
+            </a:r>
+            <a:r>
+              <a:rPr lang="it-IT" sz="2800" dirty="0" err="1"/>
+              <a:t>bounding</a:t>
+            </a:r>
+            <a:r>
+              <a:rPr lang="it-IT" sz="2800" dirty="0"/>
+              <a:t> box of </a:t>
+            </a:r>
+            <a:r>
+              <a:rPr lang="it-IT" sz="2800" dirty="0" err="1"/>
+              <a:t>intensity-based</a:t>
+            </a:r>
+            <a:r>
+              <a:rPr lang="it-IT" sz="2800" dirty="0"/>
+              <a:t> </a:t>
+            </a:r>
+            <a:r>
+              <a:rPr lang="it-IT" sz="2800" dirty="0" err="1"/>
+              <a:t>proposals</a:t>
+            </a:r>
+            <a:r>
+              <a:rPr lang="it-IT" sz="2800" dirty="0"/>
+              <a:t> </a:t>
+            </a:r>
+            <a:r>
+              <a:rPr lang="it-IT" sz="2800" dirty="0" err="1"/>
+              <a:t>is</a:t>
+            </a:r>
+            <a:r>
+              <a:rPr lang="it-IT" sz="2800" dirty="0"/>
+              <a:t> </a:t>
+            </a:r>
+            <a:r>
+              <a:rPr lang="it-IT" sz="2800" dirty="0" err="1"/>
+              <a:t>obtained</a:t>
+            </a:r>
+            <a:r>
+              <a:rPr lang="it-IT" sz="2800" dirty="0"/>
+              <a:t>.</a:t>
+            </a:r>
+          </a:p>
+          <a:p>
+            <a:pPr marL="0" indent="0">
+              <a:buNone/>
+            </a:pPr>
+            <a:endParaRPr lang="it-IT" dirty="0"/>
+          </a:p>
+          <a:p>
+            <a:endParaRPr lang="it-IT" dirty="0" smtClean="0"/>
+          </a:p>
+        </p:txBody>
+      </p:sp>
+      <p:sp>
+        <p:nvSpPr>
+          <p:cNvPr id="4" name="Segnaposto contenuto 3"/>
+          <p:cNvSpPr>
+            <a:spLocks noGrp="1"/>
+          </p:cNvSpPr>
+          <p:nvPr>
+            <p:ph sz="quarter" idx="11"/>
+          </p:nvPr>
+        </p:nvSpPr>
+        <p:spPr/>
+        <p:txBody>
+          <a:bodyPr/>
+          <a:lstStyle/>
+          <a:p>
+            <a:r>
+              <a:rPr lang="it-IT" dirty="0" err="1" smtClean="0"/>
+              <a:t>Intensity</a:t>
+            </a:r>
+            <a:r>
+              <a:rPr lang="it-IT" dirty="0" smtClean="0"/>
+              <a:t> processing</a:t>
+            </a:r>
+            <a:endParaRPr lang="it-IT" dirty="0"/>
+          </a:p>
+        </p:txBody>
+      </p:sp>
+      <mc:AlternateContent xmlns:mc="http://schemas.openxmlformats.org/markup-compatibility/2006">
+        <mc:Choice xmlns:a14="http://schemas.microsoft.com/office/drawing/2010/main" Requires="a14">
+          <p:graphicFrame>
+            <p:nvGraphicFramePr>
+              <p:cNvPr id="5" name="Tabella 4"/>
+              <p:cNvGraphicFramePr>
+                <a:graphicFrameLocks noGrp="1"/>
+              </p:cNvGraphicFramePr>
+              <p:nvPr>
+                <p:extLst>
+                  <p:ext uri="{D42A27DB-BD31-4B8C-83A1-F6EECF244321}">
+                    <p14:modId xmlns:p14="http://schemas.microsoft.com/office/powerpoint/2010/main" val="2541282363"/>
+                  </p:ext>
+                </p:extLst>
+              </p:nvPr>
+            </p:nvGraphicFramePr>
+            <p:xfrm>
+              <a:off x="1547664" y="2564904"/>
+              <a:ext cx="6096000" cy="1854200"/>
+            </p:xfrm>
+            <a:graphic>
+              <a:graphicData uri="http://schemas.openxmlformats.org/drawingml/2006/table">
+                <a:tbl>
+                  <a:tblPr firstRow="1" bandRow="1">
+                    <a:tableStyleId>{D27102A9-8310-4765-A935-A1911B00CA55}</a:tableStyleId>
+                  </a:tblPr>
+                  <a:tblGrid>
+                    <a:gridCol w="2520280"/>
+                    <a:gridCol w="3575720"/>
+                  </a:tblGrid>
+                  <a:tr h="370840">
+                    <a:tc>
+                      <a:txBody>
+                        <a:bodyPr/>
+                        <a:lstStyle/>
+                        <a:p>
+                          <a:pPr algn="ctr"/>
+                          <a:r>
+                            <a:rPr lang="it-IT" b="1" dirty="0" smtClean="0"/>
+                            <a:t>Update</a:t>
+                          </a:r>
+                          <a:r>
+                            <a:rPr lang="it-IT" b="1" baseline="0" dirty="0" smtClean="0"/>
+                            <a:t> </a:t>
+                          </a:r>
+                          <a:r>
+                            <a:rPr lang="it-IT" b="1" baseline="0" dirty="0" err="1" smtClean="0"/>
+                            <a:t>rule</a:t>
+                          </a:r>
+                          <a:r>
+                            <a:rPr lang="it-IT" b="1" baseline="0" dirty="0" smtClean="0"/>
+                            <a:t> </a:t>
+                          </a:r>
+                          <a14:m>
+                            <m:oMath xmlns:m="http://schemas.openxmlformats.org/officeDocument/2006/math">
+                              <m:r>
+                                <a:rPr lang="it-IT" b="1" i="1" smtClean="0">
+                                  <a:latin typeface="Cambria Math"/>
+                                </a:rPr>
+                                <m:t>𝑬</m:t>
+                              </m:r>
+                              <m:d>
+                                <m:dPr>
+                                  <m:ctrlPr>
+                                    <a:rPr lang="it-IT" b="1" i="1" smtClean="0">
+                                      <a:latin typeface="Cambria Math"/>
+                                    </a:rPr>
+                                  </m:ctrlPr>
+                                </m:dPr>
+                                <m:e>
+                                  <m:r>
+                                    <a:rPr lang="it-IT" b="1" i="1" smtClean="0">
+                                      <a:latin typeface="Cambria Math"/>
+                                    </a:rPr>
+                                    <m:t>𝒙</m:t>
+                                  </m:r>
+                                  <m:r>
+                                    <a:rPr lang="it-IT" b="1" i="1" smtClean="0">
+                                      <a:latin typeface="Cambria Math"/>
+                                    </a:rPr>
+                                    <m:t>,</m:t>
+                                  </m:r>
+                                  <m:r>
+                                    <a:rPr lang="it-IT" b="1" i="1" smtClean="0">
+                                      <a:latin typeface="Cambria Math"/>
+                                    </a:rPr>
+                                    <m:t>𝒚</m:t>
+                                  </m:r>
+                                </m:e>
+                              </m:d>
+                            </m:oMath>
+                          </a14:m>
+                          <a:endParaRPr lang="it-IT" b="1" dirty="0"/>
+                        </a:p>
+                      </a:txBody>
+                      <a:tcPr/>
+                    </a:tc>
+                    <a:tc>
+                      <a:txBody>
+                        <a:bodyPr/>
+                        <a:lstStyle/>
+                        <a:p>
+                          <a:pPr algn="ctr"/>
+                          <a:r>
+                            <a:rPr lang="it-IT" dirty="0" err="1" smtClean="0"/>
+                            <a:t>Condition</a:t>
+                          </a:r>
+                          <a:endParaRPr lang="it-IT" dirty="0"/>
+                        </a:p>
+                      </a:txBody>
+                      <a:tcPr/>
+                    </a:tc>
+                  </a:tr>
+                  <a:tr h="370840">
+                    <a:tc>
+                      <a:txBody>
+                        <a:bodyPr/>
+                        <a:lstStyle/>
+                        <a:p>
+                          <a:pPr marL="0" marR="0" indent="0" algn="ctr" defTabSz="914400" rtl="0" eaLnBrk="1" fontAlgn="auto" latinLnBrk="0" hangingPunct="1">
+                            <a:lnSpc>
+                              <a:spcPct val="100000"/>
+                            </a:lnSpc>
+                            <a:spcBef>
+                              <a:spcPts val="0"/>
+                            </a:spcBef>
+                            <a:spcAft>
+                              <a:spcPts val="0"/>
+                            </a:spcAft>
+                            <a:buClrTx/>
+                            <a:buSzTx/>
+                            <a:buFontTx/>
+                            <a:buNone/>
+                            <a:tabLst/>
+                            <a:defRPr/>
+                          </a:pPr>
+                          <a14:m>
+                            <m:oMathPara xmlns:m="http://schemas.openxmlformats.org/officeDocument/2006/math">
+                              <m:oMathParaPr>
+                                <m:jc m:val="centerGroup"/>
+                              </m:oMathParaPr>
+                              <m:oMath xmlns:m="http://schemas.openxmlformats.org/officeDocument/2006/math">
+                                <m:r>
+                                  <a:rPr lang="it-IT" b="0" i="1" smtClean="0">
+                                    <a:latin typeface="Cambria Math"/>
+                                  </a:rPr>
+                                  <m:t>𝐸</m:t>
+                                </m:r>
+                                <m:d>
+                                  <m:dPr>
+                                    <m:ctrlPr>
+                                      <a:rPr lang="it-IT" b="0" i="1" smtClean="0">
+                                        <a:latin typeface="Cambria Math"/>
+                                      </a:rPr>
+                                    </m:ctrlPr>
+                                  </m:dPr>
+                                  <m:e>
+                                    <m:r>
+                                      <a:rPr lang="it-IT" b="0" i="1" smtClean="0">
+                                        <a:latin typeface="Cambria Math"/>
+                                      </a:rPr>
+                                      <m:t>𝑥</m:t>
+                                    </m:r>
+                                    <m:r>
+                                      <a:rPr lang="it-IT" b="0" i="1" smtClean="0">
+                                        <a:latin typeface="Cambria Math"/>
+                                      </a:rPr>
+                                      <m:t>,</m:t>
+                                    </m:r>
+                                    <m:r>
+                                      <a:rPr lang="it-IT" b="0" i="1" smtClean="0">
+                                        <a:latin typeface="Cambria Math"/>
+                                      </a:rPr>
+                                      <m:t>𝑦</m:t>
+                                    </m:r>
+                                  </m:e>
+                                </m:d>
+                                <m:r>
+                                  <a:rPr lang="it-IT" b="0" i="1" smtClean="0">
+                                    <a:latin typeface="Cambria Math"/>
+                                  </a:rPr>
+                                  <m:t>+1</m:t>
+                                </m:r>
+                              </m:oMath>
+                            </m:oMathPara>
+                          </a14:m>
+                          <a:endParaRPr lang="it-IT" dirty="0"/>
+                        </a:p>
+                      </a:txBody>
+                      <a:tcPr/>
+                    </a:tc>
+                    <a:tc>
+                      <a:txBody>
+                        <a:bodyPr/>
+                        <a:lstStyle/>
+                        <a:p>
+                          <a:pPr algn="ctr"/>
+                          <a14:m>
+                            <m:oMathPara xmlns:m="http://schemas.openxmlformats.org/officeDocument/2006/math">
+                              <m:oMathParaPr>
+                                <m:jc m:val="centerGroup"/>
+                              </m:oMathParaPr>
+                              <m:oMath xmlns:m="http://schemas.openxmlformats.org/officeDocument/2006/math">
+                                <m:sSub>
+                                  <m:sSubPr>
+                                    <m:ctrlPr>
+                                      <a:rPr lang="it-IT" b="0" i="1" smtClean="0">
+                                        <a:latin typeface="Cambria Math"/>
+                                      </a:rPr>
+                                    </m:ctrlPr>
+                                  </m:sSubPr>
+                                  <m:e>
+                                    <m:r>
+                                      <a:rPr lang="it-IT" b="0" i="1" smtClean="0">
+                                        <a:latin typeface="Cambria Math"/>
+                                      </a:rPr>
+                                      <m:t>𝐹</m:t>
+                                    </m:r>
+                                  </m:e>
+                                  <m:sub>
+                                    <m:r>
+                                      <a:rPr lang="it-IT" b="0" i="1" smtClean="0">
+                                        <a:latin typeface="Cambria Math"/>
+                                      </a:rPr>
+                                      <m:t>𝐿</m:t>
+                                    </m:r>
+                                  </m:sub>
+                                </m:sSub>
+                                <m:d>
+                                  <m:dPr>
+                                    <m:ctrlPr>
+                                      <a:rPr lang="it-IT" b="0" i="1" smtClean="0">
+                                        <a:latin typeface="Cambria Math"/>
+                                      </a:rPr>
+                                    </m:ctrlPr>
+                                  </m:dPr>
+                                  <m:e>
+                                    <m:r>
+                                      <a:rPr lang="it-IT" b="0" i="1" smtClean="0">
+                                        <a:latin typeface="Cambria Math"/>
+                                      </a:rPr>
+                                      <m:t>𝑥</m:t>
+                                    </m:r>
+                                    <m:r>
+                                      <a:rPr lang="it-IT" b="0" i="1" smtClean="0">
+                                        <a:latin typeface="Cambria Math"/>
+                                      </a:rPr>
+                                      <m:t>,</m:t>
+                                    </m:r>
+                                    <m:r>
+                                      <a:rPr lang="it-IT" b="0" i="1" smtClean="0">
+                                        <a:latin typeface="Cambria Math"/>
+                                      </a:rPr>
+                                      <m:t>𝑦</m:t>
+                                    </m:r>
+                                  </m:e>
+                                </m:d>
+                                <m:r>
+                                  <a:rPr lang="it-IT" b="0" i="1" smtClean="0">
+                                    <a:latin typeface="Cambria Math"/>
+                                  </a:rPr>
+                                  <m:t>=1</m:t>
+                                </m:r>
+                                <m:r>
+                                  <a:rPr lang="it-IT" b="0" i="1" smtClean="0">
+                                    <a:latin typeface="Cambria Math"/>
+                                    <a:ea typeface="Cambria Math"/>
+                                  </a:rPr>
+                                  <m:t>∧</m:t>
+                                </m:r>
+                                <m:sSub>
+                                  <m:sSubPr>
+                                    <m:ctrlPr>
+                                      <a:rPr lang="it-IT" b="0" i="1" smtClean="0">
+                                        <a:latin typeface="Cambria Math"/>
+                                      </a:rPr>
+                                    </m:ctrlPr>
+                                  </m:sSubPr>
+                                  <m:e>
+                                    <m:r>
+                                      <a:rPr lang="it-IT" b="0" i="1" smtClean="0">
+                                        <a:latin typeface="Cambria Math"/>
+                                      </a:rPr>
+                                      <m:t>𝐹</m:t>
+                                    </m:r>
+                                  </m:e>
+                                  <m:sub>
+                                    <m:r>
+                                      <a:rPr lang="it-IT" b="0" i="1" smtClean="0">
+                                        <a:latin typeface="Cambria Math"/>
+                                      </a:rPr>
+                                      <m:t>𝑆</m:t>
+                                    </m:r>
+                                  </m:sub>
+                                </m:sSub>
+                                <m:d>
+                                  <m:dPr>
+                                    <m:ctrlPr>
+                                      <a:rPr lang="it-IT" b="0" i="1" smtClean="0">
+                                        <a:latin typeface="Cambria Math"/>
+                                      </a:rPr>
+                                    </m:ctrlPr>
+                                  </m:dPr>
+                                  <m:e>
+                                    <m:r>
+                                      <a:rPr lang="it-IT" b="0" i="1" smtClean="0">
+                                        <a:latin typeface="Cambria Math"/>
+                                      </a:rPr>
+                                      <m:t>𝑥</m:t>
+                                    </m:r>
+                                    <m:r>
+                                      <a:rPr lang="it-IT" b="0" i="1" smtClean="0">
+                                        <a:latin typeface="Cambria Math"/>
+                                      </a:rPr>
+                                      <m:t>,</m:t>
+                                    </m:r>
+                                    <m:r>
+                                      <a:rPr lang="it-IT" b="0" i="1" smtClean="0">
+                                        <a:latin typeface="Cambria Math"/>
+                                      </a:rPr>
+                                      <m:t>𝑦</m:t>
+                                    </m:r>
+                                  </m:e>
+                                </m:d>
+                                <m:r>
+                                  <a:rPr lang="it-IT" b="0" i="1" smtClean="0">
+                                    <a:latin typeface="Cambria Math"/>
+                                  </a:rPr>
+                                  <m:t>=0</m:t>
+                                </m:r>
+                              </m:oMath>
+                            </m:oMathPara>
+                          </a14:m>
+                          <a:endParaRPr lang="it-IT" dirty="0"/>
+                        </a:p>
+                      </a:txBody>
+                      <a:tcPr/>
+                    </a:tc>
+                  </a:tr>
+                  <a:tr h="370840">
+                    <a:tc>
+                      <a:txBody>
+                        <a:bodyPr/>
+                        <a:lstStyle/>
+                        <a:p>
+                          <a:pPr marL="0" marR="0" indent="0" algn="ctr" defTabSz="914400" rtl="0" eaLnBrk="1" fontAlgn="auto" latinLnBrk="0" hangingPunct="1">
+                            <a:lnSpc>
+                              <a:spcPct val="100000"/>
+                            </a:lnSpc>
+                            <a:spcBef>
+                              <a:spcPts val="0"/>
+                            </a:spcBef>
+                            <a:spcAft>
+                              <a:spcPts val="0"/>
+                            </a:spcAft>
+                            <a:buClrTx/>
+                            <a:buSzTx/>
+                            <a:buFontTx/>
+                            <a:buNone/>
+                            <a:tabLst/>
+                            <a:defRPr/>
+                          </a:pPr>
+                          <a14:m>
+                            <m:oMathPara xmlns:m="http://schemas.openxmlformats.org/officeDocument/2006/math">
+                              <m:oMathParaPr>
+                                <m:jc m:val="centerGroup"/>
+                              </m:oMathParaPr>
+                              <m:oMath xmlns:m="http://schemas.openxmlformats.org/officeDocument/2006/math">
+                                <m:r>
+                                  <a:rPr lang="it-IT" b="0" i="1" smtClean="0">
+                                    <a:latin typeface="Cambria Math"/>
+                                  </a:rPr>
+                                  <m:t>𝐸</m:t>
+                                </m:r>
+                                <m:d>
+                                  <m:dPr>
+                                    <m:ctrlPr>
+                                      <a:rPr lang="it-IT" b="0" i="1" smtClean="0">
+                                        <a:latin typeface="Cambria Math"/>
+                                      </a:rPr>
+                                    </m:ctrlPr>
+                                  </m:dPr>
+                                  <m:e>
+                                    <m:r>
+                                      <a:rPr lang="it-IT" b="0" i="1" smtClean="0">
+                                        <a:latin typeface="Cambria Math"/>
+                                      </a:rPr>
+                                      <m:t>𝑥</m:t>
+                                    </m:r>
+                                    <m:r>
+                                      <a:rPr lang="it-IT" b="0" i="1" smtClean="0">
+                                        <a:latin typeface="Cambria Math"/>
+                                      </a:rPr>
+                                      <m:t>,</m:t>
+                                    </m:r>
+                                    <m:r>
+                                      <a:rPr lang="it-IT" b="0" i="1" smtClean="0">
+                                        <a:latin typeface="Cambria Math"/>
+                                      </a:rPr>
+                                      <m:t>𝑦</m:t>
+                                    </m:r>
+                                  </m:e>
+                                </m:d>
+                                <m:r>
+                                  <a:rPr lang="it-IT" b="0" i="1" smtClean="0">
+                                    <a:latin typeface="Cambria Math"/>
+                                  </a:rPr>
+                                  <m:t>−</m:t>
+                                </m:r>
+                                <m:r>
+                                  <a:rPr lang="it-IT" b="0" i="1" smtClean="0">
+                                    <a:latin typeface="Cambria Math"/>
+                                  </a:rPr>
+                                  <m:t>𝑃𝐸𝑁𝐴𝐿𝑇𝑌</m:t>
+                                </m:r>
+                              </m:oMath>
+                            </m:oMathPara>
+                          </a14:m>
+                          <a:endParaRPr lang="it-IT" dirty="0"/>
+                        </a:p>
+                      </a:txBody>
+                      <a:tcPr/>
+                    </a:tc>
+                    <a:tc>
+                      <a:txBody>
+                        <a:bodyPr/>
+                        <a:lstStyle/>
+                        <a:p>
+                          <a:pPr marL="0" marR="0" indent="0" algn="ctr" defTabSz="914400" rtl="0" eaLnBrk="1" fontAlgn="auto" latinLnBrk="0" hangingPunct="1">
+                            <a:lnSpc>
+                              <a:spcPct val="100000"/>
+                            </a:lnSpc>
+                            <a:spcBef>
+                              <a:spcPts val="0"/>
+                            </a:spcBef>
+                            <a:spcAft>
+                              <a:spcPts val="0"/>
+                            </a:spcAft>
+                            <a:buClrTx/>
+                            <a:buSzTx/>
+                            <a:buFontTx/>
+                            <a:buNone/>
+                            <a:tabLst/>
+                            <a:defRPr/>
+                          </a:pPr>
+                          <a14:m>
+                            <m:oMathPara xmlns:m="http://schemas.openxmlformats.org/officeDocument/2006/math">
+                              <m:oMathParaPr>
+                                <m:jc m:val="centerGroup"/>
+                              </m:oMathParaPr>
+                              <m:oMath xmlns:m="http://schemas.openxmlformats.org/officeDocument/2006/math">
+                                <m:sSub>
+                                  <m:sSubPr>
+                                    <m:ctrlPr>
+                                      <a:rPr lang="it-IT" b="0" i="1" smtClean="0">
+                                        <a:latin typeface="Cambria Math"/>
+                                      </a:rPr>
+                                    </m:ctrlPr>
+                                  </m:sSubPr>
+                                  <m:e>
+                                    <m:r>
+                                      <a:rPr lang="it-IT" b="0" i="1" smtClean="0">
+                                        <a:latin typeface="Cambria Math"/>
+                                      </a:rPr>
+                                      <m:t>𝐹</m:t>
+                                    </m:r>
+                                  </m:e>
+                                  <m:sub>
+                                    <m:r>
+                                      <a:rPr lang="it-IT" b="0" i="1" smtClean="0">
+                                        <a:latin typeface="Cambria Math"/>
+                                      </a:rPr>
+                                      <m:t>𝐿</m:t>
+                                    </m:r>
+                                  </m:sub>
+                                </m:sSub>
+                                <m:d>
+                                  <m:dPr>
+                                    <m:ctrlPr>
+                                      <a:rPr lang="it-IT" b="0" i="1" smtClean="0">
+                                        <a:latin typeface="Cambria Math"/>
+                                      </a:rPr>
+                                    </m:ctrlPr>
+                                  </m:dPr>
+                                  <m:e>
+                                    <m:r>
+                                      <a:rPr lang="it-IT" b="0" i="1" smtClean="0">
+                                        <a:latin typeface="Cambria Math"/>
+                                      </a:rPr>
+                                      <m:t>𝑥</m:t>
+                                    </m:r>
+                                    <m:r>
+                                      <a:rPr lang="it-IT" b="0" i="1" smtClean="0">
+                                        <a:latin typeface="Cambria Math"/>
+                                      </a:rPr>
+                                      <m:t>,</m:t>
+                                    </m:r>
+                                    <m:r>
+                                      <a:rPr lang="it-IT" b="0" i="1" smtClean="0">
+                                        <a:latin typeface="Cambria Math"/>
+                                      </a:rPr>
+                                      <m:t>𝑦</m:t>
+                                    </m:r>
+                                  </m:e>
+                                </m:d>
+                                <m:r>
+                                  <a:rPr lang="it-IT" b="0" i="1" smtClean="0">
+                                    <a:latin typeface="Cambria Math"/>
+                                    <a:ea typeface="Cambria Math"/>
+                                  </a:rPr>
+                                  <m:t>≠</m:t>
+                                </m:r>
+                                <m:r>
+                                  <a:rPr lang="it-IT" b="0" i="1" smtClean="0">
+                                    <a:latin typeface="Cambria Math"/>
+                                  </a:rPr>
+                                  <m:t>1</m:t>
+                                </m:r>
+                                <m:r>
+                                  <a:rPr lang="it-IT" b="0" i="1" smtClean="0">
+                                    <a:latin typeface="Cambria Math"/>
+                                    <a:ea typeface="Cambria Math"/>
+                                  </a:rPr>
+                                  <m:t>∨</m:t>
+                                </m:r>
+                                <m:sSub>
+                                  <m:sSubPr>
+                                    <m:ctrlPr>
+                                      <a:rPr lang="it-IT" b="0" i="1" smtClean="0">
+                                        <a:latin typeface="Cambria Math"/>
+                                      </a:rPr>
+                                    </m:ctrlPr>
+                                  </m:sSubPr>
+                                  <m:e>
+                                    <m:r>
+                                      <a:rPr lang="it-IT" b="0" i="1" smtClean="0">
+                                        <a:latin typeface="Cambria Math"/>
+                                      </a:rPr>
+                                      <m:t>𝐹</m:t>
+                                    </m:r>
+                                  </m:e>
+                                  <m:sub>
+                                    <m:r>
+                                      <a:rPr lang="it-IT" b="0" i="1" smtClean="0">
+                                        <a:latin typeface="Cambria Math"/>
+                                      </a:rPr>
+                                      <m:t>𝑆</m:t>
+                                    </m:r>
+                                  </m:sub>
+                                </m:sSub>
+                                <m:d>
+                                  <m:dPr>
+                                    <m:ctrlPr>
+                                      <a:rPr lang="it-IT" b="0" i="1" smtClean="0">
+                                        <a:latin typeface="Cambria Math"/>
+                                      </a:rPr>
+                                    </m:ctrlPr>
+                                  </m:dPr>
+                                  <m:e>
+                                    <m:r>
+                                      <a:rPr lang="it-IT" b="0" i="1" smtClean="0">
+                                        <a:latin typeface="Cambria Math"/>
+                                      </a:rPr>
+                                      <m:t>𝑥</m:t>
+                                    </m:r>
+                                    <m:r>
+                                      <a:rPr lang="it-IT" b="0" i="1" smtClean="0">
+                                        <a:latin typeface="Cambria Math"/>
+                                      </a:rPr>
+                                      <m:t>,</m:t>
+                                    </m:r>
+                                    <m:r>
+                                      <a:rPr lang="it-IT" b="0" i="1" smtClean="0">
+                                        <a:latin typeface="Cambria Math"/>
+                                      </a:rPr>
+                                      <m:t>𝑦</m:t>
+                                    </m:r>
+                                  </m:e>
+                                </m:d>
+                                <m:r>
+                                  <a:rPr lang="it-IT" b="0" i="1" smtClean="0">
+                                    <a:latin typeface="Cambria Math"/>
+                                    <a:ea typeface="Cambria Math"/>
+                                  </a:rPr>
+                                  <m:t>≠</m:t>
+                                </m:r>
+                                <m:r>
+                                  <a:rPr lang="it-IT" b="0" i="1" smtClean="0">
+                                    <a:latin typeface="Cambria Math"/>
+                                  </a:rPr>
+                                  <m:t>0</m:t>
+                                </m:r>
+                              </m:oMath>
+                            </m:oMathPara>
+                          </a14:m>
+                          <a:endParaRPr lang="it-IT" dirty="0"/>
+                        </a:p>
+                      </a:txBody>
+                      <a:tcPr/>
+                    </a:tc>
+                  </a:tr>
+                  <a:tr h="370840">
+                    <a:tc>
+                      <a:txBody>
+                        <a:bodyPr/>
+                        <a:lstStyle/>
+                        <a:p>
+                          <a:pPr marL="0" marR="0" indent="0" algn="ctr" defTabSz="914400" rtl="0" eaLnBrk="1" fontAlgn="auto" latinLnBrk="0" hangingPunct="1">
+                            <a:lnSpc>
+                              <a:spcPct val="100000"/>
+                            </a:lnSpc>
+                            <a:spcBef>
+                              <a:spcPts val="0"/>
+                            </a:spcBef>
+                            <a:spcAft>
+                              <a:spcPts val="0"/>
+                            </a:spcAft>
+                            <a:buClrTx/>
+                            <a:buSzTx/>
+                            <a:buFontTx/>
+                            <a:buNone/>
+                            <a:tabLst/>
+                            <a:defRPr/>
+                          </a:pPr>
+                          <a14:m>
+                            <m:oMathPara xmlns:m="http://schemas.openxmlformats.org/officeDocument/2006/math">
+                              <m:oMathParaPr>
+                                <m:jc m:val="centerGroup"/>
+                              </m:oMathParaPr>
+                              <m:oMath xmlns:m="http://schemas.openxmlformats.org/officeDocument/2006/math">
+                                <m:sSub>
+                                  <m:sSubPr>
+                                    <m:ctrlPr>
+                                      <a:rPr lang="it-IT" b="0" i="1" smtClean="0">
+                                        <a:latin typeface="Cambria Math"/>
+                                      </a:rPr>
+                                    </m:ctrlPr>
+                                  </m:sSubPr>
+                                  <m:e>
+                                    <m:r>
+                                      <a:rPr lang="it-IT" b="0" i="1" smtClean="0">
+                                        <a:latin typeface="Cambria Math"/>
+                                      </a:rPr>
+                                      <m:t>𝑚𝑎𝑥</m:t>
+                                    </m:r>
+                                  </m:e>
+                                  <m:sub>
+                                    <m:r>
+                                      <a:rPr lang="it-IT" b="0" i="1" smtClean="0">
+                                        <a:latin typeface="Cambria Math"/>
+                                      </a:rPr>
+                                      <m:t>𝑒</m:t>
+                                    </m:r>
+                                  </m:sub>
+                                </m:sSub>
+                              </m:oMath>
+                            </m:oMathPara>
+                          </a14:m>
+                          <a:endParaRPr lang="it-IT" dirty="0"/>
+                        </a:p>
+                      </a:txBody>
+                      <a:tcPr/>
+                    </a:tc>
+                    <a:tc>
+                      <a:txBody>
+                        <a:bodyPr/>
+                        <a:lstStyle/>
+                        <a:p>
+                          <a:pPr algn="ctr"/>
+                          <a14:m>
+                            <m:oMathPara xmlns:m="http://schemas.openxmlformats.org/officeDocument/2006/math">
+                              <m:oMathParaPr>
+                                <m:jc m:val="centerGroup"/>
+                              </m:oMathParaPr>
+                              <m:oMath xmlns:m="http://schemas.openxmlformats.org/officeDocument/2006/math">
+                                <m:r>
+                                  <a:rPr lang="it-IT" b="0" i="1" smtClean="0">
+                                    <a:latin typeface="Cambria Math"/>
+                                  </a:rPr>
+                                  <m:t>𝐸</m:t>
+                                </m:r>
+                                <m:d>
+                                  <m:dPr>
+                                    <m:ctrlPr>
+                                      <a:rPr lang="it-IT" b="0" i="1" smtClean="0">
+                                        <a:latin typeface="Cambria Math"/>
+                                      </a:rPr>
+                                    </m:ctrlPr>
+                                  </m:dPr>
+                                  <m:e>
+                                    <m:r>
+                                      <a:rPr lang="it-IT" b="0" i="1" smtClean="0">
+                                        <a:latin typeface="Cambria Math"/>
+                                      </a:rPr>
+                                      <m:t>𝑥</m:t>
+                                    </m:r>
+                                    <m:r>
+                                      <a:rPr lang="it-IT" b="0" i="1" smtClean="0">
+                                        <a:latin typeface="Cambria Math"/>
+                                      </a:rPr>
+                                      <m:t>,</m:t>
+                                    </m:r>
+                                    <m:r>
+                                      <a:rPr lang="it-IT" b="0" i="1" smtClean="0">
+                                        <a:latin typeface="Cambria Math"/>
+                                      </a:rPr>
+                                      <m:t>𝑦</m:t>
+                                    </m:r>
+                                  </m:e>
+                                </m:d>
+                                <m:r>
+                                  <a:rPr lang="it-IT" b="0" i="1" smtClean="0">
+                                    <a:latin typeface="Cambria Math"/>
+                                  </a:rPr>
+                                  <m:t>&gt;</m:t>
+                                </m:r>
+                                <m:sSub>
+                                  <m:sSubPr>
+                                    <m:ctrlPr>
+                                      <a:rPr lang="it-IT" b="0" i="1" smtClean="0">
+                                        <a:latin typeface="Cambria Math"/>
+                                      </a:rPr>
+                                    </m:ctrlPr>
+                                  </m:sSubPr>
+                                  <m:e>
+                                    <m:r>
+                                      <a:rPr lang="it-IT" b="0" i="1" smtClean="0">
+                                        <a:latin typeface="Cambria Math"/>
+                                      </a:rPr>
+                                      <m:t>𝑚𝑎𝑥</m:t>
+                                    </m:r>
+                                  </m:e>
+                                  <m:sub>
+                                    <m:r>
+                                      <a:rPr lang="it-IT" b="0" i="1" smtClean="0">
+                                        <a:latin typeface="Cambria Math"/>
+                                      </a:rPr>
+                                      <m:t>𝑒</m:t>
+                                    </m:r>
+                                  </m:sub>
+                                </m:sSub>
+                              </m:oMath>
+                            </m:oMathPara>
+                          </a14:m>
+                          <a:endParaRPr lang="it-IT" dirty="0"/>
+                        </a:p>
+                      </a:txBody>
+                      <a:tcPr/>
+                    </a:tc>
+                  </a:tr>
+                  <a:tr h="370840">
+                    <a:tc>
+                      <a:txBody>
+                        <a:bodyPr/>
+                        <a:lstStyle/>
+                        <a:p>
+                          <a:pPr marL="0" marR="0" indent="0" algn="ctr" defTabSz="914400" rtl="0" eaLnBrk="1" fontAlgn="auto" latinLnBrk="0" hangingPunct="1">
+                            <a:lnSpc>
+                              <a:spcPct val="100000"/>
+                            </a:lnSpc>
+                            <a:spcBef>
+                              <a:spcPts val="0"/>
+                            </a:spcBef>
+                            <a:spcAft>
+                              <a:spcPts val="0"/>
+                            </a:spcAft>
+                            <a:buClrTx/>
+                            <a:buSzTx/>
+                            <a:buFontTx/>
+                            <a:buNone/>
+                            <a:tabLst/>
+                            <a:defRPr/>
+                          </a:pPr>
+                          <a14:m>
+                            <m:oMathPara xmlns:m="http://schemas.openxmlformats.org/officeDocument/2006/math">
+                              <m:oMathParaPr>
+                                <m:jc m:val="centerGroup"/>
+                              </m:oMathParaPr>
+                              <m:oMath xmlns:m="http://schemas.openxmlformats.org/officeDocument/2006/math">
+                                <m:r>
+                                  <a:rPr lang="it-IT" b="0" i="0" smtClean="0">
+                                    <a:latin typeface="Cambria Math"/>
+                                  </a:rPr>
+                                  <m:t>0</m:t>
+                                </m:r>
+                              </m:oMath>
+                            </m:oMathPara>
+                          </a14:m>
+                          <a:endParaRPr lang="it-IT" dirty="0"/>
+                        </a:p>
+                      </a:txBody>
+                      <a:tcPr/>
+                    </a:tc>
+                    <a:tc>
+                      <a:txBody>
+                        <a:bodyPr/>
+                        <a:lstStyle/>
+                        <a:p>
+                          <a:pPr algn="ctr"/>
+                          <a14:m>
+                            <m:oMathPara xmlns:m="http://schemas.openxmlformats.org/officeDocument/2006/math">
+                              <m:oMathParaPr>
+                                <m:jc m:val="centerGroup"/>
+                              </m:oMathParaPr>
+                              <m:oMath xmlns:m="http://schemas.openxmlformats.org/officeDocument/2006/math">
+                                <m:r>
+                                  <a:rPr lang="it-IT" b="0" i="1" smtClean="0">
+                                    <a:latin typeface="Cambria Math"/>
+                                  </a:rPr>
+                                  <m:t>𝐸</m:t>
+                                </m:r>
+                                <m:d>
+                                  <m:dPr>
+                                    <m:ctrlPr>
+                                      <a:rPr lang="it-IT" b="0" i="1" smtClean="0">
+                                        <a:latin typeface="Cambria Math"/>
+                                      </a:rPr>
+                                    </m:ctrlPr>
+                                  </m:dPr>
+                                  <m:e>
+                                    <m:r>
+                                      <a:rPr lang="it-IT" b="0" i="1" smtClean="0">
+                                        <a:latin typeface="Cambria Math"/>
+                                      </a:rPr>
+                                      <m:t>𝑥</m:t>
+                                    </m:r>
+                                    <m:r>
+                                      <a:rPr lang="it-IT" b="0" i="1" smtClean="0">
+                                        <a:latin typeface="Cambria Math"/>
+                                      </a:rPr>
+                                      <m:t>,</m:t>
+                                    </m:r>
+                                    <m:r>
+                                      <a:rPr lang="it-IT" b="0" i="1" smtClean="0">
+                                        <a:latin typeface="Cambria Math"/>
+                                      </a:rPr>
+                                      <m:t>𝑦</m:t>
+                                    </m:r>
+                                  </m:e>
+                                </m:d>
+                                <m:r>
+                                  <a:rPr lang="it-IT" b="0" i="1" smtClean="0">
+                                    <a:latin typeface="Cambria Math"/>
+                                  </a:rPr>
+                                  <m:t>&lt;0</m:t>
+                                </m:r>
+                              </m:oMath>
+                            </m:oMathPara>
+                          </a14:m>
+                          <a:endParaRPr lang="it-IT" dirty="0"/>
+                        </a:p>
+                      </a:txBody>
+                      <a:tcPr/>
+                    </a:tc>
+                  </a:tr>
+                </a:tbl>
+              </a:graphicData>
+            </a:graphic>
+          </p:graphicFrame>
+        </mc:Choice>
+        <mc:Fallback>
+          <p:graphicFrame>
+            <p:nvGraphicFramePr>
+              <p:cNvPr id="5" name="Tabella 4"/>
+              <p:cNvGraphicFramePr>
+                <a:graphicFrameLocks noGrp="1"/>
+              </p:cNvGraphicFramePr>
+              <p:nvPr>
+                <p:extLst>
+                  <p:ext uri="{D42A27DB-BD31-4B8C-83A1-F6EECF244321}">
+                    <p14:modId xmlns:p14="http://schemas.microsoft.com/office/powerpoint/2010/main" val="2541282363"/>
+                  </p:ext>
+                </p:extLst>
+              </p:nvPr>
+            </p:nvGraphicFramePr>
+            <p:xfrm>
+              <a:off x="1547664" y="2564904"/>
+              <a:ext cx="6096000" cy="1854200"/>
+            </p:xfrm>
+            <a:graphic>
+              <a:graphicData uri="http://schemas.openxmlformats.org/drawingml/2006/table">
+                <a:tbl>
+                  <a:tblPr firstRow="1" bandRow="1">
+                    <a:tableStyleId>{D27102A9-8310-4765-A935-A1911B00CA55}</a:tableStyleId>
+                  </a:tblPr>
+                  <a:tblGrid>
+                    <a:gridCol w="2520280"/>
+                    <a:gridCol w="3575720"/>
+                  </a:tblGrid>
+                  <a:tr h="370840">
+                    <a:tc>
+                      <a:txBody>
+                        <a:bodyPr/>
+                        <a:lstStyle/>
+                        <a:p>
+                          <a:endParaRPr lang="it-IT"/>
+                        </a:p>
+                      </a:txBody>
+                      <a:tcPr>
+                        <a:blipFill rotWithShape="1">
+                          <a:blip r:embed="rId2"/>
+                          <a:stretch>
+                            <a:fillRect l="-242" t="-8197" r="-142131" b="-404918"/>
+                          </a:stretch>
+                        </a:blipFill>
+                      </a:tcPr>
+                    </a:tc>
+                    <a:tc>
+                      <a:txBody>
+                        <a:bodyPr/>
+                        <a:lstStyle/>
+                        <a:p>
+                          <a:pPr algn="ctr"/>
+                          <a:r>
+                            <a:rPr lang="it-IT" dirty="0" err="1" smtClean="0"/>
+                            <a:t>Condition</a:t>
+                          </a:r>
+                          <a:endParaRPr lang="it-IT" dirty="0"/>
+                        </a:p>
+                      </a:txBody>
+                      <a:tcPr/>
+                    </a:tc>
+                  </a:tr>
+                  <a:tr h="370840">
+                    <a:tc>
+                      <a:txBody>
+                        <a:bodyPr/>
+                        <a:lstStyle/>
+                        <a:p>
+                          <a:endParaRPr lang="it-IT"/>
+                        </a:p>
+                      </a:txBody>
+                      <a:tcPr>
+                        <a:blipFill rotWithShape="1">
+                          <a:blip r:embed="rId2"/>
+                          <a:stretch>
+                            <a:fillRect l="-242" t="-108197" r="-142131" b="-304918"/>
+                          </a:stretch>
+                        </a:blipFill>
+                      </a:tcPr>
+                    </a:tc>
+                    <a:tc>
+                      <a:txBody>
+                        <a:bodyPr/>
+                        <a:lstStyle/>
+                        <a:p>
+                          <a:endParaRPr lang="it-IT"/>
+                        </a:p>
+                      </a:txBody>
+                      <a:tcPr>
+                        <a:blipFill rotWithShape="1">
+                          <a:blip r:embed="rId2"/>
+                          <a:stretch>
+                            <a:fillRect l="-70528" t="-108197" b="-304918"/>
+                          </a:stretch>
+                        </a:blipFill>
+                      </a:tcPr>
+                    </a:tc>
+                  </a:tr>
+                  <a:tr h="370840">
+                    <a:tc>
+                      <a:txBody>
+                        <a:bodyPr/>
+                        <a:lstStyle/>
+                        <a:p>
+                          <a:endParaRPr lang="it-IT"/>
+                        </a:p>
+                      </a:txBody>
+                      <a:tcPr>
+                        <a:blipFill rotWithShape="1">
+                          <a:blip r:embed="rId2"/>
+                          <a:stretch>
+                            <a:fillRect l="-242" t="-211667" r="-142131" b="-210000"/>
+                          </a:stretch>
+                        </a:blipFill>
+                      </a:tcPr>
+                    </a:tc>
+                    <a:tc>
+                      <a:txBody>
+                        <a:bodyPr/>
+                        <a:lstStyle/>
+                        <a:p>
+                          <a:endParaRPr lang="it-IT"/>
+                        </a:p>
+                      </a:txBody>
+                      <a:tcPr>
+                        <a:blipFill rotWithShape="1">
+                          <a:blip r:embed="rId2"/>
+                          <a:stretch>
+                            <a:fillRect l="-70528" t="-211667" b="-210000"/>
+                          </a:stretch>
+                        </a:blipFill>
+                      </a:tcPr>
+                    </a:tc>
+                  </a:tr>
+                  <a:tr h="370840">
+                    <a:tc>
+                      <a:txBody>
+                        <a:bodyPr/>
+                        <a:lstStyle/>
+                        <a:p>
+                          <a:endParaRPr lang="it-IT"/>
+                        </a:p>
+                      </a:txBody>
+                      <a:tcPr>
+                        <a:blipFill rotWithShape="1">
+                          <a:blip r:embed="rId2"/>
+                          <a:stretch>
+                            <a:fillRect l="-242" t="-306557" r="-142131" b="-106557"/>
+                          </a:stretch>
+                        </a:blipFill>
+                      </a:tcPr>
+                    </a:tc>
+                    <a:tc>
+                      <a:txBody>
+                        <a:bodyPr/>
+                        <a:lstStyle/>
+                        <a:p>
+                          <a:endParaRPr lang="it-IT"/>
+                        </a:p>
+                      </a:txBody>
+                      <a:tcPr>
+                        <a:blipFill rotWithShape="1">
+                          <a:blip r:embed="rId2"/>
+                          <a:stretch>
+                            <a:fillRect l="-70528" t="-306557" b="-106557"/>
+                          </a:stretch>
+                        </a:blipFill>
+                      </a:tcPr>
+                    </a:tc>
+                  </a:tr>
+                  <a:tr h="370840">
+                    <a:tc>
+                      <a:txBody>
+                        <a:bodyPr/>
+                        <a:lstStyle/>
+                        <a:p>
+                          <a:endParaRPr lang="it-IT"/>
+                        </a:p>
+                      </a:txBody>
+                      <a:tcPr>
+                        <a:blipFill rotWithShape="1">
+                          <a:blip r:embed="rId2"/>
+                          <a:stretch>
+                            <a:fillRect l="-242" t="-406557" r="-142131" b="-6557"/>
+                          </a:stretch>
+                        </a:blipFill>
+                      </a:tcPr>
+                    </a:tc>
+                    <a:tc>
+                      <a:txBody>
+                        <a:bodyPr/>
+                        <a:lstStyle/>
+                        <a:p>
+                          <a:endParaRPr lang="it-IT"/>
+                        </a:p>
+                      </a:txBody>
+                      <a:tcPr>
+                        <a:blipFill rotWithShape="1">
+                          <a:blip r:embed="rId2"/>
+                          <a:stretch>
+                            <a:fillRect l="-70528" t="-406557" b="-6557"/>
+                          </a:stretch>
+                        </a:blipFill>
+                      </a:tcPr>
+                    </a:tc>
+                  </a:tr>
+                </a:tbl>
+              </a:graphicData>
+            </a:graphic>
+          </p:graphicFrame>
+        </mc:Fallback>
+      </mc:AlternateContent>
+    </p:spTree>
+    <p:extLst>
+      <p:ext uri="{BB962C8B-B14F-4D97-AF65-F5344CB8AC3E}">
+        <p14:creationId xmlns:p14="http://schemas.microsoft.com/office/powerpoint/2010/main" val="3308102561"/>
+      </p:ext>
+    </p:extLst>
+  </p:cSld>
+  <p:clrMapOvr>
+    <a:masterClrMapping/>
+  </p:clrMapOvr>
+  <p:timing>
+    <p:tnLst>
+      <p:par>
+        <p:cTn id="1" dur="indefinite" restart="never" nodeType="tmRoot"/>
+      </p:par>
+    </p:tnLst>
+  </p:timing>
+</p:sld>
+</file>
+
+<file path=ppt/slides/slide8.xml><?xml version="1.0" encoding="utf-8"?>
+<p:sld xmlns:a="http://schemas.openxmlformats.org/drawingml/2006/main" xmlns:r="http://schemas.openxmlformats.org/officeDocument/2006/relationships" xmlns:p="http://schemas.openxmlformats.org/presentationml/2006/main">
+  <p:cSld>
+    <p:spTree>
+      <p:nvGrpSpPr>
+        <p:cNvPr id="1" name=""/>
+        <p:cNvGrpSpPr/>
+        <p:nvPr/>
+      </p:nvGrpSpPr>
+      <p:grpSpPr>
+        <a:xfrm>
+          <a:off x="0" y="0"/>
+          <a:ext cx="0" cy="0"/>
+          <a:chOff x="0" y="0"/>
+          <a:chExt cx="0" cy="0"/>
+        </a:xfrm>
+      </p:grpSpPr>
+      <p:sp>
+        <p:nvSpPr>
+          <p:cNvPr id="2" name="Titolo 1"/>
+          <p:cNvSpPr>
+            <a:spLocks noGrp="1"/>
+          </p:cNvSpPr>
+          <p:nvPr>
+            <p:ph type="title"/>
+          </p:nvPr>
+        </p:nvSpPr>
+        <p:spPr/>
+        <p:txBody>
+          <a:bodyPr/>
+          <a:lstStyle/>
+          <a:p>
+            <a:r>
+              <a:rPr lang="it-IT" dirty="0" smtClean="0"/>
+              <a:t>Depth processing</a:t>
+            </a:r>
+            <a:endParaRPr lang="it-IT" dirty="0"/>
+          </a:p>
+        </p:txBody>
+      </p:sp>
+      <mc:AlternateContent xmlns:mc="http://schemas.openxmlformats.org/markup-compatibility/2006">
+        <mc:Choice xmlns:a14="http://schemas.microsoft.com/office/drawing/2010/main" Requires="a14">
+          <p:sp>
+            <p:nvSpPr>
+              <p:cNvPr id="3" name="Segnaposto contenuto 2"/>
+              <p:cNvSpPr>
+                <a:spLocks noGrp="1"/>
+              </p:cNvSpPr>
+              <p:nvPr>
+                <p:ph idx="1"/>
+              </p:nvPr>
+            </p:nvSpPr>
+            <p:spPr/>
+            <p:txBody>
+              <a:bodyPr>
+                <a:normAutofit/>
+              </a:bodyPr>
+              <a:lstStyle/>
+              <a:p>
+                <a:r>
+                  <a:rPr lang="it-IT" sz="1600" dirty="0" smtClean="0"/>
+                  <a:t>Background model </a:t>
+                </a:r>
+                <a:r>
+                  <a:rPr lang="it-IT" sz="1600" dirty="0" err="1" smtClean="0"/>
+                  <a:t>is</a:t>
+                </a:r>
+                <a:r>
+                  <a:rPr lang="it-IT" sz="1600" dirty="0" smtClean="0"/>
+                  <a:t> </a:t>
+                </a:r>
+                <a:r>
+                  <a:rPr lang="it-IT" sz="1600" dirty="0" err="1" smtClean="0"/>
+                  <a:t>built</a:t>
+                </a:r>
+                <a:r>
+                  <a:rPr lang="it-IT" sz="1600" dirty="0" smtClean="0"/>
+                  <a:t> over time </a:t>
+                </a:r>
+                <a:r>
+                  <a:rPr lang="it-IT" sz="1600" dirty="0" err="1" smtClean="0"/>
+                  <a:t>using</a:t>
+                </a:r>
+                <a:r>
+                  <a:rPr lang="it-IT" sz="1600" dirty="0" smtClean="0"/>
+                  <a:t> the</a:t>
+                </a:r>
+                <a:r>
+                  <a:rPr lang="it-IT" sz="1600" b="1" dirty="0" smtClean="0"/>
+                  <a:t> accumulate </a:t>
+                </a:r>
+                <a:r>
+                  <a:rPr lang="it-IT" sz="1600" b="1" dirty="0" err="1" smtClean="0"/>
+                  <a:t>running</a:t>
+                </a:r>
+                <a:r>
+                  <a:rPr lang="it-IT" sz="1600" b="1" dirty="0" smtClean="0"/>
+                  <a:t> </a:t>
+                </a:r>
+                <a:r>
+                  <a:rPr lang="it-IT" sz="1600" b="1" dirty="0" err="1" smtClean="0"/>
+                  <a:t>average</a:t>
+                </a:r>
+                <a:r>
+                  <a:rPr lang="it-IT" sz="1600" b="1" dirty="0" smtClean="0"/>
+                  <a:t> </a:t>
+                </a:r>
+                <a:r>
+                  <a:rPr lang="it-IT" sz="1600" b="1" dirty="0" err="1" smtClean="0"/>
+                  <a:t>method</a:t>
+                </a:r>
+                <a:r>
+                  <a:rPr lang="it-IT" sz="1600" b="1" dirty="0" smtClean="0"/>
+                  <a:t>:</a:t>
+                </a:r>
+              </a:p>
+              <a:p>
+                <a:pPr marL="0" indent="0" algn="ctr">
+                  <a:buNone/>
+                </a:pPr>
+                <a14:m>
+                  <m:oMathPara xmlns:m="http://schemas.openxmlformats.org/officeDocument/2006/math">
+                    <m:oMathParaPr>
+                      <m:jc m:val="centerGroup"/>
+                    </m:oMathParaPr>
+                    <m:oMath xmlns:m="http://schemas.openxmlformats.org/officeDocument/2006/math">
+                      <m:sSub>
+                        <m:sSubPr>
+                          <m:ctrlPr>
+                            <a:rPr lang="it-IT" sz="1600" i="1" smtClean="0">
+                              <a:latin typeface="Cambria Math"/>
+                            </a:rPr>
+                          </m:ctrlPr>
+                        </m:sSubPr>
+                        <m:e>
+                          <m:r>
+                            <a:rPr lang="it-IT" sz="1600" b="0" i="1" smtClean="0">
+                              <a:latin typeface="Cambria Math"/>
+                            </a:rPr>
+                            <m:t>𝐵</m:t>
+                          </m:r>
+                        </m:e>
+                        <m:sub>
+                          <m:r>
+                            <a:rPr lang="it-IT" sz="1600" b="0" i="1" smtClean="0">
+                              <a:latin typeface="Cambria Math"/>
+                            </a:rPr>
+                            <m:t>𝑡</m:t>
+                          </m:r>
+                        </m:sub>
+                      </m:sSub>
+                      <m:r>
+                        <a:rPr lang="it-IT" sz="1600" b="0" i="1" smtClean="0">
+                          <a:latin typeface="Cambria Math"/>
+                        </a:rPr>
+                        <m:t>=</m:t>
+                      </m:r>
+                      <m:d>
+                        <m:dPr>
+                          <m:ctrlPr>
+                            <a:rPr lang="it-IT" sz="1600" b="0" i="1" smtClean="0">
+                              <a:latin typeface="Cambria Math"/>
+                            </a:rPr>
+                          </m:ctrlPr>
+                        </m:dPr>
+                        <m:e>
+                          <m:r>
+                            <a:rPr lang="it-IT" sz="1600" b="0" i="1" smtClean="0">
+                              <a:latin typeface="Cambria Math"/>
+                            </a:rPr>
+                            <m:t>1−</m:t>
+                          </m:r>
+                          <m:r>
+                            <a:rPr lang="it-IT" sz="1600" b="0" i="1" smtClean="0">
+                              <a:latin typeface="Cambria Math"/>
+                              <a:ea typeface="Cambria Math"/>
+                            </a:rPr>
+                            <m:t>𝛼</m:t>
+                          </m:r>
+                        </m:e>
+                      </m:d>
+                      <m:r>
+                        <a:rPr lang="it-IT" sz="1600" b="0" i="1" smtClean="0">
+                          <a:latin typeface="Cambria Math"/>
+                          <a:ea typeface="Cambria Math"/>
+                        </a:rPr>
+                        <m:t>∙</m:t>
+                      </m:r>
+                      <m:sSub>
+                        <m:sSubPr>
+                          <m:ctrlPr>
+                            <a:rPr lang="it-IT" sz="1600" b="0" i="1" smtClean="0">
+                              <a:latin typeface="Cambria Math"/>
+                              <a:ea typeface="Cambria Math"/>
+                            </a:rPr>
+                          </m:ctrlPr>
+                        </m:sSubPr>
+                        <m:e>
+                          <m:r>
+                            <a:rPr lang="it-IT" sz="1600" b="0" i="1" smtClean="0">
+                              <a:latin typeface="Cambria Math"/>
+                              <a:ea typeface="Cambria Math"/>
+                            </a:rPr>
+                            <m:t>𝐵</m:t>
+                          </m:r>
+                        </m:e>
+                        <m:sub>
+                          <m:r>
+                            <a:rPr lang="it-IT" sz="1600" b="0" i="1" smtClean="0">
+                              <a:latin typeface="Cambria Math"/>
+                              <a:ea typeface="Cambria Math"/>
+                            </a:rPr>
+                            <m:t>𝑡</m:t>
+                          </m:r>
+                          <m:r>
+                            <a:rPr lang="it-IT" sz="1600" b="0" i="1" smtClean="0">
+                              <a:latin typeface="Cambria Math"/>
+                              <a:ea typeface="Cambria Math"/>
+                            </a:rPr>
+                            <m:t>−1</m:t>
+                          </m:r>
+                        </m:sub>
+                      </m:sSub>
+                      <m:r>
+                        <a:rPr lang="it-IT" sz="1600" b="0" i="1" smtClean="0">
+                          <a:latin typeface="Cambria Math"/>
+                          <a:ea typeface="Cambria Math"/>
+                        </a:rPr>
+                        <m:t>+</m:t>
+                      </m:r>
+                      <m:r>
+                        <a:rPr lang="it-IT" sz="1600" b="0" i="1" smtClean="0">
+                          <a:latin typeface="Cambria Math"/>
+                          <a:ea typeface="Cambria Math"/>
+                        </a:rPr>
+                        <m:t>𝛼</m:t>
+                      </m:r>
+                      <m:r>
+                        <a:rPr lang="it-IT" sz="1600" b="0" i="1" smtClean="0">
+                          <a:latin typeface="Cambria Math"/>
+                          <a:ea typeface="Cambria Math"/>
+                        </a:rPr>
+                        <m:t>∙</m:t>
+                      </m:r>
+                      <m:sSub>
+                        <m:sSubPr>
+                          <m:ctrlPr>
+                            <a:rPr lang="it-IT" sz="1600" b="0" i="1" smtClean="0">
+                              <a:latin typeface="Cambria Math"/>
+                              <a:ea typeface="Cambria Math"/>
+                            </a:rPr>
+                          </m:ctrlPr>
+                        </m:sSubPr>
+                        <m:e>
+                          <m:r>
+                            <a:rPr lang="it-IT" sz="1600" b="0" i="1" smtClean="0">
+                              <a:latin typeface="Cambria Math"/>
+                              <a:ea typeface="Cambria Math"/>
+                            </a:rPr>
+                            <m:t>𝐼</m:t>
+                          </m:r>
+                        </m:e>
+                        <m:sub>
+                          <m:r>
+                            <a:rPr lang="it-IT" sz="1600" b="0" i="1" smtClean="0">
+                              <a:latin typeface="Cambria Math"/>
+                              <a:ea typeface="Cambria Math"/>
+                            </a:rPr>
+                            <m:t>𝑡</m:t>
+                          </m:r>
+                        </m:sub>
+                      </m:sSub>
+                    </m:oMath>
+                  </m:oMathPara>
+                </a14:m>
+                <a:endParaRPr lang="it-IT" sz="1600" dirty="0" smtClean="0"/>
+              </a:p>
+              <a:p>
+                <a:r>
+                  <a:rPr lang="it-IT" sz="1600" dirty="0" smtClean="0"/>
+                  <a:t>The </a:t>
+                </a:r>
+                <a:r>
+                  <a:rPr lang="it-IT" sz="1600" dirty="0" err="1" smtClean="0"/>
+                  <a:t>spatial</a:t>
+                </a:r>
+                <a:r>
+                  <a:rPr lang="it-IT" sz="1600" dirty="0" smtClean="0"/>
+                  <a:t> </a:t>
+                </a:r>
+                <a:r>
+                  <a:rPr lang="it-IT" sz="1600" dirty="0" err="1" smtClean="0"/>
+                  <a:t>changes</a:t>
+                </a:r>
+                <a:r>
+                  <a:rPr lang="it-IT" sz="1600" dirty="0" smtClean="0"/>
+                  <a:t> are </a:t>
+                </a:r>
+                <a:r>
+                  <a:rPr lang="it-IT" sz="1600" dirty="0" err="1" smtClean="0"/>
+                  <a:t>accumulated</a:t>
+                </a:r>
+                <a:r>
+                  <a:rPr lang="it-IT" sz="1600" dirty="0" smtClean="0"/>
+                  <a:t> in an </a:t>
+                </a:r>
+                <a:r>
+                  <a:rPr lang="it-IT" sz="1600" dirty="0" err="1" smtClean="0"/>
+                  <a:t>aggregator</a:t>
+                </a:r>
+                <a:r>
+                  <a:rPr lang="it-IT" sz="1600" dirty="0" smtClean="0"/>
+                  <a:t>.</a:t>
+                </a:r>
+              </a:p>
+              <a:p>
+                <a:r>
+                  <a:rPr lang="it-IT" sz="1600" dirty="0" smtClean="0"/>
+                  <a:t>The accumulator entry </a:t>
+                </a:r>
+                <a:r>
+                  <a:rPr lang="it-IT" sz="1600" dirty="0" err="1" smtClean="0"/>
+                  <a:t>that</a:t>
+                </a:r>
+                <a:r>
+                  <a:rPr lang="it-IT" sz="1600" dirty="0" smtClean="0"/>
+                  <a:t> </a:t>
+                </a:r>
+                <a:r>
+                  <a:rPr lang="it-IT" sz="1600" dirty="0" err="1" smtClean="0"/>
+                  <a:t>have</a:t>
+                </a:r>
+                <a:r>
+                  <a:rPr lang="it-IT" sz="1600" dirty="0" smtClean="0"/>
+                  <a:t> a </a:t>
+                </a:r>
+                <a:r>
+                  <a:rPr lang="it-IT" sz="1600" dirty="0" err="1" smtClean="0"/>
+                  <a:t>number</a:t>
+                </a:r>
+                <a:r>
+                  <a:rPr lang="it-IT" sz="1600" dirty="0" smtClean="0"/>
+                  <a:t> of </a:t>
+                </a:r>
+                <a:r>
+                  <a:rPr lang="it-IT" sz="1600" dirty="0" err="1" smtClean="0"/>
+                  <a:t>observations</a:t>
+                </a:r>
+                <a:r>
+                  <a:rPr lang="it-IT" sz="1600" dirty="0" smtClean="0"/>
+                  <a:t> </a:t>
+                </a:r>
+                <a:r>
+                  <a:rPr lang="it-IT" sz="1600" dirty="0" err="1" smtClean="0"/>
+                  <a:t>above</a:t>
+                </a:r>
+                <a:r>
+                  <a:rPr lang="it-IT" sz="1600" dirty="0" smtClean="0"/>
+                  <a:t> a </a:t>
+                </a:r>
+                <a:r>
+                  <a:rPr lang="it-IT" sz="1600" dirty="0" err="1" smtClean="0"/>
+                  <a:t>threshold</a:t>
+                </a:r>
+                <a:r>
+                  <a:rPr lang="it-IT" sz="1600" dirty="0" smtClean="0"/>
+                  <a:t> </a:t>
+                </a:r>
+                <a:r>
+                  <a:rPr lang="it-IT" sz="1600" dirty="0" err="1"/>
+                  <a:t>is</a:t>
+                </a:r>
+                <a:r>
+                  <a:rPr lang="it-IT" sz="1600" dirty="0"/>
+                  <a:t> </a:t>
+                </a:r>
+                <a:r>
+                  <a:rPr lang="it-IT" sz="1600" dirty="0" err="1"/>
+                  <a:t>marked</a:t>
+                </a:r>
+                <a:r>
+                  <a:rPr lang="it-IT" sz="1600" dirty="0"/>
+                  <a:t> </a:t>
+                </a:r>
+                <a:r>
+                  <a:rPr lang="it-IT" sz="1600" dirty="0" err="1"/>
+                  <a:t>as</a:t>
+                </a:r>
+                <a:r>
+                  <a:rPr lang="it-IT" sz="1600" dirty="0"/>
+                  <a:t> </a:t>
+                </a:r>
+                <a:r>
+                  <a:rPr lang="it-IT" sz="1600" dirty="0" err="1"/>
+                  <a:t>abandoned</a:t>
+                </a:r>
+                <a:r>
+                  <a:rPr lang="it-IT" sz="1600" dirty="0"/>
+                  <a:t> </a:t>
+                </a:r>
+                <a:r>
+                  <a:rPr lang="it-IT" sz="1600" dirty="0" smtClean="0"/>
+                  <a:t>item.</a:t>
+                </a:r>
+              </a:p>
+              <a:p>
+                <a:r>
+                  <a:rPr lang="it-IT" sz="1600" dirty="0" smtClean="0"/>
+                  <a:t>A set of </a:t>
+                </a:r>
+                <a:r>
+                  <a:rPr lang="it-IT" sz="1600" dirty="0" err="1" smtClean="0"/>
+                  <a:t>bounding</a:t>
+                </a:r>
+                <a:r>
+                  <a:rPr lang="it-IT" sz="1600" dirty="0" smtClean="0"/>
+                  <a:t> box of </a:t>
+                </a:r>
+                <a:r>
+                  <a:rPr lang="it-IT" sz="1600" dirty="0" err="1" smtClean="0"/>
+                  <a:t>depth-based</a:t>
+                </a:r>
+                <a:r>
+                  <a:rPr lang="it-IT" sz="1600" dirty="0"/>
+                  <a:t> </a:t>
+                </a:r>
+                <a:r>
+                  <a:rPr lang="it-IT" sz="1600" dirty="0" err="1"/>
+                  <a:t>proposals</a:t>
+                </a:r>
+                <a:r>
+                  <a:rPr lang="it-IT" sz="1600" dirty="0"/>
+                  <a:t> </a:t>
+                </a:r>
+                <a:r>
+                  <a:rPr lang="it-IT" sz="1600" dirty="0" err="1"/>
+                  <a:t>is</a:t>
+                </a:r>
+                <a:r>
+                  <a:rPr lang="it-IT" sz="1600" dirty="0"/>
+                  <a:t> </a:t>
+                </a:r>
+                <a:r>
+                  <a:rPr lang="it-IT" sz="1600" dirty="0" err="1" smtClean="0"/>
+                  <a:t>obtained</a:t>
+                </a:r>
+                <a:r>
+                  <a:rPr lang="it-IT" sz="1600" dirty="0" smtClean="0"/>
+                  <a:t>.</a:t>
+                </a:r>
+                <a:endParaRPr lang="it-IT" sz="1600" dirty="0"/>
+              </a:p>
+            </p:txBody>
+          </p:sp>
+        </mc:Choice>
+        <mc:Fallback>
+          <p:sp>
+            <p:nvSpPr>
+              <p:cNvPr id="3" name="Segnaposto contenuto 2"/>
+              <p:cNvSpPr>
+                <a:spLocks noGrp="1" noRot="1" noChangeAspect="1" noMove="1" noResize="1" noEditPoints="1" noAdjustHandles="1" noChangeArrowheads="1" noChangeShapeType="1" noTextEdit="1"/>
+              </p:cNvSpPr>
+              <p:nvPr>
+                <p:ph idx="1"/>
+              </p:nvPr>
+            </p:nvSpPr>
+            <p:spPr>
+              <a:blipFill rotWithShape="1">
+                <a:blip r:embed="rId2"/>
+                <a:stretch>
+                  <a:fillRect/>
+                </a:stretch>
+              </a:blipFill>
+            </p:spPr>
+            <p:txBody>
+              <a:bodyPr/>
+              <a:lstStyle/>
+              <a:p>
+                <a:r>
+                  <a:rPr lang="it-IT">
+                    <a:noFill/>
+                  </a:rPr>
+                  <a:t> </a:t>
+                </a:r>
+              </a:p>
+            </p:txBody>
+          </p:sp>
+        </mc:Fallback>
+      </mc:AlternateContent>
+      <p:sp>
+        <p:nvSpPr>
+          <p:cNvPr id="4" name="Segnaposto contenuto 3"/>
+          <p:cNvSpPr>
+            <a:spLocks noGrp="1"/>
+          </p:cNvSpPr>
+          <p:nvPr>
+            <p:ph sz="quarter" idx="11"/>
+          </p:nvPr>
+        </p:nvSpPr>
+        <p:spPr/>
+        <p:txBody>
+          <a:bodyPr/>
+          <a:lstStyle/>
+          <a:p>
+            <a:r>
+              <a:rPr lang="it-IT" dirty="0" err="1" smtClean="0"/>
+              <a:t>Approach</a:t>
+            </a:r>
+            <a:endParaRPr lang="it-IT" dirty="0"/>
+          </a:p>
+        </p:txBody>
+      </p:sp>
+      <p:pic>
+        <p:nvPicPr>
+          <p:cNvPr id="5" name="Immagine 4"/>
+          <p:cNvPicPr>
+            <a:picLocks noChangeAspect="1"/>
+          </p:cNvPicPr>
+          <p:nvPr/>
+        </p:nvPicPr>
+        <p:blipFill>
+          <a:blip r:embed="rId3">
+            <a:extLst>
+              <a:ext uri="{28A0092B-C50C-407E-A947-70E740481C1C}">
+                <a14:useLocalDpi xmlns:a14="http://schemas.microsoft.com/office/drawing/2010/main" val="0"/>
+              </a:ext>
+            </a:extLst>
+          </a:blip>
+          <a:stretch>
+            <a:fillRect/>
+          </a:stretch>
+        </p:blipFill>
+        <p:spPr>
+          <a:xfrm>
+            <a:off x="1619672" y="4365264"/>
+            <a:ext cx="5895469" cy="1440000"/>
+          </a:xfrm>
+          <a:prstGeom prst="rect">
+            <a:avLst/>
+          </a:prstGeom>
+        </p:spPr>
+      </p:pic>
+      <p:sp>
+        <p:nvSpPr>
+          <p:cNvPr id="6" name="CasellaDiTesto 5"/>
+          <p:cNvSpPr txBox="1"/>
+          <p:nvPr/>
+        </p:nvSpPr>
+        <p:spPr bwMode="auto">
+          <a:xfrm>
+            <a:off x="1648754" y="5788564"/>
+            <a:ext cx="1938255" cy="294569"/>
+          </a:xfrm>
+          <a:prstGeom prst="rect">
+            <a:avLst/>
+          </a:prstGeom>
+          <a:noFill/>
+          <a:ln>
+            <a:noFill/>
+          </a:ln>
+          <a:extLst>
+            <a:ext uri="{909E8E84-426E-40DD-AFC4-6F175D3DCCD1}">
+              <a14:hiddenFill xmlns:a14="http://schemas.microsoft.com/office/drawing/2010/main">
+                <a:solidFill>
+                  <a:srgbClr val="FFFFFF"/>
+                </a:solidFill>
+              </a14:hiddenFill>
+            </a:ext>
+            <a:ext uri="{91240B29-F687-4F45-9708-019B960494DF}">
+              <a14:hiddenLine xmlns:a14="http://schemas.microsoft.com/office/drawing/2010/main" w="9525">
+                <a:solidFill>
+                  <a:srgbClr val="000000"/>
+                </a:solidFill>
+                <a:round/>
+                <a:headEnd/>
+                <a:tailEnd/>
+              </a14:hiddenLine>
+            </a:ext>
+          </a:extLst>
+        </p:spPr>
+        <p:txBody>
+          <a:bodyPr vert="horz" wrap="square" lIns="90000" tIns="46800" rIns="90000" bIns="46800" numCol="1" rtlCol="0" anchor="ctr" anchorCtr="0" compatLnSpc="1">
+            <a:prstTxWarp prst="textNoShape">
+              <a:avLst/>
+            </a:prstTxWarp>
+            <a:spAutoFit/>
+          </a:bodyPr>
+          <a:lstStyle/>
+          <a:p>
+            <a:pPr algn="ctr"/>
+            <a:r>
+              <a:rPr lang="it-IT" sz="1300" b="1" cap="small" dirty="0" err="1" smtClean="0">
+                <a:solidFill>
+                  <a:srgbClr val="595959"/>
+                </a:solidFill>
+              </a:rPr>
+              <a:t>Original</a:t>
+            </a:r>
+            <a:r>
+              <a:rPr lang="it-IT" sz="1300" b="1" cap="small" dirty="0" smtClean="0">
+                <a:solidFill>
+                  <a:srgbClr val="595959"/>
+                </a:solidFill>
+              </a:rPr>
+              <a:t> Frame</a:t>
+            </a:r>
+            <a:endParaRPr lang="it-IT" sz="1300" b="1" cap="small" dirty="0">
+              <a:solidFill>
+                <a:srgbClr val="595959"/>
+              </a:solidFill>
+            </a:endParaRPr>
+          </a:p>
+        </p:txBody>
+      </p:sp>
+      <mc:AlternateContent xmlns:mc="http://schemas.openxmlformats.org/markup-compatibility/2006">
+        <mc:Choice xmlns:a14="http://schemas.microsoft.com/office/drawing/2010/main" Requires="a14">
+          <p:sp>
+            <p:nvSpPr>
+              <p:cNvPr id="7" name="CasellaDiTesto 6"/>
+              <p:cNvSpPr txBox="1"/>
+              <p:nvPr/>
+            </p:nvSpPr>
+            <p:spPr bwMode="auto">
+              <a:xfrm>
+                <a:off x="3607701" y="5788565"/>
+                <a:ext cx="1938255" cy="294569"/>
+              </a:xfrm>
+              <a:prstGeom prst="rect">
+                <a:avLst/>
+              </a:prstGeom>
+              <a:noFill/>
+              <a:ln>
+                <a:noFill/>
+              </a:ln>
+              <a:extLst>
+                <a:ext uri="{909E8E84-426E-40DD-AFC4-6F175D3DCCD1}">
+                  <a14:hiddenFill>
+                    <a:solidFill>
+                      <a:srgbClr val="FFFFFF"/>
+                    </a:solidFill>
+                  </a14:hiddenFill>
+                </a:ext>
+                <a:ext uri="{91240B29-F687-4F45-9708-019B960494DF}">
+                  <a14:hiddenLine w="9525">
+                    <a:solidFill>
+                      <a:srgbClr val="000000"/>
+                    </a:solidFill>
+                    <a:round/>
+                    <a:headEnd/>
+                    <a:tailEnd/>
+                  </a14:hiddenLine>
+                </a:ext>
+              </a:extLst>
+            </p:spPr>
+            <p:txBody>
+              <a:bodyPr vert="horz" wrap="square" lIns="90000" tIns="46800" rIns="90000" bIns="46800" numCol="1" rtlCol="0" anchor="ctr" anchorCtr="0" compatLnSpc="1">
+                <a:prstTxWarp prst="textNoShape">
+                  <a:avLst/>
+                </a:prstTxWarp>
+                <a:spAutoFit/>
+              </a:bodyPr>
+              <a:lstStyle/>
+              <a:p>
+                <a:pPr algn="ctr"/>
+                <a14:m>
+                  <m:oMathPara xmlns:m="http://schemas.openxmlformats.org/officeDocument/2006/math">
+                    <m:oMathParaPr>
+                      <m:jc m:val="centerGroup"/>
+                    </m:oMathParaPr>
+                    <m:oMath xmlns:m="http://schemas.openxmlformats.org/officeDocument/2006/math">
+                      <m:r>
+                        <a:rPr lang="it-IT" sz="1300" b="1" i="1" cap="small" dirty="0" smtClean="0">
+                          <a:solidFill>
+                            <a:srgbClr val="595959"/>
+                          </a:solidFill>
+                          <a:latin typeface="Cambria Math"/>
+                          <a:ea typeface="Cambria Math"/>
+                        </a:rPr>
+                        <m:t>𝜶</m:t>
+                      </m:r>
+                      <m:r>
+                        <a:rPr lang="it-IT" sz="1300" b="1" i="1" cap="small" dirty="0" smtClean="0">
+                          <a:solidFill>
+                            <a:srgbClr val="595959"/>
+                          </a:solidFill>
+                          <a:latin typeface="Cambria Math"/>
+                          <a:ea typeface="Cambria Math"/>
+                        </a:rPr>
+                        <m:t>=</m:t>
+                      </m:r>
+                      <m:r>
+                        <a:rPr lang="it-IT" sz="1300" b="1" i="1" cap="small" dirty="0" smtClean="0">
+                          <a:solidFill>
+                            <a:srgbClr val="595959"/>
+                          </a:solidFill>
+                          <a:latin typeface="Cambria Math"/>
+                          <a:ea typeface="Cambria Math"/>
+                        </a:rPr>
+                        <m:t>𝟎</m:t>
+                      </m:r>
+                      <m:r>
+                        <a:rPr lang="it-IT" sz="1300" b="1" i="1" cap="small" dirty="0" smtClean="0">
+                          <a:solidFill>
+                            <a:srgbClr val="595959"/>
+                          </a:solidFill>
+                          <a:latin typeface="Cambria Math"/>
+                          <a:ea typeface="Cambria Math"/>
+                        </a:rPr>
+                        <m:t>.</m:t>
+                      </m:r>
+                      <m:r>
+                        <a:rPr lang="it-IT" sz="1300" b="1" i="1" cap="small" dirty="0" smtClean="0">
+                          <a:solidFill>
+                            <a:srgbClr val="595959"/>
+                          </a:solidFill>
+                          <a:latin typeface="Cambria Math"/>
+                          <a:ea typeface="Cambria Math"/>
+                        </a:rPr>
+                        <m:t>𝟏</m:t>
+                      </m:r>
+                    </m:oMath>
+                  </m:oMathPara>
+                </a14:m>
+                <a:endParaRPr lang="it-IT" sz="1300" b="1" cap="small" dirty="0">
+                  <a:solidFill>
+                    <a:srgbClr val="595959"/>
+                  </a:solidFill>
+                </a:endParaRPr>
+              </a:p>
+            </p:txBody>
+          </p:sp>
+        </mc:Choice>
+        <mc:Fallback>
+          <p:sp>
+            <p:nvSpPr>
+              <p:cNvPr id="7" name="CasellaDiTesto 6"/>
+              <p:cNvSpPr txBox="1">
+                <a:spLocks noRot="1" noChangeAspect="1" noMove="1" noResize="1" noEditPoints="1" noAdjustHandles="1" noChangeArrowheads="1" noChangeShapeType="1" noTextEdit="1"/>
+              </p:cNvSpPr>
+              <p:nvPr/>
+            </p:nvSpPr>
+            <p:spPr bwMode="auto">
+              <a:xfrm>
+                <a:off x="3607701" y="5788565"/>
+                <a:ext cx="1938255" cy="294569"/>
+              </a:xfrm>
+              <a:prstGeom prst="rect">
+                <a:avLst/>
+              </a:prstGeom>
+              <a:blipFill rotWithShape="1">
+                <a:blip r:embed="rId4"/>
+                <a:stretch>
+                  <a:fillRect/>
+                </a:stretch>
+              </a:blipFill>
+              <a:ln>
+                <a:noFill/>
+              </a:ln>
+              <a:extLst>
+                <a:ext uri="{909E8E84-426E-40DD-AFC4-6F175D3DCCD1}">
+                  <a14:hiddenFill xmlns:a14="http://schemas.microsoft.com/office/drawing/2010/main">
+                    <a:solidFill>
+                      <a:srgbClr val="FFFFFF"/>
+                    </a:solidFill>
+                  </a14:hiddenFill>
+                </a:ext>
+                <a:ext uri="{91240B29-F687-4F45-9708-019B960494DF}">
+                  <a14:hiddenLine xmlns:a14="http://schemas.microsoft.com/office/drawing/2010/main" w="9525">
+                    <a:solidFill>
+                      <a:srgbClr val="000000"/>
+                    </a:solidFill>
+                    <a:round/>
+                    <a:headEnd/>
+                    <a:tailEnd/>
+                  </a14:hiddenLine>
+                </a:ext>
+              </a:extLst>
+            </p:spPr>
+            <p:txBody>
+              <a:bodyPr/>
+              <a:lstStyle/>
+              <a:p>
+                <a:r>
+                  <a:rPr lang="it-IT">
+                    <a:noFill/>
+                  </a:rPr>
+                  <a:t> </a:t>
+                </a:r>
+              </a:p>
+            </p:txBody>
+          </p:sp>
+        </mc:Fallback>
+      </mc:AlternateContent>
+      <mc:AlternateContent xmlns:mc="http://schemas.openxmlformats.org/markup-compatibility/2006">
+        <mc:Choice xmlns:a14="http://schemas.microsoft.com/office/drawing/2010/main" Requires="a14">
+          <p:sp>
+            <p:nvSpPr>
+              <p:cNvPr id="8" name="CasellaDiTesto 7"/>
+              <p:cNvSpPr txBox="1"/>
+              <p:nvPr/>
+            </p:nvSpPr>
+            <p:spPr bwMode="auto">
+              <a:xfrm>
+                <a:off x="5585978" y="5788566"/>
+                <a:ext cx="1938255" cy="294569"/>
+              </a:xfrm>
+              <a:prstGeom prst="rect">
+                <a:avLst/>
+              </a:prstGeom>
+              <a:noFill/>
+              <a:ln>
+                <a:noFill/>
+              </a:ln>
+              <a:extLst>
+                <a:ext uri="{909E8E84-426E-40DD-AFC4-6F175D3DCCD1}">
+                  <a14:hiddenFill>
+                    <a:solidFill>
+                      <a:srgbClr val="FFFFFF"/>
+                    </a:solidFill>
+                  </a14:hiddenFill>
+                </a:ext>
+                <a:ext uri="{91240B29-F687-4F45-9708-019B960494DF}">
+                  <a14:hiddenLine w="9525">
+                    <a:solidFill>
+                      <a:srgbClr val="000000"/>
+                    </a:solidFill>
+                    <a:round/>
+                    <a:headEnd/>
+                    <a:tailEnd/>
+                  </a14:hiddenLine>
+                </a:ext>
+              </a:extLst>
+            </p:spPr>
+            <p:txBody>
+              <a:bodyPr vert="horz" wrap="square" lIns="90000" tIns="46800" rIns="90000" bIns="46800" numCol="1" rtlCol="0" anchor="ctr" anchorCtr="0" compatLnSpc="1">
+                <a:prstTxWarp prst="textNoShape">
+                  <a:avLst/>
+                </a:prstTxWarp>
+                <a:spAutoFit/>
+              </a:bodyPr>
+              <a:lstStyle/>
+              <a:p>
+                <a:pPr algn="ctr"/>
+                <a14:m>
+                  <m:oMathPara xmlns:m="http://schemas.openxmlformats.org/officeDocument/2006/math">
+                    <m:oMathParaPr>
+                      <m:jc m:val="centerGroup"/>
+                    </m:oMathParaPr>
+                    <m:oMath xmlns:m="http://schemas.openxmlformats.org/officeDocument/2006/math">
+                      <m:r>
+                        <a:rPr lang="it-IT" sz="1300" b="1" i="1" cap="small" dirty="0" smtClean="0">
+                          <a:solidFill>
+                            <a:srgbClr val="595959"/>
+                          </a:solidFill>
+                          <a:latin typeface="Cambria Math"/>
+                          <a:ea typeface="Cambria Math"/>
+                        </a:rPr>
+                        <m:t>𝜶</m:t>
+                      </m:r>
+                      <m:r>
+                        <a:rPr lang="it-IT" sz="1300" b="1" i="1" cap="small" dirty="0" smtClean="0">
+                          <a:solidFill>
+                            <a:srgbClr val="595959"/>
+                          </a:solidFill>
+                          <a:latin typeface="Cambria Math"/>
+                          <a:ea typeface="Cambria Math"/>
+                        </a:rPr>
+                        <m:t>=</m:t>
+                      </m:r>
+                      <m:r>
+                        <a:rPr lang="it-IT" sz="1300" b="1" i="1" cap="small" dirty="0" smtClean="0">
+                          <a:solidFill>
+                            <a:srgbClr val="595959"/>
+                          </a:solidFill>
+                          <a:latin typeface="Cambria Math"/>
+                          <a:ea typeface="Cambria Math"/>
+                        </a:rPr>
+                        <m:t>𝟎</m:t>
+                      </m:r>
+                      <m:r>
+                        <a:rPr lang="it-IT" sz="1300" b="1" i="1" cap="small" dirty="0" smtClean="0">
+                          <a:solidFill>
+                            <a:srgbClr val="595959"/>
+                          </a:solidFill>
+                          <a:latin typeface="Cambria Math"/>
+                          <a:ea typeface="Cambria Math"/>
+                        </a:rPr>
+                        <m:t>.</m:t>
+                      </m:r>
+                      <m:r>
+                        <a:rPr lang="it-IT" sz="1300" b="1" i="1" cap="small" dirty="0" smtClean="0">
+                          <a:solidFill>
+                            <a:srgbClr val="595959"/>
+                          </a:solidFill>
+                          <a:latin typeface="Cambria Math"/>
+                          <a:ea typeface="Cambria Math"/>
+                        </a:rPr>
+                        <m:t>𝟎𝟏</m:t>
+                      </m:r>
+                    </m:oMath>
+                  </m:oMathPara>
+                </a14:m>
+                <a:endParaRPr lang="it-IT" sz="1300" b="1" cap="small" dirty="0">
+                  <a:solidFill>
+                    <a:srgbClr val="595959"/>
+                  </a:solidFill>
+                </a:endParaRPr>
+              </a:p>
+            </p:txBody>
+          </p:sp>
+        </mc:Choice>
+        <mc:Fallback>
+          <p:sp>
+            <p:nvSpPr>
+              <p:cNvPr id="8" name="CasellaDiTesto 7"/>
+              <p:cNvSpPr txBox="1">
+                <a:spLocks noRot="1" noChangeAspect="1" noMove="1" noResize="1" noEditPoints="1" noAdjustHandles="1" noChangeArrowheads="1" noChangeShapeType="1" noTextEdit="1"/>
+              </p:cNvSpPr>
+              <p:nvPr/>
+            </p:nvSpPr>
+            <p:spPr bwMode="auto">
+              <a:xfrm>
+                <a:off x="5585978" y="5788566"/>
+                <a:ext cx="1938255" cy="294569"/>
+              </a:xfrm>
+              <a:prstGeom prst="rect">
+                <a:avLst/>
+              </a:prstGeom>
+              <a:blipFill rotWithShape="1">
+                <a:blip r:embed="rId5"/>
+                <a:stretch>
+                  <a:fillRect/>
+                </a:stretch>
+              </a:blipFill>
+              <a:ln>
+                <a:noFill/>
+              </a:ln>
+              <a:extLst>
+                <a:ext uri="{909E8E84-426E-40DD-AFC4-6F175D3DCCD1}">
+                  <a14:hiddenFill xmlns:a14="http://schemas.microsoft.com/office/drawing/2010/main">
+                    <a:solidFill>
+                      <a:srgbClr val="FFFFFF"/>
+                    </a:solidFill>
+                  </a14:hiddenFill>
+                </a:ext>
+                <a:ext uri="{91240B29-F687-4F45-9708-019B960494DF}">
+                  <a14:hiddenLine xmlns:a14="http://schemas.microsoft.com/office/drawing/2010/main" w="9525">
+                    <a:solidFill>
+                      <a:srgbClr val="000000"/>
+                    </a:solidFill>
+                    <a:round/>
+                    <a:headEnd/>
+                    <a:tailEnd/>
+                  </a14:hiddenLine>
+                </a:ext>
+              </a:extLst>
+            </p:spPr>
+            <p:txBody>
+              <a:bodyPr/>
+              <a:lstStyle/>
+              <a:p>
+                <a:r>
+                  <a:rPr lang="it-IT">
+                    <a:noFill/>
+                  </a:rPr>
+                  <a:t> </a:t>
+                </a:r>
+              </a:p>
+            </p:txBody>
+          </p:sp>
+        </mc:Fallback>
+      </mc:AlternateContent>
+    </p:spTree>
+    <p:extLst>
+      <p:ext uri="{BB962C8B-B14F-4D97-AF65-F5344CB8AC3E}">
+        <p14:creationId xmlns:p14="http://schemas.microsoft.com/office/powerpoint/2010/main" val="3340861100"/>
+      </p:ext>
+    </p:extLst>
+  </p:cSld>
+  <p:clrMapOvr>
+    <a:masterClrMapping/>
+  </p:clrMapOvr>
+  <p:timing>
+    <p:tnLst>
+      <p:par>
+        <p:cTn id="1" dur="indefinite" restart="never" nodeType="tmRoot"/>
+      </p:par>
+    </p:tnLst>
+  </p:timing>
+</p:sld>
+</file>
+
+<file path=ppt/slides/slide9.xml><?xml version="1.0" encoding="utf-8"?>
+<p:sld xmlns:a="http://schemas.openxmlformats.org/drawingml/2006/main" xmlns:r="http://schemas.openxmlformats.org/officeDocument/2006/relationships" xmlns:p="http://schemas.openxmlformats.org/presentationml/2006/main">
+  <p:cSld>
+    <p:spTree>
+      <p:nvGrpSpPr>
+        <p:cNvPr id="1" name=""/>
+        <p:cNvGrpSpPr/>
+        <p:nvPr/>
+      </p:nvGrpSpPr>
+      <p:grpSpPr>
+        <a:xfrm>
+          <a:off x="0" y="0"/>
+          <a:ext cx="0" cy="0"/>
+          <a:chOff x="0" y="0"/>
+          <a:chExt cx="0" cy="0"/>
+        </a:xfrm>
+      </p:grpSpPr>
+      <p:sp>
+        <p:nvSpPr>
+          <p:cNvPr id="2" name="Titolo 1"/>
+          <p:cNvSpPr>
+            <a:spLocks noGrp="1"/>
+          </p:cNvSpPr>
+          <p:nvPr>
+            <p:ph type="title"/>
+          </p:nvPr>
+        </p:nvSpPr>
+        <p:spPr/>
+        <p:txBody>
+          <a:bodyPr/>
+          <a:lstStyle/>
+          <a:p>
+            <a:r>
+              <a:rPr lang="it-IT" dirty="0" smtClean="0"/>
+              <a:t>Combination of </a:t>
+            </a:r>
+            <a:r>
+              <a:rPr lang="it-IT" dirty="0" err="1" smtClean="0"/>
+              <a:t>proposals</a:t>
+            </a:r>
+            <a:endParaRPr lang="it-IT" dirty="0"/>
+          </a:p>
+        </p:txBody>
+      </p:sp>
+      <mc:AlternateContent xmlns:mc="http://schemas.openxmlformats.org/markup-compatibility/2006">
+        <mc:Choice xmlns:a14="http://schemas.microsoft.com/office/drawing/2010/main" Requires="a14">
+          <p:sp>
+            <p:nvSpPr>
+              <p:cNvPr id="3" name="Segnaposto contenuto 2"/>
+              <p:cNvSpPr>
+                <a:spLocks noGrp="1"/>
+              </p:cNvSpPr>
+              <p:nvPr>
+                <p:ph idx="1"/>
+              </p:nvPr>
+            </p:nvSpPr>
+            <p:spPr/>
+            <p:txBody>
+              <a:bodyPr/>
+              <a:lstStyle/>
+              <a:p>
+                <a:r>
+                  <a:rPr lang="it-IT" dirty="0" smtClean="0"/>
+                  <a:t>The </a:t>
+                </a:r>
+                <a:r>
+                  <a:rPr lang="it-IT" dirty="0" err="1" smtClean="0"/>
+                  <a:t>two</a:t>
+                </a:r>
+                <a:r>
+                  <a:rPr lang="it-IT" dirty="0" smtClean="0"/>
+                  <a:t> sets of </a:t>
+                </a:r>
+                <a:r>
+                  <a:rPr lang="it-IT" dirty="0" err="1" smtClean="0"/>
+                  <a:t>proposals</a:t>
+                </a:r>
+                <a:r>
+                  <a:rPr lang="it-IT" dirty="0" smtClean="0"/>
+                  <a:t> </a:t>
+                </a:r>
+                <a:r>
+                  <a:rPr lang="it-IT" dirty="0" err="1" smtClean="0"/>
+                  <a:t>generated</a:t>
+                </a:r>
+                <a:r>
+                  <a:rPr lang="it-IT" dirty="0" smtClean="0"/>
+                  <a:t> by </a:t>
+                </a:r>
+                <a:r>
+                  <a:rPr lang="it-IT" dirty="0" err="1" smtClean="0"/>
+                  <a:t>intensity</a:t>
+                </a:r>
+                <a:r>
+                  <a:rPr lang="it-IT" dirty="0" smtClean="0"/>
+                  <a:t> and </a:t>
+                </a:r>
+                <a:r>
+                  <a:rPr lang="it-IT" dirty="0" err="1" smtClean="0"/>
+                  <a:t>depth-based</a:t>
+                </a:r>
+                <a:r>
+                  <a:rPr lang="it-IT" dirty="0" smtClean="0"/>
+                  <a:t> </a:t>
+                </a:r>
+                <a:r>
+                  <a:rPr lang="it-IT" dirty="0" err="1" smtClean="0"/>
+                  <a:t>detection</a:t>
+                </a:r>
+                <a:r>
+                  <a:rPr lang="it-IT" dirty="0" smtClean="0"/>
+                  <a:t> are </a:t>
+                </a:r>
+                <a:r>
+                  <a:rPr lang="it-IT" dirty="0" err="1" smtClean="0"/>
+                  <a:t>merged</a:t>
+                </a:r>
+                <a:r>
+                  <a:rPr lang="it-IT" dirty="0" smtClean="0"/>
+                  <a:t> by </a:t>
+                </a:r>
+                <a:r>
+                  <a:rPr lang="it-IT" dirty="0" err="1" smtClean="0"/>
+                  <a:t>using</a:t>
+                </a:r>
+                <a:r>
+                  <a:rPr lang="it-IT" dirty="0" smtClean="0"/>
+                  <a:t>:</a:t>
+                </a:r>
+              </a:p>
+              <a:p>
+                <a:pPr marL="0" indent="0">
+                  <a:buNone/>
+                </a:pPr>
+                <a14:m>
+                  <m:oMathPara xmlns:m="http://schemas.openxmlformats.org/officeDocument/2006/math">
+                    <m:oMathParaPr>
+                      <m:jc m:val="centerGroup"/>
+                    </m:oMathParaPr>
+                    <m:oMath xmlns:m="http://schemas.openxmlformats.org/officeDocument/2006/math">
+                      <m:r>
+                        <a:rPr lang="it-IT" b="0" i="1" smtClean="0">
+                          <a:latin typeface="Cambria Math"/>
+                        </a:rPr>
+                        <m:t>𝑅</m:t>
+                      </m:r>
+                      <m:r>
+                        <a:rPr lang="it-IT" b="0" i="1" smtClean="0">
+                          <a:latin typeface="Cambria Math"/>
+                        </a:rPr>
+                        <m:t>=</m:t>
+                      </m:r>
+                      <m:f>
+                        <m:fPr>
+                          <m:ctrlPr>
+                            <a:rPr lang="it-IT" b="0" i="1" smtClean="0">
+                              <a:latin typeface="Cambria Math"/>
+                            </a:rPr>
+                          </m:ctrlPr>
+                        </m:fPr>
+                        <m:num>
+                          <m:r>
+                            <a:rPr lang="it-IT" b="0" i="1" smtClean="0">
+                              <a:latin typeface="Cambria Math"/>
+                            </a:rPr>
+                            <m:t>#</m:t>
+                          </m:r>
+                          <m:r>
+                            <a:rPr lang="it-IT" b="0" i="1" smtClean="0">
+                              <a:latin typeface="Cambria Math"/>
+                            </a:rPr>
+                            <m:t>𝑝𝑖𝑥𝑒𝑙</m:t>
+                          </m:r>
+                          <m:d>
+                            <m:dPr>
+                              <m:ctrlPr>
+                                <a:rPr lang="it-IT" b="0" i="1" smtClean="0">
+                                  <a:latin typeface="Cambria Math"/>
+                                </a:rPr>
+                              </m:ctrlPr>
+                            </m:dPr>
+                            <m:e>
+                              <m:sSub>
+                                <m:sSubPr>
+                                  <m:ctrlPr>
+                                    <a:rPr lang="it-IT" b="0" i="1" smtClean="0">
+                                      <a:latin typeface="Cambria Math"/>
+                                    </a:rPr>
+                                  </m:ctrlPr>
+                                </m:sSubPr>
+                                <m:e>
+                                  <m:r>
+                                    <a:rPr lang="it-IT" b="0" i="1" smtClean="0">
+                                      <a:latin typeface="Cambria Math"/>
+                                    </a:rPr>
+                                    <m:t>𝑃</m:t>
+                                  </m:r>
+                                </m:e>
+                                <m:sub>
+                                  <m:r>
+                                    <a:rPr lang="it-IT" b="0" i="1" smtClean="0">
+                                      <a:latin typeface="Cambria Math"/>
+                                    </a:rPr>
+                                    <m:t>𝑑</m:t>
+                                  </m:r>
+                                </m:sub>
+                              </m:sSub>
+                              <m:r>
+                                <a:rPr lang="it-IT" b="0" i="1" smtClean="0">
+                                  <a:latin typeface="Cambria Math"/>
+                                  <a:ea typeface="Cambria Math"/>
+                                </a:rPr>
+                                <m:t>∩</m:t>
+                              </m:r>
+                              <m:sSub>
+                                <m:sSubPr>
+                                  <m:ctrlPr>
+                                    <a:rPr lang="it-IT" b="0" i="1" smtClean="0">
+                                      <a:latin typeface="Cambria Math"/>
+                                      <a:ea typeface="Cambria Math"/>
+                                    </a:rPr>
+                                  </m:ctrlPr>
+                                </m:sSubPr>
+                                <m:e>
+                                  <m:r>
+                                    <a:rPr lang="it-IT" b="0" i="1" smtClean="0">
+                                      <a:latin typeface="Cambria Math"/>
+                                      <a:ea typeface="Cambria Math"/>
+                                    </a:rPr>
+                                    <m:t>𝑃</m:t>
+                                  </m:r>
+                                </m:e>
+                                <m:sub>
+                                  <m:r>
+                                    <a:rPr lang="it-IT" b="0" i="1" smtClean="0">
+                                      <a:latin typeface="Cambria Math"/>
+                                      <a:ea typeface="Cambria Math"/>
+                                    </a:rPr>
+                                    <m:t>𝑖</m:t>
+                                  </m:r>
+                                </m:sub>
+                              </m:sSub>
+                            </m:e>
+                          </m:d>
+                        </m:num>
+                        <m:den>
+                          <m:r>
+                            <a:rPr lang="it-IT" b="0" i="1" smtClean="0">
+                              <a:latin typeface="Cambria Math"/>
+                            </a:rPr>
+                            <m:t>#</m:t>
+                          </m:r>
+                          <m:r>
+                            <a:rPr lang="it-IT" b="0" i="1" smtClean="0">
+                              <a:latin typeface="Cambria Math"/>
+                            </a:rPr>
+                            <m:t>𝑝𝑖𝑥𝑒𝑙</m:t>
+                          </m:r>
+                          <m:d>
+                            <m:dPr>
+                              <m:ctrlPr>
+                                <a:rPr lang="it-IT" b="0" i="1" smtClean="0">
+                                  <a:latin typeface="Cambria Math"/>
+                                </a:rPr>
+                              </m:ctrlPr>
+                            </m:dPr>
+                            <m:e>
+                              <m:sSub>
+                                <m:sSubPr>
+                                  <m:ctrlPr>
+                                    <a:rPr lang="it-IT" i="1">
+                                      <a:latin typeface="Cambria Math"/>
+                                    </a:rPr>
+                                  </m:ctrlPr>
+                                </m:sSubPr>
+                                <m:e>
+                                  <m:r>
+                                    <a:rPr lang="it-IT" i="1">
+                                      <a:latin typeface="Cambria Math"/>
+                                    </a:rPr>
+                                    <m:t>𝑃</m:t>
+                                  </m:r>
+                                </m:e>
+                                <m:sub>
+                                  <m:r>
+                                    <a:rPr lang="it-IT" i="1">
+                                      <a:latin typeface="Cambria Math"/>
+                                    </a:rPr>
+                                    <m:t>𝑑</m:t>
+                                  </m:r>
+                                </m:sub>
+                              </m:sSub>
+                              <m:r>
+                                <a:rPr lang="it-IT" i="1" smtClean="0">
+                                  <a:latin typeface="Cambria Math"/>
+                                  <a:ea typeface="Cambria Math"/>
+                                </a:rPr>
+                                <m:t>∪</m:t>
+                              </m:r>
+                              <m:sSub>
+                                <m:sSubPr>
+                                  <m:ctrlPr>
+                                    <a:rPr lang="it-IT" i="1">
+                                      <a:latin typeface="Cambria Math"/>
+                                      <a:ea typeface="Cambria Math"/>
+                                    </a:rPr>
+                                  </m:ctrlPr>
+                                </m:sSubPr>
+                                <m:e>
+                                  <m:r>
+                                    <a:rPr lang="it-IT" i="1">
+                                      <a:latin typeface="Cambria Math"/>
+                                      <a:ea typeface="Cambria Math"/>
+                                    </a:rPr>
+                                    <m:t>𝑃</m:t>
+                                  </m:r>
+                                </m:e>
+                                <m:sub>
+                                  <m:r>
+                                    <a:rPr lang="it-IT" i="1">
+                                      <a:latin typeface="Cambria Math"/>
+                                      <a:ea typeface="Cambria Math"/>
+                                    </a:rPr>
+                                    <m:t>𝑖</m:t>
+                                  </m:r>
+                                </m:sub>
+                              </m:sSub>
+                            </m:e>
+                          </m:d>
+                        </m:den>
+                      </m:f>
+                    </m:oMath>
+                  </m:oMathPara>
+                </a14:m>
+                <a:endParaRPr lang="it-IT" b="0" dirty="0" smtClean="0"/>
+              </a:p>
+              <a:p>
+                <a:r>
+                  <a:rPr lang="it-IT" dirty="0" err="1" smtClean="0"/>
+                  <a:t>where</a:t>
+                </a:r>
+                <a:r>
+                  <a:rPr lang="it-IT" dirty="0" smtClean="0"/>
+                  <a:t> </a:t>
+                </a:r>
+                <a14:m>
+                  <m:oMath xmlns:m="http://schemas.openxmlformats.org/officeDocument/2006/math">
+                    <m:sSub>
+                      <m:sSubPr>
+                        <m:ctrlPr>
+                          <a:rPr lang="it-IT" i="1">
+                            <a:latin typeface="Cambria Math"/>
+                          </a:rPr>
+                        </m:ctrlPr>
+                      </m:sSubPr>
+                      <m:e>
+                        <m:r>
+                          <a:rPr lang="it-IT" i="1">
+                            <a:latin typeface="Cambria Math"/>
+                          </a:rPr>
+                          <m:t>𝑃</m:t>
+                        </m:r>
+                      </m:e>
+                      <m:sub>
+                        <m:r>
+                          <a:rPr lang="it-IT" i="1">
+                            <a:latin typeface="Cambria Math"/>
+                          </a:rPr>
+                          <m:t>𝑑</m:t>
+                        </m:r>
+                      </m:sub>
+                    </m:sSub>
+                  </m:oMath>
+                </a14:m>
+                <a:r>
+                  <a:rPr lang="it-IT" dirty="0" smtClean="0"/>
+                  <a:t> and </a:t>
+                </a:r>
+                <a14:m>
+                  <m:oMath xmlns:m="http://schemas.openxmlformats.org/officeDocument/2006/math">
+                    <m:sSub>
+                      <m:sSubPr>
+                        <m:ctrlPr>
+                          <a:rPr lang="it-IT" i="1">
+                            <a:latin typeface="Cambria Math"/>
+                          </a:rPr>
+                        </m:ctrlPr>
+                      </m:sSubPr>
+                      <m:e>
+                        <m:r>
+                          <a:rPr lang="it-IT" i="1">
+                            <a:latin typeface="Cambria Math"/>
+                          </a:rPr>
+                          <m:t>𝑃</m:t>
+                        </m:r>
+                      </m:e>
+                      <m:sub>
+                        <m:r>
+                          <a:rPr lang="it-IT" b="0" i="1" smtClean="0">
+                            <a:latin typeface="Cambria Math"/>
+                          </a:rPr>
+                          <m:t>𝑖</m:t>
+                        </m:r>
+                      </m:sub>
+                    </m:sSub>
+                  </m:oMath>
+                </a14:m>
+                <a:r>
+                  <a:rPr lang="it-IT" dirty="0" smtClean="0"/>
+                  <a:t> are </a:t>
+                </a:r>
+                <a:r>
+                  <a:rPr lang="it-IT" dirty="0" err="1" smtClean="0"/>
+                  <a:t>two</a:t>
+                </a:r>
+                <a:r>
+                  <a:rPr lang="it-IT" dirty="0" smtClean="0"/>
+                  <a:t> </a:t>
+                </a:r>
+                <a:r>
+                  <a:rPr lang="it-IT" dirty="0" err="1" smtClean="0"/>
+                  <a:t>overlapping</a:t>
+                </a:r>
+                <a:r>
+                  <a:rPr lang="it-IT" dirty="0" smtClean="0"/>
+                  <a:t> </a:t>
+                </a:r>
+                <a:r>
+                  <a:rPr lang="it-IT" dirty="0" err="1" smtClean="0"/>
+                  <a:t>bounding</a:t>
+                </a:r>
+                <a:r>
+                  <a:rPr lang="it-IT" dirty="0" smtClean="0"/>
+                  <a:t> boxes in </a:t>
+                </a:r>
+                <a:r>
+                  <a:rPr lang="it-IT" dirty="0" err="1" smtClean="0"/>
+                  <a:t>depth</a:t>
+                </a:r>
+                <a:r>
+                  <a:rPr lang="it-IT" dirty="0" smtClean="0"/>
+                  <a:t> and </a:t>
+                </a:r>
+                <a:r>
+                  <a:rPr lang="it-IT" dirty="0" err="1" smtClean="0"/>
+                  <a:t>intensity</a:t>
+                </a:r>
+                <a:r>
+                  <a:rPr lang="it-IT" dirty="0"/>
+                  <a:t>.</a:t>
+                </a:r>
+                <a:endParaRPr lang="it-IT" dirty="0" smtClean="0"/>
+              </a:p>
+              <a:p>
+                <a:r>
+                  <a:rPr lang="it-IT" dirty="0" err="1" smtClean="0"/>
+                  <a:t>If</a:t>
+                </a:r>
+                <a:r>
+                  <a:rPr lang="it-IT" dirty="0" smtClean="0"/>
+                  <a:t> </a:t>
+                </a:r>
+                <a14:m>
+                  <m:oMath xmlns:m="http://schemas.openxmlformats.org/officeDocument/2006/math">
+                    <m:r>
+                      <a:rPr lang="it-IT" b="0" i="1" smtClean="0">
+                        <a:latin typeface="Cambria Math"/>
+                      </a:rPr>
+                      <m:t>𝑅</m:t>
+                    </m:r>
+                    <m:r>
+                      <a:rPr lang="it-IT" b="0" i="1" smtClean="0">
+                        <a:latin typeface="Cambria Math"/>
+                        <a:ea typeface="Cambria Math"/>
+                      </a:rPr>
+                      <m:t>≥50%</m:t>
+                    </m:r>
+                  </m:oMath>
+                </a14:m>
+                <a:r>
+                  <a:rPr lang="it-IT" dirty="0" smtClean="0"/>
+                  <a:t> an </a:t>
+                </a:r>
+                <a:r>
+                  <a:rPr lang="it-IT" dirty="0" err="1" smtClean="0"/>
+                  <a:t>abandoned</a:t>
+                </a:r>
+                <a:r>
+                  <a:rPr lang="it-IT" dirty="0" smtClean="0"/>
+                  <a:t> item </a:t>
+                </a:r>
+                <a:r>
+                  <a:rPr lang="it-IT" dirty="0" err="1" smtClean="0"/>
+                  <a:t>is</a:t>
+                </a:r>
+                <a:r>
+                  <a:rPr lang="it-IT" dirty="0" smtClean="0"/>
+                  <a:t> </a:t>
+                </a:r>
+                <a:r>
+                  <a:rPr lang="it-IT" dirty="0" err="1" smtClean="0"/>
+                  <a:t>detected</a:t>
+                </a:r>
+                <a:r>
+                  <a:rPr lang="it-IT" dirty="0" smtClean="0"/>
+                  <a:t>.</a:t>
+                </a:r>
+              </a:p>
+            </p:txBody>
+          </p:sp>
+        </mc:Choice>
+        <mc:Fallback>
+          <p:sp>
+            <p:nvSpPr>
+              <p:cNvPr id="3" name="Segnaposto contenuto 2"/>
+              <p:cNvSpPr>
+                <a:spLocks noGrp="1" noRot="1" noChangeAspect="1" noMove="1" noResize="1" noEditPoints="1" noAdjustHandles="1" noChangeArrowheads="1" noChangeShapeType="1" noTextEdit="1"/>
+              </p:cNvSpPr>
+              <p:nvPr>
+                <p:ph idx="1"/>
+              </p:nvPr>
+            </p:nvSpPr>
+            <p:spPr>
+              <a:blipFill rotWithShape="1">
+                <a:blip r:embed="rId2"/>
+                <a:stretch>
+                  <a:fillRect l="-323" t="-412" r="-323"/>
+                </a:stretch>
+              </a:blipFill>
+            </p:spPr>
+            <p:txBody>
+              <a:bodyPr/>
+              <a:lstStyle/>
+              <a:p>
+                <a:r>
+                  <a:rPr lang="it-IT">
+                    <a:noFill/>
+                  </a:rPr>
+                  <a:t> </a:t>
+                </a:r>
+              </a:p>
+            </p:txBody>
+          </p:sp>
+        </mc:Fallback>
+      </mc:AlternateContent>
+      <p:sp>
+        <p:nvSpPr>
+          <p:cNvPr id="4" name="Segnaposto contenuto 3"/>
+          <p:cNvSpPr>
+            <a:spLocks noGrp="1"/>
+          </p:cNvSpPr>
+          <p:nvPr>
+            <p:ph sz="quarter" idx="11"/>
+          </p:nvPr>
+        </p:nvSpPr>
+        <p:spPr/>
+        <p:txBody>
+          <a:bodyPr/>
+          <a:lstStyle/>
+          <a:p>
+            <a:r>
+              <a:rPr lang="it-IT" dirty="0" err="1" smtClean="0"/>
+              <a:t>Approach</a:t>
             </a:r>
             <a:endParaRPr lang="it-IT" dirty="0"/>
           </a:p>
@@ -6059,7 +13458,7 @@
     </p:spTree>
     <p:extLst>
       <p:ext uri="{BB962C8B-B14F-4D97-AF65-F5344CB8AC3E}">
-        <p14:creationId xmlns:p14="http://schemas.microsoft.com/office/powerpoint/2010/main" val="2694862612"/>
+        <p14:creationId xmlns:p14="http://schemas.microsoft.com/office/powerpoint/2010/main" val="1800901663"/>
       </p:ext>
     </p:extLst>
   </p:cSld>

--- a/docs/Presentation - Left luggage detection.pptx
+++ b/docs/Presentation - Left luggage detection.pptx
@@ -5,10 +5,10 @@
     <p:sldMasterId id="2147483648" r:id="rId1"/>
   </p:sldMasterIdLst>
   <p:notesMasterIdLst>
-    <p:notesMasterId r:id="rId15"/>
+    <p:notesMasterId r:id="rId19"/>
   </p:notesMasterIdLst>
   <p:handoutMasterIdLst>
-    <p:handoutMasterId r:id="rId16"/>
+    <p:handoutMasterId r:id="rId20"/>
   </p:handoutMasterIdLst>
   <p:sldIdLst>
     <p:sldId id="320" r:id="rId2"/>
@@ -22,8 +22,12 @@
     <p:sldId id="384" r:id="rId10"/>
     <p:sldId id="376" r:id="rId11"/>
     <p:sldId id="385" r:id="rId12"/>
-    <p:sldId id="374" r:id="rId13"/>
-    <p:sldId id="383" r:id="rId14"/>
+    <p:sldId id="387" r:id="rId13"/>
+    <p:sldId id="388" r:id="rId14"/>
+    <p:sldId id="389" r:id="rId15"/>
+    <p:sldId id="390" r:id="rId16"/>
+    <p:sldId id="383" r:id="rId17"/>
+    <p:sldId id="374" r:id="rId18"/>
   </p:sldIdLst>
   <p:sldSz cx="9144000" cy="6858000" type="screen4x3"/>
   <p:notesSz cx="6858000" cy="9144000"/>
@@ -269,7 +273,7 @@
               <a:pPr>
                 <a:defRPr/>
               </a:pPr>
-              <a:t>08/03/2014</a:t>
+              <a:t>15/03/2014</a:t>
             </a:fld>
             <a:endParaRPr lang="it-IT" altLang="it-IT"/>
           </a:p>
@@ -4822,12 +4826,11 @@
               <a:rPr lang="it-IT" dirty="0"/>
               <a:t>Technologies</a:t>
             </a:r>
-            <a:endParaRPr lang="it-IT" dirty="0"/>
           </a:p>
         </p:txBody>
       </p:sp>
-      <mc:AlternateContent xmlns:mc="http://schemas.openxmlformats.org/markup-compatibility/2006">
-        <mc:Choice xmlns:a14="http://schemas.microsoft.com/office/drawing/2010/main" Requires="a14">
+      <mc:AlternateContent xmlns:mc="http://schemas.openxmlformats.org/markup-compatibility/2006" xmlns:a14="http://schemas.microsoft.com/office/drawing/2010/main">
+        <mc:Choice Requires="a14">
           <p:sp>
             <p:nvSpPr>
               <p:cNvPr id="3" name="Segnaposto contenuto 2"/>
@@ -5040,7 +5043,7 @@
             </p:txBody>
           </p:sp>
         </mc:Choice>
-        <mc:Fallback>
+        <mc:Fallback xmlns="">
           <p:sp>
             <p:nvSpPr>
               <p:cNvPr id="3" name="Segnaposto contenuto 2"/>
@@ -5149,7 +5152,7 @@
         </p:blipFill>
         <p:spPr>
           <a:xfrm>
-            <a:off x="4067944" y="4869160"/>
+            <a:off x="4067944" y="4754848"/>
             <a:ext cx="2877699" cy="972000"/>
           </a:xfrm>
           <a:prstGeom prst="rect">
@@ -5181,6 +5184,36 @@
           <a:xfrm>
             <a:off x="7059289" y="4725144"/>
             <a:ext cx="1169147" cy="1440000"/>
+          </a:xfrm>
+          <a:prstGeom prst="rect">
+            <a:avLst/>
+          </a:prstGeom>
+        </p:spPr>
+      </p:pic>
+      <p:pic>
+        <p:nvPicPr>
+          <p:cNvPr id="9" name="Immagine 8"/>
+          <p:cNvPicPr>
+            <a:picLocks noChangeAspect="1"/>
+          </p:cNvPicPr>
+          <p:nvPr/>
+        </p:nvPicPr>
+        <p:blipFill>
+          <a:blip r:embed="rId7">
+            <a:extLst>
+              <a:ext uri="{28A0092B-C50C-407E-A947-70E740481C1C}">
+                <a14:useLocalDpi xmlns:a14="http://schemas.microsoft.com/office/drawing/2010/main" val="0"/>
+              </a:ext>
+            </a:extLst>
+          </a:blip>
+          <a:stretch>
+            <a:fillRect/>
+          </a:stretch>
+        </p:blipFill>
+        <p:spPr>
+          <a:xfrm>
+            <a:off x="2591158" y="5333064"/>
+            <a:ext cx="3680000" cy="828000"/>
           </a:xfrm>
           <a:prstGeom prst="rect">
             <a:avLst/>
@@ -5251,8 +5284,8 @@
           </a:p>
         </p:txBody>
       </p:sp>
-      <mc:AlternateContent xmlns:mc="http://schemas.openxmlformats.org/markup-compatibility/2006">
-        <mc:Choice xmlns:a14="http://schemas.microsoft.com/office/drawing/2010/main" Requires="a14">
+      <mc:AlternateContent xmlns:mc="http://schemas.openxmlformats.org/markup-compatibility/2006" xmlns:a14="http://schemas.microsoft.com/office/drawing/2010/main">
+        <mc:Choice Requires="a14">
           <p:sp>
             <p:nvSpPr>
               <p:cNvPr id="3" name="Segnaposto contenuto 2"/>
@@ -5266,58 +5299,58 @@
             <p:spPr/>
             <p:txBody>
               <a:bodyPr>
-                <a:normAutofit fontScale="85000" lnSpcReduction="20000"/>
+                <a:normAutofit fontScale="70000" lnSpcReduction="20000"/>
               </a:bodyPr>
               <a:lstStyle/>
               <a:p>
                 <a:r>
-                  <a:rPr lang="it-IT" dirty="0" smtClean="0"/>
+                  <a:rPr lang="it-IT" sz="3000" dirty="0" smtClean="0"/>
                   <a:t>We </a:t>
                 </a:r>
                 <a:r>
-                  <a:rPr lang="it-IT" dirty="0" err="1" smtClean="0"/>
+                  <a:rPr lang="it-IT" sz="3000" dirty="0" err="1" smtClean="0"/>
                   <a:t>implement</a:t>
                 </a:r>
                 <a:r>
-                  <a:rPr lang="it-IT" dirty="0" smtClean="0"/>
+                  <a:rPr lang="it-IT" sz="3000" dirty="0" smtClean="0"/>
                   <a:t> an </a:t>
                 </a:r>
                 <a:r>
-                  <a:rPr lang="it-IT" dirty="0" err="1" smtClean="0"/>
+                  <a:rPr lang="it-IT" sz="3000" dirty="0" err="1" smtClean="0"/>
                   <a:t>intensity</a:t>
                 </a:r>
                 <a:r>
-                  <a:rPr lang="it-IT" dirty="0" smtClean="0"/>
+                  <a:rPr lang="it-IT" sz="3000" dirty="0" smtClean="0"/>
                   <a:t> processing </a:t>
                 </a:r>
                 <a:r>
-                  <a:rPr lang="it-IT" dirty="0" err="1" smtClean="0"/>
+                  <a:rPr lang="it-IT" sz="3000" dirty="0" err="1" smtClean="0"/>
                   <a:t>module</a:t>
                 </a:r>
                 <a:r>
-                  <a:rPr lang="it-IT" dirty="0" smtClean="0"/>
+                  <a:rPr lang="it-IT" sz="3000" dirty="0" smtClean="0"/>
                   <a:t>.</a:t>
                 </a:r>
               </a:p>
               <a:p>
                 <a:r>
-                  <a:rPr lang="en-US" dirty="0" smtClean="0"/>
+                  <a:rPr lang="en-US" sz="3000" dirty="0" smtClean="0"/>
                   <a:t>The </a:t>
                 </a:r>
                 <a:r>
-                  <a:rPr lang="en-US" dirty="0"/>
+                  <a:rPr lang="en-US" sz="3000" dirty="0"/>
                   <a:t>RGB </a:t>
                 </a:r>
                 <a:r>
-                  <a:rPr lang="en-US" dirty="0" smtClean="0"/>
+                  <a:rPr lang="en-US" sz="3000" dirty="0" smtClean="0"/>
                   <a:t>processing </a:t>
                 </a:r>
                 <a:r>
-                  <a:rPr lang="en-US" dirty="0"/>
+                  <a:rPr lang="en-US" sz="3000" dirty="0"/>
                   <a:t>routine can be summed as </a:t>
                 </a:r>
                 <a:r>
-                  <a:rPr lang="en-US" dirty="0" smtClean="0"/>
+                  <a:rPr lang="en-US" sz="3000" dirty="0" smtClean="0"/>
                   <a:t>following:</a:t>
                 </a:r>
               </a:p>
@@ -5342,241 +5375,7 @@
                   </a:spcBef>
                   <a:buNone/>
                 </a:pPr>
-                <a:r>
-                  <a:rPr lang="it-IT" sz="1000" dirty="0" smtClean="0">
-                    <a:solidFill>
-                      <a:srgbClr val="008000"/>
-                    </a:solidFill>
-                    <a:latin typeface="Courier New"/>
-                  </a:rPr>
-                  <a:t># </a:t>
-                </a:r>
-                <a:r>
-                  <a:rPr lang="it-IT" sz="1000" dirty="0" err="1">
-                    <a:solidFill>
-                      <a:srgbClr val="008000"/>
-                    </a:solidFill>
-                    <a:latin typeface="Courier New"/>
-                  </a:rPr>
-                  <a:t>get</a:t>
-                </a:r>
-                <a:r>
-                  <a:rPr lang="it-IT" sz="1000" dirty="0">
-                    <a:solidFill>
-                      <a:srgbClr val="008000"/>
-                    </a:solidFill>
-                    <a:latin typeface="Courier New"/>
-                  </a:rPr>
-                  <a:t> </a:t>
-                </a:r>
-                <a:r>
-                  <a:rPr lang="it-IT" sz="1000" dirty="0" err="1">
-                    <a:solidFill>
-                      <a:srgbClr val="008000"/>
-                    </a:solidFill>
-                    <a:latin typeface="Courier New"/>
-                  </a:rPr>
-                  <a:t>rgb</a:t>
-                </a:r>
-                <a:r>
-                  <a:rPr lang="it-IT" sz="1000" dirty="0">
-                    <a:solidFill>
-                      <a:srgbClr val="008000"/>
-                    </a:solidFill>
-                    <a:latin typeface="Courier New"/>
-                  </a:rPr>
-                  <a:t> </a:t>
-                </a:r>
-                <a:r>
-                  <a:rPr lang="it-IT" sz="1000" dirty="0" err="1">
-                    <a:solidFill>
-                      <a:srgbClr val="008000"/>
-                    </a:solidFill>
-                    <a:latin typeface="Courier New"/>
-                  </a:rPr>
-                  <a:t>dual</a:t>
-                </a:r>
-                <a:r>
-                  <a:rPr lang="it-IT" sz="1000" dirty="0">
-                    <a:solidFill>
-                      <a:srgbClr val="008000"/>
-                    </a:solidFill>
-                    <a:latin typeface="Courier New"/>
-                  </a:rPr>
-                  <a:t> </a:t>
-                </a:r>
-                <a:r>
-                  <a:rPr lang="it-IT" sz="1000" dirty="0" err="1" smtClean="0">
-                    <a:solidFill>
-                      <a:srgbClr val="008000"/>
-                    </a:solidFill>
-                    <a:latin typeface="Courier New"/>
-                  </a:rPr>
-                  <a:t>foreground</a:t>
-                </a:r>
-                <a:r>
-                  <a:rPr lang="it-IT" sz="1000" dirty="0" smtClean="0">
-                    <a:solidFill>
-                      <a:srgbClr val="008000"/>
-                    </a:solidFill>
-                    <a:latin typeface="Courier New"/>
-                  </a:rPr>
-                  <a:t> (long </a:t>
-                </a:r>
-                <a:r>
-                  <a:rPr lang="it-IT" sz="1000" dirty="0">
-                    <a:solidFill>
-                      <a:srgbClr val="008000"/>
-                    </a:solidFill>
-                    <a:latin typeface="Courier New"/>
-                  </a:rPr>
-                  <a:t>and short </a:t>
-                </a:r>
-                <a:r>
-                  <a:rPr lang="it-IT" sz="1000" dirty="0" err="1" smtClean="0">
-                    <a:solidFill>
-                      <a:srgbClr val="008000"/>
-                    </a:solidFill>
-                    <a:latin typeface="Courier New"/>
-                  </a:rPr>
-                  <a:t>term</a:t>
-                </a:r>
-                <a:r>
-                  <a:rPr lang="it-IT" sz="1000" dirty="0" smtClean="0">
-                    <a:solidFill>
-                      <a:srgbClr val="008000"/>
-                    </a:solidFill>
-                    <a:latin typeface="Courier New"/>
-                  </a:rPr>
-                  <a:t>)</a:t>
-                </a:r>
-                <a:endParaRPr lang="it-IT" sz="1000" dirty="0">
-                  <a:latin typeface="Courier New"/>
-                </a:endParaRPr>
-              </a:p>
-              <a:p>
-                <a:pPr marL="684000" lvl="2" indent="0">
-                  <a:spcBef>
-                    <a:spcPts val="0"/>
-                  </a:spcBef>
-                  <a:buNone/>
-                </a:pPr>
-                <a:r>
-                  <a:rPr lang="it-IT" sz="1000" dirty="0" err="1" smtClean="0">
-                    <a:latin typeface="Courier New"/>
-                  </a:rPr>
-                  <a:t>rgb</a:t>
-                </a:r>
-                <a:r>
-                  <a:rPr lang="it-IT" sz="1000" b="1" dirty="0" err="1" smtClean="0">
-                    <a:solidFill>
-                      <a:srgbClr val="000080"/>
-                    </a:solidFill>
-                    <a:latin typeface="Courier New"/>
-                  </a:rPr>
-                  <a:t>.</a:t>
-                </a:r>
-                <a:r>
-                  <a:rPr lang="it-IT" sz="1000" dirty="0" err="1" smtClean="0">
-                    <a:latin typeface="Courier New"/>
-                  </a:rPr>
-                  <a:t>compute_foreground_masks</a:t>
-                </a:r>
-                <a:r>
-                  <a:rPr lang="it-IT" sz="1000" b="1" dirty="0" smtClean="0">
-                    <a:solidFill>
-                      <a:srgbClr val="000080"/>
-                    </a:solidFill>
-                    <a:latin typeface="Courier New"/>
-                  </a:rPr>
-                  <a:t>(</a:t>
-                </a:r>
-                <a:r>
-                  <a:rPr lang="it-IT" sz="1000" dirty="0" err="1" smtClean="0">
-                    <a:latin typeface="Courier New"/>
-                  </a:rPr>
-                  <a:t>rgb</a:t>
-                </a:r>
-                <a:r>
-                  <a:rPr lang="it-IT" sz="1000" b="1" dirty="0" err="1" smtClean="0">
-                    <a:solidFill>
-                      <a:srgbClr val="000080"/>
-                    </a:solidFill>
-                    <a:latin typeface="Courier New"/>
-                  </a:rPr>
-                  <a:t>.</a:t>
-                </a:r>
-                <a:r>
-                  <a:rPr lang="it-IT" sz="1000" dirty="0" err="1" smtClean="0">
-                    <a:latin typeface="Courier New"/>
-                  </a:rPr>
-                  <a:t>current_frame</a:t>
-                </a:r>
-                <a:r>
-                  <a:rPr lang="it-IT" sz="1000" b="1" dirty="0" smtClean="0">
-                    <a:solidFill>
-                      <a:srgbClr val="000080"/>
-                    </a:solidFill>
-                    <a:latin typeface="Courier New"/>
-                  </a:rPr>
-                  <a:t>)</a:t>
-                </a:r>
-              </a:p>
-              <a:p>
-                <a:pPr marL="684000" lvl="2" indent="0">
-                  <a:spcBef>
-                    <a:spcPts val="0"/>
-                  </a:spcBef>
-                  <a:buNone/>
-                </a:pPr>
-                <a:endParaRPr lang="it-IT" sz="1000" dirty="0">
-                  <a:latin typeface="Courier New"/>
-                </a:endParaRPr>
-              </a:p>
-              <a:p>
-                <a:pPr marL="684000" lvl="2" indent="0">
-                  <a:spcBef>
-                    <a:spcPts val="0"/>
-                  </a:spcBef>
-                  <a:buNone/>
-                </a:pPr>
-                <a:r>
-                  <a:rPr lang="it-IT" sz="1000" dirty="0">
-                    <a:solidFill>
-                      <a:srgbClr val="008000"/>
-                    </a:solidFill>
-                    <a:latin typeface="Courier New"/>
-                  </a:rPr>
-                  <a:t># update </a:t>
-                </a:r>
-                <a:r>
-                  <a:rPr lang="it-IT" sz="1000" dirty="0" err="1">
-                    <a:solidFill>
-                      <a:srgbClr val="008000"/>
-                    </a:solidFill>
-                    <a:latin typeface="Courier New"/>
-                  </a:rPr>
-                  <a:t>rgb</a:t>
-                </a:r>
-                <a:r>
-                  <a:rPr lang="it-IT" sz="1000" dirty="0">
-                    <a:solidFill>
-                      <a:srgbClr val="008000"/>
-                    </a:solidFill>
-                    <a:latin typeface="Courier New"/>
-                  </a:rPr>
-                  <a:t> </a:t>
-                </a:r>
-                <a:r>
-                  <a:rPr lang="it-IT" sz="1000" dirty="0" err="1">
-                    <a:solidFill>
-                      <a:srgbClr val="008000"/>
-                    </a:solidFill>
-                    <a:latin typeface="Courier New"/>
-                  </a:rPr>
-                  <a:t>aggregator</a:t>
-                </a:r>
-                <a:endParaRPr lang="it-IT" sz="1000" dirty="0">
+                <a:endParaRPr lang="en-US" sz="1000" dirty="0" smtClean="0">
                   <a:solidFill>
                     <a:srgbClr val="008000"/>
                   </a:solidFill>
@@ -5591,35 +5390,35 @@
                   <a:buNone/>
                 </a:pPr>
                 <a:r>
-                  <a:rPr lang="it-IT" sz="1000" dirty="0" err="1">
-                    <a:latin typeface="Courier New"/>
-                  </a:rPr>
-                  <a:t>rgb</a:t>
-                </a:r>
-                <a:r>
-                  <a:rPr lang="it-IT" sz="1000" b="1" dirty="0" err="1">
+                  <a:rPr lang="en-US" sz="1100" dirty="0" smtClean="0">
                     <a:solidFill>
-                      <a:srgbClr val="000080"/>
+                      <a:srgbClr val="008000"/>
                     </a:solidFill>
                     <a:latin typeface="Courier New"/>
                   </a:rPr>
-                  <a:t>.</a:t>
-                </a:r>
-                <a:r>
-                  <a:rPr lang="it-IT" sz="1000" dirty="0" err="1">
-                    <a:latin typeface="Courier New"/>
-                  </a:rPr>
-                  <a:t>update_detection_aggregator</a:t>
-                </a:r>
-                <a:r>
-                  <a:rPr lang="it-IT" sz="1000" b="1" dirty="0" smtClean="0">
+                  <a:t># </a:t>
+                </a:r>
+                <a:r>
+                  <a:rPr lang="en-US" sz="1100" dirty="0">
                     <a:solidFill>
-                      <a:srgbClr val="000080"/>
+                      <a:srgbClr val="008000"/>
                     </a:solidFill>
                     <a:latin typeface="Courier New"/>
                   </a:rPr>
-                  <a:t>()</a:t>
-                </a:r>
+                  <a:t>get next video </a:t>
+                </a:r>
+                <a:r>
+                  <a:rPr lang="en-US" sz="1100" dirty="0" smtClean="0">
+                    <a:solidFill>
+                      <a:srgbClr val="008000"/>
+                    </a:solidFill>
+                    <a:latin typeface="Courier New"/>
+                  </a:rPr>
+                  <a:t>frame</a:t>
+                </a:r>
+                <a:endParaRPr lang="en-US" sz="1100" dirty="0" smtClean="0">
+                  <a:latin typeface="Courier New"/>
+                </a:endParaRPr>
               </a:p>
               <a:p>
                 <a:pPr marL="684000" lvl="2" indent="0">
@@ -5628,7 +5427,382 @@
                   </a:spcBef>
                   <a:buNone/>
                 </a:pPr>
-                <a:endParaRPr lang="it-IT" sz="1000" b="1" dirty="0">
+                <a:r>
+                  <a:rPr lang="en-US" sz="1100" dirty="0" err="1" smtClean="0">
+                    <a:latin typeface="Courier New"/>
+                  </a:rPr>
+                  <a:t>rgb</a:t>
+                </a:r>
+                <a:r>
+                  <a:rPr lang="en-US" sz="1100" b="1" dirty="0" err="1" smtClean="0">
+                    <a:solidFill>
+                      <a:srgbClr val="000080"/>
+                    </a:solidFill>
+                    <a:latin typeface="Courier New"/>
+                  </a:rPr>
+                  <a:t>.</a:t>
+                </a:r>
+                <a:r>
+                  <a:rPr lang="en-US" sz="1100" dirty="0" err="1" smtClean="0">
+                    <a:latin typeface="Courier New"/>
+                  </a:rPr>
+                  <a:t>current_frame</a:t>
+                </a:r>
+                <a:r>
+                  <a:rPr lang="en-US" sz="1100" dirty="0" smtClean="0">
+                    <a:latin typeface="Courier New"/>
+                  </a:rPr>
+                  <a:t> </a:t>
+                </a:r>
+                <a:r>
+                  <a:rPr lang="en-US" sz="1100" b="1" dirty="0">
+                    <a:solidFill>
+                      <a:srgbClr val="000080"/>
+                    </a:solidFill>
+                    <a:latin typeface="Courier New"/>
+                  </a:rPr>
+                  <a:t>=</a:t>
+                </a:r>
+                <a:r>
+                  <a:rPr lang="en-US" sz="1100" dirty="0">
+                    <a:latin typeface="Courier New"/>
+                  </a:rPr>
+                  <a:t> </a:t>
+                </a:r>
+                <a:r>
+                  <a:rPr lang="en-US" sz="1100" dirty="0" err="1">
+                    <a:latin typeface="Courier New"/>
+                  </a:rPr>
+                  <a:t>cam</a:t>
+                </a:r>
+                <a:r>
+                  <a:rPr lang="en-US" sz="1100" b="1" dirty="0" err="1">
+                    <a:solidFill>
+                      <a:srgbClr val="000080"/>
+                    </a:solidFill>
+                    <a:latin typeface="Courier New"/>
+                  </a:rPr>
+                  <a:t>.</a:t>
+                </a:r>
+                <a:r>
+                  <a:rPr lang="en-US" sz="1100" dirty="0" err="1">
+                    <a:latin typeface="Courier New"/>
+                  </a:rPr>
+                  <a:t>get_image</a:t>
+                </a:r>
+                <a:r>
+                  <a:rPr lang="en-US" sz="1100" b="1" dirty="0" smtClean="0">
+                    <a:solidFill>
+                      <a:srgbClr val="000080"/>
+                    </a:solidFill>
+                    <a:latin typeface="Courier New"/>
+                  </a:rPr>
+                  <a:t>()</a:t>
+                </a:r>
+              </a:p>
+              <a:p>
+                <a:pPr marL="684000" lvl="2" indent="0">
+                  <a:spcBef>
+                    <a:spcPts val="0"/>
+                  </a:spcBef>
+                  <a:buNone/>
+                </a:pPr>
+                <a:endParaRPr lang="en-US" sz="1100" dirty="0"/>
+              </a:p>
+              <a:p>
+                <a:pPr marL="684000" lvl="2" indent="0">
+                  <a:spcBef>
+                    <a:spcPts val="0"/>
+                  </a:spcBef>
+                  <a:buNone/>
+                </a:pPr>
+                <a:r>
+                  <a:rPr lang="it-IT" sz="1100" dirty="0" smtClean="0">
+                    <a:solidFill>
+                      <a:srgbClr val="008000"/>
+                    </a:solidFill>
+                    <a:latin typeface="Courier New"/>
+                  </a:rPr>
+                  <a:t># </a:t>
+                </a:r>
+                <a:r>
+                  <a:rPr lang="it-IT" sz="1100" dirty="0" err="1">
+                    <a:solidFill>
+                      <a:srgbClr val="008000"/>
+                    </a:solidFill>
+                    <a:latin typeface="Courier New"/>
+                  </a:rPr>
+                  <a:t>get</a:t>
+                </a:r>
+                <a:r>
+                  <a:rPr lang="it-IT" sz="1100" dirty="0">
+                    <a:solidFill>
+                      <a:srgbClr val="008000"/>
+                    </a:solidFill>
+                    <a:latin typeface="Courier New"/>
+                  </a:rPr>
+                  <a:t> </a:t>
+                </a:r>
+                <a:r>
+                  <a:rPr lang="it-IT" sz="1100" dirty="0" err="1">
+                    <a:solidFill>
+                      <a:srgbClr val="008000"/>
+                    </a:solidFill>
+                    <a:latin typeface="Courier New"/>
+                  </a:rPr>
+                  <a:t>rgb</a:t>
+                </a:r>
+                <a:r>
+                  <a:rPr lang="it-IT" sz="1100" dirty="0">
+                    <a:solidFill>
+                      <a:srgbClr val="008000"/>
+                    </a:solidFill>
+                    <a:latin typeface="Courier New"/>
+                  </a:rPr>
+                  <a:t> </a:t>
+                </a:r>
+                <a:r>
+                  <a:rPr lang="it-IT" sz="1100" dirty="0" err="1">
+                    <a:solidFill>
+                      <a:srgbClr val="008000"/>
+                    </a:solidFill>
+                    <a:latin typeface="Courier New"/>
+                  </a:rPr>
+                  <a:t>dual</a:t>
+                </a:r>
+                <a:r>
+                  <a:rPr lang="it-IT" sz="1100" dirty="0">
+                    <a:solidFill>
+                      <a:srgbClr val="008000"/>
+                    </a:solidFill>
+                    <a:latin typeface="Courier New"/>
+                  </a:rPr>
+                  <a:t> </a:t>
+                </a:r>
+                <a:r>
+                  <a:rPr lang="it-IT" sz="1100" dirty="0" err="1" smtClean="0">
+                    <a:solidFill>
+                      <a:srgbClr val="008000"/>
+                    </a:solidFill>
+                    <a:latin typeface="Courier New"/>
+                  </a:rPr>
+                  <a:t>foreground</a:t>
+                </a:r>
+                <a:r>
+                  <a:rPr lang="it-IT" sz="1100" dirty="0" smtClean="0">
+                    <a:solidFill>
+                      <a:srgbClr val="008000"/>
+                    </a:solidFill>
+                    <a:latin typeface="Courier New"/>
+                  </a:rPr>
+                  <a:t> (long </a:t>
+                </a:r>
+                <a:r>
+                  <a:rPr lang="it-IT" sz="1100" dirty="0">
+                    <a:solidFill>
+                      <a:srgbClr val="008000"/>
+                    </a:solidFill>
+                    <a:latin typeface="Courier New"/>
+                  </a:rPr>
+                  <a:t>and short </a:t>
+                </a:r>
+                <a:r>
+                  <a:rPr lang="it-IT" sz="1100" dirty="0" err="1" smtClean="0">
+                    <a:solidFill>
+                      <a:srgbClr val="008000"/>
+                    </a:solidFill>
+                    <a:latin typeface="Courier New"/>
+                  </a:rPr>
+                  <a:t>term</a:t>
+                </a:r>
+                <a:r>
+                  <a:rPr lang="it-IT" sz="1100" dirty="0" smtClean="0">
+                    <a:solidFill>
+                      <a:srgbClr val="008000"/>
+                    </a:solidFill>
+                    <a:latin typeface="Courier New"/>
+                  </a:rPr>
+                  <a:t>)</a:t>
+                </a:r>
+                <a:endParaRPr lang="it-IT" sz="1100" dirty="0">
+                  <a:latin typeface="Courier New"/>
+                </a:endParaRPr>
+              </a:p>
+              <a:p>
+                <a:pPr marL="684000" lvl="2" indent="0">
+                  <a:spcBef>
+                    <a:spcPts val="0"/>
+                  </a:spcBef>
+                  <a:buNone/>
+                </a:pPr>
+                <a:r>
+                  <a:rPr lang="it-IT" sz="1100" dirty="0" err="1" smtClean="0">
+                    <a:latin typeface="Courier New"/>
+                  </a:rPr>
+                  <a:t>rgb</a:t>
+                </a:r>
+                <a:r>
+                  <a:rPr lang="it-IT" sz="1100" b="1" dirty="0" err="1" smtClean="0">
+                    <a:solidFill>
+                      <a:srgbClr val="000080"/>
+                    </a:solidFill>
+                    <a:latin typeface="Courier New"/>
+                  </a:rPr>
+                  <a:t>.</a:t>
+                </a:r>
+                <a:r>
+                  <a:rPr lang="it-IT" sz="1100" dirty="0" err="1" smtClean="0">
+                    <a:latin typeface="Courier New"/>
+                  </a:rPr>
+                  <a:t>compute_foreground_masks</a:t>
+                </a:r>
+                <a:r>
+                  <a:rPr lang="it-IT" sz="1100" b="1" dirty="0" smtClean="0">
+                    <a:solidFill>
+                      <a:srgbClr val="000080"/>
+                    </a:solidFill>
+                    <a:latin typeface="Courier New"/>
+                  </a:rPr>
+                  <a:t>(</a:t>
+                </a:r>
+                <a:r>
+                  <a:rPr lang="it-IT" sz="1100" dirty="0" err="1" smtClean="0">
+                    <a:latin typeface="Courier New"/>
+                  </a:rPr>
+                  <a:t>rgb</a:t>
+                </a:r>
+                <a:r>
+                  <a:rPr lang="it-IT" sz="1100" b="1" dirty="0" err="1" smtClean="0">
+                    <a:solidFill>
+                      <a:srgbClr val="000080"/>
+                    </a:solidFill>
+                    <a:latin typeface="Courier New"/>
+                  </a:rPr>
+                  <a:t>.</a:t>
+                </a:r>
+                <a:r>
+                  <a:rPr lang="it-IT" sz="1100" dirty="0" err="1" smtClean="0">
+                    <a:latin typeface="Courier New"/>
+                  </a:rPr>
+                  <a:t>current_frame</a:t>
+                </a:r>
+                <a:r>
+                  <a:rPr lang="it-IT" sz="1100" b="1" dirty="0" smtClean="0">
+                    <a:solidFill>
+                      <a:srgbClr val="000080"/>
+                    </a:solidFill>
+                    <a:latin typeface="Courier New"/>
+                  </a:rPr>
+                  <a:t>)</a:t>
+                </a:r>
+              </a:p>
+              <a:p>
+                <a:pPr marL="684000" lvl="2" indent="0">
+                  <a:spcBef>
+                    <a:spcPts val="0"/>
+                  </a:spcBef>
+                  <a:buNone/>
+                </a:pPr>
+                <a:endParaRPr lang="it-IT" sz="1100" dirty="0">
+                  <a:latin typeface="Courier New"/>
+                </a:endParaRPr>
+              </a:p>
+              <a:p>
+                <a:pPr marL="684000" lvl="2" indent="0">
+                  <a:spcBef>
+                    <a:spcPts val="0"/>
+                  </a:spcBef>
+                  <a:buNone/>
+                </a:pPr>
+                <a:r>
+                  <a:rPr lang="it-IT" sz="1100" dirty="0">
+                    <a:solidFill>
+                      <a:srgbClr val="008000"/>
+                    </a:solidFill>
+                    <a:latin typeface="Courier New"/>
+                  </a:rPr>
+                  <a:t># update </a:t>
+                </a:r>
+                <a:r>
+                  <a:rPr lang="it-IT" sz="1100" dirty="0" err="1">
+                    <a:solidFill>
+                      <a:srgbClr val="008000"/>
+                    </a:solidFill>
+                    <a:latin typeface="Courier New"/>
+                  </a:rPr>
+                  <a:t>rgb</a:t>
+                </a:r>
+                <a:r>
+                  <a:rPr lang="it-IT" sz="1100" dirty="0">
+                    <a:solidFill>
+                      <a:srgbClr val="008000"/>
+                    </a:solidFill>
+                    <a:latin typeface="Courier New"/>
+                  </a:rPr>
+                  <a:t> </a:t>
+                </a:r>
+                <a:r>
+                  <a:rPr lang="it-IT" sz="1100" dirty="0" err="1">
+                    <a:solidFill>
+                      <a:srgbClr val="008000"/>
+                    </a:solidFill>
+                    <a:latin typeface="Courier New"/>
+                  </a:rPr>
+                  <a:t>aggregator</a:t>
+                </a:r>
+                <a:endParaRPr lang="it-IT" sz="1100" dirty="0">
+                  <a:solidFill>
+                    <a:srgbClr val="008000"/>
+                  </a:solidFill>
+                  <a:latin typeface="Courier New"/>
+                </a:endParaRPr>
+              </a:p>
+              <a:p>
+                <a:pPr marL="684000" lvl="2" indent="0">
+                  <a:spcBef>
+                    <a:spcPts val="0"/>
+                  </a:spcBef>
+                  <a:buNone/>
+                </a:pPr>
+                <a:r>
+                  <a:rPr lang="it-IT" sz="1100" dirty="0" err="1">
+                    <a:latin typeface="Courier New"/>
+                  </a:rPr>
+                  <a:t>rgb</a:t>
+                </a:r>
+                <a:r>
+                  <a:rPr lang="it-IT" sz="1100" b="1" dirty="0" err="1">
+                    <a:solidFill>
+                      <a:srgbClr val="000080"/>
+                    </a:solidFill>
+                    <a:latin typeface="Courier New"/>
+                  </a:rPr>
+                  <a:t>.</a:t>
+                </a:r>
+                <a:r>
+                  <a:rPr lang="it-IT" sz="1100" dirty="0" err="1">
+                    <a:latin typeface="Courier New"/>
+                  </a:rPr>
+                  <a:t>update_detection_aggregator</a:t>
+                </a:r>
+                <a:r>
+                  <a:rPr lang="it-IT" sz="1100" b="1" dirty="0" smtClean="0">
+                    <a:solidFill>
+                      <a:srgbClr val="000080"/>
+                    </a:solidFill>
+                    <a:latin typeface="Courier New"/>
+                  </a:rPr>
+                  <a:t>()</a:t>
+                </a:r>
+              </a:p>
+              <a:p>
+                <a:pPr marL="684000" lvl="2" indent="0">
+                  <a:spcBef>
+                    <a:spcPts val="0"/>
+                  </a:spcBef>
+                  <a:buNone/>
+                </a:pPr>
+                <a:endParaRPr lang="it-IT" sz="1100" b="1" dirty="0">
                   <a:solidFill>
                     <a:srgbClr val="000080"/>
                   </a:solidFill>
@@ -5643,7 +5817,7 @@
                   <a:buNone/>
                 </a:pPr>
                 <a:r>
-                  <a:rPr lang="it-IT" sz="1000" dirty="0">
+                  <a:rPr lang="it-IT" sz="1100" dirty="0">
                     <a:solidFill>
                       <a:srgbClr val="008000"/>
                     </a:solidFill>
@@ -5652,7 +5826,7 @@
                   <a:t># </a:t>
                 </a:r>
                 <a:r>
-                  <a:rPr lang="it-IT" sz="1000" dirty="0" err="1">
+                  <a:rPr lang="it-IT" sz="1100" dirty="0" err="1">
                     <a:solidFill>
                       <a:srgbClr val="008000"/>
                     </a:solidFill>
@@ -5661,7 +5835,7 @@
                   <a:t>extract</a:t>
                 </a:r>
                 <a:r>
-                  <a:rPr lang="it-IT" sz="1000" dirty="0">
+                  <a:rPr lang="it-IT" sz="1100" dirty="0">
                     <a:solidFill>
                       <a:srgbClr val="008000"/>
                     </a:solidFill>
@@ -5670,7 +5844,7 @@
                   <a:t> </a:t>
                 </a:r>
                 <a:r>
-                  <a:rPr lang="it-IT" sz="1000" dirty="0" err="1">
+                  <a:rPr lang="it-IT" sz="1100" dirty="0" err="1">
                     <a:solidFill>
                       <a:srgbClr val="008000"/>
                     </a:solidFill>
@@ -5679,7 +5853,7 @@
                   <a:t>bounding</a:t>
                 </a:r>
                 <a:r>
-                  <a:rPr lang="it-IT" sz="1000" dirty="0">
+                  <a:rPr lang="it-IT" sz="1100" dirty="0">
                     <a:solidFill>
                       <a:srgbClr val="008000"/>
                     </a:solidFill>
@@ -5688,7 +5862,7 @@
                   <a:t> box </a:t>
                 </a:r>
                 <a:r>
-                  <a:rPr lang="it-IT" sz="1000" dirty="0" err="1">
+                  <a:rPr lang="it-IT" sz="1100" dirty="0" err="1">
                     <a:solidFill>
                       <a:srgbClr val="008000"/>
                     </a:solidFill>
@@ -5696,7 +5870,7 @@
                   </a:rPr>
                   <a:t>proposals</a:t>
                 </a:r>
-                <a:endParaRPr lang="it-IT" sz="1000" dirty="0">
+                <a:endParaRPr lang="it-IT" sz="1100" dirty="0">
                   <a:latin typeface="Courier New"/>
                 </a:endParaRPr>
               </a:p>
@@ -5708,19 +5882,19 @@
                   <a:buNone/>
                 </a:pPr>
                 <a:r>
-                  <a:rPr lang="it-IT" sz="1000" dirty="0" err="1">
+                  <a:rPr lang="it-IT" sz="1100" dirty="0" err="1">
                     <a:latin typeface="Courier New"/>
                   </a:rPr>
                   <a:t>rgb_proposal_bbox</a:t>
                 </a:r>
                 <a:r>
-                  <a:rPr lang="it-IT" sz="1000" dirty="0">
+                  <a:rPr lang="it-IT" sz="1100" dirty="0">
                     <a:latin typeface="Courier New"/>
                   </a:rPr>
                   <a:t> </a:t>
                 </a:r>
                 <a:r>
-                  <a:rPr lang="it-IT" sz="1000" b="1" dirty="0">
+                  <a:rPr lang="it-IT" sz="1100" b="1" dirty="0">
                     <a:solidFill>
                       <a:srgbClr val="000080"/>
                     </a:solidFill>
@@ -5729,19 +5903,19 @@
                   <a:t>=</a:t>
                 </a:r>
                 <a:r>
-                  <a:rPr lang="it-IT" sz="1000" dirty="0">
+                  <a:rPr lang="it-IT" sz="1100" dirty="0">
                     <a:latin typeface="Courier New"/>
                   </a:rPr>
                   <a:t> </a:t>
                 </a:r>
                 <a:r>
-                  <a:rPr lang="it-IT" sz="1000" dirty="0" err="1">
+                  <a:rPr lang="it-IT" sz="1100" dirty="0" err="1">
                     <a:latin typeface="Courier New"/>
                   </a:rPr>
                   <a:t>rgb</a:t>
                 </a:r>
                 <a:r>
-                  <a:rPr lang="it-IT" sz="1000" b="1" dirty="0" err="1">
+                  <a:rPr lang="it-IT" sz="1100" b="1" dirty="0" err="1">
                     <a:solidFill>
                       <a:srgbClr val="000080"/>
                     </a:solidFill>
@@ -5750,13 +5924,13 @@
                   <a:t>.</a:t>
                 </a:r>
                 <a:r>
-                  <a:rPr lang="it-IT" sz="1000" dirty="0" err="1">
+                  <a:rPr lang="it-IT" sz="1100" dirty="0" err="1">
                     <a:latin typeface="Courier New"/>
                   </a:rPr>
                   <a:t>extract_proposal_bbox</a:t>
                 </a:r>
                 <a:r>
-                  <a:rPr lang="it-IT" sz="1000" b="1" dirty="0" smtClean="0">
+                  <a:rPr lang="it-IT" sz="1100" b="1" dirty="0" smtClean="0">
                     <a:solidFill>
                       <a:srgbClr val="000080"/>
                     </a:solidFill>
@@ -5764,11 +5938,19 @@
                   </a:rPr>
                   <a:t>()</a:t>
                 </a:r>
+              </a:p>
+              <a:p>
+                <a:pPr marL="684000" lvl="2" indent="0">
+                  <a:spcBef>
+                    <a:spcPts val="0"/>
+                  </a:spcBef>
+                  <a:buNone/>
+                </a:pPr>
                 <a:endParaRPr lang="en-US" sz="1000" dirty="0" smtClean="0"/>
               </a:p>
               <a:p>
                 <a:r>
-                  <a:rPr lang="en-US" dirty="0" smtClean="0"/>
+                  <a:rPr lang="en-US" sz="3000" dirty="0" smtClean="0"/>
                   <a:t>A bounding box contains a set of connected pixel which aggregator value is </a:t>
                 </a:r>
                 <a14:m>
@@ -5776,14 +5958,14 @@
                     <m:sSub>
                       <m:sSubPr>
                         <m:ctrlPr>
-                          <a:rPr lang="it-IT" sz="2800" i="1">
+                          <a:rPr lang="it-IT" sz="3000" i="1">
                             <a:latin typeface="Cambria Math"/>
                           </a:rPr>
                         </m:ctrlPr>
                       </m:sSubPr>
                       <m:e>
                         <m:r>
-                          <a:rPr lang="it-IT" sz="2800" i="1">
+                          <a:rPr lang="it-IT" sz="3000" i="1">
                             <a:latin typeface="Cambria Math"/>
                           </a:rPr>
                           <m:t>𝑚𝑎𝑥</m:t>
@@ -5791,7 +5973,7 @@
                       </m:e>
                       <m:sub>
                         <m:r>
-                          <a:rPr lang="it-IT" sz="2800" i="1">
+                          <a:rPr lang="it-IT" sz="3000" i="1">
                             <a:latin typeface="Cambria Math"/>
                           </a:rPr>
                           <m:t>𝑒</m:t>
@@ -5799,40 +5981,32 @@
                       </m:sub>
                     </m:sSub>
                     <m:r>
-                      <a:rPr lang="it-IT" sz="2800" b="0" i="1" smtClean="0">
+                      <a:rPr lang="it-IT" sz="3000" b="0" i="1" smtClean="0">
                         <a:latin typeface="Cambria Math"/>
                       </a:rPr>
                       <m:t>.</m:t>
                     </m:r>
                   </m:oMath>
                 </a14:m>
-                <a:endParaRPr lang="en-US" dirty="0" smtClean="0"/>
+                <a:endParaRPr lang="en-US" sz="3000" dirty="0" smtClean="0"/>
               </a:p>
               <a:p>
                 <a:r>
-                  <a:rPr lang="en-US" dirty="0" smtClean="0"/>
+                  <a:rPr lang="en-US" sz="3000" dirty="0" smtClean="0"/>
                   <a:t>The bounding boxes with area less than 50 pixel are filtered:</a:t>
                 </a:r>
               </a:p>
               <a:p>
                 <a:pPr lvl="1"/>
                 <a:r>
-                  <a:rPr lang="en-US" smtClean="0"/>
-                  <a:t>So small </a:t>
-                </a:r>
-                <a:r>
-                  <a:rPr lang="en-US" dirty="0" smtClean="0"/>
-                  <a:t>objects are discarded.</a:t>
-                </a:r>
-              </a:p>
-              <a:p>
-                <a:pPr lvl="1"/>
-                <a:endParaRPr lang="en-US" dirty="0" smtClean="0"/>
+                  <a:rPr lang="en-US" sz="2900" dirty="0" smtClean="0"/>
+                  <a:t>So small objects are discarded.</a:t>
+                </a:r>
               </a:p>
             </p:txBody>
           </p:sp>
         </mc:Choice>
-        <mc:Fallback>
+        <mc:Fallback xmlns="">
           <p:sp>
             <p:nvSpPr>
               <p:cNvPr id="3" name="Segnaposto contenuto 2"/>
@@ -5847,7 +6021,7 @@
               <a:blipFill rotWithShape="1">
                 <a:blip r:embed="rId2"/>
                 <a:stretch>
-                  <a:fillRect l="-81" t="-687" b="-824"/>
+                  <a:fillRect l="-81" t="-824" b="-137"/>
                 </a:stretch>
               </a:blipFill>
             </p:spPr>
@@ -5912,6 +6086,2433 @@
 </file>
 
 <file path=ppt/slides/slide12.xml><?xml version="1.0" encoding="utf-8"?>
+<p:sld xmlns:a="http://schemas.openxmlformats.org/drawingml/2006/main" xmlns:r="http://schemas.openxmlformats.org/officeDocument/2006/relationships" xmlns:p="http://schemas.openxmlformats.org/presentationml/2006/main">
+  <p:cSld>
+    <p:spTree>
+      <p:nvGrpSpPr>
+        <p:cNvPr id="1" name=""/>
+        <p:cNvGrpSpPr/>
+        <p:nvPr/>
+      </p:nvGrpSpPr>
+      <p:grpSpPr>
+        <a:xfrm>
+          <a:off x="0" y="0"/>
+          <a:ext cx="0" cy="0"/>
+          <a:chOff x="0" y="0"/>
+          <a:chExt cx="0" cy="0"/>
+        </a:xfrm>
+      </p:grpSpPr>
+      <p:sp>
+        <p:nvSpPr>
+          <p:cNvPr id="2" name="Titolo 1"/>
+          <p:cNvSpPr>
+            <a:spLocks noGrp="1"/>
+          </p:cNvSpPr>
+          <p:nvPr>
+            <p:ph type="title"/>
+          </p:nvPr>
+        </p:nvSpPr>
+        <p:spPr/>
+        <p:txBody>
+          <a:bodyPr/>
+          <a:lstStyle/>
+          <a:p>
+            <a:r>
+              <a:rPr lang="it-IT" dirty="0" smtClean="0"/>
+              <a:t>Depth processing</a:t>
+            </a:r>
+            <a:endParaRPr lang="it-IT" dirty="0"/>
+          </a:p>
+        </p:txBody>
+      </p:sp>
+      <p:sp>
+        <p:nvSpPr>
+          <p:cNvPr id="3" name="Segnaposto contenuto 2"/>
+          <p:cNvSpPr>
+            <a:spLocks noGrp="1"/>
+          </p:cNvSpPr>
+          <p:nvPr>
+            <p:ph idx="1"/>
+          </p:nvPr>
+        </p:nvSpPr>
+        <p:spPr/>
+        <p:txBody>
+          <a:bodyPr>
+            <a:normAutofit/>
+          </a:bodyPr>
+          <a:lstStyle/>
+          <a:p>
+            <a:r>
+              <a:rPr lang="en-US" sz="2800" dirty="0"/>
+              <a:t>The </a:t>
+            </a:r>
+            <a:r>
+              <a:rPr lang="en-US" sz="2800" dirty="0" smtClean="0"/>
+              <a:t>depth processing </a:t>
+            </a:r>
+            <a:r>
+              <a:rPr lang="en-US" sz="2800" dirty="0"/>
+              <a:t>routine can be summed as following:</a:t>
+            </a:r>
+          </a:p>
+          <a:p>
+            <a:pPr marL="684000" lvl="2" indent="0">
+              <a:spcBef>
+                <a:spcPts val="0"/>
+              </a:spcBef>
+              <a:buNone/>
+            </a:pPr>
+            <a:endParaRPr lang="en-US" sz="800" dirty="0" smtClean="0">
+              <a:solidFill>
+                <a:srgbClr val="008000"/>
+              </a:solidFill>
+              <a:latin typeface="Courier New"/>
+            </a:endParaRPr>
+          </a:p>
+          <a:p>
+            <a:pPr marL="684000" lvl="2" indent="0">
+              <a:spcBef>
+                <a:spcPts val="0"/>
+              </a:spcBef>
+              <a:buNone/>
+            </a:pPr>
+            <a:r>
+              <a:rPr lang="en-US" sz="800" dirty="0" smtClean="0">
+                <a:solidFill>
+                  <a:srgbClr val="008000"/>
+                </a:solidFill>
+                <a:latin typeface="Courier New"/>
+              </a:rPr>
+              <a:t># </a:t>
+            </a:r>
+            <a:r>
+              <a:rPr lang="en-US" sz="800" dirty="0">
+                <a:solidFill>
+                  <a:srgbClr val="008000"/>
+                </a:solidFill>
+                <a:latin typeface="Courier New"/>
+              </a:rPr>
+              <a:t>get next depth frame (11-bit precision)</a:t>
+            </a:r>
+            <a:endParaRPr lang="en-US" sz="800" dirty="0"/>
+          </a:p>
+          <a:p>
+            <a:pPr marL="684000" lvl="2" indent="0">
+              <a:spcBef>
+                <a:spcPts val="0"/>
+              </a:spcBef>
+              <a:buNone/>
+            </a:pPr>
+            <a:r>
+              <a:rPr lang="it-IT" sz="800" dirty="0" err="1">
+                <a:latin typeface="Courier New"/>
+              </a:rPr>
+              <a:t>depth</a:t>
+            </a:r>
+            <a:r>
+              <a:rPr lang="it-IT" sz="800" b="1" dirty="0" err="1">
+                <a:solidFill>
+                  <a:srgbClr val="000080"/>
+                </a:solidFill>
+                <a:latin typeface="Courier New"/>
+              </a:rPr>
+              <a:t>.</a:t>
+            </a:r>
+            <a:r>
+              <a:rPr lang="it-IT" sz="800" dirty="0" err="1">
+                <a:latin typeface="Courier New"/>
+              </a:rPr>
+              <a:t>current_frame</a:t>
+            </a:r>
+            <a:r>
+              <a:rPr lang="it-IT" sz="800" dirty="0">
+                <a:latin typeface="Courier New"/>
+              </a:rPr>
+              <a:t> </a:t>
+            </a:r>
+            <a:r>
+              <a:rPr lang="it-IT" sz="800" b="1" dirty="0">
+                <a:solidFill>
+                  <a:srgbClr val="000080"/>
+                </a:solidFill>
+                <a:latin typeface="Courier New"/>
+              </a:rPr>
+              <a:t>=</a:t>
+            </a:r>
+            <a:r>
+              <a:rPr lang="it-IT" sz="800" dirty="0">
+                <a:latin typeface="Courier New"/>
+              </a:rPr>
+              <a:t> </a:t>
+            </a:r>
+            <a:r>
+              <a:rPr lang="it-IT" sz="800" dirty="0" err="1">
+                <a:latin typeface="Courier New"/>
+              </a:rPr>
+              <a:t>cam</a:t>
+            </a:r>
+            <a:r>
+              <a:rPr lang="it-IT" sz="800" b="1" dirty="0" err="1">
+                <a:solidFill>
+                  <a:srgbClr val="000080"/>
+                </a:solidFill>
+                <a:latin typeface="Courier New"/>
+              </a:rPr>
+              <a:t>.</a:t>
+            </a:r>
+            <a:r>
+              <a:rPr lang="it-IT" sz="800" dirty="0" err="1">
+                <a:latin typeface="Courier New"/>
+              </a:rPr>
+              <a:t>get_depth_matrix</a:t>
+            </a:r>
+            <a:r>
+              <a:rPr lang="it-IT" sz="800" b="1" dirty="0" smtClean="0">
+                <a:solidFill>
+                  <a:srgbClr val="000080"/>
+                </a:solidFill>
+                <a:latin typeface="Courier New"/>
+              </a:rPr>
+              <a:t>()</a:t>
+            </a:r>
+            <a:endParaRPr lang="it-IT" sz="800" dirty="0" smtClean="0">
+              <a:latin typeface="Courier New"/>
+            </a:endParaRPr>
+          </a:p>
+          <a:p>
+            <a:pPr marL="684000" lvl="2" indent="0">
+              <a:spcBef>
+                <a:spcPts val="0"/>
+              </a:spcBef>
+              <a:buNone/>
+            </a:pPr>
+            <a:r>
+              <a:rPr lang="it-IT" sz="800" dirty="0" err="1" smtClean="0">
+                <a:latin typeface="Courier New"/>
+              </a:rPr>
+              <a:t>depth</a:t>
+            </a:r>
+            <a:r>
+              <a:rPr lang="it-IT" sz="800" b="1" dirty="0" err="1" smtClean="0">
+                <a:solidFill>
+                  <a:srgbClr val="000080"/>
+                </a:solidFill>
+                <a:latin typeface="Courier New"/>
+              </a:rPr>
+              <a:t>.</a:t>
+            </a:r>
+            <a:r>
+              <a:rPr lang="it-IT" sz="800" dirty="0" err="1" smtClean="0">
+                <a:latin typeface="Courier New"/>
+              </a:rPr>
+              <a:t>current_frame_holes</a:t>
+            </a:r>
+            <a:r>
+              <a:rPr lang="it-IT" sz="800" dirty="0" smtClean="0">
+                <a:latin typeface="Courier New"/>
+              </a:rPr>
+              <a:t> </a:t>
+            </a:r>
+            <a:r>
+              <a:rPr lang="it-IT" sz="800" b="1" dirty="0">
+                <a:solidFill>
+                  <a:srgbClr val="000080"/>
+                </a:solidFill>
+                <a:latin typeface="Courier New"/>
+              </a:rPr>
+              <a:t>=</a:t>
+            </a:r>
+            <a:r>
+              <a:rPr lang="it-IT" sz="800" dirty="0">
+                <a:latin typeface="Courier New"/>
+              </a:rPr>
+              <a:t> </a:t>
+            </a:r>
+            <a:r>
+              <a:rPr lang="it-IT" sz="800" dirty="0" err="1">
+                <a:latin typeface="Courier New"/>
+              </a:rPr>
+              <a:t>bg_models</a:t>
+            </a:r>
+            <a:r>
+              <a:rPr lang="it-IT" sz="800" b="1" dirty="0" err="1">
+                <a:solidFill>
+                  <a:srgbClr val="000080"/>
+                </a:solidFill>
+                <a:latin typeface="Courier New"/>
+              </a:rPr>
+              <a:t>.</a:t>
+            </a:r>
+            <a:r>
+              <a:rPr lang="it-IT" sz="800" dirty="0" err="1">
+                <a:latin typeface="Courier New"/>
+              </a:rPr>
+              <a:t>compute_holes_mask_in_frame</a:t>
+            </a:r>
+            <a:r>
+              <a:rPr lang="it-IT" sz="800" b="1" dirty="0">
+                <a:solidFill>
+                  <a:srgbClr val="000080"/>
+                </a:solidFill>
+                <a:latin typeface="Courier New"/>
+              </a:rPr>
+              <a:t>(</a:t>
+            </a:r>
+            <a:r>
+              <a:rPr lang="it-IT" sz="800" dirty="0" err="1">
+                <a:latin typeface="Courier New"/>
+              </a:rPr>
+              <a:t>depth</a:t>
+            </a:r>
+            <a:r>
+              <a:rPr lang="it-IT" sz="800" b="1" dirty="0" err="1">
+                <a:solidFill>
+                  <a:srgbClr val="000080"/>
+                </a:solidFill>
+                <a:latin typeface="Courier New"/>
+              </a:rPr>
+              <a:t>.</a:t>
+            </a:r>
+            <a:r>
+              <a:rPr lang="it-IT" sz="800" dirty="0" err="1">
+                <a:latin typeface="Courier New"/>
+              </a:rPr>
+              <a:t>current_frame</a:t>
+            </a:r>
+            <a:r>
+              <a:rPr lang="it-IT" sz="800" b="1" dirty="0">
+                <a:solidFill>
+                  <a:srgbClr val="000080"/>
+                </a:solidFill>
+                <a:latin typeface="Courier New"/>
+              </a:rPr>
+              <a:t>)</a:t>
+            </a:r>
+            <a:endParaRPr lang="it-IT" sz="800" dirty="0"/>
+          </a:p>
+          <a:p>
+            <a:pPr marL="684000" lvl="2" indent="0">
+              <a:spcBef>
+                <a:spcPts val="0"/>
+              </a:spcBef>
+              <a:buNone/>
+            </a:pPr>
+            <a:endParaRPr lang="it-IT" sz="800" dirty="0" smtClean="0">
+              <a:solidFill>
+                <a:srgbClr val="008000"/>
+              </a:solidFill>
+              <a:latin typeface="Courier New"/>
+            </a:endParaRPr>
+          </a:p>
+          <a:p>
+            <a:pPr marL="684000" lvl="2" indent="0">
+              <a:spcBef>
+                <a:spcPts val="0"/>
+              </a:spcBef>
+              <a:buNone/>
+            </a:pPr>
+            <a:r>
+              <a:rPr lang="it-IT" sz="800" dirty="0" smtClean="0">
+                <a:solidFill>
+                  <a:srgbClr val="008000"/>
+                </a:solidFill>
+                <a:latin typeface="Courier New"/>
+              </a:rPr>
+              <a:t># </a:t>
+            </a:r>
+            <a:r>
+              <a:rPr lang="it-IT" sz="800" dirty="0" err="1">
+                <a:solidFill>
+                  <a:srgbClr val="008000"/>
+                </a:solidFill>
+                <a:latin typeface="Courier New"/>
+              </a:rPr>
+              <a:t>get</a:t>
+            </a:r>
+            <a:r>
+              <a:rPr lang="it-IT" sz="800" dirty="0">
+                <a:solidFill>
+                  <a:srgbClr val="008000"/>
+                </a:solidFill>
+                <a:latin typeface="Courier New"/>
+              </a:rPr>
+              <a:t> </a:t>
+            </a:r>
+            <a:r>
+              <a:rPr lang="it-IT" sz="800" dirty="0" err="1">
+                <a:solidFill>
+                  <a:srgbClr val="008000"/>
+                </a:solidFill>
+                <a:latin typeface="Courier New"/>
+              </a:rPr>
+              <a:t>depth</a:t>
+            </a:r>
+            <a:r>
+              <a:rPr lang="it-IT" sz="800" dirty="0">
+                <a:solidFill>
+                  <a:srgbClr val="008000"/>
+                </a:solidFill>
+                <a:latin typeface="Courier New"/>
+              </a:rPr>
+              <a:t> </a:t>
+            </a:r>
+            <a:r>
+              <a:rPr lang="it-IT" sz="800" dirty="0" smtClean="0">
+                <a:solidFill>
+                  <a:srgbClr val="008000"/>
+                </a:solidFill>
+                <a:latin typeface="Courier New"/>
+              </a:rPr>
+              <a:t>background</a:t>
+            </a:r>
+            <a:endParaRPr lang="it-IT" sz="800" dirty="0" smtClean="0">
+              <a:latin typeface="Courier New"/>
+            </a:endParaRPr>
+          </a:p>
+          <a:p>
+            <a:pPr marL="684000" lvl="2" indent="0">
+              <a:spcBef>
+                <a:spcPts val="0"/>
+              </a:spcBef>
+              <a:buNone/>
+            </a:pPr>
+            <a:r>
+              <a:rPr lang="it-IT" sz="800" dirty="0" err="1" smtClean="0">
+                <a:latin typeface="Courier New"/>
+              </a:rPr>
+              <a:t>depth</a:t>
+            </a:r>
+            <a:r>
+              <a:rPr lang="it-IT" sz="800" b="1" dirty="0" err="1" smtClean="0">
+                <a:solidFill>
+                  <a:srgbClr val="000080"/>
+                </a:solidFill>
+                <a:latin typeface="Courier New"/>
+              </a:rPr>
+              <a:t>.</a:t>
+            </a:r>
+            <a:r>
+              <a:rPr lang="it-IT" sz="800" dirty="0" err="1" smtClean="0">
+                <a:latin typeface="Courier New"/>
+              </a:rPr>
+              <a:t>update_background_model</a:t>
+            </a:r>
+            <a:r>
+              <a:rPr lang="it-IT" sz="800" b="1" dirty="0" smtClean="0">
+                <a:solidFill>
+                  <a:srgbClr val="000080"/>
+                </a:solidFill>
+                <a:latin typeface="Courier New"/>
+              </a:rPr>
+              <a:t>(</a:t>
+            </a:r>
+            <a:r>
+              <a:rPr lang="it-IT" sz="800" dirty="0" err="1" smtClean="0">
+                <a:latin typeface="Courier New"/>
+              </a:rPr>
+              <a:t>depth</a:t>
+            </a:r>
+            <a:r>
+              <a:rPr lang="it-IT" sz="800" b="1" dirty="0" err="1" smtClean="0">
+                <a:solidFill>
+                  <a:srgbClr val="000080"/>
+                </a:solidFill>
+                <a:latin typeface="Courier New"/>
+              </a:rPr>
+              <a:t>.</a:t>
+            </a:r>
+            <a:r>
+              <a:rPr lang="it-IT" sz="800" dirty="0" err="1" smtClean="0">
+                <a:latin typeface="Courier New"/>
+              </a:rPr>
+              <a:t>current_frame</a:t>
+            </a:r>
+            <a:r>
+              <a:rPr lang="it-IT" sz="800" b="1" dirty="0">
+                <a:solidFill>
+                  <a:srgbClr val="000080"/>
+                </a:solidFill>
+                <a:latin typeface="Courier New"/>
+              </a:rPr>
+              <a:t>,</a:t>
+            </a:r>
+            <a:r>
+              <a:rPr lang="it-IT" sz="800" dirty="0">
+                <a:latin typeface="Courier New"/>
+              </a:rPr>
+              <a:t> </a:t>
+            </a:r>
+            <a:r>
+              <a:rPr lang="it-IT" sz="800" dirty="0" err="1">
+                <a:latin typeface="Courier New"/>
+              </a:rPr>
+              <a:t>depth</a:t>
+            </a:r>
+            <a:r>
+              <a:rPr lang="it-IT" sz="800" b="1" dirty="0" err="1">
+                <a:solidFill>
+                  <a:srgbClr val="000080"/>
+                </a:solidFill>
+                <a:latin typeface="Courier New"/>
+              </a:rPr>
+              <a:t>.</a:t>
+            </a:r>
+            <a:r>
+              <a:rPr lang="it-IT" sz="800" dirty="0" err="1">
+                <a:latin typeface="Courier New"/>
+              </a:rPr>
+              <a:t>current_frame_holes</a:t>
+            </a:r>
+            <a:r>
+              <a:rPr lang="it-IT" sz="800" b="1" dirty="0" smtClean="0">
+                <a:solidFill>
+                  <a:srgbClr val="000080"/>
+                </a:solidFill>
+                <a:latin typeface="Courier New"/>
+              </a:rPr>
+              <a:t>)</a:t>
+            </a:r>
+            <a:endParaRPr lang="it-IT" sz="800" dirty="0" smtClean="0">
+              <a:latin typeface="Courier New"/>
+            </a:endParaRPr>
+          </a:p>
+          <a:p>
+            <a:pPr marL="684000" lvl="2" indent="0">
+              <a:spcBef>
+                <a:spcPts val="0"/>
+              </a:spcBef>
+              <a:buNone/>
+            </a:pPr>
+            <a:endParaRPr lang="it-IT" sz="800" dirty="0">
+              <a:solidFill>
+                <a:srgbClr val="008000"/>
+              </a:solidFill>
+              <a:latin typeface="Courier New"/>
+            </a:endParaRPr>
+          </a:p>
+          <a:p>
+            <a:pPr marL="684000" lvl="2" indent="0">
+              <a:spcBef>
+                <a:spcPts val="0"/>
+              </a:spcBef>
+              <a:buNone/>
+            </a:pPr>
+            <a:r>
+              <a:rPr lang="it-IT" sz="800" dirty="0" smtClean="0">
+                <a:solidFill>
+                  <a:srgbClr val="008000"/>
+                </a:solidFill>
+                <a:latin typeface="Courier New"/>
+              </a:rPr>
+              <a:t># </a:t>
+            </a:r>
+            <a:r>
+              <a:rPr lang="it-IT" sz="800" dirty="0" err="1">
+                <a:solidFill>
+                  <a:srgbClr val="008000"/>
+                </a:solidFill>
+                <a:latin typeface="Courier New"/>
+              </a:rPr>
+              <a:t>get</a:t>
+            </a:r>
+            <a:r>
+              <a:rPr lang="it-IT" sz="800" dirty="0">
+                <a:solidFill>
+                  <a:srgbClr val="008000"/>
+                </a:solidFill>
+                <a:latin typeface="Courier New"/>
+              </a:rPr>
+              <a:t> </a:t>
+            </a:r>
+            <a:r>
+              <a:rPr lang="it-IT" sz="800" dirty="0" err="1">
+                <a:solidFill>
+                  <a:srgbClr val="008000"/>
+                </a:solidFill>
+                <a:latin typeface="Courier New"/>
+              </a:rPr>
+              <a:t>depth</a:t>
+            </a:r>
+            <a:r>
+              <a:rPr lang="it-IT" sz="800" dirty="0">
+                <a:solidFill>
+                  <a:srgbClr val="008000"/>
+                </a:solidFill>
+                <a:latin typeface="Courier New"/>
+              </a:rPr>
+              <a:t> </a:t>
+            </a:r>
+            <a:r>
+              <a:rPr lang="it-IT" sz="800" dirty="0" err="1" smtClean="0">
+                <a:solidFill>
+                  <a:srgbClr val="008000"/>
+                </a:solidFill>
+                <a:latin typeface="Courier New"/>
+              </a:rPr>
+              <a:t>foreground</a:t>
+            </a:r>
+            <a:endParaRPr lang="it-IT" sz="800" dirty="0" smtClean="0">
+              <a:solidFill>
+                <a:srgbClr val="008000"/>
+              </a:solidFill>
+              <a:latin typeface="Courier New"/>
+            </a:endParaRPr>
+          </a:p>
+          <a:p>
+            <a:pPr marL="684000" lvl="2" indent="0">
+              <a:spcBef>
+                <a:spcPts val="0"/>
+              </a:spcBef>
+              <a:buNone/>
+            </a:pPr>
+            <a:r>
+              <a:rPr lang="it-IT" sz="800" dirty="0" err="1" smtClean="0">
+                <a:latin typeface="Courier New"/>
+              </a:rPr>
+              <a:t>depth</a:t>
+            </a:r>
+            <a:r>
+              <a:rPr lang="it-IT" sz="800" b="1" dirty="0" err="1" smtClean="0">
+                <a:solidFill>
+                  <a:srgbClr val="000080"/>
+                </a:solidFill>
+                <a:latin typeface="Courier New"/>
+              </a:rPr>
+              <a:t>.</a:t>
+            </a:r>
+            <a:r>
+              <a:rPr lang="it-IT" sz="800" dirty="0" err="1" smtClean="0">
+                <a:latin typeface="Courier New"/>
+              </a:rPr>
+              <a:t>extract_foreground_mask_from_run_avg</a:t>
+            </a:r>
+            <a:r>
+              <a:rPr lang="it-IT" sz="800" b="1" dirty="0" smtClean="0">
+                <a:solidFill>
+                  <a:srgbClr val="000080"/>
+                </a:solidFill>
+                <a:latin typeface="Courier New"/>
+              </a:rPr>
+              <a:t>(</a:t>
+            </a:r>
+            <a:r>
+              <a:rPr lang="it-IT" sz="800" dirty="0" err="1" smtClean="0">
+                <a:latin typeface="Courier New"/>
+              </a:rPr>
+              <a:t>depth</a:t>
+            </a:r>
+            <a:r>
+              <a:rPr lang="it-IT" sz="800" b="1" dirty="0" err="1" smtClean="0">
+                <a:solidFill>
+                  <a:srgbClr val="000080"/>
+                </a:solidFill>
+                <a:latin typeface="Courier New"/>
+              </a:rPr>
+              <a:t>.</a:t>
+            </a:r>
+            <a:r>
+              <a:rPr lang="it-IT" sz="800" dirty="0" err="1" smtClean="0">
+                <a:latin typeface="Courier New"/>
+              </a:rPr>
+              <a:t>current_frame</a:t>
+            </a:r>
+            <a:r>
+              <a:rPr lang="it-IT" sz="800" b="1" dirty="0" smtClean="0">
+                <a:solidFill>
+                  <a:srgbClr val="000080"/>
+                </a:solidFill>
+                <a:latin typeface="Courier New"/>
+              </a:rPr>
+              <a:t>)</a:t>
+            </a:r>
+            <a:endParaRPr lang="it-IT" sz="800" dirty="0" smtClean="0">
+              <a:latin typeface="Courier New"/>
+            </a:endParaRPr>
+          </a:p>
+          <a:p>
+            <a:pPr marL="684000" lvl="2" indent="0">
+              <a:spcBef>
+                <a:spcPts val="0"/>
+              </a:spcBef>
+              <a:buNone/>
+            </a:pPr>
+            <a:endParaRPr lang="it-IT" sz="800" dirty="0">
+              <a:solidFill>
+                <a:srgbClr val="008000"/>
+              </a:solidFill>
+              <a:latin typeface="Courier New"/>
+            </a:endParaRPr>
+          </a:p>
+          <a:p>
+            <a:pPr marL="684000" lvl="2" indent="0">
+              <a:spcBef>
+                <a:spcPts val="0"/>
+              </a:spcBef>
+              <a:buNone/>
+            </a:pPr>
+            <a:r>
+              <a:rPr lang="it-IT" sz="800" dirty="0" smtClean="0">
+                <a:solidFill>
+                  <a:srgbClr val="008000"/>
+                </a:solidFill>
+                <a:latin typeface="Courier New"/>
+              </a:rPr>
+              <a:t># </a:t>
+            </a:r>
+            <a:r>
+              <a:rPr lang="it-IT" sz="800" dirty="0" err="1">
+                <a:solidFill>
+                  <a:srgbClr val="008000"/>
+                </a:solidFill>
+                <a:latin typeface="Courier New"/>
+              </a:rPr>
+              <a:t>apply</a:t>
+            </a:r>
+            <a:r>
+              <a:rPr lang="it-IT" sz="800" dirty="0">
+                <a:solidFill>
+                  <a:srgbClr val="008000"/>
+                </a:solidFill>
+                <a:latin typeface="Courier New"/>
+              </a:rPr>
+              <a:t> opening to </a:t>
+            </a:r>
+            <a:r>
+              <a:rPr lang="it-IT" sz="800" dirty="0" err="1">
+                <a:solidFill>
+                  <a:srgbClr val="008000"/>
+                </a:solidFill>
+                <a:latin typeface="Courier New"/>
+              </a:rPr>
+              <a:t>remove</a:t>
+            </a:r>
+            <a:r>
+              <a:rPr lang="it-IT" sz="800" dirty="0">
+                <a:solidFill>
+                  <a:srgbClr val="008000"/>
+                </a:solidFill>
+                <a:latin typeface="Courier New"/>
+              </a:rPr>
+              <a:t> </a:t>
+            </a:r>
+            <a:r>
+              <a:rPr lang="it-IT" sz="800" dirty="0" err="1" smtClean="0">
+                <a:solidFill>
+                  <a:srgbClr val="008000"/>
+                </a:solidFill>
+                <a:latin typeface="Courier New"/>
+              </a:rPr>
+              <a:t>noise</a:t>
+            </a:r>
+            <a:endParaRPr lang="it-IT" sz="800" dirty="0" smtClean="0">
+              <a:latin typeface="Courier New"/>
+            </a:endParaRPr>
+          </a:p>
+          <a:p>
+            <a:pPr marL="684000" lvl="2" indent="0">
+              <a:spcBef>
+                <a:spcPts val="0"/>
+              </a:spcBef>
+              <a:buNone/>
+            </a:pPr>
+            <a:r>
+              <a:rPr lang="it-IT" sz="800" dirty="0" err="1" smtClean="0">
+                <a:latin typeface="Courier New"/>
+              </a:rPr>
+              <a:t>depth</a:t>
+            </a:r>
+            <a:r>
+              <a:rPr lang="it-IT" sz="800" b="1" dirty="0" err="1" smtClean="0">
+                <a:solidFill>
+                  <a:srgbClr val="000080"/>
+                </a:solidFill>
+                <a:latin typeface="Courier New"/>
+              </a:rPr>
+              <a:t>.</a:t>
+            </a:r>
+            <a:r>
+              <a:rPr lang="it-IT" sz="800" dirty="0" err="1" smtClean="0">
+                <a:latin typeface="Courier New"/>
+              </a:rPr>
+              <a:t>foreground_mask</a:t>
+            </a:r>
+            <a:r>
+              <a:rPr lang="it-IT" sz="800" dirty="0" smtClean="0">
+                <a:latin typeface="Courier New"/>
+              </a:rPr>
+              <a:t> </a:t>
+            </a:r>
+            <a:r>
+              <a:rPr lang="it-IT" sz="800" b="1" dirty="0">
+                <a:solidFill>
+                  <a:srgbClr val="000080"/>
+                </a:solidFill>
+                <a:latin typeface="Courier New"/>
+              </a:rPr>
+              <a:t>=</a:t>
+            </a:r>
+            <a:r>
+              <a:rPr lang="it-IT" sz="800" dirty="0">
+                <a:latin typeface="Courier New"/>
+              </a:rPr>
+              <a:t> </a:t>
+            </a:r>
+            <a:r>
+              <a:rPr lang="it-IT" sz="800" dirty="0" err="1">
+                <a:latin typeface="Courier New"/>
+              </a:rPr>
+              <a:t>bg_models</a:t>
+            </a:r>
+            <a:r>
+              <a:rPr lang="it-IT" sz="800" b="1" dirty="0" err="1">
+                <a:solidFill>
+                  <a:srgbClr val="000080"/>
+                </a:solidFill>
+                <a:latin typeface="Courier New"/>
+              </a:rPr>
+              <a:t>.</a:t>
+            </a:r>
+            <a:r>
+              <a:rPr lang="it-IT" sz="800" dirty="0" err="1">
+                <a:latin typeface="Courier New"/>
+              </a:rPr>
+              <a:t>apply_opening</a:t>
+            </a:r>
+            <a:r>
+              <a:rPr lang="it-IT" sz="800" b="1" dirty="0">
+                <a:solidFill>
+                  <a:srgbClr val="000080"/>
+                </a:solidFill>
+                <a:latin typeface="Courier New"/>
+              </a:rPr>
+              <a:t>(</a:t>
+            </a:r>
+            <a:r>
+              <a:rPr lang="it-IT" sz="800" dirty="0" err="1">
+                <a:latin typeface="Courier New"/>
+              </a:rPr>
+              <a:t>depth</a:t>
+            </a:r>
+            <a:r>
+              <a:rPr lang="it-IT" sz="800" b="1" dirty="0" err="1">
+                <a:solidFill>
+                  <a:srgbClr val="000080"/>
+                </a:solidFill>
+                <a:latin typeface="Courier New"/>
+              </a:rPr>
+              <a:t>.</a:t>
+            </a:r>
+            <a:r>
+              <a:rPr lang="it-IT" sz="800" dirty="0" err="1">
+                <a:latin typeface="Courier New"/>
+              </a:rPr>
+              <a:t>foreground_mask</a:t>
+            </a:r>
+            <a:r>
+              <a:rPr lang="it-IT" sz="800" b="1" dirty="0">
+                <a:solidFill>
+                  <a:srgbClr val="000080"/>
+                </a:solidFill>
+                <a:latin typeface="Courier New"/>
+              </a:rPr>
+              <a:t>,</a:t>
+            </a:r>
+            <a:r>
+              <a:rPr lang="it-IT" sz="800" dirty="0">
+                <a:latin typeface="Courier New"/>
+              </a:rPr>
+              <a:t> BG_OPEN_KSIZE</a:t>
+            </a:r>
+            <a:r>
+              <a:rPr lang="it-IT" sz="800" b="1" dirty="0">
+                <a:solidFill>
+                  <a:srgbClr val="000080"/>
+                </a:solidFill>
+                <a:latin typeface="Courier New"/>
+              </a:rPr>
+              <a:t>,</a:t>
+            </a:r>
+            <a:r>
+              <a:rPr lang="it-IT" sz="800" dirty="0">
+                <a:latin typeface="Courier New"/>
+              </a:rPr>
+              <a:t> cv2</a:t>
+            </a:r>
+            <a:r>
+              <a:rPr lang="it-IT" sz="800" b="1" dirty="0">
+                <a:solidFill>
+                  <a:srgbClr val="000080"/>
+                </a:solidFill>
+                <a:latin typeface="Courier New"/>
+              </a:rPr>
+              <a:t>.</a:t>
+            </a:r>
+            <a:r>
+              <a:rPr lang="it-IT" sz="800" dirty="0">
+                <a:latin typeface="Courier New"/>
+              </a:rPr>
+              <a:t>MORPH_ELLIPSE</a:t>
+            </a:r>
+            <a:r>
+              <a:rPr lang="it-IT" sz="800" b="1" dirty="0">
+                <a:solidFill>
+                  <a:srgbClr val="000080"/>
+                </a:solidFill>
+                <a:latin typeface="Courier New"/>
+              </a:rPr>
+              <a:t>)</a:t>
+            </a:r>
+            <a:r>
+              <a:rPr lang="it-IT" sz="800" dirty="0">
+                <a:latin typeface="Courier New"/>
+              </a:rPr>
+              <a:t> </a:t>
+            </a:r>
+            <a:r>
+              <a:rPr lang="it-IT" sz="800" dirty="0" err="1">
+                <a:latin typeface="Courier New"/>
+              </a:rPr>
+              <a:t>depth_proposal_bbox</a:t>
+            </a:r>
+            <a:r>
+              <a:rPr lang="it-IT" sz="800" dirty="0">
+                <a:latin typeface="Courier New"/>
+              </a:rPr>
+              <a:t> </a:t>
+            </a:r>
+            <a:r>
+              <a:rPr lang="it-IT" sz="800" b="1" dirty="0">
+                <a:solidFill>
+                  <a:srgbClr val="000080"/>
+                </a:solidFill>
+                <a:latin typeface="Courier New"/>
+              </a:rPr>
+              <a:t>=</a:t>
+            </a:r>
+            <a:r>
+              <a:rPr lang="it-IT" sz="800" dirty="0">
+                <a:latin typeface="Courier New"/>
+              </a:rPr>
+              <a:t> </a:t>
+            </a:r>
+            <a:r>
+              <a:rPr lang="it-IT" sz="800" dirty="0" err="1">
+                <a:latin typeface="Courier New"/>
+              </a:rPr>
+              <a:t>depth</a:t>
+            </a:r>
+            <a:r>
+              <a:rPr lang="it-IT" sz="800" b="1" dirty="0" err="1">
+                <a:solidFill>
+                  <a:srgbClr val="000080"/>
+                </a:solidFill>
+                <a:latin typeface="Courier New"/>
+              </a:rPr>
+              <a:t>.</a:t>
+            </a:r>
+            <a:r>
+              <a:rPr lang="it-IT" sz="800" dirty="0" err="1">
+                <a:latin typeface="Courier New"/>
+              </a:rPr>
+              <a:t>extract_proposal_bbox</a:t>
+            </a:r>
+            <a:r>
+              <a:rPr lang="it-IT" sz="800" b="1" dirty="0">
+                <a:solidFill>
+                  <a:srgbClr val="000080"/>
+                </a:solidFill>
+                <a:latin typeface="Courier New"/>
+              </a:rPr>
+              <a:t>(</a:t>
+            </a:r>
+            <a:r>
+              <a:rPr lang="it-IT" sz="800" dirty="0" err="1">
+                <a:latin typeface="Courier New"/>
+              </a:rPr>
+              <a:t>depth</a:t>
+            </a:r>
+            <a:r>
+              <a:rPr lang="it-IT" sz="800" b="1" dirty="0" err="1">
+                <a:solidFill>
+                  <a:srgbClr val="000080"/>
+                </a:solidFill>
+                <a:latin typeface="Courier New"/>
+              </a:rPr>
+              <a:t>.</a:t>
+            </a:r>
+            <a:r>
+              <a:rPr lang="it-IT" sz="800" dirty="0" err="1">
+                <a:latin typeface="Courier New"/>
+              </a:rPr>
+              <a:t>ACCUMULATOR</a:t>
+            </a:r>
+            <a:r>
+              <a:rPr lang="it-IT" sz="800" b="1" dirty="0" smtClean="0">
+                <a:solidFill>
+                  <a:srgbClr val="000080"/>
+                </a:solidFill>
+                <a:latin typeface="Courier New"/>
+              </a:rPr>
+              <a:t>)</a:t>
+            </a:r>
+          </a:p>
+          <a:p>
+            <a:pPr marL="684000" lvl="2" indent="0">
+              <a:spcBef>
+                <a:spcPts val="0"/>
+              </a:spcBef>
+              <a:buNone/>
+            </a:pPr>
+            <a:endParaRPr lang="it-IT" sz="800" b="1" dirty="0">
+              <a:solidFill>
+                <a:srgbClr val="000080"/>
+              </a:solidFill>
+              <a:latin typeface="Courier New"/>
+            </a:endParaRPr>
+          </a:p>
+          <a:p>
+            <a:pPr marL="684000" lvl="2" indent="0">
+              <a:spcBef>
+                <a:spcPts val="0"/>
+              </a:spcBef>
+              <a:buNone/>
+            </a:pPr>
+            <a:r>
+              <a:rPr lang="it-IT" sz="800" dirty="0" smtClean="0">
+                <a:solidFill>
+                  <a:srgbClr val="008000"/>
+                </a:solidFill>
+                <a:latin typeface="Courier New"/>
+              </a:rPr>
+              <a:t># </a:t>
+            </a:r>
+            <a:r>
+              <a:rPr lang="it-IT" sz="800" dirty="0" err="1">
+                <a:solidFill>
+                  <a:srgbClr val="008000"/>
+                </a:solidFill>
+                <a:latin typeface="Courier New"/>
+              </a:rPr>
+              <a:t>cut</a:t>
+            </a:r>
+            <a:r>
+              <a:rPr lang="it-IT" sz="800" dirty="0">
+                <a:solidFill>
+                  <a:srgbClr val="008000"/>
+                </a:solidFill>
+                <a:latin typeface="Courier New"/>
+              </a:rPr>
+              <a:t> </a:t>
+            </a:r>
+            <a:r>
+              <a:rPr lang="it-IT" sz="800" dirty="0" err="1">
+                <a:solidFill>
+                  <a:srgbClr val="008000"/>
+                </a:solidFill>
+                <a:latin typeface="Courier New"/>
+              </a:rPr>
+              <a:t>foreground</a:t>
+            </a:r>
+            <a:r>
+              <a:rPr lang="it-IT" sz="800" dirty="0">
+                <a:solidFill>
+                  <a:srgbClr val="008000"/>
+                </a:solidFill>
+                <a:latin typeface="Courier New"/>
+              </a:rPr>
+              <a:t> with </a:t>
+            </a:r>
+            <a:r>
+              <a:rPr lang="it-IT" sz="800" dirty="0" err="1">
+                <a:solidFill>
+                  <a:srgbClr val="008000"/>
+                </a:solidFill>
+                <a:latin typeface="Courier New"/>
+              </a:rPr>
+              <a:t>real</a:t>
+            </a:r>
+            <a:r>
+              <a:rPr lang="it-IT" sz="800" dirty="0">
+                <a:solidFill>
+                  <a:srgbClr val="008000"/>
+                </a:solidFill>
+                <a:latin typeface="Courier New"/>
+              </a:rPr>
+              <a:t> </a:t>
+            </a:r>
+            <a:r>
+              <a:rPr lang="it-IT" sz="800" dirty="0" err="1" smtClean="0">
+                <a:solidFill>
+                  <a:srgbClr val="008000"/>
+                </a:solidFill>
+                <a:latin typeface="Courier New"/>
+              </a:rPr>
+              <a:t>values</a:t>
+            </a:r>
+            <a:endParaRPr lang="it-IT" sz="800" dirty="0" smtClean="0">
+              <a:latin typeface="Courier New"/>
+            </a:endParaRPr>
+          </a:p>
+          <a:p>
+            <a:pPr marL="684000" lvl="2" indent="0">
+              <a:spcBef>
+                <a:spcPts val="0"/>
+              </a:spcBef>
+              <a:buNone/>
+            </a:pPr>
+            <a:r>
+              <a:rPr lang="it-IT" sz="800" dirty="0" err="1" smtClean="0">
+                <a:latin typeface="Courier New"/>
+              </a:rPr>
+              <a:t>foreground_depth_proposal</a:t>
+            </a:r>
+            <a:r>
+              <a:rPr lang="it-IT" sz="800" dirty="0" smtClean="0">
+                <a:latin typeface="Courier New"/>
+              </a:rPr>
+              <a:t> </a:t>
+            </a:r>
+            <a:r>
+              <a:rPr lang="it-IT" sz="800" b="1" dirty="0">
+                <a:solidFill>
+                  <a:srgbClr val="000080"/>
+                </a:solidFill>
+                <a:latin typeface="Courier New"/>
+              </a:rPr>
+              <a:t>=</a:t>
+            </a:r>
+            <a:r>
+              <a:rPr lang="it-IT" sz="800" dirty="0">
+                <a:latin typeface="Courier New"/>
+              </a:rPr>
+              <a:t> </a:t>
+            </a:r>
+            <a:r>
+              <a:rPr lang="it-IT" sz="800" dirty="0" err="1">
+                <a:latin typeface="Courier New"/>
+              </a:rPr>
+              <a:t>bg_models</a:t>
+            </a:r>
+            <a:r>
+              <a:rPr lang="it-IT" sz="800" b="1" dirty="0" err="1">
+                <a:solidFill>
+                  <a:srgbClr val="000080"/>
+                </a:solidFill>
+                <a:latin typeface="Courier New"/>
+              </a:rPr>
+              <a:t>.</a:t>
+            </a:r>
+            <a:r>
+              <a:rPr lang="it-IT" sz="800" dirty="0" err="1">
+                <a:latin typeface="Courier New"/>
+              </a:rPr>
+              <a:t>cut_foreground</a:t>
+            </a:r>
+            <a:r>
+              <a:rPr lang="it-IT" sz="800" b="1" dirty="0">
+                <a:solidFill>
+                  <a:srgbClr val="000080"/>
+                </a:solidFill>
+                <a:latin typeface="Courier New"/>
+              </a:rPr>
+              <a:t>(</a:t>
+            </a:r>
+            <a:r>
+              <a:rPr lang="it-IT" sz="800" dirty="0" err="1">
+                <a:latin typeface="Courier New"/>
+              </a:rPr>
+              <a:t>depth</a:t>
+            </a:r>
+            <a:r>
+              <a:rPr lang="it-IT" sz="800" b="1" dirty="0" err="1">
+                <a:solidFill>
+                  <a:srgbClr val="000080"/>
+                </a:solidFill>
+                <a:latin typeface="Courier New"/>
+              </a:rPr>
+              <a:t>.</a:t>
+            </a:r>
+            <a:r>
+              <a:rPr lang="it-IT" sz="800" dirty="0" err="1">
+                <a:latin typeface="Courier New"/>
+              </a:rPr>
+              <a:t>current_frame</a:t>
+            </a:r>
+            <a:r>
+              <a:rPr lang="it-IT" sz="800" b="1" dirty="0">
+                <a:solidFill>
+                  <a:srgbClr val="000080"/>
+                </a:solidFill>
+                <a:latin typeface="Courier New"/>
+              </a:rPr>
+              <a:t>,</a:t>
+            </a:r>
+            <a:r>
+              <a:rPr lang="it-IT" sz="800" dirty="0">
+                <a:latin typeface="Courier New"/>
+              </a:rPr>
+              <a:t> </a:t>
+            </a:r>
+            <a:r>
+              <a:rPr lang="it-IT" sz="800" dirty="0" err="1">
+                <a:latin typeface="Courier New"/>
+              </a:rPr>
+              <a:t>depth</a:t>
+            </a:r>
+            <a:r>
+              <a:rPr lang="it-IT" sz="800" b="1" dirty="0" err="1">
+                <a:solidFill>
+                  <a:srgbClr val="000080"/>
+                </a:solidFill>
+                <a:latin typeface="Courier New"/>
+              </a:rPr>
+              <a:t>.</a:t>
+            </a:r>
+            <a:r>
+              <a:rPr lang="it-IT" sz="800" dirty="0" err="1">
+                <a:latin typeface="Courier New"/>
+              </a:rPr>
+              <a:t>foreground_mask</a:t>
+            </a:r>
+            <a:r>
+              <a:rPr lang="it-IT" sz="800" b="1" dirty="0">
+                <a:solidFill>
+                  <a:srgbClr val="000080"/>
+                </a:solidFill>
+                <a:latin typeface="Courier New"/>
+              </a:rPr>
+              <a:t>)</a:t>
+            </a:r>
+            <a:endParaRPr lang="it-IT" sz="800" dirty="0"/>
+          </a:p>
+          <a:p>
+            <a:r>
+              <a:rPr lang="it-IT" dirty="0" err="1" smtClean="0"/>
+              <a:t>It’s</a:t>
+            </a:r>
+            <a:r>
+              <a:rPr lang="it-IT" dirty="0" smtClean="0"/>
+              <a:t> </a:t>
+            </a:r>
+            <a:r>
+              <a:rPr lang="it-IT" dirty="0" err="1" smtClean="0"/>
+              <a:t>that</a:t>
+            </a:r>
+            <a:r>
+              <a:rPr lang="it-IT" dirty="0" smtClean="0"/>
+              <a:t> </a:t>
+            </a:r>
+            <a:r>
+              <a:rPr lang="it-IT" dirty="0" err="1" smtClean="0"/>
+              <a:t>simple</a:t>
+            </a:r>
+            <a:r>
+              <a:rPr lang="it-IT" dirty="0" smtClean="0"/>
+              <a:t>?</a:t>
+            </a:r>
+            <a:r>
+              <a:rPr lang="it-IT" dirty="0"/>
+              <a:t>	</a:t>
+            </a:r>
+            <a:r>
+              <a:rPr lang="it-IT" dirty="0" smtClean="0"/>
+              <a:t>	</a:t>
+            </a:r>
+            <a:r>
+              <a:rPr lang="it-IT" dirty="0" err="1" smtClean="0"/>
+              <a:t>Would</a:t>
+            </a:r>
+            <a:r>
+              <a:rPr lang="it-IT" dirty="0" smtClean="0"/>
+              <a:t> be </a:t>
+            </a:r>
+            <a:r>
+              <a:rPr lang="it-IT" dirty="0" err="1" smtClean="0"/>
+              <a:t>nice</a:t>
+            </a:r>
+            <a:r>
+              <a:rPr lang="it-IT" dirty="0" smtClean="0"/>
+              <a:t>!!!</a:t>
+            </a:r>
+            <a:endParaRPr lang="it-IT" dirty="0"/>
+          </a:p>
+        </p:txBody>
+      </p:sp>
+      <p:sp>
+        <p:nvSpPr>
+          <p:cNvPr id="4" name="Segnaposto contenuto 3"/>
+          <p:cNvSpPr>
+            <a:spLocks noGrp="1"/>
+          </p:cNvSpPr>
+          <p:nvPr>
+            <p:ph sz="quarter" idx="11"/>
+          </p:nvPr>
+        </p:nvSpPr>
+        <p:spPr/>
+        <p:txBody>
+          <a:bodyPr/>
+          <a:lstStyle/>
+          <a:p>
+            <a:r>
+              <a:rPr lang="it-IT" dirty="0"/>
+              <a:t>Development</a:t>
+            </a:r>
+          </a:p>
+        </p:txBody>
+      </p:sp>
+    </p:spTree>
+    <p:extLst>
+      <p:ext uri="{BB962C8B-B14F-4D97-AF65-F5344CB8AC3E}">
+        <p14:creationId xmlns:p14="http://schemas.microsoft.com/office/powerpoint/2010/main" val="3254926478"/>
+      </p:ext>
+    </p:extLst>
+  </p:cSld>
+  <p:clrMapOvr>
+    <a:masterClrMapping/>
+  </p:clrMapOvr>
+  <p:timing>
+    <p:tnLst>
+      <p:par>
+        <p:cTn id="1" dur="indefinite" restart="never" nodeType="tmRoot"/>
+      </p:par>
+    </p:tnLst>
+  </p:timing>
+</p:sld>
+</file>
+
+<file path=ppt/slides/slide13.xml><?xml version="1.0" encoding="utf-8"?>
+<p:sld xmlns:a="http://schemas.openxmlformats.org/drawingml/2006/main" xmlns:r="http://schemas.openxmlformats.org/officeDocument/2006/relationships" xmlns:p="http://schemas.openxmlformats.org/presentationml/2006/main">
+  <p:cSld>
+    <p:spTree>
+      <p:nvGrpSpPr>
+        <p:cNvPr id="1" name=""/>
+        <p:cNvGrpSpPr/>
+        <p:nvPr/>
+      </p:nvGrpSpPr>
+      <p:grpSpPr>
+        <a:xfrm>
+          <a:off x="0" y="0"/>
+          <a:ext cx="0" cy="0"/>
+          <a:chOff x="0" y="0"/>
+          <a:chExt cx="0" cy="0"/>
+        </a:xfrm>
+      </p:grpSpPr>
+      <p:sp>
+        <p:nvSpPr>
+          <p:cNvPr id="2" name="Titolo 1"/>
+          <p:cNvSpPr>
+            <a:spLocks noGrp="1"/>
+          </p:cNvSpPr>
+          <p:nvPr>
+            <p:ph type="title"/>
+          </p:nvPr>
+        </p:nvSpPr>
+        <p:spPr/>
+        <p:txBody>
+          <a:bodyPr/>
+          <a:lstStyle/>
+          <a:p>
+            <a:r>
+              <a:rPr lang="it-IT" dirty="0" smtClean="0"/>
+              <a:t>Depth </a:t>
+            </a:r>
+            <a:r>
+              <a:rPr lang="it-IT" dirty="0" err="1" smtClean="0"/>
+              <a:t>challenge</a:t>
+            </a:r>
+            <a:endParaRPr lang="it-IT" dirty="0"/>
+          </a:p>
+        </p:txBody>
+      </p:sp>
+      <p:sp>
+        <p:nvSpPr>
+          <p:cNvPr id="3" name="Segnaposto contenuto 2"/>
+          <p:cNvSpPr>
+            <a:spLocks noGrp="1"/>
+          </p:cNvSpPr>
+          <p:nvPr>
+            <p:ph idx="1"/>
+          </p:nvPr>
+        </p:nvSpPr>
+        <p:spPr/>
+        <p:txBody>
+          <a:bodyPr>
+            <a:normAutofit fontScale="92500"/>
+          </a:bodyPr>
+          <a:lstStyle/>
+          <a:p>
+            <a:r>
+              <a:rPr lang="en-US" dirty="0" smtClean="0"/>
+              <a:t>The depth </a:t>
+            </a:r>
+            <a:r>
+              <a:rPr lang="en-US" dirty="0"/>
+              <a:t>video stream is </a:t>
+            </a:r>
+            <a:r>
+              <a:rPr lang="en-US" b="1" dirty="0"/>
+              <a:t>not</a:t>
+            </a:r>
+            <a:r>
+              <a:rPr lang="en-US" dirty="0"/>
+              <a:t> defined </a:t>
+            </a:r>
+            <a:r>
+              <a:rPr lang="en-US" dirty="0" smtClean="0"/>
+              <a:t>everywhere:</a:t>
+            </a:r>
+          </a:p>
+          <a:p>
+            <a:pPr lvl="1"/>
+            <a:r>
+              <a:rPr lang="en-US" dirty="0"/>
+              <a:t>i</a:t>
+            </a:r>
+            <a:r>
+              <a:rPr lang="en-US" dirty="0" smtClean="0"/>
+              <a:t>t’s available </a:t>
+            </a:r>
+            <a:r>
+              <a:rPr lang="en-US" dirty="0"/>
+              <a:t>for the image regions that are close enough to the </a:t>
+            </a:r>
+            <a:r>
+              <a:rPr lang="en-US" dirty="0" smtClean="0"/>
+              <a:t>device;</a:t>
+            </a:r>
+          </a:p>
+          <a:p>
+            <a:pPr lvl="1"/>
+            <a:r>
+              <a:rPr lang="en-US" dirty="0"/>
+              <a:t>for black objects the sensor can’t measure the depth </a:t>
+            </a:r>
+            <a:r>
+              <a:rPr lang="en-US" dirty="0" smtClean="0"/>
+              <a:t>value</a:t>
+            </a:r>
+            <a:r>
+              <a:rPr lang="en-US" dirty="0"/>
+              <a:t>;</a:t>
+            </a:r>
+            <a:endParaRPr lang="en-US" dirty="0" smtClean="0"/>
+          </a:p>
+          <a:p>
+            <a:pPr lvl="1"/>
+            <a:r>
+              <a:rPr lang="en-US" dirty="0" smtClean="0"/>
+              <a:t>A proper </a:t>
+            </a:r>
+            <a:r>
+              <a:rPr lang="en-US" b="1" dirty="0" smtClean="0"/>
+              <a:t>management</a:t>
+            </a:r>
+            <a:r>
+              <a:rPr lang="en-US" dirty="0" smtClean="0"/>
+              <a:t> of N/D pixel value is required:</a:t>
+            </a:r>
+          </a:p>
+          <a:p>
+            <a:pPr lvl="2"/>
+            <a:r>
+              <a:rPr lang="en-US" dirty="0" smtClean="0"/>
+              <a:t>Per </a:t>
+            </a:r>
+            <a:r>
+              <a:rPr lang="en-US" dirty="0" err="1" smtClean="0"/>
+              <a:t>ogni</a:t>
+            </a:r>
+            <a:r>
+              <a:rPr lang="en-US" dirty="0" smtClean="0"/>
+              <a:t> frame … </a:t>
+            </a:r>
+            <a:r>
+              <a:rPr lang="en-US" dirty="0" err="1" smtClean="0"/>
+              <a:t>bla</a:t>
+            </a:r>
+            <a:r>
+              <a:rPr lang="en-US" dirty="0" smtClean="0"/>
+              <a:t> </a:t>
+            </a:r>
+            <a:r>
+              <a:rPr lang="en-US" dirty="0" err="1" smtClean="0"/>
+              <a:t>bla</a:t>
+            </a:r>
+            <a:r>
+              <a:rPr lang="en-US" dirty="0" smtClean="0"/>
+              <a:t> </a:t>
+            </a:r>
+            <a:r>
+              <a:rPr lang="en-US" dirty="0" err="1" smtClean="0"/>
+              <a:t>bla</a:t>
+            </a:r>
+            <a:endParaRPr lang="en-US" dirty="0" smtClean="0"/>
+          </a:p>
+          <a:p>
+            <a:r>
+              <a:rPr lang="it-IT" dirty="0" smtClean="0"/>
+              <a:t>The </a:t>
+            </a:r>
+            <a:r>
+              <a:rPr lang="it-IT" dirty="0" err="1" smtClean="0"/>
+              <a:t>depth</a:t>
+            </a:r>
+            <a:r>
+              <a:rPr lang="it-IT" dirty="0" smtClean="0"/>
+              <a:t> video </a:t>
+            </a:r>
+            <a:r>
+              <a:rPr lang="it-IT" dirty="0" err="1" smtClean="0"/>
+              <a:t>stream</a:t>
+            </a:r>
+            <a:r>
+              <a:rPr lang="it-IT" dirty="0" smtClean="0"/>
+              <a:t> </a:t>
+            </a:r>
+            <a:r>
+              <a:rPr lang="it-IT" dirty="0" err="1" smtClean="0"/>
+              <a:t>is</a:t>
+            </a:r>
+            <a:r>
+              <a:rPr lang="it-IT" dirty="0" smtClean="0"/>
+              <a:t> </a:t>
+            </a:r>
+            <a:r>
+              <a:rPr lang="it-IT" b="1" dirty="0" err="1" smtClean="0"/>
+              <a:t>noisy</a:t>
+            </a:r>
+            <a:r>
+              <a:rPr lang="it-IT" dirty="0" smtClean="0"/>
+              <a:t>:</a:t>
+            </a:r>
+          </a:p>
+          <a:p>
+            <a:pPr lvl="1"/>
+            <a:r>
+              <a:rPr lang="it-IT" dirty="0" err="1" smtClean="0"/>
+              <a:t>We</a:t>
+            </a:r>
+            <a:r>
+              <a:rPr lang="it-IT" dirty="0" smtClean="0"/>
+              <a:t> </a:t>
+            </a:r>
+            <a:r>
+              <a:rPr lang="it-IT" dirty="0" err="1" smtClean="0"/>
+              <a:t>apply</a:t>
+            </a:r>
+            <a:r>
+              <a:rPr lang="it-IT" dirty="0" smtClean="0"/>
+              <a:t> the opening </a:t>
+            </a:r>
+            <a:r>
+              <a:rPr lang="it-IT" dirty="0" err="1" smtClean="0"/>
+              <a:t>morphological</a:t>
+            </a:r>
+            <a:r>
+              <a:rPr lang="it-IT" dirty="0" smtClean="0"/>
+              <a:t> operator.</a:t>
+            </a:r>
+            <a:endParaRPr lang="it-IT" dirty="0"/>
+          </a:p>
+        </p:txBody>
+      </p:sp>
+      <p:sp>
+        <p:nvSpPr>
+          <p:cNvPr id="4" name="Segnaposto contenuto 3"/>
+          <p:cNvSpPr>
+            <a:spLocks noGrp="1"/>
+          </p:cNvSpPr>
+          <p:nvPr>
+            <p:ph sz="quarter" idx="11"/>
+          </p:nvPr>
+        </p:nvSpPr>
+        <p:spPr/>
+        <p:txBody>
+          <a:bodyPr/>
+          <a:lstStyle/>
+          <a:p>
+            <a:r>
+              <a:rPr lang="it-IT" dirty="0"/>
+              <a:t>Development</a:t>
+            </a:r>
+          </a:p>
+        </p:txBody>
+      </p:sp>
+    </p:spTree>
+    <p:extLst>
+      <p:ext uri="{BB962C8B-B14F-4D97-AF65-F5344CB8AC3E}">
+        <p14:creationId xmlns:p14="http://schemas.microsoft.com/office/powerpoint/2010/main" val="1240057947"/>
+      </p:ext>
+    </p:extLst>
+  </p:cSld>
+  <p:clrMapOvr>
+    <a:masterClrMapping/>
+  </p:clrMapOvr>
+  <p:timing>
+    <p:tnLst>
+      <p:par>
+        <p:cTn id="1" dur="indefinite" restart="never" nodeType="tmRoot"/>
+      </p:par>
+    </p:tnLst>
+  </p:timing>
+</p:sld>
+</file>
+
+<file path=ppt/slides/slide14.xml><?xml version="1.0" encoding="utf-8"?>
+<p:sld xmlns:a="http://schemas.openxmlformats.org/drawingml/2006/main" xmlns:r="http://schemas.openxmlformats.org/officeDocument/2006/relationships" xmlns:p="http://schemas.openxmlformats.org/presentationml/2006/main">
+  <p:cSld>
+    <p:spTree>
+      <p:nvGrpSpPr>
+        <p:cNvPr id="1" name=""/>
+        <p:cNvGrpSpPr/>
+        <p:nvPr/>
+      </p:nvGrpSpPr>
+      <p:grpSpPr>
+        <a:xfrm>
+          <a:off x="0" y="0"/>
+          <a:ext cx="0" cy="0"/>
+          <a:chOff x="0" y="0"/>
+          <a:chExt cx="0" cy="0"/>
+        </a:xfrm>
+      </p:grpSpPr>
+      <p:sp>
+        <p:nvSpPr>
+          <p:cNvPr id="2" name="Titolo 1"/>
+          <p:cNvSpPr>
+            <a:spLocks noGrp="1"/>
+          </p:cNvSpPr>
+          <p:nvPr>
+            <p:ph type="title"/>
+          </p:nvPr>
+        </p:nvSpPr>
+        <p:spPr/>
+        <p:txBody>
+          <a:bodyPr/>
+          <a:lstStyle/>
+          <a:p>
+            <a:r>
+              <a:rPr lang="it-IT" dirty="0" smtClean="0"/>
+              <a:t>Depth-</a:t>
+            </a:r>
+            <a:r>
+              <a:rPr lang="it-IT" dirty="0" err="1" smtClean="0"/>
+              <a:t>based</a:t>
+            </a:r>
+            <a:r>
+              <a:rPr lang="it-IT" dirty="0" smtClean="0"/>
+              <a:t> </a:t>
+            </a:r>
+            <a:r>
+              <a:rPr lang="it-IT" dirty="0" err="1" smtClean="0"/>
+              <a:t>proposals</a:t>
+            </a:r>
+            <a:endParaRPr lang="it-IT" dirty="0"/>
+          </a:p>
+        </p:txBody>
+      </p:sp>
+      <mc:AlternateContent xmlns:mc="http://schemas.openxmlformats.org/markup-compatibility/2006" xmlns:a14="http://schemas.microsoft.com/office/drawing/2010/main">
+        <mc:Choice Requires="a14">
+          <p:sp>
+            <p:nvSpPr>
+              <p:cNvPr id="3" name="Segnaposto contenuto 2"/>
+              <p:cNvSpPr>
+                <a:spLocks noGrp="1"/>
+              </p:cNvSpPr>
+              <p:nvPr>
+                <p:ph idx="1"/>
+              </p:nvPr>
+            </p:nvSpPr>
+            <p:spPr/>
+            <p:txBody>
+              <a:bodyPr>
+                <a:normAutofit fontScale="92500" lnSpcReduction="20000"/>
+              </a:bodyPr>
+              <a:lstStyle/>
+              <a:p>
+                <a:r>
+                  <a:rPr lang="en-US" dirty="0" smtClean="0"/>
+                  <a:t>The </a:t>
+                </a:r>
+                <a:r>
+                  <a:rPr lang="en-US" dirty="0"/>
+                  <a:t>spatial changes over time are accumulated in an image </a:t>
+                </a:r>
+                <a:r>
+                  <a:rPr lang="en-US" dirty="0" smtClean="0"/>
+                  <a:t>aggregator:</a:t>
+                </a:r>
+              </a:p>
+              <a:p>
+                <a:pPr lvl="1"/>
+                <a:r>
+                  <a:rPr lang="en-US" dirty="0"/>
+                  <a:t>If the aggregator exceeds a threshold is </a:t>
+                </a:r>
+                <a:r>
+                  <a:rPr lang="en-US" dirty="0" smtClean="0"/>
+                  <a:t>segmented</a:t>
+                </a:r>
+                <a:r>
+                  <a:rPr lang="en-US" baseline="30000" dirty="0" smtClean="0"/>
+                  <a:t>[4]</a:t>
+                </a:r>
+                <a:r>
+                  <a:rPr lang="en-US" dirty="0" smtClean="0"/>
+                  <a:t> </a:t>
+                </a:r>
+                <a:r>
+                  <a:rPr lang="en-US" dirty="0"/>
+                  <a:t>with a bounding </a:t>
+                </a:r>
+                <a:r>
+                  <a:rPr lang="en-US" dirty="0" smtClean="0"/>
+                  <a:t>box;</a:t>
+                </a:r>
+              </a:p>
+              <a:p>
+                <a:pPr lvl="1"/>
+                <a:r>
+                  <a:rPr lang="en-US" dirty="0" smtClean="0"/>
+                  <a:t>The spatial region is marked </a:t>
+                </a:r>
+                <a:r>
+                  <a:rPr lang="en-US" dirty="0"/>
+                  <a:t>as left item proposal.</a:t>
+                </a:r>
+                <a:endParaRPr lang="en-US" dirty="0" smtClean="0"/>
+              </a:p>
+              <a:p>
+                <a:r>
+                  <a:rPr lang="it-IT" dirty="0" err="1" smtClean="0"/>
+                  <a:t>We</a:t>
+                </a:r>
+                <a:r>
+                  <a:rPr lang="it-IT" dirty="0" smtClean="0"/>
+                  <a:t> </a:t>
+                </a:r>
+                <a:r>
+                  <a:rPr lang="it-IT" dirty="0" err="1" smtClean="0"/>
+                  <a:t>provide</a:t>
+                </a:r>
+                <a:r>
+                  <a:rPr lang="it-IT" dirty="0" smtClean="0"/>
+                  <a:t> </a:t>
+                </a:r>
+                <a14:m>
+                  <m:oMath xmlns:m="http://schemas.openxmlformats.org/officeDocument/2006/math">
+                    <m:r>
+                      <a:rPr lang="it-IT" b="0" i="1" smtClean="0">
+                        <a:latin typeface="Cambria Math"/>
+                      </a:rPr>
+                      <m:t>3</m:t>
+                    </m:r>
+                  </m:oMath>
+                </a14:m>
+                <a:r>
+                  <a:rPr lang="it-IT" dirty="0" smtClean="0"/>
+                  <a:t> methods</a:t>
+                </a:r>
+                <a:r>
+                  <a:rPr lang="en-US" dirty="0"/>
+                  <a:t> to accumulate the depth </a:t>
+                </a:r>
+                <a:r>
+                  <a:rPr lang="en-US" dirty="0" smtClean="0"/>
+                  <a:t>changes:</a:t>
+                </a:r>
+              </a:p>
+              <a:p>
+                <a:pPr lvl="1"/>
+                <a:r>
+                  <a:rPr lang="en-US" cap="small" dirty="0" smtClean="0"/>
+                  <a:t>Image Accumulator</a:t>
+                </a:r>
+              </a:p>
+              <a:p>
+                <a:pPr lvl="1"/>
+                <a:r>
+                  <a:rPr lang="en-US" cap="small" dirty="0" smtClean="0"/>
+                  <a:t>Bounding Box Accumulator</a:t>
+                </a:r>
+              </a:p>
+              <a:p>
+                <a:pPr lvl="1"/>
+                <a:r>
+                  <a:rPr lang="en-US" cap="small" dirty="0" smtClean="0"/>
+                  <a:t>Best Bounding Box Accumulator</a:t>
+                </a:r>
+                <a:endParaRPr lang="it-IT" cap="small" dirty="0"/>
+              </a:p>
+            </p:txBody>
+          </p:sp>
+        </mc:Choice>
+        <mc:Fallback xmlns="">
+          <p:sp>
+            <p:nvSpPr>
+              <p:cNvPr id="3" name="Segnaposto contenuto 2"/>
+              <p:cNvSpPr>
+                <a:spLocks noGrp="1" noRot="1" noChangeAspect="1" noMove="1" noResize="1" noEditPoints="1" noAdjustHandles="1" noChangeArrowheads="1" noChangeShapeType="1" noTextEdit="1"/>
+              </p:cNvSpPr>
+              <p:nvPr>
+                <p:ph idx="1"/>
+              </p:nvPr>
+            </p:nvSpPr>
+            <p:spPr>
+              <a:blipFill rotWithShape="1">
+                <a:blip r:embed="rId2"/>
+                <a:stretch>
+                  <a:fillRect l="-242" t="-962"/>
+                </a:stretch>
+              </a:blipFill>
+            </p:spPr>
+            <p:txBody>
+              <a:bodyPr/>
+              <a:lstStyle/>
+              <a:p>
+                <a:r>
+                  <a:rPr lang="it-IT">
+                    <a:noFill/>
+                  </a:rPr>
+                  <a:t> </a:t>
+                </a:r>
+              </a:p>
+            </p:txBody>
+          </p:sp>
+        </mc:Fallback>
+      </mc:AlternateContent>
+      <p:sp>
+        <p:nvSpPr>
+          <p:cNvPr id="4" name="Segnaposto contenuto 3"/>
+          <p:cNvSpPr>
+            <a:spLocks noGrp="1"/>
+          </p:cNvSpPr>
+          <p:nvPr>
+            <p:ph sz="quarter" idx="11"/>
+          </p:nvPr>
+        </p:nvSpPr>
+        <p:spPr/>
+        <p:txBody>
+          <a:bodyPr/>
+          <a:lstStyle/>
+          <a:p>
+            <a:r>
+              <a:rPr lang="it-IT" dirty="0"/>
+              <a:t>Development</a:t>
+            </a:r>
+          </a:p>
+        </p:txBody>
+      </p:sp>
+    </p:spTree>
+    <p:extLst>
+      <p:ext uri="{BB962C8B-B14F-4D97-AF65-F5344CB8AC3E}">
+        <p14:creationId xmlns:p14="http://schemas.microsoft.com/office/powerpoint/2010/main" val="1545176061"/>
+      </p:ext>
+    </p:extLst>
+  </p:cSld>
+  <p:clrMapOvr>
+    <a:masterClrMapping/>
+  </p:clrMapOvr>
+  <p:timing>
+    <p:tnLst>
+      <p:par>
+        <p:cTn id="1" dur="indefinite" restart="never" nodeType="tmRoot"/>
+      </p:par>
+    </p:tnLst>
+  </p:timing>
+</p:sld>
+</file>
+
+<file path=ppt/slides/slide15.xml><?xml version="1.0" encoding="utf-8"?>
+<p:sld xmlns:a="http://schemas.openxmlformats.org/drawingml/2006/main" xmlns:r="http://schemas.openxmlformats.org/officeDocument/2006/relationships" xmlns:p="http://schemas.openxmlformats.org/presentationml/2006/main">
+  <p:cSld>
+    <p:spTree>
+      <p:nvGrpSpPr>
+        <p:cNvPr id="1" name=""/>
+        <p:cNvGrpSpPr/>
+        <p:nvPr/>
+      </p:nvGrpSpPr>
+      <p:grpSpPr>
+        <a:xfrm>
+          <a:off x="0" y="0"/>
+          <a:ext cx="0" cy="0"/>
+          <a:chOff x="0" y="0"/>
+          <a:chExt cx="0" cy="0"/>
+        </a:xfrm>
+      </p:grpSpPr>
+      <p:sp>
+        <p:nvSpPr>
+          <p:cNvPr id="2" name="Titolo 1"/>
+          <p:cNvSpPr>
+            <a:spLocks noGrp="1"/>
+          </p:cNvSpPr>
+          <p:nvPr>
+            <p:ph type="title"/>
+          </p:nvPr>
+        </p:nvSpPr>
+        <p:spPr/>
+        <p:txBody>
+          <a:bodyPr/>
+          <a:lstStyle/>
+          <a:p>
+            <a:r>
+              <a:rPr lang="it-IT" dirty="0" smtClean="0"/>
+              <a:t>Test</a:t>
+            </a:r>
+            <a:endParaRPr lang="it-IT" dirty="0"/>
+          </a:p>
+        </p:txBody>
+      </p:sp>
+      <p:sp>
+        <p:nvSpPr>
+          <p:cNvPr id="3" name="Segnaposto contenuto 2"/>
+          <p:cNvSpPr>
+            <a:spLocks noGrp="1"/>
+          </p:cNvSpPr>
+          <p:nvPr>
+            <p:ph idx="1"/>
+          </p:nvPr>
+        </p:nvSpPr>
+        <p:spPr/>
+        <p:txBody>
+          <a:bodyPr/>
+          <a:lstStyle/>
+          <a:p>
+            <a:endParaRPr lang="it-IT"/>
+          </a:p>
+        </p:txBody>
+      </p:sp>
+      <p:sp>
+        <p:nvSpPr>
+          <p:cNvPr id="4" name="Segnaposto contenuto 3"/>
+          <p:cNvSpPr>
+            <a:spLocks noGrp="1"/>
+          </p:cNvSpPr>
+          <p:nvPr>
+            <p:ph sz="quarter" idx="11"/>
+          </p:nvPr>
+        </p:nvSpPr>
+        <p:spPr/>
+        <p:txBody>
+          <a:bodyPr/>
+          <a:lstStyle/>
+          <a:p>
+            <a:r>
+              <a:rPr lang="it-IT" dirty="0" smtClean="0"/>
+              <a:t>Test</a:t>
+            </a:r>
+            <a:endParaRPr lang="it-IT" dirty="0"/>
+          </a:p>
+        </p:txBody>
+      </p:sp>
+    </p:spTree>
+    <p:extLst>
+      <p:ext uri="{BB962C8B-B14F-4D97-AF65-F5344CB8AC3E}">
+        <p14:creationId xmlns:p14="http://schemas.microsoft.com/office/powerpoint/2010/main" val="2029159566"/>
+      </p:ext>
+    </p:extLst>
+  </p:cSld>
+  <p:clrMapOvr>
+    <a:masterClrMapping/>
+  </p:clrMapOvr>
+  <p:timing>
+    <p:tnLst>
+      <p:par>
+        <p:cTn id="1" dur="indefinite" restart="never" nodeType="tmRoot"/>
+      </p:par>
+    </p:tnLst>
+  </p:timing>
+</p:sld>
+</file>
+
+<file path=ppt/slides/slide16.xml><?xml version="1.0" encoding="utf-8"?>
+<p:sld xmlns:a="http://schemas.openxmlformats.org/drawingml/2006/main" xmlns:r="http://schemas.openxmlformats.org/officeDocument/2006/relationships" xmlns:p="http://schemas.openxmlformats.org/presentationml/2006/main">
+  <p:cSld>
+    <p:spTree>
+      <p:nvGrpSpPr>
+        <p:cNvPr id="1" name=""/>
+        <p:cNvGrpSpPr/>
+        <p:nvPr/>
+      </p:nvGrpSpPr>
+      <p:grpSpPr>
+        <a:xfrm>
+          <a:off x="0" y="0"/>
+          <a:ext cx="0" cy="0"/>
+          <a:chOff x="0" y="0"/>
+          <a:chExt cx="0" cy="0"/>
+        </a:xfrm>
+      </p:grpSpPr>
+      <p:sp>
+        <p:nvSpPr>
+          <p:cNvPr id="2" name="Titolo 1"/>
+          <p:cNvSpPr>
+            <a:spLocks noGrp="1"/>
+          </p:cNvSpPr>
+          <p:nvPr>
+            <p:ph type="title"/>
+          </p:nvPr>
+        </p:nvSpPr>
+        <p:spPr/>
+        <p:txBody>
+          <a:bodyPr/>
+          <a:lstStyle/>
+          <a:p>
+            <a:r>
+              <a:rPr lang="it-IT" dirty="0" err="1" smtClean="0"/>
+              <a:t>References</a:t>
+            </a:r>
+            <a:endParaRPr lang="it-IT" dirty="0"/>
+          </a:p>
+        </p:txBody>
+      </p:sp>
+      <p:sp>
+        <p:nvSpPr>
+          <p:cNvPr id="3" name="Segnaposto contenuto 2"/>
+          <p:cNvSpPr>
+            <a:spLocks noGrp="1"/>
+          </p:cNvSpPr>
+          <p:nvPr>
+            <p:ph idx="1"/>
+          </p:nvPr>
+        </p:nvSpPr>
+        <p:spPr/>
+        <p:txBody>
+          <a:bodyPr>
+            <a:normAutofit fontScale="85000" lnSpcReduction="20000"/>
+          </a:bodyPr>
+          <a:lstStyle/>
+          <a:p>
+            <a:r>
+              <a:rPr lang="it-IT" sz="2800" dirty="0" smtClean="0"/>
+              <a:t>[1] </a:t>
+            </a:r>
+            <a:r>
+              <a:rPr lang="it-IT" sz="2800" dirty="0"/>
+              <a:t>C. </a:t>
+            </a:r>
+            <a:r>
+              <a:rPr lang="it-IT" sz="2800" dirty="0" err="1"/>
+              <a:t>Beleznai</a:t>
+            </a:r>
+            <a:r>
+              <a:rPr lang="it-IT" sz="2800" dirty="0"/>
+              <a:t>, P. </a:t>
+            </a:r>
+            <a:r>
+              <a:rPr lang="it-IT" sz="2800" dirty="0" err="1"/>
+              <a:t>Gemeiner</a:t>
+            </a:r>
+            <a:r>
+              <a:rPr lang="it-IT" sz="2800" dirty="0"/>
+              <a:t> and C. </a:t>
+            </a:r>
+            <a:r>
+              <a:rPr lang="it-IT" sz="2800" dirty="0" err="1" smtClean="0"/>
+              <a:t>Zinner</a:t>
+            </a:r>
+            <a:r>
+              <a:rPr lang="it-IT" sz="2800" dirty="0" smtClean="0">
+                <a:solidFill>
+                  <a:schemeClr val="tx1"/>
+                </a:solidFill>
+              </a:rPr>
+              <a:t>,</a:t>
+            </a:r>
+            <a:r>
+              <a:rPr lang="it-IT" sz="2800" dirty="0" smtClean="0"/>
+              <a:t> </a:t>
+            </a:r>
+            <a:r>
+              <a:rPr lang="it-IT" sz="2800" dirty="0" err="1" smtClean="0"/>
+              <a:t>Reliable</a:t>
+            </a:r>
+            <a:r>
+              <a:rPr lang="it-IT" sz="2800" dirty="0" smtClean="0"/>
+              <a:t> </a:t>
+            </a:r>
+            <a:r>
+              <a:rPr lang="it-IT" sz="2800" dirty="0"/>
+              <a:t>Left </a:t>
+            </a:r>
+            <a:r>
+              <a:rPr lang="it-IT" sz="2800" dirty="0" err="1"/>
+              <a:t>Luggage</a:t>
+            </a:r>
+            <a:r>
+              <a:rPr lang="it-IT" sz="2800" dirty="0"/>
+              <a:t> </a:t>
+            </a:r>
+            <a:r>
+              <a:rPr lang="it-IT" sz="2800" dirty="0" err="1"/>
+              <a:t>Detection</a:t>
+            </a:r>
+            <a:r>
+              <a:rPr lang="it-IT" sz="2800" dirty="0"/>
+              <a:t> Using Stereo Depth and </a:t>
+            </a:r>
+            <a:r>
+              <a:rPr lang="it-IT" sz="2800" dirty="0" err="1"/>
+              <a:t>Intensity</a:t>
+            </a:r>
+            <a:r>
+              <a:rPr lang="it-IT" sz="2800" dirty="0"/>
+              <a:t> </a:t>
+            </a:r>
+            <a:r>
+              <a:rPr lang="it-IT" sz="2800" dirty="0" err="1" smtClean="0"/>
+              <a:t>Cues</a:t>
+            </a:r>
+            <a:endParaRPr lang="it-IT" sz="2800" dirty="0" smtClean="0"/>
+          </a:p>
+          <a:p>
+            <a:r>
+              <a:rPr lang="it-IT" sz="2800" dirty="0" smtClean="0">
+                <a:solidFill>
+                  <a:schemeClr val="tx1"/>
+                </a:solidFill>
+              </a:rPr>
+              <a:t>[2] </a:t>
+            </a:r>
+            <a:r>
+              <a:rPr lang="it-IT" sz="2800" dirty="0">
+                <a:solidFill>
+                  <a:schemeClr val="tx1"/>
+                </a:solidFill>
+              </a:rPr>
+              <a:t>Z. Zivkovic and F. </a:t>
+            </a:r>
+            <a:r>
+              <a:rPr lang="it-IT" sz="2800" dirty="0" err="1">
+                <a:solidFill>
+                  <a:schemeClr val="tx1"/>
+                </a:solidFill>
+              </a:rPr>
+              <a:t>Heijden</a:t>
+            </a:r>
+            <a:r>
+              <a:rPr lang="it-IT" sz="2800" dirty="0">
+                <a:solidFill>
+                  <a:schemeClr val="tx1"/>
+                </a:solidFill>
+              </a:rPr>
+              <a:t>, </a:t>
+            </a:r>
+            <a:r>
+              <a:rPr lang="it-IT" sz="2800" dirty="0" err="1">
+                <a:solidFill>
+                  <a:schemeClr val="tx1"/>
+                </a:solidFill>
+              </a:rPr>
+              <a:t>Efficient</a:t>
+            </a:r>
+            <a:r>
+              <a:rPr lang="it-IT" sz="2800" dirty="0">
+                <a:solidFill>
+                  <a:schemeClr val="tx1"/>
+                </a:solidFill>
+              </a:rPr>
+              <a:t> </a:t>
+            </a:r>
+            <a:r>
+              <a:rPr lang="it-IT" sz="2800" dirty="0" err="1">
+                <a:solidFill>
+                  <a:schemeClr val="tx1"/>
+                </a:solidFill>
+              </a:rPr>
+              <a:t>adaptive</a:t>
+            </a:r>
+            <a:r>
+              <a:rPr lang="it-IT" sz="2800" dirty="0">
+                <a:solidFill>
+                  <a:schemeClr val="tx1"/>
+                </a:solidFill>
+              </a:rPr>
+              <a:t> </a:t>
+            </a:r>
+            <a:r>
+              <a:rPr lang="it-IT" sz="2800" dirty="0" err="1">
+                <a:solidFill>
+                  <a:schemeClr val="tx1"/>
+                </a:solidFill>
+              </a:rPr>
+              <a:t>density</a:t>
+            </a:r>
+            <a:r>
+              <a:rPr lang="it-IT" sz="2800" dirty="0">
+                <a:solidFill>
+                  <a:schemeClr val="tx1"/>
+                </a:solidFill>
+              </a:rPr>
+              <a:t> </a:t>
+            </a:r>
+            <a:r>
+              <a:rPr lang="it-IT" sz="2800" dirty="0" err="1">
+                <a:solidFill>
+                  <a:schemeClr val="tx1"/>
+                </a:solidFill>
+              </a:rPr>
+              <a:t>estimation</a:t>
+            </a:r>
+            <a:r>
+              <a:rPr lang="it-IT" sz="2800" dirty="0">
+                <a:solidFill>
+                  <a:schemeClr val="tx1"/>
+                </a:solidFill>
+              </a:rPr>
+              <a:t> per image pixel for the task of background </a:t>
+            </a:r>
+            <a:r>
+              <a:rPr lang="it-IT" sz="2800" dirty="0" err="1">
+                <a:solidFill>
+                  <a:schemeClr val="tx1"/>
+                </a:solidFill>
+              </a:rPr>
+              <a:t>subtraction</a:t>
+            </a:r>
+            <a:endParaRPr lang="it-IT" sz="2800" dirty="0">
+              <a:solidFill>
+                <a:schemeClr val="tx1"/>
+              </a:solidFill>
+            </a:endParaRPr>
+          </a:p>
+          <a:p>
+            <a:r>
+              <a:rPr lang="it-IT" sz="2800" dirty="0" smtClean="0">
+                <a:solidFill>
+                  <a:schemeClr val="tx1"/>
+                </a:solidFill>
+              </a:rPr>
+              <a:t>[3] </a:t>
+            </a:r>
+            <a:r>
+              <a:rPr lang="it-IT" sz="2800" dirty="0">
+                <a:solidFill>
+                  <a:schemeClr val="tx1"/>
+                </a:solidFill>
+              </a:rPr>
+              <a:t>F. </a:t>
+            </a:r>
+            <a:r>
+              <a:rPr lang="it-IT" sz="2800" dirty="0" err="1">
+                <a:solidFill>
+                  <a:schemeClr val="tx1"/>
+                </a:solidFill>
+              </a:rPr>
+              <a:t>Porikli</a:t>
+            </a:r>
+            <a:r>
+              <a:rPr lang="it-IT" sz="2800" dirty="0">
+                <a:solidFill>
+                  <a:schemeClr val="tx1"/>
+                </a:solidFill>
+              </a:rPr>
+              <a:t>, Y. </a:t>
+            </a:r>
+            <a:r>
+              <a:rPr lang="it-IT" sz="2800" dirty="0" err="1">
+                <a:solidFill>
+                  <a:schemeClr val="tx1"/>
+                </a:solidFill>
+              </a:rPr>
+              <a:t>Ivanov</a:t>
+            </a:r>
+            <a:r>
+              <a:rPr lang="it-IT" sz="2800" dirty="0">
+                <a:solidFill>
+                  <a:schemeClr val="tx1"/>
+                </a:solidFill>
+              </a:rPr>
+              <a:t> and T. </a:t>
+            </a:r>
+            <a:r>
+              <a:rPr lang="it-IT" sz="2800" dirty="0" err="1">
+                <a:solidFill>
+                  <a:schemeClr val="tx1"/>
+                </a:solidFill>
+              </a:rPr>
+              <a:t>Haga</a:t>
+            </a:r>
+            <a:r>
+              <a:rPr lang="it-IT" sz="2800" dirty="0">
+                <a:solidFill>
+                  <a:schemeClr val="tx1"/>
+                </a:solidFill>
+              </a:rPr>
+              <a:t>, </a:t>
+            </a:r>
+            <a:r>
+              <a:rPr lang="it-IT" sz="2800" dirty="0" err="1">
+                <a:solidFill>
+                  <a:schemeClr val="tx1"/>
+                </a:solidFill>
+              </a:rPr>
+              <a:t>Robust</a:t>
+            </a:r>
+            <a:r>
+              <a:rPr lang="it-IT" sz="2800" dirty="0">
+                <a:solidFill>
+                  <a:schemeClr val="tx1"/>
+                </a:solidFill>
+              </a:rPr>
+              <a:t> </a:t>
+            </a:r>
+            <a:r>
+              <a:rPr lang="it-IT" sz="2800" dirty="0" err="1">
+                <a:solidFill>
+                  <a:schemeClr val="tx1"/>
+                </a:solidFill>
+              </a:rPr>
+              <a:t>abandoned</a:t>
+            </a:r>
+            <a:r>
+              <a:rPr lang="it-IT" sz="2800" dirty="0">
+                <a:solidFill>
+                  <a:schemeClr val="tx1"/>
+                </a:solidFill>
+              </a:rPr>
+              <a:t> </a:t>
+            </a:r>
+            <a:r>
+              <a:rPr lang="it-IT" sz="2800" dirty="0" err="1">
+                <a:solidFill>
+                  <a:schemeClr val="tx1"/>
+                </a:solidFill>
+              </a:rPr>
+              <a:t>object</a:t>
+            </a:r>
+            <a:r>
+              <a:rPr lang="it-IT" sz="2800" dirty="0">
+                <a:solidFill>
+                  <a:schemeClr val="tx1"/>
+                </a:solidFill>
+              </a:rPr>
+              <a:t> </a:t>
+            </a:r>
+            <a:r>
+              <a:rPr lang="it-IT" sz="2800" dirty="0" err="1">
+                <a:solidFill>
+                  <a:schemeClr val="tx1"/>
+                </a:solidFill>
+              </a:rPr>
+              <a:t>detection</a:t>
+            </a:r>
+            <a:r>
+              <a:rPr lang="it-IT" sz="2800" dirty="0">
+                <a:solidFill>
+                  <a:schemeClr val="tx1"/>
+                </a:solidFill>
+              </a:rPr>
+              <a:t> </a:t>
+            </a:r>
+            <a:r>
+              <a:rPr lang="it-IT" sz="2800" dirty="0" err="1">
+                <a:solidFill>
+                  <a:schemeClr val="tx1"/>
+                </a:solidFill>
+              </a:rPr>
+              <a:t>using</a:t>
+            </a:r>
+            <a:r>
+              <a:rPr lang="it-IT" sz="2800" dirty="0">
+                <a:solidFill>
+                  <a:schemeClr val="tx1"/>
+                </a:solidFill>
+              </a:rPr>
+              <a:t> </a:t>
+            </a:r>
+            <a:r>
+              <a:rPr lang="it-IT" sz="2800" dirty="0" err="1">
+                <a:solidFill>
+                  <a:schemeClr val="tx1"/>
+                </a:solidFill>
+              </a:rPr>
+              <a:t>dual</a:t>
+            </a:r>
+            <a:r>
+              <a:rPr lang="it-IT" sz="2800" dirty="0">
+                <a:solidFill>
+                  <a:schemeClr val="tx1"/>
+                </a:solidFill>
+              </a:rPr>
+              <a:t> </a:t>
+            </a:r>
+            <a:r>
+              <a:rPr lang="it-IT" sz="2800" dirty="0" err="1" smtClean="0">
+                <a:solidFill>
+                  <a:schemeClr val="tx1"/>
+                </a:solidFill>
+              </a:rPr>
+              <a:t>foregrounds</a:t>
+            </a:r>
+            <a:endParaRPr lang="it-IT" sz="2800" dirty="0" smtClean="0">
+              <a:solidFill>
+                <a:schemeClr val="tx1"/>
+              </a:solidFill>
+            </a:endParaRPr>
+          </a:p>
+          <a:p>
+            <a:r>
+              <a:rPr lang="en-US" sz="2800" dirty="0" smtClean="0"/>
+              <a:t>[4] Suzuki</a:t>
+            </a:r>
+            <a:r>
+              <a:rPr lang="en-US" sz="2800" dirty="0"/>
+              <a:t>, S. and Abe, K., Topological Structural Analysis of Digitized Binary Images by Border Following. CVGIP 30 1, pp 32-46 (1985).</a:t>
+            </a:r>
+            <a:endParaRPr lang="it-IT" sz="2800" dirty="0">
+              <a:solidFill>
+                <a:schemeClr val="tx1"/>
+              </a:solidFill>
+            </a:endParaRPr>
+          </a:p>
+          <a:p>
+            <a:endParaRPr lang="it-IT" dirty="0"/>
+          </a:p>
+        </p:txBody>
+      </p:sp>
+      <p:sp>
+        <p:nvSpPr>
+          <p:cNvPr id="4" name="Segnaposto contenuto 3"/>
+          <p:cNvSpPr>
+            <a:spLocks noGrp="1"/>
+          </p:cNvSpPr>
+          <p:nvPr>
+            <p:ph sz="quarter" idx="11"/>
+          </p:nvPr>
+        </p:nvSpPr>
+        <p:spPr/>
+        <p:txBody>
+          <a:bodyPr/>
+          <a:lstStyle/>
+          <a:p>
+            <a:r>
+              <a:rPr lang="it-IT" dirty="0" err="1" smtClean="0"/>
+              <a:t>References</a:t>
+            </a:r>
+            <a:endParaRPr lang="it-IT" dirty="0"/>
+          </a:p>
+        </p:txBody>
+      </p:sp>
+    </p:spTree>
+    <p:extLst>
+      <p:ext uri="{BB962C8B-B14F-4D97-AF65-F5344CB8AC3E}">
+        <p14:creationId xmlns:p14="http://schemas.microsoft.com/office/powerpoint/2010/main" val="7393228"/>
+      </p:ext>
+    </p:extLst>
+  </p:cSld>
+  <p:clrMapOvr>
+    <a:masterClrMapping/>
+  </p:clrMapOvr>
+  <p:timing>
+    <p:tnLst>
+      <p:par>
+        <p:cTn id="1" dur="indefinite" restart="never" nodeType="tmRoot"/>
+      </p:par>
+    </p:tnLst>
+  </p:timing>
+</p:sld>
+</file>
+
+<file path=ppt/slides/slide17.xml><?xml version="1.0" encoding="utf-8"?>
 <p:sld xmlns:a="http://schemas.openxmlformats.org/drawingml/2006/main" xmlns:r="http://schemas.openxmlformats.org/officeDocument/2006/relationships" xmlns:p="http://schemas.openxmlformats.org/presentationml/2006/main">
   <p:cSld>
     <p:spTree>
@@ -6204,10 +8805,9 @@
           <a:lstStyle/>
           <a:p>
             <a:r>
-              <a:rPr lang="it-IT" dirty="0" err="1" smtClean="0"/>
-              <a:t>Thanks</a:t>
-            </a:r>
-            <a:endParaRPr lang="it-IT" dirty="0"/>
+              <a:rPr lang="it-IT" dirty="0"/>
+              <a:t>Q &amp; A</a:t>
+            </a:r>
           </a:p>
         </p:txBody>
       </p:sp>
@@ -6394,378 +8994,6 @@
 </p:sld>
 </file>
 
-<file path=ppt/slides/slide13.xml><?xml version="1.0" encoding="utf-8"?>
-<p:sld xmlns:a="http://schemas.openxmlformats.org/drawingml/2006/main" xmlns:r="http://schemas.openxmlformats.org/officeDocument/2006/relationships" xmlns:p="http://schemas.openxmlformats.org/presentationml/2006/main">
-  <p:cSld>
-    <p:spTree>
-      <p:nvGrpSpPr>
-        <p:cNvPr id="1" name=""/>
-        <p:cNvGrpSpPr/>
-        <p:nvPr/>
-      </p:nvGrpSpPr>
-      <p:grpSpPr>
-        <a:xfrm>
-          <a:off x="0" y="0"/>
-          <a:ext cx="0" cy="0"/>
-          <a:chOff x="0" y="0"/>
-          <a:chExt cx="0" cy="0"/>
-        </a:xfrm>
-      </p:grpSpPr>
-      <p:sp>
-        <p:nvSpPr>
-          <p:cNvPr id="2" name="Titolo 1"/>
-          <p:cNvSpPr>
-            <a:spLocks noGrp="1"/>
-          </p:cNvSpPr>
-          <p:nvPr>
-            <p:ph type="title"/>
-          </p:nvPr>
-        </p:nvSpPr>
-        <p:spPr/>
-        <p:txBody>
-          <a:bodyPr/>
-          <a:lstStyle/>
-          <a:p>
-            <a:r>
-              <a:rPr lang="it-IT" dirty="0" err="1" smtClean="0"/>
-              <a:t>References</a:t>
-            </a:r>
-            <a:endParaRPr lang="it-IT" dirty="0"/>
-          </a:p>
-        </p:txBody>
-      </p:sp>
-      <p:sp>
-        <p:nvSpPr>
-          <p:cNvPr id="3" name="Segnaposto contenuto 2"/>
-          <p:cNvSpPr>
-            <a:spLocks noGrp="1"/>
-          </p:cNvSpPr>
-          <p:nvPr>
-            <p:ph idx="1"/>
-          </p:nvPr>
-        </p:nvSpPr>
-        <p:spPr/>
-        <p:txBody>
-          <a:bodyPr/>
-          <a:lstStyle/>
-          <a:p>
-            <a:r>
-              <a:rPr lang="it-IT" sz="2800" dirty="0">
-                <a:solidFill>
-                  <a:schemeClr val="tx1"/>
-                </a:solidFill>
-              </a:rPr>
-              <a:t>[1] Z. Zivkovic and F. </a:t>
-            </a:r>
-            <a:r>
-              <a:rPr lang="it-IT" sz="2800" dirty="0" err="1">
-                <a:solidFill>
-                  <a:schemeClr val="tx1"/>
-                </a:solidFill>
-              </a:rPr>
-              <a:t>Heijden</a:t>
-            </a:r>
-            <a:r>
-              <a:rPr lang="it-IT" sz="2800" dirty="0">
-                <a:solidFill>
-                  <a:schemeClr val="tx1"/>
-                </a:solidFill>
-              </a:rPr>
-              <a:t>, </a:t>
-            </a:r>
-            <a:r>
-              <a:rPr lang="it-IT" sz="2800" dirty="0" err="1">
-                <a:solidFill>
-                  <a:schemeClr val="tx1"/>
-                </a:solidFill>
-              </a:rPr>
-              <a:t>Efficient</a:t>
-            </a:r>
-            <a:r>
-              <a:rPr lang="it-IT" sz="2800" dirty="0">
-                <a:solidFill>
-                  <a:schemeClr val="tx1"/>
-                </a:solidFill>
-              </a:rPr>
-              <a:t> </a:t>
-            </a:r>
-            <a:r>
-              <a:rPr lang="it-IT" sz="2800" dirty="0" err="1">
-                <a:solidFill>
-                  <a:schemeClr val="tx1"/>
-                </a:solidFill>
-              </a:rPr>
-              <a:t>adaptive</a:t>
-            </a:r>
-            <a:r>
-              <a:rPr lang="it-IT" sz="2800" dirty="0">
-                <a:solidFill>
-                  <a:schemeClr val="tx1"/>
-                </a:solidFill>
-              </a:rPr>
-              <a:t> </a:t>
-            </a:r>
-            <a:r>
-              <a:rPr lang="it-IT" sz="2800" dirty="0" err="1">
-                <a:solidFill>
-                  <a:schemeClr val="tx1"/>
-                </a:solidFill>
-              </a:rPr>
-              <a:t>density</a:t>
-            </a:r>
-            <a:r>
-              <a:rPr lang="it-IT" sz="2800" dirty="0">
-                <a:solidFill>
-                  <a:schemeClr val="tx1"/>
-                </a:solidFill>
-              </a:rPr>
-              <a:t> </a:t>
-            </a:r>
-            <a:r>
-              <a:rPr lang="it-IT" sz="2800" dirty="0" err="1">
-                <a:solidFill>
-                  <a:schemeClr val="tx1"/>
-                </a:solidFill>
-              </a:rPr>
-              <a:t>estimation</a:t>
-            </a:r>
-            <a:r>
-              <a:rPr lang="it-IT" sz="2800" dirty="0">
-                <a:solidFill>
-                  <a:schemeClr val="tx1"/>
-                </a:solidFill>
-              </a:rPr>
-              <a:t> per image pixel for the task of background </a:t>
-            </a:r>
-            <a:r>
-              <a:rPr lang="it-IT" sz="2800" dirty="0" err="1">
-                <a:solidFill>
-                  <a:schemeClr val="tx1"/>
-                </a:solidFill>
-              </a:rPr>
-              <a:t>subtraction</a:t>
-            </a:r>
-            <a:endParaRPr lang="it-IT" sz="2800" dirty="0">
-              <a:solidFill>
-                <a:schemeClr val="tx1"/>
-              </a:solidFill>
-            </a:endParaRPr>
-          </a:p>
-          <a:p>
-            <a:r>
-              <a:rPr lang="it-IT" sz="2800" dirty="0">
-                <a:solidFill>
-                  <a:schemeClr val="tx1"/>
-                </a:solidFill>
-              </a:rPr>
-              <a:t>[2] F. </a:t>
-            </a:r>
-            <a:r>
-              <a:rPr lang="it-IT" sz="2800" dirty="0" err="1">
-                <a:solidFill>
-                  <a:schemeClr val="tx1"/>
-                </a:solidFill>
-              </a:rPr>
-              <a:t>Porikli</a:t>
-            </a:r>
-            <a:r>
-              <a:rPr lang="it-IT" sz="2800" dirty="0">
-                <a:solidFill>
-                  <a:schemeClr val="tx1"/>
-                </a:solidFill>
-              </a:rPr>
-              <a:t>, Y. </a:t>
-            </a:r>
-            <a:r>
-              <a:rPr lang="it-IT" sz="2800" dirty="0" err="1">
-                <a:solidFill>
-                  <a:schemeClr val="tx1"/>
-                </a:solidFill>
-              </a:rPr>
-              <a:t>Ivanov</a:t>
-            </a:r>
-            <a:r>
-              <a:rPr lang="it-IT" sz="2800" dirty="0">
-                <a:solidFill>
-                  <a:schemeClr val="tx1"/>
-                </a:solidFill>
-              </a:rPr>
-              <a:t> and T. </a:t>
-            </a:r>
-            <a:r>
-              <a:rPr lang="it-IT" sz="2800" dirty="0" err="1">
-                <a:solidFill>
-                  <a:schemeClr val="tx1"/>
-                </a:solidFill>
-              </a:rPr>
-              <a:t>Haga</a:t>
-            </a:r>
-            <a:r>
-              <a:rPr lang="it-IT" sz="2800" dirty="0">
-                <a:solidFill>
-                  <a:schemeClr val="tx1"/>
-                </a:solidFill>
-              </a:rPr>
-              <a:t>, </a:t>
-            </a:r>
-            <a:r>
-              <a:rPr lang="it-IT" sz="2800" dirty="0" err="1">
-                <a:solidFill>
-                  <a:schemeClr val="tx1"/>
-                </a:solidFill>
-              </a:rPr>
-              <a:t>Robust</a:t>
-            </a:r>
-            <a:r>
-              <a:rPr lang="it-IT" sz="2800" dirty="0">
-                <a:solidFill>
-                  <a:schemeClr val="tx1"/>
-                </a:solidFill>
-              </a:rPr>
-              <a:t> </a:t>
-            </a:r>
-            <a:r>
-              <a:rPr lang="it-IT" sz="2800" dirty="0" err="1">
-                <a:solidFill>
-                  <a:schemeClr val="tx1"/>
-                </a:solidFill>
-              </a:rPr>
-              <a:t>abandoned</a:t>
-            </a:r>
-            <a:r>
-              <a:rPr lang="it-IT" sz="2800" dirty="0">
-                <a:solidFill>
-                  <a:schemeClr val="tx1"/>
-                </a:solidFill>
-              </a:rPr>
-              <a:t> </a:t>
-            </a:r>
-            <a:r>
-              <a:rPr lang="it-IT" sz="2800" dirty="0" err="1">
-                <a:solidFill>
-                  <a:schemeClr val="tx1"/>
-                </a:solidFill>
-              </a:rPr>
-              <a:t>object</a:t>
-            </a:r>
-            <a:r>
-              <a:rPr lang="it-IT" sz="2800" dirty="0">
-                <a:solidFill>
-                  <a:schemeClr val="tx1"/>
-                </a:solidFill>
-              </a:rPr>
-              <a:t> </a:t>
-            </a:r>
-            <a:r>
-              <a:rPr lang="it-IT" sz="2800" dirty="0" err="1">
-                <a:solidFill>
-                  <a:schemeClr val="tx1"/>
-                </a:solidFill>
-              </a:rPr>
-              <a:t>detection</a:t>
-            </a:r>
-            <a:r>
-              <a:rPr lang="it-IT" sz="2800" dirty="0">
-                <a:solidFill>
-                  <a:schemeClr val="tx1"/>
-                </a:solidFill>
-              </a:rPr>
-              <a:t> </a:t>
-            </a:r>
-            <a:r>
-              <a:rPr lang="it-IT" sz="2800" dirty="0" err="1">
-                <a:solidFill>
-                  <a:schemeClr val="tx1"/>
-                </a:solidFill>
-              </a:rPr>
-              <a:t>using</a:t>
-            </a:r>
-            <a:r>
-              <a:rPr lang="it-IT" sz="2800" dirty="0">
-                <a:solidFill>
-                  <a:schemeClr val="tx1"/>
-                </a:solidFill>
-              </a:rPr>
-              <a:t> </a:t>
-            </a:r>
-            <a:r>
-              <a:rPr lang="it-IT" sz="2800" dirty="0" err="1">
-                <a:solidFill>
-                  <a:schemeClr val="tx1"/>
-                </a:solidFill>
-              </a:rPr>
-              <a:t>dual</a:t>
-            </a:r>
-            <a:r>
-              <a:rPr lang="it-IT" sz="2800" dirty="0">
-                <a:solidFill>
-                  <a:schemeClr val="tx1"/>
-                </a:solidFill>
-              </a:rPr>
-              <a:t> </a:t>
-            </a:r>
-            <a:r>
-              <a:rPr lang="it-IT" sz="2800" dirty="0" err="1">
-                <a:solidFill>
-                  <a:schemeClr val="tx1"/>
-                </a:solidFill>
-              </a:rPr>
-              <a:t>foregrounds</a:t>
-            </a:r>
-            <a:endParaRPr lang="it-IT" sz="2800" dirty="0">
-              <a:solidFill>
-                <a:schemeClr val="tx1"/>
-              </a:solidFill>
-            </a:endParaRPr>
-          </a:p>
-          <a:p>
-            <a:endParaRPr lang="it-IT" dirty="0"/>
-          </a:p>
-        </p:txBody>
-      </p:sp>
-      <p:sp>
-        <p:nvSpPr>
-          <p:cNvPr id="4" name="Segnaposto contenuto 3"/>
-          <p:cNvSpPr>
-            <a:spLocks noGrp="1"/>
-          </p:cNvSpPr>
-          <p:nvPr>
-            <p:ph sz="quarter" idx="11"/>
-          </p:nvPr>
-        </p:nvSpPr>
-        <p:spPr/>
-        <p:txBody>
-          <a:bodyPr/>
-          <a:lstStyle/>
-          <a:p>
-            <a:r>
-              <a:rPr lang="it-IT" dirty="0" err="1" smtClean="0"/>
-              <a:t>References</a:t>
-            </a:r>
-            <a:endParaRPr lang="it-IT" dirty="0"/>
-          </a:p>
-        </p:txBody>
-      </p:sp>
-    </p:spTree>
-    <p:extLst>
-      <p:ext uri="{BB962C8B-B14F-4D97-AF65-F5344CB8AC3E}">
-        <p14:creationId xmlns:p14="http://schemas.microsoft.com/office/powerpoint/2010/main" val="7393228"/>
-      </p:ext>
-    </p:extLst>
-  </p:cSld>
-  <p:clrMapOvr>
-    <a:masterClrMapping/>
-  </p:clrMapOvr>
-  <p:timing>
-    <p:tnLst>
-      <p:par>
-        <p:cTn id="1" dur="indefinite" restart="never" nodeType="tmRoot"/>
-      </p:par>
-    </p:tnLst>
-  </p:timing>
-</p:sld>
-</file>
-
 <file path=ppt/slides/slide2.xml><?xml version="1.0" encoding="utf-8"?>
 <p:sld xmlns:a="http://schemas.openxmlformats.org/drawingml/2006/main" xmlns:r="http://schemas.openxmlformats.org/officeDocument/2006/relationships" xmlns:p="http://schemas.openxmlformats.org/presentationml/2006/main">
   <p:cSld>
@@ -6872,11 +9100,7 @@
             <a:pPr lvl="1"/>
             <a:r>
               <a:rPr lang="it-IT" dirty="0" smtClean="0"/>
-              <a:t>Depth </a:t>
-            </a:r>
-            <a:r>
-              <a:rPr lang="it-IT" dirty="0" smtClean="0"/>
-              <a:t>processing</a:t>
+              <a:t>Depth processing</a:t>
             </a:r>
           </a:p>
           <a:p>
@@ -7387,24 +9611,32 @@
               <a:t>Zinner</a:t>
             </a:r>
             <a:r>
+              <a:rPr lang="it-IT" sz="1500" baseline="30000"/>
+              <a:t>[1]</a:t>
+            </a:r>
+            <a:r>
+              <a:rPr lang="it-IT" sz="1500"/>
+              <a:t> of </a:t>
+            </a:r>
+            <a:r>
+              <a:rPr lang="it-IT" sz="1500" dirty="0" err="1" smtClean="0"/>
+              <a:t>Austrian</a:t>
+            </a:r>
+            <a:r>
+              <a:rPr lang="it-IT" sz="1500" dirty="0" smtClean="0"/>
+              <a:t> </a:t>
+            </a:r>
+            <a:r>
+              <a:rPr lang="it-IT" sz="1500" dirty="0" err="1" smtClean="0"/>
+              <a:t>Institute</a:t>
+            </a:r>
+            <a:r>
               <a:rPr lang="it-IT" sz="1500" dirty="0" smtClean="0"/>
               <a:t> of </a:t>
             </a:r>
             <a:r>
-              <a:rPr lang="it-IT" sz="1500" dirty="0" err="1" smtClean="0"/>
-              <a:t>Austrian</a:t>
-            </a:r>
-            <a:r>
               <a:rPr lang="it-IT" sz="1500" dirty="0" smtClean="0"/>
-              <a:t> </a:t>
-            </a:r>
-            <a:r>
-              <a:rPr lang="it-IT" sz="1500" dirty="0" err="1" smtClean="0"/>
-              <a:t>Institute</a:t>
-            </a:r>
-            <a:r>
-              <a:rPr lang="it-IT" sz="1500" dirty="0" smtClean="0"/>
-              <a:t> of Technology</a:t>
+              <a:t>Technology</a:t>
             </a:r>
           </a:p>
           <a:p>
@@ -8669,8 +10901,8 @@
           </a:p>
         </p:txBody>
       </p:sp>
-      <mc:AlternateContent xmlns:mc="http://schemas.openxmlformats.org/markup-compatibility/2006">
-        <mc:Choice xmlns:a14="http://schemas.microsoft.com/office/drawing/2010/main" Requires="a14">
+      <mc:AlternateContent xmlns:mc="http://schemas.openxmlformats.org/markup-compatibility/2006" xmlns:a14="http://schemas.microsoft.com/office/drawing/2010/main">
+        <mc:Choice Requires="a14">
           <p:sp>
             <p:nvSpPr>
               <p:cNvPr id="3" name="Segnaposto contenuto 2"/>
@@ -8729,8 +10961,12 @@
                   <a:t> </a:t>
                 </a:r>
                 <a:r>
+                  <a:rPr lang="it-IT" baseline="30000" dirty="0" smtClean="0"/>
+                  <a:t>[2]</a:t>
+                </a:r>
+                <a:r>
                   <a:rPr lang="it-IT" dirty="0" smtClean="0"/>
-                  <a:t>[1]:</a:t>
+                  <a:t>:</a:t>
                 </a:r>
               </a:p>
               <a:p>
@@ -8807,15 +11043,7 @@
                 </a:r>
                 <a:r>
                   <a:rPr lang="it-IT" dirty="0" smtClean="0"/>
-                  <a:t> </a:t>
-                </a:r>
-                <a:r>
-                  <a:rPr lang="it-IT" dirty="0" smtClean="0"/>
-                  <a:t>over time with </a:t>
-                </a:r>
-                <a:r>
-                  <a:rPr lang="it-IT" dirty="0" smtClean="0"/>
-                  <a:t>the </a:t>
+                  <a:t> over time with the </a:t>
                 </a:r>
                 <a:r>
                   <a:rPr lang="it-IT" b="1" dirty="0" err="1" smtClean="0"/>
@@ -8839,7 +11067,15 @@
                 </a:r>
                 <a:r>
                   <a:rPr lang="it-IT" dirty="0" smtClean="0"/>
-                  <a:t> [2]:</a:t>
+                  <a:t> </a:t>
+                </a:r>
+                <a:r>
+                  <a:rPr lang="it-IT" baseline="30000" dirty="0" smtClean="0"/>
+                  <a:t>[3]</a:t>
+                </a:r>
+                <a:r>
+                  <a:rPr lang="it-IT" dirty="0" smtClean="0"/>
+                  <a:t>:</a:t>
                 </a:r>
                 <a:endParaRPr lang="it-IT" dirty="0"/>
               </a:p>
@@ -9190,7 +11426,7 @@
             </p:txBody>
           </p:sp>
         </mc:Choice>
-        <mc:Fallback>
+        <mc:Fallback xmlns="">
           <p:sp>
             <p:nvSpPr>
               <p:cNvPr id="3" name="Segnaposto contenuto 2"/>
@@ -9315,8 +11551,8 @@
           </a:p>
         </p:txBody>
       </p:sp>
-      <mc:AlternateContent xmlns:mc="http://schemas.openxmlformats.org/markup-compatibility/2006">
-        <mc:Choice xmlns:a14="http://schemas.microsoft.com/office/drawing/2010/main" Requires="a14">
+      <mc:AlternateContent xmlns:mc="http://schemas.openxmlformats.org/markup-compatibility/2006" xmlns:a14="http://schemas.microsoft.com/office/drawing/2010/main">
+        <mc:Choice Requires="a14">
           <p:sp>
             <p:nvSpPr>
               <p:cNvPr id="3" name="Segnaposto contenuto 2"/>
@@ -9580,7 +11816,6 @@
                   <a:rPr lang="it-IT" sz="2500" dirty="0" smtClean="0"/>
                   <a:t>;</a:t>
                 </a:r>
-                <a:endParaRPr lang="it-IT" sz="2500" dirty="0" smtClean="0"/>
               </a:p>
               <a:p>
                 <a:pPr lvl="1"/>
@@ -9697,17 +11932,13 @@
                 </a:r>
                 <a:r>
                   <a:rPr lang="it-IT" sz="2500" dirty="0" smtClean="0"/>
-                  <a:t> item</a:t>
-                </a:r>
-                <a:r>
-                  <a:rPr lang="it-IT" sz="2500" dirty="0" smtClean="0"/>
-                  <a:t>.</a:t>
+                  <a:t> item.</a:t>
                 </a:r>
               </a:p>
             </p:txBody>
           </p:sp>
         </mc:Choice>
-        <mc:Fallback>
+        <mc:Fallback xmlns="">
           <p:sp>
             <p:nvSpPr>
               <p:cNvPr id="3" name="Segnaposto contenuto 2"/>
@@ -9774,8 +12005,8 @@
           </a:p>
         </p:txBody>
       </p:sp>
-      <mc:AlternateContent xmlns:mc="http://schemas.openxmlformats.org/markup-compatibility/2006">
-        <mc:Choice xmlns:a14="http://schemas.microsoft.com/office/drawing/2010/main" Requires="a14">
+      <mc:AlternateContent xmlns:mc="http://schemas.openxmlformats.org/markup-compatibility/2006" xmlns:a14="http://schemas.microsoft.com/office/drawing/2010/main">
+        <mc:Choice Requires="a14">
           <p:graphicFrame>
             <p:nvGraphicFramePr>
               <p:cNvPr id="6" name="Tabella 5"/>
@@ -10272,7 +12503,7 @@
             </a:graphic>
           </p:graphicFrame>
         </mc:Choice>
-        <mc:Fallback>
+        <mc:Fallback xmlns="">
           <p:graphicFrame>
             <p:nvGraphicFramePr>
               <p:cNvPr id="6" name="Tabella 5"/>
@@ -10802,8 +13033,8 @@
           </a:p>
         </p:txBody>
       </p:sp>
-      <mc:AlternateContent xmlns:mc="http://schemas.openxmlformats.org/markup-compatibility/2006">
-        <mc:Choice xmlns:a14="http://schemas.microsoft.com/office/drawing/2010/main" Requires="a14">
+      <mc:AlternateContent xmlns:mc="http://schemas.openxmlformats.org/markup-compatibility/2006" xmlns:a14="http://schemas.microsoft.com/office/drawing/2010/main">
+        <mc:Choice Requires="a14">
           <p:graphicFrame>
             <p:nvGraphicFramePr>
               <p:cNvPr id="5" name="Tabella 4"/>
@@ -11662,7 +13893,7 @@
             </a:graphic>
           </p:graphicFrame>
         </mc:Choice>
-        <mc:Fallback>
+        <mc:Fallback xmlns="">
           <p:graphicFrame>
             <p:nvGraphicFramePr>
               <p:cNvPr id="5" name="Tabella 4"/>
@@ -11935,8 +14166,8 @@
           </a:p>
         </p:txBody>
       </p:sp>
-      <mc:AlternateContent xmlns:mc="http://schemas.openxmlformats.org/markup-compatibility/2006">
-        <mc:Choice xmlns:a14="http://schemas.microsoft.com/office/drawing/2010/main" Requires="a14">
+      <mc:AlternateContent xmlns:mc="http://schemas.openxmlformats.org/markup-compatibility/2006" xmlns:a14="http://schemas.microsoft.com/office/drawing/2010/main">
+        <mc:Choice Requires="a14">
           <p:sp>
             <p:nvSpPr>
               <p:cNvPr id="3" name="Segnaposto contenuto 2"/>
@@ -12350,7 +14581,7 @@
             </p:txBody>
           </p:sp>
         </mc:Choice>
-        <mc:Fallback>
+        <mc:Fallback xmlns="">
           <p:sp>
             <p:nvSpPr>
               <p:cNvPr id="3" name="Segnaposto contenuto 2"/>
@@ -12509,8 +14740,8 @@
           </a:p>
         </p:txBody>
       </p:sp>
-      <mc:AlternateContent xmlns:mc="http://schemas.openxmlformats.org/markup-compatibility/2006">
-        <mc:Choice xmlns:a14="http://schemas.microsoft.com/office/drawing/2010/main" Requires="a14">
+      <mc:AlternateContent xmlns:mc="http://schemas.openxmlformats.org/markup-compatibility/2006" xmlns:a14="http://schemas.microsoft.com/office/drawing/2010/main">
+        <mc:Choice Requires="a14">
           <p:sp>
             <p:nvSpPr>
               <p:cNvPr id="7" name="CasellaDiTesto 6"/>
@@ -12627,7 +14858,7 @@
             </p:txBody>
           </p:sp>
         </mc:Choice>
-        <mc:Fallback>
+        <mc:Fallback xmlns="">
           <p:sp>
             <p:nvSpPr>
               <p:cNvPr id="7" name="CasellaDiTesto 6"/>
@@ -12688,8 +14919,8 @@
           </p:sp>
         </mc:Fallback>
       </mc:AlternateContent>
-      <mc:AlternateContent xmlns:mc="http://schemas.openxmlformats.org/markup-compatibility/2006">
-        <mc:Choice xmlns:a14="http://schemas.microsoft.com/office/drawing/2010/main" Requires="a14">
+      <mc:AlternateContent xmlns:mc="http://schemas.openxmlformats.org/markup-compatibility/2006" xmlns:a14="http://schemas.microsoft.com/office/drawing/2010/main">
+        <mc:Choice Requires="a14">
           <p:sp>
             <p:nvSpPr>
               <p:cNvPr id="8" name="CasellaDiTesto 7"/>
@@ -12806,7 +15037,7 @@
             </p:txBody>
           </p:sp>
         </mc:Choice>
-        <mc:Fallback>
+        <mc:Fallback xmlns="">
           <p:sp>
             <p:nvSpPr>
               <p:cNvPr id="8" name="CasellaDiTesto 7"/>
@@ -12931,8 +15162,8 @@
           </a:p>
         </p:txBody>
       </p:sp>
-      <mc:AlternateContent xmlns:mc="http://schemas.openxmlformats.org/markup-compatibility/2006">
-        <mc:Choice xmlns:a14="http://schemas.microsoft.com/office/drawing/2010/main" Requires="a14">
+      <mc:AlternateContent xmlns:mc="http://schemas.openxmlformats.org/markup-compatibility/2006" xmlns:a14="http://schemas.microsoft.com/office/drawing/2010/main">
+        <mc:Choice Requires="a14">
           <p:sp>
             <p:nvSpPr>
               <p:cNvPr id="3" name="Segnaposto contenuto 2"/>
@@ -13398,7 +15629,7 @@
             </p:txBody>
           </p:sp>
         </mc:Choice>
-        <mc:Fallback>
+        <mc:Fallback xmlns="">
           <p:sp>
             <p:nvSpPr>
               <p:cNvPr id="3" name="Segnaposto contenuto 2"/>

--- a/docs/Presentation - Left luggage detection.pptx
+++ b/docs/Presentation - Left luggage detection.pptx
@@ -5,10 +5,10 @@
     <p:sldMasterId id="2147483648" r:id="rId1"/>
   </p:sldMasterIdLst>
   <p:notesMasterIdLst>
-    <p:notesMasterId r:id="rId19"/>
+    <p:notesMasterId r:id="rId21"/>
   </p:notesMasterIdLst>
   <p:handoutMasterIdLst>
-    <p:handoutMasterId r:id="rId20"/>
+    <p:handoutMasterId r:id="rId22"/>
   </p:handoutMasterIdLst>
   <p:sldIdLst>
     <p:sldId id="320" r:id="rId2"/>
@@ -25,9 +25,11 @@
     <p:sldId id="387" r:id="rId13"/>
     <p:sldId id="388" r:id="rId14"/>
     <p:sldId id="389" r:id="rId15"/>
-    <p:sldId id="390" r:id="rId16"/>
-    <p:sldId id="383" r:id="rId17"/>
-    <p:sldId id="374" r:id="rId18"/>
+    <p:sldId id="391" r:id="rId16"/>
+    <p:sldId id="390" r:id="rId17"/>
+    <p:sldId id="392" r:id="rId18"/>
+    <p:sldId id="383" r:id="rId19"/>
+    <p:sldId id="374" r:id="rId20"/>
   </p:sldIdLst>
   <p:sldSz cx="9144000" cy="6858000" type="screen4x3"/>
   <p:notesSz cx="6858000" cy="9144000"/>
@@ -273,7 +275,7 @@
               <a:pPr>
                 <a:defRPr/>
               </a:pPr>
-              <a:t>15/03/2014</a:t>
+              <a:t>17/03/2014</a:t>
             </a:fld>
             <a:endParaRPr lang="it-IT" altLang="it-IT"/>
           </a:p>
@@ -5152,7 +5154,7 @@
         </p:blipFill>
         <p:spPr>
           <a:xfrm>
-            <a:off x="4067944" y="4754848"/>
+            <a:off x="4042617" y="4545312"/>
             <a:ext cx="2877699" cy="972000"/>
           </a:xfrm>
           <a:prstGeom prst="rect">
@@ -5212,8 +5214,8 @@
         </p:blipFill>
         <p:spPr>
           <a:xfrm>
-            <a:off x="2591158" y="5333064"/>
-            <a:ext cx="3680000" cy="828000"/>
+            <a:off x="3532240" y="5517312"/>
+            <a:ext cx="3200000" cy="720000"/>
           </a:xfrm>
           <a:prstGeom prst="rect">
             <a:avLst/>
@@ -7288,7 +7290,15 @@
           <a:p>
             <a:r>
               <a:rPr lang="it-IT" dirty="0" err="1" smtClean="0"/>
-              <a:t>It’s</a:t>
+              <a:t>Is</a:t>
+            </a:r>
+            <a:r>
+              <a:rPr lang="it-IT" dirty="0" smtClean="0"/>
+              <a:t> </a:t>
+            </a:r>
+            <a:r>
+              <a:rPr lang="it-IT" dirty="0" err="1" smtClean="0"/>
+              <a:t>it</a:t>
             </a:r>
             <a:r>
               <a:rPr lang="it-IT" dirty="0" smtClean="0"/>
@@ -7442,12 +7452,90 @@
           <a:lstStyle/>
           <a:p>
             <a:r>
+              <a:rPr lang="it-IT" dirty="0"/>
+              <a:t>The </a:t>
+            </a:r>
+            <a:r>
+              <a:rPr lang="it-IT" dirty="0" err="1"/>
+              <a:t>depth</a:t>
+            </a:r>
+            <a:r>
+              <a:rPr lang="it-IT" dirty="0"/>
+              <a:t> video </a:t>
+            </a:r>
+            <a:r>
+              <a:rPr lang="it-IT" dirty="0" err="1"/>
+              <a:t>stream</a:t>
+            </a:r>
+            <a:r>
+              <a:rPr lang="it-IT" dirty="0"/>
+              <a:t> </a:t>
+            </a:r>
+            <a:r>
+              <a:rPr lang="it-IT" dirty="0" err="1"/>
+              <a:t>is</a:t>
+            </a:r>
+            <a:r>
+              <a:rPr lang="it-IT" dirty="0"/>
+              <a:t> </a:t>
+            </a:r>
+            <a:r>
+              <a:rPr lang="it-IT" b="1" dirty="0" err="1"/>
+              <a:t>noisy</a:t>
+            </a:r>
+            <a:r>
+              <a:rPr lang="it-IT" dirty="0"/>
+              <a:t>:</a:t>
+            </a:r>
+          </a:p>
+          <a:p>
+            <a:pPr lvl="1"/>
+            <a:r>
+              <a:rPr lang="it-IT" dirty="0" err="1"/>
+              <a:t>We</a:t>
+            </a:r>
+            <a:r>
+              <a:rPr lang="it-IT" dirty="0"/>
+              <a:t> </a:t>
+            </a:r>
+            <a:r>
+              <a:rPr lang="it-IT" dirty="0" err="1"/>
+              <a:t>apply</a:t>
+            </a:r>
+            <a:r>
+              <a:rPr lang="it-IT" dirty="0"/>
+              <a:t> the opening </a:t>
+            </a:r>
+            <a:r>
+              <a:rPr lang="it-IT" dirty="0" err="1"/>
+              <a:t>morphological</a:t>
+            </a:r>
+            <a:r>
+              <a:rPr lang="it-IT" dirty="0"/>
+              <a:t> operator</a:t>
+            </a:r>
+            <a:r>
+              <a:rPr lang="it-IT" dirty="0" smtClean="0"/>
+              <a:t>.</a:t>
+            </a:r>
+            <a:endParaRPr lang="en-US" dirty="0" smtClean="0"/>
+          </a:p>
+          <a:p>
+            <a:r>
               <a:rPr lang="en-US" dirty="0" smtClean="0"/>
-              <a:t>The depth </a:t>
+              <a:t>The </a:t>
+            </a:r>
+            <a:r>
+              <a:rPr lang="en-US" dirty="0" smtClean="0"/>
+              <a:t>depth </a:t>
+            </a:r>
+            <a:r>
+              <a:rPr lang="en-US" dirty="0" smtClean="0"/>
+              <a:t>video stream </a:t>
             </a:r>
             <a:r>
               <a:rPr lang="en-US" dirty="0"/>
-              <a:t>video stream is </a:t>
+              <a:t>is </a:t>
             </a:r>
             <a:r>
               <a:rPr lang="en-US" b="1" dirty="0"/>
@@ -7547,72 +7635,6 @@
               <a:t>bla</a:t>
             </a:r>
             <a:endParaRPr lang="en-US" dirty="0" smtClean="0"/>
-          </a:p>
-          <a:p>
-            <a:r>
-              <a:rPr lang="it-IT" dirty="0" smtClean="0"/>
-              <a:t>The </a:t>
-            </a:r>
-            <a:r>
-              <a:rPr lang="it-IT" dirty="0" err="1" smtClean="0"/>
-              <a:t>depth</a:t>
-            </a:r>
-            <a:r>
-              <a:rPr lang="it-IT" dirty="0" smtClean="0"/>
-              <a:t> video </a:t>
-            </a:r>
-            <a:r>
-              <a:rPr lang="it-IT" dirty="0" err="1" smtClean="0"/>
-              <a:t>stream</a:t>
-            </a:r>
-            <a:r>
-              <a:rPr lang="it-IT" dirty="0" smtClean="0"/>
-              <a:t> </a:t>
-            </a:r>
-            <a:r>
-              <a:rPr lang="it-IT" dirty="0" err="1" smtClean="0"/>
-              <a:t>is</a:t>
-            </a:r>
-            <a:r>
-              <a:rPr lang="it-IT" dirty="0" smtClean="0"/>
-              <a:t> </a:t>
-            </a:r>
-            <a:r>
-              <a:rPr lang="it-IT" b="1" dirty="0" err="1" smtClean="0"/>
-              <a:t>noisy</a:t>
-            </a:r>
-            <a:r>
-              <a:rPr lang="it-IT" dirty="0" smtClean="0"/>
-              <a:t>:</a:t>
-            </a:r>
-          </a:p>
-          <a:p>
-            <a:pPr lvl="1"/>
-            <a:r>
-              <a:rPr lang="it-IT" dirty="0" err="1" smtClean="0"/>
-              <a:t>We</a:t>
-            </a:r>
-            <a:r>
-              <a:rPr lang="it-IT" dirty="0" smtClean="0"/>
-              <a:t> </a:t>
-            </a:r>
-            <a:r>
-              <a:rPr lang="it-IT" dirty="0" err="1" smtClean="0"/>
-              <a:t>apply</a:t>
-            </a:r>
-            <a:r>
-              <a:rPr lang="it-IT" dirty="0" smtClean="0"/>
-              <a:t> the opening </a:t>
-            </a:r>
-            <a:r>
-              <a:rPr lang="it-IT" dirty="0" err="1" smtClean="0"/>
-              <a:t>morphological</a:t>
-            </a:r>
-            <a:r>
-              <a:rPr lang="it-IT" dirty="0" smtClean="0"/>
-              <a:t> operator.</a:t>
-            </a:r>
-            <a:endParaRPr lang="it-IT" dirty="0"/>
           </a:p>
         </p:txBody>
       </p:sp>
@@ -7955,6 +7977,693 @@
           <a:lstStyle/>
           <a:p>
             <a:r>
+              <a:rPr lang="it-IT" dirty="0"/>
+              <a:t>Combination of </a:t>
+            </a:r>
+            <a:r>
+              <a:rPr lang="it-IT" dirty="0" err="1"/>
+              <a:t>proposals</a:t>
+            </a:r>
+            <a:endParaRPr lang="it-IT" dirty="0"/>
+          </a:p>
+        </p:txBody>
+      </p:sp>
+      <mc:AlternateContent xmlns:mc="http://schemas.openxmlformats.org/markup-compatibility/2006">
+        <mc:Choice xmlns:a14="http://schemas.microsoft.com/office/drawing/2010/main" Requires="a14">
+          <p:sp>
+            <p:nvSpPr>
+              <p:cNvPr id="3" name="Segnaposto contenuto 2"/>
+              <p:cNvSpPr>
+                <a:spLocks noGrp="1"/>
+              </p:cNvSpPr>
+              <p:nvPr>
+                <p:ph idx="1"/>
+              </p:nvPr>
+            </p:nvSpPr>
+            <p:spPr/>
+            <p:txBody>
+              <a:bodyPr>
+                <a:normAutofit fontScale="70000" lnSpcReduction="20000"/>
+              </a:bodyPr>
+              <a:lstStyle/>
+              <a:p>
+                <a:r>
+                  <a:rPr lang="it-IT" dirty="0" smtClean="0"/>
+                  <a:t>The </a:t>
+                </a:r>
+                <a:r>
+                  <a:rPr lang="it-IT" dirty="0" err="1" smtClean="0"/>
+                  <a:t>intensity</a:t>
+                </a:r>
+                <a:r>
+                  <a:rPr lang="it-IT" dirty="0" smtClean="0"/>
+                  <a:t> </a:t>
+                </a:r>
+                <a:r>
+                  <a:rPr lang="it-IT" dirty="0"/>
+                  <a:t>and </a:t>
+                </a:r>
+                <a:r>
+                  <a:rPr lang="it-IT" dirty="0" err="1" smtClean="0"/>
+                  <a:t>depth-based</a:t>
+                </a:r>
+                <a:r>
+                  <a:rPr lang="it-IT" dirty="0" smtClean="0"/>
+                  <a:t> </a:t>
+                </a:r>
+                <a:r>
+                  <a:rPr lang="it-IT" dirty="0" err="1" smtClean="0"/>
+                  <a:t>proposals</a:t>
+                </a:r>
+                <a:r>
+                  <a:rPr lang="it-IT" dirty="0" smtClean="0"/>
+                  <a:t> sets are </a:t>
+                </a:r>
+                <a:r>
+                  <a:rPr lang="it-IT" dirty="0" err="1"/>
+                  <a:t>merged</a:t>
+                </a:r>
+                <a:r>
+                  <a:rPr lang="it-IT" dirty="0"/>
+                  <a:t> by </a:t>
+                </a:r>
+                <a:r>
+                  <a:rPr lang="it-IT" dirty="0" err="1"/>
+                  <a:t>using</a:t>
+                </a:r>
+                <a:r>
+                  <a:rPr lang="it-IT" dirty="0"/>
+                  <a:t>:</a:t>
+                </a:r>
+              </a:p>
+              <a:p>
+                <a:pPr marL="0" indent="0">
+                  <a:buNone/>
+                </a:pPr>
+                <a14:m>
+                  <m:oMathPara xmlns:m="http://schemas.openxmlformats.org/officeDocument/2006/math">
+                    <m:oMathParaPr>
+                      <m:jc m:val="centerGroup"/>
+                    </m:oMathParaPr>
+                    <m:oMath xmlns:m="http://schemas.openxmlformats.org/officeDocument/2006/math">
+                      <m:r>
+                        <a:rPr lang="it-IT" i="1">
+                          <a:latin typeface="Cambria Math"/>
+                        </a:rPr>
+                        <m:t>𝑅</m:t>
+                      </m:r>
+                      <m:r>
+                        <a:rPr lang="it-IT" i="1">
+                          <a:latin typeface="Cambria Math"/>
+                        </a:rPr>
+                        <m:t>=</m:t>
+                      </m:r>
+                      <m:f>
+                        <m:fPr>
+                          <m:ctrlPr>
+                            <a:rPr lang="it-IT" i="1">
+                              <a:latin typeface="Cambria Math"/>
+                            </a:rPr>
+                          </m:ctrlPr>
+                        </m:fPr>
+                        <m:num>
+                          <m:r>
+                            <a:rPr lang="it-IT" i="1">
+                              <a:latin typeface="Cambria Math"/>
+                            </a:rPr>
+                            <m:t>#</m:t>
+                          </m:r>
+                          <m:r>
+                            <a:rPr lang="it-IT" i="1">
+                              <a:latin typeface="Cambria Math"/>
+                            </a:rPr>
+                            <m:t>𝑝𝑖𝑥𝑒𝑙</m:t>
+                          </m:r>
+                          <m:d>
+                            <m:dPr>
+                              <m:ctrlPr>
+                                <a:rPr lang="it-IT" i="1">
+                                  <a:latin typeface="Cambria Math"/>
+                                </a:rPr>
+                              </m:ctrlPr>
+                            </m:dPr>
+                            <m:e>
+                              <m:sSub>
+                                <m:sSubPr>
+                                  <m:ctrlPr>
+                                    <a:rPr lang="it-IT" i="1">
+                                      <a:latin typeface="Cambria Math"/>
+                                    </a:rPr>
+                                  </m:ctrlPr>
+                                </m:sSubPr>
+                                <m:e>
+                                  <m:r>
+                                    <a:rPr lang="it-IT" i="1">
+                                      <a:latin typeface="Cambria Math"/>
+                                    </a:rPr>
+                                    <m:t>𝑃</m:t>
+                                  </m:r>
+                                </m:e>
+                                <m:sub>
+                                  <m:r>
+                                    <a:rPr lang="it-IT" i="1">
+                                      <a:latin typeface="Cambria Math"/>
+                                    </a:rPr>
+                                    <m:t>𝑑</m:t>
+                                  </m:r>
+                                </m:sub>
+                              </m:sSub>
+                              <m:r>
+                                <a:rPr lang="it-IT" i="1">
+                                  <a:latin typeface="Cambria Math"/>
+                                  <a:ea typeface="Cambria Math"/>
+                                </a:rPr>
+                                <m:t>∩</m:t>
+                              </m:r>
+                              <m:sSub>
+                                <m:sSubPr>
+                                  <m:ctrlPr>
+                                    <a:rPr lang="it-IT" i="1">
+                                      <a:latin typeface="Cambria Math"/>
+                                      <a:ea typeface="Cambria Math"/>
+                                    </a:rPr>
+                                  </m:ctrlPr>
+                                </m:sSubPr>
+                                <m:e>
+                                  <m:r>
+                                    <a:rPr lang="it-IT" i="1">
+                                      <a:latin typeface="Cambria Math"/>
+                                      <a:ea typeface="Cambria Math"/>
+                                    </a:rPr>
+                                    <m:t>𝑃</m:t>
+                                  </m:r>
+                                </m:e>
+                                <m:sub>
+                                  <m:r>
+                                    <a:rPr lang="it-IT" i="1">
+                                      <a:latin typeface="Cambria Math"/>
+                                      <a:ea typeface="Cambria Math"/>
+                                    </a:rPr>
+                                    <m:t>𝑖</m:t>
+                                  </m:r>
+                                </m:sub>
+                              </m:sSub>
+                            </m:e>
+                          </m:d>
+                        </m:num>
+                        <m:den>
+                          <m:r>
+                            <a:rPr lang="it-IT" i="1">
+                              <a:latin typeface="Cambria Math"/>
+                            </a:rPr>
+                            <m:t>#</m:t>
+                          </m:r>
+                          <m:r>
+                            <a:rPr lang="it-IT" i="1">
+                              <a:latin typeface="Cambria Math"/>
+                            </a:rPr>
+                            <m:t>𝑝𝑖𝑥𝑒𝑙</m:t>
+                          </m:r>
+                          <m:d>
+                            <m:dPr>
+                              <m:ctrlPr>
+                                <a:rPr lang="it-IT" i="1">
+                                  <a:latin typeface="Cambria Math"/>
+                                </a:rPr>
+                              </m:ctrlPr>
+                            </m:dPr>
+                            <m:e>
+                              <m:sSub>
+                                <m:sSubPr>
+                                  <m:ctrlPr>
+                                    <a:rPr lang="it-IT" i="1">
+                                      <a:latin typeface="Cambria Math"/>
+                                    </a:rPr>
+                                  </m:ctrlPr>
+                                </m:sSubPr>
+                                <m:e>
+                                  <m:r>
+                                    <a:rPr lang="it-IT" i="1">
+                                      <a:latin typeface="Cambria Math"/>
+                                    </a:rPr>
+                                    <m:t>𝑃</m:t>
+                                  </m:r>
+                                </m:e>
+                                <m:sub>
+                                  <m:r>
+                                    <a:rPr lang="it-IT" i="1">
+                                      <a:latin typeface="Cambria Math"/>
+                                    </a:rPr>
+                                    <m:t>𝑑</m:t>
+                                  </m:r>
+                                </m:sub>
+                              </m:sSub>
+                              <m:r>
+                                <a:rPr lang="it-IT" i="1">
+                                  <a:latin typeface="Cambria Math"/>
+                                  <a:ea typeface="Cambria Math"/>
+                                </a:rPr>
+                                <m:t>∪</m:t>
+                              </m:r>
+                              <m:sSub>
+                                <m:sSubPr>
+                                  <m:ctrlPr>
+                                    <a:rPr lang="it-IT" i="1">
+                                      <a:latin typeface="Cambria Math"/>
+                                      <a:ea typeface="Cambria Math"/>
+                                    </a:rPr>
+                                  </m:ctrlPr>
+                                </m:sSubPr>
+                                <m:e>
+                                  <m:r>
+                                    <a:rPr lang="it-IT" i="1">
+                                      <a:latin typeface="Cambria Math"/>
+                                      <a:ea typeface="Cambria Math"/>
+                                    </a:rPr>
+                                    <m:t>𝑃</m:t>
+                                  </m:r>
+                                </m:e>
+                                <m:sub>
+                                  <m:r>
+                                    <a:rPr lang="it-IT" i="1">
+                                      <a:latin typeface="Cambria Math"/>
+                                      <a:ea typeface="Cambria Math"/>
+                                    </a:rPr>
+                                    <m:t>𝑖</m:t>
+                                  </m:r>
+                                </m:sub>
+                              </m:sSub>
+                            </m:e>
+                          </m:d>
+                        </m:den>
+                      </m:f>
+                    </m:oMath>
+                  </m:oMathPara>
+                </a14:m>
+                <a:endParaRPr lang="it-IT" dirty="0"/>
+              </a:p>
+              <a:p>
+                <a:r>
+                  <a:rPr lang="it-IT" dirty="0"/>
+                  <a:t>If </a:t>
+                </a:r>
+                <a14:m>
+                  <m:oMath xmlns:m="http://schemas.openxmlformats.org/officeDocument/2006/math">
+                    <m:r>
+                      <a:rPr lang="it-IT" i="1">
+                        <a:latin typeface="Cambria Math"/>
+                      </a:rPr>
+                      <m:t>𝑅</m:t>
+                    </m:r>
+                    <m:r>
+                      <a:rPr lang="it-IT" i="1">
+                        <a:latin typeface="Cambria Math"/>
+                        <a:ea typeface="Cambria Math"/>
+                      </a:rPr>
+                      <m:t>≥50%</m:t>
+                    </m:r>
+                  </m:oMath>
+                </a14:m>
+                <a:r>
+                  <a:rPr lang="it-IT" dirty="0"/>
+                  <a:t> an </a:t>
+                </a:r>
+                <a:r>
+                  <a:rPr lang="it-IT" dirty="0" err="1"/>
+                  <a:t>abandoned</a:t>
+                </a:r>
+                <a:r>
+                  <a:rPr lang="it-IT" dirty="0"/>
+                  <a:t> item </a:t>
+                </a:r>
+                <a:r>
+                  <a:rPr lang="it-IT" dirty="0" err="1"/>
+                  <a:t>is</a:t>
+                </a:r>
+                <a:r>
+                  <a:rPr lang="it-IT" dirty="0"/>
+                  <a:t> </a:t>
+                </a:r>
+                <a:r>
+                  <a:rPr lang="it-IT" dirty="0" err="1" smtClean="0"/>
+                  <a:t>detected</a:t>
+                </a:r>
+                <a:r>
+                  <a:rPr lang="it-IT" dirty="0" smtClean="0"/>
+                  <a:t>:</a:t>
+                </a:r>
+              </a:p>
+              <a:p>
+                <a:pPr lvl="1"/>
+                <a:r>
+                  <a:rPr lang="it-IT" dirty="0" smtClean="0"/>
+                  <a:t>The </a:t>
+                </a:r>
+                <a:r>
+                  <a:rPr lang="it-IT" dirty="0" err="1" smtClean="0"/>
+                  <a:t>bounding</a:t>
+                </a:r>
+                <a:r>
+                  <a:rPr lang="it-IT" dirty="0" smtClean="0"/>
+                  <a:t> box </a:t>
+                </a:r>
+                <a:r>
+                  <a:rPr lang="it-IT" dirty="0" err="1" smtClean="0"/>
+                  <a:t>is</a:t>
+                </a:r>
+                <a:r>
+                  <a:rPr lang="it-IT" dirty="0" smtClean="0"/>
+                  <a:t> </a:t>
+                </a:r>
+                <a:r>
+                  <a:rPr lang="it-IT" dirty="0" err="1" smtClean="0"/>
+                  <a:t>saved</a:t>
+                </a:r>
+                <a:r>
+                  <a:rPr lang="it-IT" dirty="0" smtClean="0"/>
+                  <a:t> in the set </a:t>
+                </a:r>
+                <a14:m>
+                  <m:oMath xmlns:m="http://schemas.openxmlformats.org/officeDocument/2006/math">
+                    <m:sSub>
+                      <m:sSubPr>
+                        <m:ctrlPr>
+                          <a:rPr lang="it-IT" i="1" smtClean="0">
+                            <a:latin typeface="Cambria Math"/>
+                          </a:rPr>
+                        </m:ctrlPr>
+                      </m:sSubPr>
+                      <m:e>
+                        <m:r>
+                          <a:rPr lang="it-IT" b="0" i="1" smtClean="0">
+                            <a:latin typeface="Cambria Math"/>
+                          </a:rPr>
+                          <m:t>𝑅𝑒𝑠𝑢𝑙𝑡</m:t>
+                        </m:r>
+                      </m:e>
+                      <m:sub>
+                        <m:r>
+                          <a:rPr lang="it-IT" b="0" i="1" smtClean="0">
+                            <a:latin typeface="Cambria Math"/>
+                          </a:rPr>
+                          <m:t>𝑡</m:t>
+                        </m:r>
+                      </m:sub>
+                    </m:sSub>
+                  </m:oMath>
+                </a14:m>
+                <a:endParaRPr lang="it-IT" dirty="0" smtClean="0"/>
+              </a:p>
+              <a:p>
+                <a:r>
+                  <a:rPr lang="it-IT" dirty="0" err="1" smtClean="0"/>
+                  <a:t>Since</a:t>
+                </a:r>
+                <a:r>
+                  <a:rPr lang="it-IT" dirty="0" smtClean="0"/>
+                  <a:t> in the RGB </a:t>
+                </a:r>
+                <a:r>
+                  <a:rPr lang="it-IT" dirty="0" err="1" smtClean="0"/>
+                  <a:t>foreground</a:t>
+                </a:r>
+                <a:r>
+                  <a:rPr lang="it-IT" dirty="0" smtClean="0"/>
+                  <a:t> model the </a:t>
+                </a:r>
+                <a:r>
+                  <a:rPr lang="it-IT" dirty="0" err="1" smtClean="0"/>
+                  <a:t>left</a:t>
+                </a:r>
+                <a:r>
+                  <a:rPr lang="it-IT" dirty="0" smtClean="0"/>
+                  <a:t> </a:t>
+                </a:r>
+                <a:r>
+                  <a:rPr lang="it-IT" dirty="0" err="1" smtClean="0"/>
+                  <a:t>luggage</a:t>
+                </a:r>
+                <a:r>
+                  <a:rPr lang="it-IT" dirty="0" smtClean="0"/>
+                  <a:t> </a:t>
+                </a:r>
+                <a:r>
+                  <a:rPr lang="it-IT" dirty="0" err="1" smtClean="0"/>
+                  <a:t>become</a:t>
+                </a:r>
+                <a:r>
+                  <a:rPr lang="it-IT" dirty="0" smtClean="0"/>
+                  <a:t> background </a:t>
+                </a:r>
+                <a:r>
+                  <a:rPr lang="it-IT" dirty="0"/>
+                  <a:t>in the long </a:t>
+                </a:r>
+                <a:r>
+                  <a:rPr lang="it-IT" dirty="0" err="1" smtClean="0"/>
+                  <a:t>run</a:t>
+                </a:r>
+                <a:r>
+                  <a:rPr lang="it-IT" dirty="0" smtClean="0"/>
+                  <a:t> the </a:t>
+                </a:r>
+                <a:r>
+                  <a:rPr lang="it-IT" dirty="0" err="1" smtClean="0"/>
+                  <a:t>intensity-based</a:t>
+                </a:r>
+                <a:r>
+                  <a:rPr lang="it-IT" dirty="0" smtClean="0"/>
+                  <a:t> </a:t>
+                </a:r>
+                <a:r>
+                  <a:rPr lang="it-IT" dirty="0" err="1" smtClean="0"/>
+                  <a:t>proposals</a:t>
+                </a:r>
+                <a:r>
+                  <a:rPr lang="it-IT" dirty="0" smtClean="0"/>
+                  <a:t> are </a:t>
+                </a:r>
+                <a:r>
+                  <a:rPr lang="it-IT" dirty="0" err="1" smtClean="0"/>
+                  <a:t>discarded</a:t>
+                </a:r>
+                <a:endParaRPr lang="it-IT" dirty="0" smtClean="0"/>
+              </a:p>
+              <a:p>
+                <a:pPr lvl="1"/>
+                <a:r>
+                  <a:rPr lang="it-IT" dirty="0" smtClean="0"/>
+                  <a:t>The last frame </a:t>
+                </a:r>
+                <a:r>
+                  <a:rPr lang="it-IT" dirty="0" err="1" smtClean="0"/>
+                  <a:t>is</a:t>
+                </a:r>
+                <a:r>
+                  <a:rPr lang="it-IT" dirty="0" smtClean="0"/>
+                  <a:t> </a:t>
+                </a:r>
+                <a:r>
+                  <a:rPr lang="it-IT" dirty="0" err="1" smtClean="0"/>
+                  <a:t>saved</a:t>
+                </a:r>
+                <a:endParaRPr lang="it-IT" dirty="0" smtClean="0"/>
+              </a:p>
+              <a:p>
+                <a:pPr lvl="1"/>
+                <a:r>
+                  <a:rPr lang="it-IT" dirty="0" smtClean="0"/>
+                  <a:t>The last set of </a:t>
+                </a:r>
+                <a:r>
+                  <a:rPr lang="it-IT" dirty="0" err="1" smtClean="0"/>
+                  <a:t>bounding</a:t>
+                </a:r>
+                <a:r>
+                  <a:rPr lang="it-IT" dirty="0" smtClean="0"/>
+                  <a:t> boxes of </a:t>
+                </a:r>
+                <a:r>
+                  <a:rPr lang="it-IT" dirty="0" err="1" smtClean="0"/>
+                  <a:t>proposals</a:t>
+                </a:r>
+                <a:r>
+                  <a:rPr lang="it-IT" dirty="0" smtClean="0"/>
+                  <a:t> </a:t>
+                </a:r>
+                <a14:m>
+                  <m:oMath xmlns:m="http://schemas.openxmlformats.org/officeDocument/2006/math">
+                    <m:sSub>
+                      <m:sSubPr>
+                        <m:ctrlPr>
+                          <a:rPr lang="it-IT" i="1">
+                            <a:latin typeface="Cambria Math"/>
+                          </a:rPr>
+                        </m:ctrlPr>
+                      </m:sSubPr>
+                      <m:e>
+                        <m:r>
+                          <a:rPr lang="it-IT" i="1">
+                            <a:latin typeface="Cambria Math"/>
+                          </a:rPr>
+                          <m:t>𝑅𝑒𝑠𝑢𝑙𝑡</m:t>
+                        </m:r>
+                      </m:e>
+                      <m:sub>
+                        <m:r>
+                          <a:rPr lang="it-IT" i="1">
+                            <a:latin typeface="Cambria Math"/>
+                          </a:rPr>
+                          <m:t>𝑡</m:t>
+                        </m:r>
+                        <m:r>
+                          <a:rPr lang="it-IT" b="0" i="1" smtClean="0">
+                            <a:latin typeface="Cambria Math"/>
+                          </a:rPr>
+                          <m:t>−1</m:t>
+                        </m:r>
+                      </m:sub>
+                    </m:sSub>
+                  </m:oMath>
+                </a14:m>
+                <a:r>
+                  <a:rPr lang="it-IT" dirty="0" smtClean="0"/>
+                  <a:t> </a:t>
+                </a:r>
+                <a:r>
+                  <a:rPr lang="it-IT" dirty="0" err="1" smtClean="0"/>
+                  <a:t>is</a:t>
+                </a:r>
+                <a:r>
+                  <a:rPr lang="it-IT" dirty="0" smtClean="0"/>
+                  <a:t> </a:t>
+                </a:r>
+                <a:r>
+                  <a:rPr lang="it-IT" dirty="0" err="1" smtClean="0"/>
+                  <a:t>saved</a:t>
+                </a:r>
+                <a:endParaRPr lang="it-IT" dirty="0" smtClean="0"/>
+              </a:p>
+              <a:p>
+                <a:pPr lvl="1"/>
+                <a:r>
+                  <a:rPr lang="it-IT" dirty="0" err="1" smtClean="0"/>
+                  <a:t>If</a:t>
+                </a:r>
+                <a:r>
+                  <a:rPr lang="it-IT" dirty="0" smtClean="0"/>
+                  <a:t> </a:t>
+                </a:r>
+              </a:p>
+              <a:p>
+                <a:pPr lvl="1"/>
+                <a:endParaRPr lang="it-IT" dirty="0" smtClean="0"/>
+              </a:p>
+            </p:txBody>
+          </p:sp>
+        </mc:Choice>
+        <mc:Fallback>
+          <p:sp>
+            <p:nvSpPr>
+              <p:cNvPr id="3" name="Segnaposto contenuto 2"/>
+              <p:cNvSpPr>
+                <a:spLocks noGrp="1" noRot="1" noChangeAspect="1" noMove="1" noResize="1" noEditPoints="1" noAdjustHandles="1" noChangeArrowheads="1" noChangeShapeType="1" noTextEdit="1"/>
+              </p:cNvSpPr>
+              <p:nvPr>
+                <p:ph idx="1"/>
+              </p:nvPr>
+            </p:nvSpPr>
+            <p:spPr>
+              <a:blipFill rotWithShape="1">
+                <a:blip r:embed="rId2"/>
+                <a:stretch>
+                  <a:fillRect t="-687"/>
+                </a:stretch>
+              </a:blipFill>
+            </p:spPr>
+            <p:txBody>
+              <a:bodyPr/>
+              <a:lstStyle/>
+              <a:p>
+                <a:r>
+                  <a:rPr lang="it-IT">
+                    <a:noFill/>
+                  </a:rPr>
+                  <a:t> </a:t>
+                </a:r>
+              </a:p>
+            </p:txBody>
+          </p:sp>
+        </mc:Fallback>
+      </mc:AlternateContent>
+      <p:sp>
+        <p:nvSpPr>
+          <p:cNvPr id="4" name="Segnaposto contenuto 3"/>
+          <p:cNvSpPr>
+            <a:spLocks noGrp="1"/>
+          </p:cNvSpPr>
+          <p:nvPr>
+            <p:ph sz="quarter" idx="11"/>
+          </p:nvPr>
+        </p:nvSpPr>
+        <p:spPr/>
+        <p:txBody>
+          <a:bodyPr/>
+          <a:lstStyle/>
+          <a:p>
+            <a:r>
+              <a:rPr lang="it-IT" dirty="0"/>
+              <a:t>Development</a:t>
+            </a:r>
+          </a:p>
+        </p:txBody>
+      </p:sp>
+    </p:spTree>
+    <p:extLst>
+      <p:ext uri="{BB962C8B-B14F-4D97-AF65-F5344CB8AC3E}">
+        <p14:creationId xmlns:p14="http://schemas.microsoft.com/office/powerpoint/2010/main" val="834998845"/>
+      </p:ext>
+    </p:extLst>
+  </p:cSld>
+  <p:clrMapOvr>
+    <a:masterClrMapping/>
+  </p:clrMapOvr>
+</p:sld>
+</file>
+
+<file path=ppt/slides/slide16.xml><?xml version="1.0" encoding="utf-8"?>
+<p:sld xmlns:a="http://schemas.openxmlformats.org/drawingml/2006/main" xmlns:r="http://schemas.openxmlformats.org/officeDocument/2006/relationships" xmlns:p="http://schemas.openxmlformats.org/presentationml/2006/main">
+  <p:cSld>
+    <p:spTree>
+      <p:nvGrpSpPr>
+        <p:cNvPr id="1" name=""/>
+        <p:cNvGrpSpPr/>
+        <p:nvPr/>
+      </p:nvGrpSpPr>
+      <p:grpSpPr>
+        <a:xfrm>
+          <a:off x="0" y="0"/>
+          <a:ext cx="0" cy="0"/>
+          <a:chOff x="0" y="0"/>
+          <a:chExt cx="0" cy="0"/>
+        </a:xfrm>
+      </p:grpSpPr>
+      <p:sp>
+        <p:nvSpPr>
+          <p:cNvPr id="2" name="Titolo 1"/>
+          <p:cNvSpPr>
+            <a:spLocks noGrp="1"/>
+          </p:cNvSpPr>
+          <p:nvPr>
+            <p:ph type="title"/>
+          </p:nvPr>
+        </p:nvSpPr>
+        <p:spPr/>
+        <p:txBody>
+          <a:bodyPr/>
+          <a:lstStyle/>
+          <a:p>
+            <a:r>
               <a:rPr lang="it-IT" dirty="0" smtClean="0"/>
               <a:t>Test</a:t>
             </a:r>
@@ -8024,7 +8733,7 @@
 </p:sld>
 </file>
 
-<file path=ppt/slides/slide16.xml><?xml version="1.0" encoding="utf-8"?>
+<file path=ppt/slides/slide17.xml><?xml version="1.0" encoding="utf-8"?>
 <p:sld xmlns:a="http://schemas.openxmlformats.org/drawingml/2006/main" xmlns:r="http://schemas.openxmlformats.org/officeDocument/2006/relationships" xmlns:p="http://schemas.openxmlformats.org/presentationml/2006/main">
   <p:cSld>
     <p:spTree>
@@ -8057,6 +8766,100 @@
           <a:lstStyle/>
           <a:p>
             <a:r>
+              <a:rPr lang="it-IT" dirty="0" smtClean="0"/>
+              <a:t>Performance</a:t>
+            </a:r>
+            <a:endParaRPr lang="it-IT" dirty="0"/>
+          </a:p>
+        </p:txBody>
+      </p:sp>
+      <p:sp>
+        <p:nvSpPr>
+          <p:cNvPr id="3" name="Segnaposto contenuto 2"/>
+          <p:cNvSpPr>
+            <a:spLocks noGrp="1"/>
+          </p:cNvSpPr>
+          <p:nvPr>
+            <p:ph idx="1"/>
+          </p:nvPr>
+        </p:nvSpPr>
+        <p:spPr/>
+        <p:txBody>
+          <a:bodyPr/>
+          <a:lstStyle/>
+          <a:p>
+            <a:endParaRPr lang="it-IT"/>
+          </a:p>
+        </p:txBody>
+      </p:sp>
+      <p:sp>
+        <p:nvSpPr>
+          <p:cNvPr id="4" name="Segnaposto contenuto 3"/>
+          <p:cNvSpPr>
+            <a:spLocks noGrp="1"/>
+          </p:cNvSpPr>
+          <p:nvPr>
+            <p:ph sz="quarter" idx="11"/>
+          </p:nvPr>
+        </p:nvSpPr>
+        <p:spPr/>
+        <p:txBody>
+          <a:bodyPr/>
+          <a:lstStyle/>
+          <a:p>
+            <a:r>
+              <a:rPr lang="it-IT" dirty="0"/>
+              <a:t>Test</a:t>
+            </a:r>
+          </a:p>
+        </p:txBody>
+      </p:sp>
+    </p:spTree>
+    <p:extLst>
+      <p:ext uri="{BB962C8B-B14F-4D97-AF65-F5344CB8AC3E}">
+        <p14:creationId xmlns:p14="http://schemas.microsoft.com/office/powerpoint/2010/main" val="770908991"/>
+      </p:ext>
+    </p:extLst>
+  </p:cSld>
+  <p:clrMapOvr>
+    <a:masterClrMapping/>
+  </p:clrMapOvr>
+</p:sld>
+</file>
+
+<file path=ppt/slides/slide18.xml><?xml version="1.0" encoding="utf-8"?>
+<p:sld xmlns:a="http://schemas.openxmlformats.org/drawingml/2006/main" xmlns:r="http://schemas.openxmlformats.org/officeDocument/2006/relationships" xmlns:p="http://schemas.openxmlformats.org/presentationml/2006/main">
+  <p:cSld>
+    <p:spTree>
+      <p:nvGrpSpPr>
+        <p:cNvPr id="1" name=""/>
+        <p:cNvGrpSpPr/>
+        <p:nvPr/>
+      </p:nvGrpSpPr>
+      <p:grpSpPr>
+        <a:xfrm>
+          <a:off x="0" y="0"/>
+          <a:ext cx="0" cy="0"/>
+          <a:chOff x="0" y="0"/>
+          <a:chExt cx="0" cy="0"/>
+        </a:xfrm>
+      </p:grpSpPr>
+      <p:sp>
+        <p:nvSpPr>
+          <p:cNvPr id="2" name="Titolo 1"/>
+          <p:cNvSpPr>
+            <a:spLocks noGrp="1"/>
+          </p:cNvSpPr>
+          <p:nvPr>
+            <p:ph type="title"/>
+          </p:nvPr>
+        </p:nvSpPr>
+        <p:spPr/>
+        <p:txBody>
+          <a:bodyPr/>
+          <a:lstStyle/>
+          <a:p>
+            <a:r>
               <a:rPr lang="it-IT" dirty="0" err="1" smtClean="0"/>
               <a:t>References</a:t>
             </a:r>
@@ -8512,7 +9315,7 @@
 </p:sld>
 </file>
 
-<file path=ppt/slides/slide17.xml><?xml version="1.0" encoding="utf-8"?>
+<file path=ppt/slides/slide19.xml><?xml version="1.0" encoding="utf-8"?>
 <p:sld xmlns:a="http://schemas.openxmlformats.org/drawingml/2006/main" xmlns:r="http://schemas.openxmlformats.org/officeDocument/2006/relationships" xmlns:p="http://schemas.openxmlformats.org/presentationml/2006/main">
   <p:cSld>
     <p:spTree>
@@ -9632,11 +10435,7 @@
             </a:r>
             <a:r>
               <a:rPr lang="it-IT" sz="1500" dirty="0" smtClean="0"/>
-              <a:t> of </a:t>
-            </a:r>
-            <a:r>
-              <a:rPr lang="it-IT" sz="1500" dirty="0" smtClean="0"/>
-              <a:t>Technology</a:t>
+              <a:t> of Technology</a:t>
             </a:r>
           </a:p>
           <a:p>

--- a/docs/Presentation - Left luggage detection.pptx
+++ b/docs/Presentation - Left luggage detection.pptx
@@ -275,7 +275,7 @@
               <a:pPr>
                 <a:defRPr/>
               </a:pPr>
-              <a:t>17/03/2014</a:t>
+              <a:t>18/03/2014</a:t>
             </a:fld>
             <a:endParaRPr lang="it-IT" altLang="it-IT"/>
           </a:p>
@@ -7523,15 +7523,7 @@
           <a:p>
             <a:r>
               <a:rPr lang="en-US" dirty="0" smtClean="0"/>
-              <a:t>The </a:t>
-            </a:r>
-            <a:r>
-              <a:rPr lang="en-US" dirty="0" smtClean="0"/>
-              <a:t>depth </a:t>
-            </a:r>
-            <a:r>
-              <a:rPr lang="en-US" dirty="0" smtClean="0"/>
-              <a:t>video stream </a:t>
+              <a:t>The depth video stream </a:t>
             </a:r>
             <a:r>
               <a:rPr lang="en-US" dirty="0"/>
@@ -8003,7 +7995,7 @@
             <p:spPr/>
             <p:txBody>
               <a:bodyPr>
-                <a:normAutofit fontScale="70000" lnSpcReduction="20000"/>
+                <a:normAutofit fontScale="55000" lnSpcReduction="20000"/>
               </a:bodyPr>
               <a:lstStyle/>
               <a:p>
@@ -8447,13 +8439,60 @@
                   <a:rPr lang="it-IT" dirty="0" err="1" smtClean="0"/>
                   <a:t>discarded</a:t>
                 </a:r>
+                <a:r>
+                  <a:rPr lang="it-IT" dirty="0" smtClean="0"/>
+                  <a:t>:</a:t>
+                </a:r>
                 <a:endParaRPr lang="it-IT" dirty="0" smtClean="0"/>
               </a:p>
               <a:p>
                 <a:pPr lvl="1"/>
                 <a:r>
                   <a:rPr lang="it-IT" dirty="0" smtClean="0"/>
-                  <a:t>The last frame </a:t>
+                  <a:t>The last </a:t>
+                </a:r>
+                <a:r>
+                  <a:rPr lang="it-IT" dirty="0" smtClean="0"/>
+                  <a:t>frame </a:t>
+                </a:r>
+                <a14:m>
+                  <m:oMath xmlns:m="http://schemas.openxmlformats.org/officeDocument/2006/math">
+                    <m:sSub>
+                      <m:sSubPr>
+                        <m:ctrlPr>
+                          <a:rPr lang="it-IT" i="1" smtClean="0">
+                            <a:latin typeface="Cambria Math"/>
+                          </a:rPr>
+                        </m:ctrlPr>
+                      </m:sSubPr>
+                      <m:e>
+                        <m:r>
+                          <a:rPr lang="it-IT" b="0" i="1" smtClean="0">
+                            <a:latin typeface="Cambria Math"/>
+                          </a:rPr>
+                          <m:t>𝑓𝑟𝑎𝑚𝑒</m:t>
+                        </m:r>
+                      </m:e>
+                      <m:sub>
+                        <m:r>
+                          <a:rPr lang="it-IT" b="0" i="1" smtClean="0">
+                            <a:latin typeface="Cambria Math"/>
+                          </a:rPr>
+                          <m:t>𝑡</m:t>
+                        </m:r>
+                        <m:r>
+                          <a:rPr lang="it-IT" b="0" i="1" smtClean="0">
+                            <a:latin typeface="Cambria Math"/>
+                          </a:rPr>
+                          <m:t>−1</m:t>
+                        </m:r>
+                      </m:sub>
+                    </m:sSub>
+                  </m:oMath>
+                </a14:m>
+                <a:r>
+                  <a:rPr lang="it-IT" dirty="0" smtClean="0"/>
+                  <a:t> </a:t>
                 </a:r>
                 <a:r>
                   <a:rPr lang="it-IT" dirty="0" err="1" smtClean="0"/>
@@ -8466,6 +8505,10 @@
                 <a:r>
                   <a:rPr lang="it-IT" dirty="0" err="1" smtClean="0"/>
                   <a:t>saved</a:t>
+                </a:r>
+                <a:r>
+                  <a:rPr lang="it-IT" dirty="0" smtClean="0"/>
+                  <a:t>;</a:t>
                 </a:r>
                 <a:endParaRPr lang="it-IT" dirty="0" smtClean="0"/>
               </a:p>
@@ -8542,10 +8585,14 @@
                   <a:rPr lang="it-IT" dirty="0" err="1" smtClean="0"/>
                   <a:t>saved</a:t>
                 </a:r>
+                <a:r>
+                  <a:rPr lang="it-IT" dirty="0" smtClean="0"/>
+                  <a:t>;</a:t>
+                </a:r>
                 <a:endParaRPr lang="it-IT" dirty="0" smtClean="0"/>
               </a:p>
               <a:p>
-                <a:pPr lvl="1"/>
+                <a:pPr lvl="2"/>
                 <a:r>
                   <a:rPr lang="it-IT" dirty="0" err="1" smtClean="0"/>
                   <a:t>If</a:t>
@@ -8554,10 +8601,790 @@
                   <a:rPr lang="it-IT" dirty="0" smtClean="0"/>
                   <a:t> </a:t>
                 </a:r>
+                <a:r>
+                  <a:rPr lang="it-IT" dirty="0" smtClean="0"/>
+                  <a:t>the ratio </a:t>
+                </a:r>
+                <a14:m>
+                  <m:oMath xmlns:m="http://schemas.openxmlformats.org/officeDocument/2006/math">
+                    <m:r>
+                      <a:rPr lang="it-IT" b="0" i="1" smtClean="0">
+                        <a:latin typeface="Cambria Math"/>
+                      </a:rPr>
+                      <m:t>𝑅</m:t>
+                    </m:r>
+                  </m:oMath>
+                </a14:m>
+                <a:r>
+                  <a:rPr lang="it-IT" dirty="0" smtClean="0"/>
+                  <a:t> between a </a:t>
+                </a:r>
+                <a:r>
+                  <a:rPr lang="it-IT" dirty="0" err="1" smtClean="0"/>
+                  <a:t>bounding</a:t>
+                </a:r>
+                <a:r>
+                  <a:rPr lang="it-IT" dirty="0" smtClean="0"/>
+                  <a:t> box </a:t>
+                </a:r>
+                <a14:m>
+                  <m:oMath xmlns:m="http://schemas.openxmlformats.org/officeDocument/2006/math">
+                    <m:sSub>
+                      <m:sSubPr>
+                        <m:ctrlPr>
+                          <a:rPr lang="it-IT" i="1" smtClean="0">
+                            <a:latin typeface="Cambria Math"/>
+                          </a:rPr>
+                        </m:ctrlPr>
+                      </m:sSubPr>
+                      <m:e>
+                        <m:r>
+                          <a:rPr lang="it-IT" b="0" i="1" smtClean="0">
+                            <a:latin typeface="Cambria Math"/>
+                          </a:rPr>
+                          <m:t>𝑏𝑏</m:t>
+                        </m:r>
+                      </m:e>
+                      <m:sub>
+                        <m:r>
+                          <a:rPr lang="it-IT" b="0" i="1" smtClean="0">
+                            <a:latin typeface="Cambria Math"/>
+                          </a:rPr>
+                          <m:t>𝑡</m:t>
+                        </m:r>
+                      </m:sub>
+                    </m:sSub>
+                    <m:r>
+                      <a:rPr lang="it-IT" i="1" smtClean="0">
+                        <a:latin typeface="Cambria Math"/>
+                        <a:ea typeface="Cambria Math"/>
+                      </a:rPr>
+                      <m:t>∈</m:t>
+                    </m:r>
+                    <m:r>
+                      <a:rPr lang="it-IT" b="0" i="1" smtClean="0">
+                        <a:latin typeface="Cambria Math"/>
+                        <a:ea typeface="Cambria Math"/>
+                      </a:rPr>
+                      <m:t> </m:t>
+                    </m:r>
+                    <m:sSub>
+                      <m:sSubPr>
+                        <m:ctrlPr>
+                          <a:rPr lang="it-IT" b="0" i="1" smtClean="0">
+                            <a:latin typeface="Cambria Math"/>
+                            <a:ea typeface="Cambria Math"/>
+                          </a:rPr>
+                        </m:ctrlPr>
+                      </m:sSubPr>
+                      <m:e>
+                        <m:r>
+                          <a:rPr lang="it-IT" b="0" i="1" smtClean="0">
+                            <a:latin typeface="Cambria Math"/>
+                            <a:ea typeface="Cambria Math"/>
+                          </a:rPr>
+                          <m:t>𝑅𝑒𝑠𝑢𝑙𝑡</m:t>
+                        </m:r>
+                      </m:e>
+                      <m:sub>
+                        <m:r>
+                          <a:rPr lang="it-IT" b="0" i="1" smtClean="0">
+                            <a:latin typeface="Cambria Math"/>
+                            <a:ea typeface="Cambria Math"/>
+                          </a:rPr>
+                          <m:t>𝑡</m:t>
+                        </m:r>
+                      </m:sub>
+                    </m:sSub>
+                  </m:oMath>
+                </a14:m>
+                <a:r>
+                  <a:rPr lang="it-IT" dirty="0" smtClean="0"/>
+                  <a:t> and a </a:t>
+                </a:r>
+                <a:r>
+                  <a:rPr lang="it-IT" dirty="0" err="1" smtClean="0"/>
+                  <a:t>bounding</a:t>
+                </a:r>
+                <a:r>
+                  <a:rPr lang="it-IT" dirty="0" smtClean="0"/>
+                  <a:t> box </a:t>
+                </a:r>
+                <a14:m>
+                  <m:oMath xmlns:m="http://schemas.openxmlformats.org/officeDocument/2006/math">
+                    <m:sSub>
+                      <m:sSubPr>
+                        <m:ctrlPr>
+                          <a:rPr lang="it-IT" i="1">
+                            <a:latin typeface="Cambria Math"/>
+                          </a:rPr>
+                        </m:ctrlPr>
+                      </m:sSubPr>
+                      <m:e>
+                        <m:r>
+                          <a:rPr lang="it-IT" i="1">
+                            <a:latin typeface="Cambria Math"/>
+                          </a:rPr>
+                          <m:t>𝑏𝑏</m:t>
+                        </m:r>
+                      </m:e>
+                      <m:sub>
+                        <m:r>
+                          <a:rPr lang="it-IT" i="1">
+                            <a:latin typeface="Cambria Math"/>
+                          </a:rPr>
+                          <m:t>𝑡</m:t>
+                        </m:r>
+                        <m:r>
+                          <a:rPr lang="it-IT" b="0" i="1" smtClean="0">
+                            <a:latin typeface="Cambria Math"/>
+                          </a:rPr>
+                          <m:t>−1</m:t>
+                        </m:r>
+                      </m:sub>
+                    </m:sSub>
+                    <m:r>
+                      <a:rPr lang="it-IT" i="1">
+                        <a:latin typeface="Cambria Math"/>
+                        <a:ea typeface="Cambria Math"/>
+                      </a:rPr>
+                      <m:t>∈ </m:t>
+                    </m:r>
+                    <m:sSub>
+                      <m:sSubPr>
+                        <m:ctrlPr>
+                          <a:rPr lang="it-IT" i="1">
+                            <a:latin typeface="Cambria Math"/>
+                            <a:ea typeface="Cambria Math"/>
+                          </a:rPr>
+                        </m:ctrlPr>
+                      </m:sSubPr>
+                      <m:e>
+                        <m:r>
+                          <a:rPr lang="it-IT" i="1">
+                            <a:latin typeface="Cambria Math"/>
+                            <a:ea typeface="Cambria Math"/>
+                          </a:rPr>
+                          <m:t>𝑅𝑒𝑠𝑢𝑙𝑡</m:t>
+                        </m:r>
+                      </m:e>
+                      <m:sub>
+                        <m:r>
+                          <a:rPr lang="it-IT" i="1">
+                            <a:latin typeface="Cambria Math"/>
+                            <a:ea typeface="Cambria Math"/>
+                          </a:rPr>
+                          <m:t>𝑡</m:t>
+                        </m:r>
+                        <m:r>
+                          <a:rPr lang="it-IT" b="0" i="1" smtClean="0">
+                            <a:latin typeface="Cambria Math"/>
+                            <a:ea typeface="Cambria Math"/>
+                          </a:rPr>
+                          <m:t>−1</m:t>
+                        </m:r>
+                      </m:sub>
+                    </m:sSub>
+                  </m:oMath>
+                </a14:m>
+                <a:r>
+                  <a:rPr lang="it-IT" dirty="0" smtClean="0"/>
+                  <a:t> </a:t>
+                </a:r>
+                <a:r>
+                  <a:rPr lang="it-IT" dirty="0" err="1" smtClean="0"/>
+                  <a:t>is</a:t>
+                </a:r>
+                <a:r>
+                  <a:rPr lang="it-IT" dirty="0" smtClean="0"/>
+                  <a:t> over </a:t>
+                </a:r>
+                <a14:m>
+                  <m:oMath xmlns:m="http://schemas.openxmlformats.org/officeDocument/2006/math">
+                    <m:r>
+                      <a:rPr lang="it-IT" b="0" i="0" smtClean="0">
+                        <a:latin typeface="Cambria Math"/>
+                        <a:ea typeface="Cambria Math"/>
+                      </a:rPr>
+                      <m:t>50</m:t>
+                    </m:r>
+                    <m:r>
+                      <a:rPr lang="it-IT" i="1" smtClean="0">
+                        <a:latin typeface="Cambria Math"/>
+                        <a:ea typeface="Cambria Math"/>
+                      </a:rPr>
+                      <m:t>%</m:t>
+                    </m:r>
+                  </m:oMath>
+                </a14:m>
+                <a:r>
+                  <a:rPr lang="it-IT" dirty="0" smtClean="0"/>
+                  <a:t> </a:t>
+                </a:r>
+                <a:r>
+                  <a:rPr lang="it-IT" dirty="0" err="1" smtClean="0"/>
+                  <a:t>then</a:t>
+                </a:r>
+                <a:r>
+                  <a:rPr lang="it-IT" dirty="0" smtClean="0"/>
+                  <a:t> the </a:t>
+                </a:r>
+                <a:r>
+                  <a:rPr lang="it-IT" dirty="0" err="1" smtClean="0"/>
+                  <a:t>two</a:t>
+                </a:r>
+                <a:r>
+                  <a:rPr lang="it-IT" dirty="0" smtClean="0"/>
+                  <a:t> </a:t>
+                </a:r>
+                <a:r>
+                  <a:rPr lang="it-IT" dirty="0" err="1" smtClean="0"/>
+                  <a:t>bounding</a:t>
+                </a:r>
+                <a:r>
+                  <a:rPr lang="it-IT" dirty="0" smtClean="0"/>
+                  <a:t> box are </a:t>
+                </a:r>
+                <a:r>
+                  <a:rPr lang="it-IT" dirty="0" err="1" smtClean="0"/>
+                  <a:t>considered</a:t>
+                </a:r>
+                <a:r>
+                  <a:rPr lang="it-IT" dirty="0" smtClean="0"/>
+                  <a:t> the </a:t>
+                </a:r>
+                <a:r>
+                  <a:rPr lang="it-IT" dirty="0" err="1" smtClean="0"/>
+                  <a:t>same</a:t>
+                </a:r>
+                <a:r>
+                  <a:rPr lang="it-IT" dirty="0" smtClean="0"/>
+                  <a:t>;</a:t>
+                </a:r>
               </a:p>
               <a:p>
-                <a:pPr lvl="1"/>
+                <a:pPr lvl="2"/>
+                <a:r>
+                  <a:rPr lang="it-IT" dirty="0" smtClean="0"/>
+                  <a:t>Else </a:t>
+                </a:r>
+                <a:r>
+                  <a:rPr lang="it-IT" dirty="0" err="1" smtClean="0"/>
+                  <a:t>if</a:t>
+                </a:r>
+                <a:r>
+                  <a:rPr lang="it-IT" dirty="0"/>
+                  <a:t> </a:t>
+                </a:r>
+                <a14:m>
+                  <m:oMath xmlns:m="http://schemas.openxmlformats.org/officeDocument/2006/math">
+                    <m:r>
+                      <a:rPr lang="it-IT" i="1">
+                        <a:latin typeface="Cambria Math"/>
+                      </a:rPr>
+                      <m:t>𝑅</m:t>
+                    </m:r>
+                    <m:r>
+                      <a:rPr lang="it-IT" i="1" smtClean="0">
+                        <a:latin typeface="Cambria Math"/>
+                        <a:ea typeface="Cambria Math"/>
+                      </a:rPr>
+                      <m:t>&lt;</m:t>
+                    </m:r>
+                    <m:r>
+                      <a:rPr lang="it-IT" b="0" i="1" smtClean="0">
+                        <a:latin typeface="Cambria Math"/>
+                        <a:ea typeface="Cambria Math"/>
+                      </a:rPr>
+                      <m:t>50%</m:t>
+                    </m:r>
+                  </m:oMath>
+                </a14:m>
+                <a:r>
+                  <a:rPr lang="it-IT" dirty="0"/>
+                  <a:t> </a:t>
+                </a:r>
+                <a:r>
+                  <a:rPr lang="it-IT" dirty="0" err="1" smtClean="0"/>
+                  <a:t>we</a:t>
+                </a:r>
+                <a:r>
+                  <a:rPr lang="it-IT" dirty="0" smtClean="0"/>
+                  <a:t> compute the </a:t>
+                </a:r>
+                <a:r>
+                  <a:rPr lang="it-IT" b="1" dirty="0" err="1" smtClean="0"/>
+                  <a:t>Normalized</a:t>
+                </a:r>
+                <a:r>
+                  <a:rPr lang="it-IT" b="1" dirty="0" smtClean="0"/>
+                  <a:t> Cross-</a:t>
+                </a:r>
+                <a:r>
+                  <a:rPr lang="it-IT" b="1" dirty="0" err="1" smtClean="0"/>
+                  <a:t>Correlation</a:t>
+                </a:r>
+                <a:r>
+                  <a:rPr lang="it-IT" b="1" dirty="0" smtClean="0"/>
+                  <a:t> </a:t>
+                </a:r>
+                <a14:m>
+                  <m:oMath xmlns:m="http://schemas.openxmlformats.org/officeDocument/2006/math">
+                    <m:sSub>
+                      <m:sSubPr>
+                        <m:ctrlPr>
+                          <a:rPr lang="it-IT" i="1" smtClean="0">
+                            <a:latin typeface="Cambria Math"/>
+                          </a:rPr>
+                        </m:ctrlPr>
+                      </m:sSubPr>
+                      <m:e>
+                        <m:r>
+                          <a:rPr lang="it-IT" b="0" i="1" smtClean="0">
+                            <a:latin typeface="Cambria Math"/>
+                          </a:rPr>
+                          <m:t>𝐶</m:t>
+                        </m:r>
+                      </m:e>
+                      <m:sub>
+                        <m:r>
+                          <a:rPr lang="it-IT" b="0" i="1" smtClean="0">
+                            <a:latin typeface="Cambria Math"/>
+                          </a:rPr>
+                          <m:t>𝑁</m:t>
+                        </m:r>
+                      </m:sub>
+                    </m:sSub>
+                  </m:oMath>
+                </a14:m>
+                <a:r>
+                  <a:rPr lang="it-IT" dirty="0" smtClean="0"/>
+                  <a:t> </a:t>
+                </a:r>
+                <a:r>
+                  <a:rPr lang="it-IT" dirty="0" err="1" smtClean="0"/>
+                  <a:t>between</a:t>
+                </a:r>
+                <a:r>
+                  <a:rPr lang="it-IT" dirty="0" smtClean="0"/>
+                  <a:t> the </a:t>
+                </a:r>
+                <a:r>
+                  <a:rPr lang="it-IT" dirty="0" err="1" smtClean="0"/>
+                  <a:t>region</a:t>
+                </a:r>
+                <a:r>
+                  <a:rPr lang="it-IT" dirty="0" smtClean="0"/>
+                  <a:t> of </a:t>
+                </a:r>
+                <a14:m>
+                  <m:oMath xmlns:m="http://schemas.openxmlformats.org/officeDocument/2006/math">
+                    <m:sSub>
+                      <m:sSubPr>
+                        <m:ctrlPr>
+                          <a:rPr lang="it-IT" i="1" smtClean="0">
+                            <a:latin typeface="Cambria Math"/>
+                          </a:rPr>
+                        </m:ctrlPr>
+                      </m:sSubPr>
+                      <m:e>
+                        <m:r>
+                          <a:rPr lang="it-IT" b="0" i="1" smtClean="0">
+                            <a:latin typeface="Cambria Math"/>
+                          </a:rPr>
+                          <m:t>𝑓𝑟𝑎𝑚𝑒</m:t>
+                        </m:r>
+                      </m:e>
+                      <m:sub>
+                        <m:r>
+                          <a:rPr lang="it-IT" b="0" i="1" smtClean="0">
+                            <a:latin typeface="Cambria Math"/>
+                          </a:rPr>
+                          <m:t>𝑡</m:t>
+                        </m:r>
+                      </m:sub>
+                    </m:sSub>
+                  </m:oMath>
+                </a14:m>
+                <a:r>
+                  <a:rPr lang="it-IT" dirty="0" smtClean="0"/>
+                  <a:t> </a:t>
+                </a:r>
+                <a:r>
+                  <a:rPr lang="it-IT" dirty="0" err="1" smtClean="0"/>
+                  <a:t>bounded</a:t>
+                </a:r>
+                <a:r>
+                  <a:rPr lang="it-IT" dirty="0" smtClean="0"/>
+                  <a:t> by the </a:t>
+                </a:r>
+                <a:r>
+                  <a:rPr lang="it-IT" dirty="0" err="1" smtClean="0"/>
+                  <a:t>bounding</a:t>
+                </a:r>
+                <a:r>
+                  <a:rPr lang="it-IT" dirty="0" smtClean="0"/>
+                  <a:t> box </a:t>
+                </a:r>
+                <a14:m>
+                  <m:oMath xmlns:m="http://schemas.openxmlformats.org/officeDocument/2006/math">
+                    <m:sSub>
+                      <m:sSubPr>
+                        <m:ctrlPr>
+                          <a:rPr lang="it-IT" i="1">
+                            <a:latin typeface="Cambria Math"/>
+                          </a:rPr>
+                        </m:ctrlPr>
+                      </m:sSubPr>
+                      <m:e>
+                        <m:r>
+                          <a:rPr lang="it-IT" i="1">
+                            <a:latin typeface="Cambria Math"/>
+                          </a:rPr>
+                          <m:t>𝑏𝑏</m:t>
+                        </m:r>
+                      </m:e>
+                      <m:sub>
+                        <m:r>
+                          <a:rPr lang="it-IT" i="1">
+                            <a:latin typeface="Cambria Math"/>
+                          </a:rPr>
+                          <m:t>𝑡</m:t>
+                        </m:r>
+                        <m:r>
+                          <a:rPr lang="it-IT" i="1">
+                            <a:latin typeface="Cambria Math"/>
+                          </a:rPr>
+                          <m:t>−1</m:t>
+                        </m:r>
+                      </m:sub>
+                    </m:sSub>
+                  </m:oMath>
+                </a14:m>
+                <a:r>
+                  <a:rPr lang="it-IT" dirty="0" smtClean="0"/>
+                  <a:t>and the </a:t>
+                </a:r>
+                <a:r>
+                  <a:rPr lang="it-IT" dirty="0" err="1" smtClean="0"/>
+                  <a:t>same</a:t>
+                </a:r>
+                <a:r>
+                  <a:rPr lang="it-IT" dirty="0" smtClean="0"/>
+                  <a:t> </a:t>
+                </a:r>
+                <a:r>
+                  <a:rPr lang="it-IT" dirty="0" err="1" smtClean="0"/>
+                  <a:t>region</a:t>
+                </a:r>
+                <a:r>
+                  <a:rPr lang="it-IT" dirty="0" smtClean="0"/>
+                  <a:t> of </a:t>
+                </a:r>
+                <a14:m>
+                  <m:oMath xmlns:m="http://schemas.openxmlformats.org/officeDocument/2006/math">
+                    <m:sSub>
+                      <m:sSubPr>
+                        <m:ctrlPr>
+                          <a:rPr lang="it-IT" i="1">
+                            <a:latin typeface="Cambria Math"/>
+                          </a:rPr>
+                        </m:ctrlPr>
+                      </m:sSubPr>
+                      <m:e>
+                        <m:r>
+                          <a:rPr lang="it-IT" i="1">
+                            <a:latin typeface="Cambria Math"/>
+                          </a:rPr>
+                          <m:t>𝑓𝑟𝑎𝑚𝑒</m:t>
+                        </m:r>
+                      </m:e>
+                      <m:sub>
+                        <m:r>
+                          <a:rPr lang="it-IT" i="1">
+                            <a:latin typeface="Cambria Math"/>
+                          </a:rPr>
+                          <m:t>𝑡</m:t>
+                        </m:r>
+                        <m:r>
+                          <a:rPr lang="it-IT" b="0" i="1" smtClean="0">
+                            <a:latin typeface="Cambria Math"/>
+                          </a:rPr>
+                          <m:t>−1</m:t>
+                        </m:r>
+                      </m:sub>
+                    </m:sSub>
+                  </m:oMath>
+                </a14:m>
+                <a:r>
+                  <a:rPr lang="it-IT" dirty="0"/>
+                  <a:t> </a:t>
+                </a:r>
                 <a:endParaRPr lang="it-IT" dirty="0" smtClean="0"/>
+              </a:p>
+              <a:p>
+                <a:pPr lvl="3"/>
+                <a:r>
+                  <a:rPr lang="it-IT" dirty="0"/>
+                  <a:t>If</a:t>
+                </a:r>
+                <a:r>
+                  <a:rPr lang="it-IT" dirty="0"/>
+                  <a:t> </a:t>
+                </a:r>
+                <a14:m>
+                  <m:oMath xmlns:m="http://schemas.openxmlformats.org/officeDocument/2006/math">
+                    <m:sSub>
+                      <m:sSubPr>
+                        <m:ctrlPr>
+                          <a:rPr lang="it-IT" i="1">
+                            <a:latin typeface="Cambria Math"/>
+                          </a:rPr>
+                        </m:ctrlPr>
+                      </m:sSubPr>
+                      <m:e>
+                        <m:r>
+                          <a:rPr lang="it-IT">
+                            <a:latin typeface="Cambria Math"/>
+                          </a:rPr>
+                          <m:t>𝐶</m:t>
+                        </m:r>
+                      </m:e>
+                      <m:sub>
+                        <m:r>
+                          <a:rPr lang="it-IT">
+                            <a:latin typeface="Cambria Math"/>
+                          </a:rPr>
+                          <m:t>𝑁</m:t>
+                        </m:r>
+                      </m:sub>
+                    </m:sSub>
+                    <m:r>
+                      <a:rPr lang="it-IT">
+                        <a:latin typeface="Cambria Math"/>
+                      </a:rPr>
+                      <m:t>&gt;0.90</m:t>
+                    </m:r>
+                  </m:oMath>
+                </a14:m>
+                <a:r>
+                  <a:rPr lang="it-IT" dirty="0"/>
+                  <a:t> </a:t>
+                </a:r>
+                <a:r>
+                  <a:rPr lang="it-IT" dirty="0" err="1"/>
+                  <a:t>means</a:t>
+                </a:r>
+                <a:r>
+                  <a:rPr lang="it-IT" dirty="0"/>
+                  <a:t> </a:t>
+                </a:r>
+                <a:r>
+                  <a:rPr lang="it-IT" dirty="0" err="1"/>
+                  <a:t>that</a:t>
+                </a:r>
+                <a:r>
+                  <a:rPr lang="it-IT" dirty="0"/>
+                  <a:t> the </a:t>
+                </a:r>
+                <a:r>
+                  <a:rPr lang="it-IT" dirty="0" err="1" smtClean="0"/>
+                  <a:t>regions</a:t>
+                </a:r>
+                <a:r>
+                  <a:rPr lang="it-IT" dirty="0" smtClean="0"/>
+                  <a:t> </a:t>
+                </a:r>
+                <a:r>
+                  <a:rPr lang="it-IT" dirty="0" err="1" smtClean="0"/>
+                  <a:t>is</a:t>
+                </a:r>
+                <a:r>
+                  <a:rPr lang="it-IT" dirty="0" smtClean="0"/>
+                  <a:t> the </a:t>
+                </a:r>
+                <a:r>
+                  <a:rPr lang="it-IT" dirty="0" err="1" smtClean="0"/>
+                  <a:t>same</a:t>
+                </a:r>
+                <a:r>
+                  <a:rPr lang="it-IT" dirty="0" smtClean="0"/>
+                  <a:t> </a:t>
+                </a:r>
+                <a:r>
+                  <a:rPr lang="it-IT" dirty="0" err="1" smtClean="0"/>
+                  <a:t>then</a:t>
+                </a:r>
+                <a:r>
+                  <a:rPr lang="it-IT" dirty="0" smtClean="0"/>
+                  <a:t> </a:t>
+                </a:r>
+                <a:r>
+                  <a:rPr lang="it-IT" dirty="0" err="1" smtClean="0"/>
+                  <a:t>we</a:t>
+                </a:r>
+                <a:r>
+                  <a:rPr lang="it-IT" dirty="0" smtClean="0"/>
+                  <a:t> </a:t>
+                </a:r>
+                <a:r>
+                  <a:rPr lang="it-IT" dirty="0" err="1" smtClean="0"/>
+                  <a:t>keep</a:t>
+                </a:r>
+                <a:r>
+                  <a:rPr lang="it-IT" dirty="0" smtClean="0"/>
+                  <a:t> </a:t>
+                </a:r>
+                <a:r>
+                  <a:rPr lang="it-IT" dirty="0" err="1" smtClean="0"/>
+                  <a:t>it</a:t>
+                </a:r>
+                <a:r>
+                  <a:rPr lang="it-IT" dirty="0" smtClean="0"/>
+                  <a:t>;</a:t>
+                </a:r>
+              </a:p>
+              <a:p>
+                <a:pPr lvl="3"/>
+                <a:r>
+                  <a:rPr lang="it-IT" dirty="0" smtClean="0"/>
+                  <a:t>Else </a:t>
+                </a:r>
+                <a:r>
+                  <a:rPr lang="it-IT" dirty="0" err="1" smtClean="0"/>
+                  <a:t>we</a:t>
+                </a:r>
+                <a:r>
+                  <a:rPr lang="it-IT" dirty="0" smtClean="0"/>
+                  <a:t> </a:t>
+                </a:r>
+                <a:r>
+                  <a:rPr lang="it-IT" dirty="0" err="1" smtClean="0"/>
+                  <a:t>discard</a:t>
+                </a:r>
+                <a:r>
+                  <a:rPr lang="it-IT" dirty="0" smtClean="0"/>
+                  <a:t> the </a:t>
+                </a:r>
+                <a14:m>
+                  <m:oMath xmlns:m="http://schemas.openxmlformats.org/officeDocument/2006/math">
+                    <m:sSub>
+                      <m:sSubPr>
+                        <m:ctrlPr>
+                          <a:rPr lang="it-IT" i="1">
+                            <a:latin typeface="Cambria Math"/>
+                          </a:rPr>
+                        </m:ctrlPr>
+                      </m:sSubPr>
+                      <m:e>
+                        <m:r>
+                          <a:rPr lang="it-IT" i="1">
+                            <a:latin typeface="Cambria Math"/>
+                          </a:rPr>
+                          <m:t>𝑏𝑏</m:t>
+                        </m:r>
+                      </m:e>
+                      <m:sub>
+                        <m:r>
+                          <a:rPr lang="it-IT" i="1">
+                            <a:latin typeface="Cambria Math"/>
+                          </a:rPr>
+                          <m:t>𝑡</m:t>
+                        </m:r>
+                        <m:r>
+                          <a:rPr lang="it-IT" i="1">
+                            <a:latin typeface="Cambria Math"/>
+                          </a:rPr>
+                          <m:t>−1</m:t>
+                        </m:r>
+                      </m:sub>
+                    </m:sSub>
+                  </m:oMath>
+                </a14:m>
+                <a:endParaRPr lang="it-IT" dirty="0"/>
+              </a:p>
+              <a:p>
+                <a:r>
+                  <a:rPr lang="it-IT" dirty="0" smtClean="0"/>
+                  <a:t>The </a:t>
+                </a:r>
+                <a:r>
+                  <a:rPr lang="it-IT" dirty="0" err="1" smtClean="0"/>
+                  <a:t>final</a:t>
+                </a:r>
+                <a:r>
+                  <a:rPr lang="it-IT" dirty="0" smtClean="0"/>
+                  <a:t> </a:t>
+                </a:r>
+                <a:r>
+                  <a:rPr lang="it-IT" dirty="0" err="1" smtClean="0"/>
+                  <a:t>proposals</a:t>
+                </a:r>
+                <a:r>
+                  <a:rPr lang="it-IT" dirty="0" smtClean="0"/>
+                  <a:t> are </a:t>
+                </a:r>
+                <a:r>
+                  <a:rPr lang="it-IT" dirty="0" err="1" smtClean="0"/>
+                  <a:t>segmented</a:t>
+                </a:r>
+                <a:r>
+                  <a:rPr lang="it-IT" dirty="0" smtClean="0"/>
+                  <a:t> by </a:t>
+                </a:r>
+                <a:r>
+                  <a:rPr lang="it-IT" dirty="0" err="1" smtClean="0"/>
+                  <a:t>using</a:t>
+                </a:r>
+                <a:r>
+                  <a:rPr lang="it-IT" dirty="0" smtClean="0"/>
+                  <a:t> </a:t>
+                </a:r>
+                <a:r>
+                  <a:rPr lang="it-IT" dirty="0" err="1" smtClean="0"/>
+                  <a:t>watershed</a:t>
+                </a:r>
+                <a:r>
+                  <a:rPr lang="it-IT" dirty="0" smtClean="0"/>
+                  <a:t> </a:t>
+                </a:r>
+                <a:r>
+                  <a:rPr lang="it-IT" dirty="0" err="1" smtClean="0"/>
+                  <a:t>algorithm</a:t>
+                </a:r>
+                <a:r>
+                  <a:rPr lang="it-IT" dirty="0" smtClean="0"/>
+                  <a:t> </a:t>
+                </a:r>
+                <a:r>
+                  <a:rPr lang="it-IT" dirty="0" err="1" smtClean="0"/>
+                  <a:t>instead</a:t>
+                </a:r>
+                <a:r>
+                  <a:rPr lang="it-IT" dirty="0" smtClean="0"/>
+                  <a:t> </a:t>
+                </a:r>
+                <a:r>
+                  <a:rPr lang="it-IT" dirty="0" err="1" smtClean="0"/>
+                  <a:t>region</a:t>
+                </a:r>
+                <a:r>
+                  <a:rPr lang="it-IT" dirty="0" smtClean="0"/>
+                  <a:t> </a:t>
+                </a:r>
+                <a:r>
+                  <a:rPr lang="it-IT" dirty="0" err="1" smtClean="0"/>
+                  <a:t>growing</a:t>
+                </a:r>
+                <a:r>
+                  <a:rPr lang="it-IT" dirty="0" smtClean="0"/>
+                  <a:t> </a:t>
+                </a:r>
+                <a:r>
+                  <a:rPr lang="it-IT" dirty="0" err="1" smtClean="0"/>
+                  <a:t>algorithm</a:t>
+                </a:r>
+                <a:endParaRPr lang="it-IT" dirty="0"/>
               </a:p>
             </p:txBody>
           </p:sp>
@@ -8577,7 +9404,7 @@
               <a:blipFill rotWithShape="1">
                 <a:blip r:embed="rId2"/>
                 <a:stretch>
-                  <a:fillRect t="-687"/>
+                  <a:fillRect t="-137" b="-1374"/>
                 </a:stretch>
               </a:blipFill>
             </p:spPr>
@@ -8628,6 +9455,13 @@
   <p:clrMapOvr>
     <a:masterClrMapping/>
   </p:clrMapOvr>
+  <p:timing>
+    <p:tnLst>
+      <p:par>
+        <p:cTn id="1" dur="indefinite" restart="never" nodeType="tmRoot"/>
+      </p:par>
+    </p:tnLst>
+  </p:timing>
 </p:sld>
 </file>
 
@@ -8824,6 +9658,13 @@
   <p:clrMapOvr>
     <a:masterClrMapping/>
   </p:clrMapOvr>
+  <p:timing>
+    <p:tnLst>
+      <p:par>
+        <p:cTn id="1" dur="indefinite" restart="never" nodeType="tmRoot"/>
+      </p:par>
+    </p:tnLst>
+  </p:timing>
 </p:sld>
 </file>
 
@@ -9926,8 +10767,20 @@
           </a:p>
           <a:p>
             <a:r>
-              <a:rPr lang="it-IT" dirty="0"/>
+              <a:rPr lang="it-IT" dirty="0" smtClean="0"/>
               <a:t>Development</a:t>
+            </a:r>
+          </a:p>
+          <a:p>
+            <a:r>
+              <a:rPr lang="it-IT" dirty="0" smtClean="0"/>
+              <a:t>Test</a:t>
+            </a:r>
+          </a:p>
+          <a:p>
+            <a:r>
+              <a:rPr lang="it-IT" dirty="0" smtClean="0"/>
+              <a:t>Performance</a:t>
             </a:r>
             <a:endParaRPr lang="it-IT" dirty="0" smtClean="0"/>
           </a:p>

--- a/docs/Presentation - Left luggage detection.pptx
+++ b/docs/Presentation - Left luggage detection.pptx
@@ -5,10 +5,10 @@
     <p:sldMasterId id="2147483648" r:id="rId1"/>
   </p:sldMasterIdLst>
   <p:notesMasterIdLst>
-    <p:notesMasterId r:id="rId21"/>
+    <p:notesMasterId r:id="rId22"/>
   </p:notesMasterIdLst>
   <p:handoutMasterIdLst>
-    <p:handoutMasterId r:id="rId22"/>
+    <p:handoutMasterId r:id="rId23"/>
   </p:handoutMasterIdLst>
   <p:sldIdLst>
     <p:sldId id="320" r:id="rId2"/>
@@ -26,10 +26,11 @@
     <p:sldId id="388" r:id="rId14"/>
     <p:sldId id="389" r:id="rId15"/>
     <p:sldId id="391" r:id="rId16"/>
-    <p:sldId id="390" r:id="rId17"/>
-    <p:sldId id="392" r:id="rId18"/>
-    <p:sldId id="383" r:id="rId19"/>
-    <p:sldId id="374" r:id="rId20"/>
+    <p:sldId id="393" r:id="rId17"/>
+    <p:sldId id="390" r:id="rId18"/>
+    <p:sldId id="392" r:id="rId19"/>
+    <p:sldId id="383" r:id="rId20"/>
+    <p:sldId id="374" r:id="rId21"/>
   </p:sldIdLst>
   <p:sldSz cx="9144000" cy="6858000" type="screen4x3"/>
   <p:notesSz cx="6858000" cy="9144000"/>
@@ -275,7 +276,7 @@
               <a:pPr>
                 <a:defRPr/>
               </a:pPr>
-              <a:t>18/03/2014</a:t>
+              <a:t>03/06/2014</a:t>
             </a:fld>
             <a:endParaRPr lang="it-IT" altLang="it-IT"/>
           </a:p>
@@ -844,8 +845,8 @@
         </p:nvSpPr>
         <p:spPr bwMode="auto">
           <a:xfrm>
-            <a:off x="3161337" y="6453336"/>
-            <a:ext cx="2850460" cy="261610"/>
+            <a:off x="3210230" y="6453336"/>
+            <a:ext cx="2752677" cy="261610"/>
           </a:xfrm>
           <a:prstGeom prst="rect">
             <a:avLst/>
@@ -921,14 +922,21 @@
                 <a:latin typeface="Tahoma" pitchFamily="34" charset="0"/>
                 <a:cs typeface="Tahoma" pitchFamily="34" charset="0"/>
               </a:rPr>
-              <a:t> – March </a:t>
+              <a:t> – </a:t>
             </a:r>
             <a:r>
               <a:rPr lang="it-IT" altLang="it-IT" sz="1100" dirty="0" err="1" smtClean="0">
                 <a:latin typeface="Tahoma" pitchFamily="34" charset="0"/>
                 <a:cs typeface="Tahoma" pitchFamily="34" charset="0"/>
               </a:rPr>
-              <a:t>XXth</a:t>
+              <a:t>June</a:t>
+            </a:r>
+            <a:r>
+              <a:rPr lang="it-IT" altLang="it-IT" sz="1100" dirty="0" smtClean="0">
+                <a:latin typeface="Tahoma" pitchFamily="34" charset="0"/>
+                <a:cs typeface="Tahoma" pitchFamily="34" charset="0"/>
+              </a:rPr>
+              <a:t> 13th</a:t>
             </a:r>
             <a:r>
               <a:rPr lang="it-IT" altLang="it-IT" sz="1100" dirty="0">
@@ -1098,24 +1106,24 @@
               <a:buNone/>
             </a:pPr>
             <a:r>
-              <a:rPr lang="it-IT" altLang="it-IT" sz="3200" dirty="0" smtClean="0">
+              <a:rPr lang="it-IT" altLang="it-IT" sz="3200" dirty="0" err="1" smtClean="0">
                 <a:solidFill>
                   <a:schemeClr val="tx1"/>
                 </a:solidFill>
                 <a:latin typeface="Tahoma" pitchFamily="34" charset="0"/>
                 <a:cs typeface="Tahoma" pitchFamily="34" charset="0"/>
               </a:rPr>
-              <a:t>March </a:t>
-            </a:r>
-            <a:r>
-              <a:rPr lang="it-IT" altLang="it-IT" sz="3200" dirty="0" err="1" smtClean="0">
+              <a:t>June</a:t>
+            </a:r>
+            <a:r>
+              <a:rPr lang="it-IT" altLang="it-IT" sz="3200" dirty="0" smtClean="0">
                 <a:solidFill>
                   <a:schemeClr val="tx1"/>
                 </a:solidFill>
                 <a:latin typeface="Tahoma" pitchFamily="34" charset="0"/>
                 <a:cs typeface="Tahoma" pitchFamily="34" charset="0"/>
               </a:rPr>
-              <a:t>xxth</a:t>
+              <a:t> 13th</a:t>
             </a:r>
             <a:r>
               <a:rPr lang="it-IT" altLang="it-IT" sz="3200" dirty="0">
@@ -1475,26 +1483,23 @@
               <a:t>– </a:t>
             </a:r>
             <a:r>
+              <a:rPr lang="it-IT" altLang="it-IT" sz="1100" dirty="0" err="1" smtClean="0">
+                <a:latin typeface="Tahoma" pitchFamily="34" charset="0"/>
+                <a:cs typeface="Tahoma" pitchFamily="34" charset="0"/>
+              </a:rPr>
+              <a:t>June</a:t>
+            </a:r>
+            <a:r>
               <a:rPr lang="it-IT" altLang="it-IT" sz="1100" dirty="0" smtClean="0">
                 <a:latin typeface="Tahoma" pitchFamily="34" charset="0"/>
                 <a:cs typeface="Tahoma" pitchFamily="34" charset="0"/>
               </a:rPr>
-              <a:t>March </a:t>
-            </a:r>
-            <a:r>
-              <a:rPr lang="it-IT" altLang="it-IT" sz="1100" dirty="0" err="1" smtClean="0">
-                <a:latin typeface="Tahoma" pitchFamily="34" charset="0"/>
-                <a:cs typeface="Tahoma" pitchFamily="34" charset="0"/>
-              </a:rPr>
-              <a:t>XXth</a:t>
-            </a:r>
-            <a:r>
-              <a:rPr lang="it-IT" altLang="it-IT" sz="1100" dirty="0">
-                <a:latin typeface="Tahoma" pitchFamily="34" charset="0"/>
-                <a:cs typeface="Tahoma" pitchFamily="34" charset="0"/>
-              </a:rPr>
-              <a:t>, 2014</a:t>
-            </a:r>
+              <a:t> 13th, 2014</a:t>
+            </a:r>
+            <a:endParaRPr lang="it-IT" altLang="it-IT" sz="1100" dirty="0">
+              <a:latin typeface="Tahoma" pitchFamily="34" charset="0"/>
+              <a:cs typeface="Tahoma" pitchFamily="34" charset="0"/>
+            </a:endParaRPr>
           </a:p>
         </p:txBody>
       </p:sp>
@@ -2109,6 +2114,13 @@
   <p:clrMapOvr>
     <a:masterClrMapping/>
   </p:clrMapOvr>
+  <p:timing>
+    <p:tnLst>
+      <p:par>
+        <p:cTn id="1" dur="indefinite" restart="never" nodeType="tmRoot"/>
+      </p:par>
+    </p:tnLst>
+  </p:timing>
 </p:sldLayout>
 </file>
 
@@ -2350,26 +2362,23 @@
               <a:t>– </a:t>
             </a:r>
             <a:r>
+              <a:rPr lang="it-IT" altLang="it-IT" sz="1100" dirty="0" err="1" smtClean="0">
+                <a:latin typeface="Tahoma" pitchFamily="34" charset="0"/>
+                <a:cs typeface="Tahoma" pitchFamily="34" charset="0"/>
+              </a:rPr>
+              <a:t>June</a:t>
+            </a:r>
+            <a:r>
               <a:rPr lang="it-IT" altLang="it-IT" sz="1100" dirty="0" smtClean="0">
                 <a:latin typeface="Tahoma" pitchFamily="34" charset="0"/>
                 <a:cs typeface="Tahoma" pitchFamily="34" charset="0"/>
               </a:rPr>
-              <a:t>March </a:t>
-            </a:r>
-            <a:r>
-              <a:rPr lang="it-IT" altLang="it-IT" sz="1100" dirty="0" err="1" smtClean="0">
-                <a:latin typeface="Tahoma" pitchFamily="34" charset="0"/>
-                <a:cs typeface="Tahoma" pitchFamily="34" charset="0"/>
-              </a:rPr>
-              <a:t>XXth</a:t>
-            </a:r>
-            <a:r>
-              <a:rPr lang="it-IT" altLang="it-IT" sz="1100" dirty="0">
-                <a:latin typeface="Tahoma" pitchFamily="34" charset="0"/>
-                <a:cs typeface="Tahoma" pitchFamily="34" charset="0"/>
-              </a:rPr>
-              <a:t>, 2014</a:t>
-            </a:r>
+              <a:t> 13th, 2014</a:t>
+            </a:r>
+            <a:endParaRPr lang="it-IT" altLang="it-IT" sz="1100" dirty="0">
+              <a:latin typeface="Tahoma" pitchFamily="34" charset="0"/>
+              <a:cs typeface="Tahoma" pitchFamily="34" charset="0"/>
+            </a:endParaRPr>
           </a:p>
         </p:txBody>
       </p:sp>
@@ -2687,6 +2696,13 @@
   <p:clrMapOvr>
     <a:masterClrMapping/>
   </p:clrMapOvr>
+  <p:timing>
+    <p:tnLst>
+      <p:par>
+        <p:cTn id="1" dur="indefinite" restart="never" nodeType="tmRoot"/>
+      </p:par>
+    </p:tnLst>
+  </p:timing>
 </p:sldLayout>
 </file>
 
@@ -3232,21 +3248,21 @@
                 <a:latin typeface="Tahoma" pitchFamily="34" charset="0"/>
                 <a:cs typeface="Tahoma" pitchFamily="34" charset="0"/>
               </a:rPr>
-              <a:t> – March </a:t>
+              <a:t> – </a:t>
             </a:r>
             <a:r>
               <a:rPr lang="it-IT" altLang="it-IT" sz="1100" dirty="0" err="1" smtClean="0">
                 <a:latin typeface="Tahoma" pitchFamily="34" charset="0"/>
                 <a:cs typeface="Tahoma" pitchFamily="34" charset="0"/>
               </a:rPr>
-              <a:t>XXth</a:t>
+              <a:t>June</a:t>
             </a:r>
             <a:r>
               <a:rPr lang="it-IT" altLang="it-IT" sz="1100" dirty="0" smtClean="0">
                 <a:latin typeface="Tahoma" pitchFamily="34" charset="0"/>
                 <a:cs typeface="Tahoma" pitchFamily="34" charset="0"/>
               </a:rPr>
-              <a:t>, 2014</a:t>
+              <a:t> 13th, 2014</a:t>
             </a:r>
             <a:endParaRPr lang="it-IT" altLang="it-IT" sz="1100" dirty="0">
               <a:latin typeface="Tahoma" pitchFamily="34" charset="0"/>
@@ -3527,6 +3543,13 @@
   <p:clrMapOvr>
     <a:masterClrMapping/>
   </p:clrMapOvr>
+  <p:timing>
+    <p:tnLst>
+      <p:par>
+        <p:cTn id="1" dur="indefinite" restart="never" nodeType="tmRoot"/>
+      </p:par>
+    </p:tnLst>
+  </p:timing>
 </p:sldLayout>
 </file>
 
@@ -5286,8 +5309,8 @@
           </a:p>
         </p:txBody>
       </p:sp>
-      <mc:AlternateContent xmlns:mc="http://schemas.openxmlformats.org/markup-compatibility/2006" xmlns:a14="http://schemas.microsoft.com/office/drawing/2010/main">
-        <mc:Choice Requires="a14">
+      <mc:AlternateContent xmlns:mc="http://schemas.openxmlformats.org/markup-compatibility/2006">
+        <mc:Choice xmlns:a14="http://schemas.microsoft.com/office/drawing/2010/main" Requires="a14">
           <p:sp>
             <p:nvSpPr>
               <p:cNvPr id="3" name="Segnaposto contenuto 2"/>
@@ -5392,7 +5415,7 @@
                   <a:buNone/>
                 </a:pPr>
                 <a:r>
-                  <a:rPr lang="en-US" sz="1100" dirty="0" smtClean="0">
+                  <a:rPr lang="en-US" sz="1300" dirty="0" smtClean="0">
                     <a:solidFill>
                       <a:srgbClr val="008000"/>
                     </a:solidFill>
@@ -5401,7 +5424,7 @@
                   <a:t># </a:t>
                 </a:r>
                 <a:r>
-                  <a:rPr lang="en-US" sz="1100" dirty="0">
+                  <a:rPr lang="en-US" sz="1300" dirty="0">
                     <a:solidFill>
                       <a:srgbClr val="008000"/>
                     </a:solidFill>
@@ -5410,7 +5433,7 @@
                   <a:t>get next video </a:t>
                 </a:r>
                 <a:r>
-                  <a:rPr lang="en-US" sz="1100" dirty="0" smtClean="0">
+                  <a:rPr lang="en-US" sz="1300" dirty="0" smtClean="0">
                     <a:solidFill>
                       <a:srgbClr val="008000"/>
                     </a:solidFill>
@@ -5418,7 +5441,7 @@
                   </a:rPr>
                   <a:t>frame</a:t>
                 </a:r>
-                <a:endParaRPr lang="en-US" sz="1100" dirty="0" smtClean="0">
+                <a:endParaRPr lang="en-US" sz="1300" dirty="0" smtClean="0">
                   <a:latin typeface="Courier New"/>
                 </a:endParaRPr>
               </a:p>
@@ -5430,13 +5453,13 @@
                   <a:buNone/>
                 </a:pPr>
                 <a:r>
-                  <a:rPr lang="en-US" sz="1100" dirty="0" err="1" smtClean="0">
+                  <a:rPr lang="en-US" sz="1300" dirty="0" err="1" smtClean="0">
                     <a:latin typeface="Courier New"/>
                   </a:rPr>
                   <a:t>rgb</a:t>
                 </a:r>
                 <a:r>
-                  <a:rPr lang="en-US" sz="1100" b="1" dirty="0" err="1" smtClean="0">
+                  <a:rPr lang="en-US" sz="1300" b="1" dirty="0" err="1" smtClean="0">
                     <a:solidFill>
                       <a:srgbClr val="000080"/>
                     </a:solidFill>
@@ -5445,19 +5468,19 @@
                   <a:t>.</a:t>
                 </a:r>
                 <a:r>
-                  <a:rPr lang="en-US" sz="1100" dirty="0" err="1" smtClean="0">
+                  <a:rPr lang="en-US" sz="1300" dirty="0" err="1" smtClean="0">
                     <a:latin typeface="Courier New"/>
                   </a:rPr>
                   <a:t>current_frame</a:t>
                 </a:r>
                 <a:r>
-                  <a:rPr lang="en-US" sz="1100" dirty="0" smtClean="0">
+                  <a:rPr lang="en-US" sz="1300" dirty="0" smtClean="0">
                     <a:latin typeface="Courier New"/>
                   </a:rPr>
                   <a:t> </a:t>
                 </a:r>
                 <a:r>
-                  <a:rPr lang="en-US" sz="1100" b="1" dirty="0">
+                  <a:rPr lang="en-US" sz="1300" b="1" dirty="0">
                     <a:solidFill>
                       <a:srgbClr val="000080"/>
                     </a:solidFill>
@@ -5466,19 +5489,19 @@
                   <a:t>=</a:t>
                 </a:r>
                 <a:r>
-                  <a:rPr lang="en-US" sz="1100" dirty="0">
+                  <a:rPr lang="en-US" sz="1300" dirty="0">
                     <a:latin typeface="Courier New"/>
                   </a:rPr>
                   <a:t> </a:t>
                 </a:r>
                 <a:r>
-                  <a:rPr lang="en-US" sz="1100" dirty="0" err="1">
+                  <a:rPr lang="en-US" sz="1300" dirty="0" err="1">
                     <a:latin typeface="Courier New"/>
                   </a:rPr>
                   <a:t>cam</a:t>
                 </a:r>
                 <a:r>
-                  <a:rPr lang="en-US" sz="1100" b="1" dirty="0" err="1">
+                  <a:rPr lang="en-US" sz="1300" b="1" dirty="0" err="1">
                     <a:solidFill>
                       <a:srgbClr val="000080"/>
                     </a:solidFill>
@@ -5487,13 +5510,13 @@
                   <a:t>.</a:t>
                 </a:r>
                 <a:r>
-                  <a:rPr lang="en-US" sz="1100" dirty="0" err="1">
+                  <a:rPr lang="en-US" sz="1300" dirty="0" err="1">
                     <a:latin typeface="Courier New"/>
                   </a:rPr>
                   <a:t>get_image</a:t>
                 </a:r>
                 <a:r>
-                  <a:rPr lang="en-US" sz="1100" b="1" dirty="0" smtClean="0">
+                  <a:rPr lang="en-US" sz="1300" b="1" dirty="0" smtClean="0">
                     <a:solidFill>
                       <a:srgbClr val="000080"/>
                     </a:solidFill>
@@ -5501,25 +5524,17 @@
                   </a:rPr>
                   <a:t>()</a:t>
                 </a:r>
+                <a:endParaRPr lang="en-US" sz="1300" dirty="0"/>
               </a:p>
               <a:p>
                 <a:pPr marL="684000" lvl="2" indent="0">
                   <a:spcBef>
-                    <a:spcPts val="0"/>
+                    <a:spcPts val="600"/>
                   </a:spcBef>
                   <a:buNone/>
                 </a:pPr>
-                <a:endParaRPr lang="en-US" sz="1100" dirty="0"/>
-              </a:p>
-              <a:p>
-                <a:pPr marL="684000" lvl="2" indent="0">
-                  <a:spcBef>
-                    <a:spcPts val="0"/>
-                  </a:spcBef>
-                  <a:buNone/>
-                </a:pPr>
-                <a:r>
-                  <a:rPr lang="it-IT" sz="1100" dirty="0" smtClean="0">
+                <a:r>
+                  <a:rPr lang="it-IT" sz="1300" dirty="0" smtClean="0">
                     <a:solidFill>
                       <a:srgbClr val="008000"/>
                     </a:solidFill>
@@ -5528,7 +5543,7 @@
                   <a:t># </a:t>
                 </a:r>
                 <a:r>
-                  <a:rPr lang="it-IT" sz="1100" dirty="0" err="1">
+                  <a:rPr lang="it-IT" sz="1300" dirty="0" err="1">
                     <a:solidFill>
                       <a:srgbClr val="008000"/>
                     </a:solidFill>
@@ -5537,7 +5552,7 @@
                   <a:t>get</a:t>
                 </a:r>
                 <a:r>
-                  <a:rPr lang="it-IT" sz="1100" dirty="0">
+                  <a:rPr lang="it-IT" sz="1300" dirty="0">
                     <a:solidFill>
                       <a:srgbClr val="008000"/>
                     </a:solidFill>
@@ -5546,7 +5561,7 @@
                   <a:t> </a:t>
                 </a:r>
                 <a:r>
-                  <a:rPr lang="it-IT" sz="1100" dirty="0" err="1">
+                  <a:rPr lang="it-IT" sz="1300" dirty="0" err="1">
                     <a:solidFill>
                       <a:srgbClr val="008000"/>
                     </a:solidFill>
@@ -5555,7 +5570,7 @@
                   <a:t>rgb</a:t>
                 </a:r>
                 <a:r>
-                  <a:rPr lang="it-IT" sz="1100" dirty="0">
+                  <a:rPr lang="it-IT" sz="1300" dirty="0">
                     <a:solidFill>
                       <a:srgbClr val="008000"/>
                     </a:solidFill>
@@ -5564,7 +5579,7 @@
                   <a:t> </a:t>
                 </a:r>
                 <a:r>
-                  <a:rPr lang="it-IT" sz="1100" dirty="0" err="1">
+                  <a:rPr lang="it-IT" sz="1300" dirty="0" err="1">
                     <a:solidFill>
                       <a:srgbClr val="008000"/>
                     </a:solidFill>
@@ -5573,7 +5588,7 @@
                   <a:t>dual</a:t>
                 </a:r>
                 <a:r>
-                  <a:rPr lang="it-IT" sz="1100" dirty="0">
+                  <a:rPr lang="it-IT" sz="1300" dirty="0">
                     <a:solidFill>
                       <a:srgbClr val="008000"/>
                     </a:solidFill>
@@ -5582,7 +5597,7 @@
                   <a:t> </a:t>
                 </a:r>
                 <a:r>
-                  <a:rPr lang="it-IT" sz="1100" dirty="0" err="1" smtClean="0">
+                  <a:rPr lang="it-IT" sz="1300" dirty="0" err="1" smtClean="0">
                     <a:solidFill>
                       <a:srgbClr val="008000"/>
                     </a:solidFill>
@@ -5591,7 +5606,7 @@
                   <a:t>foreground</a:t>
                 </a:r>
                 <a:r>
-                  <a:rPr lang="it-IT" sz="1100" dirty="0" smtClean="0">
+                  <a:rPr lang="it-IT" sz="1300" dirty="0" smtClean="0">
                     <a:solidFill>
                       <a:srgbClr val="008000"/>
                     </a:solidFill>
@@ -5600,7 +5615,7 @@
                   <a:t> (long </a:t>
                 </a:r>
                 <a:r>
-                  <a:rPr lang="it-IT" sz="1100" dirty="0">
+                  <a:rPr lang="it-IT" sz="1300" dirty="0">
                     <a:solidFill>
                       <a:srgbClr val="008000"/>
                     </a:solidFill>
@@ -5609,7 +5624,7 @@
                   <a:t>and short </a:t>
                 </a:r>
                 <a:r>
-                  <a:rPr lang="it-IT" sz="1100" dirty="0" err="1" smtClean="0">
+                  <a:rPr lang="it-IT" sz="1300" dirty="0" err="1" smtClean="0">
                     <a:solidFill>
                       <a:srgbClr val="008000"/>
                     </a:solidFill>
@@ -5618,7 +5633,7 @@
                   <a:t>term</a:t>
                 </a:r>
                 <a:r>
-                  <a:rPr lang="it-IT" sz="1100" dirty="0" smtClean="0">
+                  <a:rPr lang="it-IT" sz="1300" dirty="0" smtClean="0">
                     <a:solidFill>
                       <a:srgbClr val="008000"/>
                     </a:solidFill>
@@ -5626,7 +5641,7 @@
                   </a:rPr>
                   <a:t>)</a:t>
                 </a:r>
-                <a:endParaRPr lang="it-IT" sz="1100" dirty="0">
+                <a:endParaRPr lang="it-IT" sz="1300" dirty="0">
                   <a:latin typeface="Courier New"/>
                 </a:endParaRPr>
               </a:p>
@@ -5638,13 +5653,13 @@
                   <a:buNone/>
                 </a:pPr>
                 <a:r>
-                  <a:rPr lang="it-IT" sz="1100" dirty="0" err="1" smtClean="0">
+                  <a:rPr lang="it-IT" sz="1300" dirty="0" err="1" smtClean="0">
                     <a:latin typeface="Courier New"/>
                   </a:rPr>
                   <a:t>rgb</a:t>
                 </a:r>
                 <a:r>
-                  <a:rPr lang="it-IT" sz="1100" b="1" dirty="0" err="1" smtClean="0">
+                  <a:rPr lang="it-IT" sz="1300" b="1" dirty="0" err="1" smtClean="0">
                     <a:solidFill>
                       <a:srgbClr val="000080"/>
                     </a:solidFill>
@@ -5653,13 +5668,13 @@
                   <a:t>.</a:t>
                 </a:r>
                 <a:r>
-                  <a:rPr lang="it-IT" sz="1100" dirty="0" err="1" smtClean="0">
+                  <a:rPr lang="it-IT" sz="1300" dirty="0" err="1" smtClean="0">
                     <a:latin typeface="Courier New"/>
                   </a:rPr>
                   <a:t>compute_foreground_masks</a:t>
                 </a:r>
                 <a:r>
-                  <a:rPr lang="it-IT" sz="1100" b="1" dirty="0" smtClean="0">
+                  <a:rPr lang="it-IT" sz="1300" b="1" dirty="0" smtClean="0">
                     <a:solidFill>
                       <a:srgbClr val="000080"/>
                     </a:solidFill>
@@ -5668,13 +5683,13 @@
                   <a:t>(</a:t>
                 </a:r>
                 <a:r>
-                  <a:rPr lang="it-IT" sz="1100" dirty="0" err="1" smtClean="0">
+                  <a:rPr lang="it-IT" sz="1300" dirty="0" err="1" smtClean="0">
                     <a:latin typeface="Courier New"/>
                   </a:rPr>
                   <a:t>rgb</a:t>
                 </a:r>
                 <a:r>
-                  <a:rPr lang="it-IT" sz="1100" b="1" dirty="0" err="1" smtClean="0">
+                  <a:rPr lang="it-IT" sz="1300" b="1" dirty="0" err="1" smtClean="0">
                     <a:solidFill>
                       <a:srgbClr val="000080"/>
                     </a:solidFill>
@@ -5683,13 +5698,13 @@
                   <a:t>.</a:t>
                 </a:r>
                 <a:r>
-                  <a:rPr lang="it-IT" sz="1100" dirty="0" err="1" smtClean="0">
+                  <a:rPr lang="it-IT" sz="1300" dirty="0" err="1" smtClean="0">
                     <a:latin typeface="Courier New"/>
                   </a:rPr>
                   <a:t>current_frame</a:t>
                 </a:r>
                 <a:r>
-                  <a:rPr lang="it-IT" sz="1100" b="1" dirty="0" smtClean="0">
+                  <a:rPr lang="it-IT" sz="1300" b="1" dirty="0" smtClean="0">
                     <a:solidFill>
                       <a:srgbClr val="000080"/>
                     </a:solidFill>
@@ -5697,27 +5712,19 @@
                   </a:rPr>
                   <a:t>)</a:t>
                 </a:r>
-              </a:p>
-              <a:p>
-                <a:pPr marL="684000" lvl="2" indent="0">
-                  <a:spcBef>
-                    <a:spcPts val="0"/>
-                  </a:spcBef>
-                  <a:buNone/>
-                </a:pPr>
-                <a:endParaRPr lang="it-IT" sz="1100" dirty="0">
+                <a:endParaRPr lang="it-IT" sz="1300" dirty="0">
                   <a:latin typeface="Courier New"/>
                 </a:endParaRPr>
               </a:p>
               <a:p>
                 <a:pPr marL="684000" lvl="2" indent="0">
                   <a:spcBef>
-                    <a:spcPts val="0"/>
+                    <a:spcPts val="600"/>
                   </a:spcBef>
                   <a:buNone/>
                 </a:pPr>
                 <a:r>
-                  <a:rPr lang="it-IT" sz="1100" dirty="0">
+                  <a:rPr lang="it-IT" sz="1300" dirty="0">
                     <a:solidFill>
                       <a:srgbClr val="008000"/>
                     </a:solidFill>
@@ -5726,7 +5733,7 @@
                   <a:t># update </a:t>
                 </a:r>
                 <a:r>
-                  <a:rPr lang="it-IT" sz="1100" dirty="0" err="1">
+                  <a:rPr lang="it-IT" sz="1300" dirty="0" err="1">
                     <a:solidFill>
                       <a:srgbClr val="008000"/>
                     </a:solidFill>
@@ -5735,7 +5742,7 @@
                   <a:t>rgb</a:t>
                 </a:r>
                 <a:r>
-                  <a:rPr lang="it-IT" sz="1100" dirty="0">
+                  <a:rPr lang="it-IT" sz="1300" dirty="0">
                     <a:solidFill>
                       <a:srgbClr val="008000"/>
                     </a:solidFill>
@@ -5744,7 +5751,7 @@
                   <a:t> </a:t>
                 </a:r>
                 <a:r>
-                  <a:rPr lang="it-IT" sz="1100" dirty="0" err="1">
+                  <a:rPr lang="it-IT" sz="1300" dirty="0" err="1">
                     <a:solidFill>
                       <a:srgbClr val="008000"/>
                     </a:solidFill>
@@ -5752,7 +5759,7 @@
                   </a:rPr>
                   <a:t>aggregator</a:t>
                 </a:r>
-                <a:endParaRPr lang="it-IT" sz="1100" dirty="0">
+                <a:endParaRPr lang="it-IT" sz="1300" dirty="0">
                   <a:solidFill>
                     <a:srgbClr val="008000"/>
                   </a:solidFill>
@@ -5767,13 +5774,13 @@
                   <a:buNone/>
                 </a:pPr>
                 <a:r>
-                  <a:rPr lang="it-IT" sz="1100" dirty="0" err="1">
+                  <a:rPr lang="it-IT" sz="1300" dirty="0" err="1">
                     <a:latin typeface="Courier New"/>
                   </a:rPr>
                   <a:t>rgb</a:t>
                 </a:r>
                 <a:r>
-                  <a:rPr lang="it-IT" sz="1100" b="1" dirty="0" err="1">
+                  <a:rPr lang="it-IT" sz="1300" b="1" dirty="0" err="1">
                     <a:solidFill>
                       <a:srgbClr val="000080"/>
                     </a:solidFill>
@@ -5782,13 +5789,13 @@
                   <a:t>.</a:t>
                 </a:r>
                 <a:r>
-                  <a:rPr lang="it-IT" sz="1100" dirty="0" err="1">
+                  <a:rPr lang="it-IT" sz="1300" dirty="0" err="1">
                     <a:latin typeface="Courier New"/>
                   </a:rPr>
                   <a:t>update_detection_aggregator</a:t>
                 </a:r>
                 <a:r>
-                  <a:rPr lang="it-IT" sz="1100" b="1" dirty="0" smtClean="0">
+                  <a:rPr lang="it-IT" sz="1300" b="1" dirty="0" smtClean="0">
                     <a:solidFill>
                       <a:srgbClr val="000080"/>
                     </a:solidFill>
@@ -5796,17 +5803,77 @@
                   </a:rPr>
                   <a:t>()</a:t>
                 </a:r>
+                <a:endParaRPr lang="it-IT" sz="1300" b="1" dirty="0">
+                  <a:solidFill>
+                    <a:srgbClr val="000080"/>
+                  </a:solidFill>
+                  <a:latin typeface="Courier New"/>
+                </a:endParaRPr>
               </a:p>
               <a:p>
                 <a:pPr marL="684000" lvl="2" indent="0">
                   <a:spcBef>
-                    <a:spcPts val="0"/>
+                    <a:spcPts val="600"/>
                   </a:spcBef>
                   <a:buNone/>
                 </a:pPr>
-                <a:endParaRPr lang="it-IT" sz="1100" b="1" dirty="0">
+                <a:r>
+                  <a:rPr lang="it-IT" sz="1300" dirty="0">
+                    <a:solidFill>
+                      <a:srgbClr val="008000"/>
+                    </a:solidFill>
+                    <a:latin typeface="Courier New"/>
+                  </a:rPr>
+                  <a:t># </a:t>
+                </a:r>
+                <a:r>
+                  <a:rPr lang="it-IT" sz="1300" dirty="0" err="1">
+                    <a:solidFill>
+                      <a:srgbClr val="008000"/>
+                    </a:solidFill>
+                    <a:latin typeface="Courier New"/>
+                  </a:rPr>
+                  <a:t>extract</a:t>
+                </a:r>
+                <a:r>
+                  <a:rPr lang="it-IT" sz="1300" dirty="0">
+                    <a:solidFill>
+                      <a:srgbClr val="008000"/>
+                    </a:solidFill>
+                    <a:latin typeface="Courier New"/>
+                  </a:rPr>
+                  <a:t> </a:t>
+                </a:r>
+                <a:r>
+                  <a:rPr lang="it-IT" sz="1300" dirty="0" err="1">
+                    <a:solidFill>
+                      <a:srgbClr val="008000"/>
+                    </a:solidFill>
+                    <a:latin typeface="Courier New"/>
+                  </a:rPr>
+                  <a:t>bounding</a:t>
+                </a:r>
+                <a:r>
+                  <a:rPr lang="it-IT" sz="1300" dirty="0">
+                    <a:solidFill>
+                      <a:srgbClr val="008000"/>
+                    </a:solidFill>
+                    <a:latin typeface="Courier New"/>
+                  </a:rPr>
+                  <a:t> box </a:t>
+                </a:r>
+                <a:r>
+                  <a:rPr lang="it-IT" sz="1300" dirty="0" err="1">
+                    <a:solidFill>
+                      <a:srgbClr val="008000"/>
+                    </a:solidFill>
+                    <a:latin typeface="Courier New"/>
+                  </a:rPr>
+                  <a:t>proposals</a:t>
+                </a:r>
+                <a:endParaRPr lang="it-IT" sz="1300" dirty="0">
                   <a:solidFill>
-                    <a:srgbClr val="000080"/>
+                    <a:srgbClr val="008000"/>
                   </a:solidFill>
                   <a:latin typeface="Courier New"/>
                 </a:endParaRPr>
@@ -5819,84 +5886,19 @@
                   <a:buNone/>
                 </a:pPr>
                 <a:r>
-                  <a:rPr lang="it-IT" sz="1100" dirty="0">
-                    <a:solidFill>
-                      <a:srgbClr val="008000"/>
-                    </a:solidFill>
+                  <a:rPr lang="it-IT" sz="1300" dirty="0" err="1">
                     <a:latin typeface="Courier New"/>
                   </a:rPr>
-                  <a:t># </a:t>
-                </a:r>
-                <a:r>
-                  <a:rPr lang="it-IT" sz="1100" dirty="0" err="1">
-                    <a:solidFill>
-                      <a:srgbClr val="008000"/>
-                    </a:solidFill>
-                    <a:latin typeface="Courier New"/>
-                  </a:rPr>
-                  <a:t>extract</a:t>
-                </a:r>
-                <a:r>
-                  <a:rPr lang="it-IT" sz="1100" dirty="0">
-                    <a:solidFill>
-                      <a:srgbClr val="008000"/>
-                    </a:solidFill>
+                  <a:t>rgb_proposal_bbox</a:t>
+                </a:r>
+                <a:r>
+                  <a:rPr lang="it-IT" sz="1300" dirty="0">
                     <a:latin typeface="Courier New"/>
                   </a:rPr>
                   <a:t> </a:t>
                 </a:r>
                 <a:r>
-                  <a:rPr lang="it-IT" sz="1100" dirty="0" err="1">
-                    <a:solidFill>
-                      <a:srgbClr val="008000"/>
-                    </a:solidFill>
-                    <a:latin typeface="Courier New"/>
-                  </a:rPr>
-                  <a:t>bounding</a:t>
-                </a:r>
-                <a:r>
-                  <a:rPr lang="it-IT" sz="1100" dirty="0">
-                    <a:solidFill>
-                      <a:srgbClr val="008000"/>
-                    </a:solidFill>
-                    <a:latin typeface="Courier New"/>
-                  </a:rPr>
-                  <a:t> box </a:t>
-                </a:r>
-                <a:r>
-                  <a:rPr lang="it-IT" sz="1100" dirty="0" err="1">
-                    <a:solidFill>
-                      <a:srgbClr val="008000"/>
-                    </a:solidFill>
-                    <a:latin typeface="Courier New"/>
-                  </a:rPr>
-                  <a:t>proposals</a:t>
-                </a:r>
-                <a:endParaRPr lang="it-IT" sz="1100" dirty="0">
-                  <a:latin typeface="Courier New"/>
-                </a:endParaRPr>
-              </a:p>
-              <a:p>
-                <a:pPr marL="684000" lvl="2" indent="0">
-                  <a:spcBef>
-                    <a:spcPts val="0"/>
-                  </a:spcBef>
-                  <a:buNone/>
-                </a:pPr>
-                <a:r>
-                  <a:rPr lang="it-IT" sz="1100" dirty="0" err="1">
-                    <a:latin typeface="Courier New"/>
-                  </a:rPr>
-                  <a:t>rgb_proposal_bbox</a:t>
-                </a:r>
-                <a:r>
-                  <a:rPr lang="it-IT" sz="1100" dirty="0">
-                    <a:latin typeface="Courier New"/>
-                  </a:rPr>
-                  <a:t> </a:t>
-                </a:r>
-                <a:r>
-                  <a:rPr lang="it-IT" sz="1100" b="1" dirty="0">
+                  <a:rPr lang="it-IT" sz="1300" b="1" dirty="0">
                     <a:solidFill>
                       <a:srgbClr val="000080"/>
                     </a:solidFill>
@@ -5905,19 +5907,19 @@
                   <a:t>=</a:t>
                 </a:r>
                 <a:r>
-                  <a:rPr lang="it-IT" sz="1100" dirty="0">
+                  <a:rPr lang="it-IT" sz="1300" dirty="0">
                     <a:latin typeface="Courier New"/>
                   </a:rPr>
                   <a:t> </a:t>
                 </a:r>
                 <a:r>
-                  <a:rPr lang="it-IT" sz="1100" dirty="0" err="1">
+                  <a:rPr lang="it-IT" sz="1300" dirty="0" err="1">
                     <a:latin typeface="Courier New"/>
                   </a:rPr>
                   <a:t>rgb</a:t>
                 </a:r>
                 <a:r>
-                  <a:rPr lang="it-IT" sz="1100" b="1" dirty="0" err="1">
+                  <a:rPr lang="it-IT" sz="1300" b="1" dirty="0" err="1">
                     <a:solidFill>
                       <a:srgbClr val="000080"/>
                     </a:solidFill>
@@ -5926,13 +5928,13 @@
                   <a:t>.</a:t>
                 </a:r>
                 <a:r>
-                  <a:rPr lang="it-IT" sz="1100" dirty="0" err="1">
+                  <a:rPr lang="it-IT" sz="1300" dirty="0" err="1">
                     <a:latin typeface="Courier New"/>
                   </a:rPr>
                   <a:t>extract_proposal_bbox</a:t>
                 </a:r>
                 <a:r>
-                  <a:rPr lang="it-IT" sz="1100" b="1" dirty="0" smtClean="0">
+                  <a:rPr lang="it-IT" sz="1300" b="1" dirty="0" smtClean="0">
                     <a:solidFill>
                       <a:srgbClr val="000080"/>
                     </a:solidFill>
@@ -6008,7 +6010,7 @@
             </p:txBody>
           </p:sp>
         </mc:Choice>
-        <mc:Fallback xmlns="">
+        <mc:Fallback>
           <p:sp>
             <p:nvSpPr>
               <p:cNvPr id="3" name="Segnaposto contenuto 2"/>
@@ -6023,7 +6025,7 @@
               <a:blipFill rotWithShape="1">
                 <a:blip r:embed="rId2"/>
                 <a:stretch>
-                  <a:fillRect l="-81" t="-824" b="-137"/>
+                  <a:fillRect l="-81" t="-824"/>
                 </a:stretch>
               </a:blipFill>
             </p:spPr>
@@ -6179,7 +6181,7 @@
               <a:buNone/>
             </a:pPr>
             <a:r>
-              <a:rPr lang="en-US" sz="800" dirty="0" smtClean="0">
+              <a:rPr lang="en-US" sz="900" dirty="0" smtClean="0">
                 <a:solidFill>
                   <a:srgbClr val="008000"/>
                 </a:solidFill>
@@ -6188,7 +6190,7 @@
               <a:t># </a:t>
             </a:r>
             <a:r>
-              <a:rPr lang="en-US" sz="800" dirty="0">
+              <a:rPr lang="en-US" sz="900" dirty="0">
                 <a:solidFill>
                   <a:srgbClr val="008000"/>
                 </a:solidFill>
@@ -6196,7 +6198,7 @@
               </a:rPr>
               <a:t>get next depth frame (11-bit precision)</a:t>
             </a:r>
-            <a:endParaRPr lang="en-US" sz="800" dirty="0"/>
+            <a:endParaRPr lang="en-US" sz="900" dirty="0"/>
           </a:p>
           <a:p>
             <a:pPr marL="684000" lvl="2" indent="0">
@@ -6206,13 +6208,13 @@
               <a:buNone/>
             </a:pPr>
             <a:r>
-              <a:rPr lang="it-IT" sz="800" dirty="0" err="1">
+              <a:rPr lang="it-IT" sz="900" dirty="0" err="1">
                 <a:latin typeface="Courier New"/>
               </a:rPr>
               <a:t>depth</a:t>
             </a:r>
             <a:r>
-              <a:rPr lang="it-IT" sz="800" b="1" dirty="0" err="1">
+              <a:rPr lang="it-IT" sz="900" b="1" dirty="0" err="1">
                 <a:solidFill>
                   <a:srgbClr val="000080"/>
                 </a:solidFill>
@@ -6221,19 +6223,19 @@
               <a:t>.</a:t>
             </a:r>
             <a:r>
-              <a:rPr lang="it-IT" sz="800" dirty="0" err="1">
+              <a:rPr lang="it-IT" sz="900" dirty="0" err="1">
                 <a:latin typeface="Courier New"/>
               </a:rPr>
               <a:t>current_frame</a:t>
             </a:r>
             <a:r>
-              <a:rPr lang="it-IT" sz="800" dirty="0">
+              <a:rPr lang="it-IT" sz="900" dirty="0">
                 <a:latin typeface="Courier New"/>
               </a:rPr>
               <a:t> </a:t>
             </a:r>
             <a:r>
-              <a:rPr lang="it-IT" sz="800" b="1" dirty="0">
+              <a:rPr lang="it-IT" sz="900" b="1" dirty="0">
                 <a:solidFill>
                   <a:srgbClr val="000080"/>
                 </a:solidFill>
@@ -6242,19 +6244,19 @@
               <a:t>=</a:t>
             </a:r>
             <a:r>
-              <a:rPr lang="it-IT" sz="800" dirty="0">
+              <a:rPr lang="it-IT" sz="900" dirty="0">
                 <a:latin typeface="Courier New"/>
               </a:rPr>
               <a:t> </a:t>
             </a:r>
             <a:r>
-              <a:rPr lang="it-IT" sz="800" dirty="0" err="1">
+              <a:rPr lang="it-IT" sz="900" dirty="0" err="1">
                 <a:latin typeface="Courier New"/>
               </a:rPr>
               <a:t>cam</a:t>
             </a:r>
             <a:r>
-              <a:rPr lang="it-IT" sz="800" b="1" dirty="0" err="1">
+              <a:rPr lang="it-IT" sz="900" b="1" dirty="0" err="1">
                 <a:solidFill>
                   <a:srgbClr val="000080"/>
                 </a:solidFill>
@@ -6263,13 +6265,13 @@
               <a:t>.</a:t>
             </a:r>
             <a:r>
-              <a:rPr lang="it-IT" sz="800" dirty="0" err="1">
+              <a:rPr lang="it-IT" sz="900" dirty="0" err="1">
                 <a:latin typeface="Courier New"/>
               </a:rPr>
               <a:t>get_depth_matrix</a:t>
             </a:r>
             <a:r>
-              <a:rPr lang="it-IT" sz="800" b="1" dirty="0" smtClean="0">
+              <a:rPr lang="it-IT" sz="900" b="1" dirty="0" smtClean="0">
                 <a:solidFill>
                   <a:srgbClr val="000080"/>
                 </a:solidFill>
@@ -6277,7 +6279,7 @@
               </a:rPr>
               <a:t>()</a:t>
             </a:r>
-            <a:endParaRPr lang="it-IT" sz="800" dirty="0" smtClean="0">
+            <a:endParaRPr lang="it-IT" sz="900" dirty="0" smtClean="0">
               <a:latin typeface="Courier New"/>
             </a:endParaRPr>
           </a:p>
@@ -6289,13 +6291,13 @@
               <a:buNone/>
             </a:pPr>
             <a:r>
-              <a:rPr lang="it-IT" sz="800" dirty="0" err="1" smtClean="0">
+              <a:rPr lang="it-IT" sz="900" dirty="0" err="1" smtClean="0">
                 <a:latin typeface="Courier New"/>
               </a:rPr>
               <a:t>depth</a:t>
             </a:r>
             <a:r>
-              <a:rPr lang="it-IT" sz="800" b="1" dirty="0" err="1" smtClean="0">
+              <a:rPr lang="it-IT" sz="900" b="1" dirty="0" err="1" smtClean="0">
                 <a:solidFill>
                   <a:srgbClr val="000080"/>
                 </a:solidFill>
@@ -6304,19 +6306,19 @@
               <a:t>.</a:t>
             </a:r>
             <a:r>
-              <a:rPr lang="it-IT" sz="800" dirty="0" err="1" smtClean="0">
+              <a:rPr lang="it-IT" sz="900" dirty="0" err="1" smtClean="0">
                 <a:latin typeface="Courier New"/>
               </a:rPr>
               <a:t>current_frame_holes</a:t>
             </a:r>
             <a:r>
-              <a:rPr lang="it-IT" sz="800" dirty="0" smtClean="0">
+              <a:rPr lang="it-IT" sz="900" dirty="0" smtClean="0">
                 <a:latin typeface="Courier New"/>
               </a:rPr>
               <a:t> </a:t>
             </a:r>
             <a:r>
-              <a:rPr lang="it-IT" sz="800" b="1" dirty="0">
+              <a:rPr lang="it-IT" sz="900" b="1" dirty="0">
                 <a:solidFill>
                   <a:srgbClr val="000080"/>
                 </a:solidFill>
@@ -6325,19 +6327,19 @@
               <a:t>=</a:t>
             </a:r>
             <a:r>
-              <a:rPr lang="it-IT" sz="800" dirty="0">
+              <a:rPr lang="it-IT" sz="900" dirty="0">
                 <a:latin typeface="Courier New"/>
               </a:rPr>
               <a:t> </a:t>
             </a:r>
             <a:r>
-              <a:rPr lang="it-IT" sz="800" dirty="0" err="1">
+              <a:rPr lang="it-IT" sz="900" dirty="0" err="1">
                 <a:latin typeface="Courier New"/>
               </a:rPr>
               <a:t>bg_models</a:t>
             </a:r>
             <a:r>
-              <a:rPr lang="it-IT" sz="800" b="1" dirty="0" err="1">
+              <a:rPr lang="it-IT" sz="900" b="1" dirty="0" err="1">
                 <a:solidFill>
                   <a:srgbClr val="000080"/>
                 </a:solidFill>
@@ -6346,13 +6348,13 @@
               <a:t>.</a:t>
             </a:r>
             <a:r>
-              <a:rPr lang="it-IT" sz="800" dirty="0" err="1">
+              <a:rPr lang="it-IT" sz="900" dirty="0" err="1">
                 <a:latin typeface="Courier New"/>
               </a:rPr>
               <a:t>compute_holes_mask_in_frame</a:t>
             </a:r>
             <a:r>
-              <a:rPr lang="it-IT" sz="800" b="1" dirty="0">
+              <a:rPr lang="it-IT" sz="900" b="1" dirty="0">
                 <a:solidFill>
                   <a:srgbClr val="000080"/>
                 </a:solidFill>
@@ -6361,13 +6363,13 @@
               <a:t>(</a:t>
             </a:r>
             <a:r>
-              <a:rPr lang="it-IT" sz="800" dirty="0" err="1">
+              <a:rPr lang="it-IT" sz="900" dirty="0" err="1">
                 <a:latin typeface="Courier New"/>
               </a:rPr>
               <a:t>depth</a:t>
             </a:r>
             <a:r>
-              <a:rPr lang="it-IT" sz="800" b="1" dirty="0" err="1">
+              <a:rPr lang="it-IT" sz="900" b="1" dirty="0" err="1">
                 <a:solidFill>
                   <a:srgbClr val="000080"/>
                 </a:solidFill>
@@ -6376,13 +6378,13 @@
               <a:t>.</a:t>
             </a:r>
             <a:r>
-              <a:rPr lang="it-IT" sz="800" dirty="0" err="1">
+              <a:rPr lang="it-IT" sz="900" dirty="0" err="1">
                 <a:latin typeface="Courier New"/>
               </a:rPr>
               <a:t>current_frame</a:t>
             </a:r>
             <a:r>
-              <a:rPr lang="it-IT" sz="800" b="1" dirty="0">
+              <a:rPr lang="it-IT" sz="900" b="1" dirty="0">
                 <a:solidFill>
                   <a:srgbClr val="000080"/>
                 </a:solidFill>
@@ -6390,7 +6392,72 @@
               </a:rPr>
               <a:t>)</a:t>
             </a:r>
-            <a:endParaRPr lang="it-IT" sz="800" dirty="0"/>
+            <a:endParaRPr lang="it-IT" sz="900" dirty="0"/>
+          </a:p>
+          <a:p>
+            <a:pPr marL="684000" lvl="2" indent="0">
+              <a:spcBef>
+                <a:spcPts val="600"/>
+              </a:spcBef>
+              <a:buNone/>
+            </a:pPr>
+            <a:r>
+              <a:rPr lang="it-IT" sz="900" dirty="0" smtClean="0">
+                <a:solidFill>
+                  <a:srgbClr val="008000"/>
+                </a:solidFill>
+                <a:latin typeface="Courier New"/>
+              </a:rPr>
+              <a:t># </a:t>
+            </a:r>
+            <a:r>
+              <a:rPr lang="it-IT" sz="900" dirty="0" err="1">
+                <a:solidFill>
+                  <a:srgbClr val="008000"/>
+                </a:solidFill>
+                <a:latin typeface="Courier New"/>
+              </a:rPr>
+              <a:t>get</a:t>
+            </a:r>
+            <a:r>
+              <a:rPr lang="it-IT" sz="900" dirty="0">
+                <a:solidFill>
+                  <a:srgbClr val="008000"/>
+                </a:solidFill>
+                <a:latin typeface="Courier New"/>
+              </a:rPr>
+              <a:t> </a:t>
+            </a:r>
+            <a:r>
+              <a:rPr lang="it-IT" sz="900" dirty="0" err="1">
+                <a:solidFill>
+                  <a:srgbClr val="008000"/>
+                </a:solidFill>
+                <a:latin typeface="Courier New"/>
+              </a:rPr>
+              <a:t>depth</a:t>
+            </a:r>
+            <a:r>
+              <a:rPr lang="it-IT" sz="900" dirty="0">
+                <a:solidFill>
+                  <a:srgbClr val="008000"/>
+                </a:solidFill>
+                <a:latin typeface="Courier New"/>
+              </a:rPr>
+              <a:t> </a:t>
+            </a:r>
+            <a:r>
+              <a:rPr lang="it-IT" sz="900" dirty="0" smtClean="0">
+                <a:solidFill>
+                  <a:srgbClr val="008000"/>
+                </a:solidFill>
+                <a:latin typeface="Courier New"/>
+              </a:rPr>
+              <a:t>background</a:t>
+            </a:r>
+            <a:endParaRPr lang="it-IT" sz="900" dirty="0" smtClean="0">
+              <a:latin typeface="Courier New"/>
+            </a:endParaRPr>
           </a:p>
           <a:p>
             <a:pPr marL="684000" lvl="2" indent="0">
@@ -6399,7 +6466,168 @@
               </a:spcBef>
               <a:buNone/>
             </a:pPr>
-            <a:endParaRPr lang="it-IT" sz="800" dirty="0" smtClean="0">
+            <a:r>
+              <a:rPr lang="it-IT" sz="900" dirty="0" err="1" smtClean="0">
+                <a:latin typeface="Courier New"/>
+              </a:rPr>
+              <a:t>depth</a:t>
+            </a:r>
+            <a:r>
+              <a:rPr lang="it-IT" sz="900" b="1" dirty="0" err="1" smtClean="0">
+                <a:solidFill>
+                  <a:srgbClr val="000080"/>
+                </a:solidFill>
+                <a:latin typeface="Courier New"/>
+              </a:rPr>
+              <a:t>.</a:t>
+            </a:r>
+            <a:r>
+              <a:rPr lang="it-IT" sz="900" dirty="0" err="1" smtClean="0">
+                <a:latin typeface="Courier New"/>
+              </a:rPr>
+              <a:t>update_background_model</a:t>
+            </a:r>
+            <a:r>
+              <a:rPr lang="it-IT" sz="900" b="1" dirty="0" smtClean="0">
+                <a:solidFill>
+                  <a:srgbClr val="000080"/>
+                </a:solidFill>
+                <a:latin typeface="Courier New"/>
+              </a:rPr>
+              <a:t>(</a:t>
+            </a:r>
+            <a:r>
+              <a:rPr lang="it-IT" sz="900" dirty="0" err="1" smtClean="0">
+                <a:latin typeface="Courier New"/>
+              </a:rPr>
+              <a:t>depth</a:t>
+            </a:r>
+            <a:r>
+              <a:rPr lang="it-IT" sz="900" b="1" dirty="0" err="1" smtClean="0">
+                <a:solidFill>
+                  <a:srgbClr val="000080"/>
+                </a:solidFill>
+                <a:latin typeface="Courier New"/>
+              </a:rPr>
+              <a:t>.</a:t>
+            </a:r>
+            <a:r>
+              <a:rPr lang="it-IT" sz="900" dirty="0" err="1" smtClean="0">
+                <a:latin typeface="Courier New"/>
+              </a:rPr>
+              <a:t>current_frame</a:t>
+            </a:r>
+            <a:r>
+              <a:rPr lang="it-IT" sz="900" b="1" dirty="0">
+                <a:solidFill>
+                  <a:srgbClr val="000080"/>
+                </a:solidFill>
+                <a:latin typeface="Courier New"/>
+              </a:rPr>
+              <a:t>,</a:t>
+            </a:r>
+            <a:r>
+              <a:rPr lang="it-IT" sz="900" dirty="0">
+                <a:latin typeface="Courier New"/>
+              </a:rPr>
+              <a:t> </a:t>
+            </a:r>
+            <a:r>
+              <a:rPr lang="it-IT" sz="900" dirty="0" err="1">
+                <a:latin typeface="Courier New"/>
+              </a:rPr>
+              <a:t>depth</a:t>
+            </a:r>
+            <a:r>
+              <a:rPr lang="it-IT" sz="900" b="1" dirty="0" err="1">
+                <a:solidFill>
+                  <a:srgbClr val="000080"/>
+                </a:solidFill>
+                <a:latin typeface="Courier New"/>
+              </a:rPr>
+              <a:t>.</a:t>
+            </a:r>
+            <a:r>
+              <a:rPr lang="it-IT" sz="900" dirty="0" err="1">
+                <a:latin typeface="Courier New"/>
+              </a:rPr>
+              <a:t>current_frame_holes</a:t>
+            </a:r>
+            <a:r>
+              <a:rPr lang="it-IT" sz="900" b="1" dirty="0" smtClean="0">
+                <a:solidFill>
+                  <a:srgbClr val="000080"/>
+                </a:solidFill>
+                <a:latin typeface="Courier New"/>
+              </a:rPr>
+              <a:t>)</a:t>
+            </a:r>
+            <a:endParaRPr lang="it-IT" sz="900" dirty="0" smtClean="0">
+              <a:latin typeface="Courier New"/>
+            </a:endParaRPr>
+          </a:p>
+          <a:p>
+            <a:pPr marL="684000" lvl="2" indent="0">
+              <a:spcBef>
+                <a:spcPts val="600"/>
+              </a:spcBef>
+              <a:buNone/>
+            </a:pPr>
+            <a:r>
+              <a:rPr lang="it-IT" sz="900" dirty="0" smtClean="0">
+                <a:solidFill>
+                  <a:srgbClr val="008000"/>
+                </a:solidFill>
+                <a:latin typeface="Courier New"/>
+              </a:rPr>
+              <a:t># </a:t>
+            </a:r>
+            <a:r>
+              <a:rPr lang="it-IT" sz="900" dirty="0" err="1">
+                <a:solidFill>
+                  <a:srgbClr val="008000"/>
+                </a:solidFill>
+                <a:latin typeface="Courier New"/>
+              </a:rPr>
+              <a:t>get</a:t>
+            </a:r>
+            <a:r>
+              <a:rPr lang="it-IT" sz="900" dirty="0">
+                <a:solidFill>
+                  <a:srgbClr val="008000"/>
+                </a:solidFill>
+                <a:latin typeface="Courier New"/>
+              </a:rPr>
+              <a:t> </a:t>
+            </a:r>
+            <a:r>
+              <a:rPr lang="it-IT" sz="900" dirty="0" err="1">
+                <a:solidFill>
+                  <a:srgbClr val="008000"/>
+                </a:solidFill>
+                <a:latin typeface="Courier New"/>
+              </a:rPr>
+              <a:t>depth</a:t>
+            </a:r>
+            <a:r>
+              <a:rPr lang="it-IT" sz="900" dirty="0">
+                <a:solidFill>
+                  <a:srgbClr val="008000"/>
+                </a:solidFill>
+                <a:latin typeface="Courier New"/>
+              </a:rPr>
+              <a:t> </a:t>
+            </a:r>
+            <a:r>
+              <a:rPr lang="it-IT" sz="900" dirty="0" err="1" smtClean="0">
+                <a:solidFill>
+                  <a:srgbClr val="008000"/>
+                </a:solidFill>
+                <a:latin typeface="Courier New"/>
+              </a:rPr>
+              <a:t>foreground</a:t>
+            </a:r>
+            <a:endParaRPr lang="it-IT" sz="900" dirty="0" smtClean="0">
               <a:solidFill>
                 <a:srgbClr val="008000"/>
               </a:solidFill>
@@ -6414,7 +6642,78 @@
               <a:buNone/>
             </a:pPr>
             <a:r>
-              <a:rPr lang="it-IT" sz="800" dirty="0" smtClean="0">
+              <a:rPr lang="it-IT" sz="900" dirty="0" err="1" smtClean="0">
+                <a:latin typeface="Courier New"/>
+              </a:rPr>
+              <a:t>depth</a:t>
+            </a:r>
+            <a:r>
+              <a:rPr lang="it-IT" sz="900" b="1" dirty="0" err="1" smtClean="0">
+                <a:solidFill>
+                  <a:srgbClr val="000080"/>
+                </a:solidFill>
+                <a:latin typeface="Courier New"/>
+              </a:rPr>
+              <a:t>.</a:t>
+            </a:r>
+            <a:r>
+              <a:rPr lang="it-IT" sz="900" dirty="0" err="1" smtClean="0">
+                <a:latin typeface="Courier New"/>
+              </a:rPr>
+              <a:t>extract_foreground_mask_from_run_avg</a:t>
+            </a:r>
+            <a:r>
+              <a:rPr lang="it-IT" sz="900" b="1" dirty="0" smtClean="0">
+                <a:solidFill>
+                  <a:srgbClr val="000080"/>
+                </a:solidFill>
+                <a:latin typeface="Courier New"/>
+              </a:rPr>
+              <a:t>(</a:t>
+            </a:r>
+            <a:r>
+              <a:rPr lang="it-IT" sz="900" dirty="0" err="1" smtClean="0">
+                <a:latin typeface="Courier New"/>
+              </a:rPr>
+              <a:t>depth</a:t>
+            </a:r>
+            <a:r>
+              <a:rPr lang="it-IT" sz="900" b="1" dirty="0" err="1" smtClean="0">
+                <a:solidFill>
+                  <a:srgbClr val="000080"/>
+                </a:solidFill>
+                <a:latin typeface="Courier New"/>
+              </a:rPr>
+              <a:t>.</a:t>
+            </a:r>
+            <a:r>
+              <a:rPr lang="it-IT" sz="900" dirty="0" err="1" smtClean="0">
+                <a:latin typeface="Courier New"/>
+              </a:rPr>
+              <a:t>current_frame</a:t>
+            </a:r>
+            <a:r>
+              <a:rPr lang="it-IT" sz="900" b="1" dirty="0" smtClean="0">
+                <a:solidFill>
+                  <a:srgbClr val="000080"/>
+                </a:solidFill>
+                <a:latin typeface="Courier New"/>
+              </a:rPr>
+              <a:t>)</a:t>
+            </a:r>
+            <a:endParaRPr lang="it-IT" sz="900" dirty="0" smtClean="0">
+              <a:latin typeface="Courier New"/>
+            </a:endParaRPr>
+          </a:p>
+          <a:p>
+            <a:pPr marL="684000" lvl="2" indent="0">
+              <a:spcBef>
+                <a:spcPts val="600"/>
+              </a:spcBef>
+              <a:buNone/>
+            </a:pPr>
+            <a:r>
+              <a:rPr lang="it-IT" sz="900" dirty="0" smtClean="0">
                 <a:solidFill>
                   <a:srgbClr val="008000"/>
                 </a:solidFill>
@@ -6423,51 +6722,51 @@
               <a:t># </a:t>
             </a:r>
             <a:r>
-              <a:rPr lang="it-IT" sz="800" dirty="0" err="1">
+              <a:rPr lang="it-IT" sz="900" dirty="0" err="1">
                 <a:solidFill>
                   <a:srgbClr val="008000"/>
                 </a:solidFill>
                 <a:latin typeface="Courier New"/>
               </a:rPr>
-              <a:t>get</a:t>
-            </a:r>
-            <a:r>
-              <a:rPr lang="it-IT" sz="800" dirty="0">
+              <a:t>apply</a:t>
+            </a:r>
+            <a:r>
+              <a:rPr lang="it-IT" sz="900" dirty="0">
                 <a:solidFill>
                   <a:srgbClr val="008000"/>
                 </a:solidFill>
                 <a:latin typeface="Courier New"/>
               </a:rPr>
+              <a:t> opening to </a:t>
+            </a:r>
+            <a:r>
+              <a:rPr lang="it-IT" sz="900" dirty="0" err="1">
+                <a:solidFill>
+                  <a:srgbClr val="008000"/>
+                </a:solidFill>
+                <a:latin typeface="Courier New"/>
+              </a:rPr>
+              <a:t>remove</a:t>
+            </a:r>
+            <a:r>
+              <a:rPr lang="it-IT" sz="900" dirty="0">
+                <a:solidFill>
+                  <a:srgbClr val="008000"/>
+                </a:solidFill>
+                <a:latin typeface="Courier New"/>
+              </a:rPr>
               <a:t> </a:t>
             </a:r>
             <a:r>
-              <a:rPr lang="it-IT" sz="800" dirty="0" err="1">
+              <a:rPr lang="it-IT" sz="900" dirty="0" err="1" smtClean="0">
                 <a:solidFill>
                   <a:srgbClr val="008000"/>
                 </a:solidFill>
                 <a:latin typeface="Courier New"/>
               </a:rPr>
-              <a:t>depth</a:t>
-            </a:r>
-            <a:r>
-              <a:rPr lang="it-IT" sz="800" dirty="0">
-                <a:solidFill>
-                  <a:srgbClr val="008000"/>
-                </a:solidFill>
-                <a:latin typeface="Courier New"/>
-              </a:rPr>
-              <a:t> </a:t>
-            </a:r>
-            <a:r>
-              <a:rPr lang="it-IT" sz="800" dirty="0" smtClean="0">
-                <a:solidFill>
-                  <a:srgbClr val="008000"/>
-                </a:solidFill>
-                <a:latin typeface="Courier New"/>
-              </a:rPr>
-              <a:t>background</a:t>
-            </a:r>
-            <a:endParaRPr lang="it-IT" sz="800" dirty="0" smtClean="0">
+              <a:t>noise</a:t>
+            </a:r>
+            <a:endParaRPr lang="it-IT" sz="900" dirty="0" smtClean="0">
               <a:latin typeface="Courier New"/>
             </a:endParaRPr>
           </a:p>
@@ -6479,13 +6778,13 @@
               <a:buNone/>
             </a:pPr>
             <a:r>
-              <a:rPr lang="it-IT" sz="800" dirty="0" err="1" smtClean="0">
+              <a:rPr lang="it-IT" sz="900" dirty="0" err="1" smtClean="0">
                 <a:latin typeface="Courier New"/>
               </a:rPr>
               <a:t>depth</a:t>
             </a:r>
             <a:r>
-              <a:rPr lang="it-IT" sz="800" b="1" dirty="0" err="1" smtClean="0">
+              <a:rPr lang="it-IT" sz="900" b="1" dirty="0" err="1" smtClean="0">
                 <a:solidFill>
                   <a:srgbClr val="000080"/>
                 </a:solidFill>
@@ -6494,28 +6793,70 @@
               <a:t>.</a:t>
             </a:r>
             <a:r>
-              <a:rPr lang="it-IT" sz="800" dirty="0" err="1" smtClean="0">
+              <a:rPr lang="it-IT" sz="900" dirty="0" err="1" smtClean="0">
                 <a:latin typeface="Courier New"/>
               </a:rPr>
-              <a:t>update_background_model</a:t>
-            </a:r>
-            <a:r>
-              <a:rPr lang="it-IT" sz="800" b="1" dirty="0" smtClean="0">
+              <a:t>foreground_mask</a:t>
+            </a:r>
+            <a:r>
+              <a:rPr lang="it-IT" sz="900" dirty="0" smtClean="0">
+                <a:latin typeface="Courier New"/>
+              </a:rPr>
+              <a:t> </a:t>
+            </a:r>
+            <a:r>
+              <a:rPr lang="it-IT" sz="900" b="1" dirty="0">
                 <a:solidFill>
                   <a:srgbClr val="000080"/>
                 </a:solidFill>
                 <a:latin typeface="Courier New"/>
               </a:rPr>
+              <a:t>=</a:t>
+            </a:r>
+            <a:r>
+              <a:rPr lang="it-IT" sz="900" dirty="0">
+                <a:latin typeface="Courier New"/>
+              </a:rPr>
+              <a:t> </a:t>
+            </a:r>
+            <a:r>
+              <a:rPr lang="it-IT" sz="900" dirty="0" err="1">
+                <a:latin typeface="Courier New"/>
+              </a:rPr>
+              <a:t>bg_models</a:t>
+            </a:r>
+            <a:r>
+              <a:rPr lang="it-IT" sz="900" b="1" dirty="0" err="1">
+                <a:solidFill>
+                  <a:srgbClr val="000080"/>
+                </a:solidFill>
+                <a:latin typeface="Courier New"/>
+              </a:rPr>
+              <a:t>.</a:t>
+            </a:r>
+            <a:r>
+              <a:rPr lang="it-IT" sz="900" dirty="0" err="1">
+                <a:latin typeface="Courier New"/>
+              </a:rPr>
+              <a:t>apply_opening</a:t>
+            </a:r>
+            <a:r>
+              <a:rPr lang="it-IT" sz="900" b="1" dirty="0">
+                <a:solidFill>
+                  <a:srgbClr val="000080"/>
+                </a:solidFill>
+                <a:latin typeface="Courier New"/>
+              </a:rPr>
               <a:t>(</a:t>
             </a:r>
             <a:r>
-              <a:rPr lang="it-IT" sz="800" dirty="0" err="1" smtClean="0">
+              <a:rPr lang="it-IT" sz="900" dirty="0" err="1">
                 <a:latin typeface="Courier New"/>
               </a:rPr>
               <a:t>depth</a:t>
             </a:r>
             <a:r>
-              <a:rPr lang="it-IT" sz="800" b="1" dirty="0" err="1" smtClean="0">
+              <a:rPr lang="it-IT" sz="900" b="1" dirty="0" err="1">
                 <a:solidFill>
                   <a:srgbClr val="000080"/>
                 </a:solidFill>
@@ -6524,13 +6865,13 @@
               <a:t>.</a:t>
             </a:r>
             <a:r>
-              <a:rPr lang="it-IT" sz="800" dirty="0" err="1" smtClean="0">
+              <a:rPr lang="it-IT" sz="900" dirty="0" err="1">
                 <a:latin typeface="Courier New"/>
               </a:rPr>
-              <a:t>current_frame</a:t>
-            </a:r>
-            <a:r>
-              <a:rPr lang="it-IT" sz="800" b="1" dirty="0">
+              <a:t>foreground_mask</a:t>
+            </a:r>
+            <a:r>
+              <a:rPr lang="it-IT" sz="900" b="1" dirty="0">
                 <a:solidFill>
                   <a:srgbClr val="000080"/>
                 </a:solidFill>
@@ -6539,19 +6880,34 @@
               <a:t>,</a:t>
             </a:r>
             <a:r>
-              <a:rPr lang="it-IT" sz="800" dirty="0">
+              <a:rPr lang="it-IT" sz="900" dirty="0">
                 <a:latin typeface="Courier New"/>
               </a:rPr>
+              <a:t> BG_OPEN_KSIZE</a:t>
+            </a:r>
+            <a:r>
+              <a:rPr lang="it-IT" sz="900" b="1" dirty="0">
+                <a:solidFill>
+                  <a:srgbClr val="000080"/>
+                </a:solidFill>
+                <a:latin typeface="Courier New"/>
+              </a:rPr>
+              <a:t>,</a:t>
+            </a:r>
+            <a:r>
+              <a:rPr lang="it-IT" sz="900" dirty="0">
+                <a:latin typeface="Courier New"/>
+              </a:rPr>
               <a:t> </a:t>
             </a:r>
             <a:r>
-              <a:rPr lang="it-IT" sz="800" dirty="0" err="1">
+              <a:rPr lang="it-IT" sz="900" dirty="0" smtClean="0">
                 <a:latin typeface="Courier New"/>
               </a:rPr>
-              <a:t>depth</a:t>
-            </a:r>
-            <a:r>
-              <a:rPr lang="it-IT" sz="800" b="1" dirty="0" err="1">
+              <a:t>												cv2</a:t>
+            </a:r>
+            <a:r>
+              <a:rPr lang="it-IT" sz="900" b="1" dirty="0" smtClean="0">
                 <a:solidFill>
                   <a:srgbClr val="000080"/>
                 </a:solidFill>
@@ -6560,13 +6916,13 @@
               <a:t>.</a:t>
             </a:r>
             <a:r>
-              <a:rPr lang="it-IT" sz="800" dirty="0" err="1">
+              <a:rPr lang="it-IT" sz="900" dirty="0" smtClean="0">
                 <a:latin typeface="Courier New"/>
               </a:rPr>
-              <a:t>current_frame_holes</a:t>
-            </a:r>
-            <a:r>
-              <a:rPr lang="it-IT" sz="800" b="1" dirty="0" smtClean="0">
+              <a:t>MORPH_ELLIPSE</a:t>
+            </a:r>
+            <a:r>
+              <a:rPr lang="it-IT" sz="900" b="1" dirty="0" smtClean="0">
                 <a:solidFill>
                   <a:srgbClr val="000080"/>
                 </a:solidFill>
@@ -6574,7 +6930,7 @@
               </a:rPr>
               <a:t>)</a:t>
             </a:r>
-            <a:endParaRPr lang="it-IT" sz="800" dirty="0" smtClean="0">
+            <a:endParaRPr lang="it-IT" sz="900" dirty="0">
               <a:latin typeface="Courier New"/>
             </a:endParaRPr>
           </a:p>
@@ -6585,10 +6941,174 @@
               </a:spcBef>
               <a:buNone/>
             </a:pPr>
-            <a:endParaRPr lang="it-IT" sz="800" dirty="0">
-              <a:solidFill>
-                <a:srgbClr val="008000"/>
-              </a:solidFill>
+            <a:r>
+              <a:rPr lang="it-IT" sz="900" dirty="0" err="1" smtClean="0">
+                <a:latin typeface="Courier New"/>
+              </a:rPr>
+              <a:t>depth_proposal_bbox</a:t>
+            </a:r>
+            <a:r>
+              <a:rPr lang="it-IT" sz="900" dirty="0" smtClean="0">
+                <a:latin typeface="Courier New"/>
+              </a:rPr>
+              <a:t> </a:t>
+            </a:r>
+            <a:r>
+              <a:rPr lang="it-IT" sz="900" b="1" dirty="0">
+                <a:solidFill>
+                  <a:srgbClr val="000080"/>
+                </a:solidFill>
+                <a:latin typeface="Courier New"/>
+              </a:rPr>
+              <a:t>=</a:t>
+            </a:r>
+            <a:r>
+              <a:rPr lang="it-IT" sz="900" dirty="0">
+                <a:latin typeface="Courier New"/>
+              </a:rPr>
+              <a:t> </a:t>
+            </a:r>
+            <a:r>
+              <a:rPr lang="it-IT" sz="900" dirty="0" err="1">
+                <a:latin typeface="Courier New"/>
+              </a:rPr>
+              <a:t>depth</a:t>
+            </a:r>
+            <a:r>
+              <a:rPr lang="it-IT" sz="900" b="1" dirty="0" err="1">
+                <a:solidFill>
+                  <a:srgbClr val="000080"/>
+                </a:solidFill>
+                <a:latin typeface="Courier New"/>
+              </a:rPr>
+              <a:t>.</a:t>
+            </a:r>
+            <a:r>
+              <a:rPr lang="it-IT" sz="900" dirty="0" err="1">
+                <a:latin typeface="Courier New"/>
+              </a:rPr>
+              <a:t>extract_proposal_bbox</a:t>
+            </a:r>
+            <a:r>
+              <a:rPr lang="it-IT" sz="900" b="1" dirty="0">
+                <a:solidFill>
+                  <a:srgbClr val="000080"/>
+                </a:solidFill>
+                <a:latin typeface="Courier New"/>
+              </a:rPr>
+              <a:t>(</a:t>
+            </a:r>
+            <a:r>
+              <a:rPr lang="it-IT" sz="900" dirty="0" err="1">
+                <a:latin typeface="Courier New"/>
+              </a:rPr>
+              <a:t>depth</a:t>
+            </a:r>
+            <a:r>
+              <a:rPr lang="it-IT" sz="900" b="1" dirty="0" err="1">
+                <a:solidFill>
+                  <a:srgbClr val="000080"/>
+                </a:solidFill>
+                <a:latin typeface="Courier New"/>
+              </a:rPr>
+              <a:t>.</a:t>
+            </a:r>
+            <a:r>
+              <a:rPr lang="it-IT" sz="900" dirty="0" err="1">
+                <a:latin typeface="Courier New"/>
+              </a:rPr>
+              <a:t>ACCUMULATOR</a:t>
+            </a:r>
+            <a:r>
+              <a:rPr lang="it-IT" sz="900" b="1" dirty="0" smtClean="0">
+                <a:solidFill>
+                  <a:srgbClr val="000080"/>
+                </a:solidFill>
+                <a:latin typeface="Courier New"/>
+              </a:rPr>
+              <a:t>)</a:t>
+            </a:r>
+          </a:p>
+          <a:p>
+            <a:pPr marL="684000" lvl="2" indent="0">
+              <a:spcBef>
+                <a:spcPts val="600"/>
+              </a:spcBef>
+              <a:buNone/>
+            </a:pPr>
+            <a:r>
+              <a:rPr lang="it-IT" sz="900" dirty="0" smtClean="0">
+                <a:solidFill>
+                  <a:srgbClr val="008000"/>
+                </a:solidFill>
+                <a:latin typeface="Courier New"/>
+              </a:rPr>
+              <a:t># </a:t>
+            </a:r>
+            <a:r>
+              <a:rPr lang="it-IT" sz="900" dirty="0" err="1">
+                <a:solidFill>
+                  <a:srgbClr val="008000"/>
+                </a:solidFill>
+                <a:latin typeface="Courier New"/>
+              </a:rPr>
+              <a:t>cut</a:t>
+            </a:r>
+            <a:r>
+              <a:rPr lang="it-IT" sz="900" dirty="0">
+                <a:solidFill>
+                  <a:srgbClr val="008000"/>
+                </a:solidFill>
+                <a:latin typeface="Courier New"/>
+              </a:rPr>
+              <a:t> </a:t>
+            </a:r>
+            <a:r>
+              <a:rPr lang="it-IT" sz="900" dirty="0" err="1">
+                <a:solidFill>
+                  <a:srgbClr val="008000"/>
+                </a:solidFill>
+                <a:latin typeface="Courier New"/>
+              </a:rPr>
+              <a:t>foreground</a:t>
+            </a:r>
+            <a:r>
+              <a:rPr lang="it-IT" sz="900" dirty="0">
+                <a:solidFill>
+                  <a:srgbClr val="008000"/>
+                </a:solidFill>
+                <a:latin typeface="Courier New"/>
+              </a:rPr>
+              <a:t> with </a:t>
+            </a:r>
+            <a:r>
+              <a:rPr lang="it-IT" sz="900" dirty="0" err="1">
+                <a:solidFill>
+                  <a:srgbClr val="008000"/>
+                </a:solidFill>
+                <a:latin typeface="Courier New"/>
+              </a:rPr>
+              <a:t>real</a:t>
+            </a:r>
+            <a:r>
+              <a:rPr lang="it-IT" sz="900" dirty="0">
+                <a:solidFill>
+                  <a:srgbClr val="008000"/>
+                </a:solidFill>
+                <a:latin typeface="Courier New"/>
+              </a:rPr>
+              <a:t> </a:t>
+            </a:r>
+            <a:r>
+              <a:rPr lang="it-IT" sz="900" dirty="0" err="1" smtClean="0">
+                <a:solidFill>
+                  <a:srgbClr val="008000"/>
+                </a:solidFill>
+                <a:latin typeface="Courier New"/>
+              </a:rPr>
+              <a:t>values</a:t>
+            </a:r>
+            <a:endParaRPr lang="it-IT" sz="900" dirty="0" smtClean="0">
               <a:latin typeface="Courier New"/>
             </a:endParaRPr>
           </a:p>
@@ -6600,692 +7120,129 @@
               <a:buNone/>
             </a:pPr>
             <a:r>
-              <a:rPr lang="it-IT" sz="800" dirty="0" smtClean="0">
-                <a:solidFill>
-                  <a:srgbClr val="008000"/>
-                </a:solidFill>
+              <a:rPr lang="it-IT" sz="900" dirty="0" err="1" smtClean="0">
                 <a:latin typeface="Courier New"/>
               </a:rPr>
-              <a:t># </a:t>
-            </a:r>
-            <a:r>
-              <a:rPr lang="it-IT" sz="800" dirty="0" err="1">
-                <a:solidFill>
-                  <a:srgbClr val="008000"/>
-                </a:solidFill>
+              <a:t>foreground_depth_proposal</a:t>
+            </a:r>
+            <a:r>
+              <a:rPr lang="it-IT" sz="900" dirty="0" smtClean="0">
                 <a:latin typeface="Courier New"/>
               </a:rPr>
-              <a:t>get</a:t>
-            </a:r>
-            <a:r>
-              <a:rPr lang="it-IT" sz="800" dirty="0">
-                <a:solidFill>
-                  <a:srgbClr val="008000"/>
+              <a:t> </a:t>
+            </a:r>
+            <a:r>
+              <a:rPr lang="it-IT" sz="900" b="1" dirty="0">
+                <a:solidFill>
+                  <a:srgbClr val="000080"/>
                 </a:solidFill>
                 <a:latin typeface="Courier New"/>
               </a:rPr>
+              <a:t>=</a:t>
+            </a:r>
+            <a:r>
+              <a:rPr lang="it-IT" sz="900" dirty="0">
+                <a:latin typeface="Courier New"/>
+              </a:rPr>
               <a:t> </a:t>
             </a:r>
             <a:r>
-              <a:rPr lang="it-IT" sz="800" dirty="0" err="1">
-                <a:solidFill>
-                  <a:srgbClr val="008000"/>
-                </a:solidFill>
+              <a:rPr lang="it-IT" sz="900" dirty="0" err="1">
                 <a:latin typeface="Courier New"/>
               </a:rPr>
+              <a:t>bg_models</a:t>
+            </a:r>
+            <a:r>
+              <a:rPr lang="it-IT" sz="900" b="1" dirty="0" err="1">
+                <a:solidFill>
+                  <a:srgbClr val="000080"/>
+                </a:solidFill>
+                <a:latin typeface="Courier New"/>
+              </a:rPr>
+              <a:t>.</a:t>
+            </a:r>
+            <a:r>
+              <a:rPr lang="it-IT" sz="900" dirty="0" err="1">
+                <a:latin typeface="Courier New"/>
+              </a:rPr>
+              <a:t>cut_foreground</a:t>
+            </a:r>
+            <a:r>
+              <a:rPr lang="it-IT" sz="900" b="1" dirty="0">
+                <a:solidFill>
+                  <a:srgbClr val="000080"/>
+                </a:solidFill>
+                <a:latin typeface="Courier New"/>
+              </a:rPr>
+              <a:t>(</a:t>
+            </a:r>
+            <a:r>
+              <a:rPr lang="it-IT" sz="900" dirty="0" err="1">
+                <a:latin typeface="Courier New"/>
+              </a:rPr>
               <a:t>depth</a:t>
             </a:r>
             <a:r>
-              <a:rPr lang="it-IT" sz="800" dirty="0">
-                <a:solidFill>
-                  <a:srgbClr val="008000"/>
+              <a:rPr lang="it-IT" sz="900" b="1" dirty="0" err="1">
+                <a:solidFill>
+                  <a:srgbClr val="000080"/>
                 </a:solidFill>
                 <a:latin typeface="Courier New"/>
               </a:rPr>
+              <a:t>.</a:t>
+            </a:r>
+            <a:r>
+              <a:rPr lang="it-IT" sz="900" dirty="0" err="1">
+                <a:latin typeface="Courier New"/>
+              </a:rPr>
+              <a:t>current_frame</a:t>
+            </a:r>
+            <a:r>
+              <a:rPr lang="it-IT" sz="900" b="1" dirty="0">
+                <a:solidFill>
+                  <a:srgbClr val="000080"/>
+                </a:solidFill>
+                <a:latin typeface="Courier New"/>
+              </a:rPr>
+              <a:t>,</a:t>
+            </a:r>
+            <a:r>
+              <a:rPr lang="it-IT" sz="900" dirty="0">
+                <a:latin typeface="Courier New"/>
+              </a:rPr>
               <a:t> </a:t>
             </a:r>
             <a:r>
-              <a:rPr lang="it-IT" sz="800" dirty="0" err="1" smtClean="0">
-                <a:solidFill>
-                  <a:srgbClr val="008000"/>
-                </a:solidFill>
+              <a:rPr lang="it-IT" sz="900" dirty="0" err="1">
                 <a:latin typeface="Courier New"/>
               </a:rPr>
-              <a:t>foreground</a:t>
-            </a:r>
-            <a:endParaRPr lang="it-IT" sz="800" dirty="0" smtClean="0">
-              <a:solidFill>
-                <a:srgbClr val="008000"/>
-              </a:solidFill>
-              <a:latin typeface="Courier New"/>
-            </a:endParaRPr>
-          </a:p>
-          <a:p>
-            <a:pPr marL="684000" lvl="2" indent="0">
-              <a:spcBef>
-                <a:spcPts val="0"/>
-              </a:spcBef>
-              <a:buNone/>
-            </a:pPr>
-            <a:r>
-              <a:rPr lang="it-IT" sz="800" dirty="0" err="1" smtClean="0">
+              <a:t>depth</a:t>
+            </a:r>
+            <a:r>
+              <a:rPr lang="it-IT" sz="900" b="1" dirty="0" err="1">
+                <a:solidFill>
+                  <a:srgbClr val="000080"/>
+                </a:solidFill>
                 <a:latin typeface="Courier New"/>
               </a:rPr>
-              <a:t>depth</a:t>
-            </a:r>
-            <a:r>
-              <a:rPr lang="it-IT" sz="800" b="1" dirty="0" err="1" smtClean="0">
+              <a:t>.</a:t>
+            </a:r>
+            <a:r>
+              <a:rPr lang="it-IT" sz="900" dirty="0" err="1">
+                <a:latin typeface="Courier New"/>
+              </a:rPr>
+              <a:t>foreground_mask</a:t>
+            </a:r>
+            <a:r>
+              <a:rPr lang="it-IT" sz="900" b="1" dirty="0">
                 <a:solidFill>
                   <a:srgbClr val="000080"/>
                 </a:solidFill>
                 <a:latin typeface="Courier New"/>
               </a:rPr>
-              <a:t>.</a:t>
-            </a:r>
-            <a:r>
-              <a:rPr lang="it-IT" sz="800" dirty="0" err="1" smtClean="0">
-                <a:latin typeface="Courier New"/>
-              </a:rPr>
-              <a:t>extract_foreground_mask_from_run_avg</a:t>
-            </a:r>
-            <a:r>
-              <a:rPr lang="it-IT" sz="800" b="1" dirty="0" smtClean="0">
-                <a:solidFill>
-                  <a:srgbClr val="000080"/>
-                </a:solidFill>
-                <a:latin typeface="Courier New"/>
-              </a:rPr>
-              <a:t>(</a:t>
-            </a:r>
-            <a:r>
-              <a:rPr lang="it-IT" sz="800" dirty="0" err="1" smtClean="0">
-                <a:latin typeface="Courier New"/>
-              </a:rPr>
-              <a:t>depth</a:t>
-            </a:r>
-            <a:r>
-              <a:rPr lang="it-IT" sz="800" b="1" dirty="0" err="1" smtClean="0">
-                <a:solidFill>
-                  <a:srgbClr val="000080"/>
-                </a:solidFill>
-                <a:latin typeface="Courier New"/>
-              </a:rPr>
-              <a:t>.</a:t>
-            </a:r>
-            <a:r>
-              <a:rPr lang="it-IT" sz="800" dirty="0" err="1" smtClean="0">
-                <a:latin typeface="Courier New"/>
-              </a:rPr>
-              <a:t>current_frame</a:t>
-            </a:r>
-            <a:r>
-              <a:rPr lang="it-IT" sz="800" b="1" dirty="0" smtClean="0">
-                <a:solidFill>
-                  <a:srgbClr val="000080"/>
-                </a:solidFill>
-                <a:latin typeface="Courier New"/>
-              </a:rPr>
               <a:t>)</a:t>
             </a:r>
-            <a:endParaRPr lang="it-IT" sz="800" dirty="0" smtClean="0">
-              <a:latin typeface="Courier New"/>
-            </a:endParaRPr>
-          </a:p>
-          <a:p>
-            <a:pPr marL="684000" lvl="2" indent="0">
-              <a:spcBef>
-                <a:spcPts val="0"/>
-              </a:spcBef>
-              <a:buNone/>
-            </a:pPr>
-            <a:endParaRPr lang="it-IT" sz="800" dirty="0">
-              <a:solidFill>
-                <a:srgbClr val="008000"/>
-              </a:solidFill>
-              <a:latin typeface="Courier New"/>
-            </a:endParaRPr>
-          </a:p>
-          <a:p>
-            <a:pPr marL="684000" lvl="2" indent="0">
-              <a:spcBef>
-                <a:spcPts val="0"/>
-              </a:spcBef>
-              <a:buNone/>
-            </a:pPr>
-            <a:r>
-              <a:rPr lang="it-IT" sz="800" dirty="0" smtClean="0">
-                <a:solidFill>
-                  <a:srgbClr val="008000"/>
-                </a:solidFill>
-                <a:latin typeface="Courier New"/>
-              </a:rPr>
-              <a:t># </a:t>
-            </a:r>
-            <a:r>
-              <a:rPr lang="it-IT" sz="800" dirty="0" err="1">
-                <a:solidFill>
-                  <a:srgbClr val="008000"/>
-                </a:solidFill>
-                <a:latin typeface="Courier New"/>
-              </a:rPr>
-              <a:t>apply</a:t>
-            </a:r>
-            <a:r>
-              <a:rPr lang="it-IT" sz="800" dirty="0">
-                <a:solidFill>
-                  <a:srgbClr val="008000"/>
-                </a:solidFill>
-                <a:latin typeface="Courier New"/>
-              </a:rPr>
-              <a:t> opening to </a:t>
-            </a:r>
-            <a:r>
-              <a:rPr lang="it-IT" sz="800" dirty="0" err="1">
-                <a:solidFill>
-                  <a:srgbClr val="008000"/>
-                </a:solidFill>
-                <a:latin typeface="Courier New"/>
-              </a:rPr>
-              <a:t>remove</a:t>
-            </a:r>
-            <a:r>
-              <a:rPr lang="it-IT" sz="800" dirty="0">
-                <a:solidFill>
-                  <a:srgbClr val="008000"/>
-                </a:solidFill>
-                <a:latin typeface="Courier New"/>
-              </a:rPr>
-              <a:t> </a:t>
-            </a:r>
-            <a:r>
-              <a:rPr lang="it-IT" sz="800" dirty="0" err="1" smtClean="0">
-                <a:solidFill>
-                  <a:srgbClr val="008000"/>
-                </a:solidFill>
-                <a:latin typeface="Courier New"/>
-              </a:rPr>
-              <a:t>noise</a:t>
-            </a:r>
-            <a:endParaRPr lang="it-IT" sz="800" dirty="0" smtClean="0">
-              <a:latin typeface="Courier New"/>
-            </a:endParaRPr>
-          </a:p>
-          <a:p>
-            <a:pPr marL="684000" lvl="2" indent="0">
-              <a:spcBef>
-                <a:spcPts val="0"/>
-              </a:spcBef>
-              <a:buNone/>
-            </a:pPr>
-            <a:r>
-              <a:rPr lang="it-IT" sz="800" dirty="0" err="1" smtClean="0">
-                <a:latin typeface="Courier New"/>
-              </a:rPr>
-              <a:t>depth</a:t>
-            </a:r>
-            <a:r>
-              <a:rPr lang="it-IT" sz="800" b="1" dirty="0" err="1" smtClean="0">
-                <a:solidFill>
-                  <a:srgbClr val="000080"/>
-                </a:solidFill>
-                <a:latin typeface="Courier New"/>
-              </a:rPr>
-              <a:t>.</a:t>
-            </a:r>
-            <a:r>
-              <a:rPr lang="it-IT" sz="800" dirty="0" err="1" smtClean="0">
-                <a:latin typeface="Courier New"/>
-              </a:rPr>
-              <a:t>foreground_mask</a:t>
-            </a:r>
-            <a:r>
-              <a:rPr lang="it-IT" sz="800" dirty="0" smtClean="0">
-                <a:latin typeface="Courier New"/>
-              </a:rPr>
-              <a:t> </a:t>
-            </a:r>
-            <a:r>
-              <a:rPr lang="it-IT" sz="800" b="1" dirty="0">
-                <a:solidFill>
-                  <a:srgbClr val="000080"/>
-                </a:solidFill>
-                <a:latin typeface="Courier New"/>
-              </a:rPr>
-              <a:t>=</a:t>
-            </a:r>
-            <a:r>
-              <a:rPr lang="it-IT" sz="800" dirty="0">
-                <a:latin typeface="Courier New"/>
-              </a:rPr>
-              <a:t> </a:t>
-            </a:r>
-            <a:r>
-              <a:rPr lang="it-IT" sz="800" dirty="0" err="1">
-                <a:latin typeface="Courier New"/>
-              </a:rPr>
-              <a:t>bg_models</a:t>
-            </a:r>
-            <a:r>
-              <a:rPr lang="it-IT" sz="800" b="1" dirty="0" err="1">
-                <a:solidFill>
-                  <a:srgbClr val="000080"/>
-                </a:solidFill>
-                <a:latin typeface="Courier New"/>
-              </a:rPr>
-              <a:t>.</a:t>
-            </a:r>
-            <a:r>
-              <a:rPr lang="it-IT" sz="800" dirty="0" err="1">
-                <a:latin typeface="Courier New"/>
-              </a:rPr>
-              <a:t>apply_opening</a:t>
-            </a:r>
-            <a:r>
-              <a:rPr lang="it-IT" sz="800" b="1" dirty="0">
-                <a:solidFill>
-                  <a:srgbClr val="000080"/>
-                </a:solidFill>
-                <a:latin typeface="Courier New"/>
-              </a:rPr>
-              <a:t>(</a:t>
-            </a:r>
-            <a:r>
-              <a:rPr lang="it-IT" sz="800" dirty="0" err="1">
-                <a:latin typeface="Courier New"/>
-              </a:rPr>
-              <a:t>depth</a:t>
-            </a:r>
-            <a:r>
-              <a:rPr lang="it-IT" sz="800" b="1" dirty="0" err="1">
-                <a:solidFill>
-                  <a:srgbClr val="000080"/>
-                </a:solidFill>
-                <a:latin typeface="Courier New"/>
-              </a:rPr>
-              <a:t>.</a:t>
-            </a:r>
-            <a:r>
-              <a:rPr lang="it-IT" sz="800" dirty="0" err="1">
-                <a:latin typeface="Courier New"/>
-              </a:rPr>
-              <a:t>foreground_mask</a:t>
-            </a:r>
-            <a:r>
-              <a:rPr lang="it-IT" sz="800" b="1" dirty="0">
-                <a:solidFill>
-                  <a:srgbClr val="000080"/>
-                </a:solidFill>
-                <a:latin typeface="Courier New"/>
-              </a:rPr>
-              <a:t>,</a:t>
-            </a:r>
-            <a:r>
-              <a:rPr lang="it-IT" sz="800" dirty="0">
-                <a:latin typeface="Courier New"/>
-              </a:rPr>
-              <a:t> BG_OPEN_KSIZE</a:t>
-            </a:r>
-            <a:r>
-              <a:rPr lang="it-IT" sz="800" b="1" dirty="0">
-                <a:solidFill>
-                  <a:srgbClr val="000080"/>
-                </a:solidFill>
-                <a:latin typeface="Courier New"/>
-              </a:rPr>
-              <a:t>,</a:t>
-            </a:r>
-            <a:r>
-              <a:rPr lang="it-IT" sz="800" dirty="0">
-                <a:latin typeface="Courier New"/>
-              </a:rPr>
-              <a:t> cv2</a:t>
-            </a:r>
-            <a:r>
-              <a:rPr lang="it-IT" sz="800" b="1" dirty="0">
-                <a:solidFill>
-                  <a:srgbClr val="000080"/>
-                </a:solidFill>
-                <a:latin typeface="Courier New"/>
-              </a:rPr>
-              <a:t>.</a:t>
-            </a:r>
-            <a:r>
-              <a:rPr lang="it-IT" sz="800" dirty="0">
-                <a:latin typeface="Courier New"/>
-              </a:rPr>
-              <a:t>MORPH_ELLIPSE</a:t>
-            </a:r>
-            <a:r>
-              <a:rPr lang="it-IT" sz="800" b="1" dirty="0">
-                <a:solidFill>
-                  <a:srgbClr val="000080"/>
-                </a:solidFill>
-                <a:latin typeface="Courier New"/>
-              </a:rPr>
-              <a:t>)</a:t>
-            </a:r>
-            <a:r>
-              <a:rPr lang="it-IT" sz="800" dirty="0">
-                <a:latin typeface="Courier New"/>
-              </a:rPr>
-              <a:t> </a:t>
-            </a:r>
-            <a:r>
-              <a:rPr lang="it-IT" sz="800" dirty="0" err="1">
-                <a:latin typeface="Courier New"/>
-              </a:rPr>
-              <a:t>depth_proposal_bbox</a:t>
-            </a:r>
-            <a:r>
-              <a:rPr lang="it-IT" sz="800" dirty="0">
-                <a:latin typeface="Courier New"/>
-              </a:rPr>
-              <a:t> </a:t>
-            </a:r>
-            <a:r>
-              <a:rPr lang="it-IT" sz="800" b="1" dirty="0">
-                <a:solidFill>
-                  <a:srgbClr val="000080"/>
-                </a:solidFill>
-                <a:latin typeface="Courier New"/>
-              </a:rPr>
-              <a:t>=</a:t>
-            </a:r>
-            <a:r>
-              <a:rPr lang="it-IT" sz="800" dirty="0">
-                <a:latin typeface="Courier New"/>
-              </a:rPr>
-              <a:t> </a:t>
-            </a:r>
-            <a:r>
-              <a:rPr lang="it-IT" sz="800" dirty="0" err="1">
-                <a:latin typeface="Courier New"/>
-              </a:rPr>
-              <a:t>depth</a:t>
-            </a:r>
-            <a:r>
-              <a:rPr lang="it-IT" sz="800" b="1" dirty="0" err="1">
-                <a:solidFill>
-                  <a:srgbClr val="000080"/>
-                </a:solidFill>
-                <a:latin typeface="Courier New"/>
-              </a:rPr>
-              <a:t>.</a:t>
-            </a:r>
-            <a:r>
-              <a:rPr lang="it-IT" sz="800" dirty="0" err="1">
-                <a:latin typeface="Courier New"/>
-              </a:rPr>
-              <a:t>extract_proposal_bbox</a:t>
-            </a:r>
-            <a:r>
-              <a:rPr lang="it-IT" sz="800" b="1" dirty="0">
-                <a:solidFill>
-                  <a:srgbClr val="000080"/>
-                </a:solidFill>
-                <a:latin typeface="Courier New"/>
-              </a:rPr>
-              <a:t>(</a:t>
-            </a:r>
-            <a:r>
-              <a:rPr lang="it-IT" sz="800" dirty="0" err="1">
-                <a:latin typeface="Courier New"/>
-              </a:rPr>
-              <a:t>depth</a:t>
-            </a:r>
-            <a:r>
-              <a:rPr lang="it-IT" sz="800" b="1" dirty="0" err="1">
-                <a:solidFill>
-                  <a:srgbClr val="000080"/>
-                </a:solidFill>
-                <a:latin typeface="Courier New"/>
-              </a:rPr>
-              <a:t>.</a:t>
-            </a:r>
-            <a:r>
-              <a:rPr lang="it-IT" sz="800" dirty="0" err="1">
-                <a:latin typeface="Courier New"/>
-              </a:rPr>
-              <a:t>ACCUMULATOR</a:t>
-            </a:r>
-            <a:r>
-              <a:rPr lang="it-IT" sz="800" b="1" dirty="0" smtClean="0">
-                <a:solidFill>
-                  <a:srgbClr val="000080"/>
-                </a:solidFill>
-                <a:latin typeface="Courier New"/>
-              </a:rPr>
-              <a:t>)</a:t>
-            </a:r>
-          </a:p>
-          <a:p>
-            <a:pPr marL="684000" lvl="2" indent="0">
-              <a:spcBef>
-                <a:spcPts val="0"/>
-              </a:spcBef>
-              <a:buNone/>
-            </a:pPr>
-            <a:endParaRPr lang="it-IT" sz="800" b="1" dirty="0">
-              <a:solidFill>
-                <a:srgbClr val="000080"/>
-              </a:solidFill>
-              <a:latin typeface="Courier New"/>
-            </a:endParaRPr>
-          </a:p>
-          <a:p>
-            <a:pPr marL="684000" lvl="2" indent="0">
-              <a:spcBef>
-                <a:spcPts val="0"/>
-              </a:spcBef>
-              <a:buNone/>
-            </a:pPr>
-            <a:r>
-              <a:rPr lang="it-IT" sz="800" dirty="0" smtClean="0">
-                <a:solidFill>
-                  <a:srgbClr val="008000"/>
-                </a:solidFill>
-                <a:latin typeface="Courier New"/>
-              </a:rPr>
-              <a:t># </a:t>
-            </a:r>
-            <a:r>
-              <a:rPr lang="it-IT" sz="800" dirty="0" err="1">
-                <a:solidFill>
-                  <a:srgbClr val="008000"/>
-                </a:solidFill>
-                <a:latin typeface="Courier New"/>
-              </a:rPr>
-              <a:t>cut</a:t>
-            </a:r>
-            <a:r>
-              <a:rPr lang="it-IT" sz="800" dirty="0">
-                <a:solidFill>
-                  <a:srgbClr val="008000"/>
-                </a:solidFill>
-                <a:latin typeface="Courier New"/>
-              </a:rPr>
-              <a:t> </a:t>
-            </a:r>
-            <a:r>
-              <a:rPr lang="it-IT" sz="800" dirty="0" err="1">
-                <a:solidFill>
-                  <a:srgbClr val="008000"/>
-                </a:solidFill>
-                <a:latin typeface="Courier New"/>
-              </a:rPr>
-              <a:t>foreground</a:t>
-            </a:r>
-            <a:r>
-              <a:rPr lang="it-IT" sz="800" dirty="0">
-                <a:solidFill>
-                  <a:srgbClr val="008000"/>
-                </a:solidFill>
-                <a:latin typeface="Courier New"/>
-              </a:rPr>
-              <a:t> with </a:t>
-            </a:r>
-            <a:r>
-              <a:rPr lang="it-IT" sz="800" dirty="0" err="1">
-                <a:solidFill>
-                  <a:srgbClr val="008000"/>
-                </a:solidFill>
-                <a:latin typeface="Courier New"/>
-              </a:rPr>
-              <a:t>real</a:t>
-            </a:r>
-            <a:r>
-              <a:rPr lang="it-IT" sz="800" dirty="0">
-                <a:solidFill>
-                  <a:srgbClr val="008000"/>
-                </a:solidFill>
-                <a:latin typeface="Courier New"/>
-              </a:rPr>
-              <a:t> </a:t>
-            </a:r>
-            <a:r>
-              <a:rPr lang="it-IT" sz="800" dirty="0" err="1" smtClean="0">
-                <a:solidFill>
-                  <a:srgbClr val="008000"/>
-                </a:solidFill>
-                <a:latin typeface="Courier New"/>
-              </a:rPr>
-              <a:t>values</a:t>
-            </a:r>
-            <a:endParaRPr lang="it-IT" sz="800" dirty="0" smtClean="0">
-              <a:latin typeface="Courier New"/>
-            </a:endParaRPr>
-          </a:p>
-          <a:p>
-            <a:pPr marL="684000" lvl="2" indent="0">
-              <a:spcBef>
-                <a:spcPts val="0"/>
-              </a:spcBef>
-              <a:buNone/>
-            </a:pPr>
-            <a:r>
-              <a:rPr lang="it-IT" sz="800" dirty="0" err="1" smtClean="0">
-                <a:latin typeface="Courier New"/>
-              </a:rPr>
-              <a:t>foreground_depth_proposal</a:t>
-            </a:r>
-            <a:r>
-              <a:rPr lang="it-IT" sz="800" dirty="0" smtClean="0">
-                <a:latin typeface="Courier New"/>
-              </a:rPr>
-              <a:t> </a:t>
-            </a:r>
-            <a:r>
-              <a:rPr lang="it-IT" sz="800" b="1" dirty="0">
-                <a:solidFill>
-                  <a:srgbClr val="000080"/>
-                </a:solidFill>
-                <a:latin typeface="Courier New"/>
-              </a:rPr>
-              <a:t>=</a:t>
-            </a:r>
-            <a:r>
-              <a:rPr lang="it-IT" sz="800" dirty="0">
-                <a:latin typeface="Courier New"/>
-              </a:rPr>
-              <a:t> </a:t>
-            </a:r>
-            <a:r>
-              <a:rPr lang="it-IT" sz="800" dirty="0" err="1">
-                <a:latin typeface="Courier New"/>
-              </a:rPr>
-              <a:t>bg_models</a:t>
-            </a:r>
-            <a:r>
-              <a:rPr lang="it-IT" sz="800" b="1" dirty="0" err="1">
-                <a:solidFill>
-                  <a:srgbClr val="000080"/>
-                </a:solidFill>
-                <a:latin typeface="Courier New"/>
-              </a:rPr>
-              <a:t>.</a:t>
-            </a:r>
-            <a:r>
-              <a:rPr lang="it-IT" sz="800" dirty="0" err="1">
-                <a:latin typeface="Courier New"/>
-              </a:rPr>
-              <a:t>cut_foreground</a:t>
-            </a:r>
-            <a:r>
-              <a:rPr lang="it-IT" sz="800" b="1" dirty="0">
-                <a:solidFill>
-                  <a:srgbClr val="000080"/>
-                </a:solidFill>
-                <a:latin typeface="Courier New"/>
-              </a:rPr>
-              <a:t>(</a:t>
-            </a:r>
-            <a:r>
-              <a:rPr lang="it-IT" sz="800" dirty="0" err="1">
-                <a:latin typeface="Courier New"/>
-              </a:rPr>
-              <a:t>depth</a:t>
-            </a:r>
-            <a:r>
-              <a:rPr lang="it-IT" sz="800" b="1" dirty="0" err="1">
-                <a:solidFill>
-                  <a:srgbClr val="000080"/>
-                </a:solidFill>
-                <a:latin typeface="Courier New"/>
-              </a:rPr>
-              <a:t>.</a:t>
-            </a:r>
-            <a:r>
-              <a:rPr lang="it-IT" sz="800" dirty="0" err="1">
-                <a:latin typeface="Courier New"/>
-              </a:rPr>
-              <a:t>current_frame</a:t>
-            </a:r>
-            <a:r>
-              <a:rPr lang="it-IT" sz="800" b="1" dirty="0">
-                <a:solidFill>
-                  <a:srgbClr val="000080"/>
-                </a:solidFill>
-                <a:latin typeface="Courier New"/>
-              </a:rPr>
-              <a:t>,</a:t>
-            </a:r>
-            <a:r>
-              <a:rPr lang="it-IT" sz="800" dirty="0">
-                <a:latin typeface="Courier New"/>
-              </a:rPr>
-              <a:t> </a:t>
-            </a:r>
-            <a:r>
-              <a:rPr lang="it-IT" sz="800" dirty="0" err="1">
-                <a:latin typeface="Courier New"/>
-              </a:rPr>
-              <a:t>depth</a:t>
-            </a:r>
-            <a:r>
-              <a:rPr lang="it-IT" sz="800" b="1" dirty="0" err="1">
-                <a:solidFill>
-                  <a:srgbClr val="000080"/>
-                </a:solidFill>
-                <a:latin typeface="Courier New"/>
-              </a:rPr>
-              <a:t>.</a:t>
-            </a:r>
-            <a:r>
-              <a:rPr lang="it-IT" sz="800" dirty="0" err="1">
-                <a:latin typeface="Courier New"/>
-              </a:rPr>
-              <a:t>foreground_mask</a:t>
-            </a:r>
-            <a:r>
-              <a:rPr lang="it-IT" sz="800" b="1" dirty="0">
-                <a:solidFill>
-                  <a:srgbClr val="000080"/>
-                </a:solidFill>
-                <a:latin typeface="Courier New"/>
-              </a:rPr>
-              <a:t>)</a:t>
-            </a:r>
-            <a:endParaRPr lang="it-IT" sz="800" dirty="0"/>
+            <a:endParaRPr lang="it-IT" sz="900" dirty="0"/>
           </a:p>
           <a:p>
             <a:r>
@@ -7589,42 +7546,11 @@
             </a:r>
             <a:r>
               <a:rPr lang="en-US" dirty="0" smtClean="0"/>
-              <a:t> of N/D pixel value is required:</a:t>
-            </a:r>
-          </a:p>
-          <a:p>
-            <a:pPr lvl="2"/>
+              <a:t> of N/D pixel </a:t>
+            </a:r>
             <a:r>
               <a:rPr lang="en-US" dirty="0" smtClean="0"/>
-              <a:t>Per </a:t>
-            </a:r>
-            <a:r>
-              <a:rPr lang="en-US" dirty="0" err="1" smtClean="0"/>
-              <a:t>ogni</a:t>
-            </a:r>
-            <a:r>
-              <a:rPr lang="en-US" dirty="0" smtClean="0"/>
-              <a:t> frame … </a:t>
-            </a:r>
-            <a:r>
-              <a:rPr lang="en-US" dirty="0" err="1" smtClean="0"/>
-              <a:t>bla</a:t>
-            </a:r>
-            <a:r>
-              <a:rPr lang="en-US" dirty="0" smtClean="0"/>
-              <a:t> </a:t>
-            </a:r>
-            <a:r>
-              <a:rPr lang="en-US" dirty="0" err="1" smtClean="0"/>
-              <a:t>bla</a:t>
-            </a:r>
-            <a:r>
-              <a:rPr lang="en-US" dirty="0" smtClean="0"/>
-              <a:t> </a:t>
-            </a:r>
-            <a:r>
-              <a:rPr lang="en-US" dirty="0" err="1" smtClean="0"/>
-              <a:t>bla</a:t>
+              <a:t>has been implemented.</a:t>
             </a:r>
             <a:endParaRPr lang="en-US" dirty="0" smtClean="0"/>
           </a:p>
@@ -7995,7 +7921,7 @@
             <p:spPr/>
             <p:txBody>
               <a:bodyPr>
-                <a:normAutofit fontScale="55000" lnSpcReduction="20000"/>
+                <a:normAutofit/>
               </a:bodyPr>
               <a:lstStyle/>
               <a:p>
@@ -8366,1026 +8292,6 @@
                 </a14:m>
                 <a:endParaRPr lang="it-IT" dirty="0" smtClean="0"/>
               </a:p>
-              <a:p>
-                <a:r>
-                  <a:rPr lang="it-IT" dirty="0" err="1" smtClean="0"/>
-                  <a:t>Since</a:t>
-                </a:r>
-                <a:r>
-                  <a:rPr lang="it-IT" dirty="0" smtClean="0"/>
-                  <a:t> in the RGB </a:t>
-                </a:r>
-                <a:r>
-                  <a:rPr lang="it-IT" dirty="0" err="1" smtClean="0"/>
-                  <a:t>foreground</a:t>
-                </a:r>
-                <a:r>
-                  <a:rPr lang="it-IT" dirty="0" smtClean="0"/>
-                  <a:t> model the </a:t>
-                </a:r>
-                <a:r>
-                  <a:rPr lang="it-IT" dirty="0" err="1" smtClean="0"/>
-                  <a:t>left</a:t>
-                </a:r>
-                <a:r>
-                  <a:rPr lang="it-IT" dirty="0" smtClean="0"/>
-                  <a:t> </a:t>
-                </a:r>
-                <a:r>
-                  <a:rPr lang="it-IT" dirty="0" err="1" smtClean="0"/>
-                  <a:t>luggage</a:t>
-                </a:r>
-                <a:r>
-                  <a:rPr lang="it-IT" dirty="0" smtClean="0"/>
-                  <a:t> </a:t>
-                </a:r>
-                <a:r>
-                  <a:rPr lang="it-IT" dirty="0" err="1" smtClean="0"/>
-                  <a:t>become</a:t>
-                </a:r>
-                <a:r>
-                  <a:rPr lang="it-IT" dirty="0" smtClean="0"/>
-                  <a:t> background </a:t>
-                </a:r>
-                <a:r>
-                  <a:rPr lang="it-IT" dirty="0"/>
-                  <a:t>in the long </a:t>
-                </a:r>
-                <a:r>
-                  <a:rPr lang="it-IT" dirty="0" err="1" smtClean="0"/>
-                  <a:t>run</a:t>
-                </a:r>
-                <a:r>
-                  <a:rPr lang="it-IT" dirty="0" smtClean="0"/>
-                  <a:t> the </a:t>
-                </a:r>
-                <a:r>
-                  <a:rPr lang="it-IT" dirty="0" err="1" smtClean="0"/>
-                  <a:t>intensity-based</a:t>
-                </a:r>
-                <a:r>
-                  <a:rPr lang="it-IT" dirty="0" smtClean="0"/>
-                  <a:t> </a:t>
-                </a:r>
-                <a:r>
-                  <a:rPr lang="it-IT" dirty="0" err="1" smtClean="0"/>
-                  <a:t>proposals</a:t>
-                </a:r>
-                <a:r>
-                  <a:rPr lang="it-IT" dirty="0" smtClean="0"/>
-                  <a:t> are </a:t>
-                </a:r>
-                <a:r>
-                  <a:rPr lang="it-IT" dirty="0" err="1" smtClean="0"/>
-                  <a:t>discarded</a:t>
-                </a:r>
-                <a:r>
-                  <a:rPr lang="it-IT" dirty="0" smtClean="0"/>
-                  <a:t>:</a:t>
-                </a:r>
-                <a:endParaRPr lang="it-IT" dirty="0" smtClean="0"/>
-              </a:p>
-              <a:p>
-                <a:pPr lvl="1"/>
-                <a:r>
-                  <a:rPr lang="it-IT" dirty="0" smtClean="0"/>
-                  <a:t>The last </a:t>
-                </a:r>
-                <a:r>
-                  <a:rPr lang="it-IT" dirty="0" smtClean="0"/>
-                  <a:t>frame </a:t>
-                </a:r>
-                <a14:m>
-                  <m:oMath xmlns:m="http://schemas.openxmlformats.org/officeDocument/2006/math">
-                    <m:sSub>
-                      <m:sSubPr>
-                        <m:ctrlPr>
-                          <a:rPr lang="it-IT" i="1" smtClean="0">
-                            <a:latin typeface="Cambria Math"/>
-                          </a:rPr>
-                        </m:ctrlPr>
-                      </m:sSubPr>
-                      <m:e>
-                        <m:r>
-                          <a:rPr lang="it-IT" b="0" i="1" smtClean="0">
-                            <a:latin typeface="Cambria Math"/>
-                          </a:rPr>
-                          <m:t>𝑓𝑟𝑎𝑚𝑒</m:t>
-                        </m:r>
-                      </m:e>
-                      <m:sub>
-                        <m:r>
-                          <a:rPr lang="it-IT" b="0" i="1" smtClean="0">
-                            <a:latin typeface="Cambria Math"/>
-                          </a:rPr>
-                          <m:t>𝑡</m:t>
-                        </m:r>
-                        <m:r>
-                          <a:rPr lang="it-IT" b="0" i="1" smtClean="0">
-                            <a:latin typeface="Cambria Math"/>
-                          </a:rPr>
-                          <m:t>−1</m:t>
-                        </m:r>
-                      </m:sub>
-                    </m:sSub>
-                  </m:oMath>
-                </a14:m>
-                <a:r>
-                  <a:rPr lang="it-IT" dirty="0" smtClean="0"/>
-                  <a:t> </a:t>
-                </a:r>
-                <a:r>
-                  <a:rPr lang="it-IT" dirty="0" err="1" smtClean="0"/>
-                  <a:t>is</a:t>
-                </a:r>
-                <a:r>
-                  <a:rPr lang="it-IT" dirty="0" smtClean="0"/>
-                  <a:t> </a:t>
-                </a:r>
-                <a:r>
-                  <a:rPr lang="it-IT" dirty="0" err="1" smtClean="0"/>
-                  <a:t>saved</a:t>
-                </a:r>
-                <a:r>
-                  <a:rPr lang="it-IT" dirty="0" smtClean="0"/>
-                  <a:t>;</a:t>
-                </a:r>
-                <a:endParaRPr lang="it-IT" dirty="0" smtClean="0"/>
-              </a:p>
-              <a:p>
-                <a:pPr lvl="1"/>
-                <a:r>
-                  <a:rPr lang="it-IT" dirty="0" smtClean="0"/>
-                  <a:t>The last set of </a:t>
-                </a:r>
-                <a:r>
-                  <a:rPr lang="it-IT" dirty="0" err="1" smtClean="0"/>
-                  <a:t>bounding</a:t>
-                </a:r>
-                <a:r>
-                  <a:rPr lang="it-IT" dirty="0" smtClean="0"/>
-                  <a:t> boxes of </a:t>
-                </a:r>
-                <a:r>
-                  <a:rPr lang="it-IT" dirty="0" err="1" smtClean="0"/>
-                  <a:t>proposals</a:t>
-                </a:r>
-                <a:r>
-                  <a:rPr lang="it-IT" dirty="0" smtClean="0"/>
-                  <a:t> </a:t>
-                </a:r>
-                <a14:m>
-                  <m:oMath xmlns:m="http://schemas.openxmlformats.org/officeDocument/2006/math">
-                    <m:sSub>
-                      <m:sSubPr>
-                        <m:ctrlPr>
-                          <a:rPr lang="it-IT" i="1">
-                            <a:latin typeface="Cambria Math"/>
-                          </a:rPr>
-                        </m:ctrlPr>
-                      </m:sSubPr>
-                      <m:e>
-                        <m:r>
-                          <a:rPr lang="it-IT" i="1">
-                            <a:latin typeface="Cambria Math"/>
-                          </a:rPr>
-                          <m:t>𝑅𝑒𝑠𝑢𝑙𝑡</m:t>
-                        </m:r>
-                      </m:e>
-                      <m:sub>
-                        <m:r>
-                          <a:rPr lang="it-IT" i="1">
-                            <a:latin typeface="Cambria Math"/>
-                          </a:rPr>
-                          <m:t>𝑡</m:t>
-                        </m:r>
-                        <m:r>
-                          <a:rPr lang="it-IT" b="0" i="1" smtClean="0">
-                            <a:latin typeface="Cambria Math"/>
-                          </a:rPr>
-                          <m:t>−1</m:t>
-                        </m:r>
-                      </m:sub>
-                    </m:sSub>
-                  </m:oMath>
-                </a14:m>
-                <a:r>
-                  <a:rPr lang="it-IT" dirty="0" smtClean="0"/>
-                  <a:t> </a:t>
-                </a:r>
-                <a:r>
-                  <a:rPr lang="it-IT" dirty="0" err="1" smtClean="0"/>
-                  <a:t>is</a:t>
-                </a:r>
-                <a:r>
-                  <a:rPr lang="it-IT" dirty="0" smtClean="0"/>
-                  <a:t> </a:t>
-                </a:r>
-                <a:r>
-                  <a:rPr lang="it-IT" dirty="0" err="1" smtClean="0"/>
-                  <a:t>saved</a:t>
-                </a:r>
-                <a:r>
-                  <a:rPr lang="it-IT" dirty="0" smtClean="0"/>
-                  <a:t>;</a:t>
-                </a:r>
-                <a:endParaRPr lang="it-IT" dirty="0" smtClean="0"/>
-              </a:p>
-              <a:p>
-                <a:pPr lvl="2"/>
-                <a:r>
-                  <a:rPr lang="it-IT" dirty="0" err="1" smtClean="0"/>
-                  <a:t>If</a:t>
-                </a:r>
-                <a:r>
-                  <a:rPr lang="it-IT" dirty="0" smtClean="0"/>
-                  <a:t> </a:t>
-                </a:r>
-                <a:r>
-                  <a:rPr lang="it-IT" dirty="0" smtClean="0"/>
-                  <a:t>the ratio </a:t>
-                </a:r>
-                <a14:m>
-                  <m:oMath xmlns:m="http://schemas.openxmlformats.org/officeDocument/2006/math">
-                    <m:r>
-                      <a:rPr lang="it-IT" b="0" i="1" smtClean="0">
-                        <a:latin typeface="Cambria Math"/>
-                      </a:rPr>
-                      <m:t>𝑅</m:t>
-                    </m:r>
-                  </m:oMath>
-                </a14:m>
-                <a:r>
-                  <a:rPr lang="it-IT" dirty="0" smtClean="0"/>
-                  <a:t> between a </a:t>
-                </a:r>
-                <a:r>
-                  <a:rPr lang="it-IT" dirty="0" err="1" smtClean="0"/>
-                  <a:t>bounding</a:t>
-                </a:r>
-                <a:r>
-                  <a:rPr lang="it-IT" dirty="0" smtClean="0"/>
-                  <a:t> box </a:t>
-                </a:r>
-                <a14:m>
-                  <m:oMath xmlns:m="http://schemas.openxmlformats.org/officeDocument/2006/math">
-                    <m:sSub>
-                      <m:sSubPr>
-                        <m:ctrlPr>
-                          <a:rPr lang="it-IT" i="1" smtClean="0">
-                            <a:latin typeface="Cambria Math"/>
-                          </a:rPr>
-                        </m:ctrlPr>
-                      </m:sSubPr>
-                      <m:e>
-                        <m:r>
-                          <a:rPr lang="it-IT" b="0" i="1" smtClean="0">
-                            <a:latin typeface="Cambria Math"/>
-                          </a:rPr>
-                          <m:t>𝑏𝑏</m:t>
-                        </m:r>
-                      </m:e>
-                      <m:sub>
-                        <m:r>
-                          <a:rPr lang="it-IT" b="0" i="1" smtClean="0">
-                            <a:latin typeface="Cambria Math"/>
-                          </a:rPr>
-                          <m:t>𝑡</m:t>
-                        </m:r>
-                      </m:sub>
-                    </m:sSub>
-                    <m:r>
-                      <a:rPr lang="it-IT" i="1" smtClean="0">
-                        <a:latin typeface="Cambria Math"/>
-                        <a:ea typeface="Cambria Math"/>
-                      </a:rPr>
-                      <m:t>∈</m:t>
-                    </m:r>
-                    <m:r>
-                      <a:rPr lang="it-IT" b="0" i="1" smtClean="0">
-                        <a:latin typeface="Cambria Math"/>
-                        <a:ea typeface="Cambria Math"/>
-                      </a:rPr>
-                      <m:t> </m:t>
-                    </m:r>
-                    <m:sSub>
-                      <m:sSubPr>
-                        <m:ctrlPr>
-                          <a:rPr lang="it-IT" b="0" i="1" smtClean="0">
-                            <a:latin typeface="Cambria Math"/>
-                            <a:ea typeface="Cambria Math"/>
-                          </a:rPr>
-                        </m:ctrlPr>
-                      </m:sSubPr>
-                      <m:e>
-                        <m:r>
-                          <a:rPr lang="it-IT" b="0" i="1" smtClean="0">
-                            <a:latin typeface="Cambria Math"/>
-                            <a:ea typeface="Cambria Math"/>
-                          </a:rPr>
-                          <m:t>𝑅𝑒𝑠𝑢𝑙𝑡</m:t>
-                        </m:r>
-                      </m:e>
-                      <m:sub>
-                        <m:r>
-                          <a:rPr lang="it-IT" b="0" i="1" smtClean="0">
-                            <a:latin typeface="Cambria Math"/>
-                            <a:ea typeface="Cambria Math"/>
-                          </a:rPr>
-                          <m:t>𝑡</m:t>
-                        </m:r>
-                      </m:sub>
-                    </m:sSub>
-                  </m:oMath>
-                </a14:m>
-                <a:r>
-                  <a:rPr lang="it-IT" dirty="0" smtClean="0"/>
-                  <a:t> and a </a:t>
-                </a:r>
-                <a:r>
-                  <a:rPr lang="it-IT" dirty="0" err="1" smtClean="0"/>
-                  <a:t>bounding</a:t>
-                </a:r>
-                <a:r>
-                  <a:rPr lang="it-IT" dirty="0" smtClean="0"/>
-                  <a:t> box </a:t>
-                </a:r>
-                <a14:m>
-                  <m:oMath xmlns:m="http://schemas.openxmlformats.org/officeDocument/2006/math">
-                    <m:sSub>
-                      <m:sSubPr>
-                        <m:ctrlPr>
-                          <a:rPr lang="it-IT" i="1">
-                            <a:latin typeface="Cambria Math"/>
-                          </a:rPr>
-                        </m:ctrlPr>
-                      </m:sSubPr>
-                      <m:e>
-                        <m:r>
-                          <a:rPr lang="it-IT" i="1">
-                            <a:latin typeface="Cambria Math"/>
-                          </a:rPr>
-                          <m:t>𝑏𝑏</m:t>
-                        </m:r>
-                      </m:e>
-                      <m:sub>
-                        <m:r>
-                          <a:rPr lang="it-IT" i="1">
-                            <a:latin typeface="Cambria Math"/>
-                          </a:rPr>
-                          <m:t>𝑡</m:t>
-                        </m:r>
-                        <m:r>
-                          <a:rPr lang="it-IT" b="0" i="1" smtClean="0">
-                            <a:latin typeface="Cambria Math"/>
-                          </a:rPr>
-                          <m:t>−1</m:t>
-                        </m:r>
-                      </m:sub>
-                    </m:sSub>
-                    <m:r>
-                      <a:rPr lang="it-IT" i="1">
-                        <a:latin typeface="Cambria Math"/>
-                        <a:ea typeface="Cambria Math"/>
-                      </a:rPr>
-                      <m:t>∈ </m:t>
-                    </m:r>
-                    <m:sSub>
-                      <m:sSubPr>
-                        <m:ctrlPr>
-                          <a:rPr lang="it-IT" i="1">
-                            <a:latin typeface="Cambria Math"/>
-                            <a:ea typeface="Cambria Math"/>
-                          </a:rPr>
-                        </m:ctrlPr>
-                      </m:sSubPr>
-                      <m:e>
-                        <m:r>
-                          <a:rPr lang="it-IT" i="1">
-                            <a:latin typeface="Cambria Math"/>
-                            <a:ea typeface="Cambria Math"/>
-                          </a:rPr>
-                          <m:t>𝑅𝑒𝑠𝑢𝑙𝑡</m:t>
-                        </m:r>
-                      </m:e>
-                      <m:sub>
-                        <m:r>
-                          <a:rPr lang="it-IT" i="1">
-                            <a:latin typeface="Cambria Math"/>
-                            <a:ea typeface="Cambria Math"/>
-                          </a:rPr>
-                          <m:t>𝑡</m:t>
-                        </m:r>
-                        <m:r>
-                          <a:rPr lang="it-IT" b="0" i="1" smtClean="0">
-                            <a:latin typeface="Cambria Math"/>
-                            <a:ea typeface="Cambria Math"/>
-                          </a:rPr>
-                          <m:t>−1</m:t>
-                        </m:r>
-                      </m:sub>
-                    </m:sSub>
-                  </m:oMath>
-                </a14:m>
-                <a:r>
-                  <a:rPr lang="it-IT" dirty="0" smtClean="0"/>
-                  <a:t> </a:t>
-                </a:r>
-                <a:r>
-                  <a:rPr lang="it-IT" dirty="0" err="1" smtClean="0"/>
-                  <a:t>is</a:t>
-                </a:r>
-                <a:r>
-                  <a:rPr lang="it-IT" dirty="0" smtClean="0"/>
-                  <a:t> over </a:t>
-                </a:r>
-                <a14:m>
-                  <m:oMath xmlns:m="http://schemas.openxmlformats.org/officeDocument/2006/math">
-                    <m:r>
-                      <a:rPr lang="it-IT" b="0" i="0" smtClean="0">
-                        <a:latin typeface="Cambria Math"/>
-                        <a:ea typeface="Cambria Math"/>
-                      </a:rPr>
-                      <m:t>50</m:t>
-                    </m:r>
-                    <m:r>
-                      <a:rPr lang="it-IT" i="1" smtClean="0">
-                        <a:latin typeface="Cambria Math"/>
-                        <a:ea typeface="Cambria Math"/>
-                      </a:rPr>
-                      <m:t>%</m:t>
-                    </m:r>
-                  </m:oMath>
-                </a14:m>
-                <a:r>
-                  <a:rPr lang="it-IT" dirty="0" smtClean="0"/>
-                  <a:t> </a:t>
-                </a:r>
-                <a:r>
-                  <a:rPr lang="it-IT" dirty="0" err="1" smtClean="0"/>
-                  <a:t>then</a:t>
-                </a:r>
-                <a:r>
-                  <a:rPr lang="it-IT" dirty="0" smtClean="0"/>
-                  <a:t> the </a:t>
-                </a:r>
-                <a:r>
-                  <a:rPr lang="it-IT" dirty="0" err="1" smtClean="0"/>
-                  <a:t>two</a:t>
-                </a:r>
-                <a:r>
-                  <a:rPr lang="it-IT" dirty="0" smtClean="0"/>
-                  <a:t> </a:t>
-                </a:r>
-                <a:r>
-                  <a:rPr lang="it-IT" dirty="0" err="1" smtClean="0"/>
-                  <a:t>bounding</a:t>
-                </a:r>
-                <a:r>
-                  <a:rPr lang="it-IT" dirty="0" smtClean="0"/>
-                  <a:t> box are </a:t>
-                </a:r>
-                <a:r>
-                  <a:rPr lang="it-IT" dirty="0" err="1" smtClean="0"/>
-                  <a:t>considered</a:t>
-                </a:r>
-                <a:r>
-                  <a:rPr lang="it-IT" dirty="0" smtClean="0"/>
-                  <a:t> the </a:t>
-                </a:r>
-                <a:r>
-                  <a:rPr lang="it-IT" dirty="0" err="1" smtClean="0"/>
-                  <a:t>same</a:t>
-                </a:r>
-                <a:r>
-                  <a:rPr lang="it-IT" dirty="0" smtClean="0"/>
-                  <a:t>;</a:t>
-                </a:r>
-              </a:p>
-              <a:p>
-                <a:pPr lvl="2"/>
-                <a:r>
-                  <a:rPr lang="it-IT" dirty="0" smtClean="0"/>
-                  <a:t>Else </a:t>
-                </a:r>
-                <a:r>
-                  <a:rPr lang="it-IT" dirty="0" err="1" smtClean="0"/>
-                  <a:t>if</a:t>
-                </a:r>
-                <a:r>
-                  <a:rPr lang="it-IT" dirty="0"/>
-                  <a:t> </a:t>
-                </a:r>
-                <a14:m>
-                  <m:oMath xmlns:m="http://schemas.openxmlformats.org/officeDocument/2006/math">
-                    <m:r>
-                      <a:rPr lang="it-IT" i="1">
-                        <a:latin typeface="Cambria Math"/>
-                      </a:rPr>
-                      <m:t>𝑅</m:t>
-                    </m:r>
-                    <m:r>
-                      <a:rPr lang="it-IT" i="1" smtClean="0">
-                        <a:latin typeface="Cambria Math"/>
-                        <a:ea typeface="Cambria Math"/>
-                      </a:rPr>
-                      <m:t>&lt;</m:t>
-                    </m:r>
-                    <m:r>
-                      <a:rPr lang="it-IT" b="0" i="1" smtClean="0">
-                        <a:latin typeface="Cambria Math"/>
-                        <a:ea typeface="Cambria Math"/>
-                      </a:rPr>
-                      <m:t>50%</m:t>
-                    </m:r>
-                  </m:oMath>
-                </a14:m>
-                <a:r>
-                  <a:rPr lang="it-IT" dirty="0"/>
-                  <a:t> </a:t>
-                </a:r>
-                <a:r>
-                  <a:rPr lang="it-IT" dirty="0" err="1" smtClean="0"/>
-                  <a:t>we</a:t>
-                </a:r>
-                <a:r>
-                  <a:rPr lang="it-IT" dirty="0" smtClean="0"/>
-                  <a:t> compute the </a:t>
-                </a:r>
-                <a:r>
-                  <a:rPr lang="it-IT" b="1" dirty="0" err="1" smtClean="0"/>
-                  <a:t>Normalized</a:t>
-                </a:r>
-                <a:r>
-                  <a:rPr lang="it-IT" b="1" dirty="0" smtClean="0"/>
-                  <a:t> Cross-</a:t>
-                </a:r>
-                <a:r>
-                  <a:rPr lang="it-IT" b="1" dirty="0" err="1" smtClean="0"/>
-                  <a:t>Correlation</a:t>
-                </a:r>
-                <a:r>
-                  <a:rPr lang="it-IT" b="1" dirty="0" smtClean="0"/>
-                  <a:t> </a:t>
-                </a:r>
-                <a14:m>
-                  <m:oMath xmlns:m="http://schemas.openxmlformats.org/officeDocument/2006/math">
-                    <m:sSub>
-                      <m:sSubPr>
-                        <m:ctrlPr>
-                          <a:rPr lang="it-IT" i="1" smtClean="0">
-                            <a:latin typeface="Cambria Math"/>
-                          </a:rPr>
-                        </m:ctrlPr>
-                      </m:sSubPr>
-                      <m:e>
-                        <m:r>
-                          <a:rPr lang="it-IT" b="0" i="1" smtClean="0">
-                            <a:latin typeface="Cambria Math"/>
-                          </a:rPr>
-                          <m:t>𝐶</m:t>
-                        </m:r>
-                      </m:e>
-                      <m:sub>
-                        <m:r>
-                          <a:rPr lang="it-IT" b="0" i="1" smtClean="0">
-                            <a:latin typeface="Cambria Math"/>
-                          </a:rPr>
-                          <m:t>𝑁</m:t>
-                        </m:r>
-                      </m:sub>
-                    </m:sSub>
-                  </m:oMath>
-                </a14:m>
-                <a:r>
-                  <a:rPr lang="it-IT" dirty="0" smtClean="0"/>
-                  <a:t> </a:t>
-                </a:r>
-                <a:r>
-                  <a:rPr lang="it-IT" dirty="0" err="1" smtClean="0"/>
-                  <a:t>between</a:t>
-                </a:r>
-                <a:r>
-                  <a:rPr lang="it-IT" dirty="0" smtClean="0"/>
-                  <a:t> the </a:t>
-                </a:r>
-                <a:r>
-                  <a:rPr lang="it-IT" dirty="0" err="1" smtClean="0"/>
-                  <a:t>region</a:t>
-                </a:r>
-                <a:r>
-                  <a:rPr lang="it-IT" dirty="0" smtClean="0"/>
-                  <a:t> of </a:t>
-                </a:r>
-                <a14:m>
-                  <m:oMath xmlns:m="http://schemas.openxmlformats.org/officeDocument/2006/math">
-                    <m:sSub>
-                      <m:sSubPr>
-                        <m:ctrlPr>
-                          <a:rPr lang="it-IT" i="1" smtClean="0">
-                            <a:latin typeface="Cambria Math"/>
-                          </a:rPr>
-                        </m:ctrlPr>
-                      </m:sSubPr>
-                      <m:e>
-                        <m:r>
-                          <a:rPr lang="it-IT" b="0" i="1" smtClean="0">
-                            <a:latin typeface="Cambria Math"/>
-                          </a:rPr>
-                          <m:t>𝑓𝑟𝑎𝑚𝑒</m:t>
-                        </m:r>
-                      </m:e>
-                      <m:sub>
-                        <m:r>
-                          <a:rPr lang="it-IT" b="0" i="1" smtClean="0">
-                            <a:latin typeface="Cambria Math"/>
-                          </a:rPr>
-                          <m:t>𝑡</m:t>
-                        </m:r>
-                      </m:sub>
-                    </m:sSub>
-                  </m:oMath>
-                </a14:m>
-                <a:r>
-                  <a:rPr lang="it-IT" dirty="0" smtClean="0"/>
-                  <a:t> </a:t>
-                </a:r>
-                <a:r>
-                  <a:rPr lang="it-IT" dirty="0" err="1" smtClean="0"/>
-                  <a:t>bounded</a:t>
-                </a:r>
-                <a:r>
-                  <a:rPr lang="it-IT" dirty="0" smtClean="0"/>
-                  <a:t> by the </a:t>
-                </a:r>
-                <a:r>
-                  <a:rPr lang="it-IT" dirty="0" err="1" smtClean="0"/>
-                  <a:t>bounding</a:t>
-                </a:r>
-                <a:r>
-                  <a:rPr lang="it-IT" dirty="0" smtClean="0"/>
-                  <a:t> box </a:t>
-                </a:r>
-                <a14:m>
-                  <m:oMath xmlns:m="http://schemas.openxmlformats.org/officeDocument/2006/math">
-                    <m:sSub>
-                      <m:sSubPr>
-                        <m:ctrlPr>
-                          <a:rPr lang="it-IT" i="1">
-                            <a:latin typeface="Cambria Math"/>
-                          </a:rPr>
-                        </m:ctrlPr>
-                      </m:sSubPr>
-                      <m:e>
-                        <m:r>
-                          <a:rPr lang="it-IT" i="1">
-                            <a:latin typeface="Cambria Math"/>
-                          </a:rPr>
-                          <m:t>𝑏𝑏</m:t>
-                        </m:r>
-                      </m:e>
-                      <m:sub>
-                        <m:r>
-                          <a:rPr lang="it-IT" i="1">
-                            <a:latin typeface="Cambria Math"/>
-                          </a:rPr>
-                          <m:t>𝑡</m:t>
-                        </m:r>
-                        <m:r>
-                          <a:rPr lang="it-IT" i="1">
-                            <a:latin typeface="Cambria Math"/>
-                          </a:rPr>
-                          <m:t>−1</m:t>
-                        </m:r>
-                      </m:sub>
-                    </m:sSub>
-                  </m:oMath>
-                </a14:m>
-                <a:r>
-                  <a:rPr lang="it-IT" dirty="0" smtClean="0"/>
-                  <a:t>and the </a:t>
-                </a:r>
-                <a:r>
-                  <a:rPr lang="it-IT" dirty="0" err="1" smtClean="0"/>
-                  <a:t>same</a:t>
-                </a:r>
-                <a:r>
-                  <a:rPr lang="it-IT" dirty="0" smtClean="0"/>
-                  <a:t> </a:t>
-                </a:r>
-                <a:r>
-                  <a:rPr lang="it-IT" dirty="0" err="1" smtClean="0"/>
-                  <a:t>region</a:t>
-                </a:r>
-                <a:r>
-                  <a:rPr lang="it-IT" dirty="0" smtClean="0"/>
-                  <a:t> of </a:t>
-                </a:r>
-                <a14:m>
-                  <m:oMath xmlns:m="http://schemas.openxmlformats.org/officeDocument/2006/math">
-                    <m:sSub>
-                      <m:sSubPr>
-                        <m:ctrlPr>
-                          <a:rPr lang="it-IT" i="1">
-                            <a:latin typeface="Cambria Math"/>
-                          </a:rPr>
-                        </m:ctrlPr>
-                      </m:sSubPr>
-                      <m:e>
-                        <m:r>
-                          <a:rPr lang="it-IT" i="1">
-                            <a:latin typeface="Cambria Math"/>
-                          </a:rPr>
-                          <m:t>𝑓𝑟𝑎𝑚𝑒</m:t>
-                        </m:r>
-                      </m:e>
-                      <m:sub>
-                        <m:r>
-                          <a:rPr lang="it-IT" i="1">
-                            <a:latin typeface="Cambria Math"/>
-                          </a:rPr>
-                          <m:t>𝑡</m:t>
-                        </m:r>
-                        <m:r>
-                          <a:rPr lang="it-IT" b="0" i="1" smtClean="0">
-                            <a:latin typeface="Cambria Math"/>
-                          </a:rPr>
-                          <m:t>−1</m:t>
-                        </m:r>
-                      </m:sub>
-                    </m:sSub>
-                  </m:oMath>
-                </a14:m>
-                <a:r>
-                  <a:rPr lang="it-IT" dirty="0"/>
-                  <a:t> </a:t>
-                </a:r>
-                <a:endParaRPr lang="it-IT" dirty="0" smtClean="0"/>
-              </a:p>
-              <a:p>
-                <a:pPr lvl="3"/>
-                <a:r>
-                  <a:rPr lang="it-IT" dirty="0"/>
-                  <a:t>If</a:t>
-                </a:r>
-                <a:r>
-                  <a:rPr lang="it-IT" dirty="0"/>
-                  <a:t> </a:t>
-                </a:r>
-                <a14:m>
-                  <m:oMath xmlns:m="http://schemas.openxmlformats.org/officeDocument/2006/math">
-                    <m:sSub>
-                      <m:sSubPr>
-                        <m:ctrlPr>
-                          <a:rPr lang="it-IT" i="1">
-                            <a:latin typeface="Cambria Math"/>
-                          </a:rPr>
-                        </m:ctrlPr>
-                      </m:sSubPr>
-                      <m:e>
-                        <m:r>
-                          <a:rPr lang="it-IT">
-                            <a:latin typeface="Cambria Math"/>
-                          </a:rPr>
-                          <m:t>𝐶</m:t>
-                        </m:r>
-                      </m:e>
-                      <m:sub>
-                        <m:r>
-                          <a:rPr lang="it-IT">
-                            <a:latin typeface="Cambria Math"/>
-                          </a:rPr>
-                          <m:t>𝑁</m:t>
-                        </m:r>
-                      </m:sub>
-                    </m:sSub>
-                    <m:r>
-                      <a:rPr lang="it-IT">
-                        <a:latin typeface="Cambria Math"/>
-                      </a:rPr>
-                      <m:t>&gt;0.90</m:t>
-                    </m:r>
-                  </m:oMath>
-                </a14:m>
-                <a:r>
-                  <a:rPr lang="it-IT" dirty="0"/>
-                  <a:t> </a:t>
-                </a:r>
-                <a:r>
-                  <a:rPr lang="it-IT" dirty="0" err="1"/>
-                  <a:t>means</a:t>
-                </a:r>
-                <a:r>
-                  <a:rPr lang="it-IT" dirty="0"/>
-                  <a:t> </a:t>
-                </a:r>
-                <a:r>
-                  <a:rPr lang="it-IT" dirty="0" err="1"/>
-                  <a:t>that</a:t>
-                </a:r>
-                <a:r>
-                  <a:rPr lang="it-IT" dirty="0"/>
-                  <a:t> the </a:t>
-                </a:r>
-                <a:r>
-                  <a:rPr lang="it-IT" dirty="0" err="1" smtClean="0"/>
-                  <a:t>regions</a:t>
-                </a:r>
-                <a:r>
-                  <a:rPr lang="it-IT" dirty="0" smtClean="0"/>
-                  <a:t> </a:t>
-                </a:r>
-                <a:r>
-                  <a:rPr lang="it-IT" dirty="0" err="1" smtClean="0"/>
-                  <a:t>is</a:t>
-                </a:r>
-                <a:r>
-                  <a:rPr lang="it-IT" dirty="0" smtClean="0"/>
-                  <a:t> the </a:t>
-                </a:r>
-                <a:r>
-                  <a:rPr lang="it-IT" dirty="0" err="1" smtClean="0"/>
-                  <a:t>same</a:t>
-                </a:r>
-                <a:r>
-                  <a:rPr lang="it-IT" dirty="0" smtClean="0"/>
-                  <a:t> </a:t>
-                </a:r>
-                <a:r>
-                  <a:rPr lang="it-IT" dirty="0" err="1" smtClean="0"/>
-                  <a:t>then</a:t>
-                </a:r>
-                <a:r>
-                  <a:rPr lang="it-IT" dirty="0" smtClean="0"/>
-                  <a:t> </a:t>
-                </a:r>
-                <a:r>
-                  <a:rPr lang="it-IT" dirty="0" err="1" smtClean="0"/>
-                  <a:t>we</a:t>
-                </a:r>
-                <a:r>
-                  <a:rPr lang="it-IT" dirty="0" smtClean="0"/>
-                  <a:t> </a:t>
-                </a:r>
-                <a:r>
-                  <a:rPr lang="it-IT" dirty="0" err="1" smtClean="0"/>
-                  <a:t>keep</a:t>
-                </a:r>
-                <a:r>
-                  <a:rPr lang="it-IT" dirty="0" smtClean="0"/>
-                  <a:t> </a:t>
-                </a:r>
-                <a:r>
-                  <a:rPr lang="it-IT" dirty="0" err="1" smtClean="0"/>
-                  <a:t>it</a:t>
-                </a:r>
-                <a:r>
-                  <a:rPr lang="it-IT" dirty="0" smtClean="0"/>
-                  <a:t>;</a:t>
-                </a:r>
-              </a:p>
-              <a:p>
-                <a:pPr lvl="3"/>
-                <a:r>
-                  <a:rPr lang="it-IT" dirty="0" smtClean="0"/>
-                  <a:t>Else </a:t>
-                </a:r>
-                <a:r>
-                  <a:rPr lang="it-IT" dirty="0" err="1" smtClean="0"/>
-                  <a:t>we</a:t>
-                </a:r>
-                <a:r>
-                  <a:rPr lang="it-IT" dirty="0" smtClean="0"/>
-                  <a:t> </a:t>
-                </a:r>
-                <a:r>
-                  <a:rPr lang="it-IT" dirty="0" err="1" smtClean="0"/>
-                  <a:t>discard</a:t>
-                </a:r>
-                <a:r>
-                  <a:rPr lang="it-IT" dirty="0" smtClean="0"/>
-                  <a:t> the </a:t>
-                </a:r>
-                <a14:m>
-                  <m:oMath xmlns:m="http://schemas.openxmlformats.org/officeDocument/2006/math">
-                    <m:sSub>
-                      <m:sSubPr>
-                        <m:ctrlPr>
-                          <a:rPr lang="it-IT" i="1">
-                            <a:latin typeface="Cambria Math"/>
-                          </a:rPr>
-                        </m:ctrlPr>
-                      </m:sSubPr>
-                      <m:e>
-                        <m:r>
-                          <a:rPr lang="it-IT" i="1">
-                            <a:latin typeface="Cambria Math"/>
-                          </a:rPr>
-                          <m:t>𝑏𝑏</m:t>
-                        </m:r>
-                      </m:e>
-                      <m:sub>
-                        <m:r>
-                          <a:rPr lang="it-IT" i="1">
-                            <a:latin typeface="Cambria Math"/>
-                          </a:rPr>
-                          <m:t>𝑡</m:t>
-                        </m:r>
-                        <m:r>
-                          <a:rPr lang="it-IT" i="1">
-                            <a:latin typeface="Cambria Math"/>
-                          </a:rPr>
-                          <m:t>−1</m:t>
-                        </m:r>
-                      </m:sub>
-                    </m:sSub>
-                  </m:oMath>
-                </a14:m>
-                <a:endParaRPr lang="it-IT" dirty="0"/>
-              </a:p>
-              <a:p>
-                <a:r>
-                  <a:rPr lang="it-IT" dirty="0" smtClean="0"/>
-                  <a:t>The </a:t>
-                </a:r>
-                <a:r>
-                  <a:rPr lang="it-IT" dirty="0" err="1" smtClean="0"/>
-                  <a:t>final</a:t>
-                </a:r>
-                <a:r>
-                  <a:rPr lang="it-IT" dirty="0" smtClean="0"/>
-                  <a:t> </a:t>
-                </a:r>
-                <a:r>
-                  <a:rPr lang="it-IT" dirty="0" err="1" smtClean="0"/>
-                  <a:t>proposals</a:t>
-                </a:r>
-                <a:r>
-                  <a:rPr lang="it-IT" dirty="0" smtClean="0"/>
-                  <a:t> are </a:t>
-                </a:r>
-                <a:r>
-                  <a:rPr lang="it-IT" dirty="0" err="1" smtClean="0"/>
-                  <a:t>segmented</a:t>
-                </a:r>
-                <a:r>
-                  <a:rPr lang="it-IT" dirty="0" smtClean="0"/>
-                  <a:t> by </a:t>
-                </a:r>
-                <a:r>
-                  <a:rPr lang="it-IT" dirty="0" err="1" smtClean="0"/>
-                  <a:t>using</a:t>
-                </a:r>
-                <a:r>
-                  <a:rPr lang="it-IT" dirty="0" smtClean="0"/>
-                  <a:t> </a:t>
-                </a:r>
-                <a:r>
-                  <a:rPr lang="it-IT" dirty="0" err="1" smtClean="0"/>
-                  <a:t>watershed</a:t>
-                </a:r>
-                <a:r>
-                  <a:rPr lang="it-IT" dirty="0" smtClean="0"/>
-                  <a:t> </a:t>
-                </a:r>
-                <a:r>
-                  <a:rPr lang="it-IT" dirty="0" err="1" smtClean="0"/>
-                  <a:t>algorithm</a:t>
-                </a:r>
-                <a:r>
-                  <a:rPr lang="it-IT" dirty="0" smtClean="0"/>
-                  <a:t> </a:t>
-                </a:r>
-                <a:r>
-                  <a:rPr lang="it-IT" dirty="0" err="1" smtClean="0"/>
-                  <a:t>instead</a:t>
-                </a:r>
-                <a:r>
-                  <a:rPr lang="it-IT" dirty="0" smtClean="0"/>
-                  <a:t> </a:t>
-                </a:r>
-                <a:r>
-                  <a:rPr lang="it-IT" dirty="0" err="1" smtClean="0"/>
-                  <a:t>region</a:t>
-                </a:r>
-                <a:r>
-                  <a:rPr lang="it-IT" dirty="0" smtClean="0"/>
-                  <a:t> </a:t>
-                </a:r>
-                <a:r>
-                  <a:rPr lang="it-IT" dirty="0" err="1" smtClean="0"/>
-                  <a:t>growing</a:t>
-                </a:r>
-                <a:r>
-                  <a:rPr lang="it-IT" dirty="0" smtClean="0"/>
-                  <a:t> </a:t>
-                </a:r>
-                <a:r>
-                  <a:rPr lang="it-IT" dirty="0" err="1" smtClean="0"/>
-                  <a:t>algorithm</a:t>
-                </a:r>
-                <a:endParaRPr lang="it-IT" dirty="0"/>
-              </a:p>
             </p:txBody>
           </p:sp>
         </mc:Choice>
@@ -9404,7 +8310,7 @@
               <a:blipFill rotWithShape="1">
                 <a:blip r:embed="rId2"/>
                 <a:stretch>
-                  <a:fillRect t="-137" b="-1374"/>
+                  <a:fillRect l="-323" t="-412"/>
                 </a:stretch>
               </a:blipFill>
             </p:spPr>
@@ -9494,36 +8400,1080 @@
         </p:nvSpPr>
         <p:spPr/>
         <p:txBody>
-          <a:bodyPr/>
+          <a:bodyPr>
+            <a:normAutofit fontScale="90000"/>
+          </a:bodyPr>
           <a:lstStyle/>
           <a:p>
             <a:r>
+              <a:rPr lang="it-IT" dirty="0"/>
+              <a:t>Combination of </a:t>
+            </a:r>
+            <a:r>
+              <a:rPr lang="it-IT" dirty="0" err="1" smtClean="0"/>
+              <a:t>proposals</a:t>
+            </a:r>
+            <a:r>
               <a:rPr lang="it-IT" dirty="0" smtClean="0"/>
-              <a:t>Test</a:t>
+              <a:t> - </a:t>
+            </a:r>
+            <a:r>
+              <a:rPr lang="it-IT" dirty="0" err="1" smtClean="0"/>
+              <a:t>improvements</a:t>
             </a:r>
             <a:endParaRPr lang="it-IT" dirty="0"/>
           </a:p>
         </p:txBody>
       </p:sp>
-      <p:sp>
-        <p:nvSpPr>
-          <p:cNvPr id="3" name="Segnaposto contenuto 2"/>
-          <p:cNvSpPr>
-            <a:spLocks noGrp="1"/>
-          </p:cNvSpPr>
-          <p:nvPr>
-            <p:ph idx="1"/>
-          </p:nvPr>
-        </p:nvSpPr>
-        <p:spPr/>
-        <p:txBody>
-          <a:bodyPr/>
-          <a:lstStyle/>
-          <a:p>
-            <a:endParaRPr lang="it-IT"/>
-          </a:p>
-        </p:txBody>
-      </p:sp>
+      <mc:AlternateContent xmlns:mc="http://schemas.openxmlformats.org/markup-compatibility/2006">
+        <mc:Choice xmlns:a14="http://schemas.microsoft.com/office/drawing/2010/main" Requires="a14">
+          <p:sp>
+            <p:nvSpPr>
+              <p:cNvPr id="3" name="Segnaposto contenuto 2"/>
+              <p:cNvSpPr>
+                <a:spLocks noGrp="1"/>
+              </p:cNvSpPr>
+              <p:nvPr>
+                <p:ph idx="1"/>
+              </p:nvPr>
+            </p:nvSpPr>
+            <p:spPr/>
+            <p:txBody>
+              <a:bodyPr>
+                <a:normAutofit fontScale="70000" lnSpcReduction="20000"/>
+              </a:bodyPr>
+              <a:lstStyle/>
+              <a:p>
+                <a:r>
+                  <a:rPr lang="it-IT" dirty="0"/>
+                  <a:t>Since in the RGB </a:t>
+                </a:r>
+                <a:r>
+                  <a:rPr lang="it-IT" dirty="0" err="1"/>
+                  <a:t>foreground</a:t>
+                </a:r>
+                <a:r>
+                  <a:rPr lang="it-IT" dirty="0"/>
+                  <a:t> model the </a:t>
+                </a:r>
+                <a:r>
+                  <a:rPr lang="it-IT" dirty="0" err="1"/>
+                  <a:t>left</a:t>
+                </a:r>
+                <a:r>
+                  <a:rPr lang="it-IT" dirty="0"/>
+                  <a:t> </a:t>
+                </a:r>
+                <a:r>
+                  <a:rPr lang="it-IT" dirty="0" err="1"/>
+                  <a:t>luggage</a:t>
+                </a:r>
+                <a:r>
+                  <a:rPr lang="it-IT" dirty="0"/>
+                  <a:t> </a:t>
+                </a:r>
+                <a:r>
+                  <a:rPr lang="it-IT" dirty="0" err="1"/>
+                  <a:t>become</a:t>
+                </a:r>
+                <a:r>
+                  <a:rPr lang="it-IT" dirty="0"/>
+                  <a:t> background </a:t>
+                </a:r>
+                <a:r>
+                  <a:rPr lang="it-IT" dirty="0"/>
+                  <a:t>in the long </a:t>
+                </a:r>
+                <a:r>
+                  <a:rPr lang="it-IT" dirty="0" err="1"/>
+                  <a:t>run</a:t>
+                </a:r>
+                <a:r>
+                  <a:rPr lang="it-IT" dirty="0"/>
+                  <a:t> the </a:t>
+                </a:r>
+                <a:r>
+                  <a:rPr lang="it-IT" dirty="0" err="1"/>
+                  <a:t>intensity-based</a:t>
+                </a:r>
+                <a:r>
+                  <a:rPr lang="it-IT" dirty="0"/>
+                  <a:t> </a:t>
+                </a:r>
+                <a:r>
+                  <a:rPr lang="it-IT" dirty="0" err="1"/>
+                  <a:t>proposals</a:t>
+                </a:r>
+                <a:r>
+                  <a:rPr lang="it-IT" dirty="0"/>
+                  <a:t> are </a:t>
+                </a:r>
+                <a:r>
+                  <a:rPr lang="it-IT" dirty="0" err="1"/>
+                  <a:t>discarded</a:t>
+                </a:r>
+                <a:r>
+                  <a:rPr lang="it-IT" dirty="0"/>
+                  <a:t>:</a:t>
+                </a:r>
+              </a:p>
+              <a:p>
+                <a:pPr lvl="1"/>
+                <a:r>
+                  <a:rPr lang="it-IT" dirty="0"/>
+                  <a:t>The last frame </a:t>
+                </a:r>
+                <a14:m>
+                  <m:oMath xmlns:m="http://schemas.openxmlformats.org/officeDocument/2006/math">
+                    <m:sSub>
+                      <m:sSubPr>
+                        <m:ctrlPr>
+                          <a:rPr lang="it-IT" i="1">
+                            <a:latin typeface="Cambria Math"/>
+                          </a:rPr>
+                        </m:ctrlPr>
+                      </m:sSubPr>
+                      <m:e>
+                        <m:r>
+                          <a:rPr lang="it-IT" i="1">
+                            <a:latin typeface="Cambria Math"/>
+                          </a:rPr>
+                          <m:t>𝑓𝑟𝑎𝑚𝑒</m:t>
+                        </m:r>
+                      </m:e>
+                      <m:sub>
+                        <m:r>
+                          <a:rPr lang="it-IT" i="1">
+                            <a:latin typeface="Cambria Math"/>
+                          </a:rPr>
+                          <m:t>𝑡</m:t>
+                        </m:r>
+                        <m:r>
+                          <a:rPr lang="it-IT" i="1">
+                            <a:latin typeface="Cambria Math"/>
+                          </a:rPr>
+                          <m:t>−1</m:t>
+                        </m:r>
+                      </m:sub>
+                    </m:sSub>
+                  </m:oMath>
+                </a14:m>
+                <a:r>
+                  <a:rPr lang="it-IT" dirty="0"/>
+                  <a:t> </a:t>
+                </a:r>
+                <a:r>
+                  <a:rPr lang="it-IT" dirty="0" err="1"/>
+                  <a:t>is</a:t>
+                </a:r>
+                <a:r>
+                  <a:rPr lang="it-IT" dirty="0"/>
+                  <a:t> </a:t>
+                </a:r>
+                <a:r>
+                  <a:rPr lang="it-IT" dirty="0" err="1"/>
+                  <a:t>saved</a:t>
+                </a:r>
+                <a:r>
+                  <a:rPr lang="it-IT" dirty="0"/>
+                  <a:t>;</a:t>
+                </a:r>
+              </a:p>
+              <a:p>
+                <a:pPr lvl="1"/>
+                <a:r>
+                  <a:rPr lang="it-IT" dirty="0"/>
+                  <a:t>The last set of </a:t>
+                </a:r>
+                <a:r>
+                  <a:rPr lang="it-IT" dirty="0" err="1"/>
+                  <a:t>bounding</a:t>
+                </a:r>
+                <a:r>
+                  <a:rPr lang="it-IT" dirty="0"/>
+                  <a:t> boxes of </a:t>
+                </a:r>
+                <a:r>
+                  <a:rPr lang="it-IT" dirty="0" err="1"/>
+                  <a:t>proposals</a:t>
+                </a:r>
+                <a:r>
+                  <a:rPr lang="it-IT" dirty="0"/>
+                  <a:t> </a:t>
+                </a:r>
+                <a14:m>
+                  <m:oMath xmlns:m="http://schemas.openxmlformats.org/officeDocument/2006/math">
+                    <m:sSub>
+                      <m:sSubPr>
+                        <m:ctrlPr>
+                          <a:rPr lang="it-IT" i="1">
+                            <a:latin typeface="Cambria Math"/>
+                          </a:rPr>
+                        </m:ctrlPr>
+                      </m:sSubPr>
+                      <m:e>
+                        <m:r>
+                          <a:rPr lang="it-IT" i="1">
+                            <a:latin typeface="Cambria Math"/>
+                          </a:rPr>
+                          <m:t>𝑅𝑒𝑠𝑢𝑙𝑡</m:t>
+                        </m:r>
+                      </m:e>
+                      <m:sub>
+                        <m:r>
+                          <a:rPr lang="it-IT" i="1">
+                            <a:latin typeface="Cambria Math"/>
+                          </a:rPr>
+                          <m:t>𝑡</m:t>
+                        </m:r>
+                        <m:r>
+                          <a:rPr lang="it-IT" i="1">
+                            <a:latin typeface="Cambria Math"/>
+                          </a:rPr>
+                          <m:t>−1</m:t>
+                        </m:r>
+                      </m:sub>
+                    </m:sSub>
+                  </m:oMath>
+                </a14:m>
+                <a:r>
+                  <a:rPr lang="it-IT" dirty="0"/>
+                  <a:t> </a:t>
+                </a:r>
+                <a:r>
+                  <a:rPr lang="it-IT" dirty="0" err="1"/>
+                  <a:t>is</a:t>
+                </a:r>
+                <a:r>
+                  <a:rPr lang="it-IT" dirty="0"/>
+                  <a:t> </a:t>
+                </a:r>
+                <a:r>
+                  <a:rPr lang="it-IT" dirty="0" err="1"/>
+                  <a:t>saved</a:t>
+                </a:r>
+                <a:r>
+                  <a:rPr lang="it-IT" dirty="0"/>
+                  <a:t>;</a:t>
+                </a:r>
+              </a:p>
+              <a:p>
+                <a:pPr lvl="2"/>
+                <a:r>
+                  <a:rPr lang="it-IT" dirty="0" err="1"/>
+                  <a:t>If</a:t>
+                </a:r>
+                <a:r>
+                  <a:rPr lang="it-IT" dirty="0"/>
+                  <a:t> the ratio </a:t>
+                </a:r>
+                <a14:m>
+                  <m:oMath xmlns:m="http://schemas.openxmlformats.org/officeDocument/2006/math">
+                    <m:r>
+                      <a:rPr lang="it-IT" i="1">
+                        <a:latin typeface="Cambria Math"/>
+                      </a:rPr>
+                      <m:t>𝑅</m:t>
+                    </m:r>
+                  </m:oMath>
+                </a14:m>
+                <a:r>
+                  <a:rPr lang="it-IT" dirty="0"/>
+                  <a:t> between a </a:t>
+                </a:r>
+                <a:r>
+                  <a:rPr lang="it-IT" dirty="0" err="1"/>
+                  <a:t>bounding</a:t>
+                </a:r>
+                <a:r>
+                  <a:rPr lang="it-IT" dirty="0"/>
+                  <a:t> box </a:t>
+                </a:r>
+                <a14:m>
+                  <m:oMath xmlns:m="http://schemas.openxmlformats.org/officeDocument/2006/math">
+                    <m:sSub>
+                      <m:sSubPr>
+                        <m:ctrlPr>
+                          <a:rPr lang="it-IT" i="1">
+                            <a:latin typeface="Cambria Math"/>
+                          </a:rPr>
+                        </m:ctrlPr>
+                      </m:sSubPr>
+                      <m:e>
+                        <m:r>
+                          <a:rPr lang="it-IT" i="1">
+                            <a:latin typeface="Cambria Math"/>
+                          </a:rPr>
+                          <m:t>𝑏𝑏</m:t>
+                        </m:r>
+                      </m:e>
+                      <m:sub>
+                        <m:r>
+                          <a:rPr lang="it-IT" i="1">
+                            <a:latin typeface="Cambria Math"/>
+                          </a:rPr>
+                          <m:t>𝑡</m:t>
+                        </m:r>
+                      </m:sub>
+                    </m:sSub>
+                    <m:r>
+                      <a:rPr lang="it-IT" i="1">
+                        <a:latin typeface="Cambria Math"/>
+                        <a:ea typeface="Cambria Math"/>
+                      </a:rPr>
+                      <m:t>∈ </m:t>
+                    </m:r>
+                    <m:sSub>
+                      <m:sSubPr>
+                        <m:ctrlPr>
+                          <a:rPr lang="it-IT" i="1">
+                            <a:latin typeface="Cambria Math"/>
+                            <a:ea typeface="Cambria Math"/>
+                          </a:rPr>
+                        </m:ctrlPr>
+                      </m:sSubPr>
+                      <m:e>
+                        <m:r>
+                          <a:rPr lang="it-IT" i="1">
+                            <a:latin typeface="Cambria Math"/>
+                            <a:ea typeface="Cambria Math"/>
+                          </a:rPr>
+                          <m:t>𝑅𝑒𝑠𝑢𝑙𝑡</m:t>
+                        </m:r>
+                      </m:e>
+                      <m:sub>
+                        <m:r>
+                          <a:rPr lang="it-IT" i="1">
+                            <a:latin typeface="Cambria Math"/>
+                            <a:ea typeface="Cambria Math"/>
+                          </a:rPr>
+                          <m:t>𝑡</m:t>
+                        </m:r>
+                      </m:sub>
+                    </m:sSub>
+                  </m:oMath>
+                </a14:m>
+                <a:r>
+                  <a:rPr lang="it-IT" dirty="0"/>
+                  <a:t> and a </a:t>
+                </a:r>
+                <a:r>
+                  <a:rPr lang="it-IT" dirty="0" err="1"/>
+                  <a:t>bounding</a:t>
+                </a:r>
+                <a:r>
+                  <a:rPr lang="it-IT" dirty="0"/>
+                  <a:t> box </a:t>
+                </a:r>
+                <a14:m>
+                  <m:oMath xmlns:m="http://schemas.openxmlformats.org/officeDocument/2006/math">
+                    <m:sSub>
+                      <m:sSubPr>
+                        <m:ctrlPr>
+                          <a:rPr lang="it-IT" i="1">
+                            <a:latin typeface="Cambria Math"/>
+                          </a:rPr>
+                        </m:ctrlPr>
+                      </m:sSubPr>
+                      <m:e>
+                        <m:r>
+                          <a:rPr lang="it-IT" i="1">
+                            <a:latin typeface="Cambria Math"/>
+                          </a:rPr>
+                          <m:t>𝑏𝑏</m:t>
+                        </m:r>
+                      </m:e>
+                      <m:sub>
+                        <m:r>
+                          <a:rPr lang="it-IT" i="1">
+                            <a:latin typeface="Cambria Math"/>
+                          </a:rPr>
+                          <m:t>𝑡</m:t>
+                        </m:r>
+                        <m:r>
+                          <a:rPr lang="it-IT" i="1">
+                            <a:latin typeface="Cambria Math"/>
+                          </a:rPr>
+                          <m:t>−1</m:t>
+                        </m:r>
+                      </m:sub>
+                    </m:sSub>
+                    <m:r>
+                      <a:rPr lang="it-IT" i="1">
+                        <a:latin typeface="Cambria Math"/>
+                        <a:ea typeface="Cambria Math"/>
+                      </a:rPr>
+                      <m:t>∈ </m:t>
+                    </m:r>
+                    <m:sSub>
+                      <m:sSubPr>
+                        <m:ctrlPr>
+                          <a:rPr lang="it-IT" i="1">
+                            <a:latin typeface="Cambria Math"/>
+                            <a:ea typeface="Cambria Math"/>
+                          </a:rPr>
+                        </m:ctrlPr>
+                      </m:sSubPr>
+                      <m:e>
+                        <m:r>
+                          <a:rPr lang="it-IT" i="1">
+                            <a:latin typeface="Cambria Math"/>
+                            <a:ea typeface="Cambria Math"/>
+                          </a:rPr>
+                          <m:t>𝑅𝑒𝑠𝑢𝑙𝑡</m:t>
+                        </m:r>
+                      </m:e>
+                      <m:sub>
+                        <m:r>
+                          <a:rPr lang="it-IT" i="1">
+                            <a:latin typeface="Cambria Math"/>
+                            <a:ea typeface="Cambria Math"/>
+                          </a:rPr>
+                          <m:t>𝑡</m:t>
+                        </m:r>
+                        <m:r>
+                          <a:rPr lang="it-IT" i="1">
+                            <a:latin typeface="Cambria Math"/>
+                            <a:ea typeface="Cambria Math"/>
+                          </a:rPr>
+                          <m:t>−1</m:t>
+                        </m:r>
+                      </m:sub>
+                    </m:sSub>
+                  </m:oMath>
+                </a14:m>
+                <a:r>
+                  <a:rPr lang="it-IT" dirty="0"/>
+                  <a:t> </a:t>
+                </a:r>
+                <a:r>
+                  <a:rPr lang="it-IT" dirty="0" err="1"/>
+                  <a:t>is</a:t>
+                </a:r>
+                <a:r>
+                  <a:rPr lang="it-IT" dirty="0"/>
+                  <a:t> over </a:t>
+                </a:r>
+                <a14:m>
+                  <m:oMath xmlns:m="http://schemas.openxmlformats.org/officeDocument/2006/math">
+                    <m:r>
+                      <a:rPr lang="it-IT">
+                        <a:latin typeface="Cambria Math"/>
+                        <a:ea typeface="Cambria Math"/>
+                      </a:rPr>
+                      <m:t>50</m:t>
+                    </m:r>
+                    <m:r>
+                      <a:rPr lang="it-IT" i="1">
+                        <a:latin typeface="Cambria Math"/>
+                        <a:ea typeface="Cambria Math"/>
+                      </a:rPr>
+                      <m:t>%</m:t>
+                    </m:r>
+                  </m:oMath>
+                </a14:m>
+                <a:r>
+                  <a:rPr lang="it-IT" dirty="0"/>
+                  <a:t> </a:t>
+                </a:r>
+                <a:r>
+                  <a:rPr lang="it-IT" dirty="0" err="1"/>
+                  <a:t>then</a:t>
+                </a:r>
+                <a:r>
+                  <a:rPr lang="it-IT" dirty="0"/>
+                  <a:t> the </a:t>
+                </a:r>
+                <a:r>
+                  <a:rPr lang="it-IT" dirty="0" err="1"/>
+                  <a:t>two</a:t>
+                </a:r>
+                <a:r>
+                  <a:rPr lang="it-IT" dirty="0"/>
+                  <a:t> </a:t>
+                </a:r>
+                <a:r>
+                  <a:rPr lang="it-IT" dirty="0" err="1"/>
+                  <a:t>bounding</a:t>
+                </a:r>
+                <a:r>
+                  <a:rPr lang="it-IT" dirty="0"/>
+                  <a:t> box are </a:t>
+                </a:r>
+                <a:r>
+                  <a:rPr lang="it-IT" dirty="0" err="1"/>
+                  <a:t>considered</a:t>
+                </a:r>
+                <a:r>
+                  <a:rPr lang="it-IT" dirty="0"/>
+                  <a:t> the </a:t>
+                </a:r>
+                <a:r>
+                  <a:rPr lang="it-IT" dirty="0" err="1"/>
+                  <a:t>same</a:t>
+                </a:r>
+                <a:r>
+                  <a:rPr lang="it-IT" dirty="0"/>
+                  <a:t>;</a:t>
+                </a:r>
+              </a:p>
+              <a:p>
+                <a:pPr lvl="2"/>
+                <a:r>
+                  <a:rPr lang="it-IT" dirty="0"/>
+                  <a:t>Else </a:t>
+                </a:r>
+                <a:r>
+                  <a:rPr lang="it-IT" dirty="0" err="1"/>
+                  <a:t>if</a:t>
+                </a:r>
+                <a:r>
+                  <a:rPr lang="it-IT" dirty="0"/>
+                  <a:t> </a:t>
+                </a:r>
+                <a14:m>
+                  <m:oMath xmlns:m="http://schemas.openxmlformats.org/officeDocument/2006/math">
+                    <m:r>
+                      <a:rPr lang="it-IT" i="1">
+                        <a:latin typeface="Cambria Math"/>
+                      </a:rPr>
+                      <m:t>𝑅</m:t>
+                    </m:r>
+                    <m:r>
+                      <a:rPr lang="it-IT" i="1">
+                        <a:latin typeface="Cambria Math"/>
+                        <a:ea typeface="Cambria Math"/>
+                      </a:rPr>
+                      <m:t>&lt;50%</m:t>
+                    </m:r>
+                  </m:oMath>
+                </a14:m>
+                <a:r>
+                  <a:rPr lang="it-IT" dirty="0"/>
+                  <a:t> </a:t>
+                </a:r>
+                <a:r>
+                  <a:rPr lang="it-IT" dirty="0" err="1"/>
+                  <a:t>we</a:t>
+                </a:r>
+                <a:r>
+                  <a:rPr lang="it-IT" dirty="0"/>
+                  <a:t> compute the </a:t>
+                </a:r>
+                <a:r>
+                  <a:rPr lang="it-IT" b="1" dirty="0" err="1"/>
+                  <a:t>Normalized</a:t>
+                </a:r>
+                <a:r>
+                  <a:rPr lang="it-IT" b="1" dirty="0"/>
+                  <a:t> Cross-</a:t>
+                </a:r>
+                <a:r>
+                  <a:rPr lang="it-IT" b="1" dirty="0" err="1"/>
+                  <a:t>Correlation</a:t>
+                </a:r>
+                <a:r>
+                  <a:rPr lang="it-IT" b="1" dirty="0"/>
+                  <a:t> </a:t>
+                </a:r>
+                <a14:m>
+                  <m:oMath xmlns:m="http://schemas.openxmlformats.org/officeDocument/2006/math">
+                    <m:sSub>
+                      <m:sSubPr>
+                        <m:ctrlPr>
+                          <a:rPr lang="it-IT" i="1">
+                            <a:latin typeface="Cambria Math"/>
+                          </a:rPr>
+                        </m:ctrlPr>
+                      </m:sSubPr>
+                      <m:e>
+                        <m:r>
+                          <a:rPr lang="it-IT" i="1">
+                            <a:latin typeface="Cambria Math"/>
+                          </a:rPr>
+                          <m:t>𝐶</m:t>
+                        </m:r>
+                      </m:e>
+                      <m:sub>
+                        <m:r>
+                          <a:rPr lang="it-IT" i="1">
+                            <a:latin typeface="Cambria Math"/>
+                          </a:rPr>
+                          <m:t>𝑁</m:t>
+                        </m:r>
+                      </m:sub>
+                    </m:sSub>
+                  </m:oMath>
+                </a14:m>
+                <a:r>
+                  <a:rPr lang="it-IT" dirty="0"/>
+                  <a:t> </a:t>
+                </a:r>
+                <a:r>
+                  <a:rPr lang="it-IT" dirty="0" err="1"/>
+                  <a:t>between</a:t>
+                </a:r>
+                <a:r>
+                  <a:rPr lang="it-IT" dirty="0"/>
+                  <a:t> the </a:t>
+                </a:r>
+                <a:r>
+                  <a:rPr lang="it-IT" dirty="0" err="1"/>
+                  <a:t>region</a:t>
+                </a:r>
+                <a:r>
+                  <a:rPr lang="it-IT" dirty="0"/>
+                  <a:t> of </a:t>
+                </a:r>
+                <a14:m>
+                  <m:oMath xmlns:m="http://schemas.openxmlformats.org/officeDocument/2006/math">
+                    <m:sSub>
+                      <m:sSubPr>
+                        <m:ctrlPr>
+                          <a:rPr lang="it-IT" i="1">
+                            <a:latin typeface="Cambria Math"/>
+                          </a:rPr>
+                        </m:ctrlPr>
+                      </m:sSubPr>
+                      <m:e>
+                        <m:r>
+                          <a:rPr lang="it-IT" i="1">
+                            <a:latin typeface="Cambria Math"/>
+                          </a:rPr>
+                          <m:t>𝑓𝑟𝑎𝑚𝑒</m:t>
+                        </m:r>
+                      </m:e>
+                      <m:sub>
+                        <m:r>
+                          <a:rPr lang="it-IT" i="1">
+                            <a:latin typeface="Cambria Math"/>
+                          </a:rPr>
+                          <m:t>𝑡</m:t>
+                        </m:r>
+                      </m:sub>
+                    </m:sSub>
+                  </m:oMath>
+                </a14:m>
+                <a:r>
+                  <a:rPr lang="it-IT" dirty="0"/>
+                  <a:t> </a:t>
+                </a:r>
+                <a:r>
+                  <a:rPr lang="it-IT" dirty="0" err="1"/>
+                  <a:t>bounded</a:t>
+                </a:r>
+                <a:r>
+                  <a:rPr lang="it-IT" dirty="0"/>
+                  <a:t> by the </a:t>
+                </a:r>
+                <a:r>
+                  <a:rPr lang="it-IT" dirty="0" err="1"/>
+                  <a:t>bounding</a:t>
+                </a:r>
+                <a:r>
+                  <a:rPr lang="it-IT" dirty="0"/>
+                  <a:t> box </a:t>
+                </a:r>
+                <a14:m>
+                  <m:oMath xmlns:m="http://schemas.openxmlformats.org/officeDocument/2006/math">
+                    <m:sSub>
+                      <m:sSubPr>
+                        <m:ctrlPr>
+                          <a:rPr lang="it-IT" i="1">
+                            <a:latin typeface="Cambria Math"/>
+                          </a:rPr>
+                        </m:ctrlPr>
+                      </m:sSubPr>
+                      <m:e>
+                        <m:r>
+                          <a:rPr lang="it-IT" i="1">
+                            <a:latin typeface="Cambria Math"/>
+                          </a:rPr>
+                          <m:t>𝑏𝑏</m:t>
+                        </m:r>
+                      </m:e>
+                      <m:sub>
+                        <m:r>
+                          <a:rPr lang="it-IT" i="1">
+                            <a:latin typeface="Cambria Math"/>
+                          </a:rPr>
+                          <m:t>𝑡</m:t>
+                        </m:r>
+                        <m:r>
+                          <a:rPr lang="it-IT" i="1">
+                            <a:latin typeface="Cambria Math"/>
+                          </a:rPr>
+                          <m:t>−1</m:t>
+                        </m:r>
+                      </m:sub>
+                    </m:sSub>
+                  </m:oMath>
+                </a14:m>
+                <a:r>
+                  <a:rPr lang="it-IT" dirty="0"/>
+                  <a:t>and the </a:t>
+                </a:r>
+                <a:r>
+                  <a:rPr lang="it-IT" dirty="0" err="1"/>
+                  <a:t>same</a:t>
+                </a:r>
+                <a:r>
+                  <a:rPr lang="it-IT" dirty="0"/>
+                  <a:t> </a:t>
+                </a:r>
+                <a:r>
+                  <a:rPr lang="it-IT" dirty="0" err="1"/>
+                  <a:t>region</a:t>
+                </a:r>
+                <a:r>
+                  <a:rPr lang="it-IT" dirty="0"/>
+                  <a:t> of </a:t>
+                </a:r>
+                <a14:m>
+                  <m:oMath xmlns:m="http://schemas.openxmlformats.org/officeDocument/2006/math">
+                    <m:sSub>
+                      <m:sSubPr>
+                        <m:ctrlPr>
+                          <a:rPr lang="it-IT" i="1">
+                            <a:latin typeface="Cambria Math"/>
+                          </a:rPr>
+                        </m:ctrlPr>
+                      </m:sSubPr>
+                      <m:e>
+                        <m:r>
+                          <a:rPr lang="it-IT" i="1">
+                            <a:latin typeface="Cambria Math"/>
+                          </a:rPr>
+                          <m:t>𝑓𝑟𝑎𝑚𝑒</m:t>
+                        </m:r>
+                      </m:e>
+                      <m:sub>
+                        <m:r>
+                          <a:rPr lang="it-IT" i="1">
+                            <a:latin typeface="Cambria Math"/>
+                          </a:rPr>
+                          <m:t>𝑡</m:t>
+                        </m:r>
+                        <m:r>
+                          <a:rPr lang="it-IT" i="1">
+                            <a:latin typeface="Cambria Math"/>
+                          </a:rPr>
+                          <m:t>−1</m:t>
+                        </m:r>
+                      </m:sub>
+                    </m:sSub>
+                  </m:oMath>
+                </a14:m>
+                <a:r>
+                  <a:rPr lang="it-IT" dirty="0"/>
+                  <a:t> </a:t>
+                </a:r>
+                <a:endParaRPr lang="it-IT" dirty="0"/>
+              </a:p>
+              <a:p>
+                <a:pPr lvl="3"/>
+                <a:r>
+                  <a:rPr lang="it-IT" dirty="0"/>
+                  <a:t>If </a:t>
+                </a:r>
+                <a14:m>
+                  <m:oMath xmlns:m="http://schemas.openxmlformats.org/officeDocument/2006/math">
+                    <m:sSub>
+                      <m:sSubPr>
+                        <m:ctrlPr>
+                          <a:rPr lang="it-IT" i="1">
+                            <a:latin typeface="Cambria Math"/>
+                          </a:rPr>
+                        </m:ctrlPr>
+                      </m:sSubPr>
+                      <m:e>
+                        <m:r>
+                          <a:rPr lang="it-IT">
+                            <a:latin typeface="Cambria Math"/>
+                          </a:rPr>
+                          <m:t>𝐶</m:t>
+                        </m:r>
+                      </m:e>
+                      <m:sub>
+                        <m:r>
+                          <a:rPr lang="it-IT">
+                            <a:latin typeface="Cambria Math"/>
+                          </a:rPr>
+                          <m:t>𝑁</m:t>
+                        </m:r>
+                      </m:sub>
+                    </m:sSub>
+                    <m:r>
+                      <a:rPr lang="it-IT">
+                        <a:latin typeface="Cambria Math"/>
+                      </a:rPr>
+                      <m:t>&gt;0.90</m:t>
+                    </m:r>
+                  </m:oMath>
+                </a14:m>
+                <a:r>
+                  <a:rPr lang="it-IT" dirty="0"/>
+                  <a:t> </a:t>
+                </a:r>
+                <a:r>
+                  <a:rPr lang="it-IT" dirty="0" err="1"/>
+                  <a:t>means</a:t>
+                </a:r>
+                <a:r>
+                  <a:rPr lang="it-IT" dirty="0"/>
+                  <a:t> </a:t>
+                </a:r>
+                <a:r>
+                  <a:rPr lang="it-IT" dirty="0" err="1"/>
+                  <a:t>that</a:t>
+                </a:r>
+                <a:r>
+                  <a:rPr lang="it-IT" dirty="0"/>
+                  <a:t> the </a:t>
+                </a:r>
+                <a:r>
+                  <a:rPr lang="it-IT" dirty="0" err="1"/>
+                  <a:t>regions</a:t>
+                </a:r>
+                <a:r>
+                  <a:rPr lang="it-IT" dirty="0"/>
+                  <a:t> </a:t>
+                </a:r>
+                <a:r>
+                  <a:rPr lang="it-IT" dirty="0" err="1"/>
+                  <a:t>is</a:t>
+                </a:r>
+                <a:r>
+                  <a:rPr lang="it-IT" dirty="0"/>
+                  <a:t> the </a:t>
+                </a:r>
+                <a:r>
+                  <a:rPr lang="it-IT" dirty="0" err="1"/>
+                  <a:t>same</a:t>
+                </a:r>
+                <a:r>
+                  <a:rPr lang="it-IT" dirty="0"/>
+                  <a:t> </a:t>
+                </a:r>
+                <a:r>
+                  <a:rPr lang="it-IT" dirty="0" err="1"/>
+                  <a:t>then</a:t>
+                </a:r>
+                <a:r>
+                  <a:rPr lang="it-IT" dirty="0"/>
+                  <a:t> </a:t>
+                </a:r>
+                <a:r>
+                  <a:rPr lang="it-IT" dirty="0" err="1"/>
+                  <a:t>we</a:t>
+                </a:r>
+                <a:r>
+                  <a:rPr lang="it-IT" dirty="0"/>
+                  <a:t> </a:t>
+                </a:r>
+                <a:r>
+                  <a:rPr lang="it-IT" dirty="0" err="1"/>
+                  <a:t>keep</a:t>
+                </a:r>
+                <a:r>
+                  <a:rPr lang="it-IT" dirty="0"/>
+                  <a:t> </a:t>
+                </a:r>
+                <a:r>
+                  <a:rPr lang="it-IT" dirty="0" err="1"/>
+                  <a:t>it</a:t>
+                </a:r>
+                <a:r>
+                  <a:rPr lang="it-IT" dirty="0"/>
+                  <a:t>;</a:t>
+                </a:r>
+              </a:p>
+              <a:p>
+                <a:pPr lvl="3"/>
+                <a:r>
+                  <a:rPr lang="it-IT" dirty="0"/>
+                  <a:t>Else </a:t>
+                </a:r>
+                <a:r>
+                  <a:rPr lang="it-IT" dirty="0" err="1"/>
+                  <a:t>we</a:t>
+                </a:r>
+                <a:r>
+                  <a:rPr lang="it-IT" dirty="0"/>
+                  <a:t> </a:t>
+                </a:r>
+                <a:r>
+                  <a:rPr lang="it-IT" dirty="0" err="1"/>
+                  <a:t>discard</a:t>
+                </a:r>
+                <a:r>
+                  <a:rPr lang="it-IT" dirty="0"/>
+                  <a:t> the </a:t>
+                </a:r>
+                <a14:m>
+                  <m:oMath xmlns:m="http://schemas.openxmlformats.org/officeDocument/2006/math">
+                    <m:sSub>
+                      <m:sSubPr>
+                        <m:ctrlPr>
+                          <a:rPr lang="it-IT" i="1">
+                            <a:latin typeface="Cambria Math"/>
+                          </a:rPr>
+                        </m:ctrlPr>
+                      </m:sSubPr>
+                      <m:e>
+                        <m:r>
+                          <a:rPr lang="it-IT" i="1">
+                            <a:latin typeface="Cambria Math"/>
+                          </a:rPr>
+                          <m:t>𝑏𝑏</m:t>
+                        </m:r>
+                      </m:e>
+                      <m:sub>
+                        <m:r>
+                          <a:rPr lang="it-IT" i="1">
+                            <a:latin typeface="Cambria Math"/>
+                          </a:rPr>
+                          <m:t>𝑡</m:t>
+                        </m:r>
+                        <m:r>
+                          <a:rPr lang="it-IT" i="1">
+                            <a:latin typeface="Cambria Math"/>
+                          </a:rPr>
+                          <m:t>−1</m:t>
+                        </m:r>
+                      </m:sub>
+                    </m:sSub>
+                  </m:oMath>
+                </a14:m>
+                <a:endParaRPr lang="it-IT" dirty="0"/>
+              </a:p>
+              <a:p>
+                <a:r>
+                  <a:rPr lang="it-IT" dirty="0"/>
+                  <a:t>The </a:t>
+                </a:r>
+                <a:r>
+                  <a:rPr lang="it-IT" dirty="0" err="1"/>
+                  <a:t>final</a:t>
+                </a:r>
+                <a:r>
+                  <a:rPr lang="it-IT" dirty="0"/>
+                  <a:t> </a:t>
+                </a:r>
+                <a:r>
+                  <a:rPr lang="it-IT" dirty="0" err="1"/>
+                  <a:t>proposals</a:t>
+                </a:r>
+                <a:r>
+                  <a:rPr lang="it-IT" dirty="0"/>
+                  <a:t> are </a:t>
+                </a:r>
+                <a:r>
+                  <a:rPr lang="it-IT" dirty="0" err="1"/>
+                  <a:t>segmented</a:t>
+                </a:r>
+                <a:r>
+                  <a:rPr lang="it-IT" dirty="0"/>
+                  <a:t> by </a:t>
+                </a:r>
+                <a:r>
+                  <a:rPr lang="it-IT" dirty="0" err="1"/>
+                  <a:t>using</a:t>
+                </a:r>
+                <a:r>
+                  <a:rPr lang="it-IT" dirty="0"/>
+                  <a:t> </a:t>
+                </a:r>
+                <a:r>
+                  <a:rPr lang="it-IT" dirty="0" err="1"/>
+                  <a:t>watershed</a:t>
+                </a:r>
+                <a:r>
+                  <a:rPr lang="it-IT" dirty="0"/>
+                  <a:t> </a:t>
+                </a:r>
+                <a:r>
+                  <a:rPr lang="it-IT" dirty="0" err="1"/>
+                  <a:t>algorithm</a:t>
+                </a:r>
+                <a:r>
+                  <a:rPr lang="it-IT" dirty="0"/>
+                  <a:t> </a:t>
+                </a:r>
+                <a:r>
+                  <a:rPr lang="it-IT" dirty="0" err="1"/>
+                  <a:t>instead</a:t>
+                </a:r>
+                <a:r>
+                  <a:rPr lang="it-IT" dirty="0"/>
+                  <a:t> </a:t>
+                </a:r>
+                <a:r>
+                  <a:rPr lang="it-IT" dirty="0" err="1"/>
+                  <a:t>region</a:t>
+                </a:r>
+                <a:r>
+                  <a:rPr lang="it-IT" dirty="0"/>
+                  <a:t> </a:t>
+                </a:r>
+                <a:r>
+                  <a:rPr lang="it-IT" dirty="0" err="1"/>
+                  <a:t>growing</a:t>
+                </a:r>
+                <a:r>
+                  <a:rPr lang="it-IT" dirty="0"/>
+                  <a:t> </a:t>
+                </a:r>
+                <a:r>
+                  <a:rPr lang="it-IT" dirty="0" err="1" smtClean="0"/>
+                  <a:t>algorithm</a:t>
+                </a:r>
+                <a:r>
+                  <a:rPr lang="it-IT" dirty="0" smtClean="0"/>
+                  <a:t>.</a:t>
+                </a:r>
+                <a:endParaRPr lang="it-IT" dirty="0"/>
+              </a:p>
+              <a:p>
+                <a:endParaRPr lang="it-IT" dirty="0"/>
+              </a:p>
+            </p:txBody>
+          </p:sp>
+        </mc:Choice>
+        <mc:Fallback>
+          <p:sp>
+            <p:nvSpPr>
+              <p:cNvPr id="3" name="Segnaposto contenuto 2"/>
+              <p:cNvSpPr>
+                <a:spLocks noGrp="1" noRot="1" noChangeAspect="1" noMove="1" noResize="1" noEditPoints="1" noAdjustHandles="1" noChangeArrowheads="1" noChangeShapeType="1" noTextEdit="1"/>
+              </p:cNvSpPr>
+              <p:nvPr>
+                <p:ph idx="1"/>
+              </p:nvPr>
+            </p:nvSpPr>
+            <p:spPr>
+              <a:blipFill rotWithShape="1">
+                <a:blip r:embed="rId2"/>
+                <a:stretch>
+                  <a:fillRect t="-687" b="-824"/>
+                </a:stretch>
+              </a:blipFill>
+            </p:spPr>
+            <p:txBody>
+              <a:bodyPr/>
+              <a:lstStyle/>
+              <a:p>
+                <a:r>
+                  <a:rPr lang="it-IT">
+                    <a:noFill/>
+                  </a:rPr>
+                  <a:t> </a:t>
+                </a:r>
+              </a:p>
+            </p:txBody>
+          </p:sp>
+        </mc:Fallback>
+      </mc:AlternateContent>
       <p:sp>
         <p:nvSpPr>
           <p:cNvPr id="4" name="Segnaposto contenuto 3"/>
@@ -9540,17 +9490,16 @@
           <a:lstStyle/>
           <a:p>
             <a:r>
-              <a:rPr lang="it-IT" dirty="0" smtClean="0"/>
-              <a:t>Test</a:t>
-            </a:r>
-            <a:endParaRPr lang="it-IT" dirty="0"/>
+              <a:rPr lang="it-IT" dirty="0"/>
+              <a:t>Development</a:t>
+            </a:r>
           </a:p>
         </p:txBody>
       </p:sp>
     </p:spTree>
     <p:extLst>
       <p:ext uri="{BB962C8B-B14F-4D97-AF65-F5344CB8AC3E}">
-        <p14:creationId xmlns:p14="http://schemas.microsoft.com/office/powerpoint/2010/main" val="2029159566"/>
+        <p14:creationId xmlns:p14="http://schemas.microsoft.com/office/powerpoint/2010/main" val="349474387"/>
       </p:ext>
     </p:extLst>
   </p:cSld>
@@ -9601,7 +9550,7 @@
           <a:p>
             <a:r>
               <a:rPr lang="it-IT" dirty="0" smtClean="0"/>
-              <a:t>Performance</a:t>
+              <a:t>Test</a:t>
             </a:r>
             <a:endParaRPr lang="it-IT" dirty="0"/>
           </a:p>
@@ -9619,10 +9568,337 @@
         </p:nvSpPr>
         <p:spPr/>
         <p:txBody>
-          <a:bodyPr/>
+          <a:bodyPr>
+            <a:normAutofit fontScale="92500" lnSpcReduction="20000"/>
+          </a:bodyPr>
           <a:lstStyle/>
           <a:p>
-            <a:endParaRPr lang="it-IT"/>
+            <a:r>
+              <a:rPr lang="it-IT" dirty="0" err="1" smtClean="0"/>
+              <a:t>We</a:t>
+            </a:r>
+            <a:r>
+              <a:rPr lang="it-IT" dirty="0" smtClean="0"/>
+              <a:t> </a:t>
+            </a:r>
+            <a:r>
+              <a:rPr lang="it-IT" dirty="0" err="1" smtClean="0"/>
+              <a:t>have</a:t>
+            </a:r>
+            <a:r>
+              <a:rPr lang="it-IT" dirty="0" smtClean="0"/>
+              <a:t> </a:t>
+            </a:r>
+            <a:r>
+              <a:rPr lang="it-IT" dirty="0" err="1" smtClean="0"/>
+              <a:t>tested</a:t>
+            </a:r>
+            <a:r>
+              <a:rPr lang="it-IT" dirty="0" smtClean="0"/>
+              <a:t> the </a:t>
+            </a:r>
+            <a:r>
+              <a:rPr lang="it-IT" dirty="0" err="1" smtClean="0"/>
+              <a:t>application</a:t>
+            </a:r>
+            <a:r>
+              <a:rPr lang="it-IT" dirty="0" smtClean="0"/>
+              <a:t> </a:t>
+            </a:r>
+            <a:r>
+              <a:rPr lang="it-IT" dirty="0" err="1" smtClean="0"/>
+              <a:t>using</a:t>
+            </a:r>
+            <a:r>
+              <a:rPr lang="it-IT" dirty="0" smtClean="0"/>
+              <a:t> more </a:t>
+            </a:r>
+            <a:r>
+              <a:rPr lang="it-IT" dirty="0" err="1" smtClean="0"/>
+              <a:t>than</a:t>
+            </a:r>
+            <a:r>
+              <a:rPr lang="it-IT" dirty="0" smtClean="0"/>
+              <a:t> 20 </a:t>
+            </a:r>
+            <a:r>
+              <a:rPr lang="it-IT" dirty="0" err="1" smtClean="0"/>
+              <a:t>videos</a:t>
+            </a:r>
+            <a:r>
+              <a:rPr lang="it-IT" dirty="0" smtClean="0"/>
+              <a:t>;</a:t>
+            </a:r>
+            <a:endParaRPr lang="it-IT" dirty="0" smtClean="0"/>
+          </a:p>
+          <a:p>
+            <a:r>
+              <a:rPr lang="it-IT" dirty="0" smtClean="0"/>
+              <a:t>The </a:t>
+            </a:r>
+            <a:r>
+              <a:rPr lang="it-IT" dirty="0" err="1" smtClean="0"/>
+              <a:t>videos</a:t>
+            </a:r>
+            <a:r>
+              <a:rPr lang="it-IT" dirty="0" smtClean="0"/>
+              <a:t> of </a:t>
+            </a:r>
+            <a:r>
+              <a:rPr lang="it-IT" dirty="0" err="1" smtClean="0"/>
+              <a:t>interest</a:t>
+            </a:r>
+            <a:r>
+              <a:rPr lang="it-IT" dirty="0"/>
+              <a:t> </a:t>
+            </a:r>
+            <a:r>
+              <a:rPr lang="it-IT" dirty="0" smtClean="0"/>
+              <a:t>are </a:t>
+            </a:r>
+            <a:r>
+              <a:rPr lang="it-IT" dirty="0" err="1" smtClean="0"/>
+              <a:t>available</a:t>
+            </a:r>
+            <a:r>
+              <a:rPr lang="it-IT" dirty="0"/>
+              <a:t> </a:t>
+            </a:r>
+            <a:r>
+              <a:rPr lang="it-IT" dirty="0" smtClean="0"/>
+              <a:t>for download </a:t>
+            </a:r>
+            <a:r>
+              <a:rPr lang="it-IT" dirty="0" err="1" smtClean="0"/>
+              <a:t>through</a:t>
+            </a:r>
+            <a:r>
+              <a:rPr lang="it-IT" dirty="0" smtClean="0"/>
+              <a:t> </a:t>
+            </a:r>
+            <a:r>
+              <a:rPr lang="it-IT" dirty="0" err="1" smtClean="0"/>
+              <a:t>this</a:t>
+            </a:r>
+            <a:r>
+              <a:rPr lang="it-IT" dirty="0" smtClean="0"/>
+              <a:t> </a:t>
+            </a:r>
+            <a:r>
+              <a:rPr lang="it-IT" dirty="0" smtClean="0">
+                <a:solidFill>
+                  <a:srgbClr val="0272B2"/>
+                </a:solidFill>
+                <a:hlinkClick r:id="rId2"/>
+              </a:rPr>
+              <a:t>link</a:t>
+            </a:r>
+            <a:r>
+              <a:rPr lang="it-IT" dirty="0" smtClean="0"/>
+              <a:t>;</a:t>
+            </a:r>
+            <a:endParaRPr lang="it-IT" dirty="0" smtClean="0"/>
+          </a:p>
+          <a:p>
+            <a:pPr lvl="1"/>
+            <a:r>
+              <a:rPr lang="it-IT" dirty="0" smtClean="0"/>
+              <a:t>Video04: no </a:t>
+            </a:r>
+            <a:r>
+              <a:rPr lang="it-IT" dirty="0" err="1" smtClean="0"/>
+              <a:t>clutter</a:t>
+            </a:r>
+            <a:r>
+              <a:rPr lang="it-IT" dirty="0" smtClean="0"/>
+              <a:t>, no </a:t>
+            </a:r>
+            <a:r>
+              <a:rPr lang="it-IT" dirty="0" err="1" smtClean="0"/>
+              <a:t>occlusions</a:t>
+            </a:r>
+            <a:r>
+              <a:rPr lang="it-IT" dirty="0" smtClean="0"/>
+              <a:t>, </a:t>
+            </a:r>
+            <a:r>
+              <a:rPr lang="it-IT" dirty="0" err="1" smtClean="0"/>
+              <a:t>one</a:t>
+            </a:r>
+            <a:r>
+              <a:rPr lang="it-IT" dirty="0" smtClean="0"/>
+              <a:t> </a:t>
+            </a:r>
+            <a:r>
+              <a:rPr lang="it-IT" dirty="0" err="1" smtClean="0"/>
+              <a:t>person</a:t>
+            </a:r>
+            <a:r>
+              <a:rPr lang="it-IT" dirty="0" smtClean="0"/>
+              <a:t>, </a:t>
+            </a:r>
+            <a:r>
+              <a:rPr lang="it-IT" dirty="0" err="1" smtClean="0"/>
+              <a:t>one</a:t>
+            </a:r>
+            <a:r>
+              <a:rPr lang="it-IT" dirty="0" smtClean="0"/>
+              <a:t> </a:t>
+            </a:r>
+            <a:r>
+              <a:rPr lang="it-IT" dirty="0" err="1" smtClean="0"/>
+              <a:t>left</a:t>
+            </a:r>
+            <a:r>
+              <a:rPr lang="it-IT" dirty="0" smtClean="0"/>
+              <a:t> </a:t>
+            </a:r>
+            <a:r>
+              <a:rPr lang="it-IT" dirty="0" err="1" smtClean="0"/>
+              <a:t>luggage</a:t>
+            </a:r>
+            <a:r>
+              <a:rPr lang="it-IT" dirty="0" smtClean="0"/>
+              <a:t>;</a:t>
+            </a:r>
+          </a:p>
+          <a:p>
+            <a:pPr lvl="1"/>
+            <a:r>
+              <a:rPr lang="it-IT" dirty="0" smtClean="0"/>
+              <a:t>Video05: no </a:t>
+            </a:r>
+            <a:r>
+              <a:rPr lang="it-IT" dirty="0" err="1" smtClean="0"/>
+              <a:t>clutter</a:t>
+            </a:r>
+            <a:r>
+              <a:rPr lang="it-IT" dirty="0" smtClean="0"/>
+              <a:t>, </a:t>
+            </a:r>
+            <a:r>
+              <a:rPr lang="it-IT" dirty="0" err="1" smtClean="0"/>
+              <a:t>two</a:t>
+            </a:r>
+            <a:r>
+              <a:rPr lang="it-IT" dirty="0" smtClean="0"/>
+              <a:t> </a:t>
+            </a:r>
+            <a:r>
+              <a:rPr lang="it-IT" dirty="0" err="1" smtClean="0"/>
+              <a:t>lef</a:t>
+            </a:r>
+            <a:r>
+              <a:rPr lang="it-IT" dirty="0" err="1" smtClean="0"/>
+              <a:t>t</a:t>
+            </a:r>
+            <a:r>
+              <a:rPr lang="it-IT" dirty="0" smtClean="0"/>
+              <a:t> </a:t>
+            </a:r>
+            <a:r>
+              <a:rPr lang="it-IT" dirty="0" err="1" smtClean="0"/>
+              <a:t>luggages</a:t>
+            </a:r>
+            <a:r>
+              <a:rPr lang="it-IT" dirty="0" smtClean="0"/>
+              <a:t>, </a:t>
+            </a:r>
+            <a:r>
+              <a:rPr lang="it-IT" dirty="0" err="1" smtClean="0"/>
+              <a:t>occlusions</a:t>
+            </a:r>
+            <a:r>
+              <a:rPr lang="it-IT" dirty="0" smtClean="0"/>
+              <a:t>, more </a:t>
+            </a:r>
+            <a:r>
+              <a:rPr lang="it-IT" dirty="0" err="1" smtClean="0"/>
+              <a:t>people</a:t>
+            </a:r>
+            <a:r>
+              <a:rPr lang="it-IT" dirty="0" smtClean="0"/>
+              <a:t>, </a:t>
+            </a:r>
+            <a:r>
+              <a:rPr lang="it-IT" dirty="0" err="1" smtClean="0"/>
+              <a:t>movement</a:t>
+            </a:r>
+            <a:r>
+              <a:rPr lang="it-IT" dirty="0" smtClean="0"/>
+              <a:t>;</a:t>
+            </a:r>
+          </a:p>
+          <a:p>
+            <a:pPr lvl="1"/>
+            <a:r>
+              <a:rPr lang="it-IT" dirty="0" smtClean="0"/>
+              <a:t>Video12: no </a:t>
+            </a:r>
+            <a:r>
+              <a:rPr lang="it-IT" dirty="0" err="1" smtClean="0"/>
+              <a:t>clutter</a:t>
+            </a:r>
+            <a:r>
+              <a:rPr lang="it-IT" dirty="0" smtClean="0"/>
+              <a:t>, </a:t>
+            </a:r>
+            <a:r>
+              <a:rPr lang="it-IT" dirty="0" err="1" smtClean="0"/>
+              <a:t>three</a:t>
+            </a:r>
+            <a:r>
+              <a:rPr lang="it-IT" dirty="0" smtClean="0"/>
+              <a:t> </a:t>
+            </a:r>
+            <a:r>
+              <a:rPr lang="it-IT" dirty="0" err="1" smtClean="0"/>
+              <a:t>left</a:t>
+            </a:r>
+            <a:r>
+              <a:rPr lang="it-IT" dirty="0" smtClean="0"/>
+              <a:t> </a:t>
+            </a:r>
+            <a:r>
+              <a:rPr lang="it-IT" dirty="0" err="1" smtClean="0"/>
+              <a:t>luggages</a:t>
+            </a:r>
+            <a:r>
+              <a:rPr lang="it-IT" dirty="0" smtClean="0"/>
+              <a:t>;</a:t>
+            </a:r>
+          </a:p>
+          <a:p>
+            <a:pPr lvl="1"/>
+            <a:r>
+              <a:rPr lang="it-IT" dirty="0" smtClean="0"/>
+              <a:t>Video13: </a:t>
+            </a:r>
+            <a:r>
+              <a:rPr lang="it-IT" dirty="0" err="1" smtClean="0"/>
+              <a:t>clutter</a:t>
+            </a:r>
+            <a:r>
+              <a:rPr lang="it-IT" dirty="0"/>
+              <a:t>;</a:t>
+            </a:r>
+            <a:endParaRPr lang="it-IT" dirty="0" smtClean="0"/>
+          </a:p>
+          <a:p>
+            <a:pPr lvl="1"/>
+            <a:r>
+              <a:rPr lang="it-IT" dirty="0" smtClean="0"/>
+              <a:t>Video16: </a:t>
+            </a:r>
+            <a:r>
+              <a:rPr lang="it-IT" dirty="0" err="1" smtClean="0"/>
+              <a:t>clutter</a:t>
+            </a:r>
+            <a:r>
+              <a:rPr lang="it-IT" dirty="0" smtClean="0"/>
+              <a:t>;</a:t>
+            </a:r>
+            <a:endParaRPr lang="it-IT" dirty="0"/>
           </a:p>
         </p:txBody>
       </p:sp>
@@ -9642,16 +9918,17 @@
           <a:lstStyle/>
           <a:p>
             <a:r>
-              <a:rPr lang="it-IT" dirty="0"/>
+              <a:rPr lang="it-IT" dirty="0" smtClean="0"/>
               <a:t>Test</a:t>
             </a:r>
+            <a:endParaRPr lang="it-IT" dirty="0"/>
           </a:p>
         </p:txBody>
       </p:sp>
     </p:spTree>
     <p:extLst>
       <p:ext uri="{BB962C8B-B14F-4D97-AF65-F5344CB8AC3E}">
-        <p14:creationId xmlns:p14="http://schemas.microsoft.com/office/powerpoint/2010/main" val="770908991"/>
+        <p14:creationId xmlns:p14="http://schemas.microsoft.com/office/powerpoint/2010/main" val="2029159566"/>
       </p:ext>
     </p:extLst>
   </p:cSld>
@@ -9701,6 +9978,119 @@
           <a:lstStyle/>
           <a:p>
             <a:r>
+              <a:rPr lang="it-IT" dirty="0" smtClean="0"/>
+              <a:t>Performance</a:t>
+            </a:r>
+            <a:endParaRPr lang="it-IT" dirty="0"/>
+          </a:p>
+        </p:txBody>
+      </p:sp>
+      <p:sp>
+        <p:nvSpPr>
+          <p:cNvPr id="3" name="Segnaposto contenuto 2"/>
+          <p:cNvSpPr>
+            <a:spLocks noGrp="1"/>
+          </p:cNvSpPr>
+          <p:nvPr>
+            <p:ph idx="1"/>
+          </p:nvPr>
+        </p:nvSpPr>
+        <p:spPr/>
+        <p:txBody>
+          <a:bodyPr/>
+          <a:lstStyle/>
+          <a:p>
+            <a:r>
+              <a:rPr lang="en-US" dirty="0"/>
+              <a:t>The approach used in this application is demanding in term of performance. The proposed framework runs at 5 fps on a modern </a:t>
+            </a:r>
+            <a:r>
+              <a:rPr lang="en-US" dirty="0" smtClean="0"/>
+              <a:t>notebook, </a:t>
+            </a:r>
+            <a:r>
+              <a:rPr lang="en-US" dirty="0"/>
+              <a:t>just like the one proposed in the paper from which the authors were inspired.</a:t>
+            </a:r>
+            <a:endParaRPr lang="it-IT" dirty="0" smtClean="0"/>
+          </a:p>
+        </p:txBody>
+      </p:sp>
+      <p:sp>
+        <p:nvSpPr>
+          <p:cNvPr id="4" name="Segnaposto contenuto 3"/>
+          <p:cNvSpPr>
+            <a:spLocks noGrp="1"/>
+          </p:cNvSpPr>
+          <p:nvPr>
+            <p:ph sz="quarter" idx="11"/>
+          </p:nvPr>
+        </p:nvSpPr>
+        <p:spPr/>
+        <p:txBody>
+          <a:bodyPr/>
+          <a:lstStyle/>
+          <a:p>
+            <a:r>
+              <a:rPr lang="it-IT" dirty="0"/>
+              <a:t>Test</a:t>
+            </a:r>
+          </a:p>
+        </p:txBody>
+      </p:sp>
+    </p:spTree>
+    <p:extLst>
+      <p:ext uri="{BB962C8B-B14F-4D97-AF65-F5344CB8AC3E}">
+        <p14:creationId xmlns:p14="http://schemas.microsoft.com/office/powerpoint/2010/main" val="770908991"/>
+      </p:ext>
+    </p:extLst>
+  </p:cSld>
+  <p:clrMapOvr>
+    <a:masterClrMapping/>
+  </p:clrMapOvr>
+  <p:timing>
+    <p:tnLst>
+      <p:par>
+        <p:cTn id="1" dur="indefinite" restart="never" nodeType="tmRoot"/>
+      </p:par>
+    </p:tnLst>
+  </p:timing>
+</p:sld>
+</file>
+
+<file path=ppt/slides/slide19.xml><?xml version="1.0" encoding="utf-8"?>
+<p:sld xmlns:a="http://schemas.openxmlformats.org/drawingml/2006/main" xmlns:r="http://schemas.openxmlformats.org/officeDocument/2006/relationships" xmlns:p="http://schemas.openxmlformats.org/presentationml/2006/main">
+  <p:cSld>
+    <p:spTree>
+      <p:nvGrpSpPr>
+        <p:cNvPr id="1" name=""/>
+        <p:cNvGrpSpPr/>
+        <p:nvPr/>
+      </p:nvGrpSpPr>
+      <p:grpSpPr>
+        <a:xfrm>
+          <a:off x="0" y="0"/>
+          <a:ext cx="0" cy="0"/>
+          <a:chOff x="0" y="0"/>
+          <a:chExt cx="0" cy="0"/>
+        </a:xfrm>
+      </p:grpSpPr>
+      <p:sp>
+        <p:nvSpPr>
+          <p:cNvPr id="2" name="Titolo 1"/>
+          <p:cNvSpPr>
+            <a:spLocks noGrp="1"/>
+          </p:cNvSpPr>
+          <p:nvPr>
+            <p:ph type="title"/>
+          </p:nvPr>
+        </p:nvSpPr>
+        <p:spPr/>
+        <p:txBody>
+          <a:bodyPr/>
+          <a:lstStyle/>
+          <a:p>
+            <a:r>
               <a:rPr lang="it-IT" dirty="0" err="1" smtClean="0"/>
               <a:t>References</a:t>
             </a:r>
@@ -10156,7 +10546,222 @@
 </p:sld>
 </file>
 
-<file path=ppt/slides/slide19.xml><?xml version="1.0" encoding="utf-8"?>
+<file path=ppt/slides/slide2.xml><?xml version="1.0" encoding="utf-8"?>
+<p:sld xmlns:a="http://schemas.openxmlformats.org/drawingml/2006/main" xmlns:r="http://schemas.openxmlformats.org/officeDocument/2006/relationships" xmlns:p="http://schemas.openxmlformats.org/presentationml/2006/main">
+  <p:cSld>
+    <p:spTree>
+      <p:nvGrpSpPr>
+        <p:cNvPr id="1" name=""/>
+        <p:cNvGrpSpPr/>
+        <p:nvPr/>
+      </p:nvGrpSpPr>
+      <p:grpSpPr>
+        <a:xfrm>
+          <a:off x="0" y="0"/>
+          <a:ext cx="0" cy="0"/>
+          <a:chOff x="0" y="0"/>
+          <a:chExt cx="0" cy="0"/>
+        </a:xfrm>
+      </p:grpSpPr>
+      <p:sp>
+        <p:nvSpPr>
+          <p:cNvPr id="6" name="Titolo 5"/>
+          <p:cNvSpPr>
+            <a:spLocks noGrp="1"/>
+          </p:cNvSpPr>
+          <p:nvPr>
+            <p:ph type="title"/>
+          </p:nvPr>
+        </p:nvSpPr>
+        <p:spPr/>
+        <p:txBody>
+          <a:bodyPr/>
+          <a:lstStyle/>
+          <a:p>
+            <a:r>
+              <a:rPr lang="it-IT" dirty="0" err="1" smtClean="0"/>
+              <a:t>Contents</a:t>
+            </a:r>
+            <a:endParaRPr lang="it-IT" dirty="0"/>
+          </a:p>
+        </p:txBody>
+      </p:sp>
+      <p:sp>
+        <p:nvSpPr>
+          <p:cNvPr id="7" name="Segnaposto contenuto 6"/>
+          <p:cNvSpPr>
+            <a:spLocks noGrp="1"/>
+          </p:cNvSpPr>
+          <p:nvPr>
+            <p:ph sz="quarter" idx="11"/>
+          </p:nvPr>
+        </p:nvSpPr>
+        <p:spPr/>
+        <p:txBody>
+          <a:bodyPr/>
+          <a:lstStyle/>
+          <a:p>
+            <a:r>
+              <a:rPr lang="it-IT" dirty="0" err="1" smtClean="0"/>
+              <a:t>Contents</a:t>
+            </a:r>
+            <a:endParaRPr lang="it-IT" dirty="0"/>
+          </a:p>
+        </p:txBody>
+      </p:sp>
+      <p:sp>
+        <p:nvSpPr>
+          <p:cNvPr id="8" name="Segnaposto contenuto 7"/>
+          <p:cNvSpPr>
+            <a:spLocks noGrp="1"/>
+          </p:cNvSpPr>
+          <p:nvPr>
+            <p:ph idx="12"/>
+          </p:nvPr>
+        </p:nvSpPr>
+        <p:spPr/>
+        <p:txBody>
+          <a:bodyPr/>
+          <a:lstStyle/>
+          <a:p>
+            <a:r>
+              <a:rPr lang="it-IT" dirty="0" err="1" smtClean="0"/>
+              <a:t>Introduction</a:t>
+            </a:r>
+            <a:endParaRPr lang="it-IT" dirty="0" smtClean="0"/>
+          </a:p>
+          <a:p>
+            <a:r>
+              <a:rPr lang="it-IT" dirty="0" err="1" smtClean="0"/>
+              <a:t>Approach</a:t>
+            </a:r>
+            <a:endParaRPr lang="it-IT" dirty="0" smtClean="0"/>
+          </a:p>
+          <a:p>
+            <a:pPr lvl="1"/>
+            <a:r>
+              <a:rPr lang="it-IT" dirty="0" err="1" smtClean="0"/>
+              <a:t>Intensity</a:t>
+            </a:r>
+            <a:r>
+              <a:rPr lang="it-IT" dirty="0" smtClean="0"/>
+              <a:t> processing</a:t>
+            </a:r>
+          </a:p>
+          <a:p>
+            <a:pPr lvl="1"/>
+            <a:r>
+              <a:rPr lang="it-IT" dirty="0" smtClean="0"/>
+              <a:t>Depth processing</a:t>
+            </a:r>
+          </a:p>
+          <a:p>
+            <a:pPr lvl="1"/>
+            <a:r>
+              <a:rPr lang="it-IT" dirty="0" smtClean="0"/>
+              <a:t>Combination of </a:t>
+            </a:r>
+            <a:r>
+              <a:rPr lang="it-IT" dirty="0" err="1" smtClean="0"/>
+              <a:t>proposals</a:t>
+            </a:r>
+            <a:endParaRPr lang="it-IT" dirty="0" smtClean="0"/>
+          </a:p>
+          <a:p>
+            <a:r>
+              <a:rPr lang="it-IT" dirty="0" smtClean="0"/>
+              <a:t>Technologies</a:t>
+            </a:r>
+          </a:p>
+          <a:p>
+            <a:r>
+              <a:rPr lang="it-IT" dirty="0" smtClean="0"/>
+              <a:t>Development</a:t>
+            </a:r>
+          </a:p>
+          <a:p>
+            <a:r>
+              <a:rPr lang="it-IT" dirty="0" smtClean="0"/>
+              <a:t>Test</a:t>
+            </a:r>
+          </a:p>
+          <a:p>
+            <a:r>
+              <a:rPr lang="it-IT" dirty="0" smtClean="0"/>
+              <a:t>Performance</a:t>
+            </a:r>
+          </a:p>
+          <a:p>
+            <a:endParaRPr lang="it-IT" dirty="0" smtClean="0"/>
+          </a:p>
+          <a:p>
+            <a:endParaRPr lang="it-IT" dirty="0"/>
+          </a:p>
+        </p:txBody>
+      </p:sp>
+      <p:pic>
+        <p:nvPicPr>
+          <p:cNvPr id="2" name="Segnaposto contenuto 1"/>
+          <p:cNvPicPr>
+            <a:picLocks noGrp="1" noChangeAspect="1"/>
+          </p:cNvPicPr>
+          <p:nvPr>
+            <p:ph idx="13"/>
+          </p:nvPr>
+        </p:nvPicPr>
+        <p:blipFill>
+          <a:blip r:embed="rId2">
+            <a:extLst>
+              <a:ext uri="{28A0092B-C50C-407E-A947-70E740481C1C}">
+                <a14:useLocalDpi xmlns:a14="http://schemas.microsoft.com/office/drawing/2010/main" val="0"/>
+              </a:ext>
+            </a:extLst>
+          </a:blip>
+          <a:stretch>
+            <a:fillRect/>
+          </a:stretch>
+        </p:blipFill>
+        <p:spPr>
+          <a:xfrm>
+            <a:off x="4767263" y="2584385"/>
+            <a:ext cx="3765550" cy="2673481"/>
+          </a:xfrm>
+          <a:prstGeom prst="rect">
+            <a:avLst/>
+          </a:prstGeom>
+          <a:ln>
+            <a:noFill/>
+          </a:ln>
+          <a:effectLst>
+            <a:outerShdw blurRad="292100" dist="139700" dir="2700000" algn="tl" rotWithShape="0">
+              <a:srgbClr val="333333">
+                <a:alpha val="65000"/>
+              </a:srgbClr>
+            </a:outerShdw>
+          </a:effectLst>
+        </p:spPr>
+      </p:pic>
+    </p:spTree>
+    <p:extLst>
+      <p:ext uri="{BB962C8B-B14F-4D97-AF65-F5344CB8AC3E}">
+        <p14:creationId xmlns:p14="http://schemas.microsoft.com/office/powerpoint/2010/main" val="72609743"/>
+      </p:ext>
+    </p:extLst>
+  </p:cSld>
+  <p:clrMapOvr>
+    <a:masterClrMapping/>
+  </p:clrMapOvr>
+  <p:timing>
+    <p:tnLst>
+      <p:par>
+        <p:cTn id="1" dur="indefinite" restart="never" nodeType="tmRoot"/>
+      </p:par>
+    </p:tnLst>
+  </p:timing>
+</p:sld>
+</file>
+
+<file path=ppt/slides/slide20.xml><?xml version="1.0" encoding="utf-8"?>
 <p:sld xmlns:a="http://schemas.openxmlformats.org/drawingml/2006/main" xmlns:r="http://schemas.openxmlformats.org/officeDocument/2006/relationships" xmlns:p="http://schemas.openxmlformats.org/presentationml/2006/main">
   <p:cSld>
     <p:spTree>
@@ -10622,199 +11227,6 @@
     <p:extLst>
       <p:ext uri="{BB962C8B-B14F-4D97-AF65-F5344CB8AC3E}">
         <p14:creationId xmlns:p14="http://schemas.microsoft.com/office/powerpoint/2010/main" val="2694862612"/>
-      </p:ext>
-    </p:extLst>
-  </p:cSld>
-  <p:clrMapOvr>
-    <a:masterClrMapping/>
-  </p:clrMapOvr>
-  <p:timing>
-    <p:tnLst>
-      <p:par>
-        <p:cTn id="1" dur="indefinite" restart="never" nodeType="tmRoot"/>
-      </p:par>
-    </p:tnLst>
-  </p:timing>
-</p:sld>
-</file>
-
-<file path=ppt/slides/slide2.xml><?xml version="1.0" encoding="utf-8"?>
-<p:sld xmlns:a="http://schemas.openxmlformats.org/drawingml/2006/main" xmlns:r="http://schemas.openxmlformats.org/officeDocument/2006/relationships" xmlns:p="http://schemas.openxmlformats.org/presentationml/2006/main">
-  <p:cSld>
-    <p:spTree>
-      <p:nvGrpSpPr>
-        <p:cNvPr id="1" name=""/>
-        <p:cNvGrpSpPr/>
-        <p:nvPr/>
-      </p:nvGrpSpPr>
-      <p:grpSpPr>
-        <a:xfrm>
-          <a:off x="0" y="0"/>
-          <a:ext cx="0" cy="0"/>
-          <a:chOff x="0" y="0"/>
-          <a:chExt cx="0" cy="0"/>
-        </a:xfrm>
-      </p:grpSpPr>
-      <p:sp>
-        <p:nvSpPr>
-          <p:cNvPr id="6" name="Titolo 5"/>
-          <p:cNvSpPr>
-            <a:spLocks noGrp="1"/>
-          </p:cNvSpPr>
-          <p:nvPr>
-            <p:ph type="title"/>
-          </p:nvPr>
-        </p:nvSpPr>
-        <p:spPr/>
-        <p:txBody>
-          <a:bodyPr/>
-          <a:lstStyle/>
-          <a:p>
-            <a:r>
-              <a:rPr lang="it-IT" dirty="0" err="1" smtClean="0"/>
-              <a:t>Contents</a:t>
-            </a:r>
-            <a:endParaRPr lang="it-IT" dirty="0"/>
-          </a:p>
-        </p:txBody>
-      </p:sp>
-      <p:sp>
-        <p:nvSpPr>
-          <p:cNvPr id="7" name="Segnaposto contenuto 6"/>
-          <p:cNvSpPr>
-            <a:spLocks noGrp="1"/>
-          </p:cNvSpPr>
-          <p:nvPr>
-            <p:ph sz="quarter" idx="11"/>
-          </p:nvPr>
-        </p:nvSpPr>
-        <p:spPr/>
-        <p:txBody>
-          <a:bodyPr/>
-          <a:lstStyle/>
-          <a:p>
-            <a:r>
-              <a:rPr lang="it-IT" dirty="0" err="1" smtClean="0"/>
-              <a:t>Contents</a:t>
-            </a:r>
-            <a:endParaRPr lang="it-IT" dirty="0"/>
-          </a:p>
-        </p:txBody>
-      </p:sp>
-      <p:sp>
-        <p:nvSpPr>
-          <p:cNvPr id="8" name="Segnaposto contenuto 7"/>
-          <p:cNvSpPr>
-            <a:spLocks noGrp="1"/>
-          </p:cNvSpPr>
-          <p:nvPr>
-            <p:ph idx="12"/>
-          </p:nvPr>
-        </p:nvSpPr>
-        <p:spPr/>
-        <p:txBody>
-          <a:bodyPr/>
-          <a:lstStyle/>
-          <a:p>
-            <a:r>
-              <a:rPr lang="it-IT" dirty="0" err="1" smtClean="0"/>
-              <a:t>Introduction</a:t>
-            </a:r>
-            <a:endParaRPr lang="it-IT" dirty="0" smtClean="0"/>
-          </a:p>
-          <a:p>
-            <a:r>
-              <a:rPr lang="it-IT" dirty="0" err="1" smtClean="0"/>
-              <a:t>Approach</a:t>
-            </a:r>
-            <a:endParaRPr lang="it-IT" dirty="0" smtClean="0"/>
-          </a:p>
-          <a:p>
-            <a:pPr lvl="1"/>
-            <a:r>
-              <a:rPr lang="it-IT" dirty="0" err="1" smtClean="0"/>
-              <a:t>Intensity</a:t>
-            </a:r>
-            <a:r>
-              <a:rPr lang="it-IT" dirty="0" smtClean="0"/>
-              <a:t> processing</a:t>
-            </a:r>
-          </a:p>
-          <a:p>
-            <a:pPr lvl="1"/>
-            <a:r>
-              <a:rPr lang="it-IT" dirty="0" smtClean="0"/>
-              <a:t>Depth processing</a:t>
-            </a:r>
-          </a:p>
-          <a:p>
-            <a:pPr lvl="1"/>
-            <a:r>
-              <a:rPr lang="it-IT" dirty="0" smtClean="0"/>
-              <a:t>Combination of </a:t>
-            </a:r>
-            <a:r>
-              <a:rPr lang="it-IT" dirty="0" err="1" smtClean="0"/>
-              <a:t>proposals</a:t>
-            </a:r>
-            <a:endParaRPr lang="it-IT" dirty="0" smtClean="0"/>
-          </a:p>
-          <a:p>
-            <a:r>
-              <a:rPr lang="it-IT" dirty="0" smtClean="0"/>
-              <a:t>Technologies</a:t>
-            </a:r>
-          </a:p>
-          <a:p>
-            <a:r>
-              <a:rPr lang="it-IT" dirty="0" smtClean="0"/>
-              <a:t>Development</a:t>
-            </a:r>
-          </a:p>
-          <a:p>
-            <a:r>
-              <a:rPr lang="it-IT" dirty="0" smtClean="0"/>
-              <a:t>Test</a:t>
-            </a:r>
-          </a:p>
-          <a:p>
-            <a:r>
-              <a:rPr lang="it-IT" dirty="0" smtClean="0"/>
-              <a:t>Performance</a:t>
-            </a:r>
-            <a:endParaRPr lang="it-IT" dirty="0" smtClean="0"/>
-          </a:p>
-          <a:p>
-            <a:endParaRPr lang="it-IT" dirty="0" smtClean="0"/>
-          </a:p>
-          <a:p>
-            <a:endParaRPr lang="it-IT" dirty="0"/>
-          </a:p>
-        </p:txBody>
-      </p:sp>
-      <p:sp>
-        <p:nvSpPr>
-          <p:cNvPr id="9" name="Segnaposto contenuto 8"/>
-          <p:cNvSpPr>
-            <a:spLocks noGrp="1"/>
-          </p:cNvSpPr>
-          <p:nvPr>
-            <p:ph idx="13"/>
-          </p:nvPr>
-        </p:nvSpPr>
-        <p:spPr/>
-        <p:txBody>
-          <a:bodyPr/>
-          <a:lstStyle/>
-          <a:p>
-            <a:endParaRPr lang="it-IT"/>
-          </a:p>
-        </p:txBody>
-      </p:sp>
-    </p:spTree>
-    <p:extLst>
-      <p:ext uri="{BB962C8B-B14F-4D97-AF65-F5344CB8AC3E}">
-        <p14:creationId xmlns:p14="http://schemas.microsoft.com/office/powerpoint/2010/main" val="72609743"/>
       </p:ext>
     </p:extLst>
   </p:cSld>
@@ -17361,7 +17773,7 @@
 <file path=ppt/theme/theme1.xml><?xml version="1.0" encoding="utf-8"?>
 <a:theme xmlns:a="http://schemas.openxmlformats.org/drawingml/2006/main" name="Tema di Office">
   <a:themeElements>
-    <a:clrScheme name="Tema di Office 1">
+    <a:clrScheme name="Personalizzato 1">
       <a:dk1>
         <a:srgbClr val="000000"/>
       </a:dk1>
@@ -17393,10 +17805,10 @@
         <a:srgbClr val="2D2DB9"/>
       </a:accent6>
       <a:hlink>
-        <a:srgbClr val="CCCCFF"/>
+        <a:srgbClr val="0070C0"/>
       </a:hlink>
       <a:folHlink>
-        <a:srgbClr val="B2B2B2"/>
+        <a:srgbClr val="0070C0"/>
       </a:folHlink>
     </a:clrScheme>
     <a:fontScheme name="Tema di Office">

--- a/docs/Presentation - Left luggage detection.pptx
+++ b/docs/Presentation - Left luggage detection.pptx
@@ -159,6 +159,36 @@
       </a:defRPr>
     </a:lvl9pPr>
   </p:defaultTextStyle>
+  <p:extLst>
+    <p:ext uri="{EFAFB233-063F-42B5-8137-9DF3F51BA10A}">
+      <p15:sldGuideLst xmlns:p15="http://schemas.microsoft.com/office/powerpoint/2012/main" xmlns="">
+        <p15:guide id="1" orient="horz" pos="2160">
+          <p15:clr>
+            <a:srgbClr val="A4A3A4"/>
+          </p15:clr>
+        </p15:guide>
+        <p15:guide id="2" pos="2880">
+          <p15:clr>
+            <a:srgbClr val="A4A3A4"/>
+          </p15:clr>
+        </p15:guide>
+      </p15:sldGuideLst>
+    </p:ext>
+    <p:ext uri="{2D200454-40CA-4A62-9FC3-DE9A4176ACB9}">
+      <p15:notesGuideLst xmlns:p15="http://schemas.microsoft.com/office/powerpoint/2012/main" xmlns="">
+        <p15:guide id="1" orient="horz" pos="2880">
+          <p15:clr>
+            <a:srgbClr val="A4A3A4"/>
+          </p15:clr>
+        </p15:guide>
+        <p15:guide id="2" pos="2160">
+          <p15:clr>
+            <a:srgbClr val="A4A3A4"/>
+          </p15:clr>
+        </p15:guide>
+      </p15:notesGuideLst>
+    </p:ext>
+  </p:extLst>
 </p:presentation>
 </file>
 
@@ -276,7 +306,7 @@
               <a:pPr>
                 <a:defRPr/>
               </a:pPr>
-              <a:t>03/06/2014</a:t>
+              <a:t>04/06/2014</a:t>
             </a:fld>
             <a:endParaRPr lang="it-IT" altLang="it-IT"/>
           </a:p>
@@ -816,6 +846,402 @@
     </a:lvl9pPr>
   </p:notesStyle>
 </p:notesMaster>
+</file>
+
+<file path=ppt/notesSlides/notesSlide1.xml><?xml version="1.0" encoding="utf-8"?>
+<p:notes xmlns:a="http://schemas.openxmlformats.org/drawingml/2006/main" xmlns:r="http://schemas.openxmlformats.org/officeDocument/2006/relationships" xmlns:p="http://schemas.openxmlformats.org/presentationml/2006/main">
+  <p:cSld>
+    <p:spTree>
+      <p:nvGrpSpPr>
+        <p:cNvPr id="1" name=""/>
+        <p:cNvGrpSpPr/>
+        <p:nvPr/>
+      </p:nvGrpSpPr>
+      <p:grpSpPr>
+        <a:xfrm>
+          <a:off x="0" y="0"/>
+          <a:ext cx="0" cy="0"/>
+          <a:chOff x="0" y="0"/>
+          <a:chExt cx="0" cy="0"/>
+        </a:xfrm>
+      </p:grpSpPr>
+      <p:sp>
+        <p:nvSpPr>
+          <p:cNvPr id="2" name="Segnaposto immagine diapositiva 1"/>
+          <p:cNvSpPr>
+            <a:spLocks noGrp="1" noRot="1" noChangeAspect="1"/>
+          </p:cNvSpPr>
+          <p:nvPr>
+            <p:ph type="sldImg"/>
+          </p:nvPr>
+        </p:nvSpPr>
+        <p:spPr>
+          <a:xfrm>
+            <a:off x="-11399838" y="695325"/>
+            <a:ext cx="22799676" cy="17100550"/>
+          </a:xfrm>
+        </p:spPr>
+      </p:sp>
+      <p:sp>
+        <p:nvSpPr>
+          <p:cNvPr id="3" name="Segnaposto note 2"/>
+          <p:cNvSpPr>
+            <a:spLocks noGrp="1"/>
+          </p:cNvSpPr>
+          <p:nvPr>
+            <p:ph type="body" idx="1"/>
+          </p:nvPr>
+        </p:nvSpPr>
+        <p:spPr/>
+        <p:txBody>
+          <a:bodyPr/>
+          <a:lstStyle/>
+          <a:p>
+            <a:endParaRPr lang="it-IT"/>
+          </a:p>
+        </p:txBody>
+      </p:sp>
+    </p:spTree>
+    <p:extLst>
+      <p:ext uri="{BB962C8B-B14F-4D97-AF65-F5344CB8AC3E}">
+        <p14:creationId xmlns:p14="http://schemas.microsoft.com/office/powerpoint/2010/main" val="2832001528"/>
+      </p:ext>
+    </p:extLst>
+  </p:cSld>
+  <p:clrMapOvr>
+    <a:masterClrMapping/>
+  </p:clrMapOvr>
+</p:notes>
+</file>
+
+<file path=ppt/notesSlides/notesSlide2.xml><?xml version="1.0" encoding="utf-8"?>
+<p:notes xmlns:a="http://schemas.openxmlformats.org/drawingml/2006/main" xmlns:r="http://schemas.openxmlformats.org/officeDocument/2006/relationships" xmlns:p="http://schemas.openxmlformats.org/presentationml/2006/main">
+  <p:cSld>
+    <p:spTree>
+      <p:nvGrpSpPr>
+        <p:cNvPr id="1" name=""/>
+        <p:cNvGrpSpPr/>
+        <p:nvPr/>
+      </p:nvGrpSpPr>
+      <p:grpSpPr>
+        <a:xfrm>
+          <a:off x="0" y="0"/>
+          <a:ext cx="0" cy="0"/>
+          <a:chOff x="0" y="0"/>
+          <a:chExt cx="0" cy="0"/>
+        </a:xfrm>
+      </p:grpSpPr>
+      <p:sp>
+        <p:nvSpPr>
+          <p:cNvPr id="2" name="Segnaposto immagine diapositiva 1"/>
+          <p:cNvSpPr>
+            <a:spLocks noGrp="1" noRot="1" noChangeAspect="1"/>
+          </p:cNvSpPr>
+          <p:nvPr>
+            <p:ph type="sldImg"/>
+          </p:nvPr>
+        </p:nvSpPr>
+        <p:spPr>
+          <a:xfrm>
+            <a:off x="-11399838" y="695325"/>
+            <a:ext cx="22799676" cy="17100550"/>
+          </a:xfrm>
+        </p:spPr>
+      </p:sp>
+      <p:sp>
+        <p:nvSpPr>
+          <p:cNvPr id="3" name="Segnaposto note 2"/>
+          <p:cNvSpPr>
+            <a:spLocks noGrp="1"/>
+          </p:cNvSpPr>
+          <p:nvPr>
+            <p:ph type="body" idx="1"/>
+          </p:nvPr>
+        </p:nvSpPr>
+        <p:spPr/>
+        <p:txBody>
+          <a:bodyPr/>
+          <a:lstStyle/>
+          <a:p>
+            <a:endParaRPr lang="it-IT"/>
+          </a:p>
+        </p:txBody>
+      </p:sp>
+    </p:spTree>
+    <p:extLst>
+      <p:ext uri="{BB962C8B-B14F-4D97-AF65-F5344CB8AC3E}">
+        <p14:creationId xmlns:p14="http://schemas.microsoft.com/office/powerpoint/2010/main" val="2913090751"/>
+      </p:ext>
+    </p:extLst>
+  </p:cSld>
+  <p:clrMapOvr>
+    <a:masterClrMapping/>
+  </p:clrMapOvr>
+</p:notes>
+</file>
+
+<file path=ppt/notesSlides/notesSlide3.xml><?xml version="1.0" encoding="utf-8"?>
+<p:notes xmlns:a="http://schemas.openxmlformats.org/drawingml/2006/main" xmlns:r="http://schemas.openxmlformats.org/officeDocument/2006/relationships" xmlns:p="http://schemas.openxmlformats.org/presentationml/2006/main">
+  <p:cSld>
+    <p:spTree>
+      <p:nvGrpSpPr>
+        <p:cNvPr id="1" name=""/>
+        <p:cNvGrpSpPr/>
+        <p:nvPr/>
+      </p:nvGrpSpPr>
+      <p:grpSpPr>
+        <a:xfrm>
+          <a:off x="0" y="0"/>
+          <a:ext cx="0" cy="0"/>
+          <a:chOff x="0" y="0"/>
+          <a:chExt cx="0" cy="0"/>
+        </a:xfrm>
+      </p:grpSpPr>
+      <p:sp>
+        <p:nvSpPr>
+          <p:cNvPr id="2" name="Segnaposto immagine diapositiva 1"/>
+          <p:cNvSpPr>
+            <a:spLocks noGrp="1" noRot="1" noChangeAspect="1"/>
+          </p:cNvSpPr>
+          <p:nvPr>
+            <p:ph type="sldImg"/>
+          </p:nvPr>
+        </p:nvSpPr>
+        <p:spPr>
+          <a:xfrm>
+            <a:off x="-11399838" y="695325"/>
+            <a:ext cx="22799676" cy="17100550"/>
+          </a:xfrm>
+        </p:spPr>
+      </p:sp>
+      <p:sp>
+        <p:nvSpPr>
+          <p:cNvPr id="3" name="Segnaposto note 2"/>
+          <p:cNvSpPr>
+            <a:spLocks noGrp="1"/>
+          </p:cNvSpPr>
+          <p:nvPr>
+            <p:ph type="body" idx="1"/>
+          </p:nvPr>
+        </p:nvSpPr>
+        <p:spPr/>
+        <p:txBody>
+          <a:bodyPr/>
+          <a:lstStyle/>
+          <a:p>
+            <a:endParaRPr lang="it-IT"/>
+          </a:p>
+        </p:txBody>
+      </p:sp>
+    </p:spTree>
+    <p:extLst>
+      <p:ext uri="{BB962C8B-B14F-4D97-AF65-F5344CB8AC3E}">
+        <p14:creationId xmlns:p14="http://schemas.microsoft.com/office/powerpoint/2010/main" val="1530504717"/>
+      </p:ext>
+    </p:extLst>
+  </p:cSld>
+  <p:clrMapOvr>
+    <a:masterClrMapping/>
+  </p:clrMapOvr>
+</p:notes>
+</file>
+
+<file path=ppt/notesSlides/notesSlide4.xml><?xml version="1.0" encoding="utf-8"?>
+<p:notes xmlns:a="http://schemas.openxmlformats.org/drawingml/2006/main" xmlns:r="http://schemas.openxmlformats.org/officeDocument/2006/relationships" xmlns:p="http://schemas.openxmlformats.org/presentationml/2006/main">
+  <p:cSld>
+    <p:spTree>
+      <p:nvGrpSpPr>
+        <p:cNvPr id="1" name=""/>
+        <p:cNvGrpSpPr/>
+        <p:nvPr/>
+      </p:nvGrpSpPr>
+      <p:grpSpPr>
+        <a:xfrm>
+          <a:off x="0" y="0"/>
+          <a:ext cx="0" cy="0"/>
+          <a:chOff x="0" y="0"/>
+          <a:chExt cx="0" cy="0"/>
+        </a:xfrm>
+      </p:grpSpPr>
+      <p:sp>
+        <p:nvSpPr>
+          <p:cNvPr id="2" name="Segnaposto immagine diapositiva 1"/>
+          <p:cNvSpPr>
+            <a:spLocks noGrp="1" noRot="1" noChangeAspect="1"/>
+          </p:cNvSpPr>
+          <p:nvPr>
+            <p:ph type="sldImg"/>
+          </p:nvPr>
+        </p:nvSpPr>
+        <p:spPr>
+          <a:xfrm>
+            <a:off x="-11399838" y="695325"/>
+            <a:ext cx="22799676" cy="17100550"/>
+          </a:xfrm>
+        </p:spPr>
+      </p:sp>
+      <p:sp>
+        <p:nvSpPr>
+          <p:cNvPr id="3" name="Segnaposto note 2"/>
+          <p:cNvSpPr>
+            <a:spLocks noGrp="1"/>
+          </p:cNvSpPr>
+          <p:nvPr>
+            <p:ph type="body" idx="1"/>
+          </p:nvPr>
+        </p:nvSpPr>
+        <p:spPr/>
+        <p:txBody>
+          <a:bodyPr/>
+          <a:lstStyle/>
+          <a:p>
+            <a:endParaRPr lang="it-IT"/>
+          </a:p>
+        </p:txBody>
+      </p:sp>
+    </p:spTree>
+    <p:extLst>
+      <p:ext uri="{BB962C8B-B14F-4D97-AF65-F5344CB8AC3E}">
+        <p14:creationId xmlns:p14="http://schemas.microsoft.com/office/powerpoint/2010/main" val="1192218888"/>
+      </p:ext>
+    </p:extLst>
+  </p:cSld>
+  <p:clrMapOvr>
+    <a:masterClrMapping/>
+  </p:clrMapOvr>
+</p:notes>
+</file>
+
+<file path=ppt/notesSlides/notesSlide5.xml><?xml version="1.0" encoding="utf-8"?>
+<p:notes xmlns:a="http://schemas.openxmlformats.org/drawingml/2006/main" xmlns:r="http://schemas.openxmlformats.org/officeDocument/2006/relationships" xmlns:p="http://schemas.openxmlformats.org/presentationml/2006/main">
+  <p:cSld>
+    <p:spTree>
+      <p:nvGrpSpPr>
+        <p:cNvPr id="1" name=""/>
+        <p:cNvGrpSpPr/>
+        <p:nvPr/>
+      </p:nvGrpSpPr>
+      <p:grpSpPr>
+        <a:xfrm>
+          <a:off x="0" y="0"/>
+          <a:ext cx="0" cy="0"/>
+          <a:chOff x="0" y="0"/>
+          <a:chExt cx="0" cy="0"/>
+        </a:xfrm>
+      </p:grpSpPr>
+      <p:sp>
+        <p:nvSpPr>
+          <p:cNvPr id="2" name="Segnaposto immagine diapositiva 1"/>
+          <p:cNvSpPr>
+            <a:spLocks noGrp="1" noRot="1" noChangeAspect="1"/>
+          </p:cNvSpPr>
+          <p:nvPr>
+            <p:ph type="sldImg"/>
+          </p:nvPr>
+        </p:nvSpPr>
+        <p:spPr>
+          <a:xfrm>
+            <a:off x="-11399838" y="695325"/>
+            <a:ext cx="22799676" cy="17100550"/>
+          </a:xfrm>
+        </p:spPr>
+      </p:sp>
+      <p:sp>
+        <p:nvSpPr>
+          <p:cNvPr id="3" name="Segnaposto note 2"/>
+          <p:cNvSpPr>
+            <a:spLocks noGrp="1"/>
+          </p:cNvSpPr>
+          <p:nvPr>
+            <p:ph type="body" idx="1"/>
+          </p:nvPr>
+        </p:nvSpPr>
+        <p:spPr/>
+        <p:txBody>
+          <a:bodyPr/>
+          <a:lstStyle/>
+          <a:p>
+            <a:endParaRPr lang="it-IT"/>
+          </a:p>
+        </p:txBody>
+      </p:sp>
+    </p:spTree>
+    <p:extLst>
+      <p:ext uri="{BB962C8B-B14F-4D97-AF65-F5344CB8AC3E}">
+        <p14:creationId xmlns:p14="http://schemas.microsoft.com/office/powerpoint/2010/main" val="4050881833"/>
+      </p:ext>
+    </p:extLst>
+  </p:cSld>
+  <p:clrMapOvr>
+    <a:masterClrMapping/>
+  </p:clrMapOvr>
+</p:notes>
+</file>
+
+<file path=ppt/notesSlides/notesSlide6.xml><?xml version="1.0" encoding="utf-8"?>
+<p:notes xmlns:a="http://schemas.openxmlformats.org/drawingml/2006/main" xmlns:r="http://schemas.openxmlformats.org/officeDocument/2006/relationships" xmlns:p="http://schemas.openxmlformats.org/presentationml/2006/main">
+  <p:cSld>
+    <p:spTree>
+      <p:nvGrpSpPr>
+        <p:cNvPr id="1" name=""/>
+        <p:cNvGrpSpPr/>
+        <p:nvPr/>
+      </p:nvGrpSpPr>
+      <p:grpSpPr>
+        <a:xfrm>
+          <a:off x="0" y="0"/>
+          <a:ext cx="0" cy="0"/>
+          <a:chOff x="0" y="0"/>
+          <a:chExt cx="0" cy="0"/>
+        </a:xfrm>
+      </p:grpSpPr>
+      <p:sp>
+        <p:nvSpPr>
+          <p:cNvPr id="2" name="Segnaposto immagine diapositiva 1"/>
+          <p:cNvSpPr>
+            <a:spLocks noGrp="1" noRot="1" noChangeAspect="1"/>
+          </p:cNvSpPr>
+          <p:nvPr>
+            <p:ph type="sldImg"/>
+          </p:nvPr>
+        </p:nvSpPr>
+        <p:spPr>
+          <a:xfrm>
+            <a:off x="-11399838" y="695325"/>
+            <a:ext cx="22799676" cy="17100550"/>
+          </a:xfrm>
+        </p:spPr>
+      </p:sp>
+      <p:sp>
+        <p:nvSpPr>
+          <p:cNvPr id="3" name="Segnaposto note 2"/>
+          <p:cNvSpPr>
+            <a:spLocks noGrp="1"/>
+          </p:cNvSpPr>
+          <p:nvPr>
+            <p:ph type="body" idx="1"/>
+          </p:nvPr>
+        </p:nvSpPr>
+        <p:spPr/>
+        <p:txBody>
+          <a:bodyPr/>
+          <a:lstStyle/>
+          <a:p>
+            <a:endParaRPr lang="it-IT"/>
+          </a:p>
+        </p:txBody>
+      </p:sp>
+    </p:spTree>
+    <p:extLst>
+      <p:ext uri="{BB962C8B-B14F-4D97-AF65-F5344CB8AC3E}">
+        <p14:creationId xmlns:p14="http://schemas.microsoft.com/office/powerpoint/2010/main" val="3698526798"/>
+      </p:ext>
+    </p:extLst>
+  </p:cSld>
+  <p:clrMapOvr>
+    <a:masterClrMapping/>
+  </p:clrMapOvr>
+</p:notes>
 </file>
 
 <file path=ppt/slideLayouts/slideLayout1.xml><?xml version="1.0" encoding="utf-8"?>
@@ -5955,7 +6381,15 @@
               <a:p>
                 <a:r>
                   <a:rPr lang="en-US" sz="3000" dirty="0" smtClean="0"/>
-                  <a:t>A bounding box contains a set of connected pixel which aggregator value is </a:t>
+                  <a:t>A bounding box contains a set of connected </a:t>
+                </a:r>
+                <a:r>
+                  <a:rPr lang="en-US" sz="3000" dirty="0" smtClean="0"/>
+                  <a:t>pixel in which the aggregator </a:t>
+                </a:r>
+                <a:r>
+                  <a:rPr lang="en-US" sz="3000" dirty="0" smtClean="0"/>
+                  <a:t>value is </a:t>
                 </a:r>
                 <a14:m>
                   <m:oMath xmlns:m="http://schemas.openxmlformats.org/officeDocument/2006/math">
@@ -7546,13 +7980,8 @@
             </a:r>
             <a:r>
               <a:rPr lang="en-US" dirty="0" smtClean="0"/>
-              <a:t> of N/D pixel </a:t>
-            </a:r>
-            <a:r>
-              <a:rPr lang="en-US" dirty="0" smtClean="0"/>
-              <a:t>has been implemented.</a:t>
-            </a:r>
-            <a:endParaRPr lang="en-US" dirty="0" smtClean="0"/>
+              <a:t> of N/D pixel has been implemented.</a:t>
+            </a:r>
           </a:p>
         </p:txBody>
       </p:sp>
@@ -7906,8 +8335,8 @@
           </a:p>
         </p:txBody>
       </p:sp>
-      <mc:AlternateContent xmlns:mc="http://schemas.openxmlformats.org/markup-compatibility/2006">
-        <mc:Choice xmlns:a14="http://schemas.microsoft.com/office/drawing/2010/main" Requires="a14">
+      <mc:AlternateContent xmlns:mc="http://schemas.openxmlformats.org/markup-compatibility/2006" xmlns:a14="http://schemas.microsoft.com/office/drawing/2010/main">
+        <mc:Choice Requires="a14">
           <p:sp>
             <p:nvSpPr>
               <p:cNvPr id="3" name="Segnaposto contenuto 2"/>
@@ -8295,7 +8724,7 @@
             </p:txBody>
           </p:sp>
         </mc:Choice>
-        <mc:Fallback>
+        <mc:Fallback xmlns="">
           <p:sp>
             <p:nvSpPr>
               <p:cNvPr id="3" name="Segnaposto contenuto 2"/>
@@ -8465,19 +8894,27 @@
                   <a:t> </a:t>
                 </a:r>
                 <a:r>
-                  <a:rPr lang="it-IT" dirty="0" err="1"/>
+                  <a:rPr lang="it-IT" dirty="0" err="1" smtClean="0"/>
                   <a:t>luggage</a:t>
                 </a:r>
                 <a:r>
-                  <a:rPr lang="it-IT" dirty="0"/>
+                  <a:rPr lang="it-IT" dirty="0" smtClean="0"/>
                   <a:t> </a:t>
                 </a:r>
                 <a:r>
-                  <a:rPr lang="it-IT" dirty="0" err="1"/>
+                  <a:rPr lang="it-IT" dirty="0" err="1" smtClean="0"/>
+                  <a:t>eventually</a:t>
+                </a:r>
+                <a:r>
+                  <a:rPr lang="it-IT" dirty="0" smtClean="0"/>
+                  <a:t> </a:t>
+                </a:r>
+                <a:r>
+                  <a:rPr lang="it-IT" dirty="0" err="1" smtClean="0"/>
                   <a:t>become</a:t>
                 </a:r>
                 <a:r>
-                  <a:rPr lang="it-IT" dirty="0"/>
+                  <a:rPr lang="it-IT" dirty="0" smtClean="0"/>
                   <a:t> background </a:t>
                 </a:r>
                 <a:r>
@@ -9168,7 +9605,6 @@
                   <a:rPr lang="it-IT" dirty="0"/>
                   <a:t> </a:t>
                 </a:r>
-                <a:endParaRPr lang="it-IT" dirty="0"/>
               </a:p>
               <a:p>
                 <a:pPr lvl="3"/>
@@ -9455,7 +9891,7 @@
               <a:blipFill rotWithShape="1">
                 <a:blip r:embed="rId2"/>
                 <a:stretch>
-                  <a:fillRect t="-687" b="-824"/>
+                  <a:fillRect t="-687" r="-403" b="-824"/>
                 </a:stretch>
               </a:blipFill>
             </p:spPr>
@@ -9569,336 +10005,464 @@
         <p:spPr/>
         <p:txBody>
           <a:bodyPr>
-            <a:normAutofit fontScale="92500" lnSpcReduction="20000"/>
+            <a:normAutofit fontScale="77500" lnSpcReduction="20000"/>
           </a:bodyPr>
           <a:lstStyle/>
           <a:p>
             <a:r>
-              <a:rPr lang="it-IT" dirty="0" err="1" smtClean="0"/>
+              <a:rPr lang="it-IT" dirty="0" err="1"/>
               <a:t>We</a:t>
             </a:r>
             <a:r>
-              <a:rPr lang="it-IT" dirty="0" smtClean="0"/>
+              <a:rPr lang="it-IT" dirty="0"/>
               <a:t> </a:t>
             </a:r>
             <a:r>
-              <a:rPr lang="it-IT" dirty="0" err="1" smtClean="0"/>
+              <a:rPr lang="it-IT" dirty="0" err="1"/>
               <a:t>have</a:t>
             </a:r>
             <a:r>
-              <a:rPr lang="it-IT" dirty="0" smtClean="0"/>
+              <a:rPr lang="it-IT" dirty="0"/>
               <a:t> </a:t>
             </a:r>
             <a:r>
-              <a:rPr lang="it-IT" dirty="0" err="1" smtClean="0"/>
+              <a:rPr lang="it-IT" dirty="0" err="1"/>
               <a:t>tested</a:t>
             </a:r>
             <a:r>
-              <a:rPr lang="it-IT" dirty="0" smtClean="0"/>
+              <a:rPr lang="it-IT" dirty="0"/>
               <a:t> the </a:t>
             </a:r>
             <a:r>
-              <a:rPr lang="it-IT" dirty="0" err="1" smtClean="0"/>
+              <a:rPr lang="it-IT" dirty="0" err="1"/>
               <a:t>application</a:t>
             </a:r>
             <a:r>
-              <a:rPr lang="it-IT" dirty="0" smtClean="0"/>
+              <a:rPr lang="it-IT" dirty="0"/>
               <a:t> </a:t>
             </a:r>
             <a:r>
-              <a:rPr lang="it-IT" dirty="0" err="1" smtClean="0"/>
+              <a:rPr lang="it-IT" dirty="0" err="1"/>
               <a:t>using</a:t>
             </a:r>
             <a:r>
-              <a:rPr lang="it-IT" dirty="0" smtClean="0"/>
+              <a:rPr lang="it-IT" dirty="0"/>
               <a:t> more </a:t>
             </a:r>
             <a:r>
-              <a:rPr lang="it-IT" dirty="0" err="1" smtClean="0"/>
+              <a:rPr lang="it-IT" dirty="0" err="1"/>
               <a:t>than</a:t>
             </a:r>
             <a:r>
-              <a:rPr lang="it-IT" dirty="0" smtClean="0"/>
+              <a:rPr lang="it-IT" dirty="0"/>
               <a:t> 20 </a:t>
             </a:r>
             <a:r>
-              <a:rPr lang="it-IT" dirty="0" err="1" smtClean="0"/>
+              <a:rPr lang="it-IT" dirty="0" err="1"/>
               <a:t>videos</a:t>
             </a:r>
             <a:r>
-              <a:rPr lang="it-IT" dirty="0" smtClean="0"/>
+              <a:rPr lang="it-IT" dirty="0"/>
               <a:t>;</a:t>
             </a:r>
-            <a:endParaRPr lang="it-IT" dirty="0" smtClean="0"/>
           </a:p>
           <a:p>
             <a:r>
-              <a:rPr lang="it-IT" dirty="0" smtClean="0"/>
+              <a:rPr lang="it-IT" dirty="0"/>
               <a:t>The </a:t>
             </a:r>
             <a:r>
-              <a:rPr lang="it-IT" dirty="0" err="1" smtClean="0"/>
+              <a:rPr lang="it-IT" dirty="0" err="1"/>
               <a:t>videos</a:t>
             </a:r>
             <a:r>
-              <a:rPr lang="it-IT" dirty="0" smtClean="0"/>
+              <a:rPr lang="it-IT" dirty="0"/>
               <a:t> of </a:t>
             </a:r>
             <a:r>
-              <a:rPr lang="it-IT" dirty="0" err="1" smtClean="0"/>
+              <a:rPr lang="it-IT" dirty="0" err="1"/>
               <a:t>interest</a:t>
+            </a:r>
+            <a:r>
+              <a:rPr lang="it-IT" dirty="0"/>
+              <a:t> are </a:t>
+            </a:r>
+            <a:r>
+              <a:rPr lang="it-IT" dirty="0" err="1"/>
+              <a:t>available</a:t>
+            </a:r>
+            <a:r>
+              <a:rPr lang="it-IT" dirty="0"/>
+              <a:t> for download </a:t>
+            </a:r>
+            <a:r>
+              <a:rPr lang="it-IT" dirty="0" err="1"/>
+              <a:t>through</a:t>
             </a:r>
             <a:r>
               <a:rPr lang="it-IT" dirty="0"/>
               <a:t> </a:t>
             </a:r>
             <a:r>
-              <a:rPr lang="it-IT" dirty="0" smtClean="0"/>
-              <a:t>are </a:t>
-            </a:r>
-            <a:r>
-              <a:rPr lang="it-IT" dirty="0" err="1" smtClean="0"/>
-              <a:t>available</a:t>
+              <a:rPr lang="it-IT" dirty="0" err="1"/>
+              <a:t>this</a:t>
             </a:r>
             <a:r>
               <a:rPr lang="it-IT" dirty="0"/>
               <a:t> </a:t>
             </a:r>
             <a:r>
-              <a:rPr lang="it-IT" dirty="0" smtClean="0"/>
-              <a:t>for download </a:t>
-            </a:r>
-            <a:r>
-              <a:rPr lang="it-IT" dirty="0" err="1" smtClean="0"/>
-              <a:t>through</a:t>
-            </a:r>
-            <a:r>
-              <a:rPr lang="it-IT" dirty="0" smtClean="0"/>
-              <a:t> </a:t>
-            </a:r>
-            <a:r>
-              <a:rPr lang="it-IT" dirty="0" err="1" smtClean="0"/>
-              <a:t>this</a:t>
-            </a:r>
-            <a:r>
-              <a:rPr lang="it-IT" dirty="0" smtClean="0"/>
-              <a:t> </a:t>
-            </a:r>
-            <a:r>
-              <a:rPr lang="it-IT" dirty="0" smtClean="0">
+              <a:rPr lang="it-IT" dirty="0">
                 <a:solidFill>
                   <a:srgbClr val="0272B2"/>
                 </a:solidFill>
-                <a:hlinkClick r:id="rId2"/>
+                <a:hlinkClick r:id="rId3"/>
               </a:rPr>
               <a:t>link</a:t>
             </a:r>
             <a:r>
-              <a:rPr lang="it-IT" dirty="0" smtClean="0"/>
+              <a:rPr lang="it-IT" dirty="0"/>
               <a:t>;</a:t>
             </a:r>
-            <a:endParaRPr lang="it-IT" dirty="0" smtClean="0"/>
           </a:p>
           <a:p>
             <a:pPr lvl="1"/>
             <a:r>
-              <a:rPr lang="it-IT" dirty="0" smtClean="0"/>
+              <a:rPr lang="it-IT" sz="2500" dirty="0"/>
               <a:t>Video04: no </a:t>
             </a:r>
             <a:r>
-              <a:rPr lang="it-IT" dirty="0" err="1" smtClean="0"/>
+              <a:rPr lang="it-IT" sz="2500" dirty="0" err="1"/>
               <a:t>clutter</a:t>
             </a:r>
             <a:r>
-              <a:rPr lang="it-IT" dirty="0" smtClean="0"/>
+              <a:rPr lang="it-IT" sz="2500" dirty="0"/>
               <a:t>, no </a:t>
             </a:r>
             <a:r>
-              <a:rPr lang="it-IT" dirty="0" err="1" smtClean="0"/>
+              <a:rPr lang="it-IT" sz="2500" dirty="0" err="1"/>
               <a:t>occlusions</a:t>
             </a:r>
             <a:r>
-              <a:rPr lang="it-IT" dirty="0" smtClean="0"/>
+              <a:rPr lang="it-IT" sz="2500" dirty="0"/>
               <a:t>, </a:t>
             </a:r>
             <a:r>
-              <a:rPr lang="it-IT" dirty="0" err="1" smtClean="0"/>
+              <a:rPr lang="it-IT" sz="2500" dirty="0" err="1" smtClean="0"/>
               <a:t>one</a:t>
             </a:r>
             <a:r>
-              <a:rPr lang="it-IT" dirty="0" smtClean="0"/>
+              <a:rPr lang="it-IT" sz="2500" dirty="0" smtClean="0"/>
               <a:t> </a:t>
             </a:r>
             <a:r>
-              <a:rPr lang="it-IT" dirty="0" err="1" smtClean="0"/>
+              <a:rPr lang="it-IT" sz="2500" dirty="0" err="1"/>
               <a:t>person</a:t>
             </a:r>
             <a:r>
-              <a:rPr lang="it-IT" dirty="0" smtClean="0"/>
+              <a:rPr lang="it-IT" sz="2500" dirty="0"/>
               <a:t>, </a:t>
             </a:r>
             <a:r>
-              <a:rPr lang="it-IT" dirty="0" err="1" smtClean="0"/>
+              <a:rPr lang="it-IT" sz="2500" dirty="0" err="1"/>
               <a:t>one</a:t>
             </a:r>
             <a:r>
-              <a:rPr lang="it-IT" dirty="0" smtClean="0"/>
+              <a:rPr lang="it-IT" sz="2500" dirty="0"/>
               <a:t> </a:t>
             </a:r>
             <a:r>
-              <a:rPr lang="it-IT" dirty="0" err="1" smtClean="0"/>
+              <a:rPr lang="it-IT" sz="2500" dirty="0" err="1"/>
               <a:t>left</a:t>
             </a:r>
             <a:r>
-              <a:rPr lang="it-IT" dirty="0" smtClean="0"/>
+              <a:rPr lang="it-IT" sz="2500" dirty="0"/>
               <a:t> </a:t>
             </a:r>
             <a:r>
-              <a:rPr lang="it-IT" dirty="0" err="1" smtClean="0"/>
+              <a:rPr lang="it-IT" sz="2500" dirty="0" err="1"/>
               <a:t>luggage</a:t>
             </a:r>
             <a:r>
-              <a:rPr lang="it-IT" dirty="0" smtClean="0"/>
-              <a:t>;</a:t>
-            </a:r>
+              <a:rPr lang="it-IT" sz="2500" dirty="0" smtClean="0"/>
+              <a:t>; </a:t>
+            </a:r>
+            <a:r>
+              <a:rPr lang="it-IT" sz="2500" dirty="0" smtClean="0">
+                <a:solidFill>
+                  <a:srgbClr val="00A05A"/>
+                </a:solidFill>
+              </a:rPr>
+              <a:t>✔✔✔</a:t>
+            </a:r>
+            <a:endParaRPr lang="it-IT" sz="2500" dirty="0">
+              <a:solidFill>
+                <a:srgbClr val="00A05A"/>
+              </a:solidFill>
+            </a:endParaRPr>
           </a:p>
           <a:p>
             <a:pPr lvl="1"/>
             <a:r>
-              <a:rPr lang="it-IT" dirty="0" smtClean="0"/>
+              <a:rPr lang="it-IT" sz="2500" dirty="0"/>
               <a:t>Video05: no </a:t>
             </a:r>
             <a:r>
-              <a:rPr lang="it-IT" dirty="0" err="1" smtClean="0"/>
+              <a:rPr lang="it-IT" sz="2500" dirty="0" err="1"/>
               <a:t>clutter</a:t>
             </a:r>
             <a:r>
-              <a:rPr lang="it-IT" dirty="0" smtClean="0"/>
+              <a:rPr lang="it-IT" sz="2500" dirty="0"/>
               <a:t>, </a:t>
             </a:r>
             <a:r>
-              <a:rPr lang="it-IT" dirty="0" err="1" smtClean="0"/>
+              <a:rPr lang="it-IT" sz="2500" dirty="0" err="1"/>
               <a:t>two</a:t>
             </a:r>
             <a:r>
-              <a:rPr lang="it-IT" dirty="0" smtClean="0"/>
+              <a:rPr lang="it-IT" sz="2500" dirty="0"/>
               <a:t> </a:t>
             </a:r>
             <a:r>
-              <a:rPr lang="it-IT" dirty="0" err="1" smtClean="0"/>
-              <a:t>lef</a:t>
-            </a:r>
-            <a:r>
-              <a:rPr lang="it-IT" dirty="0" err="1" smtClean="0"/>
-              <a:t>t</a:t>
-            </a:r>
-            <a:r>
-              <a:rPr lang="it-IT" dirty="0" smtClean="0"/>
-              <a:t> </a:t>
-            </a:r>
-            <a:r>
-              <a:rPr lang="it-IT" dirty="0" err="1" smtClean="0"/>
+              <a:rPr lang="it-IT" sz="2500" dirty="0" err="1"/>
               <a:t>luggages</a:t>
             </a:r>
             <a:r>
-              <a:rPr lang="it-IT" dirty="0" smtClean="0"/>
+              <a:rPr lang="it-IT" sz="2500" dirty="0"/>
               <a:t>, </a:t>
             </a:r>
             <a:r>
-              <a:rPr lang="it-IT" dirty="0" err="1" smtClean="0"/>
+              <a:rPr lang="it-IT" sz="2500" dirty="0" err="1"/>
               <a:t>occlusions</a:t>
             </a:r>
             <a:r>
-              <a:rPr lang="it-IT" dirty="0" smtClean="0"/>
-              <a:t>, more </a:t>
-            </a:r>
-            <a:r>
-              <a:rPr lang="it-IT" dirty="0" err="1" smtClean="0"/>
+              <a:rPr lang="it-IT" sz="2500" dirty="0"/>
+              <a:t>, </a:t>
+            </a:r>
+            <a:r>
+              <a:rPr lang="it-IT" sz="2500" dirty="0" smtClean="0"/>
+              <a:t>standing </a:t>
+            </a:r>
+            <a:r>
+              <a:rPr lang="it-IT" sz="2500" dirty="0" err="1" smtClean="0"/>
               <a:t>people</a:t>
             </a:r>
             <a:r>
-              <a:rPr lang="it-IT" dirty="0" smtClean="0"/>
-              <a:t>, </a:t>
-            </a:r>
-            <a:r>
-              <a:rPr lang="it-IT" dirty="0" err="1" smtClean="0"/>
-              <a:t>movement</a:t>
-            </a:r>
-            <a:r>
-              <a:rPr lang="it-IT" dirty="0" smtClean="0"/>
-              <a:t>;</a:t>
-            </a:r>
+              <a:rPr lang="it-IT" sz="2500" dirty="0" smtClean="0"/>
+              <a:t>; </a:t>
+            </a:r>
+            <a:r>
+              <a:rPr lang="it-IT" sz="2500" dirty="0" smtClean="0">
+                <a:solidFill>
+                  <a:srgbClr val="00A05A"/>
+                </a:solidFill>
+              </a:rPr>
+              <a:t>✔✔✔</a:t>
+            </a:r>
+            <a:endParaRPr lang="it-IT" sz="2500" dirty="0"/>
           </a:p>
           <a:p>
             <a:pPr lvl="1"/>
             <a:r>
-              <a:rPr lang="it-IT" dirty="0" smtClean="0"/>
+              <a:rPr lang="it-IT" sz="2500" dirty="0"/>
               <a:t>Video12: no </a:t>
             </a:r>
             <a:r>
-              <a:rPr lang="it-IT" dirty="0" err="1" smtClean="0"/>
+              <a:rPr lang="it-IT" sz="2500" dirty="0" err="1"/>
               <a:t>clutter</a:t>
             </a:r>
             <a:r>
-              <a:rPr lang="it-IT" dirty="0" smtClean="0"/>
+              <a:rPr lang="it-IT" sz="2500" dirty="0"/>
               <a:t>, </a:t>
             </a:r>
             <a:r>
-              <a:rPr lang="it-IT" dirty="0" err="1" smtClean="0"/>
+              <a:rPr lang="it-IT" sz="2500" dirty="0" err="1"/>
               <a:t>three</a:t>
             </a:r>
             <a:r>
-              <a:rPr lang="it-IT" dirty="0" smtClean="0"/>
+              <a:rPr lang="it-IT" sz="2500" dirty="0"/>
               <a:t> </a:t>
             </a:r>
             <a:r>
-              <a:rPr lang="it-IT" dirty="0" err="1" smtClean="0"/>
-              <a:t>left</a:t>
-            </a:r>
-            <a:r>
-              <a:rPr lang="it-IT" dirty="0" smtClean="0"/>
+              <a:rPr lang="it-IT" sz="2500" dirty="0" err="1"/>
+              <a:t>luggages</a:t>
+            </a:r>
+            <a:r>
+              <a:rPr lang="it-IT" sz="2500" dirty="0"/>
+              <a:t>, </a:t>
+            </a:r>
+            <a:r>
+              <a:rPr lang="it-IT" sz="2500" dirty="0" err="1"/>
+              <a:t>illumination</a:t>
+            </a:r>
+            <a:r>
+              <a:rPr lang="it-IT" sz="2500" dirty="0" smtClean="0"/>
+              <a:t>;</a:t>
+            </a:r>
+            <a:r>
+              <a:rPr lang="it-IT" sz="2500" dirty="0"/>
               <a:t> </a:t>
             </a:r>
             <a:r>
-              <a:rPr lang="it-IT" dirty="0" err="1" smtClean="0"/>
-              <a:t>luggages</a:t>
-            </a:r>
-            <a:r>
-              <a:rPr lang="it-IT" dirty="0" smtClean="0"/>
-              <a:t>;</a:t>
-            </a:r>
+              <a:rPr lang="it-IT" sz="2500" dirty="0" smtClean="0">
+                <a:solidFill>
+                  <a:srgbClr val="00A05A"/>
+                </a:solidFill>
+              </a:rPr>
+              <a:t>✔✔</a:t>
+            </a:r>
+            <a:r>
+              <a:rPr lang="it-IT" sz="2500" dirty="0" smtClean="0">
+                <a:solidFill>
+                  <a:srgbClr val="DA4430"/>
+                </a:solidFill>
+              </a:rPr>
+              <a:t>✘</a:t>
+            </a:r>
+            <a:endParaRPr lang="it-IT" sz="2500" dirty="0">
+              <a:solidFill>
+                <a:srgbClr val="DA4430"/>
+              </a:solidFill>
+            </a:endParaRPr>
           </a:p>
           <a:p>
             <a:pPr lvl="1"/>
             <a:r>
-              <a:rPr lang="it-IT" dirty="0" smtClean="0"/>
+              <a:rPr lang="it-IT" sz="2500" dirty="0"/>
               <a:t>Video13: </a:t>
             </a:r>
             <a:r>
-              <a:rPr lang="it-IT" dirty="0" err="1" smtClean="0"/>
+              <a:rPr lang="it-IT" sz="2500" dirty="0" err="1"/>
               <a:t>clutter</a:t>
             </a:r>
             <a:r>
-              <a:rPr lang="it-IT" dirty="0"/>
-              <a:t>;</a:t>
-            </a:r>
-            <a:endParaRPr lang="it-IT" dirty="0" smtClean="0"/>
+              <a:rPr lang="it-IT" sz="2500" dirty="0"/>
+              <a:t>, </a:t>
+            </a:r>
+            <a:r>
+              <a:rPr lang="it-IT" sz="2500" dirty="0" err="1"/>
+              <a:t>two</a:t>
+            </a:r>
+            <a:r>
+              <a:rPr lang="it-IT" sz="2500" dirty="0"/>
+              <a:t> </a:t>
+            </a:r>
+            <a:r>
+              <a:rPr lang="it-IT" sz="2500" dirty="0" err="1"/>
+              <a:t>luggages</a:t>
+            </a:r>
+            <a:r>
+              <a:rPr lang="it-IT" sz="2500" dirty="0"/>
+              <a:t>, </a:t>
+            </a:r>
+            <a:r>
+              <a:rPr lang="it-IT" sz="2500" dirty="0" err="1"/>
+              <a:t>occlusions</a:t>
+            </a:r>
+            <a:r>
+              <a:rPr lang="it-IT" sz="2500" dirty="0"/>
+              <a:t>, </a:t>
+            </a:r>
+            <a:r>
+              <a:rPr lang="it-IT" sz="2500" dirty="0" err="1"/>
+              <a:t>illumination</a:t>
+            </a:r>
+            <a:r>
+              <a:rPr lang="it-IT" sz="2500" dirty="0" smtClean="0"/>
+              <a:t>; </a:t>
+            </a:r>
+            <a:r>
+              <a:rPr lang="it-IT" sz="2500" dirty="0" smtClean="0">
+                <a:solidFill>
+                  <a:srgbClr val="00A05A"/>
+                </a:solidFill>
+              </a:rPr>
+              <a:t>✔</a:t>
+            </a:r>
+            <a:r>
+              <a:rPr lang="it-IT" sz="2500" dirty="0" smtClean="0">
+                <a:solidFill>
+                  <a:srgbClr val="DA4430"/>
+                </a:solidFill>
+              </a:rPr>
+              <a:t>✘✘</a:t>
+            </a:r>
+            <a:endParaRPr lang="it-IT" sz="2500" dirty="0"/>
           </a:p>
           <a:p>
             <a:pPr lvl="1"/>
             <a:r>
-              <a:rPr lang="it-IT" dirty="0" smtClean="0"/>
+              <a:rPr lang="it-IT" sz="2500" dirty="0"/>
               <a:t>Video16: </a:t>
             </a:r>
             <a:r>
-              <a:rPr lang="it-IT" dirty="0" err="1" smtClean="0"/>
+              <a:rPr lang="it-IT" sz="2500" dirty="0" err="1"/>
               <a:t>clutter</a:t>
             </a:r>
             <a:r>
-              <a:rPr lang="it-IT" dirty="0" smtClean="0"/>
+              <a:rPr lang="it-IT" sz="2500" dirty="0"/>
+              <a:t>, </a:t>
+            </a:r>
+            <a:r>
+              <a:rPr lang="it-IT" sz="2500" dirty="0" err="1"/>
+              <a:t>two</a:t>
+            </a:r>
+            <a:r>
+              <a:rPr lang="it-IT" sz="2500" dirty="0"/>
+              <a:t> </a:t>
+            </a:r>
+            <a:r>
+              <a:rPr lang="it-IT" sz="2500" dirty="0" err="1"/>
+              <a:t>luggages</a:t>
+            </a:r>
+            <a:r>
+              <a:rPr lang="it-IT" sz="2500" dirty="0"/>
+              <a:t>, </a:t>
+            </a:r>
+            <a:r>
+              <a:rPr lang="it-IT" sz="2500" dirty="0" err="1"/>
+              <a:t>occlusions</a:t>
+            </a:r>
+            <a:r>
+              <a:rPr lang="it-IT" sz="2500" dirty="0"/>
+              <a:t>, </a:t>
+            </a:r>
+            <a:r>
+              <a:rPr lang="it-IT" sz="2500" dirty="0" err="1">
+                <a:latin typeface="Arial" charset="0"/>
+                <a:cs typeface="Arial" charset="0"/>
+              </a:rPr>
+              <a:t>illumination</a:t>
+            </a:r>
+            <a:r>
+              <a:rPr lang="it-IT" sz="2500" dirty="0" smtClean="0"/>
               <a:t>;</a:t>
             </a:r>
-            <a:endParaRPr lang="it-IT" dirty="0"/>
+            <a:r>
+              <a:rPr lang="it-IT" sz="2500" dirty="0">
+                <a:solidFill>
+                  <a:srgbClr val="DA4430"/>
+                </a:solidFill>
+              </a:rPr>
+              <a:t> </a:t>
+            </a:r>
+            <a:r>
+              <a:rPr lang="it-IT" sz="2500" dirty="0">
+                <a:solidFill>
+                  <a:srgbClr val="00A05A"/>
+                </a:solidFill>
+              </a:rPr>
+              <a:t>✔</a:t>
+            </a:r>
+            <a:r>
+              <a:rPr lang="it-IT" sz="2500" dirty="0" smtClean="0">
+                <a:solidFill>
+                  <a:srgbClr val="DA4430"/>
+                </a:solidFill>
+              </a:rPr>
+              <a:t>✘✘</a:t>
+            </a:r>
+            <a:endParaRPr lang="it-IT" sz="2500" dirty="0"/>
           </a:p>
         </p:txBody>
       </p:sp>
@@ -9997,9 +10561,10 @@
         </p:nvSpPr>
         <p:spPr/>
         <p:txBody>
-          <a:bodyPr/>
+          <a:bodyPr anchor="ctr"/>
           <a:lstStyle/>
           <a:p>
+            <a:pPr algn="just"/>
             <a:r>
               <a:rPr lang="en-US" dirty="0"/>
               <a:t>The approach used in this application is demanding in term of performance. The proposed framework runs at 5 fps on a modern </a:t>
@@ -10710,7 +11275,7 @@
           </p:nvPr>
         </p:nvPicPr>
         <p:blipFill>
-          <a:blip r:embed="rId2">
+          <a:blip r:embed="rId3">
             <a:extLst>
               <a:ext uri="{28A0092B-C50C-407E-A947-70E740481C1C}">
                 <a14:useLocalDpi xmlns:a14="http://schemas.microsoft.com/office/drawing/2010/main" val="0"/>
@@ -11442,7 +12007,7 @@
           <p:nvPr/>
         </p:nvPicPr>
         <p:blipFill>
-          <a:blip r:embed="rId2">
+          <a:blip r:embed="rId3">
             <a:extLst>
               <a:ext uri="{28A0092B-C50C-407E-A947-70E740481C1C}">
                 <a14:useLocalDpi xmlns:a14="http://schemas.microsoft.com/office/drawing/2010/main" val="0"/>
@@ -11482,7 +12047,7 @@
           <p:nvPr/>
         </p:nvPicPr>
         <p:blipFill>
-          <a:blip r:embed="rId3" cstate="print">
+          <a:blip r:embed="rId4" cstate="print">
             <a:extLst>
               <a:ext uri="{28A0092B-C50C-407E-A947-70E740481C1C}">
                 <a14:useLocalDpi xmlns:a14="http://schemas.microsoft.com/office/drawing/2010/main" val="0"/>
@@ -13002,7 +13567,7 @@
                 </a:r>
                 <a:r>
                   <a:rPr lang="it-IT" dirty="0" smtClean="0"/>
-                  <a:t> by </a:t>
+                  <a:t> </a:t>
                 </a:r>
                 <a:r>
                   <a:rPr lang="it-IT" dirty="0" err="1" smtClean="0"/>
@@ -13083,19 +13648,11 @@
               <a:p>
                 <a:r>
                   <a:rPr lang="it-IT" dirty="0" smtClean="0"/>
-                  <a:t>The </a:t>
+                  <a:t>Left </a:t>
                 </a:r>
                 <a:r>
                   <a:rPr lang="it-IT" dirty="0" err="1" smtClean="0"/>
-                  <a:t>left</a:t>
-                </a:r>
-                <a:r>
-                  <a:rPr lang="it-IT" dirty="0" smtClean="0"/>
-                  <a:t> </a:t>
-                </a:r>
-                <a:r>
-                  <a:rPr lang="it-IT" dirty="0" err="1" smtClean="0"/>
-                  <a:t>luggage</a:t>
+                  <a:t>luggages</a:t>
                 </a:r>
                 <a:r>
                   <a:rPr lang="it-IT" dirty="0" smtClean="0"/>
@@ -13165,7 +13722,10 @@
                   <a:rPr lang="it-IT" dirty="0" err="1" smtClean="0"/>
                   <a:t>computed</a:t>
                 </a:r>
-                <a:endParaRPr lang="it-IT" dirty="0" smtClean="0"/>
+                <a:r>
+                  <a:rPr lang="it-IT" dirty="0" smtClean="0"/>
+                  <a:t>:</a:t>
+                </a:r>
               </a:p>
               <a:p>
                 <a:pPr lvl="2"/>
@@ -14096,9 +14656,27 @@
                     <a:tableStyleId>{D27102A9-8310-4765-A935-A1911B00CA55}</a:tableStyleId>
                   </a:tblPr>
                   <a:tblGrid>
-                    <a:gridCol w="1008112"/>
-                    <a:gridCol w="936104"/>
-                    <a:gridCol w="3528392"/>
+                    <a:gridCol w="1008112">
+                      <a:extLst>
+                        <a:ext uri="{9D8B030D-6E8A-4147-A177-3AD203B41FA5}">
+                          <a16:colId xmlns:a16="http://schemas.microsoft.com/office/drawing/2014/main" xmlns="" val="2457669749"/>
+                        </a:ext>
+                      </a:extLst>
+                    </a:gridCol>
+                    <a:gridCol w="936104">
+                      <a:extLst>
+                        <a:ext uri="{9D8B030D-6E8A-4147-A177-3AD203B41FA5}">
+                          <a16:colId xmlns:a16="http://schemas.microsoft.com/office/drawing/2014/main" xmlns="" val="2540206956"/>
+                        </a:ext>
+                      </a:extLst>
+                    </a:gridCol>
+                    <a:gridCol w="3528392">
+                      <a:extLst>
+                        <a:ext uri="{9D8B030D-6E8A-4147-A177-3AD203B41FA5}">
+                          <a16:colId xmlns:a16="http://schemas.microsoft.com/office/drawing/2014/main" xmlns="" val="2761354390"/>
+                        </a:ext>
+                      </a:extLst>
+                    </a:gridCol>
                   </a:tblGrid>
                   <a:tr h="342199">
                     <a:tc>
@@ -14261,6 +14839,11 @@
                       </a:txBody>
                       <a:tcPr/>
                     </a:tc>
+                    <a:extLst>
+                      <a:ext uri="{0D108BD9-81ED-4DB2-BD59-A6C34878D82A}">
+                        <a16:rowId xmlns:a16="http://schemas.microsoft.com/office/drawing/2014/main" xmlns="" val="4294018375"/>
+                      </a:ext>
+                    </a:extLst>
                   </a:tr>
                   <a:tr h="350238">
                     <a:tc>
@@ -14329,6 +14912,11 @@
                       </a:txBody>
                       <a:tcPr/>
                     </a:tc>
+                    <a:extLst>
+                      <a:ext uri="{0D108BD9-81ED-4DB2-BD59-A6C34878D82A}">
+                        <a16:rowId xmlns:a16="http://schemas.microsoft.com/office/drawing/2014/main" xmlns="" val="355921146"/>
+                      </a:ext>
+                    </a:extLst>
                   </a:tr>
                   <a:tr h="350238">
                     <a:tc>
@@ -14417,6 +15005,11 @@
                       </a:txBody>
                       <a:tcPr/>
                     </a:tc>
+                    <a:extLst>
+                      <a:ext uri="{0D108BD9-81ED-4DB2-BD59-A6C34878D82A}">
+                        <a16:rowId xmlns:a16="http://schemas.microsoft.com/office/drawing/2014/main" xmlns="" val="4185509636"/>
+                      </a:ext>
+                    </a:extLst>
                   </a:tr>
                   <a:tr h="350238">
                     <a:tc>
@@ -14493,6 +15086,11 @@
                       </a:txBody>
                       <a:tcPr/>
                     </a:tc>
+                    <a:extLst>
+                      <a:ext uri="{0D108BD9-81ED-4DB2-BD59-A6C34878D82A}">
+                        <a16:rowId xmlns:a16="http://schemas.microsoft.com/office/drawing/2014/main" xmlns="" val="1660943000"/>
+                      </a:ext>
+                    </a:extLst>
                   </a:tr>
                   <a:tr h="196302">
                     <a:tc>
@@ -14561,6 +15159,11 @@
                       </a:txBody>
                       <a:tcPr/>
                     </a:tc>
+                    <a:extLst>
+                      <a:ext uri="{0D108BD9-81ED-4DB2-BD59-A6C34878D82A}">
+                        <a16:rowId xmlns:a16="http://schemas.microsoft.com/office/drawing/2014/main" xmlns="" val="665237036"/>
+                      </a:ext>
+                    </a:extLst>
                   </a:tr>
                 </a:tbl>
               </a:graphicData>
@@ -15124,8 +15727,20 @@
                     <a:tableStyleId>{D27102A9-8310-4765-A935-A1911B00CA55}</a:tableStyleId>
                   </a:tblPr>
                   <a:tblGrid>
-                    <a:gridCol w="2520280"/>
-                    <a:gridCol w="3575720"/>
+                    <a:gridCol w="2520280">
+                      <a:extLst>
+                        <a:ext uri="{9D8B030D-6E8A-4147-A177-3AD203B41FA5}">
+                          <a16:colId xmlns:a16="http://schemas.microsoft.com/office/drawing/2014/main" xmlns="" val="115081271"/>
+                        </a:ext>
+                      </a:extLst>
+                    </a:gridCol>
+                    <a:gridCol w="3575720">
+                      <a:extLst>
+                        <a:ext uri="{9D8B030D-6E8A-4147-A177-3AD203B41FA5}">
+                          <a16:colId xmlns:a16="http://schemas.microsoft.com/office/drawing/2014/main" xmlns="" val="3263495983"/>
+                        </a:ext>
+                      </a:extLst>
+                    </a:gridCol>
                   </a:tblGrid>
                   <a:tr h="370840">
                     <a:tc>
@@ -15209,6 +15824,11 @@
                       </a:txBody>
                       <a:tcPr/>
                     </a:tc>
+                    <a:extLst>
+                      <a:ext uri="{0D108BD9-81ED-4DB2-BD59-A6C34878D82A}">
+                        <a16:rowId xmlns:a16="http://schemas.microsoft.com/office/drawing/2014/main" xmlns="" val="2848686786"/>
+                      </a:ext>
+                    </a:extLst>
                   </a:tr>
                   <a:tr h="370840">
                     <a:tc>
@@ -15435,6 +16055,11 @@
                       </a:txBody>
                       <a:tcPr/>
                     </a:tc>
+                    <a:extLst>
+                      <a:ext uri="{0D108BD9-81ED-4DB2-BD59-A6C34878D82A}">
+                        <a16:rowId xmlns:a16="http://schemas.microsoft.com/office/drawing/2014/main" xmlns="" val="3571887534"/>
+                      </a:ext>
+                    </a:extLst>
                   </a:tr>
                   <a:tr h="370840">
                     <a:tc>
@@ -15697,6 +16322,11 @@
                       </a:txBody>
                       <a:tcPr/>
                     </a:tc>
+                    <a:extLst>
+                      <a:ext uri="{0D108BD9-81ED-4DB2-BD59-A6C34878D82A}">
+                        <a16:rowId xmlns:a16="http://schemas.microsoft.com/office/drawing/2014/main" xmlns="" val="261215346"/>
+                      </a:ext>
+                    </a:extLst>
                   </a:tr>
                   <a:tr h="370840">
                     <a:tc>
@@ -15846,6 +16476,11 @@
                       </a:txBody>
                       <a:tcPr/>
                     </a:tc>
+                    <a:extLst>
+                      <a:ext uri="{0D108BD9-81ED-4DB2-BD59-A6C34878D82A}">
+                        <a16:rowId xmlns:a16="http://schemas.microsoft.com/office/drawing/2014/main" xmlns="" val="459516510"/>
+                      </a:ext>
+                    </a:extLst>
                   </a:tr>
                   <a:tr h="370840">
                     <a:tc>
@@ -15951,6 +16586,11 @@
                       </a:txBody>
                       <a:tcPr/>
                     </a:tc>
+                    <a:extLst>
+                      <a:ext uri="{0D108BD9-81ED-4DB2-BD59-A6C34878D82A}">
+                        <a16:rowId xmlns:a16="http://schemas.microsoft.com/office/drawing/2014/main" xmlns="" val="3729257125"/>
+                      </a:ext>
+                    </a:extLst>
                   </a:tr>
                 </a:tbl>
               </a:graphicData>
@@ -17226,8 +17866,8 @@
           </a:p>
         </p:txBody>
       </p:sp>
-      <mc:AlternateContent xmlns:mc="http://schemas.openxmlformats.org/markup-compatibility/2006" xmlns:a14="http://schemas.microsoft.com/office/drawing/2010/main">
-        <mc:Choice Requires="a14">
+      <mc:AlternateContent xmlns:mc="http://schemas.openxmlformats.org/markup-compatibility/2006">
+        <mc:Choice xmlns:a14="http://schemas.microsoft.com/office/drawing/2010/main" Requires="a14">
           <p:sp>
             <p:nvSpPr>
               <p:cNvPr id="3" name="Segnaposto contenuto 2"/>
@@ -17301,7 +17941,7 @@
                 </a:r>
                 <a:r>
                   <a:rPr lang="it-IT" dirty="0" smtClean="0"/>
-                  <a:t> by </a:t>
+                  <a:t> </a:t>
                 </a:r>
                 <a:r>
                   <a:rPr lang="it-IT" dirty="0" err="1" smtClean="0"/>
@@ -17693,7 +18333,7 @@
             </p:txBody>
           </p:sp>
         </mc:Choice>
-        <mc:Fallback xmlns="">
+        <mc:Fallback>
           <p:sp>
             <p:nvSpPr>
               <p:cNvPr id="3" name="Segnaposto contenuto 2"/>

--- a/docs/Presentation - Left luggage detection.pptx
+++ b/docs/Presentation - Left luggage detection.pptx
@@ -161,7 +161,7 @@
   </p:defaultTextStyle>
   <p:extLst>
     <p:ext uri="{EFAFB233-063F-42B5-8137-9DF3F51BA10A}">
-      <p15:sldGuideLst xmlns:p15="http://schemas.microsoft.com/office/powerpoint/2012/main" xmlns="">
+      <p15:sldGuideLst xmlns="" xmlns:p15="http://schemas.microsoft.com/office/powerpoint/2012/main">
         <p15:guide id="1" orient="horz" pos="2160">
           <p15:clr>
             <a:srgbClr val="A4A3A4"/>
@@ -175,7 +175,7 @@
       </p15:sldGuideLst>
     </p:ext>
     <p:ext uri="{2D200454-40CA-4A62-9FC3-DE9A4176ACB9}">
-      <p15:notesGuideLst xmlns:p15="http://schemas.microsoft.com/office/powerpoint/2012/main" xmlns="">
+      <p15:notesGuideLst xmlns="" xmlns:p15="http://schemas.microsoft.com/office/powerpoint/2012/main">
         <p15:guide id="1" orient="horz" pos="2880">
           <p15:clr>
             <a:srgbClr val="A4A3A4"/>
@@ -306,7 +306,7 @@
               <a:pPr>
                 <a:defRPr/>
               </a:pPr>
-              <a:t>04/06/2014</a:t>
+              <a:t>12/06/2014</a:t>
             </a:fld>
             <a:endParaRPr lang="it-IT" altLang="it-IT"/>
           </a:p>
@@ -5735,8 +5735,8 @@
           </a:p>
         </p:txBody>
       </p:sp>
-      <mc:AlternateContent xmlns:mc="http://schemas.openxmlformats.org/markup-compatibility/2006">
-        <mc:Choice xmlns:a14="http://schemas.microsoft.com/office/drawing/2010/main" Requires="a14">
+      <mc:AlternateContent xmlns:mc="http://schemas.openxmlformats.org/markup-compatibility/2006" xmlns:a14="http://schemas.microsoft.com/office/drawing/2010/main">
+        <mc:Choice Requires="a14">
           <p:sp>
             <p:nvSpPr>
               <p:cNvPr id="3" name="Segnaposto contenuto 2"/>
@@ -6381,15 +6381,7 @@
               <a:p>
                 <a:r>
                   <a:rPr lang="en-US" sz="3000" dirty="0" smtClean="0"/>
-                  <a:t>A bounding box contains a set of connected </a:t>
-                </a:r>
-                <a:r>
-                  <a:rPr lang="en-US" sz="3000" dirty="0" smtClean="0"/>
-                  <a:t>pixel in which the aggregator </a:t>
-                </a:r>
-                <a:r>
-                  <a:rPr lang="en-US" sz="3000" dirty="0" smtClean="0"/>
-                  <a:t>value is </a:t>
+                  <a:t>A bounding box contains a set of connected pixel in which the aggregator value is </a:t>
                 </a:r>
                 <a14:m>
                   <m:oMath xmlns:m="http://schemas.openxmlformats.org/officeDocument/2006/math">
@@ -6444,7 +6436,7 @@
             </p:txBody>
           </p:sp>
         </mc:Choice>
-        <mc:Fallback>
+        <mc:Fallback xmlns="">
           <p:sp>
             <p:nvSpPr>
               <p:cNvPr id="3" name="Segnaposto contenuto 2"/>
@@ -8854,8 +8846,8 @@
           </a:p>
         </p:txBody>
       </p:sp>
-      <mc:AlternateContent xmlns:mc="http://schemas.openxmlformats.org/markup-compatibility/2006">
-        <mc:Choice xmlns:a14="http://schemas.microsoft.com/office/drawing/2010/main" Requires="a14">
+      <mc:AlternateContent xmlns:mc="http://schemas.openxmlformats.org/markup-compatibility/2006" xmlns:a14="http://schemas.microsoft.com/office/drawing/2010/main">
+        <mc:Choice Requires="a14">
           <p:sp>
             <p:nvSpPr>
               <p:cNvPr id="3" name="Segnaposto contenuto 2"/>
@@ -9876,7 +9868,7 @@
             </p:txBody>
           </p:sp>
         </mc:Choice>
-        <mc:Fallback>
+        <mc:Fallback xmlns="">
           <p:sp>
             <p:nvSpPr>
               <p:cNvPr id="3" name="Segnaposto contenuto 2"/>
@@ -11453,24 +11445,24 @@
               <a:buNone/>
             </a:pPr>
             <a:r>
-              <a:rPr lang="it-IT" altLang="it-IT" sz="3200" dirty="0" smtClean="0">
+              <a:rPr lang="it-IT" altLang="it-IT" sz="3200" dirty="0" err="1" smtClean="0">
                 <a:solidFill>
                   <a:schemeClr val="tx1"/>
                 </a:solidFill>
                 <a:latin typeface="Tahoma" pitchFamily="34" charset="0"/>
                 <a:cs typeface="Tahoma" pitchFamily="34" charset="0"/>
               </a:rPr>
-              <a:t>March </a:t>
-            </a:r>
-            <a:r>
-              <a:rPr lang="it-IT" altLang="it-IT" sz="3200" dirty="0" err="1" smtClean="0">
+              <a:t>June</a:t>
+            </a:r>
+            <a:r>
+              <a:rPr lang="it-IT" altLang="it-IT" sz="3200" dirty="0" smtClean="0">
                 <a:solidFill>
                   <a:schemeClr val="tx1"/>
                 </a:solidFill>
                 <a:latin typeface="Tahoma" pitchFamily="34" charset="0"/>
                 <a:cs typeface="Tahoma" pitchFamily="34" charset="0"/>
               </a:rPr>
-              <a:t>xxth</a:t>
+              <a:t> 13th</a:t>
             </a:r>
             <a:r>
               <a:rPr lang="it-IT" altLang="it-IT" sz="3200" dirty="0">
@@ -14659,21 +14651,21 @@
                     <a:gridCol w="1008112">
                       <a:extLst>
                         <a:ext uri="{9D8B030D-6E8A-4147-A177-3AD203B41FA5}">
-                          <a16:colId xmlns:a16="http://schemas.microsoft.com/office/drawing/2014/main" xmlns="" val="2457669749"/>
+                          <a16:colId xmlns="" xmlns:a16="http://schemas.microsoft.com/office/drawing/2014/main" val="2457669749"/>
                         </a:ext>
                       </a:extLst>
                     </a:gridCol>
                     <a:gridCol w="936104">
                       <a:extLst>
                         <a:ext uri="{9D8B030D-6E8A-4147-A177-3AD203B41FA5}">
-                          <a16:colId xmlns:a16="http://schemas.microsoft.com/office/drawing/2014/main" xmlns="" val="2540206956"/>
+                          <a16:colId xmlns="" xmlns:a16="http://schemas.microsoft.com/office/drawing/2014/main" val="2540206956"/>
                         </a:ext>
                       </a:extLst>
                     </a:gridCol>
                     <a:gridCol w="3528392">
                       <a:extLst>
                         <a:ext uri="{9D8B030D-6E8A-4147-A177-3AD203B41FA5}">
-                          <a16:colId xmlns:a16="http://schemas.microsoft.com/office/drawing/2014/main" xmlns="" val="2761354390"/>
+                          <a16:colId xmlns="" xmlns:a16="http://schemas.microsoft.com/office/drawing/2014/main" val="2761354390"/>
                         </a:ext>
                       </a:extLst>
                     </a:gridCol>
@@ -14841,7 +14833,7 @@
                     </a:tc>
                     <a:extLst>
                       <a:ext uri="{0D108BD9-81ED-4DB2-BD59-A6C34878D82A}">
-                        <a16:rowId xmlns:a16="http://schemas.microsoft.com/office/drawing/2014/main" xmlns="" val="4294018375"/>
+                        <a16:rowId xmlns="" xmlns:a16="http://schemas.microsoft.com/office/drawing/2014/main" val="4294018375"/>
                       </a:ext>
                     </a:extLst>
                   </a:tr>
@@ -14914,7 +14906,7 @@
                     </a:tc>
                     <a:extLst>
                       <a:ext uri="{0D108BD9-81ED-4DB2-BD59-A6C34878D82A}">
-                        <a16:rowId xmlns:a16="http://schemas.microsoft.com/office/drawing/2014/main" xmlns="" val="355921146"/>
+                        <a16:rowId xmlns="" xmlns:a16="http://schemas.microsoft.com/office/drawing/2014/main" val="355921146"/>
                       </a:ext>
                     </a:extLst>
                   </a:tr>
@@ -15007,7 +14999,7 @@
                     </a:tc>
                     <a:extLst>
                       <a:ext uri="{0D108BD9-81ED-4DB2-BD59-A6C34878D82A}">
-                        <a16:rowId xmlns:a16="http://schemas.microsoft.com/office/drawing/2014/main" xmlns="" val="4185509636"/>
+                        <a16:rowId xmlns="" xmlns:a16="http://schemas.microsoft.com/office/drawing/2014/main" val="4185509636"/>
                       </a:ext>
                     </a:extLst>
                   </a:tr>
@@ -15088,7 +15080,7 @@
                     </a:tc>
                     <a:extLst>
                       <a:ext uri="{0D108BD9-81ED-4DB2-BD59-A6C34878D82A}">
-                        <a16:rowId xmlns:a16="http://schemas.microsoft.com/office/drawing/2014/main" xmlns="" val="1660943000"/>
+                        <a16:rowId xmlns="" xmlns:a16="http://schemas.microsoft.com/office/drawing/2014/main" val="1660943000"/>
                       </a:ext>
                     </a:extLst>
                   </a:tr>
@@ -15161,7 +15153,7 @@
                     </a:tc>
                     <a:extLst>
                       <a:ext uri="{0D108BD9-81ED-4DB2-BD59-A6C34878D82A}">
-                        <a16:rowId xmlns:a16="http://schemas.microsoft.com/office/drawing/2014/main" xmlns="" val="665237036"/>
+                        <a16:rowId xmlns="" xmlns:a16="http://schemas.microsoft.com/office/drawing/2014/main" val="665237036"/>
                       </a:ext>
                     </a:extLst>
                   </a:tr>
@@ -15730,14 +15722,14 @@
                     <a:gridCol w="2520280">
                       <a:extLst>
                         <a:ext uri="{9D8B030D-6E8A-4147-A177-3AD203B41FA5}">
-                          <a16:colId xmlns:a16="http://schemas.microsoft.com/office/drawing/2014/main" xmlns="" val="115081271"/>
+                          <a16:colId xmlns="" xmlns:a16="http://schemas.microsoft.com/office/drawing/2014/main" val="115081271"/>
                         </a:ext>
                       </a:extLst>
                     </a:gridCol>
                     <a:gridCol w="3575720">
                       <a:extLst>
                         <a:ext uri="{9D8B030D-6E8A-4147-A177-3AD203B41FA5}">
-                          <a16:colId xmlns:a16="http://schemas.microsoft.com/office/drawing/2014/main" xmlns="" val="3263495983"/>
+                          <a16:colId xmlns="" xmlns:a16="http://schemas.microsoft.com/office/drawing/2014/main" val="3263495983"/>
                         </a:ext>
                       </a:extLst>
                     </a:gridCol>
@@ -15826,7 +15818,7 @@
                     </a:tc>
                     <a:extLst>
                       <a:ext uri="{0D108BD9-81ED-4DB2-BD59-A6C34878D82A}">
-                        <a16:rowId xmlns:a16="http://schemas.microsoft.com/office/drawing/2014/main" xmlns="" val="2848686786"/>
+                        <a16:rowId xmlns="" xmlns:a16="http://schemas.microsoft.com/office/drawing/2014/main" val="2848686786"/>
                       </a:ext>
                     </a:extLst>
                   </a:tr>
@@ -16057,7 +16049,7 @@
                     </a:tc>
                     <a:extLst>
                       <a:ext uri="{0D108BD9-81ED-4DB2-BD59-A6C34878D82A}">
-                        <a16:rowId xmlns:a16="http://schemas.microsoft.com/office/drawing/2014/main" xmlns="" val="3571887534"/>
+                        <a16:rowId xmlns="" xmlns:a16="http://schemas.microsoft.com/office/drawing/2014/main" val="3571887534"/>
                       </a:ext>
                     </a:extLst>
                   </a:tr>
@@ -16324,7 +16316,7 @@
                     </a:tc>
                     <a:extLst>
                       <a:ext uri="{0D108BD9-81ED-4DB2-BD59-A6C34878D82A}">
-                        <a16:rowId xmlns:a16="http://schemas.microsoft.com/office/drawing/2014/main" xmlns="" val="261215346"/>
+                        <a16:rowId xmlns="" xmlns:a16="http://schemas.microsoft.com/office/drawing/2014/main" val="261215346"/>
                       </a:ext>
                     </a:extLst>
                   </a:tr>
@@ -16478,7 +16470,7 @@
                     </a:tc>
                     <a:extLst>
                       <a:ext uri="{0D108BD9-81ED-4DB2-BD59-A6C34878D82A}">
-                        <a16:rowId xmlns:a16="http://schemas.microsoft.com/office/drawing/2014/main" xmlns="" val="459516510"/>
+                        <a16:rowId xmlns="" xmlns:a16="http://schemas.microsoft.com/office/drawing/2014/main" val="459516510"/>
                       </a:ext>
                     </a:extLst>
                   </a:tr>
@@ -16588,7 +16580,7 @@
                     </a:tc>
                     <a:extLst>
                       <a:ext uri="{0D108BD9-81ED-4DB2-BD59-A6C34878D82A}">
-                        <a16:rowId xmlns:a16="http://schemas.microsoft.com/office/drawing/2014/main" xmlns="" val="3729257125"/>
+                        <a16:rowId xmlns="" xmlns:a16="http://schemas.microsoft.com/office/drawing/2014/main" val="3729257125"/>
                       </a:ext>
                     </a:extLst>
                   </a:tr>
@@ -17866,8 +17858,8 @@
           </a:p>
         </p:txBody>
       </p:sp>
-      <mc:AlternateContent xmlns:mc="http://schemas.openxmlformats.org/markup-compatibility/2006">
-        <mc:Choice xmlns:a14="http://schemas.microsoft.com/office/drawing/2010/main" Requires="a14">
+      <mc:AlternateContent xmlns:mc="http://schemas.openxmlformats.org/markup-compatibility/2006" xmlns:a14="http://schemas.microsoft.com/office/drawing/2010/main">
+        <mc:Choice Requires="a14">
           <p:sp>
             <p:nvSpPr>
               <p:cNvPr id="3" name="Segnaposto contenuto 2"/>
@@ -18333,7 +18325,7 @@
             </p:txBody>
           </p:sp>
         </mc:Choice>
-        <mc:Fallback>
+        <mc:Fallback xmlns="">
           <p:sp>
             <p:nvSpPr>
               <p:cNvPr id="3" name="Segnaposto contenuto 2"/>

--- a/docs/Presentation - Left luggage detection.pptx
+++ b/docs/Presentation - Left luggage detection.pptx
@@ -161,7 +161,7 @@
   </p:defaultTextStyle>
   <p:extLst>
     <p:ext uri="{EFAFB233-063F-42B5-8137-9DF3F51BA10A}">
-      <p15:sldGuideLst xmlns="" xmlns:p15="http://schemas.microsoft.com/office/powerpoint/2012/main">
+      <p15:sldGuideLst xmlns:p15="http://schemas.microsoft.com/office/powerpoint/2012/main" xmlns="">
         <p15:guide id="1" orient="horz" pos="2160">
           <p15:clr>
             <a:srgbClr val="A4A3A4"/>
@@ -175,7 +175,7 @@
       </p15:sldGuideLst>
     </p:ext>
     <p:ext uri="{2D200454-40CA-4A62-9FC3-DE9A4176ACB9}">
-      <p15:notesGuideLst xmlns="" xmlns:p15="http://schemas.microsoft.com/office/powerpoint/2012/main">
+      <p15:notesGuideLst xmlns:p15="http://schemas.microsoft.com/office/powerpoint/2012/main" xmlns="">
         <p15:guide id="1" orient="horz" pos="2880">
           <p15:clr>
             <a:srgbClr val="A4A3A4"/>
@@ -8327,8 +8327,8 @@
           </a:p>
         </p:txBody>
       </p:sp>
-      <mc:AlternateContent xmlns:mc="http://schemas.openxmlformats.org/markup-compatibility/2006" xmlns:a14="http://schemas.microsoft.com/office/drawing/2010/main">
-        <mc:Choice Requires="a14">
+      <mc:AlternateContent xmlns:mc="http://schemas.openxmlformats.org/markup-compatibility/2006">
+        <mc:Choice xmlns:a14="http://schemas.microsoft.com/office/drawing/2010/main" Requires="a14">
           <p:sp>
             <p:nvSpPr>
               <p:cNvPr id="3" name="Segnaposto contenuto 2"/>
@@ -8619,7 +8619,14 @@
                         <a:latin typeface="Cambria Math"/>
                         <a:ea typeface="Cambria Math"/>
                       </a:rPr>
-                      <m:t>≥50%</m:t>
+                      <m:t>≥</m:t>
+                    </m:r>
+                    <m:r>
+                      <a:rPr lang="it-IT" b="0" i="1" smtClean="0">
+                        <a:latin typeface="Cambria Math"/>
+                        <a:ea typeface="Cambria Math"/>
+                      </a:rPr>
+                      <m:t>0.50</m:t>
                     </m:r>
                   </m:oMath>
                 </a14:m>
@@ -8716,7 +8723,7 @@
             </p:txBody>
           </p:sp>
         </mc:Choice>
-        <mc:Fallback xmlns="">
+        <mc:Fallback>
           <p:sp>
             <p:nvSpPr>
               <p:cNvPr id="3" name="Segnaposto contenuto 2"/>
@@ -8846,8 +8853,8 @@
           </a:p>
         </p:txBody>
       </p:sp>
-      <mc:AlternateContent xmlns:mc="http://schemas.openxmlformats.org/markup-compatibility/2006" xmlns:a14="http://schemas.microsoft.com/office/drawing/2010/main">
-        <mc:Choice Requires="a14">
+      <mc:AlternateContent xmlns:mc="http://schemas.openxmlformats.org/markup-compatibility/2006">
+        <mc:Choice xmlns:a14="http://schemas.microsoft.com/office/drawing/2010/main" Requires="a14">
           <p:sp>
             <p:nvSpPr>
               <p:cNvPr id="3" name="Segnaposto contenuto 2"/>
@@ -8866,7 +8873,7 @@
               <a:lstStyle/>
               <a:p>
                 <a:r>
-                  <a:rPr lang="it-IT" dirty="0"/>
+                  <a:rPr lang="it-IT" dirty="0" smtClean="0"/>
                   <a:t>Since in the RGB </a:t>
                 </a:r>
                 <a:r>
@@ -9286,23 +9293,16 @@
                 <a14:m>
                   <m:oMath xmlns:m="http://schemas.openxmlformats.org/officeDocument/2006/math">
                     <m:r>
-                      <a:rPr lang="it-IT">
+                      <a:rPr lang="it-IT" b="0" i="1" smtClean="0">
                         <a:latin typeface="Cambria Math"/>
                         <a:ea typeface="Cambria Math"/>
                       </a:rPr>
-                      <m:t>50</m:t>
-                    </m:r>
-                    <m:r>
-                      <a:rPr lang="it-IT" i="1">
-                        <a:latin typeface="Cambria Math"/>
-                        <a:ea typeface="Cambria Math"/>
-                      </a:rPr>
-                      <m:t>%</m:t>
+                      <m:t>0.50</m:t>
                     </m:r>
                   </m:oMath>
                 </a14:m>
                 <a:r>
-                  <a:rPr lang="it-IT" dirty="0"/>
+                  <a:rPr lang="it-IT" dirty="0" smtClean="0"/>
                   <a:t> </a:t>
                 </a:r>
                 <a:r>
@@ -9868,7 +9868,7 @@
             </p:txBody>
           </p:sp>
         </mc:Choice>
-        <mc:Fallback xmlns="">
+        <mc:Fallback>
           <p:sp>
             <p:nvSpPr>
               <p:cNvPr id="3" name="Segnaposto contenuto 2"/>
@@ -10364,20 +10364,20 @@
               <a:t>; </a:t>
             </a:r>
             <a:r>
+              <a:rPr lang="it-IT" sz="2500" dirty="0">
+                <a:solidFill>
+                  <a:srgbClr val="00A05A"/>
+                </a:solidFill>
+              </a:rPr>
+              <a:t>✔✔</a:t>
+            </a:r>
+            <a:r>
               <a:rPr lang="it-IT" sz="2500" dirty="0" smtClean="0">
                 <a:solidFill>
-                  <a:srgbClr val="00A05A"/>
-                </a:solidFill>
-              </a:rPr>
-              <a:t>✔</a:t>
-            </a:r>
-            <a:r>
-              <a:rPr lang="it-IT" sz="2500" dirty="0" smtClean="0">
-                <a:solidFill>
                   <a:srgbClr val="DA4430"/>
                 </a:solidFill>
               </a:rPr>
-              <a:t>✘✘</a:t>
+              <a:t>✘</a:t>
             </a:r>
             <a:endParaRPr lang="it-IT" sz="2500" dirty="0"/>
           </a:p>
@@ -10444,7 +10444,7 @@
                   <a:srgbClr val="00A05A"/>
                 </a:solidFill>
               </a:rPr>
-              <a:t>✔</a:t>
+              <a:t>✔✔</a:t>
             </a:r>
             <a:r>
               <a:rPr lang="it-IT" sz="2500" dirty="0" smtClean="0">
@@ -10452,7 +10452,7 @@
                   <a:srgbClr val="DA4430"/>
                 </a:solidFill>
               </a:rPr>
-              <a:t>✘✘</a:t>
+              <a:t>✘</a:t>
             </a:r>
             <a:endParaRPr lang="it-IT" sz="2500" dirty="0"/>
           </a:p>
@@ -14651,21 +14651,21 @@
                     <a:gridCol w="1008112">
                       <a:extLst>
                         <a:ext uri="{9D8B030D-6E8A-4147-A177-3AD203B41FA5}">
-                          <a16:colId xmlns="" xmlns:a16="http://schemas.microsoft.com/office/drawing/2014/main" val="2457669749"/>
+                          <a16:colId xmlns:a16="http://schemas.microsoft.com/office/drawing/2014/main" xmlns="" val="2457669749"/>
                         </a:ext>
                       </a:extLst>
                     </a:gridCol>
                     <a:gridCol w="936104">
                       <a:extLst>
                         <a:ext uri="{9D8B030D-6E8A-4147-A177-3AD203B41FA5}">
-                          <a16:colId xmlns="" xmlns:a16="http://schemas.microsoft.com/office/drawing/2014/main" val="2540206956"/>
+                          <a16:colId xmlns:a16="http://schemas.microsoft.com/office/drawing/2014/main" xmlns="" val="2540206956"/>
                         </a:ext>
                       </a:extLst>
                     </a:gridCol>
                     <a:gridCol w="3528392">
                       <a:extLst>
                         <a:ext uri="{9D8B030D-6E8A-4147-A177-3AD203B41FA5}">
-                          <a16:colId xmlns="" xmlns:a16="http://schemas.microsoft.com/office/drawing/2014/main" val="2761354390"/>
+                          <a16:colId xmlns:a16="http://schemas.microsoft.com/office/drawing/2014/main" xmlns="" val="2761354390"/>
                         </a:ext>
                       </a:extLst>
                     </a:gridCol>
@@ -14833,7 +14833,7 @@
                     </a:tc>
                     <a:extLst>
                       <a:ext uri="{0D108BD9-81ED-4DB2-BD59-A6C34878D82A}">
-                        <a16:rowId xmlns="" xmlns:a16="http://schemas.microsoft.com/office/drawing/2014/main" val="4294018375"/>
+                        <a16:rowId xmlns:a16="http://schemas.microsoft.com/office/drawing/2014/main" xmlns="" val="4294018375"/>
                       </a:ext>
                     </a:extLst>
                   </a:tr>
@@ -14906,7 +14906,7 @@
                     </a:tc>
                     <a:extLst>
                       <a:ext uri="{0D108BD9-81ED-4DB2-BD59-A6C34878D82A}">
-                        <a16:rowId xmlns="" xmlns:a16="http://schemas.microsoft.com/office/drawing/2014/main" val="355921146"/>
+                        <a16:rowId xmlns:a16="http://schemas.microsoft.com/office/drawing/2014/main" xmlns="" val="355921146"/>
                       </a:ext>
                     </a:extLst>
                   </a:tr>
@@ -14999,7 +14999,7 @@
                     </a:tc>
                     <a:extLst>
                       <a:ext uri="{0D108BD9-81ED-4DB2-BD59-A6C34878D82A}">
-                        <a16:rowId xmlns="" xmlns:a16="http://schemas.microsoft.com/office/drawing/2014/main" val="4185509636"/>
+                        <a16:rowId xmlns:a16="http://schemas.microsoft.com/office/drawing/2014/main" xmlns="" val="4185509636"/>
                       </a:ext>
                     </a:extLst>
                   </a:tr>
@@ -15080,7 +15080,7 @@
                     </a:tc>
                     <a:extLst>
                       <a:ext uri="{0D108BD9-81ED-4DB2-BD59-A6C34878D82A}">
-                        <a16:rowId xmlns="" xmlns:a16="http://schemas.microsoft.com/office/drawing/2014/main" val="1660943000"/>
+                        <a16:rowId xmlns:a16="http://schemas.microsoft.com/office/drawing/2014/main" xmlns="" val="1660943000"/>
                       </a:ext>
                     </a:extLst>
                   </a:tr>
@@ -15153,7 +15153,7 @@
                     </a:tc>
                     <a:extLst>
                       <a:ext uri="{0D108BD9-81ED-4DB2-BD59-A6C34878D82A}">
-                        <a16:rowId xmlns="" xmlns:a16="http://schemas.microsoft.com/office/drawing/2014/main" val="665237036"/>
+                        <a16:rowId xmlns:a16="http://schemas.microsoft.com/office/drawing/2014/main" xmlns="" val="665237036"/>
                       </a:ext>
                     </a:extLst>
                   </a:tr>
@@ -15722,14 +15722,14 @@
                     <a:gridCol w="2520280">
                       <a:extLst>
                         <a:ext uri="{9D8B030D-6E8A-4147-A177-3AD203B41FA5}">
-                          <a16:colId xmlns="" xmlns:a16="http://schemas.microsoft.com/office/drawing/2014/main" val="115081271"/>
+                          <a16:colId xmlns:a16="http://schemas.microsoft.com/office/drawing/2014/main" xmlns="" val="115081271"/>
                         </a:ext>
                       </a:extLst>
                     </a:gridCol>
                     <a:gridCol w="3575720">
                       <a:extLst>
                         <a:ext uri="{9D8B030D-6E8A-4147-A177-3AD203B41FA5}">
-                          <a16:colId xmlns="" xmlns:a16="http://schemas.microsoft.com/office/drawing/2014/main" val="3263495983"/>
+                          <a16:colId xmlns:a16="http://schemas.microsoft.com/office/drawing/2014/main" xmlns="" val="3263495983"/>
                         </a:ext>
                       </a:extLst>
                     </a:gridCol>
@@ -15818,7 +15818,7 @@
                     </a:tc>
                     <a:extLst>
                       <a:ext uri="{0D108BD9-81ED-4DB2-BD59-A6C34878D82A}">
-                        <a16:rowId xmlns="" xmlns:a16="http://schemas.microsoft.com/office/drawing/2014/main" val="2848686786"/>
+                        <a16:rowId xmlns:a16="http://schemas.microsoft.com/office/drawing/2014/main" xmlns="" val="2848686786"/>
                       </a:ext>
                     </a:extLst>
                   </a:tr>
@@ -16049,7 +16049,7 @@
                     </a:tc>
                     <a:extLst>
                       <a:ext uri="{0D108BD9-81ED-4DB2-BD59-A6C34878D82A}">
-                        <a16:rowId xmlns="" xmlns:a16="http://schemas.microsoft.com/office/drawing/2014/main" val="3571887534"/>
+                        <a16:rowId xmlns:a16="http://schemas.microsoft.com/office/drawing/2014/main" xmlns="" val="3571887534"/>
                       </a:ext>
                     </a:extLst>
                   </a:tr>
@@ -16316,7 +16316,7 @@
                     </a:tc>
                     <a:extLst>
                       <a:ext uri="{0D108BD9-81ED-4DB2-BD59-A6C34878D82A}">
-                        <a16:rowId xmlns="" xmlns:a16="http://schemas.microsoft.com/office/drawing/2014/main" val="261215346"/>
+                        <a16:rowId xmlns:a16="http://schemas.microsoft.com/office/drawing/2014/main" xmlns="" val="261215346"/>
                       </a:ext>
                     </a:extLst>
                   </a:tr>
@@ -16470,7 +16470,7 @@
                     </a:tc>
                     <a:extLst>
                       <a:ext uri="{0D108BD9-81ED-4DB2-BD59-A6C34878D82A}">
-                        <a16:rowId xmlns="" xmlns:a16="http://schemas.microsoft.com/office/drawing/2014/main" val="459516510"/>
+                        <a16:rowId xmlns:a16="http://schemas.microsoft.com/office/drawing/2014/main" xmlns="" val="459516510"/>
                       </a:ext>
                     </a:extLst>
                   </a:tr>
@@ -16580,7 +16580,7 @@
                     </a:tc>
                     <a:extLst>
                       <a:ext uri="{0D108BD9-81ED-4DB2-BD59-A6C34878D82A}">
-                        <a16:rowId xmlns="" xmlns:a16="http://schemas.microsoft.com/office/drawing/2014/main" val="3729257125"/>
+                        <a16:rowId xmlns:a16="http://schemas.microsoft.com/office/drawing/2014/main" xmlns="" val="3729257125"/>
                       </a:ext>
                     </a:extLst>
                   </a:tr>
@@ -17858,8 +17858,8 @@
           </a:p>
         </p:txBody>
       </p:sp>
-      <mc:AlternateContent xmlns:mc="http://schemas.openxmlformats.org/markup-compatibility/2006" xmlns:a14="http://schemas.microsoft.com/office/drawing/2010/main">
-        <mc:Choice Requires="a14">
+      <mc:AlternateContent xmlns:mc="http://schemas.openxmlformats.org/markup-compatibility/2006">
+        <mc:Choice xmlns:a14="http://schemas.microsoft.com/office/drawing/2010/main" Requires="a14">
           <p:sp>
             <p:nvSpPr>
               <p:cNvPr id="3" name="Segnaposto contenuto 2"/>
@@ -18289,7 +18289,14 @@
                         <a:latin typeface="Cambria Math"/>
                         <a:ea typeface="Cambria Math"/>
                       </a:rPr>
-                      <m:t>≥50%</m:t>
+                      <m:t>≥0</m:t>
+                    </m:r>
+                    <m:r>
+                      <a:rPr lang="it-IT" b="0" i="1" smtClean="0">
+                        <a:latin typeface="Cambria Math"/>
+                        <a:ea typeface="Cambria Math"/>
+                      </a:rPr>
+                      <m:t>.50</m:t>
                     </m:r>
                   </m:oMath>
                 </a14:m>
@@ -18325,7 +18332,7 @@
             </p:txBody>
           </p:sp>
         </mc:Choice>
-        <mc:Fallback xmlns="">
+        <mc:Fallback>
           <p:sp>
             <p:nvSpPr>
               <p:cNvPr id="3" name="Segnaposto contenuto 2"/>
